--- a/DIAPO.pptx
+++ b/DIAPO.pptx
@@ -8,6 +8,22 @@
     <p:sldId id="256" r:id="rId2"/>
     <p:sldId id="261" r:id="rId3"/>
     <p:sldId id="260" r:id="rId4"/>
+    <p:sldId id="264" r:id="rId5"/>
+    <p:sldId id="262" r:id="rId6"/>
+    <p:sldId id="265" r:id="rId7"/>
+    <p:sldId id="266" r:id="rId8"/>
+    <p:sldId id="268" r:id="rId9"/>
+    <p:sldId id="269" r:id="rId10"/>
+    <p:sldId id="271" r:id="rId11"/>
+    <p:sldId id="272" r:id="rId12"/>
+    <p:sldId id="274" r:id="rId13"/>
+    <p:sldId id="275" r:id="rId14"/>
+    <p:sldId id="276" r:id="rId15"/>
+    <p:sldId id="277" r:id="rId16"/>
+    <p:sldId id="278" r:id="rId17"/>
+    <p:sldId id="281" r:id="rId18"/>
+    <p:sldId id="279" r:id="rId19"/>
+    <p:sldId id="280" r:id="rId20"/>
   </p:sldIdLst>
   <p:sldSz cx="12192000" cy="6858000"/>
   <p:notesSz cx="6858000" cy="9144000"/>
@@ -3449,6 +3465,7 @@
           </a:bodyPr>
           <a:lstStyle/>
           <a:p>
+            <a:pPr algn="ctr"/>
             <a:r>
               <a:rPr lang="fr-FR" sz="3200" b="1" dirty="0">
                 <a:latin typeface="Helvetica" panose="020B0604020202030204" pitchFamily="34" charset="0"/>
@@ -3457,11 +3474,13 @@
             </a:r>
           </a:p>
           <a:p>
+            <a:pPr algn="ctr"/>
             <a:endParaRPr lang="fr-FR" sz="3200" dirty="0">
               <a:latin typeface="Helvetica" panose="020B0604020202030204" pitchFamily="34" charset="0"/>
             </a:endParaRPr>
           </a:p>
           <a:p>
+            <a:pPr algn="ctr"/>
             <a:r>
               <a:rPr lang="fr-FR" sz="2000" dirty="0">
                 <a:latin typeface="Helvetica" panose="020B0604020202030204" pitchFamily="34" charset="0"/>
@@ -3470,6 +3489,7 @@
             </a:r>
           </a:p>
           <a:p>
+            <a:pPr algn="ctr"/>
             <a:r>
               <a:rPr lang="fr-FR" sz="2000" dirty="0">
                 <a:latin typeface="Helvetica" panose="020B0604020202030204" pitchFamily="34" charset="0"/>
@@ -3478,6 +3498,7 @@
             </a:r>
           </a:p>
           <a:p>
+            <a:pPr algn="ctr"/>
             <a:r>
               <a:rPr lang="fr-FR" sz="2000" dirty="0">
                 <a:latin typeface="Helvetica" panose="020B0604020202030204" pitchFamily="34" charset="0"/>
@@ -3486,6 +3507,7 @@
             </a:r>
           </a:p>
           <a:p>
+            <a:pPr algn="ctr"/>
             <a:r>
               <a:rPr lang="fr-FR" sz="2000" dirty="0">
                 <a:latin typeface="Helvetica" panose="020B0604020202030204" pitchFamily="34" charset="0"/>
@@ -3494,6 +3516,7 @@
             </a:r>
           </a:p>
           <a:p>
+            <a:pPr algn="ctr"/>
             <a:r>
               <a:rPr lang="fr-FR" sz="2000" dirty="0">
                 <a:latin typeface="Helvetica" panose="020B0604020202030204" pitchFamily="34" charset="0"/>
@@ -3502,6 +3525,7 @@
             </a:r>
           </a:p>
           <a:p>
+            <a:pPr algn="ctr"/>
             <a:r>
               <a:rPr lang="fr-FR" sz="2000" dirty="0">
                 <a:latin typeface="Helvetica" panose="020B0604020202030204" pitchFamily="34" charset="0"/>
@@ -3515,6 +3539,5089 @@
     <p:extLst>
       <p:ext uri="{BB962C8B-B14F-4D97-AF65-F5344CB8AC3E}">
         <p14:creationId xmlns:p14="http://schemas.microsoft.com/office/powerpoint/2010/main" val="953032382"/>
+      </p:ext>
+    </p:extLst>
+  </p:cSld>
+  <p:clrMapOvr>
+    <a:masterClrMapping/>
+  </p:clrMapOvr>
+</p:sld>
+</file>
+
+<file path=ppt/slides/slide10.xml><?xml version="1.0" encoding="utf-8"?>
+<p:sld xmlns:a="http://schemas.openxmlformats.org/drawingml/2006/main" xmlns:r="http://schemas.openxmlformats.org/officeDocument/2006/relationships" xmlns:p="http://schemas.openxmlformats.org/presentationml/2006/main">
+  <p:cSld>
+    <p:bg>
+      <p:bgPr>
+        <a:blipFill dpi="0" rotWithShape="1">
+          <a:blip r:embed="rId2">
+            <a:lum/>
+          </a:blip>
+          <a:srcRect/>
+          <a:stretch>
+            <a:fillRect/>
+          </a:stretch>
+        </a:blipFill>
+        <a:effectLst/>
+      </p:bgPr>
+    </p:bg>
+    <p:spTree>
+      <p:nvGrpSpPr>
+        <p:cNvPr id="1" name=""/>
+        <p:cNvGrpSpPr/>
+        <p:nvPr/>
+      </p:nvGrpSpPr>
+      <p:grpSpPr>
+        <a:xfrm>
+          <a:off x="0" y="0"/>
+          <a:ext cx="0" cy="0"/>
+          <a:chOff x="0" y="0"/>
+          <a:chExt cx="0" cy="0"/>
+        </a:xfrm>
+      </p:grpSpPr>
+      <p:grpSp>
+        <p:nvGrpSpPr>
+          <p:cNvPr id="7" name="Groupe 6">
+            <a:extLst>
+              <a:ext uri="{FF2B5EF4-FFF2-40B4-BE49-F238E27FC236}">
+                <a16:creationId xmlns:a16="http://schemas.microsoft.com/office/drawing/2014/main" id="{67E81936-583F-45AD-82CC-A5C937F4C87C}"/>
+              </a:ext>
+            </a:extLst>
+          </p:cNvPr>
+          <p:cNvGrpSpPr/>
+          <p:nvPr/>
+        </p:nvGrpSpPr>
+        <p:grpSpPr>
+          <a:xfrm>
+            <a:off x="327166" y="0"/>
+            <a:ext cx="11251304" cy="1342417"/>
+            <a:chOff x="327166" y="0"/>
+            <a:chExt cx="11251304" cy="1342417"/>
+          </a:xfrm>
+        </p:grpSpPr>
+        <p:sp>
+          <p:nvSpPr>
+            <p:cNvPr id="4" name="Flèche : chevron 3">
+              <a:extLst>
+                <a:ext uri="{FF2B5EF4-FFF2-40B4-BE49-F238E27FC236}">
+                  <a16:creationId xmlns:a16="http://schemas.microsoft.com/office/drawing/2014/main" id="{60D600DE-6FA0-4280-A81A-6DBE7691E92C}"/>
+                </a:ext>
+              </a:extLst>
+            </p:cNvPr>
+            <p:cNvSpPr/>
+            <p:nvPr/>
+          </p:nvSpPr>
+          <p:spPr>
+            <a:xfrm>
+              <a:off x="1268691" y="332278"/>
+              <a:ext cx="2309567" cy="688157"/>
+            </a:xfrm>
+            <a:prstGeom prst="chevron">
+              <a:avLst/>
+            </a:prstGeom>
+            <a:solidFill>
+              <a:srgbClr val="FED449"/>
+            </a:solidFill>
+            <a:ln>
+              <a:solidFill>
+                <a:schemeClr val="bg1"/>
+              </a:solidFill>
+            </a:ln>
+          </p:spPr>
+          <p:style>
+            <a:lnRef idx="2">
+              <a:schemeClr val="accent1">
+                <a:shade val="50000"/>
+              </a:schemeClr>
+            </a:lnRef>
+            <a:fillRef idx="1">
+              <a:schemeClr val="accent1"/>
+            </a:fillRef>
+            <a:effectRef idx="0">
+              <a:schemeClr val="accent1"/>
+            </a:effectRef>
+            <a:fontRef idx="minor">
+              <a:schemeClr val="lt1"/>
+            </a:fontRef>
+          </p:style>
+          <p:txBody>
+            <a:bodyPr rtlCol="0" anchor="ctr"/>
+            <a:lstStyle/>
+            <a:p>
+              <a:pPr algn="ctr"/>
+              <a:r>
+                <a:rPr lang="fr-FR" sz="1500" b="1" dirty="0">
+                  <a:solidFill>
+                    <a:schemeClr val="bg1"/>
+                  </a:solidFill>
+                  <a:effectLst>
+                    <a:outerShdw blurRad="38100" dist="76200" dir="2700000" algn="tl">
+                      <a:srgbClr val="000000"/>
+                    </a:outerShdw>
+                  </a:effectLst>
+                  <a:latin typeface="Helvetica" panose="020B0604020202030204" pitchFamily="34" charset="0"/>
+                </a:rPr>
+                <a:t>Etude du projet</a:t>
+              </a:r>
+            </a:p>
+          </p:txBody>
+        </p:sp>
+        <p:sp>
+          <p:nvSpPr>
+            <p:cNvPr id="16" name="Flèche : chevron 15">
+              <a:extLst>
+                <a:ext uri="{FF2B5EF4-FFF2-40B4-BE49-F238E27FC236}">
+                  <a16:creationId xmlns:a16="http://schemas.microsoft.com/office/drawing/2014/main" id="{F7655D32-22EC-4542-883E-4033865C1471}"/>
+                </a:ext>
+              </a:extLst>
+            </p:cNvPr>
+            <p:cNvSpPr/>
+            <p:nvPr/>
+          </p:nvSpPr>
+          <p:spPr>
+            <a:xfrm>
+              <a:off x="9268903" y="332277"/>
+              <a:ext cx="2309567" cy="688157"/>
+            </a:xfrm>
+            <a:prstGeom prst="chevron">
+              <a:avLst/>
+            </a:prstGeom>
+            <a:solidFill>
+              <a:srgbClr val="FED449"/>
+            </a:solidFill>
+            <a:ln>
+              <a:solidFill>
+                <a:schemeClr val="bg1"/>
+              </a:solidFill>
+            </a:ln>
+          </p:spPr>
+          <p:style>
+            <a:lnRef idx="2">
+              <a:schemeClr val="accent1">
+                <a:shade val="50000"/>
+              </a:schemeClr>
+            </a:lnRef>
+            <a:fillRef idx="1">
+              <a:schemeClr val="accent1"/>
+            </a:fillRef>
+            <a:effectRef idx="0">
+              <a:schemeClr val="accent1"/>
+            </a:effectRef>
+            <a:fontRef idx="minor">
+              <a:schemeClr val="lt1"/>
+            </a:fontRef>
+          </p:style>
+          <p:txBody>
+            <a:bodyPr rtlCol="0" anchor="ctr"/>
+            <a:lstStyle/>
+            <a:p>
+              <a:pPr algn="ctr"/>
+              <a:r>
+                <a:rPr lang="fr-FR" sz="1600" b="1" dirty="0">
+                  <a:solidFill>
+                    <a:schemeClr val="bg1"/>
+                  </a:solidFill>
+                  <a:effectLst>
+                    <a:outerShdw blurRad="38100" dist="76200" dir="2700000" algn="tl">
+                      <a:srgbClr val="000000"/>
+                    </a:outerShdw>
+                  </a:effectLst>
+                  <a:latin typeface="Helvetica" panose="020B0604020202030204" pitchFamily="34" charset="0"/>
+                </a:rPr>
+                <a:t>Conclusion</a:t>
+              </a:r>
+            </a:p>
+          </p:txBody>
+        </p:sp>
+        <p:sp>
+          <p:nvSpPr>
+            <p:cNvPr id="17" name="Flèche : chevron 16">
+              <a:extLst>
+                <a:ext uri="{FF2B5EF4-FFF2-40B4-BE49-F238E27FC236}">
+                  <a16:creationId xmlns:a16="http://schemas.microsoft.com/office/drawing/2014/main" id="{30C36617-CB5C-40F8-B05D-7053886FD5EF}"/>
+                </a:ext>
+              </a:extLst>
+            </p:cNvPr>
+            <p:cNvSpPr/>
+            <p:nvPr/>
+          </p:nvSpPr>
+          <p:spPr>
+            <a:xfrm>
+              <a:off x="3268744" y="332277"/>
+              <a:ext cx="2309567" cy="688157"/>
+            </a:xfrm>
+            <a:prstGeom prst="chevron">
+              <a:avLst/>
+            </a:prstGeom>
+            <a:solidFill>
+              <a:srgbClr val="FED449"/>
+            </a:solidFill>
+            <a:ln>
+              <a:solidFill>
+                <a:schemeClr val="bg1"/>
+              </a:solidFill>
+            </a:ln>
+          </p:spPr>
+          <p:style>
+            <a:lnRef idx="2">
+              <a:schemeClr val="accent1">
+                <a:shade val="50000"/>
+              </a:schemeClr>
+            </a:lnRef>
+            <a:fillRef idx="1">
+              <a:schemeClr val="accent1"/>
+            </a:fillRef>
+            <a:effectRef idx="0">
+              <a:schemeClr val="accent1"/>
+            </a:effectRef>
+            <a:fontRef idx="minor">
+              <a:schemeClr val="lt1"/>
+            </a:fontRef>
+          </p:style>
+          <p:txBody>
+            <a:bodyPr rtlCol="0" anchor="ctr"/>
+            <a:lstStyle/>
+            <a:p>
+              <a:pPr algn="ctr"/>
+              <a:r>
+                <a:rPr lang="fr-FR" sz="1500" b="1" dirty="0">
+                  <a:solidFill>
+                    <a:schemeClr val="bg1"/>
+                  </a:solidFill>
+                  <a:effectLst>
+                    <a:outerShdw blurRad="38100" dist="76200" dir="2700000" algn="tl">
+                      <a:srgbClr val="000000"/>
+                    </a:outerShdw>
+                  </a:effectLst>
+                  <a:latin typeface="Helvetica" panose="020B0604020202030204" pitchFamily="34" charset="0"/>
+                </a:rPr>
+                <a:t>Organisation</a:t>
+              </a:r>
+            </a:p>
+          </p:txBody>
+        </p:sp>
+        <p:sp>
+          <p:nvSpPr>
+            <p:cNvPr id="18" name="Flèche : chevron 17">
+              <a:extLst>
+                <a:ext uri="{FF2B5EF4-FFF2-40B4-BE49-F238E27FC236}">
+                  <a16:creationId xmlns:a16="http://schemas.microsoft.com/office/drawing/2014/main" id="{A33478E5-51C7-4324-9E5C-0845E032CF0C}"/>
+                </a:ext>
+              </a:extLst>
+            </p:cNvPr>
+            <p:cNvSpPr/>
+            <p:nvPr/>
+          </p:nvSpPr>
+          <p:spPr>
+            <a:xfrm>
+              <a:off x="5268797" y="332704"/>
+              <a:ext cx="2309567" cy="688157"/>
+            </a:xfrm>
+            <a:prstGeom prst="chevron">
+              <a:avLst/>
+            </a:prstGeom>
+            <a:solidFill>
+              <a:srgbClr val="88CE62"/>
+            </a:solidFill>
+            <a:ln>
+              <a:solidFill>
+                <a:schemeClr val="bg1"/>
+              </a:solidFill>
+            </a:ln>
+          </p:spPr>
+          <p:style>
+            <a:lnRef idx="2">
+              <a:schemeClr val="accent1">
+                <a:shade val="50000"/>
+              </a:schemeClr>
+            </a:lnRef>
+            <a:fillRef idx="1">
+              <a:schemeClr val="accent1"/>
+            </a:fillRef>
+            <a:effectRef idx="0">
+              <a:schemeClr val="accent1"/>
+            </a:effectRef>
+            <a:fontRef idx="minor">
+              <a:schemeClr val="lt1"/>
+            </a:fontRef>
+          </p:style>
+          <p:txBody>
+            <a:bodyPr rtlCol="0" anchor="ctr"/>
+            <a:lstStyle/>
+            <a:p>
+              <a:pPr algn="ctr"/>
+              <a:r>
+                <a:rPr lang="fr-FR" sz="1500" b="1" dirty="0">
+                  <a:solidFill>
+                    <a:schemeClr val="bg1"/>
+                  </a:solidFill>
+                  <a:effectLst>
+                    <a:outerShdw blurRad="38100" dist="76200" dir="2700000" algn="tl">
+                      <a:srgbClr val="000000"/>
+                    </a:outerShdw>
+                  </a:effectLst>
+                  <a:latin typeface="Helvetica" panose="020B0604020202030204" pitchFamily="34" charset="0"/>
+                </a:rPr>
+                <a:t>Développement</a:t>
+              </a:r>
+            </a:p>
+          </p:txBody>
+        </p:sp>
+        <p:sp>
+          <p:nvSpPr>
+            <p:cNvPr id="19" name="Flèche : chevron 18">
+              <a:extLst>
+                <a:ext uri="{FF2B5EF4-FFF2-40B4-BE49-F238E27FC236}">
+                  <a16:creationId xmlns:a16="http://schemas.microsoft.com/office/drawing/2014/main" id="{8795E004-010B-4219-8B10-37FA6D3A7781}"/>
+                </a:ext>
+              </a:extLst>
+            </p:cNvPr>
+            <p:cNvSpPr/>
+            <p:nvPr/>
+          </p:nvSpPr>
+          <p:spPr>
+            <a:xfrm>
+              <a:off x="7268850" y="332703"/>
+              <a:ext cx="2309567" cy="688157"/>
+            </a:xfrm>
+            <a:prstGeom prst="chevron">
+              <a:avLst/>
+            </a:prstGeom>
+            <a:solidFill>
+              <a:srgbClr val="FED449"/>
+            </a:solidFill>
+            <a:ln>
+              <a:solidFill>
+                <a:schemeClr val="bg1"/>
+              </a:solidFill>
+            </a:ln>
+          </p:spPr>
+          <p:style>
+            <a:lnRef idx="2">
+              <a:schemeClr val="accent1">
+                <a:shade val="50000"/>
+              </a:schemeClr>
+            </a:lnRef>
+            <a:fillRef idx="1">
+              <a:schemeClr val="accent1"/>
+            </a:fillRef>
+            <a:effectRef idx="0">
+              <a:schemeClr val="accent1"/>
+            </a:effectRef>
+            <a:fontRef idx="minor">
+              <a:schemeClr val="lt1"/>
+            </a:fontRef>
+          </p:style>
+          <p:txBody>
+            <a:bodyPr rtlCol="0" anchor="ctr"/>
+            <a:lstStyle/>
+            <a:p>
+              <a:pPr algn="ctr"/>
+              <a:r>
+                <a:rPr lang="fr-FR" sz="1500" b="1" dirty="0">
+                  <a:solidFill>
+                    <a:schemeClr val="bg1"/>
+                  </a:solidFill>
+                  <a:effectLst>
+                    <a:outerShdw blurRad="38100" dist="76200" dir="2700000" algn="tl">
+                      <a:srgbClr val="000000"/>
+                    </a:outerShdw>
+                  </a:effectLst>
+                  <a:latin typeface="Helvetica" panose="020B0604020202030204" pitchFamily="34" charset="0"/>
+                </a:rPr>
+                <a:t>Démonstration</a:t>
+              </a:r>
+              <a:endParaRPr lang="fr-FR" sz="1500" dirty="0">
+                <a:solidFill>
+                  <a:schemeClr val="tx1"/>
+                </a:solidFill>
+              </a:endParaRPr>
+            </a:p>
+          </p:txBody>
+        </p:sp>
+        <p:pic>
+          <p:nvPicPr>
+            <p:cNvPr id="6" name="Image 5">
+              <a:extLst>
+                <a:ext uri="{FF2B5EF4-FFF2-40B4-BE49-F238E27FC236}">
+                  <a16:creationId xmlns:a16="http://schemas.microsoft.com/office/drawing/2014/main" id="{2D0A881D-5AC2-4766-BD4C-5405D55C11A5}"/>
+                </a:ext>
+              </a:extLst>
+            </p:cNvPr>
+            <p:cNvPicPr>
+              <a:picLocks noChangeAspect="1"/>
+            </p:cNvPicPr>
+            <p:nvPr/>
+          </p:nvPicPr>
+          <p:blipFill>
+            <a:blip r:embed="rId3">
+              <a:extLst>
+                <a:ext uri="{28A0092B-C50C-407E-A947-70E740481C1C}">
+                  <a14:useLocalDpi xmlns:a14="http://schemas.microsoft.com/office/drawing/2010/main" val="0"/>
+                </a:ext>
+              </a:extLst>
+            </a:blip>
+            <a:stretch>
+              <a:fillRect/>
+            </a:stretch>
+          </p:blipFill>
+          <p:spPr>
+            <a:xfrm>
+              <a:off x="327166" y="0"/>
+              <a:ext cx="1566153" cy="1342417"/>
+            </a:xfrm>
+            <a:prstGeom prst="rect">
+              <a:avLst/>
+            </a:prstGeom>
+          </p:spPr>
+        </p:pic>
+      </p:grpSp>
+      <p:sp>
+        <p:nvSpPr>
+          <p:cNvPr id="10" name="ZoneTexte 9">
+            <a:extLst>
+              <a:ext uri="{FF2B5EF4-FFF2-40B4-BE49-F238E27FC236}">
+                <a16:creationId xmlns:a16="http://schemas.microsoft.com/office/drawing/2014/main" id="{CE36D8FB-1CD3-4D19-A954-A2CE97724692}"/>
+              </a:ext>
+            </a:extLst>
+          </p:cNvPr>
+          <p:cNvSpPr txBox="1"/>
+          <p:nvPr/>
+        </p:nvSpPr>
+        <p:spPr>
+          <a:xfrm>
+            <a:off x="336894" y="1225685"/>
+            <a:ext cx="11472482" cy="5369668"/>
+          </a:xfrm>
+          <a:prstGeom prst="rect">
+            <a:avLst/>
+          </a:prstGeom>
+          <a:solidFill>
+            <a:srgbClr val="FED449">
+              <a:alpha val="50000"/>
+            </a:srgbClr>
+          </a:solidFill>
+          <a:effectLst>
+            <a:softEdge rad="152400"/>
+          </a:effectLst>
+        </p:spPr>
+        <p:txBody>
+          <a:bodyPr wrap="square" rtlCol="0">
+            <a:spAutoFit/>
+          </a:bodyPr>
+          <a:lstStyle/>
+          <a:p>
+            <a:endParaRPr lang="fr-FR" dirty="0"/>
+          </a:p>
+        </p:txBody>
+      </p:sp>
+      <p:sp>
+        <p:nvSpPr>
+          <p:cNvPr id="12" name="ZoneTexte 11">
+            <a:extLst>
+              <a:ext uri="{FF2B5EF4-FFF2-40B4-BE49-F238E27FC236}">
+                <a16:creationId xmlns:a16="http://schemas.microsoft.com/office/drawing/2014/main" id="{B090A43C-7D0E-46E1-9FC8-BDAE21AEEC4B}"/>
+              </a:ext>
+            </a:extLst>
+          </p:cNvPr>
+          <p:cNvSpPr txBox="1"/>
+          <p:nvPr/>
+        </p:nvSpPr>
+        <p:spPr>
+          <a:xfrm>
+            <a:off x="1090367" y="1674695"/>
+            <a:ext cx="10011266" cy="523220"/>
+          </a:xfrm>
+          <a:prstGeom prst="rect">
+            <a:avLst/>
+          </a:prstGeom>
+          <a:noFill/>
+        </p:spPr>
+        <p:txBody>
+          <a:bodyPr wrap="square" rtlCol="0">
+            <a:spAutoFit/>
+          </a:bodyPr>
+          <a:lstStyle/>
+          <a:p>
+            <a:pPr algn="ctr"/>
+            <a:r>
+              <a:rPr lang="fr-FR" sz="2800" b="1" dirty="0">
+                <a:latin typeface="Helvetica" panose="020B0604020202030204" pitchFamily="34" charset="0"/>
+              </a:rPr>
+              <a:t>Algorithme de connexion au site</a:t>
+            </a:r>
+            <a:endParaRPr lang="fr-FR" sz="2400" b="1" dirty="0">
+              <a:latin typeface="Helvetica" panose="020B0604020202030204" pitchFamily="34" charset="0"/>
+            </a:endParaRPr>
+          </a:p>
+        </p:txBody>
+      </p:sp>
+    </p:spTree>
+    <p:extLst>
+      <p:ext uri="{BB962C8B-B14F-4D97-AF65-F5344CB8AC3E}">
+        <p14:creationId xmlns:p14="http://schemas.microsoft.com/office/powerpoint/2010/main" val="602413361"/>
+      </p:ext>
+    </p:extLst>
+  </p:cSld>
+  <p:clrMapOvr>
+    <a:masterClrMapping/>
+  </p:clrMapOvr>
+</p:sld>
+</file>
+
+<file path=ppt/slides/slide11.xml><?xml version="1.0" encoding="utf-8"?>
+<p:sld xmlns:a="http://schemas.openxmlformats.org/drawingml/2006/main" xmlns:r="http://schemas.openxmlformats.org/officeDocument/2006/relationships" xmlns:p="http://schemas.openxmlformats.org/presentationml/2006/main">
+  <p:cSld>
+    <p:bg>
+      <p:bgPr>
+        <a:blipFill dpi="0" rotWithShape="1">
+          <a:blip r:embed="rId2">
+            <a:lum/>
+          </a:blip>
+          <a:srcRect/>
+          <a:stretch>
+            <a:fillRect/>
+          </a:stretch>
+        </a:blipFill>
+        <a:effectLst/>
+      </p:bgPr>
+    </p:bg>
+    <p:spTree>
+      <p:nvGrpSpPr>
+        <p:cNvPr id="1" name=""/>
+        <p:cNvGrpSpPr/>
+        <p:nvPr/>
+      </p:nvGrpSpPr>
+      <p:grpSpPr>
+        <a:xfrm>
+          <a:off x="0" y="0"/>
+          <a:ext cx="0" cy="0"/>
+          <a:chOff x="0" y="0"/>
+          <a:chExt cx="0" cy="0"/>
+        </a:xfrm>
+      </p:grpSpPr>
+      <p:grpSp>
+        <p:nvGrpSpPr>
+          <p:cNvPr id="7" name="Groupe 6">
+            <a:extLst>
+              <a:ext uri="{FF2B5EF4-FFF2-40B4-BE49-F238E27FC236}">
+                <a16:creationId xmlns:a16="http://schemas.microsoft.com/office/drawing/2014/main" id="{67E81936-583F-45AD-82CC-A5C937F4C87C}"/>
+              </a:ext>
+            </a:extLst>
+          </p:cNvPr>
+          <p:cNvGrpSpPr/>
+          <p:nvPr/>
+        </p:nvGrpSpPr>
+        <p:grpSpPr>
+          <a:xfrm>
+            <a:off x="327166" y="0"/>
+            <a:ext cx="11251304" cy="1342417"/>
+            <a:chOff x="327166" y="0"/>
+            <a:chExt cx="11251304" cy="1342417"/>
+          </a:xfrm>
+        </p:grpSpPr>
+        <p:sp>
+          <p:nvSpPr>
+            <p:cNvPr id="4" name="Flèche : chevron 3">
+              <a:extLst>
+                <a:ext uri="{FF2B5EF4-FFF2-40B4-BE49-F238E27FC236}">
+                  <a16:creationId xmlns:a16="http://schemas.microsoft.com/office/drawing/2014/main" id="{60D600DE-6FA0-4280-A81A-6DBE7691E92C}"/>
+                </a:ext>
+              </a:extLst>
+            </p:cNvPr>
+            <p:cNvSpPr/>
+            <p:nvPr/>
+          </p:nvSpPr>
+          <p:spPr>
+            <a:xfrm>
+              <a:off x="1268691" y="332278"/>
+              <a:ext cx="2309567" cy="688157"/>
+            </a:xfrm>
+            <a:prstGeom prst="chevron">
+              <a:avLst/>
+            </a:prstGeom>
+            <a:solidFill>
+              <a:srgbClr val="FED449"/>
+            </a:solidFill>
+            <a:ln>
+              <a:solidFill>
+                <a:schemeClr val="bg1"/>
+              </a:solidFill>
+            </a:ln>
+          </p:spPr>
+          <p:style>
+            <a:lnRef idx="2">
+              <a:schemeClr val="accent1">
+                <a:shade val="50000"/>
+              </a:schemeClr>
+            </a:lnRef>
+            <a:fillRef idx="1">
+              <a:schemeClr val="accent1"/>
+            </a:fillRef>
+            <a:effectRef idx="0">
+              <a:schemeClr val="accent1"/>
+            </a:effectRef>
+            <a:fontRef idx="minor">
+              <a:schemeClr val="lt1"/>
+            </a:fontRef>
+          </p:style>
+          <p:txBody>
+            <a:bodyPr rtlCol="0" anchor="ctr"/>
+            <a:lstStyle/>
+            <a:p>
+              <a:pPr algn="ctr"/>
+              <a:r>
+                <a:rPr lang="fr-FR" sz="1500" b="1" dirty="0">
+                  <a:solidFill>
+                    <a:schemeClr val="bg1"/>
+                  </a:solidFill>
+                  <a:effectLst>
+                    <a:outerShdw blurRad="38100" dist="76200" dir="2700000" algn="tl">
+                      <a:srgbClr val="000000"/>
+                    </a:outerShdw>
+                  </a:effectLst>
+                  <a:latin typeface="Helvetica" panose="020B0604020202030204" pitchFamily="34" charset="0"/>
+                </a:rPr>
+                <a:t>Etude du projet</a:t>
+              </a:r>
+            </a:p>
+          </p:txBody>
+        </p:sp>
+        <p:sp>
+          <p:nvSpPr>
+            <p:cNvPr id="16" name="Flèche : chevron 15">
+              <a:extLst>
+                <a:ext uri="{FF2B5EF4-FFF2-40B4-BE49-F238E27FC236}">
+                  <a16:creationId xmlns:a16="http://schemas.microsoft.com/office/drawing/2014/main" id="{F7655D32-22EC-4542-883E-4033865C1471}"/>
+                </a:ext>
+              </a:extLst>
+            </p:cNvPr>
+            <p:cNvSpPr/>
+            <p:nvPr/>
+          </p:nvSpPr>
+          <p:spPr>
+            <a:xfrm>
+              <a:off x="9268903" y="332277"/>
+              <a:ext cx="2309567" cy="688157"/>
+            </a:xfrm>
+            <a:prstGeom prst="chevron">
+              <a:avLst/>
+            </a:prstGeom>
+            <a:solidFill>
+              <a:srgbClr val="FED449"/>
+            </a:solidFill>
+            <a:ln>
+              <a:solidFill>
+                <a:schemeClr val="bg1"/>
+              </a:solidFill>
+            </a:ln>
+          </p:spPr>
+          <p:style>
+            <a:lnRef idx="2">
+              <a:schemeClr val="accent1">
+                <a:shade val="50000"/>
+              </a:schemeClr>
+            </a:lnRef>
+            <a:fillRef idx="1">
+              <a:schemeClr val="accent1"/>
+            </a:fillRef>
+            <a:effectRef idx="0">
+              <a:schemeClr val="accent1"/>
+            </a:effectRef>
+            <a:fontRef idx="minor">
+              <a:schemeClr val="lt1"/>
+            </a:fontRef>
+          </p:style>
+          <p:txBody>
+            <a:bodyPr rtlCol="0" anchor="ctr"/>
+            <a:lstStyle/>
+            <a:p>
+              <a:pPr algn="ctr"/>
+              <a:r>
+                <a:rPr lang="fr-FR" sz="1600" b="1" dirty="0">
+                  <a:solidFill>
+                    <a:schemeClr val="bg1"/>
+                  </a:solidFill>
+                  <a:effectLst>
+                    <a:outerShdw blurRad="38100" dist="76200" dir="2700000" algn="tl">
+                      <a:srgbClr val="000000"/>
+                    </a:outerShdw>
+                  </a:effectLst>
+                  <a:latin typeface="Helvetica" panose="020B0604020202030204" pitchFamily="34" charset="0"/>
+                </a:rPr>
+                <a:t>Conclusion</a:t>
+              </a:r>
+            </a:p>
+          </p:txBody>
+        </p:sp>
+        <p:sp>
+          <p:nvSpPr>
+            <p:cNvPr id="17" name="Flèche : chevron 16">
+              <a:extLst>
+                <a:ext uri="{FF2B5EF4-FFF2-40B4-BE49-F238E27FC236}">
+                  <a16:creationId xmlns:a16="http://schemas.microsoft.com/office/drawing/2014/main" id="{30C36617-CB5C-40F8-B05D-7053886FD5EF}"/>
+                </a:ext>
+              </a:extLst>
+            </p:cNvPr>
+            <p:cNvSpPr/>
+            <p:nvPr/>
+          </p:nvSpPr>
+          <p:spPr>
+            <a:xfrm>
+              <a:off x="3268744" y="332277"/>
+              <a:ext cx="2309567" cy="688157"/>
+            </a:xfrm>
+            <a:prstGeom prst="chevron">
+              <a:avLst/>
+            </a:prstGeom>
+            <a:solidFill>
+              <a:srgbClr val="FED449"/>
+            </a:solidFill>
+            <a:ln>
+              <a:solidFill>
+                <a:schemeClr val="bg1"/>
+              </a:solidFill>
+            </a:ln>
+          </p:spPr>
+          <p:style>
+            <a:lnRef idx="2">
+              <a:schemeClr val="accent1">
+                <a:shade val="50000"/>
+              </a:schemeClr>
+            </a:lnRef>
+            <a:fillRef idx="1">
+              <a:schemeClr val="accent1"/>
+            </a:fillRef>
+            <a:effectRef idx="0">
+              <a:schemeClr val="accent1"/>
+            </a:effectRef>
+            <a:fontRef idx="minor">
+              <a:schemeClr val="lt1"/>
+            </a:fontRef>
+          </p:style>
+          <p:txBody>
+            <a:bodyPr rtlCol="0" anchor="ctr"/>
+            <a:lstStyle/>
+            <a:p>
+              <a:pPr algn="ctr"/>
+              <a:r>
+                <a:rPr lang="fr-FR" sz="1500" b="1" dirty="0">
+                  <a:solidFill>
+                    <a:schemeClr val="bg1"/>
+                  </a:solidFill>
+                  <a:effectLst>
+                    <a:outerShdw blurRad="38100" dist="76200" dir="2700000" algn="tl">
+                      <a:srgbClr val="000000"/>
+                    </a:outerShdw>
+                  </a:effectLst>
+                  <a:latin typeface="Helvetica" panose="020B0604020202030204" pitchFamily="34" charset="0"/>
+                </a:rPr>
+                <a:t>Organisation</a:t>
+              </a:r>
+            </a:p>
+          </p:txBody>
+        </p:sp>
+        <p:sp>
+          <p:nvSpPr>
+            <p:cNvPr id="18" name="Flèche : chevron 17">
+              <a:extLst>
+                <a:ext uri="{FF2B5EF4-FFF2-40B4-BE49-F238E27FC236}">
+                  <a16:creationId xmlns:a16="http://schemas.microsoft.com/office/drawing/2014/main" id="{A33478E5-51C7-4324-9E5C-0845E032CF0C}"/>
+                </a:ext>
+              </a:extLst>
+            </p:cNvPr>
+            <p:cNvSpPr/>
+            <p:nvPr/>
+          </p:nvSpPr>
+          <p:spPr>
+            <a:xfrm>
+              <a:off x="5268797" y="332704"/>
+              <a:ext cx="2309567" cy="688157"/>
+            </a:xfrm>
+            <a:prstGeom prst="chevron">
+              <a:avLst/>
+            </a:prstGeom>
+            <a:solidFill>
+              <a:srgbClr val="88CE62"/>
+            </a:solidFill>
+            <a:ln>
+              <a:solidFill>
+                <a:schemeClr val="bg1"/>
+              </a:solidFill>
+            </a:ln>
+          </p:spPr>
+          <p:style>
+            <a:lnRef idx="2">
+              <a:schemeClr val="accent1">
+                <a:shade val="50000"/>
+              </a:schemeClr>
+            </a:lnRef>
+            <a:fillRef idx="1">
+              <a:schemeClr val="accent1"/>
+            </a:fillRef>
+            <a:effectRef idx="0">
+              <a:schemeClr val="accent1"/>
+            </a:effectRef>
+            <a:fontRef idx="minor">
+              <a:schemeClr val="lt1"/>
+            </a:fontRef>
+          </p:style>
+          <p:txBody>
+            <a:bodyPr rtlCol="0" anchor="ctr"/>
+            <a:lstStyle/>
+            <a:p>
+              <a:pPr algn="ctr"/>
+              <a:r>
+                <a:rPr lang="fr-FR" sz="1500" b="1" dirty="0">
+                  <a:solidFill>
+                    <a:schemeClr val="bg1"/>
+                  </a:solidFill>
+                  <a:effectLst>
+                    <a:outerShdw blurRad="38100" dist="76200" dir="2700000" algn="tl">
+                      <a:srgbClr val="000000"/>
+                    </a:outerShdw>
+                  </a:effectLst>
+                  <a:latin typeface="Helvetica" panose="020B0604020202030204" pitchFamily="34" charset="0"/>
+                </a:rPr>
+                <a:t>Développement</a:t>
+              </a:r>
+            </a:p>
+          </p:txBody>
+        </p:sp>
+        <p:sp>
+          <p:nvSpPr>
+            <p:cNvPr id="19" name="Flèche : chevron 18">
+              <a:extLst>
+                <a:ext uri="{FF2B5EF4-FFF2-40B4-BE49-F238E27FC236}">
+                  <a16:creationId xmlns:a16="http://schemas.microsoft.com/office/drawing/2014/main" id="{8795E004-010B-4219-8B10-37FA6D3A7781}"/>
+                </a:ext>
+              </a:extLst>
+            </p:cNvPr>
+            <p:cNvSpPr/>
+            <p:nvPr/>
+          </p:nvSpPr>
+          <p:spPr>
+            <a:xfrm>
+              <a:off x="7268850" y="332703"/>
+              <a:ext cx="2309567" cy="688157"/>
+            </a:xfrm>
+            <a:prstGeom prst="chevron">
+              <a:avLst/>
+            </a:prstGeom>
+            <a:solidFill>
+              <a:srgbClr val="FED449"/>
+            </a:solidFill>
+            <a:ln>
+              <a:solidFill>
+                <a:schemeClr val="bg1"/>
+              </a:solidFill>
+            </a:ln>
+          </p:spPr>
+          <p:style>
+            <a:lnRef idx="2">
+              <a:schemeClr val="accent1">
+                <a:shade val="50000"/>
+              </a:schemeClr>
+            </a:lnRef>
+            <a:fillRef idx="1">
+              <a:schemeClr val="accent1"/>
+            </a:fillRef>
+            <a:effectRef idx="0">
+              <a:schemeClr val="accent1"/>
+            </a:effectRef>
+            <a:fontRef idx="minor">
+              <a:schemeClr val="lt1"/>
+            </a:fontRef>
+          </p:style>
+          <p:txBody>
+            <a:bodyPr rtlCol="0" anchor="ctr"/>
+            <a:lstStyle/>
+            <a:p>
+              <a:pPr algn="ctr"/>
+              <a:r>
+                <a:rPr lang="fr-FR" sz="1500" b="1" dirty="0">
+                  <a:solidFill>
+                    <a:schemeClr val="bg1"/>
+                  </a:solidFill>
+                  <a:effectLst>
+                    <a:outerShdw blurRad="38100" dist="76200" dir="2700000" algn="tl">
+                      <a:srgbClr val="000000"/>
+                    </a:outerShdw>
+                  </a:effectLst>
+                  <a:latin typeface="Helvetica" panose="020B0604020202030204" pitchFamily="34" charset="0"/>
+                </a:rPr>
+                <a:t>Démonstration</a:t>
+              </a:r>
+              <a:endParaRPr lang="fr-FR" sz="1500" dirty="0">
+                <a:solidFill>
+                  <a:schemeClr val="tx1"/>
+                </a:solidFill>
+              </a:endParaRPr>
+            </a:p>
+          </p:txBody>
+        </p:sp>
+        <p:pic>
+          <p:nvPicPr>
+            <p:cNvPr id="6" name="Image 5">
+              <a:extLst>
+                <a:ext uri="{FF2B5EF4-FFF2-40B4-BE49-F238E27FC236}">
+                  <a16:creationId xmlns:a16="http://schemas.microsoft.com/office/drawing/2014/main" id="{2D0A881D-5AC2-4766-BD4C-5405D55C11A5}"/>
+                </a:ext>
+              </a:extLst>
+            </p:cNvPr>
+            <p:cNvPicPr>
+              <a:picLocks noChangeAspect="1"/>
+            </p:cNvPicPr>
+            <p:nvPr/>
+          </p:nvPicPr>
+          <p:blipFill>
+            <a:blip r:embed="rId3">
+              <a:extLst>
+                <a:ext uri="{28A0092B-C50C-407E-A947-70E740481C1C}">
+                  <a14:useLocalDpi xmlns:a14="http://schemas.microsoft.com/office/drawing/2010/main" val="0"/>
+                </a:ext>
+              </a:extLst>
+            </a:blip>
+            <a:stretch>
+              <a:fillRect/>
+            </a:stretch>
+          </p:blipFill>
+          <p:spPr>
+            <a:xfrm>
+              <a:off x="327166" y="0"/>
+              <a:ext cx="1566153" cy="1342417"/>
+            </a:xfrm>
+            <a:prstGeom prst="rect">
+              <a:avLst/>
+            </a:prstGeom>
+          </p:spPr>
+        </p:pic>
+      </p:grpSp>
+      <p:sp>
+        <p:nvSpPr>
+          <p:cNvPr id="10" name="ZoneTexte 9">
+            <a:extLst>
+              <a:ext uri="{FF2B5EF4-FFF2-40B4-BE49-F238E27FC236}">
+                <a16:creationId xmlns:a16="http://schemas.microsoft.com/office/drawing/2014/main" id="{CE36D8FB-1CD3-4D19-A954-A2CE97724692}"/>
+              </a:ext>
+            </a:extLst>
+          </p:cNvPr>
+          <p:cNvSpPr txBox="1"/>
+          <p:nvPr/>
+        </p:nvSpPr>
+        <p:spPr>
+          <a:xfrm>
+            <a:off x="336894" y="1225685"/>
+            <a:ext cx="11472482" cy="5369668"/>
+          </a:xfrm>
+          <a:prstGeom prst="rect">
+            <a:avLst/>
+          </a:prstGeom>
+          <a:solidFill>
+            <a:srgbClr val="FED449">
+              <a:alpha val="50000"/>
+            </a:srgbClr>
+          </a:solidFill>
+          <a:effectLst>
+            <a:softEdge rad="152400"/>
+          </a:effectLst>
+        </p:spPr>
+        <p:txBody>
+          <a:bodyPr wrap="square" rtlCol="0">
+            <a:spAutoFit/>
+          </a:bodyPr>
+          <a:lstStyle/>
+          <a:p>
+            <a:endParaRPr lang="fr-FR" dirty="0"/>
+          </a:p>
+        </p:txBody>
+      </p:sp>
+      <p:sp>
+        <p:nvSpPr>
+          <p:cNvPr id="12" name="ZoneTexte 11">
+            <a:extLst>
+              <a:ext uri="{FF2B5EF4-FFF2-40B4-BE49-F238E27FC236}">
+                <a16:creationId xmlns:a16="http://schemas.microsoft.com/office/drawing/2014/main" id="{B090A43C-7D0E-46E1-9FC8-BDAE21AEEC4B}"/>
+              </a:ext>
+            </a:extLst>
+          </p:cNvPr>
+          <p:cNvSpPr txBox="1"/>
+          <p:nvPr/>
+        </p:nvSpPr>
+        <p:spPr>
+          <a:xfrm>
+            <a:off x="1090367" y="1674695"/>
+            <a:ext cx="10011266" cy="523220"/>
+          </a:xfrm>
+          <a:prstGeom prst="rect">
+            <a:avLst/>
+          </a:prstGeom>
+          <a:noFill/>
+        </p:spPr>
+        <p:txBody>
+          <a:bodyPr wrap="square" rtlCol="0">
+            <a:spAutoFit/>
+          </a:bodyPr>
+          <a:lstStyle/>
+          <a:p>
+            <a:pPr algn="ctr"/>
+            <a:r>
+              <a:rPr lang="fr-FR" sz="2800" b="1" dirty="0">
+                <a:latin typeface="Helvetica" panose="020B0604020202030204" pitchFamily="34" charset="0"/>
+              </a:rPr>
+              <a:t>Connexion PHP</a:t>
+            </a:r>
+            <a:endParaRPr lang="fr-FR" sz="2400" b="1" dirty="0">
+              <a:latin typeface="Helvetica" panose="020B0604020202030204" pitchFamily="34" charset="0"/>
+            </a:endParaRPr>
+          </a:p>
+        </p:txBody>
+      </p:sp>
+    </p:spTree>
+    <p:extLst>
+      <p:ext uri="{BB962C8B-B14F-4D97-AF65-F5344CB8AC3E}">
+        <p14:creationId xmlns:p14="http://schemas.microsoft.com/office/powerpoint/2010/main" val="2210202235"/>
+      </p:ext>
+    </p:extLst>
+  </p:cSld>
+  <p:clrMapOvr>
+    <a:masterClrMapping/>
+  </p:clrMapOvr>
+</p:sld>
+</file>
+
+<file path=ppt/slides/slide12.xml><?xml version="1.0" encoding="utf-8"?>
+<p:sld xmlns:a="http://schemas.openxmlformats.org/drawingml/2006/main" xmlns:r="http://schemas.openxmlformats.org/officeDocument/2006/relationships" xmlns:p="http://schemas.openxmlformats.org/presentationml/2006/main">
+  <p:cSld>
+    <p:bg>
+      <p:bgPr>
+        <a:blipFill dpi="0" rotWithShape="1">
+          <a:blip r:embed="rId2">
+            <a:lum/>
+          </a:blip>
+          <a:srcRect/>
+          <a:stretch>
+            <a:fillRect/>
+          </a:stretch>
+        </a:blipFill>
+        <a:effectLst/>
+      </p:bgPr>
+    </p:bg>
+    <p:spTree>
+      <p:nvGrpSpPr>
+        <p:cNvPr id="1" name=""/>
+        <p:cNvGrpSpPr/>
+        <p:nvPr/>
+      </p:nvGrpSpPr>
+      <p:grpSpPr>
+        <a:xfrm>
+          <a:off x="0" y="0"/>
+          <a:ext cx="0" cy="0"/>
+          <a:chOff x="0" y="0"/>
+          <a:chExt cx="0" cy="0"/>
+        </a:xfrm>
+      </p:grpSpPr>
+      <p:grpSp>
+        <p:nvGrpSpPr>
+          <p:cNvPr id="7" name="Groupe 6">
+            <a:extLst>
+              <a:ext uri="{FF2B5EF4-FFF2-40B4-BE49-F238E27FC236}">
+                <a16:creationId xmlns:a16="http://schemas.microsoft.com/office/drawing/2014/main" id="{67E81936-583F-45AD-82CC-A5C937F4C87C}"/>
+              </a:ext>
+            </a:extLst>
+          </p:cNvPr>
+          <p:cNvGrpSpPr/>
+          <p:nvPr/>
+        </p:nvGrpSpPr>
+        <p:grpSpPr>
+          <a:xfrm>
+            <a:off x="327166" y="0"/>
+            <a:ext cx="11251304" cy="1342417"/>
+            <a:chOff x="327166" y="0"/>
+            <a:chExt cx="11251304" cy="1342417"/>
+          </a:xfrm>
+        </p:grpSpPr>
+        <p:sp>
+          <p:nvSpPr>
+            <p:cNvPr id="4" name="Flèche : chevron 3">
+              <a:extLst>
+                <a:ext uri="{FF2B5EF4-FFF2-40B4-BE49-F238E27FC236}">
+                  <a16:creationId xmlns:a16="http://schemas.microsoft.com/office/drawing/2014/main" id="{60D600DE-6FA0-4280-A81A-6DBE7691E92C}"/>
+                </a:ext>
+              </a:extLst>
+            </p:cNvPr>
+            <p:cNvSpPr/>
+            <p:nvPr/>
+          </p:nvSpPr>
+          <p:spPr>
+            <a:xfrm>
+              <a:off x="1268691" y="332278"/>
+              <a:ext cx="2309567" cy="688157"/>
+            </a:xfrm>
+            <a:prstGeom prst="chevron">
+              <a:avLst/>
+            </a:prstGeom>
+            <a:solidFill>
+              <a:srgbClr val="FED449"/>
+            </a:solidFill>
+            <a:ln>
+              <a:solidFill>
+                <a:schemeClr val="bg1"/>
+              </a:solidFill>
+            </a:ln>
+          </p:spPr>
+          <p:style>
+            <a:lnRef idx="2">
+              <a:schemeClr val="accent1">
+                <a:shade val="50000"/>
+              </a:schemeClr>
+            </a:lnRef>
+            <a:fillRef idx="1">
+              <a:schemeClr val="accent1"/>
+            </a:fillRef>
+            <a:effectRef idx="0">
+              <a:schemeClr val="accent1"/>
+            </a:effectRef>
+            <a:fontRef idx="minor">
+              <a:schemeClr val="lt1"/>
+            </a:fontRef>
+          </p:style>
+          <p:txBody>
+            <a:bodyPr rtlCol="0" anchor="ctr"/>
+            <a:lstStyle/>
+            <a:p>
+              <a:pPr algn="ctr"/>
+              <a:r>
+                <a:rPr lang="fr-FR" sz="1500" b="1" dirty="0">
+                  <a:solidFill>
+                    <a:schemeClr val="bg1"/>
+                  </a:solidFill>
+                  <a:effectLst>
+                    <a:outerShdw blurRad="38100" dist="76200" dir="2700000" algn="tl">
+                      <a:srgbClr val="000000"/>
+                    </a:outerShdw>
+                  </a:effectLst>
+                  <a:latin typeface="Helvetica" panose="020B0604020202030204" pitchFamily="34" charset="0"/>
+                </a:rPr>
+                <a:t>Etude du projet</a:t>
+              </a:r>
+            </a:p>
+          </p:txBody>
+        </p:sp>
+        <p:sp>
+          <p:nvSpPr>
+            <p:cNvPr id="16" name="Flèche : chevron 15">
+              <a:extLst>
+                <a:ext uri="{FF2B5EF4-FFF2-40B4-BE49-F238E27FC236}">
+                  <a16:creationId xmlns:a16="http://schemas.microsoft.com/office/drawing/2014/main" id="{F7655D32-22EC-4542-883E-4033865C1471}"/>
+                </a:ext>
+              </a:extLst>
+            </p:cNvPr>
+            <p:cNvSpPr/>
+            <p:nvPr/>
+          </p:nvSpPr>
+          <p:spPr>
+            <a:xfrm>
+              <a:off x="9268903" y="332277"/>
+              <a:ext cx="2309567" cy="688157"/>
+            </a:xfrm>
+            <a:prstGeom prst="chevron">
+              <a:avLst/>
+            </a:prstGeom>
+            <a:solidFill>
+              <a:srgbClr val="FED449"/>
+            </a:solidFill>
+            <a:ln>
+              <a:solidFill>
+                <a:schemeClr val="bg1"/>
+              </a:solidFill>
+            </a:ln>
+          </p:spPr>
+          <p:style>
+            <a:lnRef idx="2">
+              <a:schemeClr val="accent1">
+                <a:shade val="50000"/>
+              </a:schemeClr>
+            </a:lnRef>
+            <a:fillRef idx="1">
+              <a:schemeClr val="accent1"/>
+            </a:fillRef>
+            <a:effectRef idx="0">
+              <a:schemeClr val="accent1"/>
+            </a:effectRef>
+            <a:fontRef idx="minor">
+              <a:schemeClr val="lt1"/>
+            </a:fontRef>
+          </p:style>
+          <p:txBody>
+            <a:bodyPr rtlCol="0" anchor="ctr"/>
+            <a:lstStyle/>
+            <a:p>
+              <a:pPr algn="ctr"/>
+              <a:r>
+                <a:rPr lang="fr-FR" sz="1600" b="1" dirty="0">
+                  <a:solidFill>
+                    <a:schemeClr val="bg1"/>
+                  </a:solidFill>
+                  <a:effectLst>
+                    <a:outerShdw blurRad="38100" dist="76200" dir="2700000" algn="tl">
+                      <a:srgbClr val="000000"/>
+                    </a:outerShdw>
+                  </a:effectLst>
+                  <a:latin typeface="Helvetica" panose="020B0604020202030204" pitchFamily="34" charset="0"/>
+                </a:rPr>
+                <a:t>Conclusion</a:t>
+              </a:r>
+            </a:p>
+          </p:txBody>
+        </p:sp>
+        <p:sp>
+          <p:nvSpPr>
+            <p:cNvPr id="17" name="Flèche : chevron 16">
+              <a:extLst>
+                <a:ext uri="{FF2B5EF4-FFF2-40B4-BE49-F238E27FC236}">
+                  <a16:creationId xmlns:a16="http://schemas.microsoft.com/office/drawing/2014/main" id="{30C36617-CB5C-40F8-B05D-7053886FD5EF}"/>
+                </a:ext>
+              </a:extLst>
+            </p:cNvPr>
+            <p:cNvSpPr/>
+            <p:nvPr/>
+          </p:nvSpPr>
+          <p:spPr>
+            <a:xfrm>
+              <a:off x="3268744" y="332277"/>
+              <a:ext cx="2309567" cy="688157"/>
+            </a:xfrm>
+            <a:prstGeom prst="chevron">
+              <a:avLst/>
+            </a:prstGeom>
+            <a:solidFill>
+              <a:srgbClr val="FED449"/>
+            </a:solidFill>
+            <a:ln>
+              <a:solidFill>
+                <a:schemeClr val="bg1"/>
+              </a:solidFill>
+            </a:ln>
+          </p:spPr>
+          <p:style>
+            <a:lnRef idx="2">
+              <a:schemeClr val="accent1">
+                <a:shade val="50000"/>
+              </a:schemeClr>
+            </a:lnRef>
+            <a:fillRef idx="1">
+              <a:schemeClr val="accent1"/>
+            </a:fillRef>
+            <a:effectRef idx="0">
+              <a:schemeClr val="accent1"/>
+            </a:effectRef>
+            <a:fontRef idx="minor">
+              <a:schemeClr val="lt1"/>
+            </a:fontRef>
+          </p:style>
+          <p:txBody>
+            <a:bodyPr rtlCol="0" anchor="ctr"/>
+            <a:lstStyle/>
+            <a:p>
+              <a:pPr algn="ctr"/>
+              <a:r>
+                <a:rPr lang="fr-FR" sz="1500" b="1" dirty="0">
+                  <a:solidFill>
+                    <a:schemeClr val="bg1"/>
+                  </a:solidFill>
+                  <a:effectLst>
+                    <a:outerShdw blurRad="38100" dist="76200" dir="2700000" algn="tl">
+                      <a:srgbClr val="000000"/>
+                    </a:outerShdw>
+                  </a:effectLst>
+                  <a:latin typeface="Helvetica" panose="020B0604020202030204" pitchFamily="34" charset="0"/>
+                </a:rPr>
+                <a:t>Organisation</a:t>
+              </a:r>
+            </a:p>
+          </p:txBody>
+        </p:sp>
+        <p:sp>
+          <p:nvSpPr>
+            <p:cNvPr id="18" name="Flèche : chevron 17">
+              <a:extLst>
+                <a:ext uri="{FF2B5EF4-FFF2-40B4-BE49-F238E27FC236}">
+                  <a16:creationId xmlns:a16="http://schemas.microsoft.com/office/drawing/2014/main" id="{A33478E5-51C7-4324-9E5C-0845E032CF0C}"/>
+                </a:ext>
+              </a:extLst>
+            </p:cNvPr>
+            <p:cNvSpPr/>
+            <p:nvPr/>
+          </p:nvSpPr>
+          <p:spPr>
+            <a:xfrm>
+              <a:off x="5268797" y="332704"/>
+              <a:ext cx="2309567" cy="688157"/>
+            </a:xfrm>
+            <a:prstGeom prst="chevron">
+              <a:avLst/>
+            </a:prstGeom>
+            <a:solidFill>
+              <a:srgbClr val="88CE62"/>
+            </a:solidFill>
+            <a:ln>
+              <a:solidFill>
+                <a:schemeClr val="bg1"/>
+              </a:solidFill>
+            </a:ln>
+          </p:spPr>
+          <p:style>
+            <a:lnRef idx="2">
+              <a:schemeClr val="accent1">
+                <a:shade val="50000"/>
+              </a:schemeClr>
+            </a:lnRef>
+            <a:fillRef idx="1">
+              <a:schemeClr val="accent1"/>
+            </a:fillRef>
+            <a:effectRef idx="0">
+              <a:schemeClr val="accent1"/>
+            </a:effectRef>
+            <a:fontRef idx="minor">
+              <a:schemeClr val="lt1"/>
+            </a:fontRef>
+          </p:style>
+          <p:txBody>
+            <a:bodyPr rtlCol="0" anchor="ctr"/>
+            <a:lstStyle/>
+            <a:p>
+              <a:pPr algn="ctr"/>
+              <a:r>
+                <a:rPr lang="fr-FR" sz="1500" b="1" dirty="0">
+                  <a:solidFill>
+                    <a:schemeClr val="bg1"/>
+                  </a:solidFill>
+                  <a:effectLst>
+                    <a:outerShdw blurRad="38100" dist="76200" dir="2700000" algn="tl">
+                      <a:srgbClr val="000000"/>
+                    </a:outerShdw>
+                  </a:effectLst>
+                  <a:latin typeface="Helvetica" panose="020B0604020202030204" pitchFamily="34" charset="0"/>
+                </a:rPr>
+                <a:t>Développement</a:t>
+              </a:r>
+            </a:p>
+          </p:txBody>
+        </p:sp>
+        <p:sp>
+          <p:nvSpPr>
+            <p:cNvPr id="19" name="Flèche : chevron 18">
+              <a:extLst>
+                <a:ext uri="{FF2B5EF4-FFF2-40B4-BE49-F238E27FC236}">
+                  <a16:creationId xmlns:a16="http://schemas.microsoft.com/office/drawing/2014/main" id="{8795E004-010B-4219-8B10-37FA6D3A7781}"/>
+                </a:ext>
+              </a:extLst>
+            </p:cNvPr>
+            <p:cNvSpPr/>
+            <p:nvPr/>
+          </p:nvSpPr>
+          <p:spPr>
+            <a:xfrm>
+              <a:off x="7268850" y="332703"/>
+              <a:ext cx="2309567" cy="688157"/>
+            </a:xfrm>
+            <a:prstGeom prst="chevron">
+              <a:avLst/>
+            </a:prstGeom>
+            <a:solidFill>
+              <a:srgbClr val="FED449"/>
+            </a:solidFill>
+            <a:ln>
+              <a:solidFill>
+                <a:schemeClr val="bg1"/>
+              </a:solidFill>
+            </a:ln>
+          </p:spPr>
+          <p:style>
+            <a:lnRef idx="2">
+              <a:schemeClr val="accent1">
+                <a:shade val="50000"/>
+              </a:schemeClr>
+            </a:lnRef>
+            <a:fillRef idx="1">
+              <a:schemeClr val="accent1"/>
+            </a:fillRef>
+            <a:effectRef idx="0">
+              <a:schemeClr val="accent1"/>
+            </a:effectRef>
+            <a:fontRef idx="minor">
+              <a:schemeClr val="lt1"/>
+            </a:fontRef>
+          </p:style>
+          <p:txBody>
+            <a:bodyPr rtlCol="0" anchor="ctr"/>
+            <a:lstStyle/>
+            <a:p>
+              <a:pPr algn="ctr"/>
+              <a:r>
+                <a:rPr lang="fr-FR" sz="1500" b="1" dirty="0">
+                  <a:solidFill>
+                    <a:schemeClr val="bg1"/>
+                  </a:solidFill>
+                  <a:effectLst>
+                    <a:outerShdw blurRad="38100" dist="76200" dir="2700000" algn="tl">
+                      <a:srgbClr val="000000"/>
+                    </a:outerShdw>
+                  </a:effectLst>
+                  <a:latin typeface="Helvetica" panose="020B0604020202030204" pitchFamily="34" charset="0"/>
+                </a:rPr>
+                <a:t>Démonstration</a:t>
+              </a:r>
+              <a:endParaRPr lang="fr-FR" sz="1500" dirty="0">
+                <a:solidFill>
+                  <a:schemeClr val="tx1"/>
+                </a:solidFill>
+              </a:endParaRPr>
+            </a:p>
+          </p:txBody>
+        </p:sp>
+        <p:pic>
+          <p:nvPicPr>
+            <p:cNvPr id="6" name="Image 5">
+              <a:extLst>
+                <a:ext uri="{FF2B5EF4-FFF2-40B4-BE49-F238E27FC236}">
+                  <a16:creationId xmlns:a16="http://schemas.microsoft.com/office/drawing/2014/main" id="{2D0A881D-5AC2-4766-BD4C-5405D55C11A5}"/>
+                </a:ext>
+              </a:extLst>
+            </p:cNvPr>
+            <p:cNvPicPr>
+              <a:picLocks noChangeAspect="1"/>
+            </p:cNvPicPr>
+            <p:nvPr/>
+          </p:nvPicPr>
+          <p:blipFill>
+            <a:blip r:embed="rId3">
+              <a:extLst>
+                <a:ext uri="{28A0092B-C50C-407E-A947-70E740481C1C}">
+                  <a14:useLocalDpi xmlns:a14="http://schemas.microsoft.com/office/drawing/2010/main" val="0"/>
+                </a:ext>
+              </a:extLst>
+            </a:blip>
+            <a:stretch>
+              <a:fillRect/>
+            </a:stretch>
+          </p:blipFill>
+          <p:spPr>
+            <a:xfrm>
+              <a:off x="327166" y="0"/>
+              <a:ext cx="1566153" cy="1342417"/>
+            </a:xfrm>
+            <a:prstGeom prst="rect">
+              <a:avLst/>
+            </a:prstGeom>
+          </p:spPr>
+        </p:pic>
+      </p:grpSp>
+      <p:sp>
+        <p:nvSpPr>
+          <p:cNvPr id="10" name="ZoneTexte 9">
+            <a:extLst>
+              <a:ext uri="{FF2B5EF4-FFF2-40B4-BE49-F238E27FC236}">
+                <a16:creationId xmlns:a16="http://schemas.microsoft.com/office/drawing/2014/main" id="{CE36D8FB-1CD3-4D19-A954-A2CE97724692}"/>
+              </a:ext>
+            </a:extLst>
+          </p:cNvPr>
+          <p:cNvSpPr txBox="1"/>
+          <p:nvPr/>
+        </p:nvSpPr>
+        <p:spPr>
+          <a:xfrm>
+            <a:off x="336894" y="1225685"/>
+            <a:ext cx="11472482" cy="5369668"/>
+          </a:xfrm>
+          <a:prstGeom prst="rect">
+            <a:avLst/>
+          </a:prstGeom>
+          <a:solidFill>
+            <a:srgbClr val="FED449">
+              <a:alpha val="50000"/>
+            </a:srgbClr>
+          </a:solidFill>
+          <a:effectLst>
+            <a:softEdge rad="152400"/>
+          </a:effectLst>
+        </p:spPr>
+        <p:txBody>
+          <a:bodyPr wrap="square" rtlCol="0">
+            <a:spAutoFit/>
+          </a:bodyPr>
+          <a:lstStyle/>
+          <a:p>
+            <a:endParaRPr lang="fr-FR" dirty="0"/>
+          </a:p>
+        </p:txBody>
+      </p:sp>
+      <p:sp>
+        <p:nvSpPr>
+          <p:cNvPr id="12" name="ZoneTexte 11">
+            <a:extLst>
+              <a:ext uri="{FF2B5EF4-FFF2-40B4-BE49-F238E27FC236}">
+                <a16:creationId xmlns:a16="http://schemas.microsoft.com/office/drawing/2014/main" id="{B090A43C-7D0E-46E1-9FC8-BDAE21AEEC4B}"/>
+              </a:ext>
+            </a:extLst>
+          </p:cNvPr>
+          <p:cNvSpPr txBox="1"/>
+          <p:nvPr/>
+        </p:nvSpPr>
+        <p:spPr>
+          <a:xfrm>
+            <a:off x="1090367" y="1674695"/>
+            <a:ext cx="10011266" cy="523220"/>
+          </a:xfrm>
+          <a:prstGeom prst="rect">
+            <a:avLst/>
+          </a:prstGeom>
+          <a:noFill/>
+        </p:spPr>
+        <p:txBody>
+          <a:bodyPr wrap="square" rtlCol="0">
+            <a:spAutoFit/>
+          </a:bodyPr>
+          <a:lstStyle/>
+          <a:p>
+            <a:pPr algn="ctr"/>
+            <a:r>
+              <a:rPr lang="fr-FR" sz="2800" b="1" dirty="0">
+                <a:latin typeface="Helvetica" panose="020B0604020202030204" pitchFamily="34" charset="0"/>
+              </a:rPr>
+              <a:t>Algorithme d’envoi de mail</a:t>
+            </a:r>
+            <a:endParaRPr lang="fr-FR" sz="2400" b="1" dirty="0">
+              <a:latin typeface="Helvetica" panose="020B0604020202030204" pitchFamily="34" charset="0"/>
+            </a:endParaRPr>
+          </a:p>
+        </p:txBody>
+      </p:sp>
+    </p:spTree>
+    <p:extLst>
+      <p:ext uri="{BB962C8B-B14F-4D97-AF65-F5344CB8AC3E}">
+        <p14:creationId xmlns:p14="http://schemas.microsoft.com/office/powerpoint/2010/main" val="3294856264"/>
+      </p:ext>
+    </p:extLst>
+  </p:cSld>
+  <p:clrMapOvr>
+    <a:masterClrMapping/>
+  </p:clrMapOvr>
+</p:sld>
+</file>
+
+<file path=ppt/slides/slide13.xml><?xml version="1.0" encoding="utf-8"?>
+<p:sld xmlns:a="http://schemas.openxmlformats.org/drawingml/2006/main" xmlns:r="http://schemas.openxmlformats.org/officeDocument/2006/relationships" xmlns:p="http://schemas.openxmlformats.org/presentationml/2006/main">
+  <p:cSld>
+    <p:bg>
+      <p:bgPr>
+        <a:blipFill dpi="0" rotWithShape="1">
+          <a:blip r:embed="rId2">
+            <a:lum/>
+          </a:blip>
+          <a:srcRect/>
+          <a:stretch>
+            <a:fillRect/>
+          </a:stretch>
+        </a:blipFill>
+        <a:effectLst/>
+      </p:bgPr>
+    </p:bg>
+    <p:spTree>
+      <p:nvGrpSpPr>
+        <p:cNvPr id="1" name=""/>
+        <p:cNvGrpSpPr/>
+        <p:nvPr/>
+      </p:nvGrpSpPr>
+      <p:grpSpPr>
+        <a:xfrm>
+          <a:off x="0" y="0"/>
+          <a:ext cx="0" cy="0"/>
+          <a:chOff x="0" y="0"/>
+          <a:chExt cx="0" cy="0"/>
+        </a:xfrm>
+      </p:grpSpPr>
+      <p:grpSp>
+        <p:nvGrpSpPr>
+          <p:cNvPr id="7" name="Groupe 6">
+            <a:extLst>
+              <a:ext uri="{FF2B5EF4-FFF2-40B4-BE49-F238E27FC236}">
+                <a16:creationId xmlns:a16="http://schemas.microsoft.com/office/drawing/2014/main" id="{67E81936-583F-45AD-82CC-A5C937F4C87C}"/>
+              </a:ext>
+            </a:extLst>
+          </p:cNvPr>
+          <p:cNvGrpSpPr/>
+          <p:nvPr/>
+        </p:nvGrpSpPr>
+        <p:grpSpPr>
+          <a:xfrm>
+            <a:off x="327166" y="0"/>
+            <a:ext cx="11251304" cy="1342417"/>
+            <a:chOff x="327166" y="0"/>
+            <a:chExt cx="11251304" cy="1342417"/>
+          </a:xfrm>
+        </p:grpSpPr>
+        <p:sp>
+          <p:nvSpPr>
+            <p:cNvPr id="4" name="Flèche : chevron 3">
+              <a:extLst>
+                <a:ext uri="{FF2B5EF4-FFF2-40B4-BE49-F238E27FC236}">
+                  <a16:creationId xmlns:a16="http://schemas.microsoft.com/office/drawing/2014/main" id="{60D600DE-6FA0-4280-A81A-6DBE7691E92C}"/>
+                </a:ext>
+              </a:extLst>
+            </p:cNvPr>
+            <p:cNvSpPr/>
+            <p:nvPr/>
+          </p:nvSpPr>
+          <p:spPr>
+            <a:xfrm>
+              <a:off x="1268691" y="332278"/>
+              <a:ext cx="2309567" cy="688157"/>
+            </a:xfrm>
+            <a:prstGeom prst="chevron">
+              <a:avLst/>
+            </a:prstGeom>
+            <a:solidFill>
+              <a:srgbClr val="FED449"/>
+            </a:solidFill>
+            <a:ln>
+              <a:solidFill>
+                <a:schemeClr val="bg1"/>
+              </a:solidFill>
+            </a:ln>
+          </p:spPr>
+          <p:style>
+            <a:lnRef idx="2">
+              <a:schemeClr val="accent1">
+                <a:shade val="50000"/>
+              </a:schemeClr>
+            </a:lnRef>
+            <a:fillRef idx="1">
+              <a:schemeClr val="accent1"/>
+            </a:fillRef>
+            <a:effectRef idx="0">
+              <a:schemeClr val="accent1"/>
+            </a:effectRef>
+            <a:fontRef idx="minor">
+              <a:schemeClr val="lt1"/>
+            </a:fontRef>
+          </p:style>
+          <p:txBody>
+            <a:bodyPr rtlCol="0" anchor="ctr"/>
+            <a:lstStyle/>
+            <a:p>
+              <a:pPr algn="ctr"/>
+              <a:r>
+                <a:rPr lang="fr-FR" sz="1500" b="1" dirty="0">
+                  <a:solidFill>
+                    <a:schemeClr val="bg1"/>
+                  </a:solidFill>
+                  <a:effectLst>
+                    <a:outerShdw blurRad="38100" dist="76200" dir="2700000" algn="tl">
+                      <a:srgbClr val="000000"/>
+                    </a:outerShdw>
+                  </a:effectLst>
+                  <a:latin typeface="Helvetica" panose="020B0604020202030204" pitchFamily="34" charset="0"/>
+                </a:rPr>
+                <a:t>Etude du projet</a:t>
+              </a:r>
+            </a:p>
+          </p:txBody>
+        </p:sp>
+        <p:sp>
+          <p:nvSpPr>
+            <p:cNvPr id="16" name="Flèche : chevron 15">
+              <a:extLst>
+                <a:ext uri="{FF2B5EF4-FFF2-40B4-BE49-F238E27FC236}">
+                  <a16:creationId xmlns:a16="http://schemas.microsoft.com/office/drawing/2014/main" id="{F7655D32-22EC-4542-883E-4033865C1471}"/>
+                </a:ext>
+              </a:extLst>
+            </p:cNvPr>
+            <p:cNvSpPr/>
+            <p:nvPr/>
+          </p:nvSpPr>
+          <p:spPr>
+            <a:xfrm>
+              <a:off x="9268903" y="332277"/>
+              <a:ext cx="2309567" cy="688157"/>
+            </a:xfrm>
+            <a:prstGeom prst="chevron">
+              <a:avLst/>
+            </a:prstGeom>
+            <a:solidFill>
+              <a:srgbClr val="FED449"/>
+            </a:solidFill>
+            <a:ln>
+              <a:solidFill>
+                <a:schemeClr val="bg1"/>
+              </a:solidFill>
+            </a:ln>
+          </p:spPr>
+          <p:style>
+            <a:lnRef idx="2">
+              <a:schemeClr val="accent1">
+                <a:shade val="50000"/>
+              </a:schemeClr>
+            </a:lnRef>
+            <a:fillRef idx="1">
+              <a:schemeClr val="accent1"/>
+            </a:fillRef>
+            <a:effectRef idx="0">
+              <a:schemeClr val="accent1"/>
+            </a:effectRef>
+            <a:fontRef idx="minor">
+              <a:schemeClr val="lt1"/>
+            </a:fontRef>
+          </p:style>
+          <p:txBody>
+            <a:bodyPr rtlCol="0" anchor="ctr"/>
+            <a:lstStyle/>
+            <a:p>
+              <a:pPr algn="ctr"/>
+              <a:r>
+                <a:rPr lang="fr-FR" sz="1600" b="1" dirty="0">
+                  <a:solidFill>
+                    <a:schemeClr val="bg1"/>
+                  </a:solidFill>
+                  <a:effectLst>
+                    <a:outerShdw blurRad="38100" dist="76200" dir="2700000" algn="tl">
+                      <a:srgbClr val="000000"/>
+                    </a:outerShdw>
+                  </a:effectLst>
+                  <a:latin typeface="Helvetica" panose="020B0604020202030204" pitchFamily="34" charset="0"/>
+                </a:rPr>
+                <a:t>Conclusion</a:t>
+              </a:r>
+            </a:p>
+          </p:txBody>
+        </p:sp>
+        <p:sp>
+          <p:nvSpPr>
+            <p:cNvPr id="17" name="Flèche : chevron 16">
+              <a:extLst>
+                <a:ext uri="{FF2B5EF4-FFF2-40B4-BE49-F238E27FC236}">
+                  <a16:creationId xmlns:a16="http://schemas.microsoft.com/office/drawing/2014/main" id="{30C36617-CB5C-40F8-B05D-7053886FD5EF}"/>
+                </a:ext>
+              </a:extLst>
+            </p:cNvPr>
+            <p:cNvSpPr/>
+            <p:nvPr/>
+          </p:nvSpPr>
+          <p:spPr>
+            <a:xfrm>
+              <a:off x="3268744" y="332277"/>
+              <a:ext cx="2309567" cy="688157"/>
+            </a:xfrm>
+            <a:prstGeom prst="chevron">
+              <a:avLst/>
+            </a:prstGeom>
+            <a:solidFill>
+              <a:srgbClr val="FED449"/>
+            </a:solidFill>
+            <a:ln>
+              <a:solidFill>
+                <a:schemeClr val="bg1"/>
+              </a:solidFill>
+            </a:ln>
+          </p:spPr>
+          <p:style>
+            <a:lnRef idx="2">
+              <a:schemeClr val="accent1">
+                <a:shade val="50000"/>
+              </a:schemeClr>
+            </a:lnRef>
+            <a:fillRef idx="1">
+              <a:schemeClr val="accent1"/>
+            </a:fillRef>
+            <a:effectRef idx="0">
+              <a:schemeClr val="accent1"/>
+            </a:effectRef>
+            <a:fontRef idx="minor">
+              <a:schemeClr val="lt1"/>
+            </a:fontRef>
+          </p:style>
+          <p:txBody>
+            <a:bodyPr rtlCol="0" anchor="ctr"/>
+            <a:lstStyle/>
+            <a:p>
+              <a:pPr algn="ctr"/>
+              <a:r>
+                <a:rPr lang="fr-FR" sz="1500" b="1" dirty="0">
+                  <a:solidFill>
+                    <a:schemeClr val="bg1"/>
+                  </a:solidFill>
+                  <a:effectLst>
+                    <a:outerShdw blurRad="38100" dist="76200" dir="2700000" algn="tl">
+                      <a:srgbClr val="000000"/>
+                    </a:outerShdw>
+                  </a:effectLst>
+                  <a:latin typeface="Helvetica" panose="020B0604020202030204" pitchFamily="34" charset="0"/>
+                </a:rPr>
+                <a:t>Organisation</a:t>
+              </a:r>
+            </a:p>
+          </p:txBody>
+        </p:sp>
+        <p:sp>
+          <p:nvSpPr>
+            <p:cNvPr id="18" name="Flèche : chevron 17">
+              <a:extLst>
+                <a:ext uri="{FF2B5EF4-FFF2-40B4-BE49-F238E27FC236}">
+                  <a16:creationId xmlns:a16="http://schemas.microsoft.com/office/drawing/2014/main" id="{A33478E5-51C7-4324-9E5C-0845E032CF0C}"/>
+                </a:ext>
+              </a:extLst>
+            </p:cNvPr>
+            <p:cNvSpPr/>
+            <p:nvPr/>
+          </p:nvSpPr>
+          <p:spPr>
+            <a:xfrm>
+              <a:off x="5268797" y="332704"/>
+              <a:ext cx="2309567" cy="688157"/>
+            </a:xfrm>
+            <a:prstGeom prst="chevron">
+              <a:avLst/>
+            </a:prstGeom>
+            <a:solidFill>
+              <a:srgbClr val="88CE62"/>
+            </a:solidFill>
+            <a:ln>
+              <a:solidFill>
+                <a:schemeClr val="bg1"/>
+              </a:solidFill>
+            </a:ln>
+          </p:spPr>
+          <p:style>
+            <a:lnRef idx="2">
+              <a:schemeClr val="accent1">
+                <a:shade val="50000"/>
+              </a:schemeClr>
+            </a:lnRef>
+            <a:fillRef idx="1">
+              <a:schemeClr val="accent1"/>
+            </a:fillRef>
+            <a:effectRef idx="0">
+              <a:schemeClr val="accent1"/>
+            </a:effectRef>
+            <a:fontRef idx="minor">
+              <a:schemeClr val="lt1"/>
+            </a:fontRef>
+          </p:style>
+          <p:txBody>
+            <a:bodyPr rtlCol="0" anchor="ctr"/>
+            <a:lstStyle/>
+            <a:p>
+              <a:pPr algn="ctr"/>
+              <a:r>
+                <a:rPr lang="fr-FR" sz="1500" b="1" dirty="0">
+                  <a:solidFill>
+                    <a:schemeClr val="bg1"/>
+                  </a:solidFill>
+                  <a:effectLst>
+                    <a:outerShdw blurRad="38100" dist="76200" dir="2700000" algn="tl">
+                      <a:srgbClr val="000000"/>
+                    </a:outerShdw>
+                  </a:effectLst>
+                  <a:latin typeface="Helvetica" panose="020B0604020202030204" pitchFamily="34" charset="0"/>
+                </a:rPr>
+                <a:t>Développement</a:t>
+              </a:r>
+            </a:p>
+          </p:txBody>
+        </p:sp>
+        <p:sp>
+          <p:nvSpPr>
+            <p:cNvPr id="19" name="Flèche : chevron 18">
+              <a:extLst>
+                <a:ext uri="{FF2B5EF4-FFF2-40B4-BE49-F238E27FC236}">
+                  <a16:creationId xmlns:a16="http://schemas.microsoft.com/office/drawing/2014/main" id="{8795E004-010B-4219-8B10-37FA6D3A7781}"/>
+                </a:ext>
+              </a:extLst>
+            </p:cNvPr>
+            <p:cNvSpPr/>
+            <p:nvPr/>
+          </p:nvSpPr>
+          <p:spPr>
+            <a:xfrm>
+              <a:off x="7268850" y="332703"/>
+              <a:ext cx="2309567" cy="688157"/>
+            </a:xfrm>
+            <a:prstGeom prst="chevron">
+              <a:avLst/>
+            </a:prstGeom>
+            <a:solidFill>
+              <a:srgbClr val="FED449"/>
+            </a:solidFill>
+            <a:ln>
+              <a:solidFill>
+                <a:schemeClr val="bg1"/>
+              </a:solidFill>
+            </a:ln>
+          </p:spPr>
+          <p:style>
+            <a:lnRef idx="2">
+              <a:schemeClr val="accent1">
+                <a:shade val="50000"/>
+              </a:schemeClr>
+            </a:lnRef>
+            <a:fillRef idx="1">
+              <a:schemeClr val="accent1"/>
+            </a:fillRef>
+            <a:effectRef idx="0">
+              <a:schemeClr val="accent1"/>
+            </a:effectRef>
+            <a:fontRef idx="minor">
+              <a:schemeClr val="lt1"/>
+            </a:fontRef>
+          </p:style>
+          <p:txBody>
+            <a:bodyPr rtlCol="0" anchor="ctr"/>
+            <a:lstStyle/>
+            <a:p>
+              <a:pPr algn="ctr"/>
+              <a:r>
+                <a:rPr lang="fr-FR" sz="1500" b="1" dirty="0">
+                  <a:solidFill>
+                    <a:schemeClr val="bg1"/>
+                  </a:solidFill>
+                  <a:effectLst>
+                    <a:outerShdw blurRad="38100" dist="76200" dir="2700000" algn="tl">
+                      <a:srgbClr val="000000"/>
+                    </a:outerShdw>
+                  </a:effectLst>
+                  <a:latin typeface="Helvetica" panose="020B0604020202030204" pitchFamily="34" charset="0"/>
+                </a:rPr>
+                <a:t>Démonstration</a:t>
+              </a:r>
+              <a:endParaRPr lang="fr-FR" sz="1500" dirty="0">
+                <a:solidFill>
+                  <a:schemeClr val="tx1"/>
+                </a:solidFill>
+              </a:endParaRPr>
+            </a:p>
+          </p:txBody>
+        </p:sp>
+        <p:pic>
+          <p:nvPicPr>
+            <p:cNvPr id="6" name="Image 5">
+              <a:extLst>
+                <a:ext uri="{FF2B5EF4-FFF2-40B4-BE49-F238E27FC236}">
+                  <a16:creationId xmlns:a16="http://schemas.microsoft.com/office/drawing/2014/main" id="{2D0A881D-5AC2-4766-BD4C-5405D55C11A5}"/>
+                </a:ext>
+              </a:extLst>
+            </p:cNvPr>
+            <p:cNvPicPr>
+              <a:picLocks noChangeAspect="1"/>
+            </p:cNvPicPr>
+            <p:nvPr/>
+          </p:nvPicPr>
+          <p:blipFill>
+            <a:blip r:embed="rId3">
+              <a:extLst>
+                <a:ext uri="{28A0092B-C50C-407E-A947-70E740481C1C}">
+                  <a14:useLocalDpi xmlns:a14="http://schemas.microsoft.com/office/drawing/2010/main" val="0"/>
+                </a:ext>
+              </a:extLst>
+            </a:blip>
+            <a:stretch>
+              <a:fillRect/>
+            </a:stretch>
+          </p:blipFill>
+          <p:spPr>
+            <a:xfrm>
+              <a:off x="327166" y="0"/>
+              <a:ext cx="1566153" cy="1342417"/>
+            </a:xfrm>
+            <a:prstGeom prst="rect">
+              <a:avLst/>
+            </a:prstGeom>
+          </p:spPr>
+        </p:pic>
+      </p:grpSp>
+      <p:sp>
+        <p:nvSpPr>
+          <p:cNvPr id="10" name="ZoneTexte 9">
+            <a:extLst>
+              <a:ext uri="{FF2B5EF4-FFF2-40B4-BE49-F238E27FC236}">
+                <a16:creationId xmlns:a16="http://schemas.microsoft.com/office/drawing/2014/main" id="{CE36D8FB-1CD3-4D19-A954-A2CE97724692}"/>
+              </a:ext>
+            </a:extLst>
+          </p:cNvPr>
+          <p:cNvSpPr txBox="1"/>
+          <p:nvPr/>
+        </p:nvSpPr>
+        <p:spPr>
+          <a:xfrm>
+            <a:off x="336894" y="1225685"/>
+            <a:ext cx="11472482" cy="5369668"/>
+          </a:xfrm>
+          <a:prstGeom prst="rect">
+            <a:avLst/>
+          </a:prstGeom>
+          <a:solidFill>
+            <a:srgbClr val="FED449">
+              <a:alpha val="50000"/>
+            </a:srgbClr>
+          </a:solidFill>
+          <a:effectLst>
+            <a:softEdge rad="152400"/>
+          </a:effectLst>
+        </p:spPr>
+        <p:txBody>
+          <a:bodyPr wrap="square" rtlCol="0">
+            <a:spAutoFit/>
+          </a:bodyPr>
+          <a:lstStyle/>
+          <a:p>
+            <a:endParaRPr lang="fr-FR" dirty="0"/>
+          </a:p>
+        </p:txBody>
+      </p:sp>
+      <p:sp>
+        <p:nvSpPr>
+          <p:cNvPr id="12" name="ZoneTexte 11">
+            <a:extLst>
+              <a:ext uri="{FF2B5EF4-FFF2-40B4-BE49-F238E27FC236}">
+                <a16:creationId xmlns:a16="http://schemas.microsoft.com/office/drawing/2014/main" id="{B090A43C-7D0E-46E1-9FC8-BDAE21AEEC4B}"/>
+              </a:ext>
+            </a:extLst>
+          </p:cNvPr>
+          <p:cNvSpPr txBox="1"/>
+          <p:nvPr/>
+        </p:nvSpPr>
+        <p:spPr>
+          <a:xfrm>
+            <a:off x="1090367" y="1674695"/>
+            <a:ext cx="10011266" cy="523220"/>
+          </a:xfrm>
+          <a:prstGeom prst="rect">
+            <a:avLst/>
+          </a:prstGeom>
+          <a:noFill/>
+        </p:spPr>
+        <p:txBody>
+          <a:bodyPr wrap="square" rtlCol="0">
+            <a:spAutoFit/>
+          </a:bodyPr>
+          <a:lstStyle/>
+          <a:p>
+            <a:pPr algn="ctr"/>
+            <a:r>
+              <a:rPr lang="fr-FR" sz="2800" b="1" dirty="0">
+                <a:latin typeface="Helvetica" panose="020B0604020202030204" pitchFamily="34" charset="0"/>
+              </a:rPr>
+              <a:t>Algorithme de la modification d’un article</a:t>
+            </a:r>
+            <a:endParaRPr lang="fr-FR" sz="2400" b="1" dirty="0">
+              <a:latin typeface="Helvetica" panose="020B0604020202030204" pitchFamily="34" charset="0"/>
+            </a:endParaRPr>
+          </a:p>
+        </p:txBody>
+      </p:sp>
+    </p:spTree>
+    <p:extLst>
+      <p:ext uri="{BB962C8B-B14F-4D97-AF65-F5344CB8AC3E}">
+        <p14:creationId xmlns:p14="http://schemas.microsoft.com/office/powerpoint/2010/main" val="3586579877"/>
+      </p:ext>
+    </p:extLst>
+  </p:cSld>
+  <p:clrMapOvr>
+    <a:masterClrMapping/>
+  </p:clrMapOvr>
+</p:sld>
+</file>
+
+<file path=ppt/slides/slide14.xml><?xml version="1.0" encoding="utf-8"?>
+<p:sld xmlns:a="http://schemas.openxmlformats.org/drawingml/2006/main" xmlns:r="http://schemas.openxmlformats.org/officeDocument/2006/relationships" xmlns:p="http://schemas.openxmlformats.org/presentationml/2006/main">
+  <p:cSld>
+    <p:bg>
+      <p:bgPr>
+        <a:blipFill dpi="0" rotWithShape="1">
+          <a:blip r:embed="rId2">
+            <a:lum/>
+          </a:blip>
+          <a:srcRect/>
+          <a:stretch>
+            <a:fillRect/>
+          </a:stretch>
+        </a:blipFill>
+        <a:effectLst/>
+      </p:bgPr>
+    </p:bg>
+    <p:spTree>
+      <p:nvGrpSpPr>
+        <p:cNvPr id="1" name=""/>
+        <p:cNvGrpSpPr/>
+        <p:nvPr/>
+      </p:nvGrpSpPr>
+      <p:grpSpPr>
+        <a:xfrm>
+          <a:off x="0" y="0"/>
+          <a:ext cx="0" cy="0"/>
+          <a:chOff x="0" y="0"/>
+          <a:chExt cx="0" cy="0"/>
+        </a:xfrm>
+      </p:grpSpPr>
+      <p:grpSp>
+        <p:nvGrpSpPr>
+          <p:cNvPr id="7" name="Groupe 6">
+            <a:extLst>
+              <a:ext uri="{FF2B5EF4-FFF2-40B4-BE49-F238E27FC236}">
+                <a16:creationId xmlns:a16="http://schemas.microsoft.com/office/drawing/2014/main" id="{67E81936-583F-45AD-82CC-A5C937F4C87C}"/>
+              </a:ext>
+            </a:extLst>
+          </p:cNvPr>
+          <p:cNvGrpSpPr/>
+          <p:nvPr/>
+        </p:nvGrpSpPr>
+        <p:grpSpPr>
+          <a:xfrm>
+            <a:off x="327166" y="0"/>
+            <a:ext cx="11251304" cy="1342417"/>
+            <a:chOff x="327166" y="0"/>
+            <a:chExt cx="11251304" cy="1342417"/>
+          </a:xfrm>
+        </p:grpSpPr>
+        <p:sp>
+          <p:nvSpPr>
+            <p:cNvPr id="4" name="Flèche : chevron 3">
+              <a:extLst>
+                <a:ext uri="{FF2B5EF4-FFF2-40B4-BE49-F238E27FC236}">
+                  <a16:creationId xmlns:a16="http://schemas.microsoft.com/office/drawing/2014/main" id="{60D600DE-6FA0-4280-A81A-6DBE7691E92C}"/>
+                </a:ext>
+              </a:extLst>
+            </p:cNvPr>
+            <p:cNvSpPr/>
+            <p:nvPr/>
+          </p:nvSpPr>
+          <p:spPr>
+            <a:xfrm>
+              <a:off x="1268691" y="332278"/>
+              <a:ext cx="2309567" cy="688157"/>
+            </a:xfrm>
+            <a:prstGeom prst="chevron">
+              <a:avLst/>
+            </a:prstGeom>
+            <a:solidFill>
+              <a:srgbClr val="FED449"/>
+            </a:solidFill>
+            <a:ln>
+              <a:solidFill>
+                <a:schemeClr val="bg1"/>
+              </a:solidFill>
+            </a:ln>
+          </p:spPr>
+          <p:style>
+            <a:lnRef idx="2">
+              <a:schemeClr val="accent1">
+                <a:shade val="50000"/>
+              </a:schemeClr>
+            </a:lnRef>
+            <a:fillRef idx="1">
+              <a:schemeClr val="accent1"/>
+            </a:fillRef>
+            <a:effectRef idx="0">
+              <a:schemeClr val="accent1"/>
+            </a:effectRef>
+            <a:fontRef idx="minor">
+              <a:schemeClr val="lt1"/>
+            </a:fontRef>
+          </p:style>
+          <p:txBody>
+            <a:bodyPr rtlCol="0" anchor="ctr"/>
+            <a:lstStyle/>
+            <a:p>
+              <a:pPr algn="ctr"/>
+              <a:r>
+                <a:rPr lang="fr-FR" sz="1500" b="1" dirty="0">
+                  <a:solidFill>
+                    <a:schemeClr val="bg1"/>
+                  </a:solidFill>
+                  <a:effectLst>
+                    <a:outerShdw blurRad="38100" dist="76200" dir="2700000" algn="tl">
+                      <a:srgbClr val="000000"/>
+                    </a:outerShdw>
+                  </a:effectLst>
+                  <a:latin typeface="Helvetica" panose="020B0604020202030204" pitchFamily="34" charset="0"/>
+                </a:rPr>
+                <a:t>Etude du projet</a:t>
+              </a:r>
+            </a:p>
+          </p:txBody>
+        </p:sp>
+        <p:sp>
+          <p:nvSpPr>
+            <p:cNvPr id="16" name="Flèche : chevron 15">
+              <a:extLst>
+                <a:ext uri="{FF2B5EF4-FFF2-40B4-BE49-F238E27FC236}">
+                  <a16:creationId xmlns:a16="http://schemas.microsoft.com/office/drawing/2014/main" id="{F7655D32-22EC-4542-883E-4033865C1471}"/>
+                </a:ext>
+              </a:extLst>
+            </p:cNvPr>
+            <p:cNvSpPr/>
+            <p:nvPr/>
+          </p:nvSpPr>
+          <p:spPr>
+            <a:xfrm>
+              <a:off x="9268903" y="332277"/>
+              <a:ext cx="2309567" cy="688157"/>
+            </a:xfrm>
+            <a:prstGeom prst="chevron">
+              <a:avLst/>
+            </a:prstGeom>
+            <a:solidFill>
+              <a:srgbClr val="FED449"/>
+            </a:solidFill>
+            <a:ln>
+              <a:solidFill>
+                <a:schemeClr val="bg1"/>
+              </a:solidFill>
+            </a:ln>
+          </p:spPr>
+          <p:style>
+            <a:lnRef idx="2">
+              <a:schemeClr val="accent1">
+                <a:shade val="50000"/>
+              </a:schemeClr>
+            </a:lnRef>
+            <a:fillRef idx="1">
+              <a:schemeClr val="accent1"/>
+            </a:fillRef>
+            <a:effectRef idx="0">
+              <a:schemeClr val="accent1"/>
+            </a:effectRef>
+            <a:fontRef idx="minor">
+              <a:schemeClr val="lt1"/>
+            </a:fontRef>
+          </p:style>
+          <p:txBody>
+            <a:bodyPr rtlCol="0" anchor="ctr"/>
+            <a:lstStyle/>
+            <a:p>
+              <a:pPr algn="ctr"/>
+              <a:r>
+                <a:rPr lang="fr-FR" sz="1600" b="1" dirty="0">
+                  <a:solidFill>
+                    <a:schemeClr val="bg1"/>
+                  </a:solidFill>
+                  <a:effectLst>
+                    <a:outerShdw blurRad="38100" dist="76200" dir="2700000" algn="tl">
+                      <a:srgbClr val="000000"/>
+                    </a:outerShdw>
+                  </a:effectLst>
+                  <a:latin typeface="Helvetica" panose="020B0604020202030204" pitchFamily="34" charset="0"/>
+                </a:rPr>
+                <a:t>Conclusion</a:t>
+              </a:r>
+            </a:p>
+          </p:txBody>
+        </p:sp>
+        <p:sp>
+          <p:nvSpPr>
+            <p:cNvPr id="17" name="Flèche : chevron 16">
+              <a:extLst>
+                <a:ext uri="{FF2B5EF4-FFF2-40B4-BE49-F238E27FC236}">
+                  <a16:creationId xmlns:a16="http://schemas.microsoft.com/office/drawing/2014/main" id="{30C36617-CB5C-40F8-B05D-7053886FD5EF}"/>
+                </a:ext>
+              </a:extLst>
+            </p:cNvPr>
+            <p:cNvSpPr/>
+            <p:nvPr/>
+          </p:nvSpPr>
+          <p:spPr>
+            <a:xfrm>
+              <a:off x="3268744" y="332277"/>
+              <a:ext cx="2309567" cy="688157"/>
+            </a:xfrm>
+            <a:prstGeom prst="chevron">
+              <a:avLst/>
+            </a:prstGeom>
+            <a:solidFill>
+              <a:srgbClr val="FED449"/>
+            </a:solidFill>
+            <a:ln>
+              <a:solidFill>
+                <a:schemeClr val="bg1"/>
+              </a:solidFill>
+            </a:ln>
+          </p:spPr>
+          <p:style>
+            <a:lnRef idx="2">
+              <a:schemeClr val="accent1">
+                <a:shade val="50000"/>
+              </a:schemeClr>
+            </a:lnRef>
+            <a:fillRef idx="1">
+              <a:schemeClr val="accent1"/>
+            </a:fillRef>
+            <a:effectRef idx="0">
+              <a:schemeClr val="accent1"/>
+            </a:effectRef>
+            <a:fontRef idx="minor">
+              <a:schemeClr val="lt1"/>
+            </a:fontRef>
+          </p:style>
+          <p:txBody>
+            <a:bodyPr rtlCol="0" anchor="ctr"/>
+            <a:lstStyle/>
+            <a:p>
+              <a:pPr algn="ctr"/>
+              <a:r>
+                <a:rPr lang="fr-FR" sz="1500" b="1" dirty="0">
+                  <a:solidFill>
+                    <a:schemeClr val="bg1"/>
+                  </a:solidFill>
+                  <a:effectLst>
+                    <a:outerShdw blurRad="38100" dist="76200" dir="2700000" algn="tl">
+                      <a:srgbClr val="000000"/>
+                    </a:outerShdw>
+                  </a:effectLst>
+                  <a:latin typeface="Helvetica" panose="020B0604020202030204" pitchFamily="34" charset="0"/>
+                </a:rPr>
+                <a:t>Organisation</a:t>
+              </a:r>
+            </a:p>
+          </p:txBody>
+        </p:sp>
+        <p:sp>
+          <p:nvSpPr>
+            <p:cNvPr id="18" name="Flèche : chevron 17">
+              <a:extLst>
+                <a:ext uri="{FF2B5EF4-FFF2-40B4-BE49-F238E27FC236}">
+                  <a16:creationId xmlns:a16="http://schemas.microsoft.com/office/drawing/2014/main" id="{A33478E5-51C7-4324-9E5C-0845E032CF0C}"/>
+                </a:ext>
+              </a:extLst>
+            </p:cNvPr>
+            <p:cNvSpPr/>
+            <p:nvPr/>
+          </p:nvSpPr>
+          <p:spPr>
+            <a:xfrm>
+              <a:off x="5268797" y="332704"/>
+              <a:ext cx="2309567" cy="688157"/>
+            </a:xfrm>
+            <a:prstGeom prst="chevron">
+              <a:avLst/>
+            </a:prstGeom>
+            <a:solidFill>
+              <a:srgbClr val="FED449"/>
+            </a:solidFill>
+            <a:ln>
+              <a:solidFill>
+                <a:schemeClr val="bg1"/>
+              </a:solidFill>
+            </a:ln>
+          </p:spPr>
+          <p:style>
+            <a:lnRef idx="2">
+              <a:schemeClr val="accent1">
+                <a:shade val="50000"/>
+              </a:schemeClr>
+            </a:lnRef>
+            <a:fillRef idx="1">
+              <a:schemeClr val="accent1"/>
+            </a:fillRef>
+            <a:effectRef idx="0">
+              <a:schemeClr val="accent1"/>
+            </a:effectRef>
+            <a:fontRef idx="minor">
+              <a:schemeClr val="lt1"/>
+            </a:fontRef>
+          </p:style>
+          <p:txBody>
+            <a:bodyPr rtlCol="0" anchor="ctr"/>
+            <a:lstStyle/>
+            <a:p>
+              <a:pPr algn="ctr"/>
+              <a:r>
+                <a:rPr lang="fr-FR" sz="1500" b="1" dirty="0">
+                  <a:solidFill>
+                    <a:schemeClr val="bg1"/>
+                  </a:solidFill>
+                  <a:effectLst>
+                    <a:outerShdw blurRad="38100" dist="76200" dir="2700000" algn="tl">
+                      <a:srgbClr val="000000"/>
+                    </a:outerShdw>
+                  </a:effectLst>
+                  <a:latin typeface="Helvetica" panose="020B0604020202030204" pitchFamily="34" charset="0"/>
+                </a:rPr>
+                <a:t>Développement</a:t>
+              </a:r>
+            </a:p>
+          </p:txBody>
+        </p:sp>
+        <p:sp>
+          <p:nvSpPr>
+            <p:cNvPr id="19" name="Flèche : chevron 18">
+              <a:extLst>
+                <a:ext uri="{FF2B5EF4-FFF2-40B4-BE49-F238E27FC236}">
+                  <a16:creationId xmlns:a16="http://schemas.microsoft.com/office/drawing/2014/main" id="{8795E004-010B-4219-8B10-37FA6D3A7781}"/>
+                </a:ext>
+              </a:extLst>
+            </p:cNvPr>
+            <p:cNvSpPr/>
+            <p:nvPr/>
+          </p:nvSpPr>
+          <p:spPr>
+            <a:xfrm>
+              <a:off x="7268850" y="332703"/>
+              <a:ext cx="2309567" cy="688157"/>
+            </a:xfrm>
+            <a:prstGeom prst="chevron">
+              <a:avLst/>
+            </a:prstGeom>
+            <a:solidFill>
+              <a:srgbClr val="88CE62"/>
+            </a:solidFill>
+            <a:ln>
+              <a:solidFill>
+                <a:schemeClr val="bg1"/>
+              </a:solidFill>
+            </a:ln>
+          </p:spPr>
+          <p:style>
+            <a:lnRef idx="2">
+              <a:schemeClr val="accent1">
+                <a:shade val="50000"/>
+              </a:schemeClr>
+            </a:lnRef>
+            <a:fillRef idx="1">
+              <a:schemeClr val="accent1"/>
+            </a:fillRef>
+            <a:effectRef idx="0">
+              <a:schemeClr val="accent1"/>
+            </a:effectRef>
+            <a:fontRef idx="minor">
+              <a:schemeClr val="lt1"/>
+            </a:fontRef>
+          </p:style>
+          <p:txBody>
+            <a:bodyPr rtlCol="0" anchor="ctr"/>
+            <a:lstStyle/>
+            <a:p>
+              <a:pPr algn="ctr"/>
+              <a:r>
+                <a:rPr lang="fr-FR" sz="1500" b="1" dirty="0">
+                  <a:solidFill>
+                    <a:schemeClr val="bg1"/>
+                  </a:solidFill>
+                  <a:effectLst>
+                    <a:outerShdw blurRad="38100" dist="76200" dir="2700000" algn="tl">
+                      <a:srgbClr val="000000"/>
+                    </a:outerShdw>
+                  </a:effectLst>
+                  <a:latin typeface="Helvetica" panose="020B0604020202030204" pitchFamily="34" charset="0"/>
+                </a:rPr>
+                <a:t>Démonstration</a:t>
+              </a:r>
+              <a:endParaRPr lang="fr-FR" sz="1500" dirty="0">
+                <a:solidFill>
+                  <a:schemeClr val="tx1"/>
+                </a:solidFill>
+              </a:endParaRPr>
+            </a:p>
+          </p:txBody>
+        </p:sp>
+        <p:pic>
+          <p:nvPicPr>
+            <p:cNvPr id="6" name="Image 5">
+              <a:extLst>
+                <a:ext uri="{FF2B5EF4-FFF2-40B4-BE49-F238E27FC236}">
+                  <a16:creationId xmlns:a16="http://schemas.microsoft.com/office/drawing/2014/main" id="{2D0A881D-5AC2-4766-BD4C-5405D55C11A5}"/>
+                </a:ext>
+              </a:extLst>
+            </p:cNvPr>
+            <p:cNvPicPr>
+              <a:picLocks noChangeAspect="1"/>
+            </p:cNvPicPr>
+            <p:nvPr/>
+          </p:nvPicPr>
+          <p:blipFill>
+            <a:blip r:embed="rId3">
+              <a:extLst>
+                <a:ext uri="{28A0092B-C50C-407E-A947-70E740481C1C}">
+                  <a14:useLocalDpi xmlns:a14="http://schemas.microsoft.com/office/drawing/2010/main" val="0"/>
+                </a:ext>
+              </a:extLst>
+            </a:blip>
+            <a:stretch>
+              <a:fillRect/>
+            </a:stretch>
+          </p:blipFill>
+          <p:spPr>
+            <a:xfrm>
+              <a:off x="327166" y="0"/>
+              <a:ext cx="1566153" cy="1342417"/>
+            </a:xfrm>
+            <a:prstGeom prst="rect">
+              <a:avLst/>
+            </a:prstGeom>
+          </p:spPr>
+        </p:pic>
+      </p:grpSp>
+      <p:sp>
+        <p:nvSpPr>
+          <p:cNvPr id="10" name="ZoneTexte 9">
+            <a:extLst>
+              <a:ext uri="{FF2B5EF4-FFF2-40B4-BE49-F238E27FC236}">
+                <a16:creationId xmlns:a16="http://schemas.microsoft.com/office/drawing/2014/main" id="{CE36D8FB-1CD3-4D19-A954-A2CE97724692}"/>
+              </a:ext>
+            </a:extLst>
+          </p:cNvPr>
+          <p:cNvSpPr txBox="1"/>
+          <p:nvPr/>
+        </p:nvSpPr>
+        <p:spPr>
+          <a:xfrm>
+            <a:off x="336894" y="1225685"/>
+            <a:ext cx="11472482" cy="5369668"/>
+          </a:xfrm>
+          <a:prstGeom prst="rect">
+            <a:avLst/>
+          </a:prstGeom>
+          <a:solidFill>
+            <a:srgbClr val="FED449">
+              <a:alpha val="50000"/>
+            </a:srgbClr>
+          </a:solidFill>
+          <a:effectLst>
+            <a:softEdge rad="152400"/>
+          </a:effectLst>
+        </p:spPr>
+        <p:txBody>
+          <a:bodyPr wrap="square" rtlCol="0">
+            <a:spAutoFit/>
+          </a:bodyPr>
+          <a:lstStyle/>
+          <a:p>
+            <a:endParaRPr lang="fr-FR" dirty="0"/>
+          </a:p>
+        </p:txBody>
+      </p:sp>
+      <p:sp>
+        <p:nvSpPr>
+          <p:cNvPr id="2" name="ZoneTexte 1">
+            <a:extLst>
+              <a:ext uri="{FF2B5EF4-FFF2-40B4-BE49-F238E27FC236}">
+                <a16:creationId xmlns:a16="http://schemas.microsoft.com/office/drawing/2014/main" id="{375A52F9-612E-4E94-BC85-FDFCE2711101}"/>
+              </a:ext>
+            </a:extLst>
+          </p:cNvPr>
+          <p:cNvSpPr txBox="1"/>
+          <p:nvPr/>
+        </p:nvSpPr>
+        <p:spPr>
+          <a:xfrm>
+            <a:off x="3630891" y="3648909"/>
+            <a:ext cx="4930218" cy="523220"/>
+          </a:xfrm>
+          <a:prstGeom prst="rect">
+            <a:avLst/>
+          </a:prstGeom>
+          <a:noFill/>
+        </p:spPr>
+        <p:txBody>
+          <a:bodyPr wrap="square" rtlCol="0">
+            <a:spAutoFit/>
+          </a:bodyPr>
+          <a:lstStyle/>
+          <a:p>
+            <a:r>
+              <a:rPr lang="fr-FR" sz="2800" dirty="0">
+                <a:latin typeface="Helvetica" panose="020B0604020202030204" pitchFamily="34" charset="0"/>
+                <a:hlinkClick r:id="rId4"/>
+              </a:rPr>
+              <a:t>En avant dans l'univers </a:t>
+            </a:r>
+            <a:r>
+              <a:rPr lang="fr-FR" sz="2800" dirty="0" err="1">
+                <a:latin typeface="Helvetica" panose="020B0604020202030204" pitchFamily="34" charset="0"/>
+                <a:hlinkClick r:id="rId4"/>
+              </a:rPr>
+              <a:t>U’Pop</a:t>
+            </a:r>
+            <a:endParaRPr lang="fr-FR" sz="2800" dirty="0">
+              <a:latin typeface="Helvetica" panose="020B0604020202030204" pitchFamily="34" charset="0"/>
+            </a:endParaRPr>
+          </a:p>
+        </p:txBody>
+      </p:sp>
+    </p:spTree>
+    <p:extLst>
+      <p:ext uri="{BB962C8B-B14F-4D97-AF65-F5344CB8AC3E}">
+        <p14:creationId xmlns:p14="http://schemas.microsoft.com/office/powerpoint/2010/main" val="2585678089"/>
+      </p:ext>
+    </p:extLst>
+  </p:cSld>
+  <p:clrMapOvr>
+    <a:masterClrMapping/>
+  </p:clrMapOvr>
+</p:sld>
+</file>
+
+<file path=ppt/slides/slide15.xml><?xml version="1.0" encoding="utf-8"?>
+<p:sld xmlns:a="http://schemas.openxmlformats.org/drawingml/2006/main" xmlns:r="http://schemas.openxmlformats.org/officeDocument/2006/relationships" xmlns:p="http://schemas.openxmlformats.org/presentationml/2006/main">
+  <p:cSld>
+    <p:bg>
+      <p:bgPr>
+        <a:blipFill dpi="0" rotWithShape="1">
+          <a:blip r:embed="rId2">
+            <a:lum/>
+          </a:blip>
+          <a:srcRect/>
+          <a:stretch>
+            <a:fillRect/>
+          </a:stretch>
+        </a:blipFill>
+        <a:effectLst/>
+      </p:bgPr>
+    </p:bg>
+    <p:spTree>
+      <p:nvGrpSpPr>
+        <p:cNvPr id="1" name=""/>
+        <p:cNvGrpSpPr/>
+        <p:nvPr/>
+      </p:nvGrpSpPr>
+      <p:grpSpPr>
+        <a:xfrm>
+          <a:off x="0" y="0"/>
+          <a:ext cx="0" cy="0"/>
+          <a:chOff x="0" y="0"/>
+          <a:chExt cx="0" cy="0"/>
+        </a:xfrm>
+      </p:grpSpPr>
+      <p:grpSp>
+        <p:nvGrpSpPr>
+          <p:cNvPr id="7" name="Groupe 6">
+            <a:extLst>
+              <a:ext uri="{FF2B5EF4-FFF2-40B4-BE49-F238E27FC236}">
+                <a16:creationId xmlns:a16="http://schemas.microsoft.com/office/drawing/2014/main" id="{67E81936-583F-45AD-82CC-A5C937F4C87C}"/>
+              </a:ext>
+            </a:extLst>
+          </p:cNvPr>
+          <p:cNvGrpSpPr/>
+          <p:nvPr/>
+        </p:nvGrpSpPr>
+        <p:grpSpPr>
+          <a:xfrm>
+            <a:off x="327166" y="0"/>
+            <a:ext cx="11251304" cy="1342417"/>
+            <a:chOff x="327166" y="0"/>
+            <a:chExt cx="11251304" cy="1342417"/>
+          </a:xfrm>
+        </p:grpSpPr>
+        <p:sp>
+          <p:nvSpPr>
+            <p:cNvPr id="4" name="Flèche : chevron 3">
+              <a:extLst>
+                <a:ext uri="{FF2B5EF4-FFF2-40B4-BE49-F238E27FC236}">
+                  <a16:creationId xmlns:a16="http://schemas.microsoft.com/office/drawing/2014/main" id="{60D600DE-6FA0-4280-A81A-6DBE7691E92C}"/>
+                </a:ext>
+              </a:extLst>
+            </p:cNvPr>
+            <p:cNvSpPr/>
+            <p:nvPr/>
+          </p:nvSpPr>
+          <p:spPr>
+            <a:xfrm>
+              <a:off x="1268691" y="332278"/>
+              <a:ext cx="2309567" cy="688157"/>
+            </a:xfrm>
+            <a:prstGeom prst="chevron">
+              <a:avLst/>
+            </a:prstGeom>
+            <a:solidFill>
+              <a:srgbClr val="FED449"/>
+            </a:solidFill>
+            <a:ln>
+              <a:solidFill>
+                <a:schemeClr val="bg1"/>
+              </a:solidFill>
+            </a:ln>
+          </p:spPr>
+          <p:style>
+            <a:lnRef idx="2">
+              <a:schemeClr val="accent1">
+                <a:shade val="50000"/>
+              </a:schemeClr>
+            </a:lnRef>
+            <a:fillRef idx="1">
+              <a:schemeClr val="accent1"/>
+            </a:fillRef>
+            <a:effectRef idx="0">
+              <a:schemeClr val="accent1"/>
+            </a:effectRef>
+            <a:fontRef idx="minor">
+              <a:schemeClr val="lt1"/>
+            </a:fontRef>
+          </p:style>
+          <p:txBody>
+            <a:bodyPr rtlCol="0" anchor="ctr"/>
+            <a:lstStyle/>
+            <a:p>
+              <a:pPr algn="ctr"/>
+              <a:r>
+                <a:rPr lang="fr-FR" sz="1500" b="1" dirty="0">
+                  <a:solidFill>
+                    <a:schemeClr val="bg1"/>
+                  </a:solidFill>
+                  <a:effectLst>
+                    <a:outerShdw blurRad="38100" dist="76200" dir="2700000" algn="tl">
+                      <a:srgbClr val="000000"/>
+                    </a:outerShdw>
+                  </a:effectLst>
+                  <a:latin typeface="Helvetica" panose="020B0604020202030204" pitchFamily="34" charset="0"/>
+                </a:rPr>
+                <a:t>Etude du projet</a:t>
+              </a:r>
+            </a:p>
+          </p:txBody>
+        </p:sp>
+        <p:sp>
+          <p:nvSpPr>
+            <p:cNvPr id="16" name="Flèche : chevron 15">
+              <a:extLst>
+                <a:ext uri="{FF2B5EF4-FFF2-40B4-BE49-F238E27FC236}">
+                  <a16:creationId xmlns:a16="http://schemas.microsoft.com/office/drawing/2014/main" id="{F7655D32-22EC-4542-883E-4033865C1471}"/>
+                </a:ext>
+              </a:extLst>
+            </p:cNvPr>
+            <p:cNvSpPr/>
+            <p:nvPr/>
+          </p:nvSpPr>
+          <p:spPr>
+            <a:xfrm>
+              <a:off x="9268903" y="332277"/>
+              <a:ext cx="2309567" cy="688157"/>
+            </a:xfrm>
+            <a:prstGeom prst="chevron">
+              <a:avLst/>
+            </a:prstGeom>
+            <a:solidFill>
+              <a:srgbClr val="FED449"/>
+            </a:solidFill>
+            <a:ln>
+              <a:solidFill>
+                <a:schemeClr val="bg1"/>
+              </a:solidFill>
+            </a:ln>
+          </p:spPr>
+          <p:style>
+            <a:lnRef idx="2">
+              <a:schemeClr val="accent1">
+                <a:shade val="50000"/>
+              </a:schemeClr>
+            </a:lnRef>
+            <a:fillRef idx="1">
+              <a:schemeClr val="accent1"/>
+            </a:fillRef>
+            <a:effectRef idx="0">
+              <a:schemeClr val="accent1"/>
+            </a:effectRef>
+            <a:fontRef idx="minor">
+              <a:schemeClr val="lt1"/>
+            </a:fontRef>
+          </p:style>
+          <p:txBody>
+            <a:bodyPr rtlCol="0" anchor="ctr"/>
+            <a:lstStyle/>
+            <a:p>
+              <a:pPr algn="ctr"/>
+              <a:r>
+                <a:rPr lang="fr-FR" sz="1600" b="1" dirty="0">
+                  <a:solidFill>
+                    <a:schemeClr val="bg1"/>
+                  </a:solidFill>
+                  <a:effectLst>
+                    <a:outerShdw blurRad="38100" dist="76200" dir="2700000" algn="tl">
+                      <a:srgbClr val="000000"/>
+                    </a:outerShdw>
+                  </a:effectLst>
+                  <a:latin typeface="Helvetica" panose="020B0604020202030204" pitchFamily="34" charset="0"/>
+                </a:rPr>
+                <a:t>Conclusion</a:t>
+              </a:r>
+            </a:p>
+          </p:txBody>
+        </p:sp>
+        <p:sp>
+          <p:nvSpPr>
+            <p:cNvPr id="17" name="Flèche : chevron 16">
+              <a:extLst>
+                <a:ext uri="{FF2B5EF4-FFF2-40B4-BE49-F238E27FC236}">
+                  <a16:creationId xmlns:a16="http://schemas.microsoft.com/office/drawing/2014/main" id="{30C36617-CB5C-40F8-B05D-7053886FD5EF}"/>
+                </a:ext>
+              </a:extLst>
+            </p:cNvPr>
+            <p:cNvSpPr/>
+            <p:nvPr/>
+          </p:nvSpPr>
+          <p:spPr>
+            <a:xfrm>
+              <a:off x="3268744" y="332277"/>
+              <a:ext cx="2309567" cy="688157"/>
+            </a:xfrm>
+            <a:prstGeom prst="chevron">
+              <a:avLst/>
+            </a:prstGeom>
+            <a:solidFill>
+              <a:srgbClr val="FED449"/>
+            </a:solidFill>
+            <a:ln>
+              <a:solidFill>
+                <a:schemeClr val="bg1"/>
+              </a:solidFill>
+            </a:ln>
+          </p:spPr>
+          <p:style>
+            <a:lnRef idx="2">
+              <a:schemeClr val="accent1">
+                <a:shade val="50000"/>
+              </a:schemeClr>
+            </a:lnRef>
+            <a:fillRef idx="1">
+              <a:schemeClr val="accent1"/>
+            </a:fillRef>
+            <a:effectRef idx="0">
+              <a:schemeClr val="accent1"/>
+            </a:effectRef>
+            <a:fontRef idx="minor">
+              <a:schemeClr val="lt1"/>
+            </a:fontRef>
+          </p:style>
+          <p:txBody>
+            <a:bodyPr rtlCol="0" anchor="ctr"/>
+            <a:lstStyle/>
+            <a:p>
+              <a:pPr algn="ctr"/>
+              <a:r>
+                <a:rPr lang="fr-FR" sz="1500" b="1" dirty="0">
+                  <a:solidFill>
+                    <a:schemeClr val="bg1"/>
+                  </a:solidFill>
+                  <a:effectLst>
+                    <a:outerShdw blurRad="38100" dist="76200" dir="2700000" algn="tl">
+                      <a:srgbClr val="000000"/>
+                    </a:outerShdw>
+                  </a:effectLst>
+                  <a:latin typeface="Helvetica" panose="020B0604020202030204" pitchFamily="34" charset="0"/>
+                </a:rPr>
+                <a:t>Organisation</a:t>
+              </a:r>
+            </a:p>
+          </p:txBody>
+        </p:sp>
+        <p:sp>
+          <p:nvSpPr>
+            <p:cNvPr id="18" name="Flèche : chevron 17">
+              <a:extLst>
+                <a:ext uri="{FF2B5EF4-FFF2-40B4-BE49-F238E27FC236}">
+                  <a16:creationId xmlns:a16="http://schemas.microsoft.com/office/drawing/2014/main" id="{A33478E5-51C7-4324-9E5C-0845E032CF0C}"/>
+                </a:ext>
+              </a:extLst>
+            </p:cNvPr>
+            <p:cNvSpPr/>
+            <p:nvPr/>
+          </p:nvSpPr>
+          <p:spPr>
+            <a:xfrm>
+              <a:off x="5268797" y="332704"/>
+              <a:ext cx="2309567" cy="688157"/>
+            </a:xfrm>
+            <a:prstGeom prst="chevron">
+              <a:avLst/>
+            </a:prstGeom>
+            <a:solidFill>
+              <a:srgbClr val="FED449"/>
+            </a:solidFill>
+            <a:ln>
+              <a:solidFill>
+                <a:schemeClr val="bg1"/>
+              </a:solidFill>
+            </a:ln>
+          </p:spPr>
+          <p:style>
+            <a:lnRef idx="2">
+              <a:schemeClr val="accent1">
+                <a:shade val="50000"/>
+              </a:schemeClr>
+            </a:lnRef>
+            <a:fillRef idx="1">
+              <a:schemeClr val="accent1"/>
+            </a:fillRef>
+            <a:effectRef idx="0">
+              <a:schemeClr val="accent1"/>
+            </a:effectRef>
+            <a:fontRef idx="minor">
+              <a:schemeClr val="lt1"/>
+            </a:fontRef>
+          </p:style>
+          <p:txBody>
+            <a:bodyPr rtlCol="0" anchor="ctr"/>
+            <a:lstStyle/>
+            <a:p>
+              <a:pPr algn="ctr"/>
+              <a:r>
+                <a:rPr lang="fr-FR" sz="1500" b="1" dirty="0">
+                  <a:solidFill>
+                    <a:schemeClr val="bg1"/>
+                  </a:solidFill>
+                  <a:effectLst>
+                    <a:outerShdw blurRad="38100" dist="76200" dir="2700000" algn="tl">
+                      <a:srgbClr val="000000"/>
+                    </a:outerShdw>
+                  </a:effectLst>
+                  <a:latin typeface="Helvetica" panose="020B0604020202030204" pitchFamily="34" charset="0"/>
+                </a:rPr>
+                <a:t>Développement</a:t>
+              </a:r>
+            </a:p>
+          </p:txBody>
+        </p:sp>
+        <p:sp>
+          <p:nvSpPr>
+            <p:cNvPr id="19" name="Flèche : chevron 18">
+              <a:extLst>
+                <a:ext uri="{FF2B5EF4-FFF2-40B4-BE49-F238E27FC236}">
+                  <a16:creationId xmlns:a16="http://schemas.microsoft.com/office/drawing/2014/main" id="{8795E004-010B-4219-8B10-37FA6D3A7781}"/>
+                </a:ext>
+              </a:extLst>
+            </p:cNvPr>
+            <p:cNvSpPr/>
+            <p:nvPr/>
+          </p:nvSpPr>
+          <p:spPr>
+            <a:xfrm>
+              <a:off x="7268850" y="332703"/>
+              <a:ext cx="2309567" cy="688157"/>
+            </a:xfrm>
+            <a:prstGeom prst="chevron">
+              <a:avLst/>
+            </a:prstGeom>
+            <a:solidFill>
+              <a:srgbClr val="88CE62"/>
+            </a:solidFill>
+            <a:ln>
+              <a:solidFill>
+                <a:schemeClr val="bg1"/>
+              </a:solidFill>
+            </a:ln>
+          </p:spPr>
+          <p:style>
+            <a:lnRef idx="2">
+              <a:schemeClr val="accent1">
+                <a:shade val="50000"/>
+              </a:schemeClr>
+            </a:lnRef>
+            <a:fillRef idx="1">
+              <a:schemeClr val="accent1"/>
+            </a:fillRef>
+            <a:effectRef idx="0">
+              <a:schemeClr val="accent1"/>
+            </a:effectRef>
+            <a:fontRef idx="minor">
+              <a:schemeClr val="lt1"/>
+            </a:fontRef>
+          </p:style>
+          <p:txBody>
+            <a:bodyPr rtlCol="0" anchor="ctr"/>
+            <a:lstStyle/>
+            <a:p>
+              <a:pPr algn="ctr"/>
+              <a:r>
+                <a:rPr lang="fr-FR" sz="1500" b="1" dirty="0">
+                  <a:solidFill>
+                    <a:schemeClr val="bg1"/>
+                  </a:solidFill>
+                  <a:effectLst>
+                    <a:outerShdw blurRad="38100" dist="76200" dir="2700000" algn="tl">
+                      <a:srgbClr val="000000"/>
+                    </a:outerShdw>
+                  </a:effectLst>
+                  <a:latin typeface="Helvetica" panose="020B0604020202030204" pitchFamily="34" charset="0"/>
+                </a:rPr>
+                <a:t>Démonstration</a:t>
+              </a:r>
+              <a:endParaRPr lang="fr-FR" sz="1500" dirty="0">
+                <a:solidFill>
+                  <a:schemeClr val="tx1"/>
+                </a:solidFill>
+              </a:endParaRPr>
+            </a:p>
+          </p:txBody>
+        </p:sp>
+        <p:pic>
+          <p:nvPicPr>
+            <p:cNvPr id="6" name="Image 5">
+              <a:extLst>
+                <a:ext uri="{FF2B5EF4-FFF2-40B4-BE49-F238E27FC236}">
+                  <a16:creationId xmlns:a16="http://schemas.microsoft.com/office/drawing/2014/main" id="{2D0A881D-5AC2-4766-BD4C-5405D55C11A5}"/>
+                </a:ext>
+              </a:extLst>
+            </p:cNvPr>
+            <p:cNvPicPr>
+              <a:picLocks noChangeAspect="1"/>
+            </p:cNvPicPr>
+            <p:nvPr/>
+          </p:nvPicPr>
+          <p:blipFill>
+            <a:blip r:embed="rId3">
+              <a:extLst>
+                <a:ext uri="{28A0092B-C50C-407E-A947-70E740481C1C}">
+                  <a14:useLocalDpi xmlns:a14="http://schemas.microsoft.com/office/drawing/2010/main" val="0"/>
+                </a:ext>
+              </a:extLst>
+            </a:blip>
+            <a:stretch>
+              <a:fillRect/>
+            </a:stretch>
+          </p:blipFill>
+          <p:spPr>
+            <a:xfrm>
+              <a:off x="327166" y="0"/>
+              <a:ext cx="1566153" cy="1342417"/>
+            </a:xfrm>
+            <a:prstGeom prst="rect">
+              <a:avLst/>
+            </a:prstGeom>
+          </p:spPr>
+        </p:pic>
+      </p:grpSp>
+      <p:sp>
+        <p:nvSpPr>
+          <p:cNvPr id="10" name="ZoneTexte 9">
+            <a:extLst>
+              <a:ext uri="{FF2B5EF4-FFF2-40B4-BE49-F238E27FC236}">
+                <a16:creationId xmlns:a16="http://schemas.microsoft.com/office/drawing/2014/main" id="{CE36D8FB-1CD3-4D19-A954-A2CE97724692}"/>
+              </a:ext>
+            </a:extLst>
+          </p:cNvPr>
+          <p:cNvSpPr txBox="1"/>
+          <p:nvPr/>
+        </p:nvSpPr>
+        <p:spPr>
+          <a:xfrm>
+            <a:off x="336894" y="1225685"/>
+            <a:ext cx="11472482" cy="5369668"/>
+          </a:xfrm>
+          <a:prstGeom prst="rect">
+            <a:avLst/>
+          </a:prstGeom>
+          <a:solidFill>
+            <a:srgbClr val="FED449">
+              <a:alpha val="50000"/>
+            </a:srgbClr>
+          </a:solidFill>
+          <a:effectLst>
+            <a:softEdge rad="152400"/>
+          </a:effectLst>
+        </p:spPr>
+        <p:txBody>
+          <a:bodyPr wrap="square" rtlCol="0">
+            <a:spAutoFit/>
+          </a:bodyPr>
+          <a:lstStyle/>
+          <a:p>
+            <a:endParaRPr lang="fr-FR" dirty="0"/>
+          </a:p>
+        </p:txBody>
+      </p:sp>
+      <p:sp>
+        <p:nvSpPr>
+          <p:cNvPr id="2" name="ZoneTexte 1">
+            <a:extLst>
+              <a:ext uri="{FF2B5EF4-FFF2-40B4-BE49-F238E27FC236}">
+                <a16:creationId xmlns:a16="http://schemas.microsoft.com/office/drawing/2014/main" id="{375A52F9-612E-4E94-BC85-FDFCE2711101}"/>
+              </a:ext>
+            </a:extLst>
+          </p:cNvPr>
+          <p:cNvSpPr txBox="1"/>
+          <p:nvPr/>
+        </p:nvSpPr>
+        <p:spPr>
+          <a:xfrm>
+            <a:off x="2603369" y="2875915"/>
+            <a:ext cx="6766874" cy="1815882"/>
+          </a:xfrm>
+          <a:prstGeom prst="rect">
+            <a:avLst/>
+          </a:prstGeom>
+          <a:noFill/>
+        </p:spPr>
+        <p:txBody>
+          <a:bodyPr wrap="square" rtlCol="0">
+            <a:spAutoFit/>
+          </a:bodyPr>
+          <a:lstStyle/>
+          <a:p>
+            <a:pPr algn="ctr"/>
+            <a:r>
+              <a:rPr lang="fr-FR" sz="2800" dirty="0">
+                <a:latin typeface="Helvetica" panose="020B0604020202030204" pitchFamily="34" charset="0"/>
+              </a:rPr>
+              <a:t>Accessible en ligne</a:t>
+            </a:r>
+          </a:p>
+          <a:p>
+            <a:pPr algn="ctr"/>
+            <a:endParaRPr lang="fr-FR" sz="2800" dirty="0">
+              <a:latin typeface="Helvetica" panose="020B0604020202030204" pitchFamily="34" charset="0"/>
+            </a:endParaRPr>
+          </a:p>
+          <a:p>
+            <a:pPr algn="ctr"/>
+            <a:endParaRPr lang="fr-FR" sz="2800" dirty="0">
+              <a:latin typeface="Helvetica" panose="020B0604020202030204" pitchFamily="34" charset="0"/>
+            </a:endParaRPr>
+          </a:p>
+          <a:p>
+            <a:pPr algn="ctr"/>
+            <a:r>
+              <a:rPr lang="fr-FR" sz="2800" dirty="0">
+                <a:latin typeface="Helvetica" panose="020B0604020202030204" pitchFamily="34" charset="0"/>
+              </a:rPr>
+              <a:t>http://upop.champemedylan.fr/Index.php</a:t>
+            </a:r>
+          </a:p>
+        </p:txBody>
+      </p:sp>
+    </p:spTree>
+    <p:extLst>
+      <p:ext uri="{BB962C8B-B14F-4D97-AF65-F5344CB8AC3E}">
+        <p14:creationId xmlns:p14="http://schemas.microsoft.com/office/powerpoint/2010/main" val="1200531869"/>
+      </p:ext>
+    </p:extLst>
+  </p:cSld>
+  <p:clrMapOvr>
+    <a:masterClrMapping/>
+  </p:clrMapOvr>
+</p:sld>
+</file>
+
+<file path=ppt/slides/slide16.xml><?xml version="1.0" encoding="utf-8"?>
+<p:sld xmlns:a="http://schemas.openxmlformats.org/drawingml/2006/main" xmlns:r="http://schemas.openxmlformats.org/officeDocument/2006/relationships" xmlns:p="http://schemas.openxmlformats.org/presentationml/2006/main">
+  <p:cSld>
+    <p:bg>
+      <p:bgPr>
+        <a:blipFill dpi="0" rotWithShape="1">
+          <a:blip r:embed="rId2">
+            <a:lum/>
+          </a:blip>
+          <a:srcRect/>
+          <a:stretch>
+            <a:fillRect/>
+          </a:stretch>
+        </a:blipFill>
+        <a:effectLst/>
+      </p:bgPr>
+    </p:bg>
+    <p:spTree>
+      <p:nvGrpSpPr>
+        <p:cNvPr id="1" name=""/>
+        <p:cNvGrpSpPr/>
+        <p:nvPr/>
+      </p:nvGrpSpPr>
+      <p:grpSpPr>
+        <a:xfrm>
+          <a:off x="0" y="0"/>
+          <a:ext cx="0" cy="0"/>
+          <a:chOff x="0" y="0"/>
+          <a:chExt cx="0" cy="0"/>
+        </a:xfrm>
+      </p:grpSpPr>
+      <p:grpSp>
+        <p:nvGrpSpPr>
+          <p:cNvPr id="7" name="Groupe 6">
+            <a:extLst>
+              <a:ext uri="{FF2B5EF4-FFF2-40B4-BE49-F238E27FC236}">
+                <a16:creationId xmlns:a16="http://schemas.microsoft.com/office/drawing/2014/main" id="{67E81936-583F-45AD-82CC-A5C937F4C87C}"/>
+              </a:ext>
+            </a:extLst>
+          </p:cNvPr>
+          <p:cNvGrpSpPr/>
+          <p:nvPr/>
+        </p:nvGrpSpPr>
+        <p:grpSpPr>
+          <a:xfrm>
+            <a:off x="327166" y="0"/>
+            <a:ext cx="11251304" cy="1342417"/>
+            <a:chOff x="327166" y="0"/>
+            <a:chExt cx="11251304" cy="1342417"/>
+          </a:xfrm>
+        </p:grpSpPr>
+        <p:sp>
+          <p:nvSpPr>
+            <p:cNvPr id="4" name="Flèche : chevron 3">
+              <a:extLst>
+                <a:ext uri="{FF2B5EF4-FFF2-40B4-BE49-F238E27FC236}">
+                  <a16:creationId xmlns:a16="http://schemas.microsoft.com/office/drawing/2014/main" id="{60D600DE-6FA0-4280-A81A-6DBE7691E92C}"/>
+                </a:ext>
+              </a:extLst>
+            </p:cNvPr>
+            <p:cNvSpPr/>
+            <p:nvPr/>
+          </p:nvSpPr>
+          <p:spPr>
+            <a:xfrm>
+              <a:off x="1268691" y="332278"/>
+              <a:ext cx="2309567" cy="688157"/>
+            </a:xfrm>
+            <a:prstGeom prst="chevron">
+              <a:avLst/>
+            </a:prstGeom>
+            <a:solidFill>
+              <a:srgbClr val="FED449"/>
+            </a:solidFill>
+            <a:ln>
+              <a:solidFill>
+                <a:schemeClr val="bg1"/>
+              </a:solidFill>
+            </a:ln>
+          </p:spPr>
+          <p:style>
+            <a:lnRef idx="2">
+              <a:schemeClr val="accent1">
+                <a:shade val="50000"/>
+              </a:schemeClr>
+            </a:lnRef>
+            <a:fillRef idx="1">
+              <a:schemeClr val="accent1"/>
+            </a:fillRef>
+            <a:effectRef idx="0">
+              <a:schemeClr val="accent1"/>
+            </a:effectRef>
+            <a:fontRef idx="minor">
+              <a:schemeClr val="lt1"/>
+            </a:fontRef>
+          </p:style>
+          <p:txBody>
+            <a:bodyPr rtlCol="0" anchor="ctr"/>
+            <a:lstStyle/>
+            <a:p>
+              <a:pPr algn="ctr"/>
+              <a:r>
+                <a:rPr lang="fr-FR" sz="1500" b="1" dirty="0">
+                  <a:solidFill>
+                    <a:schemeClr val="bg1"/>
+                  </a:solidFill>
+                  <a:effectLst>
+                    <a:outerShdw blurRad="38100" dist="76200" dir="2700000" algn="tl">
+                      <a:srgbClr val="000000"/>
+                    </a:outerShdw>
+                  </a:effectLst>
+                  <a:latin typeface="Helvetica" panose="020B0604020202030204" pitchFamily="34" charset="0"/>
+                </a:rPr>
+                <a:t>Etude du projet</a:t>
+              </a:r>
+            </a:p>
+          </p:txBody>
+        </p:sp>
+        <p:sp>
+          <p:nvSpPr>
+            <p:cNvPr id="16" name="Flèche : chevron 15">
+              <a:extLst>
+                <a:ext uri="{FF2B5EF4-FFF2-40B4-BE49-F238E27FC236}">
+                  <a16:creationId xmlns:a16="http://schemas.microsoft.com/office/drawing/2014/main" id="{F7655D32-22EC-4542-883E-4033865C1471}"/>
+                </a:ext>
+              </a:extLst>
+            </p:cNvPr>
+            <p:cNvSpPr/>
+            <p:nvPr/>
+          </p:nvSpPr>
+          <p:spPr>
+            <a:xfrm>
+              <a:off x="9268903" y="332277"/>
+              <a:ext cx="2309567" cy="688157"/>
+            </a:xfrm>
+            <a:prstGeom prst="chevron">
+              <a:avLst/>
+            </a:prstGeom>
+            <a:solidFill>
+              <a:srgbClr val="88CE62"/>
+            </a:solidFill>
+            <a:ln>
+              <a:solidFill>
+                <a:schemeClr val="bg1"/>
+              </a:solidFill>
+            </a:ln>
+          </p:spPr>
+          <p:style>
+            <a:lnRef idx="2">
+              <a:schemeClr val="accent1">
+                <a:shade val="50000"/>
+              </a:schemeClr>
+            </a:lnRef>
+            <a:fillRef idx="1">
+              <a:schemeClr val="accent1"/>
+            </a:fillRef>
+            <a:effectRef idx="0">
+              <a:schemeClr val="accent1"/>
+            </a:effectRef>
+            <a:fontRef idx="minor">
+              <a:schemeClr val="lt1"/>
+            </a:fontRef>
+          </p:style>
+          <p:txBody>
+            <a:bodyPr rtlCol="0" anchor="ctr"/>
+            <a:lstStyle/>
+            <a:p>
+              <a:pPr algn="ctr"/>
+              <a:r>
+                <a:rPr lang="fr-FR" sz="1600" b="1" dirty="0">
+                  <a:solidFill>
+                    <a:schemeClr val="bg1"/>
+                  </a:solidFill>
+                  <a:effectLst>
+                    <a:outerShdw blurRad="38100" dist="76200" dir="2700000" algn="tl">
+                      <a:srgbClr val="000000"/>
+                    </a:outerShdw>
+                  </a:effectLst>
+                  <a:latin typeface="Helvetica" panose="020B0604020202030204" pitchFamily="34" charset="0"/>
+                </a:rPr>
+                <a:t>Conclusion</a:t>
+              </a:r>
+            </a:p>
+          </p:txBody>
+        </p:sp>
+        <p:sp>
+          <p:nvSpPr>
+            <p:cNvPr id="17" name="Flèche : chevron 16">
+              <a:extLst>
+                <a:ext uri="{FF2B5EF4-FFF2-40B4-BE49-F238E27FC236}">
+                  <a16:creationId xmlns:a16="http://schemas.microsoft.com/office/drawing/2014/main" id="{30C36617-CB5C-40F8-B05D-7053886FD5EF}"/>
+                </a:ext>
+              </a:extLst>
+            </p:cNvPr>
+            <p:cNvSpPr/>
+            <p:nvPr/>
+          </p:nvSpPr>
+          <p:spPr>
+            <a:xfrm>
+              <a:off x="3268744" y="332277"/>
+              <a:ext cx="2309567" cy="688157"/>
+            </a:xfrm>
+            <a:prstGeom prst="chevron">
+              <a:avLst/>
+            </a:prstGeom>
+            <a:solidFill>
+              <a:srgbClr val="FED449"/>
+            </a:solidFill>
+            <a:ln>
+              <a:solidFill>
+                <a:schemeClr val="bg1"/>
+              </a:solidFill>
+            </a:ln>
+          </p:spPr>
+          <p:style>
+            <a:lnRef idx="2">
+              <a:schemeClr val="accent1">
+                <a:shade val="50000"/>
+              </a:schemeClr>
+            </a:lnRef>
+            <a:fillRef idx="1">
+              <a:schemeClr val="accent1"/>
+            </a:fillRef>
+            <a:effectRef idx="0">
+              <a:schemeClr val="accent1"/>
+            </a:effectRef>
+            <a:fontRef idx="minor">
+              <a:schemeClr val="lt1"/>
+            </a:fontRef>
+          </p:style>
+          <p:txBody>
+            <a:bodyPr rtlCol="0" anchor="ctr"/>
+            <a:lstStyle/>
+            <a:p>
+              <a:pPr algn="ctr"/>
+              <a:r>
+                <a:rPr lang="fr-FR" sz="1500" b="1" dirty="0">
+                  <a:solidFill>
+                    <a:schemeClr val="bg1"/>
+                  </a:solidFill>
+                  <a:effectLst>
+                    <a:outerShdw blurRad="38100" dist="76200" dir="2700000" algn="tl">
+                      <a:srgbClr val="000000"/>
+                    </a:outerShdw>
+                  </a:effectLst>
+                  <a:latin typeface="Helvetica" panose="020B0604020202030204" pitchFamily="34" charset="0"/>
+                </a:rPr>
+                <a:t>Organisation</a:t>
+              </a:r>
+            </a:p>
+          </p:txBody>
+        </p:sp>
+        <p:sp>
+          <p:nvSpPr>
+            <p:cNvPr id="18" name="Flèche : chevron 17">
+              <a:extLst>
+                <a:ext uri="{FF2B5EF4-FFF2-40B4-BE49-F238E27FC236}">
+                  <a16:creationId xmlns:a16="http://schemas.microsoft.com/office/drawing/2014/main" id="{A33478E5-51C7-4324-9E5C-0845E032CF0C}"/>
+                </a:ext>
+              </a:extLst>
+            </p:cNvPr>
+            <p:cNvSpPr/>
+            <p:nvPr/>
+          </p:nvSpPr>
+          <p:spPr>
+            <a:xfrm>
+              <a:off x="5268797" y="332704"/>
+              <a:ext cx="2309567" cy="688157"/>
+            </a:xfrm>
+            <a:prstGeom prst="chevron">
+              <a:avLst/>
+            </a:prstGeom>
+            <a:solidFill>
+              <a:srgbClr val="FED449"/>
+            </a:solidFill>
+            <a:ln>
+              <a:solidFill>
+                <a:schemeClr val="bg1"/>
+              </a:solidFill>
+            </a:ln>
+          </p:spPr>
+          <p:style>
+            <a:lnRef idx="2">
+              <a:schemeClr val="accent1">
+                <a:shade val="50000"/>
+              </a:schemeClr>
+            </a:lnRef>
+            <a:fillRef idx="1">
+              <a:schemeClr val="accent1"/>
+            </a:fillRef>
+            <a:effectRef idx="0">
+              <a:schemeClr val="accent1"/>
+            </a:effectRef>
+            <a:fontRef idx="minor">
+              <a:schemeClr val="lt1"/>
+            </a:fontRef>
+          </p:style>
+          <p:txBody>
+            <a:bodyPr rtlCol="0" anchor="ctr"/>
+            <a:lstStyle/>
+            <a:p>
+              <a:pPr algn="ctr"/>
+              <a:r>
+                <a:rPr lang="fr-FR" sz="1500" b="1" dirty="0">
+                  <a:solidFill>
+                    <a:schemeClr val="bg1"/>
+                  </a:solidFill>
+                  <a:effectLst>
+                    <a:outerShdw blurRad="38100" dist="76200" dir="2700000" algn="tl">
+                      <a:srgbClr val="000000"/>
+                    </a:outerShdw>
+                  </a:effectLst>
+                  <a:latin typeface="Helvetica" panose="020B0604020202030204" pitchFamily="34" charset="0"/>
+                </a:rPr>
+                <a:t>Développement</a:t>
+              </a:r>
+            </a:p>
+          </p:txBody>
+        </p:sp>
+        <p:sp>
+          <p:nvSpPr>
+            <p:cNvPr id="19" name="Flèche : chevron 18">
+              <a:extLst>
+                <a:ext uri="{FF2B5EF4-FFF2-40B4-BE49-F238E27FC236}">
+                  <a16:creationId xmlns:a16="http://schemas.microsoft.com/office/drawing/2014/main" id="{8795E004-010B-4219-8B10-37FA6D3A7781}"/>
+                </a:ext>
+              </a:extLst>
+            </p:cNvPr>
+            <p:cNvSpPr/>
+            <p:nvPr/>
+          </p:nvSpPr>
+          <p:spPr>
+            <a:xfrm>
+              <a:off x="7268850" y="332703"/>
+              <a:ext cx="2309567" cy="688157"/>
+            </a:xfrm>
+            <a:prstGeom prst="chevron">
+              <a:avLst/>
+            </a:prstGeom>
+            <a:solidFill>
+              <a:srgbClr val="FED449"/>
+            </a:solidFill>
+            <a:ln>
+              <a:solidFill>
+                <a:schemeClr val="bg1"/>
+              </a:solidFill>
+            </a:ln>
+          </p:spPr>
+          <p:style>
+            <a:lnRef idx="2">
+              <a:schemeClr val="accent1">
+                <a:shade val="50000"/>
+              </a:schemeClr>
+            </a:lnRef>
+            <a:fillRef idx="1">
+              <a:schemeClr val="accent1"/>
+            </a:fillRef>
+            <a:effectRef idx="0">
+              <a:schemeClr val="accent1"/>
+            </a:effectRef>
+            <a:fontRef idx="minor">
+              <a:schemeClr val="lt1"/>
+            </a:fontRef>
+          </p:style>
+          <p:txBody>
+            <a:bodyPr rtlCol="0" anchor="ctr"/>
+            <a:lstStyle/>
+            <a:p>
+              <a:pPr algn="ctr"/>
+              <a:r>
+                <a:rPr lang="fr-FR" sz="1500" b="1" dirty="0">
+                  <a:solidFill>
+                    <a:schemeClr val="bg1"/>
+                  </a:solidFill>
+                  <a:effectLst>
+                    <a:outerShdw blurRad="38100" dist="76200" dir="2700000" algn="tl">
+                      <a:srgbClr val="000000"/>
+                    </a:outerShdw>
+                  </a:effectLst>
+                  <a:latin typeface="Helvetica" panose="020B0604020202030204" pitchFamily="34" charset="0"/>
+                </a:rPr>
+                <a:t>Démonstration</a:t>
+              </a:r>
+              <a:endParaRPr lang="fr-FR" sz="1500" dirty="0">
+                <a:solidFill>
+                  <a:schemeClr val="tx1"/>
+                </a:solidFill>
+              </a:endParaRPr>
+            </a:p>
+          </p:txBody>
+        </p:sp>
+        <p:pic>
+          <p:nvPicPr>
+            <p:cNvPr id="6" name="Image 5">
+              <a:extLst>
+                <a:ext uri="{FF2B5EF4-FFF2-40B4-BE49-F238E27FC236}">
+                  <a16:creationId xmlns:a16="http://schemas.microsoft.com/office/drawing/2014/main" id="{2D0A881D-5AC2-4766-BD4C-5405D55C11A5}"/>
+                </a:ext>
+              </a:extLst>
+            </p:cNvPr>
+            <p:cNvPicPr>
+              <a:picLocks noChangeAspect="1"/>
+            </p:cNvPicPr>
+            <p:nvPr/>
+          </p:nvPicPr>
+          <p:blipFill>
+            <a:blip r:embed="rId3">
+              <a:extLst>
+                <a:ext uri="{28A0092B-C50C-407E-A947-70E740481C1C}">
+                  <a14:useLocalDpi xmlns:a14="http://schemas.microsoft.com/office/drawing/2010/main" val="0"/>
+                </a:ext>
+              </a:extLst>
+            </a:blip>
+            <a:stretch>
+              <a:fillRect/>
+            </a:stretch>
+          </p:blipFill>
+          <p:spPr>
+            <a:xfrm>
+              <a:off x="327166" y="0"/>
+              <a:ext cx="1566153" cy="1342417"/>
+            </a:xfrm>
+            <a:prstGeom prst="rect">
+              <a:avLst/>
+            </a:prstGeom>
+          </p:spPr>
+        </p:pic>
+      </p:grpSp>
+      <p:sp>
+        <p:nvSpPr>
+          <p:cNvPr id="10" name="ZoneTexte 9">
+            <a:extLst>
+              <a:ext uri="{FF2B5EF4-FFF2-40B4-BE49-F238E27FC236}">
+                <a16:creationId xmlns:a16="http://schemas.microsoft.com/office/drawing/2014/main" id="{CE36D8FB-1CD3-4D19-A954-A2CE97724692}"/>
+              </a:ext>
+            </a:extLst>
+          </p:cNvPr>
+          <p:cNvSpPr txBox="1"/>
+          <p:nvPr/>
+        </p:nvSpPr>
+        <p:spPr>
+          <a:xfrm>
+            <a:off x="336894" y="1225685"/>
+            <a:ext cx="11472482" cy="5369668"/>
+          </a:xfrm>
+          <a:prstGeom prst="rect">
+            <a:avLst/>
+          </a:prstGeom>
+          <a:solidFill>
+            <a:srgbClr val="FED449">
+              <a:alpha val="50000"/>
+            </a:srgbClr>
+          </a:solidFill>
+          <a:effectLst>
+            <a:softEdge rad="152400"/>
+          </a:effectLst>
+        </p:spPr>
+        <p:txBody>
+          <a:bodyPr wrap="square" rtlCol="0">
+            <a:spAutoFit/>
+          </a:bodyPr>
+          <a:lstStyle/>
+          <a:p>
+            <a:endParaRPr lang="fr-FR" dirty="0"/>
+          </a:p>
+        </p:txBody>
+      </p:sp>
+      <p:sp>
+        <p:nvSpPr>
+          <p:cNvPr id="11" name="ZoneTexte 10">
+            <a:extLst>
+              <a:ext uri="{FF2B5EF4-FFF2-40B4-BE49-F238E27FC236}">
+                <a16:creationId xmlns:a16="http://schemas.microsoft.com/office/drawing/2014/main" id="{4D68F34E-6148-422D-8C78-F40C2B9BADFF}"/>
+              </a:ext>
+            </a:extLst>
+          </p:cNvPr>
+          <p:cNvSpPr txBox="1"/>
+          <p:nvPr/>
+        </p:nvSpPr>
+        <p:spPr>
+          <a:xfrm>
+            <a:off x="1090367" y="1674695"/>
+            <a:ext cx="10011266" cy="4278094"/>
+          </a:xfrm>
+          <a:prstGeom prst="rect">
+            <a:avLst/>
+          </a:prstGeom>
+          <a:noFill/>
+        </p:spPr>
+        <p:txBody>
+          <a:bodyPr wrap="square" rtlCol="0">
+            <a:spAutoFit/>
+          </a:bodyPr>
+          <a:lstStyle/>
+          <a:p>
+            <a:pPr algn="ctr"/>
+            <a:r>
+              <a:rPr lang="fr-FR" sz="2800" b="1" dirty="0">
+                <a:latin typeface="Helvetica" panose="020B0604020202030204" pitchFamily="34" charset="0"/>
+                <a:cs typeface="Arial" panose="020B0604020202020204" pitchFamily="34" charset="0"/>
+              </a:rPr>
+              <a:t>CONCLUSION</a:t>
+            </a:r>
+          </a:p>
+          <a:p>
+            <a:pPr algn="ctr"/>
+            <a:endParaRPr lang="fr-FR" sz="2800" b="1" dirty="0">
+              <a:latin typeface="Helvetica" panose="020B0604020202030204" pitchFamily="34" charset="0"/>
+              <a:cs typeface="Arial" panose="020B0604020202020204" pitchFamily="34" charset="0"/>
+            </a:endParaRPr>
+          </a:p>
+          <a:p>
+            <a:r>
+              <a:rPr lang="fr-FR" sz="2400" dirty="0">
+                <a:latin typeface="Helvetica" panose="020B0604020202030204" pitchFamily="34" charset="0"/>
+              </a:rPr>
+              <a:t>Cohésion du groupe + Bonne ambiance = Travail productif</a:t>
+            </a:r>
+          </a:p>
+          <a:p>
+            <a:endParaRPr lang="fr-FR" sz="2400" dirty="0">
+              <a:latin typeface="Helvetica" panose="020B0604020202030204" pitchFamily="34" charset="0"/>
+            </a:endParaRPr>
+          </a:p>
+          <a:p>
+            <a:r>
+              <a:rPr lang="fr-FR" sz="2400" dirty="0">
+                <a:latin typeface="Helvetica" panose="020B0604020202030204" pitchFamily="34" charset="0"/>
+              </a:rPr>
+              <a:t>Diversité des profils = Complémentarité</a:t>
+            </a:r>
+          </a:p>
+          <a:p>
+            <a:endParaRPr lang="fr-FR" sz="2400" dirty="0">
+              <a:latin typeface="Helvetica" panose="020B0604020202030204" pitchFamily="34" charset="0"/>
+            </a:endParaRPr>
+          </a:p>
+          <a:p>
+            <a:r>
+              <a:rPr lang="fr-FR" sz="2400" dirty="0">
+                <a:latin typeface="Helvetica" panose="020B0604020202030204" pitchFamily="34" charset="0"/>
+              </a:rPr>
+              <a:t>Utilisation de GitHub</a:t>
+            </a:r>
+          </a:p>
+          <a:p>
+            <a:endParaRPr lang="fr-FR" sz="2400" dirty="0">
+              <a:latin typeface="Helvetica" panose="020B0604020202030204" pitchFamily="34" charset="0"/>
+            </a:endParaRPr>
+          </a:p>
+          <a:p>
+            <a:r>
+              <a:rPr lang="fr-FR" sz="2400" dirty="0">
+                <a:latin typeface="Helvetica" panose="020B0604020202030204" pitchFamily="34" charset="0"/>
+              </a:rPr>
+              <a:t>Adaptation à un nouveau langage </a:t>
+            </a:r>
+          </a:p>
+          <a:p>
+            <a:endParaRPr lang="fr-FR" sz="2400" dirty="0">
+              <a:latin typeface="Helvetica" panose="020B0604020202030204" pitchFamily="34" charset="0"/>
+            </a:endParaRPr>
+          </a:p>
+          <a:p>
+            <a:r>
+              <a:rPr lang="fr-FR" sz="2400" dirty="0">
+                <a:latin typeface="Helvetica" panose="020B0604020202030204" pitchFamily="34" charset="0"/>
+              </a:rPr>
+              <a:t>Indentation et commentaires</a:t>
+            </a:r>
+          </a:p>
+        </p:txBody>
+      </p:sp>
+    </p:spTree>
+    <p:extLst>
+      <p:ext uri="{BB962C8B-B14F-4D97-AF65-F5344CB8AC3E}">
+        <p14:creationId xmlns:p14="http://schemas.microsoft.com/office/powerpoint/2010/main" val="3408514451"/>
+      </p:ext>
+    </p:extLst>
+  </p:cSld>
+  <p:clrMapOvr>
+    <a:masterClrMapping/>
+  </p:clrMapOvr>
+</p:sld>
+</file>
+
+<file path=ppt/slides/slide17.xml><?xml version="1.0" encoding="utf-8"?>
+<p:sld xmlns:a="http://schemas.openxmlformats.org/drawingml/2006/main" xmlns:r="http://schemas.openxmlformats.org/officeDocument/2006/relationships" xmlns:p="http://schemas.openxmlformats.org/presentationml/2006/main">
+  <p:cSld>
+    <p:bg>
+      <p:bgPr>
+        <a:blipFill dpi="0" rotWithShape="1">
+          <a:blip r:embed="rId2">
+            <a:lum/>
+          </a:blip>
+          <a:srcRect/>
+          <a:stretch>
+            <a:fillRect/>
+          </a:stretch>
+        </a:blipFill>
+        <a:effectLst/>
+      </p:bgPr>
+    </p:bg>
+    <p:spTree>
+      <p:nvGrpSpPr>
+        <p:cNvPr id="1" name=""/>
+        <p:cNvGrpSpPr/>
+        <p:nvPr/>
+      </p:nvGrpSpPr>
+      <p:grpSpPr>
+        <a:xfrm>
+          <a:off x="0" y="0"/>
+          <a:ext cx="0" cy="0"/>
+          <a:chOff x="0" y="0"/>
+          <a:chExt cx="0" cy="0"/>
+        </a:xfrm>
+      </p:grpSpPr>
+      <p:grpSp>
+        <p:nvGrpSpPr>
+          <p:cNvPr id="7" name="Groupe 6">
+            <a:extLst>
+              <a:ext uri="{FF2B5EF4-FFF2-40B4-BE49-F238E27FC236}">
+                <a16:creationId xmlns:a16="http://schemas.microsoft.com/office/drawing/2014/main" id="{67E81936-583F-45AD-82CC-A5C937F4C87C}"/>
+              </a:ext>
+            </a:extLst>
+          </p:cNvPr>
+          <p:cNvGrpSpPr/>
+          <p:nvPr/>
+        </p:nvGrpSpPr>
+        <p:grpSpPr>
+          <a:xfrm>
+            <a:off x="327166" y="0"/>
+            <a:ext cx="11251304" cy="1342417"/>
+            <a:chOff x="327166" y="0"/>
+            <a:chExt cx="11251304" cy="1342417"/>
+          </a:xfrm>
+        </p:grpSpPr>
+        <p:sp>
+          <p:nvSpPr>
+            <p:cNvPr id="4" name="Flèche : chevron 3">
+              <a:extLst>
+                <a:ext uri="{FF2B5EF4-FFF2-40B4-BE49-F238E27FC236}">
+                  <a16:creationId xmlns:a16="http://schemas.microsoft.com/office/drawing/2014/main" id="{60D600DE-6FA0-4280-A81A-6DBE7691E92C}"/>
+                </a:ext>
+              </a:extLst>
+            </p:cNvPr>
+            <p:cNvSpPr/>
+            <p:nvPr/>
+          </p:nvSpPr>
+          <p:spPr>
+            <a:xfrm>
+              <a:off x="1268691" y="332278"/>
+              <a:ext cx="2309567" cy="688157"/>
+            </a:xfrm>
+            <a:prstGeom prst="chevron">
+              <a:avLst/>
+            </a:prstGeom>
+            <a:solidFill>
+              <a:srgbClr val="FED449"/>
+            </a:solidFill>
+            <a:ln>
+              <a:solidFill>
+                <a:schemeClr val="bg1"/>
+              </a:solidFill>
+            </a:ln>
+          </p:spPr>
+          <p:style>
+            <a:lnRef idx="2">
+              <a:schemeClr val="accent1">
+                <a:shade val="50000"/>
+              </a:schemeClr>
+            </a:lnRef>
+            <a:fillRef idx="1">
+              <a:schemeClr val="accent1"/>
+            </a:fillRef>
+            <a:effectRef idx="0">
+              <a:schemeClr val="accent1"/>
+            </a:effectRef>
+            <a:fontRef idx="minor">
+              <a:schemeClr val="lt1"/>
+            </a:fontRef>
+          </p:style>
+          <p:txBody>
+            <a:bodyPr rtlCol="0" anchor="ctr"/>
+            <a:lstStyle/>
+            <a:p>
+              <a:pPr algn="ctr"/>
+              <a:r>
+                <a:rPr lang="fr-FR" sz="1500" b="1" dirty="0">
+                  <a:solidFill>
+                    <a:schemeClr val="bg1"/>
+                  </a:solidFill>
+                  <a:effectLst>
+                    <a:outerShdw blurRad="38100" dist="76200" dir="2700000" algn="tl">
+                      <a:srgbClr val="000000"/>
+                    </a:outerShdw>
+                  </a:effectLst>
+                  <a:latin typeface="Helvetica" panose="020B0604020202030204" pitchFamily="34" charset="0"/>
+                </a:rPr>
+                <a:t>Etude du projet</a:t>
+              </a:r>
+            </a:p>
+          </p:txBody>
+        </p:sp>
+        <p:sp>
+          <p:nvSpPr>
+            <p:cNvPr id="16" name="Flèche : chevron 15">
+              <a:extLst>
+                <a:ext uri="{FF2B5EF4-FFF2-40B4-BE49-F238E27FC236}">
+                  <a16:creationId xmlns:a16="http://schemas.microsoft.com/office/drawing/2014/main" id="{F7655D32-22EC-4542-883E-4033865C1471}"/>
+                </a:ext>
+              </a:extLst>
+            </p:cNvPr>
+            <p:cNvSpPr/>
+            <p:nvPr/>
+          </p:nvSpPr>
+          <p:spPr>
+            <a:xfrm>
+              <a:off x="9268903" y="332277"/>
+              <a:ext cx="2309567" cy="688157"/>
+            </a:xfrm>
+            <a:prstGeom prst="chevron">
+              <a:avLst/>
+            </a:prstGeom>
+            <a:solidFill>
+              <a:srgbClr val="88CE62"/>
+            </a:solidFill>
+            <a:ln>
+              <a:solidFill>
+                <a:schemeClr val="bg1"/>
+              </a:solidFill>
+            </a:ln>
+          </p:spPr>
+          <p:style>
+            <a:lnRef idx="2">
+              <a:schemeClr val="accent1">
+                <a:shade val="50000"/>
+              </a:schemeClr>
+            </a:lnRef>
+            <a:fillRef idx="1">
+              <a:schemeClr val="accent1"/>
+            </a:fillRef>
+            <a:effectRef idx="0">
+              <a:schemeClr val="accent1"/>
+            </a:effectRef>
+            <a:fontRef idx="minor">
+              <a:schemeClr val="lt1"/>
+            </a:fontRef>
+          </p:style>
+          <p:txBody>
+            <a:bodyPr rtlCol="0" anchor="ctr"/>
+            <a:lstStyle/>
+            <a:p>
+              <a:pPr algn="ctr"/>
+              <a:r>
+                <a:rPr lang="fr-FR" sz="1600" b="1" dirty="0">
+                  <a:solidFill>
+                    <a:schemeClr val="bg1"/>
+                  </a:solidFill>
+                  <a:effectLst>
+                    <a:outerShdw blurRad="38100" dist="76200" dir="2700000" algn="tl">
+                      <a:srgbClr val="000000"/>
+                    </a:outerShdw>
+                  </a:effectLst>
+                  <a:latin typeface="Helvetica" panose="020B0604020202030204" pitchFamily="34" charset="0"/>
+                </a:rPr>
+                <a:t>Conclusion</a:t>
+              </a:r>
+            </a:p>
+          </p:txBody>
+        </p:sp>
+        <p:sp>
+          <p:nvSpPr>
+            <p:cNvPr id="17" name="Flèche : chevron 16">
+              <a:extLst>
+                <a:ext uri="{FF2B5EF4-FFF2-40B4-BE49-F238E27FC236}">
+                  <a16:creationId xmlns:a16="http://schemas.microsoft.com/office/drawing/2014/main" id="{30C36617-CB5C-40F8-B05D-7053886FD5EF}"/>
+                </a:ext>
+              </a:extLst>
+            </p:cNvPr>
+            <p:cNvSpPr/>
+            <p:nvPr/>
+          </p:nvSpPr>
+          <p:spPr>
+            <a:xfrm>
+              <a:off x="3268744" y="332277"/>
+              <a:ext cx="2309567" cy="688157"/>
+            </a:xfrm>
+            <a:prstGeom prst="chevron">
+              <a:avLst/>
+            </a:prstGeom>
+            <a:solidFill>
+              <a:srgbClr val="FED449"/>
+            </a:solidFill>
+            <a:ln>
+              <a:solidFill>
+                <a:schemeClr val="bg1"/>
+              </a:solidFill>
+            </a:ln>
+          </p:spPr>
+          <p:style>
+            <a:lnRef idx="2">
+              <a:schemeClr val="accent1">
+                <a:shade val="50000"/>
+              </a:schemeClr>
+            </a:lnRef>
+            <a:fillRef idx="1">
+              <a:schemeClr val="accent1"/>
+            </a:fillRef>
+            <a:effectRef idx="0">
+              <a:schemeClr val="accent1"/>
+            </a:effectRef>
+            <a:fontRef idx="minor">
+              <a:schemeClr val="lt1"/>
+            </a:fontRef>
+          </p:style>
+          <p:txBody>
+            <a:bodyPr rtlCol="0" anchor="ctr"/>
+            <a:lstStyle/>
+            <a:p>
+              <a:pPr algn="ctr"/>
+              <a:r>
+                <a:rPr lang="fr-FR" sz="1500" b="1" dirty="0">
+                  <a:solidFill>
+                    <a:schemeClr val="bg1"/>
+                  </a:solidFill>
+                  <a:effectLst>
+                    <a:outerShdw blurRad="38100" dist="76200" dir="2700000" algn="tl">
+                      <a:srgbClr val="000000"/>
+                    </a:outerShdw>
+                  </a:effectLst>
+                  <a:latin typeface="Helvetica" panose="020B0604020202030204" pitchFamily="34" charset="0"/>
+                </a:rPr>
+                <a:t>Organisation</a:t>
+              </a:r>
+            </a:p>
+          </p:txBody>
+        </p:sp>
+        <p:sp>
+          <p:nvSpPr>
+            <p:cNvPr id="18" name="Flèche : chevron 17">
+              <a:extLst>
+                <a:ext uri="{FF2B5EF4-FFF2-40B4-BE49-F238E27FC236}">
+                  <a16:creationId xmlns:a16="http://schemas.microsoft.com/office/drawing/2014/main" id="{A33478E5-51C7-4324-9E5C-0845E032CF0C}"/>
+                </a:ext>
+              </a:extLst>
+            </p:cNvPr>
+            <p:cNvSpPr/>
+            <p:nvPr/>
+          </p:nvSpPr>
+          <p:spPr>
+            <a:xfrm>
+              <a:off x="5268797" y="332704"/>
+              <a:ext cx="2309567" cy="688157"/>
+            </a:xfrm>
+            <a:prstGeom prst="chevron">
+              <a:avLst/>
+            </a:prstGeom>
+            <a:solidFill>
+              <a:srgbClr val="FED449"/>
+            </a:solidFill>
+            <a:ln>
+              <a:solidFill>
+                <a:schemeClr val="bg1"/>
+              </a:solidFill>
+            </a:ln>
+          </p:spPr>
+          <p:style>
+            <a:lnRef idx="2">
+              <a:schemeClr val="accent1">
+                <a:shade val="50000"/>
+              </a:schemeClr>
+            </a:lnRef>
+            <a:fillRef idx="1">
+              <a:schemeClr val="accent1"/>
+            </a:fillRef>
+            <a:effectRef idx="0">
+              <a:schemeClr val="accent1"/>
+            </a:effectRef>
+            <a:fontRef idx="minor">
+              <a:schemeClr val="lt1"/>
+            </a:fontRef>
+          </p:style>
+          <p:txBody>
+            <a:bodyPr rtlCol="0" anchor="ctr"/>
+            <a:lstStyle/>
+            <a:p>
+              <a:pPr algn="ctr"/>
+              <a:r>
+                <a:rPr lang="fr-FR" sz="1500" b="1" dirty="0">
+                  <a:solidFill>
+                    <a:schemeClr val="bg1"/>
+                  </a:solidFill>
+                  <a:effectLst>
+                    <a:outerShdw blurRad="38100" dist="76200" dir="2700000" algn="tl">
+                      <a:srgbClr val="000000"/>
+                    </a:outerShdw>
+                  </a:effectLst>
+                  <a:latin typeface="Helvetica" panose="020B0604020202030204" pitchFamily="34" charset="0"/>
+                </a:rPr>
+                <a:t>Développement</a:t>
+              </a:r>
+            </a:p>
+          </p:txBody>
+        </p:sp>
+        <p:sp>
+          <p:nvSpPr>
+            <p:cNvPr id="19" name="Flèche : chevron 18">
+              <a:extLst>
+                <a:ext uri="{FF2B5EF4-FFF2-40B4-BE49-F238E27FC236}">
+                  <a16:creationId xmlns:a16="http://schemas.microsoft.com/office/drawing/2014/main" id="{8795E004-010B-4219-8B10-37FA6D3A7781}"/>
+                </a:ext>
+              </a:extLst>
+            </p:cNvPr>
+            <p:cNvSpPr/>
+            <p:nvPr/>
+          </p:nvSpPr>
+          <p:spPr>
+            <a:xfrm>
+              <a:off x="7268850" y="332703"/>
+              <a:ext cx="2309567" cy="688157"/>
+            </a:xfrm>
+            <a:prstGeom prst="chevron">
+              <a:avLst/>
+            </a:prstGeom>
+            <a:solidFill>
+              <a:srgbClr val="FED449"/>
+            </a:solidFill>
+            <a:ln>
+              <a:solidFill>
+                <a:schemeClr val="bg1"/>
+              </a:solidFill>
+            </a:ln>
+          </p:spPr>
+          <p:style>
+            <a:lnRef idx="2">
+              <a:schemeClr val="accent1">
+                <a:shade val="50000"/>
+              </a:schemeClr>
+            </a:lnRef>
+            <a:fillRef idx="1">
+              <a:schemeClr val="accent1"/>
+            </a:fillRef>
+            <a:effectRef idx="0">
+              <a:schemeClr val="accent1"/>
+            </a:effectRef>
+            <a:fontRef idx="minor">
+              <a:schemeClr val="lt1"/>
+            </a:fontRef>
+          </p:style>
+          <p:txBody>
+            <a:bodyPr rtlCol="0" anchor="ctr"/>
+            <a:lstStyle/>
+            <a:p>
+              <a:pPr algn="ctr"/>
+              <a:r>
+                <a:rPr lang="fr-FR" sz="1500" b="1" dirty="0">
+                  <a:solidFill>
+                    <a:schemeClr val="bg1"/>
+                  </a:solidFill>
+                  <a:effectLst>
+                    <a:outerShdw blurRad="38100" dist="76200" dir="2700000" algn="tl">
+                      <a:srgbClr val="000000"/>
+                    </a:outerShdw>
+                  </a:effectLst>
+                  <a:latin typeface="Helvetica" panose="020B0604020202030204" pitchFamily="34" charset="0"/>
+                </a:rPr>
+                <a:t>Démonstration</a:t>
+              </a:r>
+              <a:endParaRPr lang="fr-FR" sz="1500" dirty="0">
+                <a:solidFill>
+                  <a:schemeClr val="tx1"/>
+                </a:solidFill>
+              </a:endParaRPr>
+            </a:p>
+          </p:txBody>
+        </p:sp>
+        <p:pic>
+          <p:nvPicPr>
+            <p:cNvPr id="6" name="Image 5">
+              <a:extLst>
+                <a:ext uri="{FF2B5EF4-FFF2-40B4-BE49-F238E27FC236}">
+                  <a16:creationId xmlns:a16="http://schemas.microsoft.com/office/drawing/2014/main" id="{2D0A881D-5AC2-4766-BD4C-5405D55C11A5}"/>
+                </a:ext>
+              </a:extLst>
+            </p:cNvPr>
+            <p:cNvPicPr>
+              <a:picLocks noChangeAspect="1"/>
+            </p:cNvPicPr>
+            <p:nvPr/>
+          </p:nvPicPr>
+          <p:blipFill>
+            <a:blip r:embed="rId3">
+              <a:extLst>
+                <a:ext uri="{28A0092B-C50C-407E-A947-70E740481C1C}">
+                  <a14:useLocalDpi xmlns:a14="http://schemas.microsoft.com/office/drawing/2010/main" val="0"/>
+                </a:ext>
+              </a:extLst>
+            </a:blip>
+            <a:stretch>
+              <a:fillRect/>
+            </a:stretch>
+          </p:blipFill>
+          <p:spPr>
+            <a:xfrm>
+              <a:off x="327166" y="0"/>
+              <a:ext cx="1566153" cy="1342417"/>
+            </a:xfrm>
+            <a:prstGeom prst="rect">
+              <a:avLst/>
+            </a:prstGeom>
+          </p:spPr>
+        </p:pic>
+      </p:grpSp>
+      <p:sp>
+        <p:nvSpPr>
+          <p:cNvPr id="10" name="ZoneTexte 9">
+            <a:extLst>
+              <a:ext uri="{FF2B5EF4-FFF2-40B4-BE49-F238E27FC236}">
+                <a16:creationId xmlns:a16="http://schemas.microsoft.com/office/drawing/2014/main" id="{CE36D8FB-1CD3-4D19-A954-A2CE97724692}"/>
+              </a:ext>
+            </a:extLst>
+          </p:cNvPr>
+          <p:cNvSpPr txBox="1"/>
+          <p:nvPr/>
+        </p:nvSpPr>
+        <p:spPr>
+          <a:xfrm>
+            <a:off x="336894" y="1225685"/>
+            <a:ext cx="11472482" cy="5369668"/>
+          </a:xfrm>
+          <a:prstGeom prst="rect">
+            <a:avLst/>
+          </a:prstGeom>
+          <a:solidFill>
+            <a:srgbClr val="FED449">
+              <a:alpha val="50000"/>
+            </a:srgbClr>
+          </a:solidFill>
+          <a:effectLst>
+            <a:softEdge rad="152400"/>
+          </a:effectLst>
+        </p:spPr>
+        <p:txBody>
+          <a:bodyPr wrap="square" rtlCol="0">
+            <a:spAutoFit/>
+          </a:bodyPr>
+          <a:lstStyle/>
+          <a:p>
+            <a:endParaRPr lang="fr-FR" dirty="0"/>
+          </a:p>
+        </p:txBody>
+      </p:sp>
+      <p:sp>
+        <p:nvSpPr>
+          <p:cNvPr id="11" name="ZoneTexte 10">
+            <a:extLst>
+              <a:ext uri="{FF2B5EF4-FFF2-40B4-BE49-F238E27FC236}">
+                <a16:creationId xmlns:a16="http://schemas.microsoft.com/office/drawing/2014/main" id="{4D68F34E-6148-422D-8C78-F40C2B9BADFF}"/>
+              </a:ext>
+            </a:extLst>
+          </p:cNvPr>
+          <p:cNvSpPr txBox="1"/>
+          <p:nvPr/>
+        </p:nvSpPr>
+        <p:spPr>
+          <a:xfrm>
+            <a:off x="1090367" y="1674695"/>
+            <a:ext cx="10011266" cy="3539430"/>
+          </a:xfrm>
+          <a:prstGeom prst="rect">
+            <a:avLst/>
+          </a:prstGeom>
+          <a:noFill/>
+        </p:spPr>
+        <p:txBody>
+          <a:bodyPr wrap="square" rtlCol="0">
+            <a:spAutoFit/>
+          </a:bodyPr>
+          <a:lstStyle/>
+          <a:p>
+            <a:pPr algn="ctr"/>
+            <a:r>
+              <a:rPr lang="fr-FR" sz="2800" b="1" dirty="0">
+                <a:latin typeface="Helvetica" panose="020B0604020202030204" pitchFamily="34" charset="0"/>
+                <a:cs typeface="Arial" panose="020B0604020202020204" pitchFamily="34" charset="0"/>
+              </a:rPr>
+              <a:t>CE QUE NOUS AURIONS PU MIEUX FAIRE</a:t>
+            </a:r>
+          </a:p>
+          <a:p>
+            <a:pPr algn="ctr"/>
+            <a:endParaRPr lang="fr-FR" sz="2800" b="1" dirty="0">
+              <a:latin typeface="Helvetica" panose="020B0604020202030204" pitchFamily="34" charset="0"/>
+              <a:cs typeface="Arial" panose="020B0604020202020204" pitchFamily="34" charset="0"/>
+            </a:endParaRPr>
+          </a:p>
+          <a:p>
+            <a:r>
+              <a:rPr lang="fr-FR" sz="2400" dirty="0">
+                <a:latin typeface="Helvetica" panose="020B0604020202030204" pitchFamily="34" charset="0"/>
+              </a:rPr>
+              <a:t>Utiliser la méthode à Gilles (AGILE) dès le début</a:t>
+            </a:r>
+          </a:p>
+          <a:p>
+            <a:endParaRPr lang="fr-FR" sz="2400" dirty="0">
+              <a:latin typeface="Helvetica" panose="020B0604020202030204" pitchFamily="34" charset="0"/>
+            </a:endParaRPr>
+          </a:p>
+          <a:p>
+            <a:r>
+              <a:rPr lang="fr-FR" sz="2400" dirty="0">
+                <a:latin typeface="Helvetica" panose="020B0604020202030204" pitchFamily="34" charset="0"/>
+              </a:rPr>
+              <a:t>Uniformisation des codes</a:t>
+            </a:r>
+          </a:p>
+          <a:p>
+            <a:endParaRPr lang="fr-FR" sz="2400" dirty="0">
+              <a:latin typeface="Helvetica" panose="020B0604020202030204" pitchFamily="34" charset="0"/>
+            </a:endParaRPr>
+          </a:p>
+          <a:p>
+            <a:r>
+              <a:rPr lang="fr-FR" sz="2400" dirty="0">
+                <a:latin typeface="Helvetica" panose="020B0604020202030204" pitchFamily="34" charset="0"/>
+              </a:rPr>
+              <a:t>Optimisation des fichiers</a:t>
+            </a:r>
+          </a:p>
+          <a:p>
+            <a:endParaRPr lang="fr-FR" sz="2400">
+              <a:latin typeface="Helvetica" panose="020B0604020202030204" pitchFamily="34" charset="0"/>
+            </a:endParaRPr>
+          </a:p>
+          <a:p>
+            <a:endParaRPr lang="fr-FR" sz="2400" dirty="0">
+              <a:latin typeface="Helvetica" panose="020B0604020202030204" pitchFamily="34" charset="0"/>
+            </a:endParaRPr>
+          </a:p>
+        </p:txBody>
+      </p:sp>
+    </p:spTree>
+    <p:extLst>
+      <p:ext uri="{BB962C8B-B14F-4D97-AF65-F5344CB8AC3E}">
+        <p14:creationId xmlns:p14="http://schemas.microsoft.com/office/powerpoint/2010/main" val="2557336589"/>
+      </p:ext>
+    </p:extLst>
+  </p:cSld>
+  <p:clrMapOvr>
+    <a:masterClrMapping/>
+  </p:clrMapOvr>
+</p:sld>
+</file>
+
+<file path=ppt/slides/slide18.xml><?xml version="1.0" encoding="utf-8"?>
+<p:sld xmlns:a="http://schemas.openxmlformats.org/drawingml/2006/main" xmlns:r="http://schemas.openxmlformats.org/officeDocument/2006/relationships" xmlns:p="http://schemas.openxmlformats.org/presentationml/2006/main">
+  <p:cSld>
+    <p:bg>
+      <p:bgPr>
+        <a:blipFill dpi="0" rotWithShape="1">
+          <a:blip r:embed="rId2">
+            <a:lum/>
+          </a:blip>
+          <a:srcRect/>
+          <a:stretch>
+            <a:fillRect/>
+          </a:stretch>
+        </a:blipFill>
+        <a:effectLst/>
+      </p:bgPr>
+    </p:bg>
+    <p:spTree>
+      <p:nvGrpSpPr>
+        <p:cNvPr id="1" name=""/>
+        <p:cNvGrpSpPr/>
+        <p:nvPr/>
+      </p:nvGrpSpPr>
+      <p:grpSpPr>
+        <a:xfrm>
+          <a:off x="0" y="0"/>
+          <a:ext cx="0" cy="0"/>
+          <a:chOff x="0" y="0"/>
+          <a:chExt cx="0" cy="0"/>
+        </a:xfrm>
+      </p:grpSpPr>
+      <p:grpSp>
+        <p:nvGrpSpPr>
+          <p:cNvPr id="7" name="Groupe 6">
+            <a:extLst>
+              <a:ext uri="{FF2B5EF4-FFF2-40B4-BE49-F238E27FC236}">
+                <a16:creationId xmlns:a16="http://schemas.microsoft.com/office/drawing/2014/main" id="{67E81936-583F-45AD-82CC-A5C937F4C87C}"/>
+              </a:ext>
+            </a:extLst>
+          </p:cNvPr>
+          <p:cNvGrpSpPr/>
+          <p:nvPr/>
+        </p:nvGrpSpPr>
+        <p:grpSpPr>
+          <a:xfrm>
+            <a:off x="327166" y="0"/>
+            <a:ext cx="11251304" cy="1342417"/>
+            <a:chOff x="327166" y="0"/>
+            <a:chExt cx="11251304" cy="1342417"/>
+          </a:xfrm>
+        </p:grpSpPr>
+        <p:sp>
+          <p:nvSpPr>
+            <p:cNvPr id="4" name="Flèche : chevron 3">
+              <a:extLst>
+                <a:ext uri="{FF2B5EF4-FFF2-40B4-BE49-F238E27FC236}">
+                  <a16:creationId xmlns:a16="http://schemas.microsoft.com/office/drawing/2014/main" id="{60D600DE-6FA0-4280-A81A-6DBE7691E92C}"/>
+                </a:ext>
+              </a:extLst>
+            </p:cNvPr>
+            <p:cNvSpPr/>
+            <p:nvPr/>
+          </p:nvSpPr>
+          <p:spPr>
+            <a:xfrm>
+              <a:off x="1268691" y="332278"/>
+              <a:ext cx="2309567" cy="688157"/>
+            </a:xfrm>
+            <a:prstGeom prst="chevron">
+              <a:avLst/>
+            </a:prstGeom>
+            <a:solidFill>
+              <a:srgbClr val="FED449"/>
+            </a:solidFill>
+            <a:ln>
+              <a:solidFill>
+                <a:schemeClr val="bg1"/>
+              </a:solidFill>
+            </a:ln>
+          </p:spPr>
+          <p:style>
+            <a:lnRef idx="2">
+              <a:schemeClr val="accent1">
+                <a:shade val="50000"/>
+              </a:schemeClr>
+            </a:lnRef>
+            <a:fillRef idx="1">
+              <a:schemeClr val="accent1"/>
+            </a:fillRef>
+            <a:effectRef idx="0">
+              <a:schemeClr val="accent1"/>
+            </a:effectRef>
+            <a:fontRef idx="minor">
+              <a:schemeClr val="lt1"/>
+            </a:fontRef>
+          </p:style>
+          <p:txBody>
+            <a:bodyPr rtlCol="0" anchor="ctr"/>
+            <a:lstStyle/>
+            <a:p>
+              <a:pPr algn="ctr"/>
+              <a:r>
+                <a:rPr lang="fr-FR" sz="1500" b="1" dirty="0">
+                  <a:solidFill>
+                    <a:schemeClr val="bg1"/>
+                  </a:solidFill>
+                  <a:effectLst>
+                    <a:outerShdw blurRad="38100" dist="76200" dir="2700000" algn="tl">
+                      <a:srgbClr val="000000"/>
+                    </a:outerShdw>
+                  </a:effectLst>
+                  <a:latin typeface="Helvetica" panose="020B0604020202030204" pitchFamily="34" charset="0"/>
+                </a:rPr>
+                <a:t>Etude du projet</a:t>
+              </a:r>
+            </a:p>
+          </p:txBody>
+        </p:sp>
+        <p:sp>
+          <p:nvSpPr>
+            <p:cNvPr id="16" name="Flèche : chevron 15">
+              <a:extLst>
+                <a:ext uri="{FF2B5EF4-FFF2-40B4-BE49-F238E27FC236}">
+                  <a16:creationId xmlns:a16="http://schemas.microsoft.com/office/drawing/2014/main" id="{F7655D32-22EC-4542-883E-4033865C1471}"/>
+                </a:ext>
+              </a:extLst>
+            </p:cNvPr>
+            <p:cNvSpPr/>
+            <p:nvPr/>
+          </p:nvSpPr>
+          <p:spPr>
+            <a:xfrm>
+              <a:off x="9268903" y="332277"/>
+              <a:ext cx="2309567" cy="688157"/>
+            </a:xfrm>
+            <a:prstGeom prst="chevron">
+              <a:avLst/>
+            </a:prstGeom>
+            <a:solidFill>
+              <a:srgbClr val="88CE62"/>
+            </a:solidFill>
+            <a:ln>
+              <a:solidFill>
+                <a:schemeClr val="bg1"/>
+              </a:solidFill>
+            </a:ln>
+          </p:spPr>
+          <p:style>
+            <a:lnRef idx="2">
+              <a:schemeClr val="accent1">
+                <a:shade val="50000"/>
+              </a:schemeClr>
+            </a:lnRef>
+            <a:fillRef idx="1">
+              <a:schemeClr val="accent1"/>
+            </a:fillRef>
+            <a:effectRef idx="0">
+              <a:schemeClr val="accent1"/>
+            </a:effectRef>
+            <a:fontRef idx="minor">
+              <a:schemeClr val="lt1"/>
+            </a:fontRef>
+          </p:style>
+          <p:txBody>
+            <a:bodyPr rtlCol="0" anchor="ctr"/>
+            <a:lstStyle/>
+            <a:p>
+              <a:pPr algn="ctr"/>
+              <a:r>
+                <a:rPr lang="fr-FR" sz="1600" b="1" dirty="0">
+                  <a:solidFill>
+                    <a:schemeClr val="bg1"/>
+                  </a:solidFill>
+                  <a:effectLst>
+                    <a:outerShdw blurRad="38100" dist="76200" dir="2700000" algn="tl">
+                      <a:srgbClr val="000000"/>
+                    </a:outerShdw>
+                  </a:effectLst>
+                  <a:latin typeface="Helvetica" panose="020B0604020202030204" pitchFamily="34" charset="0"/>
+                </a:rPr>
+                <a:t>Conclusion</a:t>
+              </a:r>
+            </a:p>
+          </p:txBody>
+        </p:sp>
+        <p:sp>
+          <p:nvSpPr>
+            <p:cNvPr id="17" name="Flèche : chevron 16">
+              <a:extLst>
+                <a:ext uri="{FF2B5EF4-FFF2-40B4-BE49-F238E27FC236}">
+                  <a16:creationId xmlns:a16="http://schemas.microsoft.com/office/drawing/2014/main" id="{30C36617-CB5C-40F8-B05D-7053886FD5EF}"/>
+                </a:ext>
+              </a:extLst>
+            </p:cNvPr>
+            <p:cNvSpPr/>
+            <p:nvPr/>
+          </p:nvSpPr>
+          <p:spPr>
+            <a:xfrm>
+              <a:off x="3268744" y="332277"/>
+              <a:ext cx="2309567" cy="688157"/>
+            </a:xfrm>
+            <a:prstGeom prst="chevron">
+              <a:avLst/>
+            </a:prstGeom>
+            <a:solidFill>
+              <a:srgbClr val="FED449"/>
+            </a:solidFill>
+            <a:ln>
+              <a:solidFill>
+                <a:schemeClr val="bg1"/>
+              </a:solidFill>
+            </a:ln>
+          </p:spPr>
+          <p:style>
+            <a:lnRef idx="2">
+              <a:schemeClr val="accent1">
+                <a:shade val="50000"/>
+              </a:schemeClr>
+            </a:lnRef>
+            <a:fillRef idx="1">
+              <a:schemeClr val="accent1"/>
+            </a:fillRef>
+            <a:effectRef idx="0">
+              <a:schemeClr val="accent1"/>
+            </a:effectRef>
+            <a:fontRef idx="minor">
+              <a:schemeClr val="lt1"/>
+            </a:fontRef>
+          </p:style>
+          <p:txBody>
+            <a:bodyPr rtlCol="0" anchor="ctr"/>
+            <a:lstStyle/>
+            <a:p>
+              <a:pPr algn="ctr"/>
+              <a:r>
+                <a:rPr lang="fr-FR" sz="1500" b="1" dirty="0">
+                  <a:solidFill>
+                    <a:schemeClr val="bg1"/>
+                  </a:solidFill>
+                  <a:effectLst>
+                    <a:outerShdw blurRad="38100" dist="76200" dir="2700000" algn="tl">
+                      <a:srgbClr val="000000"/>
+                    </a:outerShdw>
+                  </a:effectLst>
+                  <a:latin typeface="Helvetica" panose="020B0604020202030204" pitchFamily="34" charset="0"/>
+                </a:rPr>
+                <a:t>Organisation</a:t>
+              </a:r>
+            </a:p>
+          </p:txBody>
+        </p:sp>
+        <p:sp>
+          <p:nvSpPr>
+            <p:cNvPr id="18" name="Flèche : chevron 17">
+              <a:extLst>
+                <a:ext uri="{FF2B5EF4-FFF2-40B4-BE49-F238E27FC236}">
+                  <a16:creationId xmlns:a16="http://schemas.microsoft.com/office/drawing/2014/main" id="{A33478E5-51C7-4324-9E5C-0845E032CF0C}"/>
+                </a:ext>
+              </a:extLst>
+            </p:cNvPr>
+            <p:cNvSpPr/>
+            <p:nvPr/>
+          </p:nvSpPr>
+          <p:spPr>
+            <a:xfrm>
+              <a:off x="5268797" y="332704"/>
+              <a:ext cx="2309567" cy="688157"/>
+            </a:xfrm>
+            <a:prstGeom prst="chevron">
+              <a:avLst/>
+            </a:prstGeom>
+            <a:solidFill>
+              <a:srgbClr val="FED449"/>
+            </a:solidFill>
+            <a:ln>
+              <a:solidFill>
+                <a:schemeClr val="bg1"/>
+              </a:solidFill>
+            </a:ln>
+          </p:spPr>
+          <p:style>
+            <a:lnRef idx="2">
+              <a:schemeClr val="accent1">
+                <a:shade val="50000"/>
+              </a:schemeClr>
+            </a:lnRef>
+            <a:fillRef idx="1">
+              <a:schemeClr val="accent1"/>
+            </a:fillRef>
+            <a:effectRef idx="0">
+              <a:schemeClr val="accent1"/>
+            </a:effectRef>
+            <a:fontRef idx="minor">
+              <a:schemeClr val="lt1"/>
+            </a:fontRef>
+          </p:style>
+          <p:txBody>
+            <a:bodyPr rtlCol="0" anchor="ctr"/>
+            <a:lstStyle/>
+            <a:p>
+              <a:pPr algn="ctr"/>
+              <a:r>
+                <a:rPr lang="fr-FR" sz="1500" b="1" dirty="0">
+                  <a:solidFill>
+                    <a:schemeClr val="bg1"/>
+                  </a:solidFill>
+                  <a:effectLst>
+                    <a:outerShdw blurRad="38100" dist="76200" dir="2700000" algn="tl">
+                      <a:srgbClr val="000000"/>
+                    </a:outerShdw>
+                  </a:effectLst>
+                  <a:latin typeface="Helvetica" panose="020B0604020202030204" pitchFamily="34" charset="0"/>
+                </a:rPr>
+                <a:t>Développement</a:t>
+              </a:r>
+            </a:p>
+          </p:txBody>
+        </p:sp>
+        <p:sp>
+          <p:nvSpPr>
+            <p:cNvPr id="19" name="Flèche : chevron 18">
+              <a:extLst>
+                <a:ext uri="{FF2B5EF4-FFF2-40B4-BE49-F238E27FC236}">
+                  <a16:creationId xmlns:a16="http://schemas.microsoft.com/office/drawing/2014/main" id="{8795E004-010B-4219-8B10-37FA6D3A7781}"/>
+                </a:ext>
+              </a:extLst>
+            </p:cNvPr>
+            <p:cNvSpPr/>
+            <p:nvPr/>
+          </p:nvSpPr>
+          <p:spPr>
+            <a:xfrm>
+              <a:off x="7268850" y="332703"/>
+              <a:ext cx="2309567" cy="688157"/>
+            </a:xfrm>
+            <a:prstGeom prst="chevron">
+              <a:avLst/>
+            </a:prstGeom>
+            <a:solidFill>
+              <a:srgbClr val="FED449"/>
+            </a:solidFill>
+            <a:ln>
+              <a:solidFill>
+                <a:schemeClr val="bg1"/>
+              </a:solidFill>
+            </a:ln>
+          </p:spPr>
+          <p:style>
+            <a:lnRef idx="2">
+              <a:schemeClr val="accent1">
+                <a:shade val="50000"/>
+              </a:schemeClr>
+            </a:lnRef>
+            <a:fillRef idx="1">
+              <a:schemeClr val="accent1"/>
+            </a:fillRef>
+            <a:effectRef idx="0">
+              <a:schemeClr val="accent1"/>
+            </a:effectRef>
+            <a:fontRef idx="minor">
+              <a:schemeClr val="lt1"/>
+            </a:fontRef>
+          </p:style>
+          <p:txBody>
+            <a:bodyPr rtlCol="0" anchor="ctr"/>
+            <a:lstStyle/>
+            <a:p>
+              <a:pPr algn="ctr"/>
+              <a:r>
+                <a:rPr lang="fr-FR" sz="1500" b="1" dirty="0">
+                  <a:solidFill>
+                    <a:schemeClr val="bg1"/>
+                  </a:solidFill>
+                  <a:effectLst>
+                    <a:outerShdw blurRad="38100" dist="76200" dir="2700000" algn="tl">
+                      <a:srgbClr val="000000"/>
+                    </a:outerShdw>
+                  </a:effectLst>
+                  <a:latin typeface="Helvetica" panose="020B0604020202030204" pitchFamily="34" charset="0"/>
+                </a:rPr>
+                <a:t>Démonstration</a:t>
+              </a:r>
+              <a:endParaRPr lang="fr-FR" sz="1500" dirty="0">
+                <a:solidFill>
+                  <a:schemeClr val="tx1"/>
+                </a:solidFill>
+              </a:endParaRPr>
+            </a:p>
+          </p:txBody>
+        </p:sp>
+        <p:pic>
+          <p:nvPicPr>
+            <p:cNvPr id="6" name="Image 5">
+              <a:extLst>
+                <a:ext uri="{FF2B5EF4-FFF2-40B4-BE49-F238E27FC236}">
+                  <a16:creationId xmlns:a16="http://schemas.microsoft.com/office/drawing/2014/main" id="{2D0A881D-5AC2-4766-BD4C-5405D55C11A5}"/>
+                </a:ext>
+              </a:extLst>
+            </p:cNvPr>
+            <p:cNvPicPr>
+              <a:picLocks noChangeAspect="1"/>
+            </p:cNvPicPr>
+            <p:nvPr/>
+          </p:nvPicPr>
+          <p:blipFill>
+            <a:blip r:embed="rId3">
+              <a:extLst>
+                <a:ext uri="{28A0092B-C50C-407E-A947-70E740481C1C}">
+                  <a14:useLocalDpi xmlns:a14="http://schemas.microsoft.com/office/drawing/2010/main" val="0"/>
+                </a:ext>
+              </a:extLst>
+            </a:blip>
+            <a:stretch>
+              <a:fillRect/>
+            </a:stretch>
+          </p:blipFill>
+          <p:spPr>
+            <a:xfrm>
+              <a:off x="327166" y="0"/>
+              <a:ext cx="1566153" cy="1342417"/>
+            </a:xfrm>
+            <a:prstGeom prst="rect">
+              <a:avLst/>
+            </a:prstGeom>
+          </p:spPr>
+        </p:pic>
+      </p:grpSp>
+      <p:sp>
+        <p:nvSpPr>
+          <p:cNvPr id="10" name="ZoneTexte 9">
+            <a:extLst>
+              <a:ext uri="{FF2B5EF4-FFF2-40B4-BE49-F238E27FC236}">
+                <a16:creationId xmlns:a16="http://schemas.microsoft.com/office/drawing/2014/main" id="{CE36D8FB-1CD3-4D19-A954-A2CE97724692}"/>
+              </a:ext>
+            </a:extLst>
+          </p:cNvPr>
+          <p:cNvSpPr txBox="1"/>
+          <p:nvPr/>
+        </p:nvSpPr>
+        <p:spPr>
+          <a:xfrm>
+            <a:off x="336894" y="1225685"/>
+            <a:ext cx="11472482" cy="5369668"/>
+          </a:xfrm>
+          <a:prstGeom prst="rect">
+            <a:avLst/>
+          </a:prstGeom>
+          <a:solidFill>
+            <a:srgbClr val="FED449">
+              <a:alpha val="50000"/>
+            </a:srgbClr>
+          </a:solidFill>
+          <a:effectLst>
+            <a:softEdge rad="152400"/>
+          </a:effectLst>
+        </p:spPr>
+        <p:txBody>
+          <a:bodyPr wrap="square" rtlCol="0">
+            <a:spAutoFit/>
+          </a:bodyPr>
+          <a:lstStyle/>
+          <a:p>
+            <a:endParaRPr lang="fr-FR" dirty="0"/>
+          </a:p>
+        </p:txBody>
+      </p:sp>
+      <p:sp>
+        <p:nvSpPr>
+          <p:cNvPr id="11" name="ZoneTexte 10">
+            <a:extLst>
+              <a:ext uri="{FF2B5EF4-FFF2-40B4-BE49-F238E27FC236}">
+                <a16:creationId xmlns:a16="http://schemas.microsoft.com/office/drawing/2014/main" id="{C9EBFD3C-EFBF-4D0F-882B-53499E15C08D}"/>
+              </a:ext>
+            </a:extLst>
+          </p:cNvPr>
+          <p:cNvSpPr txBox="1"/>
+          <p:nvPr/>
+        </p:nvSpPr>
+        <p:spPr>
+          <a:xfrm>
+            <a:off x="1090367" y="1674695"/>
+            <a:ext cx="10011266" cy="5386090"/>
+          </a:xfrm>
+          <a:prstGeom prst="rect">
+            <a:avLst/>
+          </a:prstGeom>
+          <a:noFill/>
+        </p:spPr>
+        <p:txBody>
+          <a:bodyPr wrap="square" rtlCol="0">
+            <a:spAutoFit/>
+          </a:bodyPr>
+          <a:lstStyle/>
+          <a:p>
+            <a:pPr algn="ctr"/>
+            <a:r>
+              <a:rPr lang="fr-FR" sz="2800" b="1" dirty="0">
+                <a:latin typeface="Helvetica" panose="020B0604020202030204" pitchFamily="34" charset="0"/>
+                <a:cs typeface="Arial" panose="020B0604020202020204" pitchFamily="34" charset="0"/>
+              </a:rPr>
+              <a:t>PERSPECTIVES</a:t>
+            </a:r>
+          </a:p>
+          <a:p>
+            <a:pPr algn="ctr"/>
+            <a:endParaRPr lang="fr-FR" sz="2800" b="1" dirty="0">
+              <a:latin typeface="Helvetica" panose="020B0604020202030204" pitchFamily="34" charset="0"/>
+              <a:cs typeface="Arial" panose="020B0604020202020204" pitchFamily="34" charset="0"/>
+            </a:endParaRPr>
+          </a:p>
+          <a:p>
+            <a:r>
+              <a:rPr lang="fr-FR" sz="2400" dirty="0">
+                <a:latin typeface="Helvetica" panose="020B0604020202030204" pitchFamily="34" charset="0"/>
+              </a:rPr>
+              <a:t>Evolution du site</a:t>
+            </a:r>
+          </a:p>
+          <a:p>
+            <a:r>
+              <a:rPr lang="fr-FR" sz="2400" dirty="0">
+                <a:latin typeface="Helvetica" panose="020B0604020202030204" pitchFamily="34" charset="0"/>
+              </a:rPr>
+              <a:t>	Barre de recherche</a:t>
+            </a:r>
+          </a:p>
+          <a:p>
+            <a:r>
+              <a:rPr lang="fr-FR" sz="2400" dirty="0">
+                <a:latin typeface="Helvetica" panose="020B0604020202030204" pitchFamily="34" charset="0"/>
+              </a:rPr>
+              <a:t>	Factures</a:t>
+            </a:r>
+          </a:p>
+          <a:p>
+            <a:r>
+              <a:rPr lang="fr-FR" sz="2400" dirty="0">
+                <a:latin typeface="Helvetica" panose="020B0604020202030204" pitchFamily="34" charset="0"/>
+              </a:rPr>
+              <a:t>	Sécurité</a:t>
+            </a:r>
+          </a:p>
+          <a:p>
+            <a:r>
+              <a:rPr lang="fr-FR" sz="2400" dirty="0">
+                <a:latin typeface="Helvetica" panose="020B0604020202030204" pitchFamily="34" charset="0"/>
+              </a:rPr>
+              <a:t>	Gestion des modes de livraisons</a:t>
+            </a:r>
+          </a:p>
+          <a:p>
+            <a:r>
+              <a:rPr lang="fr-FR" sz="2400" dirty="0">
+                <a:latin typeface="Helvetica" panose="020B0604020202030204" pitchFamily="34" charset="0"/>
+              </a:rPr>
+              <a:t>	Paiements en ligne</a:t>
+            </a:r>
+          </a:p>
+          <a:p>
+            <a:r>
+              <a:rPr lang="fr-FR" sz="2400" dirty="0">
+                <a:latin typeface="Helvetica" panose="020B0604020202030204" pitchFamily="34" charset="0"/>
+              </a:rPr>
+              <a:t>	Mode daltonien</a:t>
+            </a:r>
+          </a:p>
+          <a:p>
+            <a:endParaRPr lang="fr-FR" sz="2400" dirty="0">
+              <a:latin typeface="Helvetica" panose="020B0604020202030204" pitchFamily="34" charset="0"/>
+            </a:endParaRPr>
+          </a:p>
+          <a:p>
+            <a:endParaRPr lang="fr-FR" sz="2400" dirty="0">
+              <a:latin typeface="Helvetica" panose="020B0604020202030204" pitchFamily="34" charset="0"/>
+            </a:endParaRPr>
+          </a:p>
+          <a:p>
+            <a:endParaRPr lang="fr-FR" sz="2400" dirty="0">
+              <a:latin typeface="Helvetica" panose="020B0604020202030204" pitchFamily="34" charset="0"/>
+            </a:endParaRPr>
+          </a:p>
+          <a:p>
+            <a:endParaRPr lang="fr-FR" sz="2400" dirty="0">
+              <a:latin typeface="Helvetica" panose="020B0604020202030204" pitchFamily="34" charset="0"/>
+            </a:endParaRPr>
+          </a:p>
+          <a:p>
+            <a:endParaRPr lang="fr-FR" sz="2400" dirty="0">
+              <a:latin typeface="Helvetica" panose="020B0604020202030204" pitchFamily="34" charset="0"/>
+            </a:endParaRPr>
+          </a:p>
+        </p:txBody>
+      </p:sp>
+    </p:spTree>
+    <p:extLst>
+      <p:ext uri="{BB962C8B-B14F-4D97-AF65-F5344CB8AC3E}">
+        <p14:creationId xmlns:p14="http://schemas.microsoft.com/office/powerpoint/2010/main" val="3679153279"/>
+      </p:ext>
+    </p:extLst>
+  </p:cSld>
+  <p:clrMapOvr>
+    <a:masterClrMapping/>
+  </p:clrMapOvr>
+</p:sld>
+</file>
+
+<file path=ppt/slides/slide19.xml><?xml version="1.0" encoding="utf-8"?>
+<p:sld xmlns:a="http://schemas.openxmlformats.org/drawingml/2006/main" xmlns:r="http://schemas.openxmlformats.org/officeDocument/2006/relationships" xmlns:p="http://schemas.openxmlformats.org/presentationml/2006/main">
+  <p:cSld>
+    <p:bg>
+      <p:bgPr>
+        <a:blipFill dpi="0" rotWithShape="1">
+          <a:blip r:embed="rId2">
+            <a:lum/>
+          </a:blip>
+          <a:srcRect/>
+          <a:stretch>
+            <a:fillRect/>
+          </a:stretch>
+        </a:blipFill>
+        <a:effectLst/>
+      </p:bgPr>
+    </p:bg>
+    <p:spTree>
+      <p:nvGrpSpPr>
+        <p:cNvPr id="1" name=""/>
+        <p:cNvGrpSpPr/>
+        <p:nvPr/>
+      </p:nvGrpSpPr>
+      <p:grpSpPr>
+        <a:xfrm>
+          <a:off x="0" y="0"/>
+          <a:ext cx="0" cy="0"/>
+          <a:chOff x="0" y="0"/>
+          <a:chExt cx="0" cy="0"/>
+        </a:xfrm>
+      </p:grpSpPr>
+      <p:pic>
+        <p:nvPicPr>
+          <p:cNvPr id="6" name="Image 5">
+            <a:extLst>
+              <a:ext uri="{FF2B5EF4-FFF2-40B4-BE49-F238E27FC236}">
+                <a16:creationId xmlns:a16="http://schemas.microsoft.com/office/drawing/2014/main" id="{2D0A881D-5AC2-4766-BD4C-5405D55C11A5}"/>
+              </a:ext>
+            </a:extLst>
+          </p:cNvPr>
+          <p:cNvPicPr>
+            <a:picLocks noChangeAspect="1"/>
+          </p:cNvPicPr>
+          <p:nvPr/>
+        </p:nvPicPr>
+        <p:blipFill>
+          <a:blip r:embed="rId3">
+            <a:extLst>
+              <a:ext uri="{28A0092B-C50C-407E-A947-70E740481C1C}">
+                <a14:useLocalDpi xmlns:a14="http://schemas.microsoft.com/office/drawing/2010/main" val="0"/>
+              </a:ext>
+            </a:extLst>
+          </a:blip>
+          <a:stretch>
+            <a:fillRect/>
+          </a:stretch>
+        </p:blipFill>
+        <p:spPr>
+          <a:xfrm>
+            <a:off x="329574" y="0"/>
+            <a:ext cx="1566153" cy="1342417"/>
+          </a:xfrm>
+          <a:prstGeom prst="rect">
+            <a:avLst/>
+          </a:prstGeom>
+        </p:spPr>
+      </p:pic>
+      <p:sp>
+        <p:nvSpPr>
+          <p:cNvPr id="10" name="ZoneTexte 9">
+            <a:extLst>
+              <a:ext uri="{FF2B5EF4-FFF2-40B4-BE49-F238E27FC236}">
+                <a16:creationId xmlns:a16="http://schemas.microsoft.com/office/drawing/2014/main" id="{CE36D8FB-1CD3-4D19-A954-A2CE97724692}"/>
+              </a:ext>
+            </a:extLst>
+          </p:cNvPr>
+          <p:cNvSpPr txBox="1"/>
+          <p:nvPr/>
+        </p:nvSpPr>
+        <p:spPr>
+          <a:xfrm>
+            <a:off x="336894" y="1225685"/>
+            <a:ext cx="11472482" cy="5369668"/>
+          </a:xfrm>
+          <a:prstGeom prst="rect">
+            <a:avLst/>
+          </a:prstGeom>
+          <a:solidFill>
+            <a:srgbClr val="FED449">
+              <a:alpha val="50000"/>
+            </a:srgbClr>
+          </a:solidFill>
+          <a:effectLst>
+            <a:softEdge rad="152400"/>
+          </a:effectLst>
+        </p:spPr>
+        <p:txBody>
+          <a:bodyPr wrap="square" rtlCol="0">
+            <a:spAutoFit/>
+          </a:bodyPr>
+          <a:lstStyle/>
+          <a:p>
+            <a:endParaRPr lang="fr-FR" dirty="0"/>
+          </a:p>
+        </p:txBody>
+      </p:sp>
+      <p:sp>
+        <p:nvSpPr>
+          <p:cNvPr id="2" name="ZoneTexte 1">
+            <a:extLst>
+              <a:ext uri="{FF2B5EF4-FFF2-40B4-BE49-F238E27FC236}">
+                <a16:creationId xmlns:a16="http://schemas.microsoft.com/office/drawing/2014/main" id="{B6BE2DBB-21FC-4CB9-B2B5-E64BB06FE8B1}"/>
+              </a:ext>
+            </a:extLst>
+          </p:cNvPr>
+          <p:cNvSpPr txBox="1"/>
+          <p:nvPr/>
+        </p:nvSpPr>
+        <p:spPr>
+          <a:xfrm>
+            <a:off x="1140643" y="2360315"/>
+            <a:ext cx="9869864" cy="1508105"/>
+          </a:xfrm>
+          <a:prstGeom prst="rect">
+            <a:avLst/>
+          </a:prstGeom>
+          <a:noFill/>
+        </p:spPr>
+        <p:txBody>
+          <a:bodyPr wrap="square" rtlCol="0">
+            <a:spAutoFit/>
+          </a:bodyPr>
+          <a:lstStyle/>
+          <a:p>
+            <a:pPr algn="ctr"/>
+            <a:r>
+              <a:rPr lang="fr-FR" sz="3200" b="1" dirty="0">
+                <a:latin typeface="Helvetica" panose="020B0604020202030204" pitchFamily="34" charset="0"/>
+              </a:rPr>
+              <a:t>REMERCIEMENTS</a:t>
+            </a:r>
+          </a:p>
+          <a:p>
+            <a:pPr algn="ctr"/>
+            <a:endParaRPr lang="fr-FR" sz="3200" dirty="0">
+              <a:latin typeface="Helvetica" panose="020B0604020202030204" pitchFamily="34" charset="0"/>
+            </a:endParaRPr>
+          </a:p>
+          <a:p>
+            <a:pPr algn="ctr"/>
+            <a:endParaRPr lang="fr-FR" sz="2800" dirty="0">
+              <a:latin typeface="Helvetica" panose="020B0604020202030204" pitchFamily="34" charset="0"/>
+            </a:endParaRPr>
+          </a:p>
+        </p:txBody>
+      </p:sp>
+    </p:spTree>
+    <p:extLst>
+      <p:ext uri="{BB962C8B-B14F-4D97-AF65-F5344CB8AC3E}">
+        <p14:creationId xmlns:p14="http://schemas.microsoft.com/office/powerpoint/2010/main" val="640220724"/>
       </p:ext>
     </p:extLst>
   </p:cSld>
@@ -3583,7 +8690,7 @@
         </p:blipFill>
         <p:spPr>
           <a:xfrm>
-            <a:off x="404990" y="0"/>
+            <a:off x="329574" y="0"/>
             <a:ext cx="1566153" cy="1342417"/>
           </a:xfrm>
           <a:prstGeom prst="rect">
@@ -3645,7 +8752,7 @@
         <p:spPr>
           <a:xfrm>
             <a:off x="2256817" y="1945532"/>
-            <a:ext cx="7665396" cy="2308324"/>
+            <a:ext cx="7665396" cy="3231654"/>
           </a:xfrm>
           <a:prstGeom prst="rect">
             <a:avLst/>
@@ -3658,47 +8765,64 @@
           </a:bodyPr>
           <a:lstStyle/>
           <a:p>
-            <a:r>
-              <a:rPr lang="fr-FR" dirty="0"/>
+            <a:pPr algn="ctr"/>
+            <a:r>
+              <a:rPr lang="fr-FR" sz="3200" b="1" dirty="0">
+                <a:latin typeface="Helvetica" panose="020B0604020202030204" pitchFamily="34" charset="0"/>
+              </a:rPr>
               <a:t>SOMMAIRE</a:t>
             </a:r>
           </a:p>
           <a:p>
-            <a:endParaRPr lang="fr-FR" dirty="0"/>
-          </a:p>
-          <a:p>
-            <a:r>
-              <a:rPr lang="fr-FR" dirty="0"/>
-              <a:t>Etude du projet</a:t>
-            </a:r>
-          </a:p>
-          <a:p>
-            <a:r>
-              <a:rPr lang="fr-FR" dirty="0"/>
+            <a:pPr algn="ctr"/>
+            <a:endParaRPr lang="fr-FR" sz="3200" dirty="0">
+              <a:latin typeface="Helvetica" panose="020B0604020202030204" pitchFamily="34" charset="0"/>
+            </a:endParaRPr>
+          </a:p>
+          <a:p>
+            <a:pPr algn="ctr"/>
+            <a:r>
+              <a:rPr lang="fr-FR" sz="2800" dirty="0">
+                <a:latin typeface="Helvetica" panose="020B0604020202030204" pitchFamily="34" charset="0"/>
+              </a:rPr>
+              <a:t>Etude du projet et analyse des besoins</a:t>
+            </a:r>
+          </a:p>
+          <a:p>
+            <a:pPr algn="ctr"/>
+            <a:r>
+              <a:rPr lang="fr-FR" sz="2800" dirty="0">
+                <a:latin typeface="Helvetica" panose="020B0604020202030204" pitchFamily="34" charset="0"/>
+              </a:rPr>
+              <a:t>Organisation des tâches</a:t>
+            </a:r>
+          </a:p>
+          <a:p>
+            <a:pPr algn="ctr"/>
+            <a:r>
+              <a:rPr lang="fr-FR" sz="2800" dirty="0">
+                <a:latin typeface="Helvetica" panose="020B0604020202030204" pitchFamily="34" charset="0"/>
+              </a:rPr>
               <a:t>Développement</a:t>
             </a:r>
           </a:p>
           <a:p>
-            <a:r>
-              <a:rPr lang="fr-FR" dirty="0"/>
-              <a:t>Pétage d’anus</a:t>
-            </a:r>
-          </a:p>
-          <a:p>
-            <a:r>
-              <a:rPr lang="fr-FR" dirty="0"/>
-              <a:t>Carbonisation du corps de la victime</a:t>
-            </a:r>
-          </a:p>
-          <a:p>
-            <a:r>
-              <a:rPr lang="fr-FR" dirty="0" err="1"/>
-              <a:t>Conculsion</a:t>
-            </a:r>
-            <a:endParaRPr lang="fr-FR" dirty="0"/>
-          </a:p>
-          <a:p>
-            <a:endParaRPr lang="fr-FR" dirty="0"/>
+            <a:pPr algn="ctr"/>
+            <a:r>
+              <a:rPr lang="fr-FR" sz="2800" dirty="0">
+                <a:latin typeface="Helvetica" panose="020B0604020202030204" pitchFamily="34" charset="0"/>
+              </a:rPr>
+              <a:t>Tests et intégration</a:t>
+            </a:r>
+          </a:p>
+          <a:p>
+            <a:pPr algn="ctr"/>
+            <a:r>
+              <a:rPr lang="fr-FR" sz="2800" dirty="0">
+                <a:latin typeface="Helvetica" panose="020B0604020202030204" pitchFamily="34" charset="0"/>
+              </a:rPr>
+              <a:t>Conclusion et perspectives</a:t>
+            </a:r>
           </a:p>
         </p:txBody>
       </p:sp>
@@ -3962,7 +9086,7 @@
                   </a:effectLst>
                   <a:latin typeface="Helvetica" panose="020B0604020202030204" pitchFamily="34" charset="0"/>
                 </a:rPr>
-                <a:t>Développement</a:t>
+                <a:t>Organisation</a:t>
               </a:r>
             </a:p>
           </p:txBody>
@@ -4017,11 +9141,20 @@
             <a:lstStyle/>
             <a:p>
               <a:pPr algn="ctr"/>
-              <a:endParaRPr lang="fr-FR" dirty="0">
-                <a:solidFill>
-                  <a:schemeClr val="tx1"/>
-                </a:solidFill>
-              </a:endParaRPr>
+              <a:r>
+                <a:rPr lang="fr-FR" sz="1500" b="1" dirty="0">
+                  <a:solidFill>
+                    <a:schemeClr val="bg1"/>
+                  </a:solidFill>
+                  <a:effectLst>
+                    <a:outerShdw blurRad="38100" dist="76200" dir="2700000" algn="tl">
+                      <a:srgbClr val="000000"/>
+                    </a:outerShdw>
+                  </a:effectLst>
+                  <a:latin typeface="Helvetica" panose="020B0604020202030204" pitchFamily="34" charset="0"/>
+                </a:rPr>
+                <a:t>Développement</a:t>
+              </a:r>
             </a:p>
           </p:txBody>
         </p:sp>
@@ -4075,7 +9208,21 @@
             <a:lstStyle/>
             <a:p>
               <a:pPr algn="ctr"/>
-              <a:endParaRPr lang="fr-FR" dirty="0">
+              <a:r>
+                <a:rPr lang="fr-FR" sz="1500" b="1" dirty="0">
+                  <a:solidFill>
+                    <a:schemeClr val="bg1"/>
+                  </a:solidFill>
+                  <a:effectLst>
+                    <a:outerShdw blurRad="38100" dist="76200" dir="2700000" algn="tl">
+                      <a:srgbClr val="000000"/>
+                    </a:outerShdw>
+                  </a:effectLst>
+                  <a:latin typeface="Helvetica" panose="020B0604020202030204" pitchFamily="34" charset="0"/>
+                </a:rPr>
+                <a:t>Démonstration</a:t>
+              </a:r>
+              <a:endParaRPr lang="fr-FR" sz="1500" dirty="0">
                 <a:solidFill>
                   <a:schemeClr val="tx1"/>
                 </a:solidFill>
@@ -4159,10 +9306,3608 @@
           </a:p>
         </p:txBody>
       </p:sp>
+      <p:sp>
+        <p:nvSpPr>
+          <p:cNvPr id="2" name="ZoneTexte 1">
+            <a:extLst>
+              <a:ext uri="{FF2B5EF4-FFF2-40B4-BE49-F238E27FC236}">
+                <a16:creationId xmlns:a16="http://schemas.microsoft.com/office/drawing/2014/main" id="{40B2DBE0-4B31-4A4D-80D2-BF8EE6286B82}"/>
+              </a:ext>
+            </a:extLst>
+          </p:cNvPr>
+          <p:cNvSpPr txBox="1"/>
+          <p:nvPr/>
+        </p:nvSpPr>
+        <p:spPr>
+          <a:xfrm>
+            <a:off x="1090367" y="1674695"/>
+            <a:ext cx="10011266" cy="4678204"/>
+          </a:xfrm>
+          <a:prstGeom prst="rect">
+            <a:avLst/>
+          </a:prstGeom>
+          <a:noFill/>
+        </p:spPr>
+        <p:txBody>
+          <a:bodyPr wrap="square" rtlCol="0">
+            <a:spAutoFit/>
+          </a:bodyPr>
+          <a:lstStyle/>
+          <a:p>
+            <a:r>
+              <a:rPr lang="fr-FR" sz="2800" dirty="0">
+                <a:latin typeface="Helvetica" panose="020B0604020202030204" pitchFamily="34" charset="0"/>
+                <a:cs typeface="Arial" panose="020B0604020202020204" pitchFamily="34" charset="0"/>
+              </a:rPr>
+              <a:t>Analyse technique et fonctionnelle du projet.</a:t>
+            </a:r>
+          </a:p>
+          <a:p>
+            <a:endParaRPr lang="fr-FR" sz="2800" dirty="0">
+              <a:latin typeface="Helvetica" panose="020B0604020202030204" pitchFamily="34" charset="0"/>
+              <a:cs typeface="Arial" panose="020B0604020202020204" pitchFamily="34" charset="0"/>
+            </a:endParaRPr>
+          </a:p>
+          <a:p>
+            <a:r>
+              <a:rPr lang="fr-FR" sz="2800" dirty="0">
+                <a:latin typeface="Helvetica" panose="020B0604020202030204" pitchFamily="34" charset="0"/>
+                <a:cs typeface="Arial" panose="020B0604020202020204" pitchFamily="34" charset="0"/>
+              </a:rPr>
+              <a:t>Elaboration des objectifs :</a:t>
+            </a:r>
+          </a:p>
+          <a:p>
+            <a:pPr lvl="1"/>
+            <a:r>
+              <a:rPr lang="fr-FR" sz="2800" dirty="0">
+                <a:latin typeface="Helvetica" panose="020B0604020202030204" pitchFamily="34" charset="0"/>
+                <a:cs typeface="Arial" panose="020B0604020202020204" pitchFamily="34" charset="0"/>
+              </a:rPr>
+              <a:t>-Règle des 3 clics,</a:t>
+            </a:r>
+          </a:p>
+          <a:p>
+            <a:pPr lvl="1"/>
+            <a:r>
+              <a:rPr lang="fr-FR" sz="2800" dirty="0">
+                <a:latin typeface="Helvetica" panose="020B0604020202030204" pitchFamily="34" charset="0"/>
+                <a:cs typeface="Arial" panose="020B0604020202020204" pitchFamily="34" charset="0"/>
+              </a:rPr>
+              <a:t>-Fluidité,</a:t>
+            </a:r>
+          </a:p>
+          <a:p>
+            <a:pPr lvl="1"/>
+            <a:r>
+              <a:rPr lang="fr-FR" sz="2800" dirty="0">
+                <a:latin typeface="Helvetica" panose="020B0604020202030204" pitchFamily="34" charset="0"/>
+                <a:cs typeface="Arial" panose="020B0604020202020204" pitchFamily="34" charset="0"/>
+              </a:rPr>
+              <a:t>-Design.</a:t>
+            </a:r>
+          </a:p>
+          <a:p>
+            <a:pPr marL="457200" indent="-457200">
+              <a:buFont typeface="Arial" panose="020B0604020202020204" pitchFamily="34" charset="0"/>
+              <a:buChar char="•"/>
+            </a:pPr>
+            <a:endParaRPr lang="fr-FR" sz="2800" dirty="0">
+              <a:latin typeface="Helvetica" panose="020B0604020202030204" pitchFamily="34" charset="0"/>
+              <a:cs typeface="Arial" panose="020B0604020202020204" pitchFamily="34" charset="0"/>
+            </a:endParaRPr>
+          </a:p>
+          <a:p>
+            <a:r>
+              <a:rPr lang="fr-FR" sz="2800" dirty="0">
+                <a:latin typeface="Helvetica" panose="020B0604020202030204" pitchFamily="34" charset="0"/>
+                <a:cs typeface="Arial" panose="020B0604020202020204" pitchFamily="34" charset="0"/>
+              </a:rPr>
+              <a:t>Mise en place des solutions techniques.</a:t>
+            </a:r>
+          </a:p>
+          <a:p>
+            <a:endParaRPr lang="fr-FR" sz="2800" dirty="0">
+              <a:latin typeface="Helvetica" panose="020B0604020202030204" pitchFamily="34" charset="0"/>
+              <a:cs typeface="Arial" panose="020B0604020202020204" pitchFamily="34" charset="0"/>
+            </a:endParaRPr>
+          </a:p>
+          <a:p>
+            <a:r>
+              <a:rPr lang="fr-FR" sz="2800" dirty="0">
+                <a:latin typeface="Helvetica" panose="020B0604020202030204" pitchFamily="34" charset="0"/>
+                <a:cs typeface="Arial" panose="020B0604020202020204" pitchFamily="34" charset="0"/>
+              </a:rPr>
+              <a:t>Définition des tâches et répartition par spécialisation.</a:t>
+            </a:r>
+          </a:p>
+          <a:p>
+            <a:endParaRPr lang="fr-FR" dirty="0"/>
+          </a:p>
+        </p:txBody>
+      </p:sp>
     </p:spTree>
     <p:extLst>
       <p:ext uri="{BB962C8B-B14F-4D97-AF65-F5344CB8AC3E}">
         <p14:creationId xmlns:p14="http://schemas.microsoft.com/office/powerpoint/2010/main" val="1971884483"/>
+      </p:ext>
+    </p:extLst>
+  </p:cSld>
+  <p:clrMapOvr>
+    <a:masterClrMapping/>
+  </p:clrMapOvr>
+</p:sld>
+</file>
+
+<file path=ppt/slides/slide4.xml><?xml version="1.0" encoding="utf-8"?>
+<p:sld xmlns:a="http://schemas.openxmlformats.org/drawingml/2006/main" xmlns:r="http://schemas.openxmlformats.org/officeDocument/2006/relationships" xmlns:p="http://schemas.openxmlformats.org/presentationml/2006/main">
+  <p:cSld>
+    <p:bg>
+      <p:bgPr>
+        <a:blipFill dpi="0" rotWithShape="1">
+          <a:blip r:embed="rId2">
+            <a:lum/>
+          </a:blip>
+          <a:srcRect/>
+          <a:stretch>
+            <a:fillRect/>
+          </a:stretch>
+        </a:blipFill>
+        <a:effectLst/>
+      </p:bgPr>
+    </p:bg>
+    <p:spTree>
+      <p:nvGrpSpPr>
+        <p:cNvPr id="1" name=""/>
+        <p:cNvGrpSpPr/>
+        <p:nvPr/>
+      </p:nvGrpSpPr>
+      <p:grpSpPr>
+        <a:xfrm>
+          <a:off x="0" y="0"/>
+          <a:ext cx="0" cy="0"/>
+          <a:chOff x="0" y="0"/>
+          <a:chExt cx="0" cy="0"/>
+        </a:xfrm>
+      </p:grpSpPr>
+      <p:grpSp>
+        <p:nvGrpSpPr>
+          <p:cNvPr id="7" name="Groupe 6">
+            <a:extLst>
+              <a:ext uri="{FF2B5EF4-FFF2-40B4-BE49-F238E27FC236}">
+                <a16:creationId xmlns:a16="http://schemas.microsoft.com/office/drawing/2014/main" id="{67E81936-583F-45AD-82CC-A5C937F4C87C}"/>
+              </a:ext>
+            </a:extLst>
+          </p:cNvPr>
+          <p:cNvGrpSpPr/>
+          <p:nvPr/>
+        </p:nvGrpSpPr>
+        <p:grpSpPr>
+          <a:xfrm>
+            <a:off x="327166" y="0"/>
+            <a:ext cx="11251304" cy="1342417"/>
+            <a:chOff x="327166" y="0"/>
+            <a:chExt cx="11251304" cy="1342417"/>
+          </a:xfrm>
+        </p:grpSpPr>
+        <p:sp>
+          <p:nvSpPr>
+            <p:cNvPr id="4" name="Flèche : chevron 3">
+              <a:extLst>
+                <a:ext uri="{FF2B5EF4-FFF2-40B4-BE49-F238E27FC236}">
+                  <a16:creationId xmlns:a16="http://schemas.microsoft.com/office/drawing/2014/main" id="{60D600DE-6FA0-4280-A81A-6DBE7691E92C}"/>
+                </a:ext>
+              </a:extLst>
+            </p:cNvPr>
+            <p:cNvSpPr/>
+            <p:nvPr/>
+          </p:nvSpPr>
+          <p:spPr>
+            <a:xfrm>
+              <a:off x="1268691" y="332278"/>
+              <a:ext cx="2309567" cy="688157"/>
+            </a:xfrm>
+            <a:prstGeom prst="chevron">
+              <a:avLst/>
+            </a:prstGeom>
+            <a:solidFill>
+              <a:srgbClr val="88CE62"/>
+            </a:solidFill>
+            <a:ln>
+              <a:solidFill>
+                <a:schemeClr val="bg1"/>
+              </a:solidFill>
+            </a:ln>
+          </p:spPr>
+          <p:style>
+            <a:lnRef idx="2">
+              <a:schemeClr val="accent1">
+                <a:shade val="50000"/>
+              </a:schemeClr>
+            </a:lnRef>
+            <a:fillRef idx="1">
+              <a:schemeClr val="accent1"/>
+            </a:fillRef>
+            <a:effectRef idx="0">
+              <a:schemeClr val="accent1"/>
+            </a:effectRef>
+            <a:fontRef idx="minor">
+              <a:schemeClr val="lt1"/>
+            </a:fontRef>
+          </p:style>
+          <p:txBody>
+            <a:bodyPr rtlCol="0" anchor="ctr"/>
+            <a:lstStyle/>
+            <a:p>
+              <a:pPr algn="ctr"/>
+              <a:r>
+                <a:rPr lang="fr-FR" sz="1500" b="1" dirty="0">
+                  <a:solidFill>
+                    <a:schemeClr val="bg1"/>
+                  </a:solidFill>
+                  <a:effectLst>
+                    <a:outerShdw blurRad="38100" dist="76200" dir="2700000" algn="tl">
+                      <a:srgbClr val="000000"/>
+                    </a:outerShdw>
+                  </a:effectLst>
+                  <a:latin typeface="Helvetica" panose="020B0604020202030204" pitchFamily="34" charset="0"/>
+                </a:rPr>
+                <a:t>Etude du projet</a:t>
+              </a:r>
+            </a:p>
+          </p:txBody>
+        </p:sp>
+        <p:sp>
+          <p:nvSpPr>
+            <p:cNvPr id="16" name="Flèche : chevron 15">
+              <a:extLst>
+                <a:ext uri="{FF2B5EF4-FFF2-40B4-BE49-F238E27FC236}">
+                  <a16:creationId xmlns:a16="http://schemas.microsoft.com/office/drawing/2014/main" id="{F7655D32-22EC-4542-883E-4033865C1471}"/>
+                </a:ext>
+              </a:extLst>
+            </p:cNvPr>
+            <p:cNvSpPr/>
+            <p:nvPr/>
+          </p:nvSpPr>
+          <p:spPr>
+            <a:xfrm>
+              <a:off x="9268903" y="332277"/>
+              <a:ext cx="2309567" cy="688157"/>
+            </a:xfrm>
+            <a:prstGeom prst="chevron">
+              <a:avLst/>
+            </a:prstGeom>
+            <a:solidFill>
+              <a:srgbClr val="FED449"/>
+            </a:solidFill>
+            <a:ln>
+              <a:solidFill>
+                <a:schemeClr val="bg1"/>
+              </a:solidFill>
+            </a:ln>
+          </p:spPr>
+          <p:style>
+            <a:lnRef idx="2">
+              <a:schemeClr val="accent1">
+                <a:shade val="50000"/>
+              </a:schemeClr>
+            </a:lnRef>
+            <a:fillRef idx="1">
+              <a:schemeClr val="accent1"/>
+            </a:fillRef>
+            <a:effectRef idx="0">
+              <a:schemeClr val="accent1"/>
+            </a:effectRef>
+            <a:fontRef idx="minor">
+              <a:schemeClr val="lt1"/>
+            </a:fontRef>
+          </p:style>
+          <p:txBody>
+            <a:bodyPr rtlCol="0" anchor="ctr"/>
+            <a:lstStyle/>
+            <a:p>
+              <a:pPr algn="ctr"/>
+              <a:r>
+                <a:rPr lang="fr-FR" sz="1600" b="1" dirty="0">
+                  <a:solidFill>
+                    <a:schemeClr val="bg1"/>
+                  </a:solidFill>
+                  <a:effectLst>
+                    <a:outerShdw blurRad="38100" dist="76200" dir="2700000" algn="tl">
+                      <a:srgbClr val="000000"/>
+                    </a:outerShdw>
+                  </a:effectLst>
+                  <a:latin typeface="Helvetica" panose="020B0604020202030204" pitchFamily="34" charset="0"/>
+                </a:rPr>
+                <a:t>Conclusion</a:t>
+              </a:r>
+            </a:p>
+          </p:txBody>
+        </p:sp>
+        <p:sp>
+          <p:nvSpPr>
+            <p:cNvPr id="17" name="Flèche : chevron 16">
+              <a:extLst>
+                <a:ext uri="{FF2B5EF4-FFF2-40B4-BE49-F238E27FC236}">
+                  <a16:creationId xmlns:a16="http://schemas.microsoft.com/office/drawing/2014/main" id="{30C36617-CB5C-40F8-B05D-7053886FD5EF}"/>
+                </a:ext>
+              </a:extLst>
+            </p:cNvPr>
+            <p:cNvSpPr/>
+            <p:nvPr/>
+          </p:nvSpPr>
+          <p:spPr>
+            <a:xfrm>
+              <a:off x="3268744" y="332277"/>
+              <a:ext cx="2309567" cy="688157"/>
+            </a:xfrm>
+            <a:prstGeom prst="chevron">
+              <a:avLst/>
+            </a:prstGeom>
+            <a:solidFill>
+              <a:srgbClr val="FED449"/>
+            </a:solidFill>
+            <a:ln>
+              <a:solidFill>
+                <a:schemeClr val="bg1"/>
+              </a:solidFill>
+            </a:ln>
+          </p:spPr>
+          <p:style>
+            <a:lnRef idx="2">
+              <a:schemeClr val="accent1">
+                <a:shade val="50000"/>
+              </a:schemeClr>
+            </a:lnRef>
+            <a:fillRef idx="1">
+              <a:schemeClr val="accent1"/>
+            </a:fillRef>
+            <a:effectRef idx="0">
+              <a:schemeClr val="accent1"/>
+            </a:effectRef>
+            <a:fontRef idx="minor">
+              <a:schemeClr val="lt1"/>
+            </a:fontRef>
+          </p:style>
+          <p:txBody>
+            <a:bodyPr rtlCol="0" anchor="ctr"/>
+            <a:lstStyle/>
+            <a:p>
+              <a:pPr algn="ctr"/>
+              <a:r>
+                <a:rPr lang="fr-FR" sz="1500" b="1" dirty="0">
+                  <a:solidFill>
+                    <a:schemeClr val="bg1"/>
+                  </a:solidFill>
+                  <a:effectLst>
+                    <a:outerShdw blurRad="38100" dist="76200" dir="2700000" algn="tl">
+                      <a:srgbClr val="000000"/>
+                    </a:outerShdw>
+                  </a:effectLst>
+                  <a:latin typeface="Helvetica" panose="020B0604020202030204" pitchFamily="34" charset="0"/>
+                </a:rPr>
+                <a:t>Organisation</a:t>
+              </a:r>
+            </a:p>
+          </p:txBody>
+        </p:sp>
+        <p:sp>
+          <p:nvSpPr>
+            <p:cNvPr id="18" name="Flèche : chevron 17">
+              <a:extLst>
+                <a:ext uri="{FF2B5EF4-FFF2-40B4-BE49-F238E27FC236}">
+                  <a16:creationId xmlns:a16="http://schemas.microsoft.com/office/drawing/2014/main" id="{A33478E5-51C7-4324-9E5C-0845E032CF0C}"/>
+                </a:ext>
+              </a:extLst>
+            </p:cNvPr>
+            <p:cNvSpPr/>
+            <p:nvPr/>
+          </p:nvSpPr>
+          <p:spPr>
+            <a:xfrm>
+              <a:off x="5268797" y="332704"/>
+              <a:ext cx="2309567" cy="688157"/>
+            </a:xfrm>
+            <a:prstGeom prst="chevron">
+              <a:avLst/>
+            </a:prstGeom>
+            <a:solidFill>
+              <a:srgbClr val="FED449"/>
+            </a:solidFill>
+            <a:ln>
+              <a:solidFill>
+                <a:schemeClr val="bg1"/>
+              </a:solidFill>
+            </a:ln>
+          </p:spPr>
+          <p:style>
+            <a:lnRef idx="2">
+              <a:schemeClr val="accent1">
+                <a:shade val="50000"/>
+              </a:schemeClr>
+            </a:lnRef>
+            <a:fillRef idx="1">
+              <a:schemeClr val="accent1"/>
+            </a:fillRef>
+            <a:effectRef idx="0">
+              <a:schemeClr val="accent1"/>
+            </a:effectRef>
+            <a:fontRef idx="minor">
+              <a:schemeClr val="lt1"/>
+            </a:fontRef>
+          </p:style>
+          <p:txBody>
+            <a:bodyPr rtlCol="0" anchor="ctr"/>
+            <a:lstStyle/>
+            <a:p>
+              <a:pPr algn="ctr"/>
+              <a:r>
+                <a:rPr lang="fr-FR" sz="1500" b="1" dirty="0">
+                  <a:solidFill>
+                    <a:schemeClr val="bg1"/>
+                  </a:solidFill>
+                  <a:effectLst>
+                    <a:outerShdw blurRad="38100" dist="76200" dir="2700000" algn="tl">
+                      <a:srgbClr val="000000"/>
+                    </a:outerShdw>
+                  </a:effectLst>
+                  <a:latin typeface="Helvetica" panose="020B0604020202030204" pitchFamily="34" charset="0"/>
+                </a:rPr>
+                <a:t>Développement</a:t>
+              </a:r>
+            </a:p>
+          </p:txBody>
+        </p:sp>
+        <p:sp>
+          <p:nvSpPr>
+            <p:cNvPr id="19" name="Flèche : chevron 18">
+              <a:extLst>
+                <a:ext uri="{FF2B5EF4-FFF2-40B4-BE49-F238E27FC236}">
+                  <a16:creationId xmlns:a16="http://schemas.microsoft.com/office/drawing/2014/main" id="{8795E004-010B-4219-8B10-37FA6D3A7781}"/>
+                </a:ext>
+              </a:extLst>
+            </p:cNvPr>
+            <p:cNvSpPr/>
+            <p:nvPr/>
+          </p:nvSpPr>
+          <p:spPr>
+            <a:xfrm>
+              <a:off x="7268850" y="332703"/>
+              <a:ext cx="2309567" cy="688157"/>
+            </a:xfrm>
+            <a:prstGeom prst="chevron">
+              <a:avLst/>
+            </a:prstGeom>
+            <a:solidFill>
+              <a:srgbClr val="FED449"/>
+            </a:solidFill>
+            <a:ln>
+              <a:solidFill>
+                <a:schemeClr val="bg1"/>
+              </a:solidFill>
+            </a:ln>
+          </p:spPr>
+          <p:style>
+            <a:lnRef idx="2">
+              <a:schemeClr val="accent1">
+                <a:shade val="50000"/>
+              </a:schemeClr>
+            </a:lnRef>
+            <a:fillRef idx="1">
+              <a:schemeClr val="accent1"/>
+            </a:fillRef>
+            <a:effectRef idx="0">
+              <a:schemeClr val="accent1"/>
+            </a:effectRef>
+            <a:fontRef idx="minor">
+              <a:schemeClr val="lt1"/>
+            </a:fontRef>
+          </p:style>
+          <p:txBody>
+            <a:bodyPr rtlCol="0" anchor="ctr"/>
+            <a:lstStyle/>
+            <a:p>
+              <a:pPr algn="ctr"/>
+              <a:r>
+                <a:rPr lang="fr-FR" sz="1500" b="1" dirty="0">
+                  <a:solidFill>
+                    <a:schemeClr val="bg1"/>
+                  </a:solidFill>
+                  <a:effectLst>
+                    <a:outerShdw blurRad="38100" dist="76200" dir="2700000" algn="tl">
+                      <a:srgbClr val="000000"/>
+                    </a:outerShdw>
+                  </a:effectLst>
+                  <a:latin typeface="Helvetica" panose="020B0604020202030204" pitchFamily="34" charset="0"/>
+                </a:rPr>
+                <a:t>Démonstration</a:t>
+              </a:r>
+              <a:endParaRPr lang="fr-FR" sz="1500" dirty="0">
+                <a:solidFill>
+                  <a:schemeClr val="tx1"/>
+                </a:solidFill>
+              </a:endParaRPr>
+            </a:p>
+          </p:txBody>
+        </p:sp>
+        <p:pic>
+          <p:nvPicPr>
+            <p:cNvPr id="6" name="Image 5">
+              <a:extLst>
+                <a:ext uri="{FF2B5EF4-FFF2-40B4-BE49-F238E27FC236}">
+                  <a16:creationId xmlns:a16="http://schemas.microsoft.com/office/drawing/2014/main" id="{2D0A881D-5AC2-4766-BD4C-5405D55C11A5}"/>
+                </a:ext>
+              </a:extLst>
+            </p:cNvPr>
+            <p:cNvPicPr>
+              <a:picLocks noChangeAspect="1"/>
+            </p:cNvPicPr>
+            <p:nvPr/>
+          </p:nvPicPr>
+          <p:blipFill>
+            <a:blip r:embed="rId3">
+              <a:extLst>
+                <a:ext uri="{28A0092B-C50C-407E-A947-70E740481C1C}">
+                  <a14:useLocalDpi xmlns:a14="http://schemas.microsoft.com/office/drawing/2010/main" val="0"/>
+                </a:ext>
+              </a:extLst>
+            </a:blip>
+            <a:stretch>
+              <a:fillRect/>
+            </a:stretch>
+          </p:blipFill>
+          <p:spPr>
+            <a:xfrm>
+              <a:off x="327166" y="0"/>
+              <a:ext cx="1566153" cy="1342417"/>
+            </a:xfrm>
+            <a:prstGeom prst="rect">
+              <a:avLst/>
+            </a:prstGeom>
+          </p:spPr>
+        </p:pic>
+      </p:grpSp>
+      <p:sp>
+        <p:nvSpPr>
+          <p:cNvPr id="10" name="ZoneTexte 9">
+            <a:extLst>
+              <a:ext uri="{FF2B5EF4-FFF2-40B4-BE49-F238E27FC236}">
+                <a16:creationId xmlns:a16="http://schemas.microsoft.com/office/drawing/2014/main" id="{CE36D8FB-1CD3-4D19-A954-A2CE97724692}"/>
+              </a:ext>
+            </a:extLst>
+          </p:cNvPr>
+          <p:cNvSpPr txBox="1"/>
+          <p:nvPr/>
+        </p:nvSpPr>
+        <p:spPr>
+          <a:xfrm>
+            <a:off x="336894" y="1225685"/>
+            <a:ext cx="11472482" cy="5369668"/>
+          </a:xfrm>
+          <a:prstGeom prst="rect">
+            <a:avLst/>
+          </a:prstGeom>
+          <a:solidFill>
+            <a:srgbClr val="FED449">
+              <a:alpha val="50000"/>
+            </a:srgbClr>
+          </a:solidFill>
+          <a:effectLst>
+            <a:softEdge rad="152400"/>
+          </a:effectLst>
+        </p:spPr>
+        <p:txBody>
+          <a:bodyPr wrap="square" rtlCol="0">
+            <a:spAutoFit/>
+          </a:bodyPr>
+          <a:lstStyle/>
+          <a:p>
+            <a:endParaRPr lang="fr-FR" dirty="0"/>
+          </a:p>
+        </p:txBody>
+      </p:sp>
+      <p:sp>
+        <p:nvSpPr>
+          <p:cNvPr id="2" name="ZoneTexte 1">
+            <a:extLst>
+              <a:ext uri="{FF2B5EF4-FFF2-40B4-BE49-F238E27FC236}">
+                <a16:creationId xmlns:a16="http://schemas.microsoft.com/office/drawing/2014/main" id="{40B2DBE0-4B31-4A4D-80D2-BF8EE6286B82}"/>
+              </a:ext>
+            </a:extLst>
+          </p:cNvPr>
+          <p:cNvSpPr txBox="1"/>
+          <p:nvPr/>
+        </p:nvSpPr>
+        <p:spPr>
+          <a:xfrm>
+            <a:off x="1090367" y="1674695"/>
+            <a:ext cx="10011266" cy="800219"/>
+          </a:xfrm>
+          <a:prstGeom prst="rect">
+            <a:avLst/>
+          </a:prstGeom>
+          <a:noFill/>
+        </p:spPr>
+        <p:txBody>
+          <a:bodyPr wrap="square" rtlCol="0">
+            <a:spAutoFit/>
+          </a:bodyPr>
+          <a:lstStyle/>
+          <a:p>
+            <a:r>
+              <a:rPr lang="fr-FR" sz="2800" b="1" dirty="0">
+                <a:latin typeface="Helvetica" panose="020B0604020202030204" pitchFamily="34" charset="0"/>
+                <a:cs typeface="Arial" panose="020B0604020202020204" pitchFamily="34" charset="0"/>
+              </a:rPr>
+              <a:t>Schéma du site</a:t>
+            </a:r>
+          </a:p>
+          <a:p>
+            <a:endParaRPr lang="fr-FR" dirty="0"/>
+          </a:p>
+        </p:txBody>
+      </p:sp>
+      <p:pic>
+        <p:nvPicPr>
+          <p:cNvPr id="5" name="Image 4" descr="Une image contenant capture d’écran&#10;&#10;Description générée avec un niveau de confiance très élevé">
+            <a:extLst>
+              <a:ext uri="{FF2B5EF4-FFF2-40B4-BE49-F238E27FC236}">
+                <a16:creationId xmlns:a16="http://schemas.microsoft.com/office/drawing/2014/main" id="{0674EBB4-2E09-4818-9E7A-3A8BAA39B9F5}"/>
+              </a:ext>
+            </a:extLst>
+          </p:cNvPr>
+          <p:cNvPicPr>
+            <a:picLocks noChangeAspect="1"/>
+          </p:cNvPicPr>
+          <p:nvPr/>
+        </p:nvPicPr>
+        <p:blipFill>
+          <a:blip r:embed="rId4">
+            <a:extLst>
+              <a:ext uri="{28A0092B-C50C-407E-A947-70E740481C1C}">
+                <a14:useLocalDpi xmlns:a14="http://schemas.microsoft.com/office/drawing/2010/main" val="0"/>
+              </a:ext>
+            </a:extLst>
+          </a:blip>
+          <a:stretch>
+            <a:fillRect/>
+          </a:stretch>
+        </p:blipFill>
+        <p:spPr>
+          <a:xfrm>
+            <a:off x="920115" y="1451727"/>
+            <a:ext cx="10146957" cy="5017801"/>
+          </a:xfrm>
+          <a:prstGeom prst="rect">
+            <a:avLst/>
+          </a:prstGeom>
+        </p:spPr>
+      </p:pic>
+    </p:spTree>
+    <p:extLst>
+      <p:ext uri="{BB962C8B-B14F-4D97-AF65-F5344CB8AC3E}">
+        <p14:creationId xmlns:p14="http://schemas.microsoft.com/office/powerpoint/2010/main" val="2581058484"/>
+      </p:ext>
+    </p:extLst>
+  </p:cSld>
+  <p:clrMapOvr>
+    <a:masterClrMapping/>
+  </p:clrMapOvr>
+</p:sld>
+</file>
+
+<file path=ppt/slides/slide5.xml><?xml version="1.0" encoding="utf-8"?>
+<p:sld xmlns:a="http://schemas.openxmlformats.org/drawingml/2006/main" xmlns:r="http://schemas.openxmlformats.org/officeDocument/2006/relationships" xmlns:p="http://schemas.openxmlformats.org/presentationml/2006/main">
+  <p:cSld>
+    <p:bg>
+      <p:bgPr>
+        <a:blipFill dpi="0" rotWithShape="1">
+          <a:blip r:embed="rId2">
+            <a:lum/>
+          </a:blip>
+          <a:srcRect/>
+          <a:stretch>
+            <a:fillRect/>
+          </a:stretch>
+        </a:blipFill>
+        <a:effectLst/>
+      </p:bgPr>
+    </p:bg>
+    <p:spTree>
+      <p:nvGrpSpPr>
+        <p:cNvPr id="1" name=""/>
+        <p:cNvGrpSpPr/>
+        <p:nvPr/>
+      </p:nvGrpSpPr>
+      <p:grpSpPr>
+        <a:xfrm>
+          <a:off x="0" y="0"/>
+          <a:ext cx="0" cy="0"/>
+          <a:chOff x="0" y="0"/>
+          <a:chExt cx="0" cy="0"/>
+        </a:xfrm>
+      </p:grpSpPr>
+      <p:grpSp>
+        <p:nvGrpSpPr>
+          <p:cNvPr id="7" name="Groupe 6">
+            <a:extLst>
+              <a:ext uri="{FF2B5EF4-FFF2-40B4-BE49-F238E27FC236}">
+                <a16:creationId xmlns:a16="http://schemas.microsoft.com/office/drawing/2014/main" id="{67E81936-583F-45AD-82CC-A5C937F4C87C}"/>
+              </a:ext>
+            </a:extLst>
+          </p:cNvPr>
+          <p:cNvGrpSpPr/>
+          <p:nvPr/>
+        </p:nvGrpSpPr>
+        <p:grpSpPr>
+          <a:xfrm>
+            <a:off x="327166" y="0"/>
+            <a:ext cx="11251304" cy="1342417"/>
+            <a:chOff x="327166" y="0"/>
+            <a:chExt cx="11251304" cy="1342417"/>
+          </a:xfrm>
+        </p:grpSpPr>
+        <p:sp>
+          <p:nvSpPr>
+            <p:cNvPr id="4" name="Flèche : chevron 3">
+              <a:extLst>
+                <a:ext uri="{FF2B5EF4-FFF2-40B4-BE49-F238E27FC236}">
+                  <a16:creationId xmlns:a16="http://schemas.microsoft.com/office/drawing/2014/main" id="{60D600DE-6FA0-4280-A81A-6DBE7691E92C}"/>
+                </a:ext>
+              </a:extLst>
+            </p:cNvPr>
+            <p:cNvSpPr/>
+            <p:nvPr/>
+          </p:nvSpPr>
+          <p:spPr>
+            <a:xfrm>
+              <a:off x="1268691" y="332278"/>
+              <a:ext cx="2309567" cy="688157"/>
+            </a:xfrm>
+            <a:prstGeom prst="chevron">
+              <a:avLst/>
+            </a:prstGeom>
+            <a:solidFill>
+              <a:srgbClr val="88CE62"/>
+            </a:solidFill>
+            <a:ln>
+              <a:solidFill>
+                <a:schemeClr val="bg1"/>
+              </a:solidFill>
+            </a:ln>
+          </p:spPr>
+          <p:style>
+            <a:lnRef idx="2">
+              <a:schemeClr val="accent1">
+                <a:shade val="50000"/>
+              </a:schemeClr>
+            </a:lnRef>
+            <a:fillRef idx="1">
+              <a:schemeClr val="accent1"/>
+            </a:fillRef>
+            <a:effectRef idx="0">
+              <a:schemeClr val="accent1"/>
+            </a:effectRef>
+            <a:fontRef idx="minor">
+              <a:schemeClr val="lt1"/>
+            </a:fontRef>
+          </p:style>
+          <p:txBody>
+            <a:bodyPr rtlCol="0" anchor="ctr"/>
+            <a:lstStyle/>
+            <a:p>
+              <a:pPr algn="ctr"/>
+              <a:r>
+                <a:rPr lang="fr-FR" sz="1500" b="1" dirty="0">
+                  <a:solidFill>
+                    <a:schemeClr val="bg1"/>
+                  </a:solidFill>
+                  <a:effectLst>
+                    <a:outerShdw blurRad="38100" dist="76200" dir="2700000" algn="tl">
+                      <a:srgbClr val="000000"/>
+                    </a:outerShdw>
+                  </a:effectLst>
+                  <a:latin typeface="Helvetica" panose="020B0604020202030204" pitchFamily="34" charset="0"/>
+                </a:rPr>
+                <a:t>Etude du projet</a:t>
+              </a:r>
+            </a:p>
+          </p:txBody>
+        </p:sp>
+        <p:sp>
+          <p:nvSpPr>
+            <p:cNvPr id="16" name="Flèche : chevron 15">
+              <a:extLst>
+                <a:ext uri="{FF2B5EF4-FFF2-40B4-BE49-F238E27FC236}">
+                  <a16:creationId xmlns:a16="http://schemas.microsoft.com/office/drawing/2014/main" id="{F7655D32-22EC-4542-883E-4033865C1471}"/>
+                </a:ext>
+              </a:extLst>
+            </p:cNvPr>
+            <p:cNvSpPr/>
+            <p:nvPr/>
+          </p:nvSpPr>
+          <p:spPr>
+            <a:xfrm>
+              <a:off x="9268903" y="332277"/>
+              <a:ext cx="2309567" cy="688157"/>
+            </a:xfrm>
+            <a:prstGeom prst="chevron">
+              <a:avLst/>
+            </a:prstGeom>
+            <a:solidFill>
+              <a:srgbClr val="FED449"/>
+            </a:solidFill>
+            <a:ln>
+              <a:solidFill>
+                <a:schemeClr val="bg1"/>
+              </a:solidFill>
+            </a:ln>
+          </p:spPr>
+          <p:style>
+            <a:lnRef idx="2">
+              <a:schemeClr val="accent1">
+                <a:shade val="50000"/>
+              </a:schemeClr>
+            </a:lnRef>
+            <a:fillRef idx="1">
+              <a:schemeClr val="accent1"/>
+            </a:fillRef>
+            <a:effectRef idx="0">
+              <a:schemeClr val="accent1"/>
+            </a:effectRef>
+            <a:fontRef idx="minor">
+              <a:schemeClr val="lt1"/>
+            </a:fontRef>
+          </p:style>
+          <p:txBody>
+            <a:bodyPr rtlCol="0" anchor="ctr"/>
+            <a:lstStyle/>
+            <a:p>
+              <a:pPr algn="ctr"/>
+              <a:r>
+                <a:rPr lang="fr-FR" sz="1600" b="1" dirty="0">
+                  <a:solidFill>
+                    <a:schemeClr val="bg1"/>
+                  </a:solidFill>
+                  <a:effectLst>
+                    <a:outerShdw blurRad="38100" dist="76200" dir="2700000" algn="tl">
+                      <a:srgbClr val="000000"/>
+                    </a:outerShdw>
+                  </a:effectLst>
+                  <a:latin typeface="Helvetica" panose="020B0604020202030204" pitchFamily="34" charset="0"/>
+                </a:rPr>
+                <a:t>Conclusion</a:t>
+              </a:r>
+            </a:p>
+          </p:txBody>
+        </p:sp>
+        <p:sp>
+          <p:nvSpPr>
+            <p:cNvPr id="17" name="Flèche : chevron 16">
+              <a:extLst>
+                <a:ext uri="{FF2B5EF4-FFF2-40B4-BE49-F238E27FC236}">
+                  <a16:creationId xmlns:a16="http://schemas.microsoft.com/office/drawing/2014/main" id="{30C36617-CB5C-40F8-B05D-7053886FD5EF}"/>
+                </a:ext>
+              </a:extLst>
+            </p:cNvPr>
+            <p:cNvSpPr/>
+            <p:nvPr/>
+          </p:nvSpPr>
+          <p:spPr>
+            <a:xfrm>
+              <a:off x="3268744" y="332277"/>
+              <a:ext cx="2309567" cy="688157"/>
+            </a:xfrm>
+            <a:prstGeom prst="chevron">
+              <a:avLst/>
+            </a:prstGeom>
+            <a:solidFill>
+              <a:srgbClr val="FED449"/>
+            </a:solidFill>
+            <a:ln>
+              <a:solidFill>
+                <a:schemeClr val="bg1"/>
+              </a:solidFill>
+            </a:ln>
+          </p:spPr>
+          <p:style>
+            <a:lnRef idx="2">
+              <a:schemeClr val="accent1">
+                <a:shade val="50000"/>
+              </a:schemeClr>
+            </a:lnRef>
+            <a:fillRef idx="1">
+              <a:schemeClr val="accent1"/>
+            </a:fillRef>
+            <a:effectRef idx="0">
+              <a:schemeClr val="accent1"/>
+            </a:effectRef>
+            <a:fontRef idx="minor">
+              <a:schemeClr val="lt1"/>
+            </a:fontRef>
+          </p:style>
+          <p:txBody>
+            <a:bodyPr rtlCol="0" anchor="ctr"/>
+            <a:lstStyle/>
+            <a:p>
+              <a:pPr algn="ctr"/>
+              <a:r>
+                <a:rPr lang="fr-FR" sz="1500" b="1" dirty="0">
+                  <a:solidFill>
+                    <a:schemeClr val="bg1"/>
+                  </a:solidFill>
+                  <a:effectLst>
+                    <a:outerShdw blurRad="38100" dist="76200" dir="2700000" algn="tl">
+                      <a:srgbClr val="000000"/>
+                    </a:outerShdw>
+                  </a:effectLst>
+                  <a:latin typeface="Helvetica" panose="020B0604020202030204" pitchFamily="34" charset="0"/>
+                </a:rPr>
+                <a:t>Organisation</a:t>
+              </a:r>
+            </a:p>
+          </p:txBody>
+        </p:sp>
+        <p:sp>
+          <p:nvSpPr>
+            <p:cNvPr id="18" name="Flèche : chevron 17">
+              <a:extLst>
+                <a:ext uri="{FF2B5EF4-FFF2-40B4-BE49-F238E27FC236}">
+                  <a16:creationId xmlns:a16="http://schemas.microsoft.com/office/drawing/2014/main" id="{A33478E5-51C7-4324-9E5C-0845E032CF0C}"/>
+                </a:ext>
+              </a:extLst>
+            </p:cNvPr>
+            <p:cNvSpPr/>
+            <p:nvPr/>
+          </p:nvSpPr>
+          <p:spPr>
+            <a:xfrm>
+              <a:off x="5268797" y="332704"/>
+              <a:ext cx="2309567" cy="688157"/>
+            </a:xfrm>
+            <a:prstGeom prst="chevron">
+              <a:avLst/>
+            </a:prstGeom>
+            <a:solidFill>
+              <a:srgbClr val="FED449"/>
+            </a:solidFill>
+            <a:ln>
+              <a:solidFill>
+                <a:schemeClr val="bg1"/>
+              </a:solidFill>
+            </a:ln>
+          </p:spPr>
+          <p:style>
+            <a:lnRef idx="2">
+              <a:schemeClr val="accent1">
+                <a:shade val="50000"/>
+              </a:schemeClr>
+            </a:lnRef>
+            <a:fillRef idx="1">
+              <a:schemeClr val="accent1"/>
+            </a:fillRef>
+            <a:effectRef idx="0">
+              <a:schemeClr val="accent1"/>
+            </a:effectRef>
+            <a:fontRef idx="minor">
+              <a:schemeClr val="lt1"/>
+            </a:fontRef>
+          </p:style>
+          <p:txBody>
+            <a:bodyPr rtlCol="0" anchor="ctr"/>
+            <a:lstStyle/>
+            <a:p>
+              <a:pPr algn="ctr"/>
+              <a:r>
+                <a:rPr lang="fr-FR" sz="1500" b="1" dirty="0">
+                  <a:solidFill>
+                    <a:schemeClr val="bg1"/>
+                  </a:solidFill>
+                  <a:effectLst>
+                    <a:outerShdw blurRad="38100" dist="76200" dir="2700000" algn="tl">
+                      <a:srgbClr val="000000"/>
+                    </a:outerShdw>
+                  </a:effectLst>
+                  <a:latin typeface="Helvetica" panose="020B0604020202030204" pitchFamily="34" charset="0"/>
+                </a:rPr>
+                <a:t>Développement</a:t>
+              </a:r>
+            </a:p>
+          </p:txBody>
+        </p:sp>
+        <p:sp>
+          <p:nvSpPr>
+            <p:cNvPr id="19" name="Flèche : chevron 18">
+              <a:extLst>
+                <a:ext uri="{FF2B5EF4-FFF2-40B4-BE49-F238E27FC236}">
+                  <a16:creationId xmlns:a16="http://schemas.microsoft.com/office/drawing/2014/main" id="{8795E004-010B-4219-8B10-37FA6D3A7781}"/>
+                </a:ext>
+              </a:extLst>
+            </p:cNvPr>
+            <p:cNvSpPr/>
+            <p:nvPr/>
+          </p:nvSpPr>
+          <p:spPr>
+            <a:xfrm>
+              <a:off x="7268850" y="332703"/>
+              <a:ext cx="2309567" cy="688157"/>
+            </a:xfrm>
+            <a:prstGeom prst="chevron">
+              <a:avLst/>
+            </a:prstGeom>
+            <a:solidFill>
+              <a:srgbClr val="FED449"/>
+            </a:solidFill>
+            <a:ln>
+              <a:solidFill>
+                <a:schemeClr val="bg1"/>
+              </a:solidFill>
+            </a:ln>
+          </p:spPr>
+          <p:style>
+            <a:lnRef idx="2">
+              <a:schemeClr val="accent1">
+                <a:shade val="50000"/>
+              </a:schemeClr>
+            </a:lnRef>
+            <a:fillRef idx="1">
+              <a:schemeClr val="accent1"/>
+            </a:fillRef>
+            <a:effectRef idx="0">
+              <a:schemeClr val="accent1"/>
+            </a:effectRef>
+            <a:fontRef idx="minor">
+              <a:schemeClr val="lt1"/>
+            </a:fontRef>
+          </p:style>
+          <p:txBody>
+            <a:bodyPr rtlCol="0" anchor="ctr"/>
+            <a:lstStyle/>
+            <a:p>
+              <a:pPr algn="ctr"/>
+              <a:r>
+                <a:rPr lang="fr-FR" sz="1500" b="1" dirty="0">
+                  <a:solidFill>
+                    <a:schemeClr val="bg1"/>
+                  </a:solidFill>
+                  <a:effectLst>
+                    <a:outerShdw blurRad="38100" dist="76200" dir="2700000" algn="tl">
+                      <a:srgbClr val="000000"/>
+                    </a:outerShdw>
+                  </a:effectLst>
+                  <a:latin typeface="Helvetica" panose="020B0604020202030204" pitchFamily="34" charset="0"/>
+                </a:rPr>
+                <a:t>Démonstration</a:t>
+              </a:r>
+              <a:endParaRPr lang="fr-FR" sz="1500" dirty="0">
+                <a:solidFill>
+                  <a:schemeClr val="tx1"/>
+                </a:solidFill>
+              </a:endParaRPr>
+            </a:p>
+          </p:txBody>
+        </p:sp>
+        <p:pic>
+          <p:nvPicPr>
+            <p:cNvPr id="6" name="Image 5">
+              <a:extLst>
+                <a:ext uri="{FF2B5EF4-FFF2-40B4-BE49-F238E27FC236}">
+                  <a16:creationId xmlns:a16="http://schemas.microsoft.com/office/drawing/2014/main" id="{2D0A881D-5AC2-4766-BD4C-5405D55C11A5}"/>
+                </a:ext>
+              </a:extLst>
+            </p:cNvPr>
+            <p:cNvPicPr>
+              <a:picLocks noChangeAspect="1"/>
+            </p:cNvPicPr>
+            <p:nvPr/>
+          </p:nvPicPr>
+          <p:blipFill>
+            <a:blip r:embed="rId3">
+              <a:extLst>
+                <a:ext uri="{28A0092B-C50C-407E-A947-70E740481C1C}">
+                  <a14:useLocalDpi xmlns:a14="http://schemas.microsoft.com/office/drawing/2010/main" val="0"/>
+                </a:ext>
+              </a:extLst>
+            </a:blip>
+            <a:stretch>
+              <a:fillRect/>
+            </a:stretch>
+          </p:blipFill>
+          <p:spPr>
+            <a:xfrm>
+              <a:off x="327166" y="0"/>
+              <a:ext cx="1566153" cy="1342417"/>
+            </a:xfrm>
+            <a:prstGeom prst="rect">
+              <a:avLst/>
+            </a:prstGeom>
+          </p:spPr>
+        </p:pic>
+      </p:grpSp>
+      <p:sp>
+        <p:nvSpPr>
+          <p:cNvPr id="10" name="ZoneTexte 9">
+            <a:extLst>
+              <a:ext uri="{FF2B5EF4-FFF2-40B4-BE49-F238E27FC236}">
+                <a16:creationId xmlns:a16="http://schemas.microsoft.com/office/drawing/2014/main" id="{CE36D8FB-1CD3-4D19-A954-A2CE97724692}"/>
+              </a:ext>
+            </a:extLst>
+          </p:cNvPr>
+          <p:cNvSpPr txBox="1"/>
+          <p:nvPr/>
+        </p:nvSpPr>
+        <p:spPr>
+          <a:xfrm>
+            <a:off x="336894" y="1225685"/>
+            <a:ext cx="11472482" cy="5369668"/>
+          </a:xfrm>
+          <a:prstGeom prst="rect">
+            <a:avLst/>
+          </a:prstGeom>
+          <a:solidFill>
+            <a:srgbClr val="FED449">
+              <a:alpha val="50000"/>
+            </a:srgbClr>
+          </a:solidFill>
+          <a:effectLst>
+            <a:softEdge rad="152400"/>
+          </a:effectLst>
+        </p:spPr>
+        <p:txBody>
+          <a:bodyPr wrap="square" rtlCol="0">
+            <a:spAutoFit/>
+          </a:bodyPr>
+          <a:lstStyle/>
+          <a:p>
+            <a:endParaRPr lang="fr-FR" dirty="0"/>
+          </a:p>
+        </p:txBody>
+      </p:sp>
+      <p:sp>
+        <p:nvSpPr>
+          <p:cNvPr id="2" name="ZoneTexte 1">
+            <a:extLst>
+              <a:ext uri="{FF2B5EF4-FFF2-40B4-BE49-F238E27FC236}">
+                <a16:creationId xmlns:a16="http://schemas.microsoft.com/office/drawing/2014/main" id="{40B2DBE0-4B31-4A4D-80D2-BF8EE6286B82}"/>
+              </a:ext>
+            </a:extLst>
+          </p:cNvPr>
+          <p:cNvSpPr txBox="1"/>
+          <p:nvPr/>
+        </p:nvSpPr>
+        <p:spPr>
+          <a:xfrm>
+            <a:off x="1090367" y="1674695"/>
+            <a:ext cx="10011266" cy="2092881"/>
+          </a:xfrm>
+          <a:prstGeom prst="rect">
+            <a:avLst/>
+          </a:prstGeom>
+          <a:noFill/>
+        </p:spPr>
+        <p:txBody>
+          <a:bodyPr wrap="square" rtlCol="0">
+            <a:spAutoFit/>
+          </a:bodyPr>
+          <a:lstStyle/>
+          <a:p>
+            <a:pPr algn="ctr"/>
+            <a:r>
+              <a:rPr lang="fr-FR" sz="2800" b="1" dirty="0">
+                <a:latin typeface="Helvetica" panose="020B0604020202030204" pitchFamily="34" charset="0"/>
+                <a:cs typeface="Arial" panose="020B0604020202020204" pitchFamily="34" charset="0"/>
+              </a:rPr>
+              <a:t>Contraintes</a:t>
+            </a:r>
+            <a:endParaRPr lang="fr-FR" sz="2800" dirty="0">
+              <a:latin typeface="Helvetica" panose="020B0604020202030204" pitchFamily="34" charset="0"/>
+              <a:cs typeface="Arial" panose="020B0604020202020204" pitchFamily="34" charset="0"/>
+            </a:endParaRPr>
+          </a:p>
+          <a:p>
+            <a:pPr lvl="1"/>
+            <a:endParaRPr lang="fr-FR" sz="2800" dirty="0">
+              <a:latin typeface="Helvetica" panose="020B0604020202030204" pitchFamily="34" charset="0"/>
+              <a:cs typeface="Arial" panose="020B0604020202020204" pitchFamily="34" charset="0"/>
+            </a:endParaRPr>
+          </a:p>
+          <a:p>
+            <a:pPr lvl="1"/>
+            <a:r>
+              <a:rPr lang="fr-FR" sz="2800" dirty="0">
+                <a:latin typeface="Helvetica" panose="020B0604020202030204" pitchFamily="34" charset="0"/>
+                <a:cs typeface="Arial" panose="020B0604020202020204" pitchFamily="34" charset="0"/>
+              </a:rPr>
+              <a:t>-Planning                    7 jours</a:t>
+            </a:r>
+          </a:p>
+          <a:p>
+            <a:pPr lvl="1"/>
+            <a:r>
+              <a:rPr lang="fr-FR" sz="2800" dirty="0">
+                <a:latin typeface="Helvetica" panose="020B0604020202030204" pitchFamily="34" charset="0"/>
+                <a:cs typeface="Arial" panose="020B0604020202020204" pitchFamily="34" charset="0"/>
+              </a:rPr>
+              <a:t>-Techniques</a:t>
+            </a:r>
+          </a:p>
+          <a:p>
+            <a:endParaRPr lang="fr-FR" dirty="0"/>
+          </a:p>
+        </p:txBody>
+      </p:sp>
+      <p:sp>
+        <p:nvSpPr>
+          <p:cNvPr id="12" name="ZoneTexte 11">
+            <a:extLst>
+              <a:ext uri="{FF2B5EF4-FFF2-40B4-BE49-F238E27FC236}">
+                <a16:creationId xmlns:a16="http://schemas.microsoft.com/office/drawing/2014/main" id="{89227994-E4AA-4965-9115-7B2B4F205F08}"/>
+              </a:ext>
+            </a:extLst>
+          </p:cNvPr>
+          <p:cNvSpPr txBox="1"/>
+          <p:nvPr/>
+        </p:nvSpPr>
+        <p:spPr>
+          <a:xfrm>
+            <a:off x="5000465" y="3120472"/>
+            <a:ext cx="5067362" cy="3662541"/>
+          </a:xfrm>
+          <a:prstGeom prst="rect">
+            <a:avLst/>
+          </a:prstGeom>
+          <a:noFill/>
+        </p:spPr>
+        <p:txBody>
+          <a:bodyPr wrap="square" rtlCol="0">
+            <a:spAutoFit/>
+          </a:bodyPr>
+          <a:lstStyle/>
+          <a:p>
+            <a:r>
+              <a:rPr lang="fr-FR" sz="2400" dirty="0">
+                <a:latin typeface="Helvetica" panose="020B0604020202030204" pitchFamily="34" charset="0"/>
+              </a:rPr>
+              <a:t>HTML 5 / CSS 3</a:t>
+            </a:r>
+          </a:p>
+          <a:p>
+            <a:r>
+              <a:rPr lang="fr-FR" sz="2400" dirty="0">
+                <a:latin typeface="Helvetica" panose="020B0604020202030204" pitchFamily="34" charset="0"/>
+              </a:rPr>
+              <a:t>Responsive (Bootstrap)</a:t>
+            </a:r>
+          </a:p>
+          <a:p>
+            <a:r>
+              <a:rPr lang="fr-FR" sz="2400" dirty="0">
+                <a:latin typeface="Helvetica" panose="020B0604020202030204" pitchFamily="34" charset="0"/>
+              </a:rPr>
+              <a:t>JAVA SCRIPT (JQUERY/AJAX)</a:t>
+            </a:r>
+          </a:p>
+          <a:p>
+            <a:r>
+              <a:rPr lang="fr-FR" sz="2400" dirty="0">
+                <a:latin typeface="Helvetica" panose="020B0604020202030204" pitchFamily="34" charset="0"/>
+              </a:rPr>
+              <a:t>PHP</a:t>
+            </a:r>
+          </a:p>
+          <a:p>
+            <a:r>
+              <a:rPr lang="fr-FR" sz="2400" dirty="0">
+                <a:latin typeface="Helvetica" panose="020B0604020202030204" pitchFamily="34" charset="0"/>
+              </a:rPr>
+              <a:t>AGILE</a:t>
+            </a:r>
+          </a:p>
+          <a:p>
+            <a:r>
+              <a:rPr lang="fr-FR" sz="2400" dirty="0">
+                <a:latin typeface="Helvetica" panose="020B0604020202030204" pitchFamily="34" charset="0"/>
+              </a:rPr>
+              <a:t>GitHub</a:t>
+            </a:r>
+          </a:p>
+          <a:p>
+            <a:r>
+              <a:rPr lang="fr-FR" sz="2400" dirty="0">
+                <a:latin typeface="Helvetica" panose="020B0604020202030204" pitchFamily="34" charset="0"/>
+              </a:rPr>
+              <a:t>Merise</a:t>
+            </a:r>
+          </a:p>
+          <a:p>
+            <a:r>
+              <a:rPr lang="fr-FR" sz="2400" dirty="0">
+                <a:latin typeface="Helvetica" panose="020B0604020202030204" pitchFamily="34" charset="0"/>
+              </a:rPr>
+              <a:t>MySQL</a:t>
+            </a:r>
+          </a:p>
+          <a:p>
+            <a:endParaRPr lang="fr-FR" sz="2000" dirty="0">
+              <a:latin typeface="Helvetica" panose="020B0604020202030204" pitchFamily="34" charset="0"/>
+            </a:endParaRPr>
+          </a:p>
+          <a:p>
+            <a:endParaRPr lang="fr-FR" sz="2000" dirty="0">
+              <a:latin typeface="Helvetica" panose="020B0604020202030204" pitchFamily="34" charset="0"/>
+            </a:endParaRPr>
+          </a:p>
+        </p:txBody>
+      </p:sp>
+    </p:spTree>
+    <p:extLst>
+      <p:ext uri="{BB962C8B-B14F-4D97-AF65-F5344CB8AC3E}">
+        <p14:creationId xmlns:p14="http://schemas.microsoft.com/office/powerpoint/2010/main" val="2600093778"/>
+      </p:ext>
+    </p:extLst>
+  </p:cSld>
+  <p:clrMapOvr>
+    <a:masterClrMapping/>
+  </p:clrMapOvr>
+</p:sld>
+</file>
+
+<file path=ppt/slides/slide6.xml><?xml version="1.0" encoding="utf-8"?>
+<p:sld xmlns:a="http://schemas.openxmlformats.org/drawingml/2006/main" xmlns:r="http://schemas.openxmlformats.org/officeDocument/2006/relationships" xmlns:p="http://schemas.openxmlformats.org/presentationml/2006/main">
+  <p:cSld>
+    <p:bg>
+      <p:bgPr>
+        <a:blipFill dpi="0" rotWithShape="1">
+          <a:blip r:embed="rId2">
+            <a:lum/>
+          </a:blip>
+          <a:srcRect/>
+          <a:stretch>
+            <a:fillRect/>
+          </a:stretch>
+        </a:blipFill>
+        <a:effectLst/>
+      </p:bgPr>
+    </p:bg>
+    <p:spTree>
+      <p:nvGrpSpPr>
+        <p:cNvPr id="1" name=""/>
+        <p:cNvGrpSpPr/>
+        <p:nvPr/>
+      </p:nvGrpSpPr>
+      <p:grpSpPr>
+        <a:xfrm>
+          <a:off x="0" y="0"/>
+          <a:ext cx="0" cy="0"/>
+          <a:chOff x="0" y="0"/>
+          <a:chExt cx="0" cy="0"/>
+        </a:xfrm>
+      </p:grpSpPr>
+      <p:grpSp>
+        <p:nvGrpSpPr>
+          <p:cNvPr id="7" name="Groupe 6">
+            <a:extLst>
+              <a:ext uri="{FF2B5EF4-FFF2-40B4-BE49-F238E27FC236}">
+                <a16:creationId xmlns:a16="http://schemas.microsoft.com/office/drawing/2014/main" id="{67E81936-583F-45AD-82CC-A5C937F4C87C}"/>
+              </a:ext>
+            </a:extLst>
+          </p:cNvPr>
+          <p:cNvGrpSpPr/>
+          <p:nvPr/>
+        </p:nvGrpSpPr>
+        <p:grpSpPr>
+          <a:xfrm>
+            <a:off x="327166" y="0"/>
+            <a:ext cx="11251304" cy="1342417"/>
+            <a:chOff x="327166" y="0"/>
+            <a:chExt cx="11251304" cy="1342417"/>
+          </a:xfrm>
+        </p:grpSpPr>
+        <p:sp>
+          <p:nvSpPr>
+            <p:cNvPr id="4" name="Flèche : chevron 3">
+              <a:extLst>
+                <a:ext uri="{FF2B5EF4-FFF2-40B4-BE49-F238E27FC236}">
+                  <a16:creationId xmlns:a16="http://schemas.microsoft.com/office/drawing/2014/main" id="{60D600DE-6FA0-4280-A81A-6DBE7691E92C}"/>
+                </a:ext>
+              </a:extLst>
+            </p:cNvPr>
+            <p:cNvSpPr/>
+            <p:nvPr/>
+          </p:nvSpPr>
+          <p:spPr>
+            <a:xfrm>
+              <a:off x="1268691" y="332278"/>
+              <a:ext cx="2309567" cy="688157"/>
+            </a:xfrm>
+            <a:prstGeom prst="chevron">
+              <a:avLst/>
+            </a:prstGeom>
+            <a:solidFill>
+              <a:srgbClr val="88CE62"/>
+            </a:solidFill>
+            <a:ln>
+              <a:solidFill>
+                <a:schemeClr val="bg1"/>
+              </a:solidFill>
+            </a:ln>
+          </p:spPr>
+          <p:style>
+            <a:lnRef idx="2">
+              <a:schemeClr val="accent1">
+                <a:shade val="50000"/>
+              </a:schemeClr>
+            </a:lnRef>
+            <a:fillRef idx="1">
+              <a:schemeClr val="accent1"/>
+            </a:fillRef>
+            <a:effectRef idx="0">
+              <a:schemeClr val="accent1"/>
+            </a:effectRef>
+            <a:fontRef idx="minor">
+              <a:schemeClr val="lt1"/>
+            </a:fontRef>
+          </p:style>
+          <p:txBody>
+            <a:bodyPr rtlCol="0" anchor="ctr"/>
+            <a:lstStyle/>
+            <a:p>
+              <a:pPr algn="ctr"/>
+              <a:r>
+                <a:rPr lang="fr-FR" sz="1500" b="1" dirty="0">
+                  <a:solidFill>
+                    <a:schemeClr val="bg1"/>
+                  </a:solidFill>
+                  <a:effectLst>
+                    <a:outerShdw blurRad="38100" dist="76200" dir="2700000" algn="tl">
+                      <a:srgbClr val="000000"/>
+                    </a:outerShdw>
+                  </a:effectLst>
+                  <a:latin typeface="Helvetica" panose="020B0604020202030204" pitchFamily="34" charset="0"/>
+                </a:rPr>
+                <a:t>Etude du projet</a:t>
+              </a:r>
+            </a:p>
+          </p:txBody>
+        </p:sp>
+        <p:sp>
+          <p:nvSpPr>
+            <p:cNvPr id="16" name="Flèche : chevron 15">
+              <a:extLst>
+                <a:ext uri="{FF2B5EF4-FFF2-40B4-BE49-F238E27FC236}">
+                  <a16:creationId xmlns:a16="http://schemas.microsoft.com/office/drawing/2014/main" id="{F7655D32-22EC-4542-883E-4033865C1471}"/>
+                </a:ext>
+              </a:extLst>
+            </p:cNvPr>
+            <p:cNvSpPr/>
+            <p:nvPr/>
+          </p:nvSpPr>
+          <p:spPr>
+            <a:xfrm>
+              <a:off x="9268903" y="332277"/>
+              <a:ext cx="2309567" cy="688157"/>
+            </a:xfrm>
+            <a:prstGeom prst="chevron">
+              <a:avLst/>
+            </a:prstGeom>
+            <a:solidFill>
+              <a:srgbClr val="FED449"/>
+            </a:solidFill>
+            <a:ln>
+              <a:solidFill>
+                <a:schemeClr val="bg1"/>
+              </a:solidFill>
+            </a:ln>
+          </p:spPr>
+          <p:style>
+            <a:lnRef idx="2">
+              <a:schemeClr val="accent1">
+                <a:shade val="50000"/>
+              </a:schemeClr>
+            </a:lnRef>
+            <a:fillRef idx="1">
+              <a:schemeClr val="accent1"/>
+            </a:fillRef>
+            <a:effectRef idx="0">
+              <a:schemeClr val="accent1"/>
+            </a:effectRef>
+            <a:fontRef idx="minor">
+              <a:schemeClr val="lt1"/>
+            </a:fontRef>
+          </p:style>
+          <p:txBody>
+            <a:bodyPr rtlCol="0" anchor="ctr"/>
+            <a:lstStyle/>
+            <a:p>
+              <a:pPr algn="ctr"/>
+              <a:r>
+                <a:rPr lang="fr-FR" sz="1600" b="1" dirty="0">
+                  <a:solidFill>
+                    <a:schemeClr val="bg1"/>
+                  </a:solidFill>
+                  <a:effectLst>
+                    <a:outerShdw blurRad="38100" dist="76200" dir="2700000" algn="tl">
+                      <a:srgbClr val="000000"/>
+                    </a:outerShdw>
+                  </a:effectLst>
+                  <a:latin typeface="Helvetica" panose="020B0604020202030204" pitchFamily="34" charset="0"/>
+                </a:rPr>
+                <a:t>Conclusion</a:t>
+              </a:r>
+            </a:p>
+          </p:txBody>
+        </p:sp>
+        <p:sp>
+          <p:nvSpPr>
+            <p:cNvPr id="17" name="Flèche : chevron 16">
+              <a:extLst>
+                <a:ext uri="{FF2B5EF4-FFF2-40B4-BE49-F238E27FC236}">
+                  <a16:creationId xmlns:a16="http://schemas.microsoft.com/office/drawing/2014/main" id="{30C36617-CB5C-40F8-B05D-7053886FD5EF}"/>
+                </a:ext>
+              </a:extLst>
+            </p:cNvPr>
+            <p:cNvSpPr/>
+            <p:nvPr/>
+          </p:nvSpPr>
+          <p:spPr>
+            <a:xfrm>
+              <a:off x="3268744" y="332277"/>
+              <a:ext cx="2309567" cy="688157"/>
+            </a:xfrm>
+            <a:prstGeom prst="chevron">
+              <a:avLst/>
+            </a:prstGeom>
+            <a:solidFill>
+              <a:srgbClr val="FED449"/>
+            </a:solidFill>
+            <a:ln>
+              <a:solidFill>
+                <a:schemeClr val="bg1"/>
+              </a:solidFill>
+            </a:ln>
+          </p:spPr>
+          <p:style>
+            <a:lnRef idx="2">
+              <a:schemeClr val="accent1">
+                <a:shade val="50000"/>
+              </a:schemeClr>
+            </a:lnRef>
+            <a:fillRef idx="1">
+              <a:schemeClr val="accent1"/>
+            </a:fillRef>
+            <a:effectRef idx="0">
+              <a:schemeClr val="accent1"/>
+            </a:effectRef>
+            <a:fontRef idx="minor">
+              <a:schemeClr val="lt1"/>
+            </a:fontRef>
+          </p:style>
+          <p:txBody>
+            <a:bodyPr rtlCol="0" anchor="ctr"/>
+            <a:lstStyle/>
+            <a:p>
+              <a:pPr algn="ctr"/>
+              <a:r>
+                <a:rPr lang="fr-FR" sz="1500" b="1" dirty="0">
+                  <a:solidFill>
+                    <a:schemeClr val="bg1"/>
+                  </a:solidFill>
+                  <a:effectLst>
+                    <a:outerShdw blurRad="38100" dist="76200" dir="2700000" algn="tl">
+                      <a:srgbClr val="000000"/>
+                    </a:outerShdw>
+                  </a:effectLst>
+                  <a:latin typeface="Helvetica" panose="020B0604020202030204" pitchFamily="34" charset="0"/>
+                </a:rPr>
+                <a:t>Organisation</a:t>
+              </a:r>
+            </a:p>
+          </p:txBody>
+        </p:sp>
+        <p:sp>
+          <p:nvSpPr>
+            <p:cNvPr id="18" name="Flèche : chevron 17">
+              <a:extLst>
+                <a:ext uri="{FF2B5EF4-FFF2-40B4-BE49-F238E27FC236}">
+                  <a16:creationId xmlns:a16="http://schemas.microsoft.com/office/drawing/2014/main" id="{A33478E5-51C7-4324-9E5C-0845E032CF0C}"/>
+                </a:ext>
+              </a:extLst>
+            </p:cNvPr>
+            <p:cNvSpPr/>
+            <p:nvPr/>
+          </p:nvSpPr>
+          <p:spPr>
+            <a:xfrm>
+              <a:off x="5268797" y="332704"/>
+              <a:ext cx="2309567" cy="688157"/>
+            </a:xfrm>
+            <a:prstGeom prst="chevron">
+              <a:avLst/>
+            </a:prstGeom>
+            <a:solidFill>
+              <a:srgbClr val="FED449"/>
+            </a:solidFill>
+            <a:ln>
+              <a:solidFill>
+                <a:schemeClr val="bg1"/>
+              </a:solidFill>
+            </a:ln>
+          </p:spPr>
+          <p:style>
+            <a:lnRef idx="2">
+              <a:schemeClr val="accent1">
+                <a:shade val="50000"/>
+              </a:schemeClr>
+            </a:lnRef>
+            <a:fillRef idx="1">
+              <a:schemeClr val="accent1"/>
+            </a:fillRef>
+            <a:effectRef idx="0">
+              <a:schemeClr val="accent1"/>
+            </a:effectRef>
+            <a:fontRef idx="minor">
+              <a:schemeClr val="lt1"/>
+            </a:fontRef>
+          </p:style>
+          <p:txBody>
+            <a:bodyPr rtlCol="0" anchor="ctr"/>
+            <a:lstStyle/>
+            <a:p>
+              <a:pPr algn="ctr"/>
+              <a:r>
+                <a:rPr lang="fr-FR" sz="1500" b="1" dirty="0">
+                  <a:solidFill>
+                    <a:schemeClr val="bg1"/>
+                  </a:solidFill>
+                  <a:effectLst>
+                    <a:outerShdw blurRad="38100" dist="76200" dir="2700000" algn="tl">
+                      <a:srgbClr val="000000"/>
+                    </a:outerShdw>
+                  </a:effectLst>
+                  <a:latin typeface="Helvetica" panose="020B0604020202030204" pitchFamily="34" charset="0"/>
+                </a:rPr>
+                <a:t>Développement</a:t>
+              </a:r>
+            </a:p>
+          </p:txBody>
+        </p:sp>
+        <p:sp>
+          <p:nvSpPr>
+            <p:cNvPr id="19" name="Flèche : chevron 18">
+              <a:extLst>
+                <a:ext uri="{FF2B5EF4-FFF2-40B4-BE49-F238E27FC236}">
+                  <a16:creationId xmlns:a16="http://schemas.microsoft.com/office/drawing/2014/main" id="{8795E004-010B-4219-8B10-37FA6D3A7781}"/>
+                </a:ext>
+              </a:extLst>
+            </p:cNvPr>
+            <p:cNvSpPr/>
+            <p:nvPr/>
+          </p:nvSpPr>
+          <p:spPr>
+            <a:xfrm>
+              <a:off x="7268850" y="332703"/>
+              <a:ext cx="2309567" cy="688157"/>
+            </a:xfrm>
+            <a:prstGeom prst="chevron">
+              <a:avLst/>
+            </a:prstGeom>
+            <a:solidFill>
+              <a:srgbClr val="FED449"/>
+            </a:solidFill>
+            <a:ln>
+              <a:solidFill>
+                <a:schemeClr val="bg1"/>
+              </a:solidFill>
+            </a:ln>
+          </p:spPr>
+          <p:style>
+            <a:lnRef idx="2">
+              <a:schemeClr val="accent1">
+                <a:shade val="50000"/>
+              </a:schemeClr>
+            </a:lnRef>
+            <a:fillRef idx="1">
+              <a:schemeClr val="accent1"/>
+            </a:fillRef>
+            <a:effectRef idx="0">
+              <a:schemeClr val="accent1"/>
+            </a:effectRef>
+            <a:fontRef idx="minor">
+              <a:schemeClr val="lt1"/>
+            </a:fontRef>
+          </p:style>
+          <p:txBody>
+            <a:bodyPr rtlCol="0" anchor="ctr"/>
+            <a:lstStyle/>
+            <a:p>
+              <a:pPr algn="ctr"/>
+              <a:r>
+                <a:rPr lang="fr-FR" sz="1500" b="1" dirty="0">
+                  <a:solidFill>
+                    <a:schemeClr val="bg1"/>
+                  </a:solidFill>
+                  <a:effectLst>
+                    <a:outerShdw blurRad="38100" dist="76200" dir="2700000" algn="tl">
+                      <a:srgbClr val="000000"/>
+                    </a:outerShdw>
+                  </a:effectLst>
+                  <a:latin typeface="Helvetica" panose="020B0604020202030204" pitchFamily="34" charset="0"/>
+                </a:rPr>
+                <a:t>Démonstration</a:t>
+              </a:r>
+              <a:endParaRPr lang="fr-FR" sz="1500" dirty="0">
+                <a:solidFill>
+                  <a:schemeClr val="tx1"/>
+                </a:solidFill>
+              </a:endParaRPr>
+            </a:p>
+          </p:txBody>
+        </p:sp>
+        <p:pic>
+          <p:nvPicPr>
+            <p:cNvPr id="6" name="Image 5">
+              <a:extLst>
+                <a:ext uri="{FF2B5EF4-FFF2-40B4-BE49-F238E27FC236}">
+                  <a16:creationId xmlns:a16="http://schemas.microsoft.com/office/drawing/2014/main" id="{2D0A881D-5AC2-4766-BD4C-5405D55C11A5}"/>
+                </a:ext>
+              </a:extLst>
+            </p:cNvPr>
+            <p:cNvPicPr>
+              <a:picLocks noChangeAspect="1"/>
+            </p:cNvPicPr>
+            <p:nvPr/>
+          </p:nvPicPr>
+          <p:blipFill>
+            <a:blip r:embed="rId3">
+              <a:extLst>
+                <a:ext uri="{28A0092B-C50C-407E-A947-70E740481C1C}">
+                  <a14:useLocalDpi xmlns:a14="http://schemas.microsoft.com/office/drawing/2010/main" val="0"/>
+                </a:ext>
+              </a:extLst>
+            </a:blip>
+            <a:stretch>
+              <a:fillRect/>
+            </a:stretch>
+          </p:blipFill>
+          <p:spPr>
+            <a:xfrm>
+              <a:off x="327166" y="0"/>
+              <a:ext cx="1566153" cy="1342417"/>
+            </a:xfrm>
+            <a:prstGeom prst="rect">
+              <a:avLst/>
+            </a:prstGeom>
+          </p:spPr>
+        </p:pic>
+      </p:grpSp>
+      <p:sp>
+        <p:nvSpPr>
+          <p:cNvPr id="10" name="ZoneTexte 9">
+            <a:extLst>
+              <a:ext uri="{FF2B5EF4-FFF2-40B4-BE49-F238E27FC236}">
+                <a16:creationId xmlns:a16="http://schemas.microsoft.com/office/drawing/2014/main" id="{CE36D8FB-1CD3-4D19-A954-A2CE97724692}"/>
+              </a:ext>
+            </a:extLst>
+          </p:cNvPr>
+          <p:cNvSpPr txBox="1"/>
+          <p:nvPr/>
+        </p:nvSpPr>
+        <p:spPr>
+          <a:xfrm>
+            <a:off x="336894" y="1225685"/>
+            <a:ext cx="11472482" cy="5369668"/>
+          </a:xfrm>
+          <a:prstGeom prst="rect">
+            <a:avLst/>
+          </a:prstGeom>
+          <a:solidFill>
+            <a:srgbClr val="FED449">
+              <a:alpha val="50000"/>
+            </a:srgbClr>
+          </a:solidFill>
+          <a:effectLst>
+            <a:softEdge rad="152400"/>
+          </a:effectLst>
+        </p:spPr>
+        <p:txBody>
+          <a:bodyPr wrap="square" rtlCol="0">
+            <a:spAutoFit/>
+          </a:bodyPr>
+          <a:lstStyle/>
+          <a:p>
+            <a:endParaRPr lang="fr-FR" dirty="0"/>
+          </a:p>
+        </p:txBody>
+      </p:sp>
+      <p:sp>
+        <p:nvSpPr>
+          <p:cNvPr id="2" name="ZoneTexte 1">
+            <a:extLst>
+              <a:ext uri="{FF2B5EF4-FFF2-40B4-BE49-F238E27FC236}">
+                <a16:creationId xmlns:a16="http://schemas.microsoft.com/office/drawing/2014/main" id="{40B2DBE0-4B31-4A4D-80D2-BF8EE6286B82}"/>
+              </a:ext>
+            </a:extLst>
+          </p:cNvPr>
+          <p:cNvSpPr txBox="1"/>
+          <p:nvPr/>
+        </p:nvSpPr>
+        <p:spPr>
+          <a:xfrm>
+            <a:off x="1090367" y="1674695"/>
+            <a:ext cx="10011266" cy="800219"/>
+          </a:xfrm>
+          <a:prstGeom prst="rect">
+            <a:avLst/>
+          </a:prstGeom>
+          <a:noFill/>
+        </p:spPr>
+        <p:txBody>
+          <a:bodyPr wrap="square" rtlCol="0">
+            <a:spAutoFit/>
+          </a:bodyPr>
+          <a:lstStyle/>
+          <a:p>
+            <a:r>
+              <a:rPr lang="fr-FR" sz="2800" b="1" dirty="0">
+                <a:latin typeface="Helvetica" panose="020B0604020202030204" pitchFamily="34" charset="0"/>
+                <a:cs typeface="Arial" panose="020B0604020202020204" pitchFamily="34" charset="0"/>
+              </a:rPr>
+              <a:t>MCD</a:t>
+            </a:r>
+          </a:p>
+          <a:p>
+            <a:endParaRPr lang="fr-FR" dirty="0"/>
+          </a:p>
+        </p:txBody>
+      </p:sp>
+    </p:spTree>
+    <p:extLst>
+      <p:ext uri="{BB962C8B-B14F-4D97-AF65-F5344CB8AC3E}">
+        <p14:creationId xmlns:p14="http://schemas.microsoft.com/office/powerpoint/2010/main" val="1408283683"/>
+      </p:ext>
+    </p:extLst>
+  </p:cSld>
+  <p:clrMapOvr>
+    <a:masterClrMapping/>
+  </p:clrMapOvr>
+</p:sld>
+</file>
+
+<file path=ppt/slides/slide7.xml><?xml version="1.0" encoding="utf-8"?>
+<p:sld xmlns:a="http://schemas.openxmlformats.org/drawingml/2006/main" xmlns:r="http://schemas.openxmlformats.org/officeDocument/2006/relationships" xmlns:p="http://schemas.openxmlformats.org/presentationml/2006/main">
+  <p:cSld>
+    <p:bg>
+      <p:bgPr>
+        <a:blipFill dpi="0" rotWithShape="1">
+          <a:blip r:embed="rId2">
+            <a:lum/>
+          </a:blip>
+          <a:srcRect/>
+          <a:stretch>
+            <a:fillRect/>
+          </a:stretch>
+        </a:blipFill>
+        <a:effectLst/>
+      </p:bgPr>
+    </p:bg>
+    <p:spTree>
+      <p:nvGrpSpPr>
+        <p:cNvPr id="1" name=""/>
+        <p:cNvGrpSpPr/>
+        <p:nvPr/>
+      </p:nvGrpSpPr>
+      <p:grpSpPr>
+        <a:xfrm>
+          <a:off x="0" y="0"/>
+          <a:ext cx="0" cy="0"/>
+          <a:chOff x="0" y="0"/>
+          <a:chExt cx="0" cy="0"/>
+        </a:xfrm>
+      </p:grpSpPr>
+      <p:grpSp>
+        <p:nvGrpSpPr>
+          <p:cNvPr id="7" name="Groupe 6">
+            <a:extLst>
+              <a:ext uri="{FF2B5EF4-FFF2-40B4-BE49-F238E27FC236}">
+                <a16:creationId xmlns:a16="http://schemas.microsoft.com/office/drawing/2014/main" id="{67E81936-583F-45AD-82CC-A5C937F4C87C}"/>
+              </a:ext>
+            </a:extLst>
+          </p:cNvPr>
+          <p:cNvGrpSpPr/>
+          <p:nvPr/>
+        </p:nvGrpSpPr>
+        <p:grpSpPr>
+          <a:xfrm>
+            <a:off x="327166" y="0"/>
+            <a:ext cx="11251304" cy="1342417"/>
+            <a:chOff x="327166" y="0"/>
+            <a:chExt cx="11251304" cy="1342417"/>
+          </a:xfrm>
+        </p:grpSpPr>
+        <p:sp>
+          <p:nvSpPr>
+            <p:cNvPr id="4" name="Flèche : chevron 3">
+              <a:extLst>
+                <a:ext uri="{FF2B5EF4-FFF2-40B4-BE49-F238E27FC236}">
+                  <a16:creationId xmlns:a16="http://schemas.microsoft.com/office/drawing/2014/main" id="{60D600DE-6FA0-4280-A81A-6DBE7691E92C}"/>
+                </a:ext>
+              </a:extLst>
+            </p:cNvPr>
+            <p:cNvSpPr/>
+            <p:nvPr/>
+          </p:nvSpPr>
+          <p:spPr>
+            <a:xfrm>
+              <a:off x="1268691" y="332278"/>
+              <a:ext cx="2309567" cy="688157"/>
+            </a:xfrm>
+            <a:prstGeom prst="chevron">
+              <a:avLst/>
+            </a:prstGeom>
+            <a:solidFill>
+              <a:srgbClr val="FED449"/>
+            </a:solidFill>
+            <a:ln>
+              <a:solidFill>
+                <a:schemeClr val="bg1"/>
+              </a:solidFill>
+            </a:ln>
+          </p:spPr>
+          <p:style>
+            <a:lnRef idx="2">
+              <a:schemeClr val="accent1">
+                <a:shade val="50000"/>
+              </a:schemeClr>
+            </a:lnRef>
+            <a:fillRef idx="1">
+              <a:schemeClr val="accent1"/>
+            </a:fillRef>
+            <a:effectRef idx="0">
+              <a:schemeClr val="accent1"/>
+            </a:effectRef>
+            <a:fontRef idx="minor">
+              <a:schemeClr val="lt1"/>
+            </a:fontRef>
+          </p:style>
+          <p:txBody>
+            <a:bodyPr rtlCol="0" anchor="ctr"/>
+            <a:lstStyle/>
+            <a:p>
+              <a:pPr algn="ctr"/>
+              <a:r>
+                <a:rPr lang="fr-FR" sz="1500" b="1" dirty="0">
+                  <a:solidFill>
+                    <a:schemeClr val="bg1"/>
+                  </a:solidFill>
+                  <a:effectLst>
+                    <a:outerShdw blurRad="38100" dist="76200" dir="2700000" algn="tl">
+                      <a:srgbClr val="000000"/>
+                    </a:outerShdw>
+                  </a:effectLst>
+                  <a:latin typeface="Helvetica" panose="020B0604020202030204" pitchFamily="34" charset="0"/>
+                </a:rPr>
+                <a:t>Etude du projet</a:t>
+              </a:r>
+            </a:p>
+          </p:txBody>
+        </p:sp>
+        <p:sp>
+          <p:nvSpPr>
+            <p:cNvPr id="16" name="Flèche : chevron 15">
+              <a:extLst>
+                <a:ext uri="{FF2B5EF4-FFF2-40B4-BE49-F238E27FC236}">
+                  <a16:creationId xmlns:a16="http://schemas.microsoft.com/office/drawing/2014/main" id="{F7655D32-22EC-4542-883E-4033865C1471}"/>
+                </a:ext>
+              </a:extLst>
+            </p:cNvPr>
+            <p:cNvSpPr/>
+            <p:nvPr/>
+          </p:nvSpPr>
+          <p:spPr>
+            <a:xfrm>
+              <a:off x="9268903" y="332277"/>
+              <a:ext cx="2309567" cy="688157"/>
+            </a:xfrm>
+            <a:prstGeom prst="chevron">
+              <a:avLst/>
+            </a:prstGeom>
+            <a:solidFill>
+              <a:srgbClr val="FED449"/>
+            </a:solidFill>
+            <a:ln>
+              <a:solidFill>
+                <a:schemeClr val="bg1"/>
+              </a:solidFill>
+            </a:ln>
+          </p:spPr>
+          <p:style>
+            <a:lnRef idx="2">
+              <a:schemeClr val="accent1">
+                <a:shade val="50000"/>
+              </a:schemeClr>
+            </a:lnRef>
+            <a:fillRef idx="1">
+              <a:schemeClr val="accent1"/>
+            </a:fillRef>
+            <a:effectRef idx="0">
+              <a:schemeClr val="accent1"/>
+            </a:effectRef>
+            <a:fontRef idx="minor">
+              <a:schemeClr val="lt1"/>
+            </a:fontRef>
+          </p:style>
+          <p:txBody>
+            <a:bodyPr rtlCol="0" anchor="ctr"/>
+            <a:lstStyle/>
+            <a:p>
+              <a:pPr algn="ctr"/>
+              <a:r>
+                <a:rPr lang="fr-FR" sz="1600" b="1" dirty="0">
+                  <a:solidFill>
+                    <a:schemeClr val="bg1"/>
+                  </a:solidFill>
+                  <a:effectLst>
+                    <a:outerShdw blurRad="38100" dist="76200" dir="2700000" algn="tl">
+                      <a:srgbClr val="000000"/>
+                    </a:outerShdw>
+                  </a:effectLst>
+                  <a:latin typeface="Helvetica" panose="020B0604020202030204" pitchFamily="34" charset="0"/>
+                </a:rPr>
+                <a:t>Conclusion</a:t>
+              </a:r>
+            </a:p>
+          </p:txBody>
+        </p:sp>
+        <p:sp>
+          <p:nvSpPr>
+            <p:cNvPr id="17" name="Flèche : chevron 16">
+              <a:extLst>
+                <a:ext uri="{FF2B5EF4-FFF2-40B4-BE49-F238E27FC236}">
+                  <a16:creationId xmlns:a16="http://schemas.microsoft.com/office/drawing/2014/main" id="{30C36617-CB5C-40F8-B05D-7053886FD5EF}"/>
+                </a:ext>
+              </a:extLst>
+            </p:cNvPr>
+            <p:cNvSpPr/>
+            <p:nvPr/>
+          </p:nvSpPr>
+          <p:spPr>
+            <a:xfrm>
+              <a:off x="3268744" y="332277"/>
+              <a:ext cx="2309567" cy="688157"/>
+            </a:xfrm>
+            <a:prstGeom prst="chevron">
+              <a:avLst/>
+            </a:prstGeom>
+            <a:solidFill>
+              <a:srgbClr val="88CE62"/>
+            </a:solidFill>
+            <a:ln>
+              <a:solidFill>
+                <a:schemeClr val="bg1"/>
+              </a:solidFill>
+            </a:ln>
+          </p:spPr>
+          <p:style>
+            <a:lnRef idx="2">
+              <a:schemeClr val="accent1">
+                <a:shade val="50000"/>
+              </a:schemeClr>
+            </a:lnRef>
+            <a:fillRef idx="1">
+              <a:schemeClr val="accent1"/>
+            </a:fillRef>
+            <a:effectRef idx="0">
+              <a:schemeClr val="accent1"/>
+            </a:effectRef>
+            <a:fontRef idx="minor">
+              <a:schemeClr val="lt1"/>
+            </a:fontRef>
+          </p:style>
+          <p:txBody>
+            <a:bodyPr rtlCol="0" anchor="ctr"/>
+            <a:lstStyle/>
+            <a:p>
+              <a:pPr algn="ctr"/>
+              <a:r>
+                <a:rPr lang="fr-FR" sz="1500" b="1" dirty="0">
+                  <a:solidFill>
+                    <a:schemeClr val="bg1"/>
+                  </a:solidFill>
+                  <a:effectLst>
+                    <a:outerShdw blurRad="38100" dist="76200" dir="2700000" algn="tl">
+                      <a:srgbClr val="000000"/>
+                    </a:outerShdw>
+                  </a:effectLst>
+                  <a:latin typeface="Helvetica" panose="020B0604020202030204" pitchFamily="34" charset="0"/>
+                </a:rPr>
+                <a:t>Organisation</a:t>
+              </a:r>
+            </a:p>
+          </p:txBody>
+        </p:sp>
+        <p:sp>
+          <p:nvSpPr>
+            <p:cNvPr id="18" name="Flèche : chevron 17">
+              <a:extLst>
+                <a:ext uri="{FF2B5EF4-FFF2-40B4-BE49-F238E27FC236}">
+                  <a16:creationId xmlns:a16="http://schemas.microsoft.com/office/drawing/2014/main" id="{A33478E5-51C7-4324-9E5C-0845E032CF0C}"/>
+                </a:ext>
+              </a:extLst>
+            </p:cNvPr>
+            <p:cNvSpPr/>
+            <p:nvPr/>
+          </p:nvSpPr>
+          <p:spPr>
+            <a:xfrm>
+              <a:off x="5268797" y="332704"/>
+              <a:ext cx="2309567" cy="688157"/>
+            </a:xfrm>
+            <a:prstGeom prst="chevron">
+              <a:avLst/>
+            </a:prstGeom>
+            <a:solidFill>
+              <a:srgbClr val="FED449"/>
+            </a:solidFill>
+            <a:ln>
+              <a:solidFill>
+                <a:schemeClr val="bg1"/>
+              </a:solidFill>
+            </a:ln>
+          </p:spPr>
+          <p:style>
+            <a:lnRef idx="2">
+              <a:schemeClr val="accent1">
+                <a:shade val="50000"/>
+              </a:schemeClr>
+            </a:lnRef>
+            <a:fillRef idx="1">
+              <a:schemeClr val="accent1"/>
+            </a:fillRef>
+            <a:effectRef idx="0">
+              <a:schemeClr val="accent1"/>
+            </a:effectRef>
+            <a:fontRef idx="minor">
+              <a:schemeClr val="lt1"/>
+            </a:fontRef>
+          </p:style>
+          <p:txBody>
+            <a:bodyPr rtlCol="0" anchor="ctr"/>
+            <a:lstStyle/>
+            <a:p>
+              <a:pPr algn="ctr"/>
+              <a:r>
+                <a:rPr lang="fr-FR" sz="1500" b="1" dirty="0">
+                  <a:solidFill>
+                    <a:schemeClr val="bg1"/>
+                  </a:solidFill>
+                  <a:effectLst>
+                    <a:outerShdw blurRad="38100" dist="76200" dir="2700000" algn="tl">
+                      <a:srgbClr val="000000"/>
+                    </a:outerShdw>
+                  </a:effectLst>
+                  <a:latin typeface="Helvetica" panose="020B0604020202030204" pitchFamily="34" charset="0"/>
+                </a:rPr>
+                <a:t>Développement</a:t>
+              </a:r>
+            </a:p>
+          </p:txBody>
+        </p:sp>
+        <p:sp>
+          <p:nvSpPr>
+            <p:cNvPr id="19" name="Flèche : chevron 18">
+              <a:extLst>
+                <a:ext uri="{FF2B5EF4-FFF2-40B4-BE49-F238E27FC236}">
+                  <a16:creationId xmlns:a16="http://schemas.microsoft.com/office/drawing/2014/main" id="{8795E004-010B-4219-8B10-37FA6D3A7781}"/>
+                </a:ext>
+              </a:extLst>
+            </p:cNvPr>
+            <p:cNvSpPr/>
+            <p:nvPr/>
+          </p:nvSpPr>
+          <p:spPr>
+            <a:xfrm>
+              <a:off x="7268850" y="332703"/>
+              <a:ext cx="2309567" cy="688157"/>
+            </a:xfrm>
+            <a:prstGeom prst="chevron">
+              <a:avLst/>
+            </a:prstGeom>
+            <a:solidFill>
+              <a:srgbClr val="FED449"/>
+            </a:solidFill>
+            <a:ln>
+              <a:solidFill>
+                <a:schemeClr val="bg1"/>
+              </a:solidFill>
+            </a:ln>
+          </p:spPr>
+          <p:style>
+            <a:lnRef idx="2">
+              <a:schemeClr val="accent1">
+                <a:shade val="50000"/>
+              </a:schemeClr>
+            </a:lnRef>
+            <a:fillRef idx="1">
+              <a:schemeClr val="accent1"/>
+            </a:fillRef>
+            <a:effectRef idx="0">
+              <a:schemeClr val="accent1"/>
+            </a:effectRef>
+            <a:fontRef idx="minor">
+              <a:schemeClr val="lt1"/>
+            </a:fontRef>
+          </p:style>
+          <p:txBody>
+            <a:bodyPr rtlCol="0" anchor="ctr"/>
+            <a:lstStyle/>
+            <a:p>
+              <a:pPr algn="ctr"/>
+              <a:r>
+                <a:rPr lang="fr-FR" sz="1500" b="1" dirty="0">
+                  <a:solidFill>
+                    <a:schemeClr val="bg1"/>
+                  </a:solidFill>
+                  <a:effectLst>
+                    <a:outerShdw blurRad="38100" dist="76200" dir="2700000" algn="tl">
+                      <a:srgbClr val="000000"/>
+                    </a:outerShdw>
+                  </a:effectLst>
+                  <a:latin typeface="Helvetica" panose="020B0604020202030204" pitchFamily="34" charset="0"/>
+                </a:rPr>
+                <a:t>Démonstration</a:t>
+              </a:r>
+              <a:endParaRPr lang="fr-FR" sz="1500" dirty="0">
+                <a:solidFill>
+                  <a:schemeClr val="tx1"/>
+                </a:solidFill>
+              </a:endParaRPr>
+            </a:p>
+          </p:txBody>
+        </p:sp>
+        <p:pic>
+          <p:nvPicPr>
+            <p:cNvPr id="6" name="Image 5">
+              <a:extLst>
+                <a:ext uri="{FF2B5EF4-FFF2-40B4-BE49-F238E27FC236}">
+                  <a16:creationId xmlns:a16="http://schemas.microsoft.com/office/drawing/2014/main" id="{2D0A881D-5AC2-4766-BD4C-5405D55C11A5}"/>
+                </a:ext>
+              </a:extLst>
+            </p:cNvPr>
+            <p:cNvPicPr>
+              <a:picLocks noChangeAspect="1"/>
+            </p:cNvPicPr>
+            <p:nvPr/>
+          </p:nvPicPr>
+          <p:blipFill>
+            <a:blip r:embed="rId3">
+              <a:extLst>
+                <a:ext uri="{28A0092B-C50C-407E-A947-70E740481C1C}">
+                  <a14:useLocalDpi xmlns:a14="http://schemas.microsoft.com/office/drawing/2010/main" val="0"/>
+                </a:ext>
+              </a:extLst>
+            </a:blip>
+            <a:stretch>
+              <a:fillRect/>
+            </a:stretch>
+          </p:blipFill>
+          <p:spPr>
+            <a:xfrm>
+              <a:off x="327166" y="0"/>
+              <a:ext cx="1566153" cy="1342417"/>
+            </a:xfrm>
+            <a:prstGeom prst="rect">
+              <a:avLst/>
+            </a:prstGeom>
+          </p:spPr>
+        </p:pic>
+      </p:grpSp>
+      <p:sp>
+        <p:nvSpPr>
+          <p:cNvPr id="10" name="ZoneTexte 9">
+            <a:extLst>
+              <a:ext uri="{FF2B5EF4-FFF2-40B4-BE49-F238E27FC236}">
+                <a16:creationId xmlns:a16="http://schemas.microsoft.com/office/drawing/2014/main" id="{CE36D8FB-1CD3-4D19-A954-A2CE97724692}"/>
+              </a:ext>
+            </a:extLst>
+          </p:cNvPr>
+          <p:cNvSpPr txBox="1"/>
+          <p:nvPr/>
+        </p:nvSpPr>
+        <p:spPr>
+          <a:xfrm>
+            <a:off x="336894" y="1225685"/>
+            <a:ext cx="11472482" cy="5369668"/>
+          </a:xfrm>
+          <a:prstGeom prst="rect">
+            <a:avLst/>
+          </a:prstGeom>
+          <a:solidFill>
+            <a:srgbClr val="FED449">
+              <a:alpha val="50000"/>
+            </a:srgbClr>
+          </a:solidFill>
+          <a:effectLst>
+            <a:softEdge rad="152400"/>
+          </a:effectLst>
+        </p:spPr>
+        <p:txBody>
+          <a:bodyPr wrap="square" rtlCol="0">
+            <a:spAutoFit/>
+          </a:bodyPr>
+          <a:lstStyle/>
+          <a:p>
+            <a:endParaRPr lang="fr-FR" dirty="0"/>
+          </a:p>
+        </p:txBody>
+      </p:sp>
+      <p:sp>
+        <p:nvSpPr>
+          <p:cNvPr id="2" name="ZoneTexte 1">
+            <a:extLst>
+              <a:ext uri="{FF2B5EF4-FFF2-40B4-BE49-F238E27FC236}">
+                <a16:creationId xmlns:a16="http://schemas.microsoft.com/office/drawing/2014/main" id="{40B2DBE0-4B31-4A4D-80D2-BF8EE6286B82}"/>
+              </a:ext>
+            </a:extLst>
+          </p:cNvPr>
+          <p:cNvSpPr txBox="1"/>
+          <p:nvPr/>
+        </p:nvSpPr>
+        <p:spPr>
+          <a:xfrm>
+            <a:off x="1090367" y="1674695"/>
+            <a:ext cx="10011266" cy="4524315"/>
+          </a:xfrm>
+          <a:prstGeom prst="rect">
+            <a:avLst/>
+          </a:prstGeom>
+          <a:noFill/>
+        </p:spPr>
+        <p:txBody>
+          <a:bodyPr wrap="square" rtlCol="0">
+            <a:spAutoFit/>
+          </a:bodyPr>
+          <a:lstStyle/>
+          <a:p>
+            <a:pPr algn="ctr"/>
+            <a:r>
+              <a:rPr lang="fr-FR" sz="2800" b="1" dirty="0">
+                <a:latin typeface="Helvetica" panose="020B0604020202030204" pitchFamily="34" charset="0"/>
+              </a:rPr>
+              <a:t>Répartition du travail</a:t>
+            </a:r>
+          </a:p>
+          <a:p>
+            <a:endParaRPr lang="fr-FR" sz="2800" dirty="0">
+              <a:latin typeface="Helvetica" panose="020B0604020202030204" pitchFamily="34" charset="0"/>
+            </a:endParaRPr>
+          </a:p>
+          <a:p>
+            <a:r>
+              <a:rPr lang="fr-FR" sz="2800" dirty="0">
+                <a:latin typeface="Helvetica" panose="020B0604020202030204" pitchFamily="34" charset="0"/>
+              </a:rPr>
+              <a:t>	-Partie conception et design</a:t>
+            </a:r>
+          </a:p>
+          <a:p>
+            <a:r>
+              <a:rPr lang="fr-FR" sz="2800" dirty="0">
+                <a:latin typeface="Helvetica" panose="020B0604020202030204" pitchFamily="34" charset="0"/>
+              </a:rPr>
+              <a:t>		</a:t>
+            </a:r>
+            <a:r>
+              <a:rPr lang="fr-FR" sz="2400" dirty="0">
+                <a:latin typeface="Helvetica" panose="020B0604020202030204" pitchFamily="34" charset="0"/>
+              </a:rPr>
+              <a:t>Camille</a:t>
+            </a:r>
+          </a:p>
+          <a:p>
+            <a:r>
+              <a:rPr lang="fr-FR" sz="2400" dirty="0">
+                <a:latin typeface="Helvetica" panose="020B0604020202030204" pitchFamily="34" charset="0"/>
+              </a:rPr>
+              <a:t>		Anis</a:t>
+            </a:r>
+          </a:p>
+          <a:p>
+            <a:r>
+              <a:rPr lang="fr-FR" sz="2400" dirty="0">
+                <a:latin typeface="Helvetica" panose="020B0604020202030204" pitchFamily="34" charset="0"/>
+              </a:rPr>
+              <a:t>		Dylan</a:t>
+            </a:r>
+          </a:p>
+          <a:p>
+            <a:endParaRPr lang="fr-FR" sz="2400" dirty="0">
+              <a:latin typeface="Helvetica" panose="020B0604020202030204" pitchFamily="34" charset="0"/>
+            </a:endParaRPr>
+          </a:p>
+          <a:p>
+            <a:r>
+              <a:rPr lang="fr-FR" sz="2800" dirty="0">
+                <a:latin typeface="Helvetica" panose="020B0604020202030204" pitchFamily="34" charset="0"/>
+              </a:rPr>
+              <a:t>	-Partie fonctionnelle</a:t>
+            </a:r>
+          </a:p>
+          <a:p>
+            <a:r>
+              <a:rPr lang="fr-FR" sz="2800" dirty="0">
+                <a:latin typeface="Helvetica" panose="020B0604020202030204" pitchFamily="34" charset="0"/>
+              </a:rPr>
+              <a:t>		</a:t>
+            </a:r>
+            <a:r>
+              <a:rPr lang="fr-FR" sz="2400" dirty="0">
+                <a:latin typeface="Helvetica" panose="020B0604020202030204" pitchFamily="34" charset="0"/>
+              </a:rPr>
+              <a:t>Jean Christophe</a:t>
+            </a:r>
+          </a:p>
+          <a:p>
+            <a:r>
+              <a:rPr lang="fr-FR" sz="2400" dirty="0">
+                <a:latin typeface="Helvetica" panose="020B0604020202030204" pitchFamily="34" charset="0"/>
+              </a:rPr>
+              <a:t>		Ken</a:t>
+            </a:r>
+          </a:p>
+          <a:p>
+            <a:r>
+              <a:rPr lang="fr-FR" sz="2400" dirty="0">
+                <a:latin typeface="Helvetica" panose="020B0604020202030204" pitchFamily="34" charset="0"/>
+              </a:rPr>
+              <a:t>		Mathias </a:t>
+            </a:r>
+          </a:p>
+        </p:txBody>
+      </p:sp>
+    </p:spTree>
+    <p:extLst>
+      <p:ext uri="{BB962C8B-B14F-4D97-AF65-F5344CB8AC3E}">
+        <p14:creationId xmlns:p14="http://schemas.microsoft.com/office/powerpoint/2010/main" val="62165084"/>
+      </p:ext>
+    </p:extLst>
+  </p:cSld>
+  <p:clrMapOvr>
+    <a:masterClrMapping/>
+  </p:clrMapOvr>
+</p:sld>
+</file>
+
+<file path=ppt/slides/slide8.xml><?xml version="1.0" encoding="utf-8"?>
+<p:sld xmlns:a="http://schemas.openxmlformats.org/drawingml/2006/main" xmlns:r="http://schemas.openxmlformats.org/officeDocument/2006/relationships" xmlns:p="http://schemas.openxmlformats.org/presentationml/2006/main">
+  <p:cSld>
+    <p:bg>
+      <p:bgPr>
+        <a:blipFill dpi="0" rotWithShape="1">
+          <a:blip r:embed="rId3">
+            <a:lum/>
+          </a:blip>
+          <a:srcRect/>
+          <a:stretch>
+            <a:fillRect/>
+          </a:stretch>
+        </a:blipFill>
+        <a:effectLst/>
+      </p:bgPr>
+    </p:bg>
+    <p:spTree>
+      <p:nvGrpSpPr>
+        <p:cNvPr id="1" name=""/>
+        <p:cNvGrpSpPr/>
+        <p:nvPr/>
+      </p:nvGrpSpPr>
+      <p:grpSpPr>
+        <a:xfrm>
+          <a:off x="0" y="0"/>
+          <a:ext cx="0" cy="0"/>
+          <a:chOff x="0" y="0"/>
+          <a:chExt cx="0" cy="0"/>
+        </a:xfrm>
+      </p:grpSpPr>
+      <p:grpSp>
+        <p:nvGrpSpPr>
+          <p:cNvPr id="7" name="Groupe 6">
+            <a:extLst>
+              <a:ext uri="{FF2B5EF4-FFF2-40B4-BE49-F238E27FC236}">
+                <a16:creationId xmlns:a16="http://schemas.microsoft.com/office/drawing/2014/main" id="{67E81936-583F-45AD-82CC-A5C937F4C87C}"/>
+              </a:ext>
+            </a:extLst>
+          </p:cNvPr>
+          <p:cNvGrpSpPr/>
+          <p:nvPr/>
+        </p:nvGrpSpPr>
+        <p:grpSpPr>
+          <a:xfrm>
+            <a:off x="327166" y="0"/>
+            <a:ext cx="11251304" cy="1342417"/>
+            <a:chOff x="327166" y="0"/>
+            <a:chExt cx="11251304" cy="1342417"/>
+          </a:xfrm>
+        </p:grpSpPr>
+        <p:sp>
+          <p:nvSpPr>
+            <p:cNvPr id="4" name="Flèche : chevron 3">
+              <a:extLst>
+                <a:ext uri="{FF2B5EF4-FFF2-40B4-BE49-F238E27FC236}">
+                  <a16:creationId xmlns:a16="http://schemas.microsoft.com/office/drawing/2014/main" id="{60D600DE-6FA0-4280-A81A-6DBE7691E92C}"/>
+                </a:ext>
+              </a:extLst>
+            </p:cNvPr>
+            <p:cNvSpPr/>
+            <p:nvPr/>
+          </p:nvSpPr>
+          <p:spPr>
+            <a:xfrm>
+              <a:off x="1268691" y="332278"/>
+              <a:ext cx="2309567" cy="688157"/>
+            </a:xfrm>
+            <a:prstGeom prst="chevron">
+              <a:avLst/>
+            </a:prstGeom>
+            <a:solidFill>
+              <a:srgbClr val="FED449"/>
+            </a:solidFill>
+            <a:ln>
+              <a:solidFill>
+                <a:schemeClr val="bg1"/>
+              </a:solidFill>
+            </a:ln>
+          </p:spPr>
+          <p:style>
+            <a:lnRef idx="2">
+              <a:schemeClr val="accent1">
+                <a:shade val="50000"/>
+              </a:schemeClr>
+            </a:lnRef>
+            <a:fillRef idx="1">
+              <a:schemeClr val="accent1"/>
+            </a:fillRef>
+            <a:effectRef idx="0">
+              <a:schemeClr val="accent1"/>
+            </a:effectRef>
+            <a:fontRef idx="minor">
+              <a:schemeClr val="lt1"/>
+            </a:fontRef>
+          </p:style>
+          <p:txBody>
+            <a:bodyPr rtlCol="0" anchor="ctr"/>
+            <a:lstStyle/>
+            <a:p>
+              <a:pPr algn="ctr"/>
+              <a:r>
+                <a:rPr lang="fr-FR" sz="1500" b="1" dirty="0">
+                  <a:solidFill>
+                    <a:schemeClr val="bg1"/>
+                  </a:solidFill>
+                  <a:effectLst>
+                    <a:outerShdw blurRad="38100" dist="76200" dir="2700000" algn="tl">
+                      <a:srgbClr val="000000"/>
+                    </a:outerShdw>
+                  </a:effectLst>
+                  <a:latin typeface="Helvetica" panose="020B0604020202030204" pitchFamily="34" charset="0"/>
+                </a:rPr>
+                <a:t>Etude du projet</a:t>
+              </a:r>
+            </a:p>
+          </p:txBody>
+        </p:sp>
+        <p:sp>
+          <p:nvSpPr>
+            <p:cNvPr id="16" name="Flèche : chevron 15">
+              <a:extLst>
+                <a:ext uri="{FF2B5EF4-FFF2-40B4-BE49-F238E27FC236}">
+                  <a16:creationId xmlns:a16="http://schemas.microsoft.com/office/drawing/2014/main" id="{F7655D32-22EC-4542-883E-4033865C1471}"/>
+                </a:ext>
+              </a:extLst>
+            </p:cNvPr>
+            <p:cNvSpPr/>
+            <p:nvPr/>
+          </p:nvSpPr>
+          <p:spPr>
+            <a:xfrm>
+              <a:off x="9268903" y="332277"/>
+              <a:ext cx="2309567" cy="688157"/>
+            </a:xfrm>
+            <a:prstGeom prst="chevron">
+              <a:avLst/>
+            </a:prstGeom>
+            <a:solidFill>
+              <a:srgbClr val="FED449"/>
+            </a:solidFill>
+            <a:ln>
+              <a:solidFill>
+                <a:schemeClr val="bg1"/>
+              </a:solidFill>
+            </a:ln>
+          </p:spPr>
+          <p:style>
+            <a:lnRef idx="2">
+              <a:schemeClr val="accent1">
+                <a:shade val="50000"/>
+              </a:schemeClr>
+            </a:lnRef>
+            <a:fillRef idx="1">
+              <a:schemeClr val="accent1"/>
+            </a:fillRef>
+            <a:effectRef idx="0">
+              <a:schemeClr val="accent1"/>
+            </a:effectRef>
+            <a:fontRef idx="minor">
+              <a:schemeClr val="lt1"/>
+            </a:fontRef>
+          </p:style>
+          <p:txBody>
+            <a:bodyPr rtlCol="0" anchor="ctr"/>
+            <a:lstStyle/>
+            <a:p>
+              <a:pPr algn="ctr"/>
+              <a:r>
+                <a:rPr lang="fr-FR" sz="1600" b="1" dirty="0">
+                  <a:solidFill>
+                    <a:schemeClr val="bg1"/>
+                  </a:solidFill>
+                  <a:effectLst>
+                    <a:outerShdw blurRad="38100" dist="76200" dir="2700000" algn="tl">
+                      <a:srgbClr val="000000"/>
+                    </a:outerShdw>
+                  </a:effectLst>
+                  <a:latin typeface="Helvetica" panose="020B0604020202030204" pitchFamily="34" charset="0"/>
+                </a:rPr>
+                <a:t>Conclusion</a:t>
+              </a:r>
+            </a:p>
+          </p:txBody>
+        </p:sp>
+        <p:sp>
+          <p:nvSpPr>
+            <p:cNvPr id="17" name="Flèche : chevron 16">
+              <a:extLst>
+                <a:ext uri="{FF2B5EF4-FFF2-40B4-BE49-F238E27FC236}">
+                  <a16:creationId xmlns:a16="http://schemas.microsoft.com/office/drawing/2014/main" id="{30C36617-CB5C-40F8-B05D-7053886FD5EF}"/>
+                </a:ext>
+              </a:extLst>
+            </p:cNvPr>
+            <p:cNvSpPr/>
+            <p:nvPr/>
+          </p:nvSpPr>
+          <p:spPr>
+            <a:xfrm>
+              <a:off x="3268744" y="332277"/>
+              <a:ext cx="2309567" cy="688157"/>
+            </a:xfrm>
+            <a:prstGeom prst="chevron">
+              <a:avLst/>
+            </a:prstGeom>
+            <a:solidFill>
+              <a:srgbClr val="88CE62"/>
+            </a:solidFill>
+            <a:ln>
+              <a:solidFill>
+                <a:schemeClr val="bg1"/>
+              </a:solidFill>
+            </a:ln>
+          </p:spPr>
+          <p:style>
+            <a:lnRef idx="2">
+              <a:schemeClr val="accent1">
+                <a:shade val="50000"/>
+              </a:schemeClr>
+            </a:lnRef>
+            <a:fillRef idx="1">
+              <a:schemeClr val="accent1"/>
+            </a:fillRef>
+            <a:effectRef idx="0">
+              <a:schemeClr val="accent1"/>
+            </a:effectRef>
+            <a:fontRef idx="minor">
+              <a:schemeClr val="lt1"/>
+            </a:fontRef>
+          </p:style>
+          <p:txBody>
+            <a:bodyPr rtlCol="0" anchor="ctr"/>
+            <a:lstStyle/>
+            <a:p>
+              <a:pPr algn="ctr"/>
+              <a:r>
+                <a:rPr lang="fr-FR" sz="1500" b="1" dirty="0">
+                  <a:solidFill>
+                    <a:schemeClr val="bg1"/>
+                  </a:solidFill>
+                  <a:effectLst>
+                    <a:outerShdw blurRad="38100" dist="76200" dir="2700000" algn="tl">
+                      <a:srgbClr val="000000"/>
+                    </a:outerShdw>
+                  </a:effectLst>
+                  <a:latin typeface="Helvetica" panose="020B0604020202030204" pitchFamily="34" charset="0"/>
+                </a:rPr>
+                <a:t>Organisation</a:t>
+              </a:r>
+            </a:p>
+          </p:txBody>
+        </p:sp>
+        <p:sp>
+          <p:nvSpPr>
+            <p:cNvPr id="18" name="Flèche : chevron 17">
+              <a:extLst>
+                <a:ext uri="{FF2B5EF4-FFF2-40B4-BE49-F238E27FC236}">
+                  <a16:creationId xmlns:a16="http://schemas.microsoft.com/office/drawing/2014/main" id="{A33478E5-51C7-4324-9E5C-0845E032CF0C}"/>
+                </a:ext>
+              </a:extLst>
+            </p:cNvPr>
+            <p:cNvSpPr/>
+            <p:nvPr/>
+          </p:nvSpPr>
+          <p:spPr>
+            <a:xfrm>
+              <a:off x="5268797" y="332704"/>
+              <a:ext cx="2309567" cy="688157"/>
+            </a:xfrm>
+            <a:prstGeom prst="chevron">
+              <a:avLst/>
+            </a:prstGeom>
+            <a:solidFill>
+              <a:srgbClr val="FED449"/>
+            </a:solidFill>
+            <a:ln>
+              <a:solidFill>
+                <a:schemeClr val="bg1"/>
+              </a:solidFill>
+            </a:ln>
+          </p:spPr>
+          <p:style>
+            <a:lnRef idx="2">
+              <a:schemeClr val="accent1">
+                <a:shade val="50000"/>
+              </a:schemeClr>
+            </a:lnRef>
+            <a:fillRef idx="1">
+              <a:schemeClr val="accent1"/>
+            </a:fillRef>
+            <a:effectRef idx="0">
+              <a:schemeClr val="accent1"/>
+            </a:effectRef>
+            <a:fontRef idx="minor">
+              <a:schemeClr val="lt1"/>
+            </a:fontRef>
+          </p:style>
+          <p:txBody>
+            <a:bodyPr rtlCol="0" anchor="ctr"/>
+            <a:lstStyle/>
+            <a:p>
+              <a:pPr algn="ctr"/>
+              <a:r>
+                <a:rPr lang="fr-FR" sz="1500" b="1" dirty="0">
+                  <a:solidFill>
+                    <a:schemeClr val="bg1"/>
+                  </a:solidFill>
+                  <a:effectLst>
+                    <a:outerShdw blurRad="38100" dist="76200" dir="2700000" algn="tl">
+                      <a:srgbClr val="000000"/>
+                    </a:outerShdw>
+                  </a:effectLst>
+                  <a:latin typeface="Helvetica" panose="020B0604020202030204" pitchFamily="34" charset="0"/>
+                </a:rPr>
+                <a:t>Développement</a:t>
+              </a:r>
+            </a:p>
+          </p:txBody>
+        </p:sp>
+        <p:sp>
+          <p:nvSpPr>
+            <p:cNvPr id="19" name="Flèche : chevron 18">
+              <a:extLst>
+                <a:ext uri="{FF2B5EF4-FFF2-40B4-BE49-F238E27FC236}">
+                  <a16:creationId xmlns:a16="http://schemas.microsoft.com/office/drawing/2014/main" id="{8795E004-010B-4219-8B10-37FA6D3A7781}"/>
+                </a:ext>
+              </a:extLst>
+            </p:cNvPr>
+            <p:cNvSpPr/>
+            <p:nvPr/>
+          </p:nvSpPr>
+          <p:spPr>
+            <a:xfrm>
+              <a:off x="7268850" y="332703"/>
+              <a:ext cx="2309567" cy="688157"/>
+            </a:xfrm>
+            <a:prstGeom prst="chevron">
+              <a:avLst/>
+            </a:prstGeom>
+            <a:solidFill>
+              <a:srgbClr val="FED449"/>
+            </a:solidFill>
+            <a:ln>
+              <a:solidFill>
+                <a:schemeClr val="bg1"/>
+              </a:solidFill>
+            </a:ln>
+          </p:spPr>
+          <p:style>
+            <a:lnRef idx="2">
+              <a:schemeClr val="accent1">
+                <a:shade val="50000"/>
+              </a:schemeClr>
+            </a:lnRef>
+            <a:fillRef idx="1">
+              <a:schemeClr val="accent1"/>
+            </a:fillRef>
+            <a:effectRef idx="0">
+              <a:schemeClr val="accent1"/>
+            </a:effectRef>
+            <a:fontRef idx="minor">
+              <a:schemeClr val="lt1"/>
+            </a:fontRef>
+          </p:style>
+          <p:txBody>
+            <a:bodyPr rtlCol="0" anchor="ctr"/>
+            <a:lstStyle/>
+            <a:p>
+              <a:pPr algn="ctr"/>
+              <a:r>
+                <a:rPr lang="fr-FR" sz="1500" b="1" dirty="0">
+                  <a:solidFill>
+                    <a:schemeClr val="bg1"/>
+                  </a:solidFill>
+                  <a:effectLst>
+                    <a:outerShdw blurRad="38100" dist="76200" dir="2700000" algn="tl">
+                      <a:srgbClr val="000000"/>
+                    </a:outerShdw>
+                  </a:effectLst>
+                  <a:latin typeface="Helvetica" panose="020B0604020202030204" pitchFamily="34" charset="0"/>
+                </a:rPr>
+                <a:t>Démonstration</a:t>
+              </a:r>
+              <a:endParaRPr lang="fr-FR" sz="1500" dirty="0">
+                <a:solidFill>
+                  <a:schemeClr val="tx1"/>
+                </a:solidFill>
+              </a:endParaRPr>
+            </a:p>
+          </p:txBody>
+        </p:sp>
+        <p:pic>
+          <p:nvPicPr>
+            <p:cNvPr id="6" name="Image 5">
+              <a:extLst>
+                <a:ext uri="{FF2B5EF4-FFF2-40B4-BE49-F238E27FC236}">
+                  <a16:creationId xmlns:a16="http://schemas.microsoft.com/office/drawing/2014/main" id="{2D0A881D-5AC2-4766-BD4C-5405D55C11A5}"/>
+                </a:ext>
+              </a:extLst>
+            </p:cNvPr>
+            <p:cNvPicPr>
+              <a:picLocks noChangeAspect="1"/>
+            </p:cNvPicPr>
+            <p:nvPr/>
+          </p:nvPicPr>
+          <p:blipFill>
+            <a:blip r:embed="rId4">
+              <a:extLst>
+                <a:ext uri="{28A0092B-C50C-407E-A947-70E740481C1C}">
+                  <a14:useLocalDpi xmlns:a14="http://schemas.microsoft.com/office/drawing/2010/main" val="0"/>
+                </a:ext>
+              </a:extLst>
+            </a:blip>
+            <a:stretch>
+              <a:fillRect/>
+            </a:stretch>
+          </p:blipFill>
+          <p:spPr>
+            <a:xfrm>
+              <a:off x="327166" y="0"/>
+              <a:ext cx="1566153" cy="1342417"/>
+            </a:xfrm>
+            <a:prstGeom prst="rect">
+              <a:avLst/>
+            </a:prstGeom>
+          </p:spPr>
+        </p:pic>
+      </p:grpSp>
+      <p:sp>
+        <p:nvSpPr>
+          <p:cNvPr id="10" name="ZoneTexte 9">
+            <a:extLst>
+              <a:ext uri="{FF2B5EF4-FFF2-40B4-BE49-F238E27FC236}">
+                <a16:creationId xmlns:a16="http://schemas.microsoft.com/office/drawing/2014/main" id="{CE36D8FB-1CD3-4D19-A954-A2CE97724692}"/>
+              </a:ext>
+            </a:extLst>
+          </p:cNvPr>
+          <p:cNvSpPr txBox="1"/>
+          <p:nvPr/>
+        </p:nvSpPr>
+        <p:spPr>
+          <a:xfrm>
+            <a:off x="336894" y="1225685"/>
+            <a:ext cx="11472482" cy="5369668"/>
+          </a:xfrm>
+          <a:prstGeom prst="rect">
+            <a:avLst/>
+          </a:prstGeom>
+          <a:solidFill>
+            <a:srgbClr val="FED449">
+              <a:alpha val="50000"/>
+            </a:srgbClr>
+          </a:solidFill>
+          <a:effectLst>
+            <a:softEdge rad="152400"/>
+          </a:effectLst>
+        </p:spPr>
+        <p:txBody>
+          <a:bodyPr wrap="square" rtlCol="0">
+            <a:spAutoFit/>
+          </a:bodyPr>
+          <a:lstStyle/>
+          <a:p>
+            <a:endParaRPr lang="fr-FR" dirty="0"/>
+          </a:p>
+        </p:txBody>
+      </p:sp>
+      <p:graphicFrame>
+        <p:nvGraphicFramePr>
+          <p:cNvPr id="5" name="Objet 4">
+            <a:extLst>
+              <a:ext uri="{FF2B5EF4-FFF2-40B4-BE49-F238E27FC236}">
+                <a16:creationId xmlns:a16="http://schemas.microsoft.com/office/drawing/2014/main" id="{D2876336-B09B-45B8-8F8D-0F21E1D386C2}"/>
+              </a:ext>
+            </a:extLst>
+          </p:cNvPr>
+          <p:cNvGraphicFramePr>
+            <a:graphicFrameLocks noChangeAspect="1"/>
+          </p:cNvGraphicFramePr>
+          <p:nvPr>
+            <p:extLst>
+              <p:ext uri="{D42A27DB-BD31-4B8C-83A1-F6EECF244321}">
+                <p14:modId xmlns:p14="http://schemas.microsoft.com/office/powerpoint/2010/main" val="1145264400"/>
+              </p:ext>
+            </p:extLst>
+          </p:nvPr>
+        </p:nvGraphicFramePr>
+        <p:xfrm>
+          <a:off x="694669" y="2778125"/>
+          <a:ext cx="10725150" cy="3236913"/>
+        </p:xfrm>
+        <a:graphic>
+          <a:graphicData uri="http://schemas.openxmlformats.org/presentationml/2006/ole">
+            <mc:AlternateContent xmlns:mc="http://schemas.openxmlformats.org/markup-compatibility/2006">
+              <mc:Choice xmlns:v="urn:schemas-microsoft-com:vml" Requires="v">
+                <p:oleObj spid="_x0000_s1051" name="Worksheet" r:id="rId5" imgW="6865398" imgH="1562197" progId="Excel.Sheet.12">
+                  <p:embed/>
+                </p:oleObj>
+              </mc:Choice>
+              <mc:Fallback>
+                <p:oleObj name="Worksheet" r:id="rId5" imgW="6865398" imgH="1562197" progId="Excel.Sheet.12">
+                  <p:embed/>
+                  <p:pic>
+                    <p:nvPicPr>
+                      <p:cNvPr id="0" name=""/>
+                      <p:cNvPicPr/>
+                      <p:nvPr/>
+                    </p:nvPicPr>
+                    <p:blipFill>
+                      <a:blip r:embed="rId6"/>
+                      <a:stretch>
+                        <a:fillRect/>
+                      </a:stretch>
+                    </p:blipFill>
+                    <p:spPr>
+                      <a:xfrm>
+                        <a:off x="694669" y="2778125"/>
+                        <a:ext cx="10725150" cy="3236913"/>
+                      </a:xfrm>
+                      <a:prstGeom prst="rect">
+                        <a:avLst/>
+                      </a:prstGeom>
+                    </p:spPr>
+                  </p:pic>
+                </p:oleObj>
+              </mc:Fallback>
+            </mc:AlternateContent>
+          </a:graphicData>
+        </a:graphic>
+      </p:graphicFrame>
+      <p:sp>
+        <p:nvSpPr>
+          <p:cNvPr id="13" name="ZoneTexte 12">
+            <a:extLst>
+              <a:ext uri="{FF2B5EF4-FFF2-40B4-BE49-F238E27FC236}">
+                <a16:creationId xmlns:a16="http://schemas.microsoft.com/office/drawing/2014/main" id="{F519B134-C518-410D-B895-21685D8B174B}"/>
+              </a:ext>
+            </a:extLst>
+          </p:cNvPr>
+          <p:cNvSpPr txBox="1"/>
+          <p:nvPr/>
+        </p:nvSpPr>
+        <p:spPr>
+          <a:xfrm>
+            <a:off x="1090367" y="1674695"/>
+            <a:ext cx="10011266" cy="523220"/>
+          </a:xfrm>
+          <a:prstGeom prst="rect">
+            <a:avLst/>
+          </a:prstGeom>
+          <a:noFill/>
+        </p:spPr>
+        <p:txBody>
+          <a:bodyPr wrap="square" rtlCol="0">
+            <a:spAutoFit/>
+          </a:bodyPr>
+          <a:lstStyle/>
+          <a:p>
+            <a:pPr algn="ctr"/>
+            <a:r>
+              <a:rPr lang="fr-FR" sz="2800" b="1" dirty="0">
+                <a:latin typeface="Helvetica" panose="020B0604020202030204" pitchFamily="34" charset="0"/>
+              </a:rPr>
+              <a:t>Diagramme de GANTT</a:t>
+            </a:r>
+            <a:endParaRPr lang="fr-FR" sz="2400" b="1" dirty="0">
+              <a:latin typeface="Helvetica" panose="020B0604020202030204" pitchFamily="34" charset="0"/>
+            </a:endParaRPr>
+          </a:p>
+        </p:txBody>
+      </p:sp>
+    </p:spTree>
+    <p:extLst>
+      <p:ext uri="{BB962C8B-B14F-4D97-AF65-F5344CB8AC3E}">
+        <p14:creationId xmlns:p14="http://schemas.microsoft.com/office/powerpoint/2010/main" val="992728714"/>
+      </p:ext>
+    </p:extLst>
+  </p:cSld>
+  <p:clrMapOvr>
+    <a:masterClrMapping/>
+  </p:clrMapOvr>
+</p:sld>
+</file>
+
+<file path=ppt/slides/slide9.xml><?xml version="1.0" encoding="utf-8"?>
+<p:sld xmlns:a="http://schemas.openxmlformats.org/drawingml/2006/main" xmlns:r="http://schemas.openxmlformats.org/officeDocument/2006/relationships" xmlns:p="http://schemas.openxmlformats.org/presentationml/2006/main">
+  <p:cSld>
+    <p:bg>
+      <p:bgPr>
+        <a:blipFill dpi="0" rotWithShape="1">
+          <a:blip r:embed="rId2">
+            <a:lum/>
+          </a:blip>
+          <a:srcRect/>
+          <a:stretch>
+            <a:fillRect/>
+          </a:stretch>
+        </a:blipFill>
+        <a:effectLst/>
+      </p:bgPr>
+    </p:bg>
+    <p:spTree>
+      <p:nvGrpSpPr>
+        <p:cNvPr id="1" name=""/>
+        <p:cNvGrpSpPr/>
+        <p:nvPr/>
+      </p:nvGrpSpPr>
+      <p:grpSpPr>
+        <a:xfrm>
+          <a:off x="0" y="0"/>
+          <a:ext cx="0" cy="0"/>
+          <a:chOff x="0" y="0"/>
+          <a:chExt cx="0" cy="0"/>
+        </a:xfrm>
+      </p:grpSpPr>
+      <p:grpSp>
+        <p:nvGrpSpPr>
+          <p:cNvPr id="7" name="Groupe 6">
+            <a:extLst>
+              <a:ext uri="{FF2B5EF4-FFF2-40B4-BE49-F238E27FC236}">
+                <a16:creationId xmlns:a16="http://schemas.microsoft.com/office/drawing/2014/main" id="{67E81936-583F-45AD-82CC-A5C937F4C87C}"/>
+              </a:ext>
+            </a:extLst>
+          </p:cNvPr>
+          <p:cNvGrpSpPr/>
+          <p:nvPr/>
+        </p:nvGrpSpPr>
+        <p:grpSpPr>
+          <a:xfrm>
+            <a:off x="327166" y="0"/>
+            <a:ext cx="11251304" cy="1342417"/>
+            <a:chOff x="327166" y="0"/>
+            <a:chExt cx="11251304" cy="1342417"/>
+          </a:xfrm>
+        </p:grpSpPr>
+        <p:sp>
+          <p:nvSpPr>
+            <p:cNvPr id="4" name="Flèche : chevron 3">
+              <a:extLst>
+                <a:ext uri="{FF2B5EF4-FFF2-40B4-BE49-F238E27FC236}">
+                  <a16:creationId xmlns:a16="http://schemas.microsoft.com/office/drawing/2014/main" id="{60D600DE-6FA0-4280-A81A-6DBE7691E92C}"/>
+                </a:ext>
+              </a:extLst>
+            </p:cNvPr>
+            <p:cNvSpPr/>
+            <p:nvPr/>
+          </p:nvSpPr>
+          <p:spPr>
+            <a:xfrm>
+              <a:off x="1268691" y="332278"/>
+              <a:ext cx="2309567" cy="688157"/>
+            </a:xfrm>
+            <a:prstGeom prst="chevron">
+              <a:avLst/>
+            </a:prstGeom>
+            <a:solidFill>
+              <a:srgbClr val="FED449"/>
+            </a:solidFill>
+            <a:ln>
+              <a:solidFill>
+                <a:schemeClr val="bg1"/>
+              </a:solidFill>
+            </a:ln>
+          </p:spPr>
+          <p:style>
+            <a:lnRef idx="2">
+              <a:schemeClr val="accent1">
+                <a:shade val="50000"/>
+              </a:schemeClr>
+            </a:lnRef>
+            <a:fillRef idx="1">
+              <a:schemeClr val="accent1"/>
+            </a:fillRef>
+            <a:effectRef idx="0">
+              <a:schemeClr val="accent1"/>
+            </a:effectRef>
+            <a:fontRef idx="minor">
+              <a:schemeClr val="lt1"/>
+            </a:fontRef>
+          </p:style>
+          <p:txBody>
+            <a:bodyPr rtlCol="0" anchor="ctr"/>
+            <a:lstStyle/>
+            <a:p>
+              <a:pPr algn="ctr"/>
+              <a:r>
+                <a:rPr lang="fr-FR" sz="1500" b="1" dirty="0">
+                  <a:solidFill>
+                    <a:schemeClr val="bg1"/>
+                  </a:solidFill>
+                  <a:effectLst>
+                    <a:outerShdw blurRad="38100" dist="76200" dir="2700000" algn="tl">
+                      <a:srgbClr val="000000"/>
+                    </a:outerShdw>
+                  </a:effectLst>
+                  <a:latin typeface="Helvetica" panose="020B0604020202030204" pitchFamily="34" charset="0"/>
+                </a:rPr>
+                <a:t>Etude du projet</a:t>
+              </a:r>
+            </a:p>
+          </p:txBody>
+        </p:sp>
+        <p:sp>
+          <p:nvSpPr>
+            <p:cNvPr id="16" name="Flèche : chevron 15">
+              <a:extLst>
+                <a:ext uri="{FF2B5EF4-FFF2-40B4-BE49-F238E27FC236}">
+                  <a16:creationId xmlns:a16="http://schemas.microsoft.com/office/drawing/2014/main" id="{F7655D32-22EC-4542-883E-4033865C1471}"/>
+                </a:ext>
+              </a:extLst>
+            </p:cNvPr>
+            <p:cNvSpPr/>
+            <p:nvPr/>
+          </p:nvSpPr>
+          <p:spPr>
+            <a:xfrm>
+              <a:off x="9268903" y="332277"/>
+              <a:ext cx="2309567" cy="688157"/>
+            </a:xfrm>
+            <a:prstGeom prst="chevron">
+              <a:avLst/>
+            </a:prstGeom>
+            <a:solidFill>
+              <a:srgbClr val="FED449"/>
+            </a:solidFill>
+            <a:ln>
+              <a:solidFill>
+                <a:schemeClr val="bg1"/>
+              </a:solidFill>
+            </a:ln>
+          </p:spPr>
+          <p:style>
+            <a:lnRef idx="2">
+              <a:schemeClr val="accent1">
+                <a:shade val="50000"/>
+              </a:schemeClr>
+            </a:lnRef>
+            <a:fillRef idx="1">
+              <a:schemeClr val="accent1"/>
+            </a:fillRef>
+            <a:effectRef idx="0">
+              <a:schemeClr val="accent1"/>
+            </a:effectRef>
+            <a:fontRef idx="minor">
+              <a:schemeClr val="lt1"/>
+            </a:fontRef>
+          </p:style>
+          <p:txBody>
+            <a:bodyPr rtlCol="0" anchor="ctr"/>
+            <a:lstStyle/>
+            <a:p>
+              <a:pPr algn="ctr"/>
+              <a:r>
+                <a:rPr lang="fr-FR" sz="1600" b="1" dirty="0">
+                  <a:solidFill>
+                    <a:schemeClr val="bg1"/>
+                  </a:solidFill>
+                  <a:effectLst>
+                    <a:outerShdw blurRad="38100" dist="76200" dir="2700000" algn="tl">
+                      <a:srgbClr val="000000"/>
+                    </a:outerShdw>
+                  </a:effectLst>
+                  <a:latin typeface="Helvetica" panose="020B0604020202030204" pitchFamily="34" charset="0"/>
+                </a:rPr>
+                <a:t>Conclusion</a:t>
+              </a:r>
+            </a:p>
+          </p:txBody>
+        </p:sp>
+        <p:sp>
+          <p:nvSpPr>
+            <p:cNvPr id="17" name="Flèche : chevron 16">
+              <a:extLst>
+                <a:ext uri="{FF2B5EF4-FFF2-40B4-BE49-F238E27FC236}">
+                  <a16:creationId xmlns:a16="http://schemas.microsoft.com/office/drawing/2014/main" id="{30C36617-CB5C-40F8-B05D-7053886FD5EF}"/>
+                </a:ext>
+              </a:extLst>
+            </p:cNvPr>
+            <p:cNvSpPr/>
+            <p:nvPr/>
+          </p:nvSpPr>
+          <p:spPr>
+            <a:xfrm>
+              <a:off x="3268744" y="332277"/>
+              <a:ext cx="2309567" cy="688157"/>
+            </a:xfrm>
+            <a:prstGeom prst="chevron">
+              <a:avLst/>
+            </a:prstGeom>
+            <a:solidFill>
+              <a:srgbClr val="FED449"/>
+            </a:solidFill>
+            <a:ln>
+              <a:solidFill>
+                <a:schemeClr val="bg1"/>
+              </a:solidFill>
+            </a:ln>
+          </p:spPr>
+          <p:style>
+            <a:lnRef idx="2">
+              <a:schemeClr val="accent1">
+                <a:shade val="50000"/>
+              </a:schemeClr>
+            </a:lnRef>
+            <a:fillRef idx="1">
+              <a:schemeClr val="accent1"/>
+            </a:fillRef>
+            <a:effectRef idx="0">
+              <a:schemeClr val="accent1"/>
+            </a:effectRef>
+            <a:fontRef idx="minor">
+              <a:schemeClr val="lt1"/>
+            </a:fontRef>
+          </p:style>
+          <p:txBody>
+            <a:bodyPr rtlCol="0" anchor="ctr"/>
+            <a:lstStyle/>
+            <a:p>
+              <a:pPr algn="ctr"/>
+              <a:r>
+                <a:rPr lang="fr-FR" sz="1500" b="1" dirty="0">
+                  <a:solidFill>
+                    <a:schemeClr val="bg1"/>
+                  </a:solidFill>
+                  <a:effectLst>
+                    <a:outerShdw blurRad="38100" dist="76200" dir="2700000" algn="tl">
+                      <a:srgbClr val="000000"/>
+                    </a:outerShdw>
+                  </a:effectLst>
+                  <a:latin typeface="Helvetica" panose="020B0604020202030204" pitchFamily="34" charset="0"/>
+                </a:rPr>
+                <a:t>Organisation</a:t>
+              </a:r>
+            </a:p>
+          </p:txBody>
+        </p:sp>
+        <p:sp>
+          <p:nvSpPr>
+            <p:cNvPr id="18" name="Flèche : chevron 17">
+              <a:extLst>
+                <a:ext uri="{FF2B5EF4-FFF2-40B4-BE49-F238E27FC236}">
+                  <a16:creationId xmlns:a16="http://schemas.microsoft.com/office/drawing/2014/main" id="{A33478E5-51C7-4324-9E5C-0845E032CF0C}"/>
+                </a:ext>
+              </a:extLst>
+            </p:cNvPr>
+            <p:cNvSpPr/>
+            <p:nvPr/>
+          </p:nvSpPr>
+          <p:spPr>
+            <a:xfrm>
+              <a:off x="5268797" y="332704"/>
+              <a:ext cx="2309567" cy="688157"/>
+            </a:xfrm>
+            <a:prstGeom prst="chevron">
+              <a:avLst/>
+            </a:prstGeom>
+            <a:solidFill>
+              <a:srgbClr val="88CE62"/>
+            </a:solidFill>
+            <a:ln>
+              <a:solidFill>
+                <a:schemeClr val="bg1"/>
+              </a:solidFill>
+            </a:ln>
+          </p:spPr>
+          <p:style>
+            <a:lnRef idx="2">
+              <a:schemeClr val="accent1">
+                <a:shade val="50000"/>
+              </a:schemeClr>
+            </a:lnRef>
+            <a:fillRef idx="1">
+              <a:schemeClr val="accent1"/>
+            </a:fillRef>
+            <a:effectRef idx="0">
+              <a:schemeClr val="accent1"/>
+            </a:effectRef>
+            <a:fontRef idx="minor">
+              <a:schemeClr val="lt1"/>
+            </a:fontRef>
+          </p:style>
+          <p:txBody>
+            <a:bodyPr rtlCol="0" anchor="ctr"/>
+            <a:lstStyle/>
+            <a:p>
+              <a:pPr algn="ctr"/>
+              <a:r>
+                <a:rPr lang="fr-FR" sz="1500" b="1" dirty="0">
+                  <a:solidFill>
+                    <a:schemeClr val="bg1"/>
+                  </a:solidFill>
+                  <a:effectLst>
+                    <a:outerShdw blurRad="38100" dist="76200" dir="2700000" algn="tl">
+                      <a:srgbClr val="000000"/>
+                    </a:outerShdw>
+                  </a:effectLst>
+                  <a:latin typeface="Helvetica" panose="020B0604020202030204" pitchFamily="34" charset="0"/>
+                </a:rPr>
+                <a:t>Développement</a:t>
+              </a:r>
+            </a:p>
+          </p:txBody>
+        </p:sp>
+        <p:sp>
+          <p:nvSpPr>
+            <p:cNvPr id="19" name="Flèche : chevron 18">
+              <a:extLst>
+                <a:ext uri="{FF2B5EF4-FFF2-40B4-BE49-F238E27FC236}">
+                  <a16:creationId xmlns:a16="http://schemas.microsoft.com/office/drawing/2014/main" id="{8795E004-010B-4219-8B10-37FA6D3A7781}"/>
+                </a:ext>
+              </a:extLst>
+            </p:cNvPr>
+            <p:cNvSpPr/>
+            <p:nvPr/>
+          </p:nvSpPr>
+          <p:spPr>
+            <a:xfrm>
+              <a:off x="7268850" y="332703"/>
+              <a:ext cx="2309567" cy="688157"/>
+            </a:xfrm>
+            <a:prstGeom prst="chevron">
+              <a:avLst/>
+            </a:prstGeom>
+            <a:solidFill>
+              <a:srgbClr val="FED449"/>
+            </a:solidFill>
+            <a:ln>
+              <a:solidFill>
+                <a:schemeClr val="bg1"/>
+              </a:solidFill>
+            </a:ln>
+          </p:spPr>
+          <p:style>
+            <a:lnRef idx="2">
+              <a:schemeClr val="accent1">
+                <a:shade val="50000"/>
+              </a:schemeClr>
+            </a:lnRef>
+            <a:fillRef idx="1">
+              <a:schemeClr val="accent1"/>
+            </a:fillRef>
+            <a:effectRef idx="0">
+              <a:schemeClr val="accent1"/>
+            </a:effectRef>
+            <a:fontRef idx="minor">
+              <a:schemeClr val="lt1"/>
+            </a:fontRef>
+          </p:style>
+          <p:txBody>
+            <a:bodyPr rtlCol="0" anchor="ctr"/>
+            <a:lstStyle/>
+            <a:p>
+              <a:pPr algn="ctr"/>
+              <a:r>
+                <a:rPr lang="fr-FR" sz="1500" b="1" dirty="0">
+                  <a:solidFill>
+                    <a:schemeClr val="bg1"/>
+                  </a:solidFill>
+                  <a:effectLst>
+                    <a:outerShdw blurRad="38100" dist="76200" dir="2700000" algn="tl">
+                      <a:srgbClr val="000000"/>
+                    </a:outerShdw>
+                  </a:effectLst>
+                  <a:latin typeface="Helvetica" panose="020B0604020202030204" pitchFamily="34" charset="0"/>
+                </a:rPr>
+                <a:t>Démonstration</a:t>
+              </a:r>
+              <a:endParaRPr lang="fr-FR" sz="1500" dirty="0">
+                <a:solidFill>
+                  <a:schemeClr val="tx1"/>
+                </a:solidFill>
+              </a:endParaRPr>
+            </a:p>
+          </p:txBody>
+        </p:sp>
+        <p:pic>
+          <p:nvPicPr>
+            <p:cNvPr id="6" name="Image 5">
+              <a:extLst>
+                <a:ext uri="{FF2B5EF4-FFF2-40B4-BE49-F238E27FC236}">
+                  <a16:creationId xmlns:a16="http://schemas.microsoft.com/office/drawing/2014/main" id="{2D0A881D-5AC2-4766-BD4C-5405D55C11A5}"/>
+                </a:ext>
+              </a:extLst>
+            </p:cNvPr>
+            <p:cNvPicPr>
+              <a:picLocks noChangeAspect="1"/>
+            </p:cNvPicPr>
+            <p:nvPr/>
+          </p:nvPicPr>
+          <p:blipFill>
+            <a:blip r:embed="rId3">
+              <a:extLst>
+                <a:ext uri="{28A0092B-C50C-407E-A947-70E740481C1C}">
+                  <a14:useLocalDpi xmlns:a14="http://schemas.microsoft.com/office/drawing/2010/main" val="0"/>
+                </a:ext>
+              </a:extLst>
+            </a:blip>
+            <a:stretch>
+              <a:fillRect/>
+            </a:stretch>
+          </p:blipFill>
+          <p:spPr>
+            <a:xfrm>
+              <a:off x="327166" y="0"/>
+              <a:ext cx="1566153" cy="1342417"/>
+            </a:xfrm>
+            <a:prstGeom prst="rect">
+              <a:avLst/>
+            </a:prstGeom>
+          </p:spPr>
+        </p:pic>
+      </p:grpSp>
+      <p:sp>
+        <p:nvSpPr>
+          <p:cNvPr id="10" name="ZoneTexte 9">
+            <a:extLst>
+              <a:ext uri="{FF2B5EF4-FFF2-40B4-BE49-F238E27FC236}">
+                <a16:creationId xmlns:a16="http://schemas.microsoft.com/office/drawing/2014/main" id="{CE36D8FB-1CD3-4D19-A954-A2CE97724692}"/>
+              </a:ext>
+            </a:extLst>
+          </p:cNvPr>
+          <p:cNvSpPr txBox="1"/>
+          <p:nvPr/>
+        </p:nvSpPr>
+        <p:spPr>
+          <a:xfrm>
+            <a:off x="336894" y="1225685"/>
+            <a:ext cx="11472482" cy="5369668"/>
+          </a:xfrm>
+          <a:prstGeom prst="rect">
+            <a:avLst/>
+          </a:prstGeom>
+          <a:solidFill>
+            <a:srgbClr val="FED449">
+              <a:alpha val="50000"/>
+            </a:srgbClr>
+          </a:solidFill>
+          <a:effectLst>
+            <a:softEdge rad="152400"/>
+          </a:effectLst>
+        </p:spPr>
+        <p:txBody>
+          <a:bodyPr wrap="square" rtlCol="0">
+            <a:spAutoFit/>
+          </a:bodyPr>
+          <a:lstStyle/>
+          <a:p>
+            <a:endParaRPr lang="fr-FR" dirty="0"/>
+          </a:p>
+        </p:txBody>
+      </p:sp>
+      <p:sp>
+        <p:nvSpPr>
+          <p:cNvPr id="12" name="ZoneTexte 11">
+            <a:extLst>
+              <a:ext uri="{FF2B5EF4-FFF2-40B4-BE49-F238E27FC236}">
+                <a16:creationId xmlns:a16="http://schemas.microsoft.com/office/drawing/2014/main" id="{B090A43C-7D0E-46E1-9FC8-BDAE21AEEC4B}"/>
+              </a:ext>
+            </a:extLst>
+          </p:cNvPr>
+          <p:cNvSpPr txBox="1"/>
+          <p:nvPr/>
+        </p:nvSpPr>
+        <p:spPr>
+          <a:xfrm>
+            <a:off x="1090367" y="1674695"/>
+            <a:ext cx="10011266" cy="523220"/>
+          </a:xfrm>
+          <a:prstGeom prst="rect">
+            <a:avLst/>
+          </a:prstGeom>
+          <a:noFill/>
+        </p:spPr>
+        <p:txBody>
+          <a:bodyPr wrap="square" rtlCol="0">
+            <a:spAutoFit/>
+          </a:bodyPr>
+          <a:lstStyle/>
+          <a:p>
+            <a:pPr algn="ctr"/>
+            <a:r>
+              <a:rPr lang="fr-FR" sz="2800" b="1" dirty="0">
+                <a:latin typeface="Helvetica" panose="020B0604020202030204" pitchFamily="34" charset="0"/>
+              </a:rPr>
+              <a:t>Base de données MySQL</a:t>
+            </a:r>
+            <a:endParaRPr lang="fr-FR" sz="2400" b="1" dirty="0">
+              <a:latin typeface="Helvetica" panose="020B0604020202030204" pitchFamily="34" charset="0"/>
+            </a:endParaRPr>
+          </a:p>
+        </p:txBody>
+      </p:sp>
+      <p:pic>
+        <p:nvPicPr>
+          <p:cNvPr id="14" name="Image 13">
+            <a:extLst>
+              <a:ext uri="{FF2B5EF4-FFF2-40B4-BE49-F238E27FC236}">
+                <a16:creationId xmlns:a16="http://schemas.microsoft.com/office/drawing/2014/main" id="{DF10AD37-548C-4736-8095-143EDE9FFFBE}"/>
+              </a:ext>
+            </a:extLst>
+          </p:cNvPr>
+          <p:cNvPicPr>
+            <a:picLocks noChangeAspect="1"/>
+          </p:cNvPicPr>
+          <p:nvPr/>
+        </p:nvPicPr>
+        <p:blipFill rotWithShape="1">
+          <a:blip r:embed="rId4">
+            <a:extLst>
+              <a:ext uri="{28A0092B-C50C-407E-A947-70E740481C1C}">
+                <a14:useLocalDpi xmlns:a14="http://schemas.microsoft.com/office/drawing/2010/main" val="0"/>
+              </a:ext>
+            </a:extLst>
+          </a:blip>
+          <a:srcRect l="4478" t="874" r="4478" b="874"/>
+          <a:stretch/>
+        </p:blipFill>
+        <p:spPr>
+          <a:xfrm>
+            <a:off x="2785629" y="2246120"/>
+            <a:ext cx="6620741" cy="3890730"/>
+          </a:xfrm>
+          <a:prstGeom prst="rect">
+            <a:avLst/>
+          </a:prstGeom>
+        </p:spPr>
+      </p:pic>
+    </p:spTree>
+    <p:extLst>
+      <p:ext uri="{BB962C8B-B14F-4D97-AF65-F5344CB8AC3E}">
+        <p14:creationId xmlns:p14="http://schemas.microsoft.com/office/powerpoint/2010/main" val="2212229444"/>
       </p:ext>
     </p:extLst>
   </p:cSld>

--- a/DIAPO.pptx
+++ b/DIAPO.pptx
@@ -7831,7 +7831,7 @@
             </a:r>
           </a:p>
           <a:p>
-            <a:endParaRPr lang="fr-FR" sz="2400">
+            <a:endParaRPr lang="fr-FR" sz="2400" dirty="0">
               <a:latin typeface="Helvetica" panose="020B0604020202030204" pitchFamily="34" charset="0"/>
             </a:endParaRPr>
           </a:p>
@@ -12272,7 +12272,7 @@
           <a:graphicData uri="http://schemas.openxmlformats.org/presentationml/2006/ole">
             <mc:AlternateContent xmlns:mc="http://schemas.openxmlformats.org/markup-compatibility/2006">
               <mc:Choice xmlns:v="urn:schemas-microsoft-com:vml" Requires="v">
-                <p:oleObj spid="_x0000_s1051" name="Worksheet" r:id="rId5" imgW="6865398" imgH="1562197" progId="Excel.Sheet.12">
+                <p:oleObj spid="_x0000_s1053" name="Worksheet" r:id="rId5" imgW="6865398" imgH="1562197" progId="Excel.Sheet.12">
                   <p:embed/>
                 </p:oleObj>
               </mc:Choice>

--- a/DIAPO.pptx
+++ b/DIAPO.pptx
@@ -281,7 +281,7 @@
           <a:p>
             <a:fld id="{209A5367-1362-4112-AD99-9367F5BB5AA0}" type="datetimeFigureOut">
               <a:rPr lang="fr-FR" smtClean="0"/>
-              <a:t>25/11/2017</a:t>
+              <a:t>26/11/2017</a:t>
             </a:fld>
             <a:endParaRPr lang="fr-FR"/>
           </a:p>
@@ -479,7 +479,7 @@
           <a:p>
             <a:fld id="{209A5367-1362-4112-AD99-9367F5BB5AA0}" type="datetimeFigureOut">
               <a:rPr lang="fr-FR" smtClean="0"/>
-              <a:t>25/11/2017</a:t>
+              <a:t>26/11/2017</a:t>
             </a:fld>
             <a:endParaRPr lang="fr-FR"/>
           </a:p>
@@ -687,7 +687,7 @@
           <a:p>
             <a:fld id="{209A5367-1362-4112-AD99-9367F5BB5AA0}" type="datetimeFigureOut">
               <a:rPr lang="fr-FR" smtClean="0"/>
-              <a:t>25/11/2017</a:t>
+              <a:t>26/11/2017</a:t>
             </a:fld>
             <a:endParaRPr lang="fr-FR"/>
           </a:p>
@@ -885,7 +885,7 @@
           <a:p>
             <a:fld id="{209A5367-1362-4112-AD99-9367F5BB5AA0}" type="datetimeFigureOut">
               <a:rPr lang="fr-FR" smtClean="0"/>
-              <a:t>25/11/2017</a:t>
+              <a:t>26/11/2017</a:t>
             </a:fld>
             <a:endParaRPr lang="fr-FR"/>
           </a:p>
@@ -1160,7 +1160,7 @@
           <a:p>
             <a:fld id="{209A5367-1362-4112-AD99-9367F5BB5AA0}" type="datetimeFigureOut">
               <a:rPr lang="fr-FR" smtClean="0"/>
-              <a:t>25/11/2017</a:t>
+              <a:t>26/11/2017</a:t>
             </a:fld>
             <a:endParaRPr lang="fr-FR"/>
           </a:p>
@@ -1425,7 +1425,7 @@
           <a:p>
             <a:fld id="{209A5367-1362-4112-AD99-9367F5BB5AA0}" type="datetimeFigureOut">
               <a:rPr lang="fr-FR" smtClean="0"/>
-              <a:t>25/11/2017</a:t>
+              <a:t>26/11/2017</a:t>
             </a:fld>
             <a:endParaRPr lang="fr-FR"/>
           </a:p>
@@ -1837,7 +1837,7 @@
           <a:p>
             <a:fld id="{209A5367-1362-4112-AD99-9367F5BB5AA0}" type="datetimeFigureOut">
               <a:rPr lang="fr-FR" smtClean="0"/>
-              <a:t>25/11/2017</a:t>
+              <a:t>26/11/2017</a:t>
             </a:fld>
             <a:endParaRPr lang="fr-FR"/>
           </a:p>
@@ -1978,7 +1978,7 @@
           <a:p>
             <a:fld id="{209A5367-1362-4112-AD99-9367F5BB5AA0}" type="datetimeFigureOut">
               <a:rPr lang="fr-FR" smtClean="0"/>
-              <a:t>25/11/2017</a:t>
+              <a:t>26/11/2017</a:t>
             </a:fld>
             <a:endParaRPr lang="fr-FR"/>
           </a:p>
@@ -2091,7 +2091,7 @@
           <a:p>
             <a:fld id="{209A5367-1362-4112-AD99-9367F5BB5AA0}" type="datetimeFigureOut">
               <a:rPr lang="fr-FR" smtClean="0"/>
-              <a:t>25/11/2017</a:t>
+              <a:t>26/11/2017</a:t>
             </a:fld>
             <a:endParaRPr lang="fr-FR"/>
           </a:p>
@@ -2402,7 +2402,7 @@
           <a:p>
             <a:fld id="{209A5367-1362-4112-AD99-9367F5BB5AA0}" type="datetimeFigureOut">
               <a:rPr lang="fr-FR" smtClean="0"/>
-              <a:t>25/11/2017</a:t>
+              <a:t>26/11/2017</a:t>
             </a:fld>
             <a:endParaRPr lang="fr-FR"/>
           </a:p>
@@ -2690,7 +2690,7 @@
           <a:p>
             <a:fld id="{209A5367-1362-4112-AD99-9367F5BB5AA0}" type="datetimeFigureOut">
               <a:rPr lang="fr-FR" smtClean="0"/>
-              <a:t>25/11/2017</a:t>
+              <a:t>26/11/2017</a:t>
             </a:fld>
             <a:endParaRPr lang="fr-FR"/>
           </a:p>
@@ -2931,7 +2931,7 @@
           <a:p>
             <a:fld id="{209A5367-1362-4112-AD99-9367F5BB5AA0}" type="datetimeFigureOut">
               <a:rPr lang="fr-FR" smtClean="0"/>
-              <a:t>25/11/2017</a:t>
+              <a:t>26/11/2017</a:t>
             </a:fld>
             <a:endParaRPr lang="fr-FR"/>
           </a:p>
@@ -9947,42 +9947,4498 @@
           </a:p>
         </p:txBody>
       </p:sp>
-      <p:pic>
-        <p:nvPicPr>
-          <p:cNvPr id="5" name="Image 4" descr="Une image contenant capture d’écran&#10;&#10;Description générée avec un niveau de confiance très élevé">
+      <p:grpSp>
+        <p:nvGrpSpPr>
+          <p:cNvPr id="132" name="Groupe 131">
             <a:extLst>
               <a:ext uri="{FF2B5EF4-FFF2-40B4-BE49-F238E27FC236}">
-                <a16:creationId xmlns:a16="http://schemas.microsoft.com/office/drawing/2014/main" id="{0674EBB4-2E09-4818-9E7A-3A8BAA39B9F5}"/>
+                <a16:creationId xmlns:a16="http://schemas.microsoft.com/office/drawing/2014/main" id="{554DE4E0-E771-4470-AEB2-7C972742296F}"/>
               </a:ext>
             </a:extLst>
           </p:cNvPr>
-          <p:cNvPicPr>
-            <a:picLocks noChangeAspect="1"/>
-          </p:cNvPicPr>
+          <p:cNvGrpSpPr/>
           <p:nvPr/>
-        </p:nvPicPr>
-        <p:blipFill>
-          <a:blip r:embed="rId4">
+        </p:nvGrpSpPr>
+        <p:grpSpPr>
+          <a:xfrm>
+            <a:off x="970623" y="1791428"/>
+            <a:ext cx="10053190" cy="4647080"/>
+            <a:chOff x="172133" y="349242"/>
+            <a:chExt cx="10530027" cy="6032509"/>
+          </a:xfrm>
+        </p:grpSpPr>
+        <p:grpSp>
+          <p:nvGrpSpPr>
+            <p:cNvPr id="134" name="Groupe 133">
+              <a:extLst>
+                <a:ext uri="{FF2B5EF4-FFF2-40B4-BE49-F238E27FC236}">
+                  <a16:creationId xmlns:a16="http://schemas.microsoft.com/office/drawing/2014/main" id="{F45AC0CB-FB3D-49B3-9B10-3599AC4CC03C}"/>
+                </a:ext>
+              </a:extLst>
+            </p:cNvPr>
+            <p:cNvGrpSpPr/>
+            <p:nvPr/>
+          </p:nvGrpSpPr>
+          <p:grpSpPr>
+            <a:xfrm>
+              <a:off x="172133" y="3523451"/>
+              <a:ext cx="2805688" cy="2255842"/>
+              <a:chOff x="144451" y="2123389"/>
+              <a:chExt cx="2903220" cy="2611221"/>
+            </a:xfrm>
+          </p:grpSpPr>
+          <p:grpSp>
+            <p:nvGrpSpPr>
+              <p:cNvPr id="229" name="Groupe 228">
+                <a:extLst>
+                  <a:ext uri="{FF2B5EF4-FFF2-40B4-BE49-F238E27FC236}">
+                    <a16:creationId xmlns:a16="http://schemas.microsoft.com/office/drawing/2014/main" id="{3B5908C2-FFD7-4386-95F9-EE96B0C0C7A2}"/>
+                  </a:ext>
+                </a:extLst>
+              </p:cNvPr>
+              <p:cNvGrpSpPr/>
+              <p:nvPr/>
+            </p:nvGrpSpPr>
+            <p:grpSpPr>
+              <a:xfrm>
+                <a:off x="144451" y="2123389"/>
+                <a:ext cx="2903220" cy="2611221"/>
+                <a:chOff x="7261860" y="627670"/>
+                <a:chExt cx="2903220" cy="1727558"/>
+              </a:xfrm>
+            </p:grpSpPr>
+            <p:grpSp>
+              <p:nvGrpSpPr>
+                <p:cNvPr id="237" name="Groupe 236">
+                  <a:extLst>
+                    <a:ext uri="{FF2B5EF4-FFF2-40B4-BE49-F238E27FC236}">
+                      <a16:creationId xmlns:a16="http://schemas.microsoft.com/office/drawing/2014/main" id="{3F267F91-F0FD-441D-B901-5D8BEF3205F6}"/>
+                    </a:ext>
+                  </a:extLst>
+                </p:cNvPr>
+                <p:cNvGrpSpPr/>
+                <p:nvPr/>
+              </p:nvGrpSpPr>
+              <p:grpSpPr>
+                <a:xfrm>
+                  <a:off x="7261860" y="627670"/>
+                  <a:ext cx="2903220" cy="1727558"/>
+                  <a:chOff x="7261860" y="627670"/>
+                  <a:chExt cx="2903220" cy="1727558"/>
+                </a:xfrm>
+              </p:grpSpPr>
+              <p:sp>
+                <p:nvSpPr>
+                  <p:cNvPr id="244" name="Rectangle : coins arrondis 243">
+                    <a:extLst>
+                      <a:ext uri="{FF2B5EF4-FFF2-40B4-BE49-F238E27FC236}">
+                        <a16:creationId xmlns:a16="http://schemas.microsoft.com/office/drawing/2014/main" id="{75D093B4-FC9E-49B3-93C1-461F5FD29D41}"/>
+                      </a:ext>
+                    </a:extLst>
+                  </p:cNvPr>
+                  <p:cNvSpPr/>
+                  <p:nvPr/>
+                </p:nvSpPr>
+                <p:spPr>
+                  <a:xfrm>
+                    <a:off x="7261860" y="627670"/>
+                    <a:ext cx="2903220" cy="1727558"/>
+                  </a:xfrm>
+                  <a:prstGeom prst="roundRect">
+                    <a:avLst/>
+                  </a:prstGeom>
+                </p:spPr>
+                <p:style>
+                  <a:lnRef idx="2">
+                    <a:schemeClr val="dk1"/>
+                  </a:lnRef>
+                  <a:fillRef idx="1">
+                    <a:schemeClr val="lt1"/>
+                  </a:fillRef>
+                  <a:effectRef idx="0">
+                    <a:schemeClr val="dk1"/>
+                  </a:effectRef>
+                  <a:fontRef idx="minor">
+                    <a:schemeClr val="dk1"/>
+                  </a:fontRef>
+                </p:style>
+                <p:txBody>
+                  <a:bodyPr rtlCol="0" anchor="ctr"/>
+                  <a:lstStyle/>
+                  <a:p>
+                    <a:pPr algn="ctr"/>
+                    <a:endParaRPr lang="fr-FR"/>
+                  </a:p>
+                </p:txBody>
+              </p:sp>
+              <p:cxnSp>
+                <p:nvCxnSpPr>
+                  <p:cNvPr id="245" name="Connecteur droit 244">
+                    <a:extLst>
+                      <a:ext uri="{FF2B5EF4-FFF2-40B4-BE49-F238E27FC236}">
+                        <a16:creationId xmlns:a16="http://schemas.microsoft.com/office/drawing/2014/main" id="{DA1A8F12-71F2-4059-9AB0-5DC9362B9052}"/>
+                      </a:ext>
+                    </a:extLst>
+                  </p:cNvPr>
+                  <p:cNvCxnSpPr/>
+                  <p:nvPr/>
+                </p:nvCxnSpPr>
+                <p:spPr>
+                  <a:xfrm>
+                    <a:off x="7261860" y="1077250"/>
+                    <a:ext cx="2903220" cy="0"/>
+                  </a:xfrm>
+                  <a:prstGeom prst="line">
+                    <a:avLst/>
+                  </a:prstGeom>
+                </p:spPr>
+                <p:style>
+                  <a:lnRef idx="2">
+                    <a:schemeClr val="dk1"/>
+                  </a:lnRef>
+                  <a:fillRef idx="0">
+                    <a:schemeClr val="dk1"/>
+                  </a:fillRef>
+                  <a:effectRef idx="1">
+                    <a:schemeClr val="dk1"/>
+                  </a:effectRef>
+                  <a:fontRef idx="minor">
+                    <a:schemeClr val="tx1"/>
+                  </a:fontRef>
+                </p:style>
+              </p:cxnSp>
+            </p:grpSp>
+            <p:grpSp>
+              <p:nvGrpSpPr>
+                <p:cNvPr id="238" name="Groupe 237">
+                  <a:extLst>
+                    <a:ext uri="{FF2B5EF4-FFF2-40B4-BE49-F238E27FC236}">
+                      <a16:creationId xmlns:a16="http://schemas.microsoft.com/office/drawing/2014/main" id="{865D1A09-4C9B-4115-8169-2E9A39CE6A92}"/>
+                    </a:ext>
+                  </a:extLst>
+                </p:cNvPr>
+                <p:cNvGrpSpPr/>
+                <p:nvPr/>
+              </p:nvGrpSpPr>
+              <p:grpSpPr>
+                <a:xfrm>
+                  <a:off x="7491411" y="666049"/>
+                  <a:ext cx="2444118" cy="375821"/>
+                  <a:chOff x="4019082" y="2264255"/>
+                  <a:chExt cx="2444118" cy="375821"/>
+                </a:xfrm>
+              </p:grpSpPr>
+              <p:pic>
+                <p:nvPicPr>
+                  <p:cNvPr id="239" name="Image 238">
+                    <a:extLst>
+                      <a:ext uri="{FF2B5EF4-FFF2-40B4-BE49-F238E27FC236}">
+                        <a16:creationId xmlns:a16="http://schemas.microsoft.com/office/drawing/2014/main" id="{281E5FD2-D568-4714-BDDC-EC4CA3C9B389}"/>
+                      </a:ext>
+                    </a:extLst>
+                  </p:cNvPr>
+                  <p:cNvPicPr>
+                    <a:picLocks noChangeAspect="1"/>
+                  </p:cNvPicPr>
+                  <p:nvPr/>
+                </p:nvPicPr>
+                <p:blipFill>
+                  <a:blip r:embed="rId4">
+                    <a:extLst>
+                      <a:ext uri="{28A0092B-C50C-407E-A947-70E740481C1C}">
+                        <a14:useLocalDpi xmlns:a14="http://schemas.microsoft.com/office/drawing/2010/main" val="0"/>
+                      </a:ext>
+                    </a:extLst>
+                  </a:blip>
+                  <a:stretch>
+                    <a:fillRect/>
+                  </a:stretch>
+                </p:blipFill>
+                <p:spPr>
+                  <a:xfrm>
+                    <a:off x="4019082" y="2265888"/>
+                    <a:ext cx="368479" cy="368479"/>
+                  </a:xfrm>
+                  <a:prstGeom prst="rect">
+                    <a:avLst/>
+                  </a:prstGeom>
+                </p:spPr>
+              </p:pic>
+              <p:pic>
+                <p:nvPicPr>
+                  <p:cNvPr id="240" name="Image 239">
+                    <a:extLst>
+                      <a:ext uri="{FF2B5EF4-FFF2-40B4-BE49-F238E27FC236}">
+                        <a16:creationId xmlns:a16="http://schemas.microsoft.com/office/drawing/2014/main" id="{9D0264CC-AB22-4B4B-A56F-D014BE5AE127}"/>
+                      </a:ext>
+                    </a:extLst>
+                  </p:cNvPr>
+                  <p:cNvPicPr>
+                    <a:picLocks noChangeAspect="1"/>
+                  </p:cNvPicPr>
+                  <p:nvPr/>
+                </p:nvPicPr>
+                <p:blipFill>
+                  <a:blip r:embed="rId5">
+                    <a:extLst>
+                      <a:ext uri="{28A0092B-C50C-407E-A947-70E740481C1C}">
+                        <a14:useLocalDpi xmlns:a14="http://schemas.microsoft.com/office/drawing/2010/main" val="0"/>
+                      </a:ext>
+                    </a:extLst>
+                  </a:blip>
+                  <a:stretch>
+                    <a:fillRect/>
+                  </a:stretch>
+                </p:blipFill>
+                <p:spPr>
+                  <a:xfrm flipH="1">
+                    <a:off x="4420959" y="2266528"/>
+                    <a:ext cx="367200" cy="367200"/>
+                  </a:xfrm>
+                  <a:prstGeom prst="rect">
+                    <a:avLst/>
+                  </a:prstGeom>
+                </p:spPr>
+              </p:pic>
+              <p:pic>
+                <p:nvPicPr>
+                  <p:cNvPr id="241" name="Image 240">
+                    <a:extLst>
+                      <a:ext uri="{FF2B5EF4-FFF2-40B4-BE49-F238E27FC236}">
+                        <a16:creationId xmlns:a16="http://schemas.microsoft.com/office/drawing/2014/main" id="{E133892D-3038-4C7A-B528-E1E30E7E6311}"/>
+                      </a:ext>
+                    </a:extLst>
+                  </p:cNvPr>
+                  <p:cNvPicPr>
+                    <a:picLocks noChangeAspect="1"/>
+                  </p:cNvPicPr>
+                  <p:nvPr/>
+                </p:nvPicPr>
+                <p:blipFill>
+                  <a:blip r:embed="rId6">
+                    <a:extLst>
+                      <a:ext uri="{28A0092B-C50C-407E-A947-70E740481C1C}">
+                        <a14:useLocalDpi xmlns:a14="http://schemas.microsoft.com/office/drawing/2010/main" val="0"/>
+                      </a:ext>
+                    </a:extLst>
+                  </a:blip>
+                  <a:stretch>
+                    <a:fillRect/>
+                  </a:stretch>
+                </p:blipFill>
+                <p:spPr>
+                  <a:xfrm>
+                    <a:off x="4871096" y="2264255"/>
+                    <a:ext cx="367200" cy="367200"/>
+                  </a:xfrm>
+                  <a:prstGeom prst="rect">
+                    <a:avLst/>
+                  </a:prstGeom>
+                </p:spPr>
+              </p:pic>
+              <p:pic>
+                <p:nvPicPr>
+                  <p:cNvPr id="242" name="Image 241">
+                    <a:extLst>
+                      <a:ext uri="{FF2B5EF4-FFF2-40B4-BE49-F238E27FC236}">
+                        <a16:creationId xmlns:a16="http://schemas.microsoft.com/office/drawing/2014/main" id="{B2E09617-F8E7-45A9-8438-549911AEA1CC}"/>
+                      </a:ext>
+                    </a:extLst>
+                  </p:cNvPr>
+                  <p:cNvPicPr>
+                    <a:picLocks noChangeAspect="1"/>
+                  </p:cNvPicPr>
+                  <p:nvPr/>
+                </p:nvPicPr>
+                <p:blipFill>
+                  <a:blip r:embed="rId7">
+                    <a:extLst>
+                      <a:ext uri="{28A0092B-C50C-407E-A947-70E740481C1C}">
+                        <a14:useLocalDpi xmlns:a14="http://schemas.microsoft.com/office/drawing/2010/main" val="0"/>
+                      </a:ext>
+                    </a:extLst>
+                  </a:blip>
+                  <a:stretch>
+                    <a:fillRect/>
+                  </a:stretch>
+                </p:blipFill>
+                <p:spPr>
+                  <a:xfrm>
+                    <a:off x="5649459" y="2268553"/>
+                    <a:ext cx="367200" cy="367200"/>
+                  </a:xfrm>
+                  <a:prstGeom prst="rect">
+                    <a:avLst/>
+                  </a:prstGeom>
+                </p:spPr>
+              </p:pic>
+              <p:pic>
+                <p:nvPicPr>
+                  <p:cNvPr id="243" name="Image 242">
+                    <a:extLst>
+                      <a:ext uri="{FF2B5EF4-FFF2-40B4-BE49-F238E27FC236}">
+                        <a16:creationId xmlns:a16="http://schemas.microsoft.com/office/drawing/2014/main" id="{AB8E6ACD-9713-41DA-9AFF-8D2D53D271C8}"/>
+                      </a:ext>
+                    </a:extLst>
+                  </p:cNvPr>
+                  <p:cNvPicPr>
+                    <a:picLocks noChangeAspect="1"/>
+                  </p:cNvPicPr>
+                  <p:nvPr/>
+                </p:nvPicPr>
+                <p:blipFill>
+                  <a:blip r:embed="rId8">
+                    <a:extLst>
+                      <a:ext uri="{28A0092B-C50C-407E-A947-70E740481C1C}">
+                        <a14:useLocalDpi xmlns:a14="http://schemas.microsoft.com/office/drawing/2010/main" val="0"/>
+                      </a:ext>
+                    </a:extLst>
+                  </a:blip>
+                  <a:stretch>
+                    <a:fillRect/>
+                  </a:stretch>
+                </p:blipFill>
+                <p:spPr>
+                  <a:xfrm>
+                    <a:off x="6096000" y="2272876"/>
+                    <a:ext cx="367200" cy="367200"/>
+                  </a:xfrm>
+                  <a:prstGeom prst="rect">
+                    <a:avLst/>
+                  </a:prstGeom>
+                </p:spPr>
+              </p:pic>
+            </p:grpSp>
+          </p:grpSp>
+          <p:grpSp>
+            <p:nvGrpSpPr>
+              <p:cNvPr id="230" name="Groupe 229">
+                <a:extLst>
+                  <a:ext uri="{FF2B5EF4-FFF2-40B4-BE49-F238E27FC236}">
+                    <a16:creationId xmlns:a16="http://schemas.microsoft.com/office/drawing/2014/main" id="{A909203D-346E-4057-AD81-B4BEC6A96B22}"/>
+                  </a:ext>
+                </a:extLst>
+              </p:cNvPr>
+              <p:cNvGrpSpPr/>
+              <p:nvPr/>
+            </p:nvGrpSpPr>
+            <p:grpSpPr>
+              <a:xfrm>
+                <a:off x="213064" y="2896077"/>
+                <a:ext cx="2726796" cy="1675923"/>
+                <a:chOff x="213064" y="2896077"/>
+                <a:chExt cx="2726796" cy="1675923"/>
+              </a:xfrm>
+            </p:grpSpPr>
+            <p:sp>
+              <p:nvSpPr>
+                <p:cNvPr id="231" name="Rectangle : coins arrondis 230">
+                  <a:extLst>
+                    <a:ext uri="{FF2B5EF4-FFF2-40B4-BE49-F238E27FC236}">
+                      <a16:creationId xmlns:a16="http://schemas.microsoft.com/office/drawing/2014/main" id="{9CC80BA7-4186-4DC1-B834-DC1B2A697B92}"/>
+                    </a:ext>
+                  </a:extLst>
+                </p:cNvPr>
+                <p:cNvSpPr/>
+                <p:nvPr/>
+              </p:nvSpPr>
+              <p:spPr>
+                <a:xfrm>
+                  <a:off x="213064" y="2896077"/>
+                  <a:ext cx="2726796" cy="1675923"/>
+                </a:xfrm>
+                <a:prstGeom prst="roundRect">
+                  <a:avLst/>
+                </a:prstGeom>
+                <a:gradFill flip="none" rotWithShape="1">
+                  <a:gsLst>
+                    <a:gs pos="0">
+                      <a:schemeClr val="accent4">
+                        <a:lumMod val="5000"/>
+                        <a:lumOff val="95000"/>
+                      </a:schemeClr>
+                    </a:gs>
+                    <a:gs pos="74000">
+                      <a:schemeClr val="accent4">
+                        <a:lumMod val="45000"/>
+                        <a:lumOff val="55000"/>
+                      </a:schemeClr>
+                    </a:gs>
+                    <a:gs pos="83000">
+                      <a:schemeClr val="accent4">
+                        <a:lumMod val="45000"/>
+                        <a:lumOff val="55000"/>
+                      </a:schemeClr>
+                    </a:gs>
+                    <a:gs pos="100000">
+                      <a:schemeClr val="accent4">
+                        <a:lumMod val="30000"/>
+                        <a:lumOff val="70000"/>
+                      </a:schemeClr>
+                    </a:gs>
+                  </a:gsLst>
+                  <a:lin ang="5400000" scaled="1"/>
+                  <a:tileRect/>
+                </a:gradFill>
+                <a:ln/>
+              </p:spPr>
+              <p:style>
+                <a:lnRef idx="1">
+                  <a:schemeClr val="accent3"/>
+                </a:lnRef>
+                <a:fillRef idx="2">
+                  <a:schemeClr val="accent3"/>
+                </a:fillRef>
+                <a:effectRef idx="1">
+                  <a:schemeClr val="accent3"/>
+                </a:effectRef>
+                <a:fontRef idx="minor">
+                  <a:schemeClr val="dk1"/>
+                </a:fontRef>
+              </p:style>
+              <p:txBody>
+                <a:bodyPr rtlCol="0" anchor="ctr"/>
+                <a:lstStyle/>
+                <a:p>
+                  <a:pPr algn="ctr"/>
+                  <a:endParaRPr lang="fr-FR" dirty="0"/>
+                </a:p>
+              </p:txBody>
+            </p:sp>
+            <p:sp>
+              <p:nvSpPr>
+                <p:cNvPr id="232" name="Rectangle 231">
+                  <a:extLst>
+                    <a:ext uri="{FF2B5EF4-FFF2-40B4-BE49-F238E27FC236}">
+                      <a16:creationId xmlns:a16="http://schemas.microsoft.com/office/drawing/2014/main" id="{3AB15912-7290-4563-9F5F-54765F2B8B85}"/>
+                    </a:ext>
+                  </a:extLst>
+                </p:cNvPr>
+                <p:cNvSpPr/>
+                <p:nvPr/>
+              </p:nvSpPr>
+              <p:spPr>
+                <a:xfrm>
+                  <a:off x="315977" y="3220436"/>
+                  <a:ext cx="616694" cy="597129"/>
+                </a:xfrm>
+                <a:prstGeom prst="rect">
+                  <a:avLst/>
+                </a:prstGeom>
+                <a:solidFill>
+                  <a:schemeClr val="dk1">
+                    <a:alpha val="50000"/>
+                  </a:schemeClr>
+                </a:solidFill>
+                <a:ln>
+                  <a:noFill/>
+                </a:ln>
+              </p:spPr>
+              <p:style>
+                <a:lnRef idx="0">
+                  <a:scrgbClr r="0" g="0" b="0"/>
+                </a:lnRef>
+                <a:fillRef idx="0">
+                  <a:scrgbClr r="0" g="0" b="0"/>
+                </a:fillRef>
+                <a:effectRef idx="0">
+                  <a:scrgbClr r="0" g="0" b="0"/>
+                </a:effectRef>
+                <a:fontRef idx="minor">
+                  <a:schemeClr val="lt1"/>
+                </a:fontRef>
+              </p:style>
+              <p:txBody>
+                <a:bodyPr rtlCol="0" anchor="ctr"/>
+                <a:lstStyle/>
+                <a:p>
+                  <a:pPr algn="ctr"/>
+                  <a:r>
+                    <a:rPr lang="fr-FR" sz="1000" dirty="0">
+                      <a:solidFill>
+                        <a:schemeClr val="tx1"/>
+                      </a:solidFill>
+                    </a:rPr>
+                    <a:t>Image</a:t>
+                  </a:r>
+                </a:p>
+              </p:txBody>
+            </p:sp>
+            <p:sp>
+              <p:nvSpPr>
+                <p:cNvPr id="233" name="Rectangle : coins arrondis 232">
+                  <a:extLst>
+                    <a:ext uri="{FF2B5EF4-FFF2-40B4-BE49-F238E27FC236}">
+                      <a16:creationId xmlns:a16="http://schemas.microsoft.com/office/drawing/2014/main" id="{B0DEAD91-41EB-4A64-9965-980DD0E03E29}"/>
+                    </a:ext>
+                  </a:extLst>
+                </p:cNvPr>
+                <p:cNvSpPr/>
+                <p:nvPr/>
+              </p:nvSpPr>
+              <p:spPr>
+                <a:xfrm>
+                  <a:off x="1005929" y="3219718"/>
+                  <a:ext cx="601541" cy="196252"/>
+                </a:xfrm>
+                <a:prstGeom prst="roundRect">
+                  <a:avLst/>
+                </a:prstGeom>
+                <a:solidFill>
+                  <a:schemeClr val="dk1">
+                    <a:alpha val="50000"/>
+                  </a:schemeClr>
+                </a:solidFill>
+                <a:ln>
+                  <a:noFill/>
+                </a:ln>
+              </p:spPr>
+              <p:style>
+                <a:lnRef idx="0">
+                  <a:scrgbClr r="0" g="0" b="0"/>
+                </a:lnRef>
+                <a:fillRef idx="0">
+                  <a:scrgbClr r="0" g="0" b="0"/>
+                </a:fillRef>
+                <a:effectRef idx="0">
+                  <a:scrgbClr r="0" g="0" b="0"/>
+                </a:effectRef>
+                <a:fontRef idx="minor">
+                  <a:schemeClr val="lt1"/>
+                </a:fontRef>
+              </p:style>
+              <p:txBody>
+                <a:bodyPr rtlCol="0" anchor="ctr"/>
+                <a:lstStyle/>
+                <a:p>
+                  <a:pPr algn="ctr"/>
+                  <a:r>
+                    <a:rPr lang="fr-FR" sz="1000" dirty="0"/>
+                    <a:t>Nom</a:t>
+                  </a:r>
+                </a:p>
+              </p:txBody>
+            </p:sp>
+            <p:sp>
+              <p:nvSpPr>
+                <p:cNvPr id="234" name="Rectangle : coins arrondis 233">
+                  <a:extLst>
+                    <a:ext uri="{FF2B5EF4-FFF2-40B4-BE49-F238E27FC236}">
+                      <a16:creationId xmlns:a16="http://schemas.microsoft.com/office/drawing/2014/main" id="{02A3B71D-B63C-481A-82A4-B0BDEF91AFE1}"/>
+                    </a:ext>
+                  </a:extLst>
+                </p:cNvPr>
+                <p:cNvSpPr/>
+                <p:nvPr/>
+              </p:nvSpPr>
+              <p:spPr>
+                <a:xfrm>
+                  <a:off x="1005238" y="3482877"/>
+                  <a:ext cx="601541" cy="184478"/>
+                </a:xfrm>
+                <a:prstGeom prst="roundRect">
+                  <a:avLst/>
+                </a:prstGeom>
+                <a:solidFill>
+                  <a:schemeClr val="dk1">
+                    <a:alpha val="50000"/>
+                  </a:schemeClr>
+                </a:solidFill>
+                <a:ln>
+                  <a:noFill/>
+                </a:ln>
+              </p:spPr>
+              <p:style>
+                <a:lnRef idx="0">
+                  <a:scrgbClr r="0" g="0" b="0"/>
+                </a:lnRef>
+                <a:fillRef idx="0">
+                  <a:scrgbClr r="0" g="0" b="0"/>
+                </a:fillRef>
+                <a:effectRef idx="0">
+                  <a:scrgbClr r="0" g="0" b="0"/>
+                </a:effectRef>
+                <a:fontRef idx="minor">
+                  <a:schemeClr val="lt1"/>
+                </a:fontRef>
+              </p:style>
+              <p:txBody>
+                <a:bodyPr rtlCol="0" anchor="ctr"/>
+                <a:lstStyle/>
+                <a:p>
+                  <a:pPr algn="ctr"/>
+                  <a:r>
+                    <a:rPr lang="fr-FR" sz="1000" dirty="0" err="1"/>
+                    <a:t>Rèf</a:t>
+                  </a:r>
+                  <a:endParaRPr lang="fr-FR" sz="1000" dirty="0"/>
+                </a:p>
+              </p:txBody>
+            </p:sp>
+            <p:sp>
+              <p:nvSpPr>
+                <p:cNvPr id="235" name="Rectangle : coins arrondis 234">
+                  <a:extLst>
+                    <a:ext uri="{FF2B5EF4-FFF2-40B4-BE49-F238E27FC236}">
+                      <a16:creationId xmlns:a16="http://schemas.microsoft.com/office/drawing/2014/main" id="{5B547A3F-B279-4E98-A61A-D5A7AA99EA50}"/>
+                    </a:ext>
+                  </a:extLst>
+                </p:cNvPr>
+                <p:cNvSpPr/>
+                <p:nvPr/>
+              </p:nvSpPr>
+              <p:spPr>
+                <a:xfrm>
+                  <a:off x="1980228" y="3215180"/>
+                  <a:ext cx="783252" cy="186121"/>
+                </a:xfrm>
+                <a:prstGeom prst="roundRect">
+                  <a:avLst/>
+                </a:prstGeom>
+                <a:solidFill>
+                  <a:schemeClr val="dk1">
+                    <a:alpha val="50000"/>
+                  </a:schemeClr>
+                </a:solidFill>
+                <a:ln>
+                  <a:noFill/>
+                </a:ln>
+              </p:spPr>
+              <p:style>
+                <a:lnRef idx="0">
+                  <a:scrgbClr r="0" g="0" b="0"/>
+                </a:lnRef>
+                <a:fillRef idx="0">
+                  <a:scrgbClr r="0" g="0" b="0"/>
+                </a:fillRef>
+                <a:effectRef idx="0">
+                  <a:scrgbClr r="0" g="0" b="0"/>
+                </a:effectRef>
+                <a:fontRef idx="minor">
+                  <a:schemeClr val="lt1"/>
+                </a:fontRef>
+              </p:style>
+              <p:txBody>
+                <a:bodyPr rtlCol="0" anchor="ctr"/>
+                <a:lstStyle/>
+                <a:p>
+                  <a:pPr algn="ctr"/>
+                  <a:r>
+                    <a:rPr lang="fr-FR" sz="1000" dirty="0"/>
+                    <a:t>Prix</a:t>
+                  </a:r>
+                </a:p>
+              </p:txBody>
+            </p:sp>
+            <p:sp>
+              <p:nvSpPr>
+                <p:cNvPr id="236" name="Rectangle : coins arrondis 235">
+                  <a:extLst>
+                    <a:ext uri="{FF2B5EF4-FFF2-40B4-BE49-F238E27FC236}">
+                      <a16:creationId xmlns:a16="http://schemas.microsoft.com/office/drawing/2014/main" id="{0F527C14-33CB-487B-A8E6-072D79805EB6}"/>
+                    </a:ext>
+                  </a:extLst>
+                </p:cNvPr>
+                <p:cNvSpPr/>
+                <p:nvPr/>
+              </p:nvSpPr>
+              <p:spPr>
+                <a:xfrm>
+                  <a:off x="1982719" y="3509595"/>
+                  <a:ext cx="786485" cy="232256"/>
+                </a:xfrm>
+                <a:prstGeom prst="roundRect">
+                  <a:avLst/>
+                </a:prstGeom>
+                <a:solidFill>
+                  <a:schemeClr val="dk1">
+                    <a:alpha val="50000"/>
+                  </a:schemeClr>
+                </a:solidFill>
+                <a:ln>
+                  <a:noFill/>
+                </a:ln>
+              </p:spPr>
+              <p:style>
+                <a:lnRef idx="0">
+                  <a:scrgbClr r="0" g="0" b="0"/>
+                </a:lnRef>
+                <a:fillRef idx="0">
+                  <a:scrgbClr r="0" g="0" b="0"/>
+                </a:fillRef>
+                <a:effectRef idx="0">
+                  <a:scrgbClr r="0" g="0" b="0"/>
+                </a:effectRef>
+                <a:fontRef idx="minor">
+                  <a:schemeClr val="lt1"/>
+                </a:fontRef>
+              </p:style>
+              <p:txBody>
+                <a:bodyPr rtlCol="0" anchor="ctr"/>
+                <a:lstStyle/>
+                <a:p>
+                  <a:pPr algn="ctr"/>
+                  <a:r>
+                    <a:rPr lang="fr-FR" sz="1000" dirty="0"/>
+                    <a:t>Stock</a:t>
+                  </a:r>
+                </a:p>
+              </p:txBody>
+            </p:sp>
+          </p:grpSp>
+        </p:grpSp>
+        <p:grpSp>
+          <p:nvGrpSpPr>
+            <p:cNvPr id="135" name="Groupe 134">
+              <a:extLst>
+                <a:ext uri="{FF2B5EF4-FFF2-40B4-BE49-F238E27FC236}">
+                  <a16:creationId xmlns:a16="http://schemas.microsoft.com/office/drawing/2014/main" id="{73BC5E6A-9DDA-4A92-A168-FC11BAD5CB2C}"/>
+                </a:ext>
+              </a:extLst>
+            </p:cNvPr>
+            <p:cNvGrpSpPr/>
+            <p:nvPr/>
+          </p:nvGrpSpPr>
+          <p:grpSpPr>
+            <a:xfrm>
+              <a:off x="4309139" y="3618885"/>
+              <a:ext cx="2509103" cy="2762866"/>
+              <a:chOff x="3809026" y="3220436"/>
+              <a:chExt cx="2596325" cy="3198119"/>
+            </a:xfrm>
+          </p:grpSpPr>
+          <p:grpSp>
+            <p:nvGrpSpPr>
+              <p:cNvPr id="213" name="Groupe 212">
+                <a:extLst>
+                  <a:ext uri="{FF2B5EF4-FFF2-40B4-BE49-F238E27FC236}">
+                    <a16:creationId xmlns:a16="http://schemas.microsoft.com/office/drawing/2014/main" id="{F4B3D57C-1347-4BE7-8B08-8AF8959F6AF0}"/>
+                  </a:ext>
+                </a:extLst>
+              </p:cNvPr>
+              <p:cNvGrpSpPr/>
+              <p:nvPr/>
+            </p:nvGrpSpPr>
+            <p:grpSpPr>
+              <a:xfrm>
+                <a:off x="3809026" y="3220436"/>
+                <a:ext cx="2596325" cy="3198119"/>
+                <a:chOff x="3809026" y="3220436"/>
+                <a:chExt cx="2596325" cy="3198119"/>
+              </a:xfrm>
+            </p:grpSpPr>
+            <p:grpSp>
+              <p:nvGrpSpPr>
+                <p:cNvPr id="220" name="Groupe 219">
+                  <a:extLst>
+                    <a:ext uri="{FF2B5EF4-FFF2-40B4-BE49-F238E27FC236}">
+                      <a16:creationId xmlns:a16="http://schemas.microsoft.com/office/drawing/2014/main" id="{C205450E-D041-4C47-9155-A5AB26AF84E7}"/>
+                    </a:ext>
+                  </a:extLst>
+                </p:cNvPr>
+                <p:cNvGrpSpPr/>
+                <p:nvPr/>
+              </p:nvGrpSpPr>
+              <p:grpSpPr>
+                <a:xfrm>
+                  <a:off x="3809026" y="3220436"/>
+                  <a:ext cx="2596325" cy="3198119"/>
+                  <a:chOff x="3949255" y="2052499"/>
+                  <a:chExt cx="2438400" cy="3365321"/>
+                </a:xfrm>
+              </p:grpSpPr>
+              <p:sp>
+                <p:nvSpPr>
+                  <p:cNvPr id="227" name="Rectangle : coins arrondis 226">
+                    <a:extLst>
+                      <a:ext uri="{FF2B5EF4-FFF2-40B4-BE49-F238E27FC236}">
+                        <a16:creationId xmlns:a16="http://schemas.microsoft.com/office/drawing/2014/main" id="{9E5C9906-04D2-496C-B521-A4C162A57736}"/>
+                      </a:ext>
+                    </a:extLst>
+                  </p:cNvPr>
+                  <p:cNvSpPr/>
+                  <p:nvPr/>
+                </p:nvSpPr>
+                <p:spPr>
+                  <a:xfrm>
+                    <a:off x="3949255" y="2052499"/>
+                    <a:ext cx="2438400" cy="3365321"/>
+                  </a:xfrm>
+                  <a:prstGeom prst="roundRect">
+                    <a:avLst/>
+                  </a:prstGeom>
+                </p:spPr>
+                <p:style>
+                  <a:lnRef idx="2">
+                    <a:schemeClr val="dk1"/>
+                  </a:lnRef>
+                  <a:fillRef idx="1">
+                    <a:schemeClr val="lt1"/>
+                  </a:fillRef>
+                  <a:effectRef idx="0">
+                    <a:schemeClr val="dk1"/>
+                  </a:effectRef>
+                  <a:fontRef idx="minor">
+                    <a:schemeClr val="dk1"/>
+                  </a:fontRef>
+                </p:style>
+                <p:txBody>
+                  <a:bodyPr rtlCol="0" anchor="ctr"/>
+                  <a:lstStyle/>
+                  <a:p>
+                    <a:pPr algn="ctr"/>
+                    <a:endParaRPr lang="fr-FR" dirty="0"/>
+                  </a:p>
+                </p:txBody>
+              </p:sp>
+              <p:cxnSp>
+                <p:nvCxnSpPr>
+                  <p:cNvPr id="228" name="Connecteur droit 227">
+                    <a:extLst>
+                      <a:ext uri="{FF2B5EF4-FFF2-40B4-BE49-F238E27FC236}">
+                        <a16:creationId xmlns:a16="http://schemas.microsoft.com/office/drawing/2014/main" id="{59FB99D1-B487-488E-B385-44BF9E8C7F0C}"/>
+                      </a:ext>
+                    </a:extLst>
+                  </p:cNvPr>
+                  <p:cNvCxnSpPr/>
+                  <p:nvPr/>
+                </p:nvCxnSpPr>
+                <p:spPr>
+                  <a:xfrm>
+                    <a:off x="3949255" y="2758133"/>
+                    <a:ext cx="2438400" cy="0"/>
+                  </a:xfrm>
+                  <a:prstGeom prst="line">
+                    <a:avLst/>
+                  </a:prstGeom>
+                </p:spPr>
+                <p:style>
+                  <a:lnRef idx="2">
+                    <a:schemeClr val="dk1"/>
+                  </a:lnRef>
+                  <a:fillRef idx="0">
+                    <a:schemeClr val="dk1"/>
+                  </a:fillRef>
+                  <a:effectRef idx="1">
+                    <a:schemeClr val="dk1"/>
+                  </a:effectRef>
+                  <a:fontRef idx="minor">
+                    <a:schemeClr val="tx1"/>
+                  </a:fontRef>
+                </p:style>
+              </p:cxnSp>
+            </p:grpSp>
+            <p:grpSp>
+              <p:nvGrpSpPr>
+                <p:cNvPr id="221" name="Groupe 220">
+                  <a:extLst>
+                    <a:ext uri="{FF2B5EF4-FFF2-40B4-BE49-F238E27FC236}">
+                      <a16:creationId xmlns:a16="http://schemas.microsoft.com/office/drawing/2014/main" id="{80C83DB0-B5F5-4BF5-A811-2838BC21785D}"/>
+                    </a:ext>
+                  </a:extLst>
+                </p:cNvPr>
+                <p:cNvGrpSpPr/>
+                <p:nvPr/>
+              </p:nvGrpSpPr>
+              <p:grpSpPr>
+                <a:xfrm>
+                  <a:off x="3925077" y="3994498"/>
+                  <a:ext cx="2364222" cy="2131092"/>
+                  <a:chOff x="3925077" y="3994498"/>
+                  <a:chExt cx="2364222" cy="2131092"/>
+                </a:xfrm>
+              </p:grpSpPr>
+              <p:sp>
+                <p:nvSpPr>
+                  <p:cNvPr id="222" name="Rectangle : coins arrondis 221">
+                    <a:extLst>
+                      <a:ext uri="{FF2B5EF4-FFF2-40B4-BE49-F238E27FC236}">
+                        <a16:creationId xmlns:a16="http://schemas.microsoft.com/office/drawing/2014/main" id="{15826278-32B3-4E06-B105-EF231141D055}"/>
+                      </a:ext>
+                    </a:extLst>
+                  </p:cNvPr>
+                  <p:cNvSpPr/>
+                  <p:nvPr/>
+                </p:nvSpPr>
+                <p:spPr>
+                  <a:xfrm>
+                    <a:off x="3925077" y="3994498"/>
+                    <a:ext cx="2364222" cy="2131092"/>
+                  </a:xfrm>
+                  <a:prstGeom prst="roundRect">
+                    <a:avLst/>
+                  </a:prstGeom>
+                  <a:gradFill flip="none" rotWithShape="1">
+                    <a:gsLst>
+                      <a:gs pos="0">
+                        <a:schemeClr val="accent4">
+                          <a:lumMod val="5000"/>
+                          <a:lumOff val="95000"/>
+                        </a:schemeClr>
+                      </a:gs>
+                      <a:gs pos="74000">
+                        <a:schemeClr val="accent4">
+                          <a:lumMod val="45000"/>
+                          <a:lumOff val="55000"/>
+                        </a:schemeClr>
+                      </a:gs>
+                      <a:gs pos="83000">
+                        <a:schemeClr val="accent4">
+                          <a:lumMod val="45000"/>
+                          <a:lumOff val="55000"/>
+                        </a:schemeClr>
+                      </a:gs>
+                      <a:gs pos="100000">
+                        <a:schemeClr val="accent4">
+                          <a:lumMod val="30000"/>
+                          <a:lumOff val="70000"/>
+                        </a:schemeClr>
+                      </a:gs>
+                    </a:gsLst>
+                    <a:lin ang="5400000" scaled="1"/>
+                    <a:tileRect/>
+                  </a:gradFill>
+                  <a:ln/>
+                </p:spPr>
+                <p:style>
+                  <a:lnRef idx="1">
+                    <a:schemeClr val="accent3"/>
+                  </a:lnRef>
+                  <a:fillRef idx="2">
+                    <a:schemeClr val="accent3"/>
+                  </a:fillRef>
+                  <a:effectRef idx="1">
+                    <a:schemeClr val="accent3"/>
+                  </a:effectRef>
+                  <a:fontRef idx="minor">
+                    <a:schemeClr val="dk1"/>
+                  </a:fontRef>
+                </p:style>
+                <p:txBody>
+                  <a:bodyPr rtlCol="0" anchor="ctr"/>
+                  <a:lstStyle/>
+                  <a:p>
+                    <a:pPr algn="ctr"/>
+                    <a:endParaRPr lang="fr-FR" dirty="0"/>
+                  </a:p>
+                </p:txBody>
+              </p:sp>
+              <p:sp>
+                <p:nvSpPr>
+                  <p:cNvPr id="223" name="Rectangle 222">
+                    <a:extLst>
+                      <a:ext uri="{FF2B5EF4-FFF2-40B4-BE49-F238E27FC236}">
+                        <a16:creationId xmlns:a16="http://schemas.microsoft.com/office/drawing/2014/main" id="{8DD2095C-1BEF-412A-AFD2-368EDB57198E}"/>
+                      </a:ext>
+                    </a:extLst>
+                  </p:cNvPr>
+                  <p:cNvSpPr/>
+                  <p:nvPr/>
+                </p:nvSpPr>
+                <p:spPr>
+                  <a:xfrm>
+                    <a:off x="4394315" y="4112859"/>
+                    <a:ext cx="1460433" cy="902661"/>
+                  </a:xfrm>
+                  <a:prstGeom prst="rect">
+                    <a:avLst/>
+                  </a:prstGeom>
+                  <a:solidFill>
+                    <a:schemeClr val="accent4">
+                      <a:alpha val="50000"/>
+                    </a:schemeClr>
+                  </a:solidFill>
+                  <a:ln>
+                    <a:noFill/>
+                  </a:ln>
+                </p:spPr>
+                <p:style>
+                  <a:lnRef idx="0">
+                    <a:scrgbClr r="0" g="0" b="0"/>
+                  </a:lnRef>
+                  <a:fillRef idx="0">
+                    <a:scrgbClr r="0" g="0" b="0"/>
+                  </a:fillRef>
+                  <a:effectRef idx="0">
+                    <a:scrgbClr r="0" g="0" b="0"/>
+                  </a:effectRef>
+                  <a:fontRef idx="minor">
+                    <a:schemeClr val="lt1"/>
+                  </a:fontRef>
+                </p:style>
+                <p:txBody>
+                  <a:bodyPr rtlCol="0" anchor="ctr"/>
+                  <a:lstStyle/>
+                  <a:p>
+                    <a:pPr algn="ctr"/>
+                    <a:r>
+                      <a:rPr lang="fr-FR" dirty="0">
+                        <a:solidFill>
+                          <a:schemeClr val="tx1"/>
+                        </a:solidFill>
+                      </a:rPr>
+                      <a:t>Vidéo</a:t>
+                    </a:r>
+                  </a:p>
+                </p:txBody>
+              </p:sp>
+              <p:sp>
+                <p:nvSpPr>
+                  <p:cNvPr id="224" name="Rectangle 223">
+                    <a:extLst>
+                      <a:ext uri="{FF2B5EF4-FFF2-40B4-BE49-F238E27FC236}">
+                        <a16:creationId xmlns:a16="http://schemas.microsoft.com/office/drawing/2014/main" id="{5AAE3F72-83AC-41DB-BAB4-D7C71A872D73}"/>
+                      </a:ext>
+                    </a:extLst>
+                  </p:cNvPr>
+                  <p:cNvSpPr/>
+                  <p:nvPr/>
+                </p:nvSpPr>
+                <p:spPr>
+                  <a:xfrm>
+                    <a:off x="4110342" y="5133402"/>
+                    <a:ext cx="608514" cy="574219"/>
+                  </a:xfrm>
+                  <a:prstGeom prst="rect">
+                    <a:avLst/>
+                  </a:prstGeom>
+                  <a:solidFill>
+                    <a:schemeClr val="accent4">
+                      <a:alpha val="50000"/>
+                    </a:schemeClr>
+                  </a:solidFill>
+                  <a:ln>
+                    <a:noFill/>
+                  </a:ln>
+                </p:spPr>
+                <p:style>
+                  <a:lnRef idx="0">
+                    <a:scrgbClr r="0" g="0" b="0"/>
+                  </a:lnRef>
+                  <a:fillRef idx="0">
+                    <a:scrgbClr r="0" g="0" b="0"/>
+                  </a:fillRef>
+                  <a:effectRef idx="0">
+                    <a:scrgbClr r="0" g="0" b="0"/>
+                  </a:effectRef>
+                  <a:fontRef idx="minor">
+                    <a:schemeClr val="lt1"/>
+                  </a:fontRef>
+                </p:style>
+                <p:txBody>
+                  <a:bodyPr rtlCol="0" anchor="ctr"/>
+                  <a:lstStyle/>
+                  <a:p>
+                    <a:pPr algn="ctr"/>
+                    <a:r>
+                      <a:rPr lang="fr-FR" sz="1400" dirty="0">
+                        <a:solidFill>
+                          <a:schemeClr val="bg1"/>
+                        </a:solidFill>
+                      </a:rPr>
+                      <a:t>Pop</a:t>
+                    </a:r>
+                  </a:p>
+                </p:txBody>
+              </p:sp>
+              <p:sp>
+                <p:nvSpPr>
+                  <p:cNvPr id="225" name="Rectangle 224">
+                    <a:extLst>
+                      <a:ext uri="{FF2B5EF4-FFF2-40B4-BE49-F238E27FC236}">
+                        <a16:creationId xmlns:a16="http://schemas.microsoft.com/office/drawing/2014/main" id="{48C08E7B-6855-4C47-90F4-BD2B92360A1F}"/>
+                      </a:ext>
+                    </a:extLst>
+                  </p:cNvPr>
+                  <p:cNvSpPr/>
+                  <p:nvPr/>
+                </p:nvSpPr>
+                <p:spPr>
+                  <a:xfrm>
+                    <a:off x="4802932" y="5133401"/>
+                    <a:ext cx="608514" cy="574219"/>
+                  </a:xfrm>
+                  <a:prstGeom prst="rect">
+                    <a:avLst/>
+                  </a:prstGeom>
+                  <a:solidFill>
+                    <a:schemeClr val="accent4">
+                      <a:alpha val="50000"/>
+                    </a:schemeClr>
+                  </a:solidFill>
+                  <a:ln>
+                    <a:noFill/>
+                  </a:ln>
+                </p:spPr>
+                <p:style>
+                  <a:lnRef idx="0">
+                    <a:scrgbClr r="0" g="0" b="0"/>
+                  </a:lnRef>
+                  <a:fillRef idx="0">
+                    <a:scrgbClr r="0" g="0" b="0"/>
+                  </a:fillRef>
+                  <a:effectRef idx="0">
+                    <a:scrgbClr r="0" g="0" b="0"/>
+                  </a:effectRef>
+                  <a:fontRef idx="minor">
+                    <a:schemeClr val="lt1"/>
+                  </a:fontRef>
+                </p:style>
+                <p:txBody>
+                  <a:bodyPr rtlCol="0" anchor="ctr"/>
+                  <a:lstStyle/>
+                  <a:p>
+                    <a:pPr algn="ctr"/>
+                    <a:r>
+                      <a:rPr lang="fr-FR" sz="1400" dirty="0">
+                        <a:solidFill>
+                          <a:schemeClr val="tx1"/>
+                        </a:solidFill>
+                      </a:rPr>
+                      <a:t>Pop</a:t>
+                    </a:r>
+                  </a:p>
+                </p:txBody>
+              </p:sp>
+              <p:sp>
+                <p:nvSpPr>
+                  <p:cNvPr id="226" name="Rectangle 225">
+                    <a:extLst>
+                      <a:ext uri="{FF2B5EF4-FFF2-40B4-BE49-F238E27FC236}">
+                        <a16:creationId xmlns:a16="http://schemas.microsoft.com/office/drawing/2014/main" id="{056E6F9D-2F4C-4123-BF8E-9CCF5A18753A}"/>
+                      </a:ext>
+                    </a:extLst>
+                  </p:cNvPr>
+                  <p:cNvSpPr/>
+                  <p:nvPr/>
+                </p:nvSpPr>
+                <p:spPr>
+                  <a:xfrm>
+                    <a:off x="5528381" y="5133401"/>
+                    <a:ext cx="608514" cy="574219"/>
+                  </a:xfrm>
+                  <a:prstGeom prst="rect">
+                    <a:avLst/>
+                  </a:prstGeom>
+                  <a:solidFill>
+                    <a:schemeClr val="accent4">
+                      <a:alpha val="50000"/>
+                    </a:schemeClr>
+                  </a:solidFill>
+                  <a:ln>
+                    <a:noFill/>
+                  </a:ln>
+                </p:spPr>
+                <p:style>
+                  <a:lnRef idx="0">
+                    <a:scrgbClr r="0" g="0" b="0"/>
+                  </a:lnRef>
+                  <a:fillRef idx="0">
+                    <a:scrgbClr r="0" g="0" b="0"/>
+                  </a:fillRef>
+                  <a:effectRef idx="0">
+                    <a:scrgbClr r="0" g="0" b="0"/>
+                  </a:effectRef>
+                  <a:fontRef idx="minor">
+                    <a:schemeClr val="lt1"/>
+                  </a:fontRef>
+                </p:style>
+                <p:txBody>
+                  <a:bodyPr rtlCol="0" anchor="ctr"/>
+                  <a:lstStyle/>
+                  <a:p>
+                    <a:pPr algn="ctr"/>
+                    <a:r>
+                      <a:rPr lang="fr-FR" sz="1400" dirty="0">
+                        <a:solidFill>
+                          <a:schemeClr val="tx1"/>
+                        </a:solidFill>
+                      </a:rPr>
+                      <a:t>Pop</a:t>
+                    </a:r>
+                  </a:p>
+                </p:txBody>
+              </p:sp>
+            </p:grpSp>
+          </p:grpSp>
+          <p:grpSp>
+            <p:nvGrpSpPr>
+              <p:cNvPr id="214" name="Groupe 213">
+                <a:extLst>
+                  <a:ext uri="{FF2B5EF4-FFF2-40B4-BE49-F238E27FC236}">
+                    <a16:creationId xmlns:a16="http://schemas.microsoft.com/office/drawing/2014/main" id="{2336B1AE-A7BA-41F0-A4DB-F587C2DBD777}"/>
+                  </a:ext>
+                </a:extLst>
+              </p:cNvPr>
+              <p:cNvGrpSpPr/>
+              <p:nvPr/>
+            </p:nvGrpSpPr>
+            <p:grpSpPr>
+              <a:xfrm>
+                <a:off x="3887975" y="3474423"/>
+                <a:ext cx="2444118" cy="343142"/>
+                <a:chOff x="4019082" y="2264255"/>
+                <a:chExt cx="2444118" cy="375821"/>
+              </a:xfrm>
+            </p:grpSpPr>
+            <p:pic>
+              <p:nvPicPr>
+                <p:cNvPr id="215" name="Image 214">
+                  <a:extLst>
+                    <a:ext uri="{FF2B5EF4-FFF2-40B4-BE49-F238E27FC236}">
+                      <a16:creationId xmlns:a16="http://schemas.microsoft.com/office/drawing/2014/main" id="{44CE6B06-709D-453D-A73D-2D2FB5C7AD02}"/>
+                    </a:ext>
+                  </a:extLst>
+                </p:cNvPr>
+                <p:cNvPicPr>
+                  <a:picLocks noChangeAspect="1"/>
+                </p:cNvPicPr>
+                <p:nvPr/>
+              </p:nvPicPr>
+              <p:blipFill>
+                <a:blip r:embed="rId4">
+                  <a:extLst>
+                    <a:ext uri="{28A0092B-C50C-407E-A947-70E740481C1C}">
+                      <a14:useLocalDpi xmlns:a14="http://schemas.microsoft.com/office/drawing/2010/main" val="0"/>
+                    </a:ext>
+                  </a:extLst>
+                </a:blip>
+                <a:stretch>
+                  <a:fillRect/>
+                </a:stretch>
+              </p:blipFill>
+              <p:spPr>
+                <a:xfrm>
+                  <a:off x="4019082" y="2265888"/>
+                  <a:ext cx="368479" cy="368479"/>
+                </a:xfrm>
+                <a:prstGeom prst="rect">
+                  <a:avLst/>
+                </a:prstGeom>
+              </p:spPr>
+            </p:pic>
+            <p:pic>
+              <p:nvPicPr>
+                <p:cNvPr id="216" name="Image 215">
+                  <a:extLst>
+                    <a:ext uri="{FF2B5EF4-FFF2-40B4-BE49-F238E27FC236}">
+                      <a16:creationId xmlns:a16="http://schemas.microsoft.com/office/drawing/2014/main" id="{790A3A2F-30B6-47AA-97C9-8D1E763895B4}"/>
+                    </a:ext>
+                  </a:extLst>
+                </p:cNvPr>
+                <p:cNvPicPr>
+                  <a:picLocks noChangeAspect="1"/>
+                </p:cNvPicPr>
+                <p:nvPr/>
+              </p:nvPicPr>
+              <p:blipFill>
+                <a:blip r:embed="rId5">
+                  <a:extLst>
+                    <a:ext uri="{28A0092B-C50C-407E-A947-70E740481C1C}">
+                      <a14:useLocalDpi xmlns:a14="http://schemas.microsoft.com/office/drawing/2010/main" val="0"/>
+                    </a:ext>
+                  </a:extLst>
+                </a:blip>
+                <a:stretch>
+                  <a:fillRect/>
+                </a:stretch>
+              </p:blipFill>
+              <p:spPr>
+                <a:xfrm flipH="1">
+                  <a:off x="4420959" y="2266528"/>
+                  <a:ext cx="367200" cy="367200"/>
+                </a:xfrm>
+                <a:prstGeom prst="rect">
+                  <a:avLst/>
+                </a:prstGeom>
+              </p:spPr>
+            </p:pic>
+            <p:pic>
+              <p:nvPicPr>
+                <p:cNvPr id="217" name="Image 216">
+                  <a:extLst>
+                    <a:ext uri="{FF2B5EF4-FFF2-40B4-BE49-F238E27FC236}">
+                      <a16:creationId xmlns:a16="http://schemas.microsoft.com/office/drawing/2014/main" id="{A821553A-8932-4C63-86E4-B5A7D3F1AA0F}"/>
+                    </a:ext>
+                  </a:extLst>
+                </p:cNvPr>
+                <p:cNvPicPr>
+                  <a:picLocks noChangeAspect="1"/>
+                </p:cNvPicPr>
+                <p:nvPr/>
+              </p:nvPicPr>
+              <p:blipFill>
+                <a:blip r:embed="rId6">
+                  <a:extLst>
+                    <a:ext uri="{28A0092B-C50C-407E-A947-70E740481C1C}">
+                      <a14:useLocalDpi xmlns:a14="http://schemas.microsoft.com/office/drawing/2010/main" val="0"/>
+                    </a:ext>
+                  </a:extLst>
+                </a:blip>
+                <a:stretch>
+                  <a:fillRect/>
+                </a:stretch>
+              </p:blipFill>
+              <p:spPr>
+                <a:xfrm>
+                  <a:off x="4871096" y="2264255"/>
+                  <a:ext cx="367200" cy="367200"/>
+                </a:xfrm>
+                <a:prstGeom prst="rect">
+                  <a:avLst/>
+                </a:prstGeom>
+              </p:spPr>
+            </p:pic>
+            <p:pic>
+              <p:nvPicPr>
+                <p:cNvPr id="218" name="Image 217">
+                  <a:extLst>
+                    <a:ext uri="{FF2B5EF4-FFF2-40B4-BE49-F238E27FC236}">
+                      <a16:creationId xmlns:a16="http://schemas.microsoft.com/office/drawing/2014/main" id="{8FD6043C-8937-4E55-9C85-6837E5AB4ED6}"/>
+                    </a:ext>
+                  </a:extLst>
+                </p:cNvPr>
+                <p:cNvPicPr>
+                  <a:picLocks noChangeAspect="1"/>
+                </p:cNvPicPr>
+                <p:nvPr/>
+              </p:nvPicPr>
+              <p:blipFill>
+                <a:blip r:embed="rId7">
+                  <a:extLst>
+                    <a:ext uri="{28A0092B-C50C-407E-A947-70E740481C1C}">
+                      <a14:useLocalDpi xmlns:a14="http://schemas.microsoft.com/office/drawing/2010/main" val="0"/>
+                    </a:ext>
+                  </a:extLst>
+                </a:blip>
+                <a:stretch>
+                  <a:fillRect/>
+                </a:stretch>
+              </p:blipFill>
+              <p:spPr>
+                <a:xfrm>
+                  <a:off x="5649459" y="2268553"/>
+                  <a:ext cx="367200" cy="367200"/>
+                </a:xfrm>
+                <a:prstGeom prst="rect">
+                  <a:avLst/>
+                </a:prstGeom>
+              </p:spPr>
+            </p:pic>
+            <p:pic>
+              <p:nvPicPr>
+                <p:cNvPr id="219" name="Image 218">
+                  <a:extLst>
+                    <a:ext uri="{FF2B5EF4-FFF2-40B4-BE49-F238E27FC236}">
+                      <a16:creationId xmlns:a16="http://schemas.microsoft.com/office/drawing/2014/main" id="{631BBFA8-FA3A-465E-8BCD-57C513B9F096}"/>
+                    </a:ext>
+                  </a:extLst>
+                </p:cNvPr>
+                <p:cNvPicPr>
+                  <a:picLocks noChangeAspect="1"/>
+                </p:cNvPicPr>
+                <p:nvPr/>
+              </p:nvPicPr>
+              <p:blipFill>
+                <a:blip r:embed="rId8">
+                  <a:extLst>
+                    <a:ext uri="{28A0092B-C50C-407E-A947-70E740481C1C}">
+                      <a14:useLocalDpi xmlns:a14="http://schemas.microsoft.com/office/drawing/2010/main" val="0"/>
+                    </a:ext>
+                  </a:extLst>
+                </a:blip>
+                <a:stretch>
+                  <a:fillRect/>
+                </a:stretch>
+              </p:blipFill>
+              <p:spPr>
+                <a:xfrm>
+                  <a:off x="6096000" y="2272876"/>
+                  <a:ext cx="367200" cy="367200"/>
+                </a:xfrm>
+                <a:prstGeom prst="rect">
+                  <a:avLst/>
+                </a:prstGeom>
+              </p:spPr>
+            </p:pic>
+          </p:grpSp>
+        </p:grpSp>
+        <p:grpSp>
+          <p:nvGrpSpPr>
+            <p:cNvPr id="136" name="Groupe 135">
+              <a:extLst>
+                <a:ext uri="{FF2B5EF4-FFF2-40B4-BE49-F238E27FC236}">
+                  <a16:creationId xmlns:a16="http://schemas.microsoft.com/office/drawing/2014/main" id="{E030ECB0-78A4-4824-BF7A-32810A88B806}"/>
+                </a:ext>
+              </a:extLst>
+            </p:cNvPr>
+            <p:cNvGrpSpPr/>
+            <p:nvPr/>
+          </p:nvGrpSpPr>
+          <p:grpSpPr>
+            <a:xfrm>
+              <a:off x="7896472" y="798238"/>
+              <a:ext cx="2805688" cy="2255842"/>
+              <a:chOff x="6992294" y="128109"/>
+              <a:chExt cx="2903220" cy="2611221"/>
+            </a:xfrm>
+          </p:grpSpPr>
+          <p:grpSp>
+            <p:nvGrpSpPr>
+              <p:cNvPr id="195" name="Groupe 194">
+                <a:extLst>
+                  <a:ext uri="{FF2B5EF4-FFF2-40B4-BE49-F238E27FC236}">
+                    <a16:creationId xmlns:a16="http://schemas.microsoft.com/office/drawing/2014/main" id="{A2E2F35B-67D4-496B-8189-01DBB52574FD}"/>
+                  </a:ext>
+                </a:extLst>
+              </p:cNvPr>
+              <p:cNvGrpSpPr/>
+              <p:nvPr/>
+            </p:nvGrpSpPr>
+            <p:grpSpPr>
+              <a:xfrm>
+                <a:off x="6992294" y="128109"/>
+                <a:ext cx="2903220" cy="2611221"/>
+                <a:chOff x="7261860" y="627670"/>
+                <a:chExt cx="2903220" cy="1727558"/>
+              </a:xfrm>
+            </p:grpSpPr>
+            <p:grpSp>
+              <p:nvGrpSpPr>
+                <p:cNvPr id="204" name="Groupe 203">
+                  <a:extLst>
+                    <a:ext uri="{FF2B5EF4-FFF2-40B4-BE49-F238E27FC236}">
+                      <a16:creationId xmlns:a16="http://schemas.microsoft.com/office/drawing/2014/main" id="{1A0C887E-AF5D-48EA-9DC3-3358B23CB24F}"/>
+                    </a:ext>
+                  </a:extLst>
+                </p:cNvPr>
+                <p:cNvGrpSpPr/>
+                <p:nvPr/>
+              </p:nvGrpSpPr>
+              <p:grpSpPr>
+                <a:xfrm>
+                  <a:off x="7261860" y="627670"/>
+                  <a:ext cx="2903220" cy="1727558"/>
+                  <a:chOff x="7261860" y="627670"/>
+                  <a:chExt cx="2903220" cy="1727558"/>
+                </a:xfrm>
+              </p:grpSpPr>
+              <p:sp>
+                <p:nvSpPr>
+                  <p:cNvPr id="211" name="Rectangle : coins arrondis 210">
+                    <a:extLst>
+                      <a:ext uri="{FF2B5EF4-FFF2-40B4-BE49-F238E27FC236}">
+                        <a16:creationId xmlns:a16="http://schemas.microsoft.com/office/drawing/2014/main" id="{76E23C33-8889-4DB1-9DC6-3E58B7FBE34E}"/>
+                      </a:ext>
+                    </a:extLst>
+                  </p:cNvPr>
+                  <p:cNvSpPr/>
+                  <p:nvPr/>
+                </p:nvSpPr>
+                <p:spPr>
+                  <a:xfrm>
+                    <a:off x="7261860" y="627670"/>
+                    <a:ext cx="2903220" cy="1727558"/>
+                  </a:xfrm>
+                  <a:prstGeom prst="roundRect">
+                    <a:avLst/>
+                  </a:prstGeom>
+                </p:spPr>
+                <p:style>
+                  <a:lnRef idx="2">
+                    <a:schemeClr val="dk1"/>
+                  </a:lnRef>
+                  <a:fillRef idx="1">
+                    <a:schemeClr val="lt1"/>
+                  </a:fillRef>
+                  <a:effectRef idx="0">
+                    <a:schemeClr val="dk1"/>
+                  </a:effectRef>
+                  <a:fontRef idx="minor">
+                    <a:schemeClr val="dk1"/>
+                  </a:fontRef>
+                </p:style>
+                <p:txBody>
+                  <a:bodyPr rtlCol="0" anchor="ctr"/>
+                  <a:lstStyle/>
+                  <a:p>
+                    <a:pPr algn="ctr"/>
+                    <a:endParaRPr lang="fr-FR"/>
+                  </a:p>
+                </p:txBody>
+              </p:sp>
+              <p:cxnSp>
+                <p:nvCxnSpPr>
+                  <p:cNvPr id="212" name="Connecteur droit 211">
+                    <a:extLst>
+                      <a:ext uri="{FF2B5EF4-FFF2-40B4-BE49-F238E27FC236}">
+                        <a16:creationId xmlns:a16="http://schemas.microsoft.com/office/drawing/2014/main" id="{F2A52D27-9AED-447E-A8E8-0E7E8ECD304F}"/>
+                      </a:ext>
+                    </a:extLst>
+                  </p:cNvPr>
+                  <p:cNvCxnSpPr/>
+                  <p:nvPr/>
+                </p:nvCxnSpPr>
+                <p:spPr>
+                  <a:xfrm>
+                    <a:off x="7261860" y="1077250"/>
+                    <a:ext cx="2903220" cy="0"/>
+                  </a:xfrm>
+                  <a:prstGeom prst="line">
+                    <a:avLst/>
+                  </a:prstGeom>
+                </p:spPr>
+                <p:style>
+                  <a:lnRef idx="2">
+                    <a:schemeClr val="dk1"/>
+                  </a:lnRef>
+                  <a:fillRef idx="0">
+                    <a:schemeClr val="dk1"/>
+                  </a:fillRef>
+                  <a:effectRef idx="1">
+                    <a:schemeClr val="dk1"/>
+                  </a:effectRef>
+                  <a:fontRef idx="minor">
+                    <a:schemeClr val="tx1"/>
+                  </a:fontRef>
+                </p:style>
+              </p:cxnSp>
+            </p:grpSp>
+            <p:grpSp>
+              <p:nvGrpSpPr>
+                <p:cNvPr id="205" name="Groupe 204">
+                  <a:extLst>
+                    <a:ext uri="{FF2B5EF4-FFF2-40B4-BE49-F238E27FC236}">
+                      <a16:creationId xmlns:a16="http://schemas.microsoft.com/office/drawing/2014/main" id="{CE3B0ABA-1979-4B12-8E5F-27CB5CA3A051}"/>
+                    </a:ext>
+                  </a:extLst>
+                </p:cNvPr>
+                <p:cNvGrpSpPr/>
+                <p:nvPr/>
+              </p:nvGrpSpPr>
+              <p:grpSpPr>
+                <a:xfrm>
+                  <a:off x="7491411" y="666049"/>
+                  <a:ext cx="2444118" cy="375821"/>
+                  <a:chOff x="4019082" y="2264255"/>
+                  <a:chExt cx="2444118" cy="375821"/>
+                </a:xfrm>
+              </p:grpSpPr>
+              <p:pic>
+                <p:nvPicPr>
+                  <p:cNvPr id="206" name="Image 205">
+                    <a:extLst>
+                      <a:ext uri="{FF2B5EF4-FFF2-40B4-BE49-F238E27FC236}">
+                        <a16:creationId xmlns:a16="http://schemas.microsoft.com/office/drawing/2014/main" id="{675C1CB2-15ED-4638-92B6-B8626337FAC2}"/>
+                      </a:ext>
+                    </a:extLst>
+                  </p:cNvPr>
+                  <p:cNvPicPr>
+                    <a:picLocks noChangeAspect="1"/>
+                  </p:cNvPicPr>
+                  <p:nvPr/>
+                </p:nvPicPr>
+                <p:blipFill>
+                  <a:blip r:embed="rId4">
+                    <a:extLst>
+                      <a:ext uri="{28A0092B-C50C-407E-A947-70E740481C1C}">
+                        <a14:useLocalDpi xmlns:a14="http://schemas.microsoft.com/office/drawing/2010/main" val="0"/>
+                      </a:ext>
+                    </a:extLst>
+                  </a:blip>
+                  <a:stretch>
+                    <a:fillRect/>
+                  </a:stretch>
+                </p:blipFill>
+                <p:spPr>
+                  <a:xfrm>
+                    <a:off x="4019082" y="2265888"/>
+                    <a:ext cx="368479" cy="368479"/>
+                  </a:xfrm>
+                  <a:prstGeom prst="rect">
+                    <a:avLst/>
+                  </a:prstGeom>
+                </p:spPr>
+              </p:pic>
+              <p:pic>
+                <p:nvPicPr>
+                  <p:cNvPr id="207" name="Image 206">
+                    <a:extLst>
+                      <a:ext uri="{FF2B5EF4-FFF2-40B4-BE49-F238E27FC236}">
+                        <a16:creationId xmlns:a16="http://schemas.microsoft.com/office/drawing/2014/main" id="{7BDA9AEE-96E9-458B-A112-65B1E6E79BB9}"/>
+                      </a:ext>
+                    </a:extLst>
+                  </p:cNvPr>
+                  <p:cNvPicPr>
+                    <a:picLocks noChangeAspect="1"/>
+                  </p:cNvPicPr>
+                  <p:nvPr/>
+                </p:nvPicPr>
+                <p:blipFill>
+                  <a:blip r:embed="rId5">
+                    <a:extLst>
+                      <a:ext uri="{28A0092B-C50C-407E-A947-70E740481C1C}">
+                        <a14:useLocalDpi xmlns:a14="http://schemas.microsoft.com/office/drawing/2010/main" val="0"/>
+                      </a:ext>
+                    </a:extLst>
+                  </a:blip>
+                  <a:stretch>
+                    <a:fillRect/>
+                  </a:stretch>
+                </p:blipFill>
+                <p:spPr>
+                  <a:xfrm flipH="1">
+                    <a:off x="4420959" y="2266528"/>
+                    <a:ext cx="367200" cy="367200"/>
+                  </a:xfrm>
+                  <a:prstGeom prst="rect">
+                    <a:avLst/>
+                  </a:prstGeom>
+                </p:spPr>
+              </p:pic>
+              <p:pic>
+                <p:nvPicPr>
+                  <p:cNvPr id="208" name="Image 207">
+                    <a:extLst>
+                      <a:ext uri="{FF2B5EF4-FFF2-40B4-BE49-F238E27FC236}">
+                        <a16:creationId xmlns:a16="http://schemas.microsoft.com/office/drawing/2014/main" id="{3E3B004B-7126-4A89-A4C3-A76D2F161DA2}"/>
+                      </a:ext>
+                    </a:extLst>
+                  </p:cNvPr>
+                  <p:cNvPicPr>
+                    <a:picLocks noChangeAspect="1"/>
+                  </p:cNvPicPr>
+                  <p:nvPr/>
+                </p:nvPicPr>
+                <p:blipFill>
+                  <a:blip r:embed="rId6">
+                    <a:extLst>
+                      <a:ext uri="{28A0092B-C50C-407E-A947-70E740481C1C}">
+                        <a14:useLocalDpi xmlns:a14="http://schemas.microsoft.com/office/drawing/2010/main" val="0"/>
+                      </a:ext>
+                    </a:extLst>
+                  </a:blip>
+                  <a:stretch>
+                    <a:fillRect/>
+                  </a:stretch>
+                </p:blipFill>
+                <p:spPr>
+                  <a:xfrm>
+                    <a:off x="4871096" y="2264255"/>
+                    <a:ext cx="367200" cy="367200"/>
+                  </a:xfrm>
+                  <a:prstGeom prst="rect">
+                    <a:avLst/>
+                  </a:prstGeom>
+                </p:spPr>
+              </p:pic>
+              <p:pic>
+                <p:nvPicPr>
+                  <p:cNvPr id="209" name="Image 208">
+                    <a:extLst>
+                      <a:ext uri="{FF2B5EF4-FFF2-40B4-BE49-F238E27FC236}">
+                        <a16:creationId xmlns:a16="http://schemas.microsoft.com/office/drawing/2014/main" id="{EA0DDB17-B093-432A-8CA0-7F9F929EEE85}"/>
+                      </a:ext>
+                    </a:extLst>
+                  </p:cNvPr>
+                  <p:cNvPicPr>
+                    <a:picLocks noChangeAspect="1"/>
+                  </p:cNvPicPr>
+                  <p:nvPr/>
+                </p:nvPicPr>
+                <p:blipFill>
+                  <a:blip r:embed="rId7">
+                    <a:extLst>
+                      <a:ext uri="{28A0092B-C50C-407E-A947-70E740481C1C}">
+                        <a14:useLocalDpi xmlns:a14="http://schemas.microsoft.com/office/drawing/2010/main" val="0"/>
+                      </a:ext>
+                    </a:extLst>
+                  </a:blip>
+                  <a:stretch>
+                    <a:fillRect/>
+                  </a:stretch>
+                </p:blipFill>
+                <p:spPr>
+                  <a:xfrm>
+                    <a:off x="5649459" y="2268553"/>
+                    <a:ext cx="367200" cy="367200"/>
+                  </a:xfrm>
+                  <a:prstGeom prst="rect">
+                    <a:avLst/>
+                  </a:prstGeom>
+                </p:spPr>
+              </p:pic>
+              <p:pic>
+                <p:nvPicPr>
+                  <p:cNvPr id="210" name="Image 209">
+                    <a:extLst>
+                      <a:ext uri="{FF2B5EF4-FFF2-40B4-BE49-F238E27FC236}">
+                        <a16:creationId xmlns:a16="http://schemas.microsoft.com/office/drawing/2014/main" id="{90AE0AFE-18C7-409D-9B3A-E96B6569380C}"/>
+                      </a:ext>
+                    </a:extLst>
+                  </p:cNvPr>
+                  <p:cNvPicPr>
+                    <a:picLocks noChangeAspect="1"/>
+                  </p:cNvPicPr>
+                  <p:nvPr/>
+                </p:nvPicPr>
+                <p:blipFill>
+                  <a:blip r:embed="rId8">
+                    <a:extLst>
+                      <a:ext uri="{28A0092B-C50C-407E-A947-70E740481C1C}">
+                        <a14:useLocalDpi xmlns:a14="http://schemas.microsoft.com/office/drawing/2010/main" val="0"/>
+                      </a:ext>
+                    </a:extLst>
+                  </a:blip>
+                  <a:stretch>
+                    <a:fillRect/>
+                  </a:stretch>
+                </p:blipFill>
+                <p:spPr>
+                  <a:xfrm>
+                    <a:off x="6096000" y="2272876"/>
+                    <a:ext cx="367200" cy="367200"/>
+                  </a:xfrm>
+                  <a:prstGeom prst="rect">
+                    <a:avLst/>
+                  </a:prstGeom>
+                </p:spPr>
+              </p:pic>
+            </p:grpSp>
+          </p:grpSp>
+          <p:grpSp>
+            <p:nvGrpSpPr>
+              <p:cNvPr id="196" name="Groupe 195">
+                <a:extLst>
+                  <a:ext uri="{FF2B5EF4-FFF2-40B4-BE49-F238E27FC236}">
+                    <a16:creationId xmlns:a16="http://schemas.microsoft.com/office/drawing/2014/main" id="{803737AD-07FC-4DA7-B4A4-2476BD0CC58B}"/>
+                  </a:ext>
+                </a:extLst>
+              </p:cNvPr>
+              <p:cNvGrpSpPr/>
+              <p:nvPr/>
+            </p:nvGrpSpPr>
+            <p:grpSpPr>
+              <a:xfrm>
+                <a:off x="7221845" y="861133"/>
+                <a:ext cx="2371628" cy="1806828"/>
+                <a:chOff x="7221845" y="861133"/>
+                <a:chExt cx="2371628" cy="1806828"/>
+              </a:xfrm>
+            </p:grpSpPr>
+            <p:sp>
+              <p:nvSpPr>
+                <p:cNvPr id="197" name="Rectangle : coins arrondis 196">
+                  <a:extLst>
+                    <a:ext uri="{FF2B5EF4-FFF2-40B4-BE49-F238E27FC236}">
+                      <a16:creationId xmlns:a16="http://schemas.microsoft.com/office/drawing/2014/main" id="{E03C0326-172D-46FB-9DB6-8E19BEA3797F}"/>
+                    </a:ext>
+                  </a:extLst>
+                </p:cNvPr>
+                <p:cNvSpPr/>
+                <p:nvPr/>
+              </p:nvSpPr>
+              <p:spPr>
+                <a:xfrm>
+                  <a:off x="7221845" y="861133"/>
+                  <a:ext cx="2371628" cy="1806828"/>
+                </a:xfrm>
+                <a:prstGeom prst="roundRect">
+                  <a:avLst/>
+                </a:prstGeom>
+                <a:gradFill flip="none" rotWithShape="1">
+                  <a:gsLst>
+                    <a:gs pos="0">
+                      <a:schemeClr val="accent4">
+                        <a:lumMod val="5000"/>
+                        <a:lumOff val="95000"/>
+                      </a:schemeClr>
+                    </a:gs>
+                    <a:gs pos="74000">
+                      <a:schemeClr val="accent4">
+                        <a:lumMod val="45000"/>
+                        <a:lumOff val="55000"/>
+                      </a:schemeClr>
+                    </a:gs>
+                    <a:gs pos="83000">
+                      <a:schemeClr val="accent4">
+                        <a:lumMod val="45000"/>
+                        <a:lumOff val="55000"/>
+                      </a:schemeClr>
+                    </a:gs>
+                    <a:gs pos="100000">
+                      <a:schemeClr val="accent4">
+                        <a:lumMod val="30000"/>
+                        <a:lumOff val="70000"/>
+                      </a:schemeClr>
+                    </a:gs>
+                  </a:gsLst>
+                  <a:lin ang="5400000" scaled="1"/>
+                  <a:tileRect/>
+                </a:gradFill>
+                <a:ln/>
+              </p:spPr>
+              <p:style>
+                <a:lnRef idx="1">
+                  <a:schemeClr val="accent3"/>
+                </a:lnRef>
+                <a:fillRef idx="2">
+                  <a:schemeClr val="accent3"/>
+                </a:fillRef>
+                <a:effectRef idx="1">
+                  <a:schemeClr val="accent3"/>
+                </a:effectRef>
+                <a:fontRef idx="minor">
+                  <a:schemeClr val="dk1"/>
+                </a:fontRef>
+              </p:style>
+              <p:txBody>
+                <a:bodyPr rtlCol="0" anchor="ctr"/>
+                <a:lstStyle/>
+                <a:p>
+                  <a:pPr algn="ctr"/>
+                  <a:endParaRPr lang="fr-FR" dirty="0"/>
+                </a:p>
+              </p:txBody>
+            </p:sp>
+            <p:sp>
+              <p:nvSpPr>
+                <p:cNvPr id="198" name="Rectangle : coins arrondis 197">
+                  <a:extLst>
+                    <a:ext uri="{FF2B5EF4-FFF2-40B4-BE49-F238E27FC236}">
+                      <a16:creationId xmlns:a16="http://schemas.microsoft.com/office/drawing/2014/main" id="{DFBD4F41-EF56-4C0A-B945-EE9DB2EC88C6}"/>
+                    </a:ext>
+                  </a:extLst>
+                </p:cNvPr>
+                <p:cNvSpPr/>
+                <p:nvPr/>
+              </p:nvSpPr>
+              <p:spPr>
+                <a:xfrm>
+                  <a:off x="7389431" y="925897"/>
+                  <a:ext cx="1157516" cy="249471"/>
+                </a:xfrm>
+                <a:prstGeom prst="roundRect">
+                  <a:avLst/>
+                </a:prstGeom>
+                <a:solidFill>
+                  <a:schemeClr val="dk1">
+                    <a:alpha val="50000"/>
+                  </a:schemeClr>
+                </a:solidFill>
+                <a:ln>
+                  <a:noFill/>
+                </a:ln>
+              </p:spPr>
+              <p:style>
+                <a:lnRef idx="0">
+                  <a:scrgbClr r="0" g="0" b="0"/>
+                </a:lnRef>
+                <a:fillRef idx="0">
+                  <a:scrgbClr r="0" g="0" b="0"/>
+                </a:fillRef>
+                <a:effectRef idx="0">
+                  <a:scrgbClr r="0" g="0" b="0"/>
+                </a:effectRef>
+                <a:fontRef idx="minor">
+                  <a:schemeClr val="lt1"/>
+                </a:fontRef>
+              </p:style>
+              <p:txBody>
+                <a:bodyPr rtlCol="0" anchor="ctr"/>
+                <a:lstStyle/>
+                <a:p>
+                  <a:pPr algn="ctr"/>
+                  <a:r>
+                    <a:rPr lang="fr-FR" sz="1000" dirty="0"/>
+                    <a:t>Login</a:t>
+                  </a:r>
+                </a:p>
+              </p:txBody>
+            </p:sp>
+            <p:sp>
+              <p:nvSpPr>
+                <p:cNvPr id="199" name="Rectangle : coins arrondis 198">
+                  <a:extLst>
+                    <a:ext uri="{FF2B5EF4-FFF2-40B4-BE49-F238E27FC236}">
+                      <a16:creationId xmlns:a16="http://schemas.microsoft.com/office/drawing/2014/main" id="{421D50C3-0C61-4CF2-9752-3AD20623CE77}"/>
+                    </a:ext>
+                  </a:extLst>
+                </p:cNvPr>
+                <p:cNvSpPr/>
+                <p:nvPr/>
+              </p:nvSpPr>
+              <p:spPr>
+                <a:xfrm>
+                  <a:off x="7397290" y="1195872"/>
+                  <a:ext cx="1146004" cy="252260"/>
+                </a:xfrm>
+                <a:prstGeom prst="roundRect">
+                  <a:avLst/>
+                </a:prstGeom>
+                <a:solidFill>
+                  <a:schemeClr val="dk1">
+                    <a:alpha val="50000"/>
+                  </a:schemeClr>
+                </a:solidFill>
+                <a:ln>
+                  <a:noFill/>
+                </a:ln>
+              </p:spPr>
+              <p:style>
+                <a:lnRef idx="0">
+                  <a:scrgbClr r="0" g="0" b="0"/>
+                </a:lnRef>
+                <a:fillRef idx="0">
+                  <a:scrgbClr r="0" g="0" b="0"/>
+                </a:fillRef>
+                <a:effectRef idx="0">
+                  <a:scrgbClr r="0" g="0" b="0"/>
+                </a:effectRef>
+                <a:fontRef idx="minor">
+                  <a:schemeClr val="lt1"/>
+                </a:fontRef>
+              </p:style>
+              <p:txBody>
+                <a:bodyPr rtlCol="0" anchor="ctr"/>
+                <a:lstStyle/>
+                <a:p>
+                  <a:pPr algn="ctr"/>
+                  <a:r>
+                    <a:rPr lang="fr-FR" sz="1000" dirty="0"/>
+                    <a:t>Mot de passe</a:t>
+                  </a:r>
+                </a:p>
+              </p:txBody>
+            </p:sp>
+            <p:sp>
+              <p:nvSpPr>
+                <p:cNvPr id="200" name="Rectangle : coins arrondis 199">
+                  <a:extLst>
+                    <a:ext uri="{FF2B5EF4-FFF2-40B4-BE49-F238E27FC236}">
+                      <a16:creationId xmlns:a16="http://schemas.microsoft.com/office/drawing/2014/main" id="{65442446-59C7-4E82-AA7F-315374765062}"/>
+                    </a:ext>
+                  </a:extLst>
+                </p:cNvPr>
+                <p:cNvSpPr/>
+                <p:nvPr/>
+              </p:nvSpPr>
+              <p:spPr>
+                <a:xfrm>
+                  <a:off x="7397290" y="1470216"/>
+                  <a:ext cx="1146003" cy="249471"/>
+                </a:xfrm>
+                <a:prstGeom prst="roundRect">
+                  <a:avLst/>
+                </a:prstGeom>
+                <a:solidFill>
+                  <a:schemeClr val="dk1">
+                    <a:alpha val="50000"/>
+                  </a:schemeClr>
+                </a:solidFill>
+                <a:ln>
+                  <a:noFill/>
+                </a:ln>
+              </p:spPr>
+              <p:style>
+                <a:lnRef idx="0">
+                  <a:scrgbClr r="0" g="0" b="0"/>
+                </a:lnRef>
+                <a:fillRef idx="0">
+                  <a:scrgbClr r="0" g="0" b="0"/>
+                </a:fillRef>
+                <a:effectRef idx="0">
+                  <a:scrgbClr r="0" g="0" b="0"/>
+                </a:effectRef>
+                <a:fontRef idx="minor">
+                  <a:schemeClr val="lt1"/>
+                </a:fontRef>
+              </p:style>
+              <p:txBody>
+                <a:bodyPr rtlCol="0" anchor="ctr"/>
+                <a:lstStyle/>
+                <a:p>
+                  <a:pPr algn="ctr"/>
+                  <a:r>
+                    <a:rPr lang="fr-FR" sz="1000" dirty="0"/>
+                    <a:t>Adresse</a:t>
+                  </a:r>
+                </a:p>
+              </p:txBody>
+            </p:sp>
+            <p:sp>
+              <p:nvSpPr>
+                <p:cNvPr id="201" name="Rectangle : coins arrondis 200">
+                  <a:extLst>
+                    <a:ext uri="{FF2B5EF4-FFF2-40B4-BE49-F238E27FC236}">
+                      <a16:creationId xmlns:a16="http://schemas.microsoft.com/office/drawing/2014/main" id="{0DD195EA-E0F4-420D-913D-DBB34EBF5B79}"/>
+                    </a:ext>
+                  </a:extLst>
+                </p:cNvPr>
+                <p:cNvSpPr/>
+                <p:nvPr/>
+              </p:nvSpPr>
+              <p:spPr>
+                <a:xfrm>
+                  <a:off x="7406167" y="1755537"/>
+                  <a:ext cx="1146001" cy="249471"/>
+                </a:xfrm>
+                <a:prstGeom prst="roundRect">
+                  <a:avLst/>
+                </a:prstGeom>
+                <a:solidFill>
+                  <a:schemeClr val="dk1">
+                    <a:alpha val="50000"/>
+                  </a:schemeClr>
+                </a:solidFill>
+                <a:ln>
+                  <a:noFill/>
+                </a:ln>
+              </p:spPr>
+              <p:style>
+                <a:lnRef idx="0">
+                  <a:scrgbClr r="0" g="0" b="0"/>
+                </a:lnRef>
+                <a:fillRef idx="0">
+                  <a:scrgbClr r="0" g="0" b="0"/>
+                </a:fillRef>
+                <a:effectRef idx="0">
+                  <a:scrgbClr r="0" g="0" b="0"/>
+                </a:effectRef>
+                <a:fontRef idx="minor">
+                  <a:schemeClr val="lt1"/>
+                </a:fontRef>
+              </p:style>
+              <p:txBody>
+                <a:bodyPr rtlCol="0" anchor="ctr"/>
+                <a:lstStyle/>
+                <a:p>
+                  <a:pPr algn="ctr"/>
+                  <a:r>
+                    <a:rPr lang="fr-FR" sz="1000" dirty="0"/>
+                    <a:t>Mail</a:t>
+                  </a:r>
+                </a:p>
+              </p:txBody>
+            </p:sp>
+            <p:sp>
+              <p:nvSpPr>
+                <p:cNvPr id="202" name="Rectangle : coins arrondis 201">
+                  <a:extLst>
+                    <a:ext uri="{FF2B5EF4-FFF2-40B4-BE49-F238E27FC236}">
+                      <a16:creationId xmlns:a16="http://schemas.microsoft.com/office/drawing/2014/main" id="{AFCEC5FC-4A01-4871-9FDA-0D2AE2B54FBB}"/>
+                    </a:ext>
+                  </a:extLst>
+                </p:cNvPr>
+                <p:cNvSpPr/>
+                <p:nvPr/>
+              </p:nvSpPr>
+              <p:spPr>
+                <a:xfrm>
+                  <a:off x="7409042" y="2031863"/>
+                  <a:ext cx="1146003" cy="249471"/>
+                </a:xfrm>
+                <a:prstGeom prst="roundRect">
+                  <a:avLst/>
+                </a:prstGeom>
+                <a:solidFill>
+                  <a:schemeClr val="dk1">
+                    <a:alpha val="50000"/>
+                  </a:schemeClr>
+                </a:solidFill>
+                <a:ln>
+                  <a:noFill/>
+                </a:ln>
+              </p:spPr>
+              <p:style>
+                <a:lnRef idx="0">
+                  <a:scrgbClr r="0" g="0" b="0"/>
+                </a:lnRef>
+                <a:fillRef idx="0">
+                  <a:scrgbClr r="0" g="0" b="0"/>
+                </a:fillRef>
+                <a:effectRef idx="0">
+                  <a:scrgbClr r="0" g="0" b="0"/>
+                </a:effectRef>
+                <a:fontRef idx="minor">
+                  <a:schemeClr val="lt1"/>
+                </a:fontRef>
+              </p:style>
+              <p:txBody>
+                <a:bodyPr rtlCol="0" anchor="ctr"/>
+                <a:lstStyle/>
+                <a:p>
+                  <a:pPr algn="ctr"/>
+                  <a:r>
+                    <a:rPr lang="fr-FR" sz="1000" dirty="0"/>
+                    <a:t>Adresse</a:t>
+                  </a:r>
+                </a:p>
+              </p:txBody>
+            </p:sp>
+            <p:sp>
+              <p:nvSpPr>
+                <p:cNvPr id="203" name="Rectangle : coins arrondis 202">
+                  <a:extLst>
+                    <a:ext uri="{FF2B5EF4-FFF2-40B4-BE49-F238E27FC236}">
+                      <a16:creationId xmlns:a16="http://schemas.microsoft.com/office/drawing/2014/main" id="{46B85C32-1CFA-49B4-A2F6-B0E1D929981A}"/>
+                    </a:ext>
+                  </a:extLst>
+                </p:cNvPr>
+                <p:cNvSpPr/>
+                <p:nvPr/>
+              </p:nvSpPr>
+              <p:spPr>
+                <a:xfrm>
+                  <a:off x="7417919" y="2317184"/>
+                  <a:ext cx="1146001" cy="249471"/>
+                </a:xfrm>
+                <a:prstGeom prst="roundRect">
+                  <a:avLst/>
+                </a:prstGeom>
+                <a:solidFill>
+                  <a:schemeClr val="dk1">
+                    <a:alpha val="50000"/>
+                  </a:schemeClr>
+                </a:solidFill>
+                <a:ln>
+                  <a:noFill/>
+                </a:ln>
+              </p:spPr>
+              <p:style>
+                <a:lnRef idx="0">
+                  <a:scrgbClr r="0" g="0" b="0"/>
+                </a:lnRef>
+                <a:fillRef idx="0">
+                  <a:scrgbClr r="0" g="0" b="0"/>
+                </a:fillRef>
+                <a:effectRef idx="0">
+                  <a:scrgbClr r="0" g="0" b="0"/>
+                </a:effectRef>
+                <a:fontRef idx="minor">
+                  <a:schemeClr val="lt1"/>
+                </a:fontRef>
+              </p:style>
+              <p:txBody>
+                <a:bodyPr rtlCol="0" anchor="ctr"/>
+                <a:lstStyle/>
+                <a:p>
+                  <a:pPr algn="ctr"/>
+                  <a:r>
+                    <a:rPr lang="fr-FR" sz="1000" dirty="0"/>
+                    <a:t>Mail</a:t>
+                  </a:r>
+                </a:p>
+              </p:txBody>
+            </p:sp>
+          </p:grpSp>
+        </p:grpSp>
+        <p:grpSp>
+          <p:nvGrpSpPr>
+            <p:cNvPr id="137" name="Groupe 136">
+              <a:extLst>
+                <a:ext uri="{FF2B5EF4-FFF2-40B4-BE49-F238E27FC236}">
+                  <a16:creationId xmlns:a16="http://schemas.microsoft.com/office/drawing/2014/main" id="{CCB22577-ACDC-4069-97B9-65AB71C0C091}"/>
+                </a:ext>
+              </a:extLst>
+            </p:cNvPr>
+            <p:cNvGrpSpPr/>
+            <p:nvPr/>
+          </p:nvGrpSpPr>
+          <p:grpSpPr>
+            <a:xfrm>
+              <a:off x="7861444" y="3638894"/>
+              <a:ext cx="2805688" cy="2255842"/>
+              <a:chOff x="7479217" y="3381129"/>
+              <a:chExt cx="2805688" cy="2255842"/>
+            </a:xfrm>
+          </p:grpSpPr>
+          <p:grpSp>
+            <p:nvGrpSpPr>
+              <p:cNvPr id="177" name="Groupe 176">
+                <a:extLst>
+                  <a:ext uri="{FF2B5EF4-FFF2-40B4-BE49-F238E27FC236}">
+                    <a16:creationId xmlns:a16="http://schemas.microsoft.com/office/drawing/2014/main" id="{76E3D39C-D480-471E-BE8D-42CB33D1AD11}"/>
+                  </a:ext>
+                </a:extLst>
+              </p:cNvPr>
+              <p:cNvGrpSpPr/>
+              <p:nvPr/>
+            </p:nvGrpSpPr>
+            <p:grpSpPr>
+              <a:xfrm>
+                <a:off x="7479217" y="3381129"/>
+                <a:ext cx="2805688" cy="2255842"/>
+                <a:chOff x="7261860" y="627670"/>
+                <a:chExt cx="2903220" cy="1727558"/>
+              </a:xfrm>
+            </p:grpSpPr>
+            <p:grpSp>
+              <p:nvGrpSpPr>
+                <p:cNvPr id="186" name="Groupe 185">
+                  <a:extLst>
+                    <a:ext uri="{FF2B5EF4-FFF2-40B4-BE49-F238E27FC236}">
+                      <a16:creationId xmlns:a16="http://schemas.microsoft.com/office/drawing/2014/main" id="{1524C133-931D-49DD-BDF7-E4903C03285E}"/>
+                    </a:ext>
+                  </a:extLst>
+                </p:cNvPr>
+                <p:cNvGrpSpPr/>
+                <p:nvPr/>
+              </p:nvGrpSpPr>
+              <p:grpSpPr>
+                <a:xfrm>
+                  <a:off x="7261860" y="627670"/>
+                  <a:ext cx="2903220" cy="1727558"/>
+                  <a:chOff x="7261860" y="627670"/>
+                  <a:chExt cx="2903220" cy="1727558"/>
+                </a:xfrm>
+              </p:grpSpPr>
+              <p:sp>
+                <p:nvSpPr>
+                  <p:cNvPr id="193" name="Rectangle : coins arrondis 192">
+                    <a:extLst>
+                      <a:ext uri="{FF2B5EF4-FFF2-40B4-BE49-F238E27FC236}">
+                        <a16:creationId xmlns:a16="http://schemas.microsoft.com/office/drawing/2014/main" id="{3C078BD3-4FDE-4296-BD82-D25C57C1D205}"/>
+                      </a:ext>
+                    </a:extLst>
+                  </p:cNvPr>
+                  <p:cNvSpPr/>
+                  <p:nvPr/>
+                </p:nvSpPr>
+                <p:spPr>
+                  <a:xfrm>
+                    <a:off x="7261860" y="627670"/>
+                    <a:ext cx="2903220" cy="1727558"/>
+                  </a:xfrm>
+                  <a:prstGeom prst="roundRect">
+                    <a:avLst/>
+                  </a:prstGeom>
+                </p:spPr>
+                <p:style>
+                  <a:lnRef idx="2">
+                    <a:schemeClr val="dk1"/>
+                  </a:lnRef>
+                  <a:fillRef idx="1">
+                    <a:schemeClr val="lt1"/>
+                  </a:fillRef>
+                  <a:effectRef idx="0">
+                    <a:schemeClr val="dk1"/>
+                  </a:effectRef>
+                  <a:fontRef idx="minor">
+                    <a:schemeClr val="dk1"/>
+                  </a:fontRef>
+                </p:style>
+                <p:txBody>
+                  <a:bodyPr rtlCol="0" anchor="ctr"/>
+                  <a:lstStyle/>
+                  <a:p>
+                    <a:pPr algn="ctr"/>
+                    <a:endParaRPr lang="fr-FR"/>
+                  </a:p>
+                </p:txBody>
+              </p:sp>
+              <p:cxnSp>
+                <p:nvCxnSpPr>
+                  <p:cNvPr id="194" name="Connecteur droit 193">
+                    <a:extLst>
+                      <a:ext uri="{FF2B5EF4-FFF2-40B4-BE49-F238E27FC236}">
+                        <a16:creationId xmlns:a16="http://schemas.microsoft.com/office/drawing/2014/main" id="{678DEFDC-FF69-4AEB-B136-902700C37F14}"/>
+                      </a:ext>
+                    </a:extLst>
+                  </p:cNvPr>
+                  <p:cNvCxnSpPr/>
+                  <p:nvPr/>
+                </p:nvCxnSpPr>
+                <p:spPr>
+                  <a:xfrm>
+                    <a:off x="7261860" y="1077250"/>
+                    <a:ext cx="2903220" cy="0"/>
+                  </a:xfrm>
+                  <a:prstGeom prst="line">
+                    <a:avLst/>
+                  </a:prstGeom>
+                </p:spPr>
+                <p:style>
+                  <a:lnRef idx="2">
+                    <a:schemeClr val="dk1"/>
+                  </a:lnRef>
+                  <a:fillRef idx="0">
+                    <a:schemeClr val="dk1"/>
+                  </a:fillRef>
+                  <a:effectRef idx="1">
+                    <a:schemeClr val="dk1"/>
+                  </a:effectRef>
+                  <a:fontRef idx="minor">
+                    <a:schemeClr val="tx1"/>
+                  </a:fontRef>
+                </p:style>
+              </p:cxnSp>
+            </p:grpSp>
+            <p:grpSp>
+              <p:nvGrpSpPr>
+                <p:cNvPr id="187" name="Groupe 186">
+                  <a:extLst>
+                    <a:ext uri="{FF2B5EF4-FFF2-40B4-BE49-F238E27FC236}">
+                      <a16:creationId xmlns:a16="http://schemas.microsoft.com/office/drawing/2014/main" id="{0AF51C01-789A-4F92-A0DB-96AD98326DE8}"/>
+                    </a:ext>
+                  </a:extLst>
+                </p:cNvPr>
+                <p:cNvGrpSpPr/>
+                <p:nvPr/>
+              </p:nvGrpSpPr>
+              <p:grpSpPr>
+                <a:xfrm>
+                  <a:off x="7491411" y="666049"/>
+                  <a:ext cx="2444118" cy="375821"/>
+                  <a:chOff x="4019082" y="2264255"/>
+                  <a:chExt cx="2444118" cy="375821"/>
+                </a:xfrm>
+              </p:grpSpPr>
+              <p:pic>
+                <p:nvPicPr>
+                  <p:cNvPr id="188" name="Image 187">
+                    <a:extLst>
+                      <a:ext uri="{FF2B5EF4-FFF2-40B4-BE49-F238E27FC236}">
+                        <a16:creationId xmlns:a16="http://schemas.microsoft.com/office/drawing/2014/main" id="{A1581A39-9F7D-4E4F-AA67-5E1D4A1CCD80}"/>
+                      </a:ext>
+                    </a:extLst>
+                  </p:cNvPr>
+                  <p:cNvPicPr>
+                    <a:picLocks noChangeAspect="1"/>
+                  </p:cNvPicPr>
+                  <p:nvPr/>
+                </p:nvPicPr>
+                <p:blipFill>
+                  <a:blip r:embed="rId4">
+                    <a:extLst>
+                      <a:ext uri="{28A0092B-C50C-407E-A947-70E740481C1C}">
+                        <a14:useLocalDpi xmlns:a14="http://schemas.microsoft.com/office/drawing/2010/main" val="0"/>
+                      </a:ext>
+                    </a:extLst>
+                  </a:blip>
+                  <a:stretch>
+                    <a:fillRect/>
+                  </a:stretch>
+                </p:blipFill>
+                <p:spPr>
+                  <a:xfrm>
+                    <a:off x="4019082" y="2265888"/>
+                    <a:ext cx="368479" cy="368479"/>
+                  </a:xfrm>
+                  <a:prstGeom prst="rect">
+                    <a:avLst/>
+                  </a:prstGeom>
+                </p:spPr>
+              </p:pic>
+              <p:pic>
+                <p:nvPicPr>
+                  <p:cNvPr id="189" name="Image 188">
+                    <a:extLst>
+                      <a:ext uri="{FF2B5EF4-FFF2-40B4-BE49-F238E27FC236}">
+                        <a16:creationId xmlns:a16="http://schemas.microsoft.com/office/drawing/2014/main" id="{4DFC8BFA-61FC-4BD8-B5F1-CA4476FE3434}"/>
+                      </a:ext>
+                    </a:extLst>
+                  </p:cNvPr>
+                  <p:cNvPicPr>
+                    <a:picLocks noChangeAspect="1"/>
+                  </p:cNvPicPr>
+                  <p:nvPr/>
+                </p:nvPicPr>
+                <p:blipFill>
+                  <a:blip r:embed="rId5">
+                    <a:extLst>
+                      <a:ext uri="{28A0092B-C50C-407E-A947-70E740481C1C}">
+                        <a14:useLocalDpi xmlns:a14="http://schemas.microsoft.com/office/drawing/2010/main" val="0"/>
+                      </a:ext>
+                    </a:extLst>
+                  </a:blip>
+                  <a:stretch>
+                    <a:fillRect/>
+                  </a:stretch>
+                </p:blipFill>
+                <p:spPr>
+                  <a:xfrm flipH="1">
+                    <a:off x="4420959" y="2266528"/>
+                    <a:ext cx="367200" cy="367200"/>
+                  </a:xfrm>
+                  <a:prstGeom prst="rect">
+                    <a:avLst/>
+                  </a:prstGeom>
+                </p:spPr>
+              </p:pic>
+              <p:pic>
+                <p:nvPicPr>
+                  <p:cNvPr id="190" name="Image 189">
+                    <a:extLst>
+                      <a:ext uri="{FF2B5EF4-FFF2-40B4-BE49-F238E27FC236}">
+                        <a16:creationId xmlns:a16="http://schemas.microsoft.com/office/drawing/2014/main" id="{BD7A7C2B-41C8-4AB0-8FCC-20B2E0094148}"/>
+                      </a:ext>
+                    </a:extLst>
+                  </p:cNvPr>
+                  <p:cNvPicPr>
+                    <a:picLocks noChangeAspect="1"/>
+                  </p:cNvPicPr>
+                  <p:nvPr/>
+                </p:nvPicPr>
+                <p:blipFill>
+                  <a:blip r:embed="rId6">
+                    <a:extLst>
+                      <a:ext uri="{28A0092B-C50C-407E-A947-70E740481C1C}">
+                        <a14:useLocalDpi xmlns:a14="http://schemas.microsoft.com/office/drawing/2010/main" val="0"/>
+                      </a:ext>
+                    </a:extLst>
+                  </a:blip>
+                  <a:stretch>
+                    <a:fillRect/>
+                  </a:stretch>
+                </p:blipFill>
+                <p:spPr>
+                  <a:xfrm>
+                    <a:off x="4871096" y="2264255"/>
+                    <a:ext cx="367200" cy="367200"/>
+                  </a:xfrm>
+                  <a:prstGeom prst="rect">
+                    <a:avLst/>
+                  </a:prstGeom>
+                </p:spPr>
+              </p:pic>
+              <p:pic>
+                <p:nvPicPr>
+                  <p:cNvPr id="191" name="Image 190">
+                    <a:extLst>
+                      <a:ext uri="{FF2B5EF4-FFF2-40B4-BE49-F238E27FC236}">
+                        <a16:creationId xmlns:a16="http://schemas.microsoft.com/office/drawing/2014/main" id="{8A9E61B7-9C30-4DD0-8CCF-CF01D859E6D2}"/>
+                      </a:ext>
+                    </a:extLst>
+                  </p:cNvPr>
+                  <p:cNvPicPr>
+                    <a:picLocks noChangeAspect="1"/>
+                  </p:cNvPicPr>
+                  <p:nvPr/>
+                </p:nvPicPr>
+                <p:blipFill>
+                  <a:blip r:embed="rId7">
+                    <a:extLst>
+                      <a:ext uri="{28A0092B-C50C-407E-A947-70E740481C1C}">
+                        <a14:useLocalDpi xmlns:a14="http://schemas.microsoft.com/office/drawing/2010/main" val="0"/>
+                      </a:ext>
+                    </a:extLst>
+                  </a:blip>
+                  <a:stretch>
+                    <a:fillRect/>
+                  </a:stretch>
+                </p:blipFill>
+                <p:spPr>
+                  <a:xfrm>
+                    <a:off x="5649459" y="2268553"/>
+                    <a:ext cx="367200" cy="367200"/>
+                  </a:xfrm>
+                  <a:prstGeom prst="rect">
+                    <a:avLst/>
+                  </a:prstGeom>
+                </p:spPr>
+              </p:pic>
+              <p:pic>
+                <p:nvPicPr>
+                  <p:cNvPr id="192" name="Image 191">
+                    <a:extLst>
+                      <a:ext uri="{FF2B5EF4-FFF2-40B4-BE49-F238E27FC236}">
+                        <a16:creationId xmlns:a16="http://schemas.microsoft.com/office/drawing/2014/main" id="{39D4ECA7-9134-4B7E-9347-2F1A5FEC9419}"/>
+                      </a:ext>
+                    </a:extLst>
+                  </p:cNvPr>
+                  <p:cNvPicPr>
+                    <a:picLocks noChangeAspect="1"/>
+                  </p:cNvPicPr>
+                  <p:nvPr/>
+                </p:nvPicPr>
+                <p:blipFill>
+                  <a:blip r:embed="rId8">
+                    <a:extLst>
+                      <a:ext uri="{28A0092B-C50C-407E-A947-70E740481C1C}">
+                        <a14:useLocalDpi xmlns:a14="http://schemas.microsoft.com/office/drawing/2010/main" val="0"/>
+                      </a:ext>
+                    </a:extLst>
+                  </a:blip>
+                  <a:stretch>
+                    <a:fillRect/>
+                  </a:stretch>
+                </p:blipFill>
+                <p:spPr>
+                  <a:xfrm>
+                    <a:off x="6096000" y="2272876"/>
+                    <a:ext cx="367200" cy="367200"/>
+                  </a:xfrm>
+                  <a:prstGeom prst="rect">
+                    <a:avLst/>
+                  </a:prstGeom>
+                </p:spPr>
+              </p:pic>
+            </p:grpSp>
+          </p:grpSp>
+          <p:grpSp>
+            <p:nvGrpSpPr>
+              <p:cNvPr id="178" name="Groupe 177">
+                <a:extLst>
+                  <a:ext uri="{FF2B5EF4-FFF2-40B4-BE49-F238E27FC236}">
+                    <a16:creationId xmlns:a16="http://schemas.microsoft.com/office/drawing/2014/main" id="{82D3D3DD-4806-4B43-9E06-C9841C253E8E}"/>
+                  </a:ext>
+                </a:extLst>
+              </p:cNvPr>
+              <p:cNvGrpSpPr/>
+              <p:nvPr/>
+            </p:nvGrpSpPr>
+            <p:grpSpPr>
+              <a:xfrm>
+                <a:off x="7566765" y="4056430"/>
+                <a:ext cx="2635191" cy="1412658"/>
+                <a:chOff x="213064" y="2896078"/>
+                <a:chExt cx="2726796" cy="1675923"/>
+              </a:xfrm>
+            </p:grpSpPr>
+            <p:sp>
+              <p:nvSpPr>
+                <p:cNvPr id="179" name="Rectangle : coins arrondis 178">
+                  <a:extLst>
+                    <a:ext uri="{FF2B5EF4-FFF2-40B4-BE49-F238E27FC236}">
+                      <a16:creationId xmlns:a16="http://schemas.microsoft.com/office/drawing/2014/main" id="{84344A84-9E69-4086-8EB1-76610F68A17E}"/>
+                    </a:ext>
+                  </a:extLst>
+                </p:cNvPr>
+                <p:cNvSpPr/>
+                <p:nvPr/>
+              </p:nvSpPr>
+              <p:spPr>
+                <a:xfrm>
+                  <a:off x="213064" y="2896078"/>
+                  <a:ext cx="2726796" cy="1675923"/>
+                </a:xfrm>
+                <a:prstGeom prst="roundRect">
+                  <a:avLst/>
+                </a:prstGeom>
+                <a:gradFill flip="none" rotWithShape="1">
+                  <a:gsLst>
+                    <a:gs pos="0">
+                      <a:schemeClr val="accent4">
+                        <a:lumMod val="5000"/>
+                        <a:lumOff val="95000"/>
+                      </a:schemeClr>
+                    </a:gs>
+                    <a:gs pos="74000">
+                      <a:schemeClr val="accent4">
+                        <a:lumMod val="45000"/>
+                        <a:lumOff val="55000"/>
+                      </a:schemeClr>
+                    </a:gs>
+                    <a:gs pos="32000">
+                      <a:schemeClr val="accent4">
+                        <a:lumMod val="45000"/>
+                        <a:lumOff val="55000"/>
+                      </a:schemeClr>
+                    </a:gs>
+                    <a:gs pos="100000">
+                      <a:schemeClr val="accent4">
+                        <a:lumMod val="30000"/>
+                        <a:lumOff val="70000"/>
+                      </a:schemeClr>
+                    </a:gs>
+                  </a:gsLst>
+                  <a:lin ang="5400000" scaled="1"/>
+                  <a:tileRect/>
+                </a:gradFill>
+                <a:ln/>
+              </p:spPr>
+              <p:style>
+                <a:lnRef idx="1">
+                  <a:schemeClr val="accent3"/>
+                </a:lnRef>
+                <a:fillRef idx="2">
+                  <a:schemeClr val="accent3"/>
+                </a:fillRef>
+                <a:effectRef idx="1">
+                  <a:schemeClr val="accent3"/>
+                </a:effectRef>
+                <a:fontRef idx="minor">
+                  <a:schemeClr val="dk1"/>
+                </a:fontRef>
+              </p:style>
+              <p:txBody>
+                <a:bodyPr rtlCol="0" anchor="ctr"/>
+                <a:lstStyle/>
+                <a:p>
+                  <a:pPr algn="ctr"/>
+                  <a:endParaRPr lang="fr-FR" dirty="0"/>
+                </a:p>
+              </p:txBody>
+            </p:sp>
+            <p:sp>
+              <p:nvSpPr>
+                <p:cNvPr id="180" name="Rectangle 179">
+                  <a:extLst>
+                    <a:ext uri="{FF2B5EF4-FFF2-40B4-BE49-F238E27FC236}">
+                      <a16:creationId xmlns:a16="http://schemas.microsoft.com/office/drawing/2014/main" id="{6945D4C7-8FA1-46FF-9008-1F28742A34CD}"/>
+                    </a:ext>
+                  </a:extLst>
+                </p:cNvPr>
+                <p:cNvSpPr/>
+                <p:nvPr/>
+              </p:nvSpPr>
+              <p:spPr>
+                <a:xfrm>
+                  <a:off x="315977" y="3220436"/>
+                  <a:ext cx="616694" cy="597129"/>
+                </a:xfrm>
+                <a:prstGeom prst="rect">
+                  <a:avLst/>
+                </a:prstGeom>
+                <a:solidFill>
+                  <a:schemeClr val="dk1">
+                    <a:alpha val="50000"/>
+                  </a:schemeClr>
+                </a:solidFill>
+                <a:ln>
+                  <a:noFill/>
+                </a:ln>
+              </p:spPr>
+              <p:style>
+                <a:lnRef idx="0">
+                  <a:scrgbClr r="0" g="0" b="0"/>
+                </a:lnRef>
+                <a:fillRef idx="0">
+                  <a:scrgbClr r="0" g="0" b="0"/>
+                </a:fillRef>
+                <a:effectRef idx="0">
+                  <a:scrgbClr r="0" g="0" b="0"/>
+                </a:effectRef>
+                <a:fontRef idx="minor">
+                  <a:schemeClr val="lt1"/>
+                </a:fontRef>
+              </p:style>
+              <p:txBody>
+                <a:bodyPr rtlCol="0" anchor="ctr"/>
+                <a:lstStyle/>
+                <a:p>
+                  <a:pPr algn="ctr"/>
+                  <a:r>
+                    <a:rPr lang="fr-FR" sz="1000" dirty="0">
+                      <a:solidFill>
+                        <a:schemeClr val="tx1"/>
+                      </a:solidFill>
+                    </a:rPr>
+                    <a:t>Image</a:t>
+                  </a:r>
+                </a:p>
+              </p:txBody>
+            </p:sp>
+            <p:sp>
+              <p:nvSpPr>
+                <p:cNvPr id="181" name="Rectangle : coins arrondis 180">
+                  <a:extLst>
+                    <a:ext uri="{FF2B5EF4-FFF2-40B4-BE49-F238E27FC236}">
+                      <a16:creationId xmlns:a16="http://schemas.microsoft.com/office/drawing/2014/main" id="{D478C4C4-0881-4746-BF26-E300F7BB344A}"/>
+                    </a:ext>
+                  </a:extLst>
+                </p:cNvPr>
+                <p:cNvSpPr/>
+                <p:nvPr/>
+              </p:nvSpPr>
+              <p:spPr>
+                <a:xfrm>
+                  <a:off x="1005929" y="3219718"/>
+                  <a:ext cx="601541" cy="196252"/>
+                </a:xfrm>
+                <a:prstGeom prst="roundRect">
+                  <a:avLst/>
+                </a:prstGeom>
+                <a:solidFill>
+                  <a:schemeClr val="dk1">
+                    <a:alpha val="50000"/>
+                  </a:schemeClr>
+                </a:solidFill>
+                <a:ln>
+                  <a:noFill/>
+                </a:ln>
+              </p:spPr>
+              <p:style>
+                <a:lnRef idx="0">
+                  <a:scrgbClr r="0" g="0" b="0"/>
+                </a:lnRef>
+                <a:fillRef idx="0">
+                  <a:scrgbClr r="0" g="0" b="0"/>
+                </a:fillRef>
+                <a:effectRef idx="0">
+                  <a:scrgbClr r="0" g="0" b="0"/>
+                </a:effectRef>
+                <a:fontRef idx="minor">
+                  <a:schemeClr val="lt1"/>
+                </a:fontRef>
+              </p:style>
+              <p:txBody>
+                <a:bodyPr rtlCol="0" anchor="ctr"/>
+                <a:lstStyle/>
+                <a:p>
+                  <a:pPr algn="ctr"/>
+                  <a:r>
+                    <a:rPr lang="fr-FR" sz="1000" dirty="0"/>
+                    <a:t>Nom</a:t>
+                  </a:r>
+                </a:p>
+              </p:txBody>
+            </p:sp>
+            <p:sp>
+              <p:nvSpPr>
+                <p:cNvPr id="182" name="Rectangle : coins arrondis 181">
+                  <a:extLst>
+                    <a:ext uri="{FF2B5EF4-FFF2-40B4-BE49-F238E27FC236}">
+                      <a16:creationId xmlns:a16="http://schemas.microsoft.com/office/drawing/2014/main" id="{8A7F9D15-4AEF-4169-9692-53F704CD0C5F}"/>
+                    </a:ext>
+                  </a:extLst>
+                </p:cNvPr>
+                <p:cNvSpPr/>
+                <p:nvPr/>
+              </p:nvSpPr>
+              <p:spPr>
+                <a:xfrm>
+                  <a:off x="1005238" y="3482877"/>
+                  <a:ext cx="601541" cy="184478"/>
+                </a:xfrm>
+                <a:prstGeom prst="roundRect">
+                  <a:avLst/>
+                </a:prstGeom>
+                <a:solidFill>
+                  <a:schemeClr val="dk1">
+                    <a:alpha val="50000"/>
+                  </a:schemeClr>
+                </a:solidFill>
+                <a:ln>
+                  <a:noFill/>
+                </a:ln>
+              </p:spPr>
+              <p:style>
+                <a:lnRef idx="0">
+                  <a:scrgbClr r="0" g="0" b="0"/>
+                </a:lnRef>
+                <a:fillRef idx="0">
+                  <a:scrgbClr r="0" g="0" b="0"/>
+                </a:fillRef>
+                <a:effectRef idx="0">
+                  <a:scrgbClr r="0" g="0" b="0"/>
+                </a:effectRef>
+                <a:fontRef idx="minor">
+                  <a:schemeClr val="lt1"/>
+                </a:fontRef>
+              </p:style>
+              <p:txBody>
+                <a:bodyPr rtlCol="0" anchor="ctr"/>
+                <a:lstStyle/>
+                <a:p>
+                  <a:pPr algn="ctr"/>
+                  <a:r>
+                    <a:rPr lang="fr-FR" sz="1000" dirty="0" err="1"/>
+                    <a:t>Rèf</a:t>
+                  </a:r>
+                  <a:endParaRPr lang="fr-FR" sz="1000" dirty="0"/>
+                </a:p>
+              </p:txBody>
+            </p:sp>
+            <p:sp>
+              <p:nvSpPr>
+                <p:cNvPr id="183" name="Rectangle : coins arrondis 182">
+                  <a:extLst>
+                    <a:ext uri="{FF2B5EF4-FFF2-40B4-BE49-F238E27FC236}">
+                      <a16:creationId xmlns:a16="http://schemas.microsoft.com/office/drawing/2014/main" id="{4E991FB3-430F-4D27-8366-DE6B8CC754F3}"/>
+                    </a:ext>
+                  </a:extLst>
+                </p:cNvPr>
+                <p:cNvSpPr/>
+                <p:nvPr/>
+              </p:nvSpPr>
+              <p:spPr>
+                <a:xfrm>
+                  <a:off x="1980228" y="3215180"/>
+                  <a:ext cx="783252" cy="186121"/>
+                </a:xfrm>
+                <a:prstGeom prst="roundRect">
+                  <a:avLst/>
+                </a:prstGeom>
+                <a:solidFill>
+                  <a:schemeClr val="dk1">
+                    <a:alpha val="50000"/>
+                  </a:schemeClr>
+                </a:solidFill>
+                <a:ln>
+                  <a:noFill/>
+                </a:ln>
+              </p:spPr>
+              <p:style>
+                <a:lnRef idx="0">
+                  <a:scrgbClr r="0" g="0" b="0"/>
+                </a:lnRef>
+                <a:fillRef idx="0">
+                  <a:scrgbClr r="0" g="0" b="0"/>
+                </a:fillRef>
+                <a:effectRef idx="0">
+                  <a:scrgbClr r="0" g="0" b="0"/>
+                </a:effectRef>
+                <a:fontRef idx="minor">
+                  <a:schemeClr val="lt1"/>
+                </a:fontRef>
+              </p:style>
+              <p:txBody>
+                <a:bodyPr rtlCol="0" anchor="ctr"/>
+                <a:lstStyle/>
+                <a:p>
+                  <a:pPr algn="ctr"/>
+                  <a:r>
+                    <a:rPr lang="fr-FR" sz="1000" dirty="0"/>
+                    <a:t>Prix</a:t>
+                  </a:r>
+                </a:p>
+              </p:txBody>
+            </p:sp>
+            <p:sp>
+              <p:nvSpPr>
+                <p:cNvPr id="184" name="Rectangle : coins arrondis 183">
+                  <a:extLst>
+                    <a:ext uri="{FF2B5EF4-FFF2-40B4-BE49-F238E27FC236}">
+                      <a16:creationId xmlns:a16="http://schemas.microsoft.com/office/drawing/2014/main" id="{1CB3CAFF-6CF6-4D10-BCD4-099CC17F842D}"/>
+                    </a:ext>
+                  </a:extLst>
+                </p:cNvPr>
+                <p:cNvSpPr/>
+                <p:nvPr/>
+              </p:nvSpPr>
+              <p:spPr>
+                <a:xfrm>
+                  <a:off x="1982719" y="3509595"/>
+                  <a:ext cx="786485" cy="232256"/>
+                </a:xfrm>
+                <a:prstGeom prst="roundRect">
+                  <a:avLst/>
+                </a:prstGeom>
+                <a:solidFill>
+                  <a:schemeClr val="dk1">
+                    <a:alpha val="50000"/>
+                  </a:schemeClr>
+                </a:solidFill>
+                <a:ln>
+                  <a:noFill/>
+                </a:ln>
+              </p:spPr>
+              <p:style>
+                <a:lnRef idx="0">
+                  <a:scrgbClr r="0" g="0" b="0"/>
+                </a:lnRef>
+                <a:fillRef idx="0">
+                  <a:scrgbClr r="0" g="0" b="0"/>
+                </a:fillRef>
+                <a:effectRef idx="0">
+                  <a:scrgbClr r="0" g="0" b="0"/>
+                </a:effectRef>
+                <a:fontRef idx="minor">
+                  <a:schemeClr val="lt1"/>
+                </a:fontRef>
+              </p:style>
+              <p:txBody>
+                <a:bodyPr rtlCol="0" anchor="ctr"/>
+                <a:lstStyle/>
+                <a:p>
+                  <a:pPr algn="ctr"/>
+                  <a:r>
+                    <a:rPr lang="fr-FR" sz="1000" dirty="0"/>
+                    <a:t>Quantité</a:t>
+                  </a:r>
+                </a:p>
+              </p:txBody>
+            </p:sp>
+            <p:sp>
+              <p:nvSpPr>
+                <p:cNvPr id="185" name="Rectangle : coins arrondis 184">
+                  <a:extLst>
+                    <a:ext uri="{FF2B5EF4-FFF2-40B4-BE49-F238E27FC236}">
+                      <a16:creationId xmlns:a16="http://schemas.microsoft.com/office/drawing/2014/main" id="{1C2C95B1-2AFC-4A08-871D-2E473296C351}"/>
+                    </a:ext>
+                  </a:extLst>
+                </p:cNvPr>
+                <p:cNvSpPr/>
+                <p:nvPr/>
+              </p:nvSpPr>
+              <p:spPr>
+                <a:xfrm>
+                  <a:off x="1744583" y="4048217"/>
+                  <a:ext cx="1073538" cy="232256"/>
+                </a:xfrm>
+                <a:prstGeom prst="roundRect">
+                  <a:avLst/>
+                </a:prstGeom>
+                <a:solidFill>
+                  <a:schemeClr val="accent5"/>
+                </a:solidFill>
+                <a:ln>
+                  <a:noFill/>
+                </a:ln>
+              </p:spPr>
+              <p:style>
+                <a:lnRef idx="0">
+                  <a:scrgbClr r="0" g="0" b="0"/>
+                </a:lnRef>
+                <a:fillRef idx="0">
+                  <a:scrgbClr r="0" g="0" b="0"/>
+                </a:fillRef>
+                <a:effectRef idx="0">
+                  <a:scrgbClr r="0" g="0" b="0"/>
+                </a:effectRef>
+                <a:fontRef idx="minor">
+                  <a:schemeClr val="lt1"/>
+                </a:fontRef>
+              </p:style>
+              <p:txBody>
+                <a:bodyPr rtlCol="0" anchor="ctr"/>
+                <a:lstStyle/>
+                <a:p>
+                  <a:pPr algn="ctr"/>
+                  <a:r>
+                    <a:rPr lang="fr-FR" sz="1000" dirty="0"/>
+                    <a:t>Commander</a:t>
+                  </a:r>
+                </a:p>
+              </p:txBody>
+            </p:sp>
+          </p:grpSp>
+        </p:grpSp>
+        <p:cxnSp>
+          <p:nvCxnSpPr>
+            <p:cNvPr id="138" name="Connecteur droit avec flèche 137">
+              <a:extLst>
+                <a:ext uri="{FF2B5EF4-FFF2-40B4-BE49-F238E27FC236}">
+                  <a16:creationId xmlns:a16="http://schemas.microsoft.com/office/drawing/2014/main" id="{71673B87-D8C1-458D-85CE-C7B9F5347609}"/>
+                </a:ext>
+              </a:extLst>
+            </p:cNvPr>
+            <p:cNvCxnSpPr>
+              <a:cxnSpLocks/>
+              <a:stCxn id="219" idx="3"/>
+            </p:cNvCxnSpPr>
+            <p:nvPr/>
+          </p:nvCxnSpPr>
+          <p:spPr>
+            <a:xfrm>
+              <a:off x="6747445" y="3989926"/>
+              <a:ext cx="1300346" cy="70033"/>
+            </a:xfrm>
+            <a:prstGeom prst="straightConnector1">
+              <a:avLst/>
+            </a:prstGeom>
+            <a:ln>
+              <a:solidFill>
+                <a:srgbClr val="FF0000"/>
+              </a:solidFill>
+              <a:tailEnd type="triangle"/>
+            </a:ln>
+          </p:spPr>
+          <p:style>
+            <a:lnRef idx="3">
+              <a:schemeClr val="accent1"/>
+            </a:lnRef>
+            <a:fillRef idx="0">
+              <a:schemeClr val="accent1"/>
+            </a:fillRef>
+            <a:effectRef idx="2">
+              <a:schemeClr val="accent1"/>
+            </a:effectRef>
+            <a:fontRef idx="minor">
+              <a:schemeClr val="tx1"/>
+            </a:fontRef>
+          </p:style>
+        </p:cxnSp>
+        <p:grpSp>
+          <p:nvGrpSpPr>
+            <p:cNvPr id="139" name="Groupe 138">
+              <a:extLst>
+                <a:ext uri="{FF2B5EF4-FFF2-40B4-BE49-F238E27FC236}">
+                  <a16:creationId xmlns:a16="http://schemas.microsoft.com/office/drawing/2014/main" id="{F1B59DEB-58A4-42E7-A983-02B616143970}"/>
+                </a:ext>
+              </a:extLst>
+            </p:cNvPr>
+            <p:cNvGrpSpPr/>
+            <p:nvPr/>
+          </p:nvGrpSpPr>
+          <p:grpSpPr>
+            <a:xfrm>
+              <a:off x="197966" y="1040386"/>
+              <a:ext cx="2808027" cy="2255842"/>
+              <a:chOff x="3880891" y="1091476"/>
+              <a:chExt cx="2808027" cy="2255842"/>
+            </a:xfrm>
+          </p:grpSpPr>
+          <p:grpSp>
+            <p:nvGrpSpPr>
+              <p:cNvPr id="161" name="Groupe 160">
+                <a:extLst>
+                  <a:ext uri="{FF2B5EF4-FFF2-40B4-BE49-F238E27FC236}">
+                    <a16:creationId xmlns:a16="http://schemas.microsoft.com/office/drawing/2014/main" id="{8C4F36D3-ABF7-4AD3-9D88-1BF2685007A6}"/>
+                  </a:ext>
+                </a:extLst>
+              </p:cNvPr>
+              <p:cNvGrpSpPr/>
+              <p:nvPr/>
+            </p:nvGrpSpPr>
+            <p:grpSpPr>
+              <a:xfrm>
+                <a:off x="3880891" y="1091476"/>
+                <a:ext cx="2808027" cy="2255842"/>
+                <a:chOff x="3365891" y="294866"/>
+                <a:chExt cx="2905646" cy="2611221"/>
+              </a:xfrm>
+            </p:grpSpPr>
+            <p:grpSp>
+              <p:nvGrpSpPr>
+                <p:cNvPr id="166" name="Groupe 165">
+                  <a:extLst>
+                    <a:ext uri="{FF2B5EF4-FFF2-40B4-BE49-F238E27FC236}">
+                      <a16:creationId xmlns:a16="http://schemas.microsoft.com/office/drawing/2014/main" id="{F49C819D-D901-4C57-A09A-26941B3359B2}"/>
+                    </a:ext>
+                  </a:extLst>
+                </p:cNvPr>
+                <p:cNvGrpSpPr/>
+                <p:nvPr/>
+              </p:nvGrpSpPr>
+              <p:grpSpPr>
+                <a:xfrm>
+                  <a:off x="3365891" y="294866"/>
+                  <a:ext cx="2905646" cy="2611221"/>
+                  <a:chOff x="7049224" y="737995"/>
+                  <a:chExt cx="2905646" cy="1727558"/>
+                </a:xfrm>
+              </p:grpSpPr>
+              <p:grpSp>
+                <p:nvGrpSpPr>
+                  <p:cNvPr id="168" name="Groupe 167">
+                    <a:extLst>
+                      <a:ext uri="{FF2B5EF4-FFF2-40B4-BE49-F238E27FC236}">
+                        <a16:creationId xmlns:a16="http://schemas.microsoft.com/office/drawing/2014/main" id="{55254A55-0AD9-47A6-9E2B-99F1EF0A3BC5}"/>
+                      </a:ext>
+                    </a:extLst>
+                  </p:cNvPr>
+                  <p:cNvGrpSpPr/>
+                  <p:nvPr/>
+                </p:nvGrpSpPr>
+                <p:grpSpPr>
+                  <a:xfrm>
+                    <a:off x="7049224" y="737995"/>
+                    <a:ext cx="2905646" cy="1727558"/>
+                    <a:chOff x="7049224" y="737995"/>
+                    <a:chExt cx="2905646" cy="1727558"/>
+                  </a:xfrm>
+                </p:grpSpPr>
+                <p:sp>
+                  <p:nvSpPr>
+                    <p:cNvPr id="176" name="Rectangle : coins arrondis 175">
+                      <a:extLst>
+                        <a:ext uri="{FF2B5EF4-FFF2-40B4-BE49-F238E27FC236}">
+                          <a16:creationId xmlns:a16="http://schemas.microsoft.com/office/drawing/2014/main" id="{762B8A61-7CD9-4F4C-AB31-8130C9750880}"/>
+                        </a:ext>
+                      </a:extLst>
+                    </p:cNvPr>
+                    <p:cNvSpPr/>
+                    <p:nvPr/>
+                  </p:nvSpPr>
+                  <p:spPr>
+                    <a:xfrm>
+                      <a:off x="7049224" y="737995"/>
+                      <a:ext cx="2903220" cy="1727558"/>
+                    </a:xfrm>
+                    <a:prstGeom prst="roundRect">
+                      <a:avLst/>
+                    </a:prstGeom>
+                  </p:spPr>
+                  <p:style>
+                    <a:lnRef idx="2">
+                      <a:schemeClr val="dk1"/>
+                    </a:lnRef>
+                    <a:fillRef idx="1">
+                      <a:schemeClr val="lt1"/>
+                    </a:fillRef>
+                    <a:effectRef idx="0">
+                      <a:schemeClr val="dk1"/>
+                    </a:effectRef>
+                    <a:fontRef idx="minor">
+                      <a:schemeClr val="dk1"/>
+                    </a:fontRef>
+                  </p:style>
+                  <p:txBody>
+                    <a:bodyPr rtlCol="0" anchor="ctr"/>
+                    <a:lstStyle/>
+                    <a:p>
+                      <a:pPr algn="ctr"/>
+                      <a:endParaRPr lang="fr-FR" dirty="0"/>
+                    </a:p>
+                  </p:txBody>
+                </p:sp>
+                <p:cxnSp>
+                  <p:nvCxnSpPr>
+                    <p:cNvPr id="175" name="Connecteur droit 174">
+                      <a:extLst>
+                        <a:ext uri="{FF2B5EF4-FFF2-40B4-BE49-F238E27FC236}">
+                          <a16:creationId xmlns:a16="http://schemas.microsoft.com/office/drawing/2014/main" id="{63BFA68B-C06A-49F6-9DF2-7C40B5C47FE3}"/>
+                        </a:ext>
+                      </a:extLst>
+                    </p:cNvPr>
+                    <p:cNvCxnSpPr/>
+                    <p:nvPr/>
+                  </p:nvCxnSpPr>
+                  <p:spPr>
+                    <a:xfrm>
+                      <a:off x="7051651" y="1170437"/>
+                      <a:ext cx="2903219" cy="0"/>
+                    </a:xfrm>
+                    <a:prstGeom prst="line">
+                      <a:avLst/>
+                    </a:prstGeom>
+                  </p:spPr>
+                  <p:style>
+                    <a:lnRef idx="2">
+                      <a:schemeClr val="dk1"/>
+                    </a:lnRef>
+                    <a:fillRef idx="0">
+                      <a:schemeClr val="dk1"/>
+                    </a:fillRef>
+                    <a:effectRef idx="1">
+                      <a:schemeClr val="dk1"/>
+                    </a:effectRef>
+                    <a:fontRef idx="minor">
+                      <a:schemeClr val="tx1"/>
+                    </a:fontRef>
+                  </p:style>
+                </p:cxnSp>
+              </p:grpSp>
+              <p:grpSp>
+                <p:nvGrpSpPr>
+                  <p:cNvPr id="169" name="Groupe 168">
+                    <a:extLst>
+                      <a:ext uri="{FF2B5EF4-FFF2-40B4-BE49-F238E27FC236}">
+                        <a16:creationId xmlns:a16="http://schemas.microsoft.com/office/drawing/2014/main" id="{9B46D015-836B-419A-8595-26ABF915E5C6}"/>
+                      </a:ext>
+                    </a:extLst>
+                  </p:cNvPr>
+                  <p:cNvGrpSpPr/>
+                  <p:nvPr/>
+                </p:nvGrpSpPr>
+                <p:grpSpPr>
+                  <a:xfrm>
+                    <a:off x="7246576" y="782055"/>
+                    <a:ext cx="2444118" cy="375821"/>
+                    <a:chOff x="3774247" y="2380261"/>
+                    <a:chExt cx="2444118" cy="375821"/>
+                  </a:xfrm>
+                </p:grpSpPr>
+                <p:pic>
+                  <p:nvPicPr>
+                    <p:cNvPr id="170" name="Image 169">
+                      <a:extLst>
+                        <a:ext uri="{FF2B5EF4-FFF2-40B4-BE49-F238E27FC236}">
+                          <a16:creationId xmlns:a16="http://schemas.microsoft.com/office/drawing/2014/main" id="{1B5CFD9E-86A6-4348-AAA0-A6D640D41EDC}"/>
+                        </a:ext>
+                      </a:extLst>
+                    </p:cNvPr>
+                    <p:cNvPicPr>
+                      <a:picLocks noChangeAspect="1"/>
+                    </p:cNvPicPr>
+                    <p:nvPr/>
+                  </p:nvPicPr>
+                  <p:blipFill>
+                    <a:blip r:embed="rId4">
+                      <a:extLst>
+                        <a:ext uri="{28A0092B-C50C-407E-A947-70E740481C1C}">
+                          <a14:useLocalDpi xmlns:a14="http://schemas.microsoft.com/office/drawing/2010/main" val="0"/>
+                        </a:ext>
+                      </a:extLst>
+                    </a:blip>
+                    <a:stretch>
+                      <a:fillRect/>
+                    </a:stretch>
+                  </p:blipFill>
+                  <p:spPr>
+                    <a:xfrm>
+                      <a:off x="3774247" y="2381894"/>
+                      <a:ext cx="368479" cy="368479"/>
+                    </a:xfrm>
+                    <a:prstGeom prst="rect">
+                      <a:avLst/>
+                    </a:prstGeom>
+                  </p:spPr>
+                </p:pic>
+                <p:pic>
+                  <p:nvPicPr>
+                    <p:cNvPr id="171" name="Image 170">
+                      <a:extLst>
+                        <a:ext uri="{FF2B5EF4-FFF2-40B4-BE49-F238E27FC236}">
+                          <a16:creationId xmlns:a16="http://schemas.microsoft.com/office/drawing/2014/main" id="{4B5C96F3-E741-4905-8298-7F7DCE625DCE}"/>
+                        </a:ext>
+                      </a:extLst>
+                    </p:cNvPr>
+                    <p:cNvPicPr>
+                      <a:picLocks noChangeAspect="1"/>
+                    </p:cNvPicPr>
+                    <p:nvPr/>
+                  </p:nvPicPr>
+                  <p:blipFill>
+                    <a:blip r:embed="rId5">
+                      <a:extLst>
+                        <a:ext uri="{28A0092B-C50C-407E-A947-70E740481C1C}">
+                          <a14:useLocalDpi xmlns:a14="http://schemas.microsoft.com/office/drawing/2010/main" val="0"/>
+                        </a:ext>
+                      </a:extLst>
+                    </a:blip>
+                    <a:stretch>
+                      <a:fillRect/>
+                    </a:stretch>
+                  </p:blipFill>
+                  <p:spPr>
+                    <a:xfrm flipH="1">
+                      <a:off x="4176124" y="2382539"/>
+                      <a:ext cx="367200" cy="367200"/>
+                    </a:xfrm>
+                    <a:prstGeom prst="rect">
+                      <a:avLst/>
+                    </a:prstGeom>
+                  </p:spPr>
+                </p:pic>
+                <p:pic>
+                  <p:nvPicPr>
+                    <p:cNvPr id="172" name="Image 171">
+                      <a:extLst>
+                        <a:ext uri="{FF2B5EF4-FFF2-40B4-BE49-F238E27FC236}">
+                          <a16:creationId xmlns:a16="http://schemas.microsoft.com/office/drawing/2014/main" id="{669D1137-6F90-4383-8D05-9ABEA0F1F936}"/>
+                        </a:ext>
+                      </a:extLst>
+                    </p:cNvPr>
+                    <p:cNvPicPr>
+                      <a:picLocks noChangeAspect="1"/>
+                    </p:cNvPicPr>
+                    <p:nvPr/>
+                  </p:nvPicPr>
+                  <p:blipFill>
+                    <a:blip r:embed="rId6">
+                      <a:extLst>
+                        <a:ext uri="{28A0092B-C50C-407E-A947-70E740481C1C}">
+                          <a14:useLocalDpi xmlns:a14="http://schemas.microsoft.com/office/drawing/2010/main" val="0"/>
+                        </a:ext>
+                      </a:extLst>
+                    </a:blip>
+                    <a:stretch>
+                      <a:fillRect/>
+                    </a:stretch>
+                  </p:blipFill>
+                  <p:spPr>
+                    <a:xfrm>
+                      <a:off x="4626263" y="2380261"/>
+                      <a:ext cx="367200" cy="367200"/>
+                    </a:xfrm>
+                    <a:prstGeom prst="rect">
+                      <a:avLst/>
+                    </a:prstGeom>
+                  </p:spPr>
+                </p:pic>
+                <p:pic>
+                  <p:nvPicPr>
+                    <p:cNvPr id="173" name="Image 172">
+                      <a:extLst>
+                        <a:ext uri="{FF2B5EF4-FFF2-40B4-BE49-F238E27FC236}">
+                          <a16:creationId xmlns:a16="http://schemas.microsoft.com/office/drawing/2014/main" id="{E0EAA0B8-567C-41C9-8460-AD241A49A8FB}"/>
+                        </a:ext>
+                      </a:extLst>
+                    </p:cNvPr>
+                    <p:cNvPicPr>
+                      <a:picLocks noChangeAspect="1"/>
+                    </p:cNvPicPr>
+                    <p:nvPr/>
+                  </p:nvPicPr>
+                  <p:blipFill>
+                    <a:blip r:embed="rId7">
+                      <a:extLst>
+                        <a:ext uri="{28A0092B-C50C-407E-A947-70E740481C1C}">
+                          <a14:useLocalDpi xmlns:a14="http://schemas.microsoft.com/office/drawing/2010/main" val="0"/>
+                        </a:ext>
+                      </a:extLst>
+                    </a:blip>
+                    <a:stretch>
+                      <a:fillRect/>
+                    </a:stretch>
+                  </p:blipFill>
+                  <p:spPr>
+                    <a:xfrm>
+                      <a:off x="5404624" y="2384562"/>
+                      <a:ext cx="367200" cy="367200"/>
+                    </a:xfrm>
+                    <a:prstGeom prst="rect">
+                      <a:avLst/>
+                    </a:prstGeom>
+                  </p:spPr>
+                </p:pic>
+                <p:pic>
+                  <p:nvPicPr>
+                    <p:cNvPr id="174" name="Image 173">
+                      <a:extLst>
+                        <a:ext uri="{FF2B5EF4-FFF2-40B4-BE49-F238E27FC236}">
+                          <a16:creationId xmlns:a16="http://schemas.microsoft.com/office/drawing/2014/main" id="{CF42DDC1-2437-4A7A-9301-52930FA2F8EE}"/>
+                        </a:ext>
+                      </a:extLst>
+                    </p:cNvPr>
+                    <p:cNvPicPr>
+                      <a:picLocks noChangeAspect="1"/>
+                    </p:cNvPicPr>
+                    <p:nvPr/>
+                  </p:nvPicPr>
+                  <p:blipFill>
+                    <a:blip r:embed="rId8">
+                      <a:extLst>
+                        <a:ext uri="{28A0092B-C50C-407E-A947-70E740481C1C}">
+                          <a14:useLocalDpi xmlns:a14="http://schemas.microsoft.com/office/drawing/2010/main" val="0"/>
+                        </a:ext>
+                      </a:extLst>
+                    </a:blip>
+                    <a:stretch>
+                      <a:fillRect/>
+                    </a:stretch>
+                  </p:blipFill>
+                  <p:spPr>
+                    <a:xfrm>
+                      <a:off x="5851165" y="2388882"/>
+                      <a:ext cx="367200" cy="367200"/>
+                    </a:xfrm>
+                    <a:prstGeom prst="rect">
+                      <a:avLst/>
+                    </a:prstGeom>
+                  </p:spPr>
+                </p:pic>
+              </p:grpSp>
+            </p:grpSp>
+            <p:sp>
+              <p:nvSpPr>
+                <p:cNvPr id="167" name="Rectangle : coins arrondis 166">
+                  <a:extLst>
+                    <a:ext uri="{FF2B5EF4-FFF2-40B4-BE49-F238E27FC236}">
+                      <a16:creationId xmlns:a16="http://schemas.microsoft.com/office/drawing/2014/main" id="{98B4E1FF-0937-49F9-AE19-E621F03A45DE}"/>
+                    </a:ext>
+                  </a:extLst>
+                </p:cNvPr>
+                <p:cNvSpPr/>
+                <p:nvPr/>
+              </p:nvSpPr>
+              <p:spPr>
+                <a:xfrm>
+                  <a:off x="3549600" y="1022613"/>
+                  <a:ext cx="2371628" cy="1663124"/>
+                </a:xfrm>
+                <a:prstGeom prst="roundRect">
+                  <a:avLst/>
+                </a:prstGeom>
+                <a:gradFill flip="none" rotWithShape="1">
+                  <a:gsLst>
+                    <a:gs pos="0">
+                      <a:schemeClr val="accent4">
+                        <a:lumMod val="5000"/>
+                        <a:lumOff val="95000"/>
+                      </a:schemeClr>
+                    </a:gs>
+                    <a:gs pos="74000">
+                      <a:schemeClr val="accent4">
+                        <a:lumMod val="45000"/>
+                        <a:lumOff val="55000"/>
+                      </a:schemeClr>
+                    </a:gs>
+                    <a:gs pos="83000">
+                      <a:schemeClr val="accent4">
+                        <a:lumMod val="45000"/>
+                        <a:lumOff val="55000"/>
+                      </a:schemeClr>
+                    </a:gs>
+                    <a:gs pos="100000">
+                      <a:schemeClr val="accent4">
+                        <a:lumMod val="30000"/>
+                        <a:lumOff val="70000"/>
+                      </a:schemeClr>
+                    </a:gs>
+                  </a:gsLst>
+                  <a:path path="rect">
+                    <a:fillToRect l="100000" t="100000"/>
+                  </a:path>
+                  <a:tileRect r="-100000" b="-100000"/>
+                </a:gradFill>
+                <a:ln/>
+              </p:spPr>
+              <p:style>
+                <a:lnRef idx="1">
+                  <a:schemeClr val="accent3"/>
+                </a:lnRef>
+                <a:fillRef idx="2">
+                  <a:schemeClr val="accent3"/>
+                </a:fillRef>
+                <a:effectRef idx="1">
+                  <a:schemeClr val="accent3"/>
+                </a:effectRef>
+                <a:fontRef idx="minor">
+                  <a:schemeClr val="dk1"/>
+                </a:fontRef>
+              </p:style>
+              <p:txBody>
+                <a:bodyPr rtlCol="0" anchor="ctr"/>
+                <a:lstStyle/>
+                <a:p>
+                  <a:pPr algn="ctr"/>
+                  <a:endParaRPr lang="fr-FR" dirty="0"/>
+                </a:p>
+              </p:txBody>
+            </p:sp>
+          </p:grpSp>
+          <p:sp>
+            <p:nvSpPr>
+              <p:cNvPr id="162" name="Rectangle : coins arrondis 161">
+                <a:extLst>
+                  <a:ext uri="{FF2B5EF4-FFF2-40B4-BE49-F238E27FC236}">
+                    <a16:creationId xmlns:a16="http://schemas.microsoft.com/office/drawing/2014/main" id="{16A5D52C-E17C-4EED-A38E-9CF904EFA019}"/>
+                  </a:ext>
+                </a:extLst>
+              </p:cNvPr>
+              <p:cNvSpPr/>
+              <p:nvPr/>
+            </p:nvSpPr>
+            <p:spPr>
+              <a:xfrm>
+                <a:off x="4196107" y="1791323"/>
+                <a:ext cx="1118630" cy="198378"/>
+              </a:xfrm>
+              <a:prstGeom prst="roundRect">
+                <a:avLst/>
+              </a:prstGeom>
+              <a:solidFill>
+                <a:schemeClr val="dk1">
+                  <a:alpha val="50000"/>
+                </a:schemeClr>
+              </a:solidFill>
+              <a:ln>
+                <a:noFill/>
+              </a:ln>
+            </p:spPr>
+            <p:style>
+              <a:lnRef idx="0">
+                <a:scrgbClr r="0" g="0" b="0"/>
+              </a:lnRef>
+              <a:fillRef idx="0">
+                <a:scrgbClr r="0" g="0" b="0"/>
+              </a:fillRef>
+              <a:effectRef idx="0">
+                <a:scrgbClr r="0" g="0" b="0"/>
+              </a:effectRef>
+              <a:fontRef idx="minor">
+                <a:schemeClr val="lt1"/>
+              </a:fontRef>
+            </p:style>
+            <p:txBody>
+              <a:bodyPr rtlCol="0" anchor="ctr"/>
+              <a:lstStyle/>
+              <a:p>
+                <a:pPr algn="ctr"/>
+                <a:r>
+                  <a:rPr lang="fr-FR" sz="1000" dirty="0"/>
+                  <a:t>Nom</a:t>
+                </a:r>
+              </a:p>
+            </p:txBody>
+          </p:sp>
+          <p:sp>
+            <p:nvSpPr>
+              <p:cNvPr id="163" name="Rectangle : coins arrondis 162">
+                <a:extLst>
+                  <a:ext uri="{FF2B5EF4-FFF2-40B4-BE49-F238E27FC236}">
+                    <a16:creationId xmlns:a16="http://schemas.microsoft.com/office/drawing/2014/main" id="{FAC124E0-C3D4-4DE9-BF8C-A8FD5BB6ADC5}"/>
+                  </a:ext>
+                </a:extLst>
+              </p:cNvPr>
+              <p:cNvSpPr/>
+              <p:nvPr/>
+            </p:nvSpPr>
+            <p:spPr>
+              <a:xfrm>
+                <a:off x="4203702" y="2029014"/>
+                <a:ext cx="1107505" cy="200596"/>
+              </a:xfrm>
+              <a:prstGeom prst="roundRect">
+                <a:avLst/>
+              </a:prstGeom>
+              <a:solidFill>
+                <a:schemeClr val="dk1">
+                  <a:alpha val="50000"/>
+                </a:schemeClr>
+              </a:solidFill>
+              <a:ln>
+                <a:noFill/>
+              </a:ln>
+            </p:spPr>
+            <p:style>
+              <a:lnRef idx="0">
+                <a:scrgbClr r="0" g="0" b="0"/>
+              </a:lnRef>
+              <a:fillRef idx="0">
+                <a:scrgbClr r="0" g="0" b="0"/>
+              </a:fillRef>
+              <a:effectRef idx="0">
+                <a:scrgbClr r="0" g="0" b="0"/>
+              </a:effectRef>
+              <a:fontRef idx="minor">
+                <a:schemeClr val="lt1"/>
+              </a:fontRef>
+            </p:style>
+            <p:txBody>
+              <a:bodyPr rtlCol="0" anchor="ctr"/>
+              <a:lstStyle/>
+              <a:p>
+                <a:pPr algn="ctr"/>
+                <a:r>
+                  <a:rPr lang="fr-FR" sz="1000" dirty="0"/>
+                  <a:t>Mail</a:t>
+                </a:r>
+              </a:p>
+            </p:txBody>
+          </p:sp>
+          <p:sp>
+            <p:nvSpPr>
+              <p:cNvPr id="164" name="Rectangle : coins arrondis 163">
+                <a:extLst>
+                  <a:ext uri="{FF2B5EF4-FFF2-40B4-BE49-F238E27FC236}">
+                    <a16:creationId xmlns:a16="http://schemas.microsoft.com/office/drawing/2014/main" id="{8797FAB0-EE39-437D-B264-E49B46BAE12D}"/>
+                  </a:ext>
+                </a:extLst>
+              </p:cNvPr>
+              <p:cNvSpPr/>
+              <p:nvPr/>
+            </p:nvSpPr>
+            <p:spPr>
+              <a:xfrm>
+                <a:off x="4203702" y="2277850"/>
+                <a:ext cx="1107504" cy="198378"/>
+              </a:xfrm>
+              <a:prstGeom prst="roundRect">
+                <a:avLst/>
+              </a:prstGeom>
+              <a:solidFill>
+                <a:schemeClr val="dk1">
+                  <a:alpha val="50000"/>
+                </a:schemeClr>
+              </a:solidFill>
+              <a:ln>
+                <a:noFill/>
+              </a:ln>
+            </p:spPr>
+            <p:style>
+              <a:lnRef idx="0">
+                <a:scrgbClr r="0" g="0" b="0"/>
+              </a:lnRef>
+              <a:fillRef idx="0">
+                <a:scrgbClr r="0" g="0" b="0"/>
+              </a:fillRef>
+              <a:effectRef idx="0">
+                <a:scrgbClr r="0" g="0" b="0"/>
+              </a:effectRef>
+              <a:fontRef idx="minor">
+                <a:schemeClr val="lt1"/>
+              </a:fontRef>
+            </p:style>
+            <p:txBody>
+              <a:bodyPr rtlCol="0" anchor="ctr"/>
+              <a:lstStyle/>
+              <a:p>
+                <a:pPr algn="ctr"/>
+                <a:r>
+                  <a:rPr lang="fr-FR" sz="1000" dirty="0"/>
+                  <a:t>Objet</a:t>
+                </a:r>
+              </a:p>
+            </p:txBody>
+          </p:sp>
+          <p:sp>
+            <p:nvSpPr>
+              <p:cNvPr id="165" name="Rectangle : coins arrondis 164">
+                <a:extLst>
+                  <a:ext uri="{FF2B5EF4-FFF2-40B4-BE49-F238E27FC236}">
+                    <a16:creationId xmlns:a16="http://schemas.microsoft.com/office/drawing/2014/main" id="{3CD8F9CE-B6FD-403F-9F6F-4DC79E99410E}"/>
+                  </a:ext>
+                </a:extLst>
+              </p:cNvPr>
+              <p:cNvSpPr/>
+              <p:nvPr/>
+            </p:nvSpPr>
+            <p:spPr>
+              <a:xfrm>
+                <a:off x="4203700" y="2527743"/>
+                <a:ext cx="1562776" cy="587941"/>
+              </a:xfrm>
+              <a:prstGeom prst="roundRect">
+                <a:avLst/>
+              </a:prstGeom>
+              <a:solidFill>
+                <a:schemeClr val="dk1">
+                  <a:alpha val="50000"/>
+                </a:schemeClr>
+              </a:solidFill>
+              <a:ln>
+                <a:noFill/>
+              </a:ln>
+            </p:spPr>
+            <p:style>
+              <a:lnRef idx="0">
+                <a:scrgbClr r="0" g="0" b="0"/>
+              </a:lnRef>
+              <a:fillRef idx="0">
+                <a:scrgbClr r="0" g="0" b="0"/>
+              </a:fillRef>
+              <a:effectRef idx="0">
+                <a:scrgbClr r="0" g="0" b="0"/>
+              </a:effectRef>
+              <a:fontRef idx="minor">
+                <a:schemeClr val="lt1"/>
+              </a:fontRef>
+            </p:style>
+            <p:txBody>
+              <a:bodyPr rtlCol="0" anchor="ctr"/>
+              <a:lstStyle/>
+              <a:p>
+                <a:pPr algn="ctr"/>
+                <a:r>
+                  <a:rPr lang="fr-FR" sz="1000" dirty="0"/>
+                  <a:t>Message</a:t>
+                </a:r>
+              </a:p>
+            </p:txBody>
+          </p:sp>
+        </p:grpSp>
+        <p:grpSp>
+          <p:nvGrpSpPr>
+            <p:cNvPr id="140" name="Groupe 139">
+              <a:extLst>
+                <a:ext uri="{FF2B5EF4-FFF2-40B4-BE49-F238E27FC236}">
+                  <a16:creationId xmlns:a16="http://schemas.microsoft.com/office/drawing/2014/main" id="{A876013B-B49A-454B-86C0-5C8F2BC62274}"/>
+                </a:ext>
+              </a:extLst>
+            </p:cNvPr>
+            <p:cNvGrpSpPr/>
+            <p:nvPr/>
+          </p:nvGrpSpPr>
+          <p:grpSpPr>
+            <a:xfrm>
+              <a:off x="4469477" y="349242"/>
+              <a:ext cx="2509103" cy="2762866"/>
+              <a:chOff x="857285" y="3829091"/>
+              <a:chExt cx="2509103" cy="2762866"/>
+            </a:xfrm>
+          </p:grpSpPr>
+          <p:grpSp>
+            <p:nvGrpSpPr>
+              <p:cNvPr id="146" name="Groupe 145">
+                <a:extLst>
+                  <a:ext uri="{FF2B5EF4-FFF2-40B4-BE49-F238E27FC236}">
+                    <a16:creationId xmlns:a16="http://schemas.microsoft.com/office/drawing/2014/main" id="{F78681AA-F9B2-4C0B-A78C-274163EB880E}"/>
+                  </a:ext>
+                </a:extLst>
+              </p:cNvPr>
+              <p:cNvGrpSpPr/>
+              <p:nvPr/>
+            </p:nvGrpSpPr>
+            <p:grpSpPr>
+              <a:xfrm>
+                <a:off x="857285" y="3829091"/>
+                <a:ext cx="2509103" cy="2762866"/>
+                <a:chOff x="857285" y="3829091"/>
+                <a:chExt cx="2509103" cy="2762866"/>
+              </a:xfrm>
+            </p:grpSpPr>
+            <p:grpSp>
+              <p:nvGrpSpPr>
+                <p:cNvPr id="148" name="Groupe 147">
+                  <a:extLst>
+                    <a:ext uri="{FF2B5EF4-FFF2-40B4-BE49-F238E27FC236}">
+                      <a16:creationId xmlns:a16="http://schemas.microsoft.com/office/drawing/2014/main" id="{BB75ABF5-1B7F-4D35-941D-5F30D647AE41}"/>
+                    </a:ext>
+                  </a:extLst>
+                </p:cNvPr>
+                <p:cNvGrpSpPr/>
+                <p:nvPr/>
+              </p:nvGrpSpPr>
+              <p:grpSpPr>
+                <a:xfrm>
+                  <a:off x="857285" y="3829091"/>
+                  <a:ext cx="2509103" cy="2762866"/>
+                  <a:chOff x="3809026" y="3220436"/>
+                  <a:chExt cx="2596325" cy="3198119"/>
+                </a:xfrm>
+              </p:grpSpPr>
+              <p:grpSp>
+                <p:nvGrpSpPr>
+                  <p:cNvPr id="155" name="Groupe 154">
+                    <a:extLst>
+                      <a:ext uri="{FF2B5EF4-FFF2-40B4-BE49-F238E27FC236}">
+                        <a16:creationId xmlns:a16="http://schemas.microsoft.com/office/drawing/2014/main" id="{ABEEEEC0-FF4B-4510-A3DA-89C99525C5A2}"/>
+                      </a:ext>
+                    </a:extLst>
+                  </p:cNvPr>
+                  <p:cNvGrpSpPr/>
+                  <p:nvPr/>
+                </p:nvGrpSpPr>
+                <p:grpSpPr>
+                  <a:xfrm>
+                    <a:off x="3809026" y="3220436"/>
+                    <a:ext cx="2596325" cy="3198119"/>
+                    <a:chOff x="3949255" y="2052499"/>
+                    <a:chExt cx="2438400" cy="3365321"/>
+                  </a:xfrm>
+                </p:grpSpPr>
+                <p:sp>
+                  <p:nvSpPr>
+                    <p:cNvPr id="159" name="Rectangle : coins arrondis 158">
+                      <a:extLst>
+                        <a:ext uri="{FF2B5EF4-FFF2-40B4-BE49-F238E27FC236}">
+                          <a16:creationId xmlns:a16="http://schemas.microsoft.com/office/drawing/2014/main" id="{61A4DF51-8104-4B28-A8F9-0FB5693F728D}"/>
+                        </a:ext>
+                      </a:extLst>
+                    </p:cNvPr>
+                    <p:cNvSpPr/>
+                    <p:nvPr/>
+                  </p:nvSpPr>
+                  <p:spPr>
+                    <a:xfrm>
+                      <a:off x="3949255" y="2052499"/>
+                      <a:ext cx="2438400" cy="3365321"/>
+                    </a:xfrm>
+                    <a:prstGeom prst="roundRect">
+                      <a:avLst/>
+                    </a:prstGeom>
+                  </p:spPr>
+                  <p:style>
+                    <a:lnRef idx="2">
+                      <a:schemeClr val="dk1"/>
+                    </a:lnRef>
+                    <a:fillRef idx="1">
+                      <a:schemeClr val="lt1"/>
+                    </a:fillRef>
+                    <a:effectRef idx="0">
+                      <a:schemeClr val="dk1"/>
+                    </a:effectRef>
+                    <a:fontRef idx="minor">
+                      <a:schemeClr val="dk1"/>
+                    </a:fontRef>
+                  </p:style>
+                  <p:txBody>
+                    <a:bodyPr rtlCol="0" anchor="ctr"/>
+                    <a:lstStyle/>
+                    <a:p>
+                      <a:pPr algn="ctr"/>
+                      <a:endParaRPr lang="fr-FR" dirty="0"/>
+                    </a:p>
+                  </p:txBody>
+                </p:sp>
+                <p:cxnSp>
+                  <p:nvCxnSpPr>
+                    <p:cNvPr id="160" name="Connecteur droit 159">
+                      <a:extLst>
+                        <a:ext uri="{FF2B5EF4-FFF2-40B4-BE49-F238E27FC236}">
+                          <a16:creationId xmlns:a16="http://schemas.microsoft.com/office/drawing/2014/main" id="{E5AF45E0-E64F-4732-AC10-345CCB660C77}"/>
+                        </a:ext>
+                      </a:extLst>
+                    </p:cNvPr>
+                    <p:cNvCxnSpPr/>
+                    <p:nvPr/>
+                  </p:nvCxnSpPr>
+                  <p:spPr>
+                    <a:xfrm>
+                      <a:off x="3949255" y="2766060"/>
+                      <a:ext cx="2438400" cy="0"/>
+                    </a:xfrm>
+                    <a:prstGeom prst="line">
+                      <a:avLst/>
+                    </a:prstGeom>
+                  </p:spPr>
+                  <p:style>
+                    <a:lnRef idx="2">
+                      <a:schemeClr val="dk1"/>
+                    </a:lnRef>
+                    <a:fillRef idx="0">
+                      <a:schemeClr val="dk1"/>
+                    </a:fillRef>
+                    <a:effectRef idx="1">
+                      <a:schemeClr val="dk1"/>
+                    </a:effectRef>
+                    <a:fontRef idx="minor">
+                      <a:schemeClr val="tx1"/>
+                    </a:fontRef>
+                  </p:style>
+                </p:cxnSp>
+              </p:grpSp>
+              <p:grpSp>
+                <p:nvGrpSpPr>
+                  <p:cNvPr id="156" name="Groupe 155">
+                    <a:extLst>
+                      <a:ext uri="{FF2B5EF4-FFF2-40B4-BE49-F238E27FC236}">
+                        <a16:creationId xmlns:a16="http://schemas.microsoft.com/office/drawing/2014/main" id="{123D9738-BEB9-48B7-973F-2FF9B2C0BDD0}"/>
+                      </a:ext>
+                    </a:extLst>
+                  </p:cNvPr>
+                  <p:cNvGrpSpPr/>
+                  <p:nvPr/>
+                </p:nvGrpSpPr>
+                <p:grpSpPr>
+                  <a:xfrm>
+                    <a:off x="3925076" y="3994499"/>
+                    <a:ext cx="2364222" cy="2131092"/>
+                    <a:chOff x="3925076" y="3994499"/>
+                    <a:chExt cx="2364222" cy="2131092"/>
+                  </a:xfrm>
+                </p:grpSpPr>
+                <p:sp>
+                  <p:nvSpPr>
+                    <p:cNvPr id="157" name="Rectangle : coins arrondis 156">
+                      <a:extLst>
+                        <a:ext uri="{FF2B5EF4-FFF2-40B4-BE49-F238E27FC236}">
+                          <a16:creationId xmlns:a16="http://schemas.microsoft.com/office/drawing/2014/main" id="{18E632CD-5950-4D0B-8F43-D9B671B46757}"/>
+                        </a:ext>
+                      </a:extLst>
+                    </p:cNvPr>
+                    <p:cNvSpPr/>
+                    <p:nvPr/>
+                  </p:nvSpPr>
+                  <p:spPr>
+                    <a:xfrm>
+                      <a:off x="3925076" y="3994499"/>
+                      <a:ext cx="2364222" cy="2131092"/>
+                    </a:xfrm>
+                    <a:prstGeom prst="roundRect">
+                      <a:avLst/>
+                    </a:prstGeom>
+                    <a:gradFill flip="none" rotWithShape="1">
+                      <a:gsLst>
+                        <a:gs pos="0">
+                          <a:schemeClr val="accent4">
+                            <a:lumMod val="5000"/>
+                            <a:lumOff val="95000"/>
+                          </a:schemeClr>
+                        </a:gs>
+                        <a:gs pos="25000">
+                          <a:schemeClr val="accent4">
+                            <a:lumMod val="45000"/>
+                            <a:lumOff val="55000"/>
+                          </a:schemeClr>
+                        </a:gs>
+                        <a:gs pos="31000">
+                          <a:schemeClr val="accent4">
+                            <a:lumMod val="45000"/>
+                            <a:lumOff val="55000"/>
+                          </a:schemeClr>
+                        </a:gs>
+                        <a:gs pos="100000">
+                          <a:schemeClr val="accent4">
+                            <a:lumMod val="30000"/>
+                            <a:lumOff val="70000"/>
+                          </a:schemeClr>
+                        </a:gs>
+                      </a:gsLst>
+                      <a:lin ang="5400000" scaled="1"/>
+                      <a:tileRect/>
+                    </a:gradFill>
+                    <a:ln/>
+                  </p:spPr>
+                  <p:style>
+                    <a:lnRef idx="1">
+                      <a:schemeClr val="accent3"/>
+                    </a:lnRef>
+                    <a:fillRef idx="2">
+                      <a:schemeClr val="accent3"/>
+                    </a:fillRef>
+                    <a:effectRef idx="1">
+                      <a:schemeClr val="accent3"/>
+                    </a:effectRef>
+                    <a:fontRef idx="minor">
+                      <a:schemeClr val="dk1"/>
+                    </a:fontRef>
+                  </p:style>
+                  <p:txBody>
+                    <a:bodyPr rtlCol="0" anchor="ctr"/>
+                    <a:lstStyle/>
+                    <a:p>
+                      <a:pPr algn="ctr"/>
+                      <a:endParaRPr lang="fr-FR" dirty="0"/>
+                    </a:p>
+                  </p:txBody>
+                </p:sp>
+                <p:sp>
+                  <p:nvSpPr>
+                    <p:cNvPr id="158" name="Rectangle 157">
+                      <a:extLst>
+                        <a:ext uri="{FF2B5EF4-FFF2-40B4-BE49-F238E27FC236}">
+                          <a16:creationId xmlns:a16="http://schemas.microsoft.com/office/drawing/2014/main" id="{DB3D68CA-E493-42BA-9E42-E6B30A7D1B40}"/>
+                        </a:ext>
+                      </a:extLst>
+                    </p:cNvPr>
+                    <p:cNvSpPr/>
+                    <p:nvPr/>
+                  </p:nvSpPr>
+                  <p:spPr>
+                    <a:xfrm>
+                      <a:off x="4394315" y="4112857"/>
+                      <a:ext cx="1460433" cy="1878901"/>
+                    </a:xfrm>
+                    <a:prstGeom prst="rect">
+                      <a:avLst/>
+                    </a:prstGeom>
+                    <a:noFill/>
+                    <a:ln>
+                      <a:noFill/>
+                    </a:ln>
+                  </p:spPr>
+                  <p:style>
+                    <a:lnRef idx="0">
+                      <a:scrgbClr r="0" g="0" b="0"/>
+                    </a:lnRef>
+                    <a:fillRef idx="0">
+                      <a:scrgbClr r="0" g="0" b="0"/>
+                    </a:fillRef>
+                    <a:effectRef idx="0">
+                      <a:scrgbClr r="0" g="0" b="0"/>
+                    </a:effectRef>
+                    <a:fontRef idx="minor">
+                      <a:schemeClr val="lt1"/>
+                    </a:fontRef>
+                  </p:style>
+                  <p:txBody>
+                    <a:bodyPr rtlCol="0" anchor="ctr"/>
+                    <a:lstStyle/>
+                    <a:p>
+                      <a:pPr algn="ctr"/>
+                      <a:r>
+                        <a:rPr lang="fr-FR" dirty="0">
+                          <a:solidFill>
+                            <a:schemeClr val="tx1"/>
+                          </a:solidFill>
+                        </a:rPr>
+                        <a:t>Page Admin</a:t>
+                      </a:r>
+                    </a:p>
+                  </p:txBody>
+                </p:sp>
+              </p:grpSp>
+            </p:grpSp>
+            <p:grpSp>
+              <p:nvGrpSpPr>
+                <p:cNvPr id="149" name="Groupe 148">
+                  <a:extLst>
+                    <a:ext uri="{FF2B5EF4-FFF2-40B4-BE49-F238E27FC236}">
+                      <a16:creationId xmlns:a16="http://schemas.microsoft.com/office/drawing/2014/main" id="{5ABA456F-A846-4E80-8233-3E9C41F732BE}"/>
+                    </a:ext>
+                  </a:extLst>
+                </p:cNvPr>
+                <p:cNvGrpSpPr/>
+                <p:nvPr/>
+              </p:nvGrpSpPr>
+              <p:grpSpPr>
+                <a:xfrm>
+                  <a:off x="933582" y="4048511"/>
+                  <a:ext cx="2362009" cy="296442"/>
+                  <a:chOff x="4019082" y="2264255"/>
+                  <a:chExt cx="2444118" cy="375821"/>
+                </a:xfrm>
+              </p:grpSpPr>
+              <p:pic>
+                <p:nvPicPr>
+                  <p:cNvPr id="150" name="Image 149">
+                    <a:extLst>
+                      <a:ext uri="{FF2B5EF4-FFF2-40B4-BE49-F238E27FC236}">
+                        <a16:creationId xmlns:a16="http://schemas.microsoft.com/office/drawing/2014/main" id="{EEB7391B-3FCB-4294-9380-BFBD534513A8}"/>
+                      </a:ext>
+                    </a:extLst>
+                  </p:cNvPr>
+                  <p:cNvPicPr>
+                    <a:picLocks noChangeAspect="1"/>
+                  </p:cNvPicPr>
+                  <p:nvPr/>
+                </p:nvPicPr>
+                <p:blipFill>
+                  <a:blip r:embed="rId4">
+                    <a:extLst>
+                      <a:ext uri="{28A0092B-C50C-407E-A947-70E740481C1C}">
+                        <a14:useLocalDpi xmlns:a14="http://schemas.microsoft.com/office/drawing/2010/main" val="0"/>
+                      </a:ext>
+                    </a:extLst>
+                  </a:blip>
+                  <a:stretch>
+                    <a:fillRect/>
+                  </a:stretch>
+                </p:blipFill>
+                <p:spPr>
+                  <a:xfrm>
+                    <a:off x="4019082" y="2265888"/>
+                    <a:ext cx="368479" cy="368479"/>
+                  </a:xfrm>
+                  <a:prstGeom prst="rect">
+                    <a:avLst/>
+                  </a:prstGeom>
+                </p:spPr>
+              </p:pic>
+              <p:pic>
+                <p:nvPicPr>
+                  <p:cNvPr id="151" name="Image 150">
+                    <a:extLst>
+                      <a:ext uri="{FF2B5EF4-FFF2-40B4-BE49-F238E27FC236}">
+                        <a16:creationId xmlns:a16="http://schemas.microsoft.com/office/drawing/2014/main" id="{FADAEFCB-AAA2-456D-9E09-41BBD3D0ADF3}"/>
+                      </a:ext>
+                    </a:extLst>
+                  </p:cNvPr>
+                  <p:cNvPicPr>
+                    <a:picLocks noChangeAspect="1"/>
+                  </p:cNvPicPr>
+                  <p:nvPr/>
+                </p:nvPicPr>
+                <p:blipFill>
+                  <a:blip r:embed="rId5">
+                    <a:extLst>
+                      <a:ext uri="{28A0092B-C50C-407E-A947-70E740481C1C}">
+                        <a14:useLocalDpi xmlns:a14="http://schemas.microsoft.com/office/drawing/2010/main" val="0"/>
+                      </a:ext>
+                    </a:extLst>
+                  </a:blip>
+                  <a:stretch>
+                    <a:fillRect/>
+                  </a:stretch>
+                </p:blipFill>
+                <p:spPr>
+                  <a:xfrm flipH="1">
+                    <a:off x="4420959" y="2266528"/>
+                    <a:ext cx="367200" cy="367200"/>
+                  </a:xfrm>
+                  <a:prstGeom prst="rect">
+                    <a:avLst/>
+                  </a:prstGeom>
+                </p:spPr>
+              </p:pic>
+              <p:pic>
+                <p:nvPicPr>
+                  <p:cNvPr id="152" name="Image 151">
+                    <a:extLst>
+                      <a:ext uri="{FF2B5EF4-FFF2-40B4-BE49-F238E27FC236}">
+                        <a16:creationId xmlns:a16="http://schemas.microsoft.com/office/drawing/2014/main" id="{37CD740E-5870-4247-B11C-1196DD2EF4D7}"/>
+                      </a:ext>
+                    </a:extLst>
+                  </p:cNvPr>
+                  <p:cNvPicPr>
+                    <a:picLocks noChangeAspect="1"/>
+                  </p:cNvPicPr>
+                  <p:nvPr/>
+                </p:nvPicPr>
+                <p:blipFill>
+                  <a:blip r:embed="rId6">
+                    <a:extLst>
+                      <a:ext uri="{28A0092B-C50C-407E-A947-70E740481C1C}">
+                        <a14:useLocalDpi xmlns:a14="http://schemas.microsoft.com/office/drawing/2010/main" val="0"/>
+                      </a:ext>
+                    </a:extLst>
+                  </a:blip>
+                  <a:stretch>
+                    <a:fillRect/>
+                  </a:stretch>
+                </p:blipFill>
+                <p:spPr>
+                  <a:xfrm>
+                    <a:off x="4871096" y="2264255"/>
+                    <a:ext cx="367200" cy="367200"/>
+                  </a:xfrm>
+                  <a:prstGeom prst="rect">
+                    <a:avLst/>
+                  </a:prstGeom>
+                </p:spPr>
+              </p:pic>
+              <p:pic>
+                <p:nvPicPr>
+                  <p:cNvPr id="153" name="Image 152">
+                    <a:extLst>
+                      <a:ext uri="{FF2B5EF4-FFF2-40B4-BE49-F238E27FC236}">
+                        <a16:creationId xmlns:a16="http://schemas.microsoft.com/office/drawing/2014/main" id="{E6E801E8-6E2E-4A05-BD07-D56DB3278797}"/>
+                      </a:ext>
+                    </a:extLst>
+                  </p:cNvPr>
+                  <p:cNvPicPr>
+                    <a:picLocks noChangeAspect="1"/>
+                  </p:cNvPicPr>
+                  <p:nvPr/>
+                </p:nvPicPr>
+                <p:blipFill>
+                  <a:blip r:embed="rId7">
+                    <a:extLst>
+                      <a:ext uri="{28A0092B-C50C-407E-A947-70E740481C1C}">
+                        <a14:useLocalDpi xmlns:a14="http://schemas.microsoft.com/office/drawing/2010/main" val="0"/>
+                      </a:ext>
+                    </a:extLst>
+                  </a:blip>
+                  <a:stretch>
+                    <a:fillRect/>
+                  </a:stretch>
+                </p:blipFill>
+                <p:spPr>
+                  <a:xfrm>
+                    <a:off x="5649459" y="2268553"/>
+                    <a:ext cx="367200" cy="367200"/>
+                  </a:xfrm>
+                  <a:prstGeom prst="rect">
+                    <a:avLst/>
+                  </a:prstGeom>
+                </p:spPr>
+              </p:pic>
+              <p:pic>
+                <p:nvPicPr>
+                  <p:cNvPr id="154" name="Image 153">
+                    <a:extLst>
+                      <a:ext uri="{FF2B5EF4-FFF2-40B4-BE49-F238E27FC236}">
+                        <a16:creationId xmlns:a16="http://schemas.microsoft.com/office/drawing/2014/main" id="{BAAA7FE6-F8C0-4328-83B1-0E9991E276FD}"/>
+                      </a:ext>
+                    </a:extLst>
+                  </p:cNvPr>
+                  <p:cNvPicPr>
+                    <a:picLocks noChangeAspect="1"/>
+                  </p:cNvPicPr>
+                  <p:nvPr/>
+                </p:nvPicPr>
+                <p:blipFill>
+                  <a:blip r:embed="rId8">
+                    <a:extLst>
+                      <a:ext uri="{28A0092B-C50C-407E-A947-70E740481C1C}">
+                        <a14:useLocalDpi xmlns:a14="http://schemas.microsoft.com/office/drawing/2010/main" val="0"/>
+                      </a:ext>
+                    </a:extLst>
+                  </a:blip>
+                  <a:stretch>
+                    <a:fillRect/>
+                  </a:stretch>
+                </p:blipFill>
+                <p:spPr>
+                  <a:xfrm>
+                    <a:off x="6096000" y="2272876"/>
+                    <a:ext cx="367200" cy="367200"/>
+                  </a:xfrm>
+                  <a:prstGeom prst="rect">
+                    <a:avLst/>
+                  </a:prstGeom>
+                </p:spPr>
+              </p:pic>
+            </p:grpSp>
+          </p:grpSp>
+          <p:sp>
+            <p:nvSpPr>
+              <p:cNvPr id="147" name="Ellipse 146">
+                <a:extLst>
+                  <a:ext uri="{FF2B5EF4-FFF2-40B4-BE49-F238E27FC236}">
+                    <a16:creationId xmlns:a16="http://schemas.microsoft.com/office/drawing/2014/main" id="{48A10B6F-FA7F-4D61-8415-8BA26DD52877}"/>
+                  </a:ext>
+                </a:extLst>
+              </p:cNvPr>
+              <p:cNvSpPr/>
+              <p:nvPr/>
+            </p:nvSpPr>
+            <p:spPr>
+              <a:xfrm>
+                <a:off x="2142898" y="4043164"/>
+                <a:ext cx="322731" cy="290651"/>
+              </a:xfrm>
+              <a:prstGeom prst="ellipse">
+                <a:avLst/>
+              </a:prstGeom>
+            </p:spPr>
+            <p:style>
+              <a:lnRef idx="2">
+                <a:schemeClr val="dk1">
+                  <a:shade val="50000"/>
+                </a:schemeClr>
+              </a:lnRef>
+              <a:fillRef idx="1">
+                <a:schemeClr val="dk1"/>
+              </a:fillRef>
+              <a:effectRef idx="0">
+                <a:schemeClr val="dk1"/>
+              </a:effectRef>
+              <a:fontRef idx="minor">
+                <a:schemeClr val="lt1"/>
+              </a:fontRef>
+            </p:style>
+            <p:txBody>
+              <a:bodyPr rtlCol="0" anchor="ctr"/>
+              <a:lstStyle/>
+              <a:p>
+                <a:pPr algn="ctr"/>
+                <a:endParaRPr lang="fr-FR" dirty="0"/>
+              </a:p>
+            </p:txBody>
+          </p:sp>
+        </p:grpSp>
+        <p:cxnSp>
+          <p:nvCxnSpPr>
+            <p:cNvPr id="141" name="Connecteur droit avec flèche 140">
+              <a:extLst>
+                <a:ext uri="{FF2B5EF4-FFF2-40B4-BE49-F238E27FC236}">
+                  <a16:creationId xmlns:a16="http://schemas.microsoft.com/office/drawing/2014/main" id="{955B27F6-5214-496B-9962-3EB522F431AD}"/>
+                </a:ext>
+              </a:extLst>
+            </p:cNvPr>
+            <p:cNvCxnSpPr>
+              <a:cxnSpLocks/>
+            </p:cNvCxnSpPr>
+            <p:nvPr/>
+          </p:nvCxnSpPr>
+          <p:spPr>
+            <a:xfrm flipH="1" flipV="1">
+              <a:off x="5751715" y="2904071"/>
+              <a:ext cx="13563" cy="926578"/>
+            </a:xfrm>
+            <a:prstGeom prst="straightConnector1">
+              <a:avLst/>
+            </a:prstGeom>
+            <a:ln>
+              <a:solidFill>
+                <a:srgbClr val="FF0000"/>
+              </a:solidFill>
+              <a:tailEnd type="triangle"/>
+            </a:ln>
+          </p:spPr>
+          <p:style>
+            <a:lnRef idx="3">
+              <a:schemeClr val="accent1"/>
+            </a:lnRef>
+            <a:fillRef idx="0">
+              <a:schemeClr val="accent1"/>
+            </a:fillRef>
+            <a:effectRef idx="2">
+              <a:schemeClr val="accent1"/>
+            </a:effectRef>
+            <a:fontRef idx="minor">
+              <a:schemeClr val="tx1"/>
+            </a:fontRef>
+          </p:style>
+        </p:cxnSp>
+        <p:cxnSp>
+          <p:nvCxnSpPr>
+            <p:cNvPr id="142" name="Connecteur droit avec flèche 141">
+              <a:extLst>
+                <a:ext uri="{FF2B5EF4-FFF2-40B4-BE49-F238E27FC236}">
+                  <a16:creationId xmlns:a16="http://schemas.microsoft.com/office/drawing/2014/main" id="{AA770435-979E-4F43-9739-B14043CFBA6E}"/>
+                </a:ext>
+              </a:extLst>
+            </p:cNvPr>
+            <p:cNvCxnSpPr>
+              <a:cxnSpLocks/>
+            </p:cNvCxnSpPr>
+            <p:nvPr/>
+          </p:nvCxnSpPr>
+          <p:spPr>
+            <a:xfrm flipH="1" flipV="1">
+              <a:off x="2987307" y="2743397"/>
+              <a:ext cx="2381858" cy="567303"/>
+            </a:xfrm>
+            <a:prstGeom prst="straightConnector1">
+              <a:avLst/>
+            </a:prstGeom>
+            <a:ln>
+              <a:solidFill>
+                <a:srgbClr val="FF0000"/>
+              </a:solidFill>
+              <a:tailEnd type="triangle"/>
+            </a:ln>
+          </p:spPr>
+          <p:style>
+            <a:lnRef idx="3">
+              <a:schemeClr val="accent1"/>
+            </a:lnRef>
+            <a:fillRef idx="0">
+              <a:schemeClr val="accent1"/>
+            </a:fillRef>
+            <a:effectRef idx="2">
+              <a:schemeClr val="accent1"/>
+            </a:effectRef>
+            <a:fontRef idx="minor">
+              <a:schemeClr val="tx1"/>
+            </a:fontRef>
+          </p:style>
+        </p:cxnSp>
+        <p:cxnSp>
+          <p:nvCxnSpPr>
+            <p:cNvPr id="143" name="Connecteur droit avec flèche 142">
+              <a:extLst>
+                <a:ext uri="{FF2B5EF4-FFF2-40B4-BE49-F238E27FC236}">
+                  <a16:creationId xmlns:a16="http://schemas.microsoft.com/office/drawing/2014/main" id="{BEF8EDF8-261B-442B-A9A3-528085D69C2A}"/>
+                </a:ext>
+              </a:extLst>
+            </p:cNvPr>
+            <p:cNvCxnSpPr>
+              <a:cxnSpLocks/>
+            </p:cNvCxnSpPr>
+            <p:nvPr/>
+          </p:nvCxnSpPr>
+          <p:spPr>
+            <a:xfrm flipH="1">
+              <a:off x="2809874" y="3394585"/>
+              <a:ext cx="2141370" cy="571548"/>
+            </a:xfrm>
+            <a:prstGeom prst="straightConnector1">
+              <a:avLst/>
+            </a:prstGeom>
+            <a:ln>
+              <a:solidFill>
+                <a:srgbClr val="FF0000"/>
+              </a:solidFill>
+              <a:tailEnd type="triangle"/>
+            </a:ln>
+          </p:spPr>
+          <p:style>
+            <a:lnRef idx="3">
+              <a:schemeClr val="accent1"/>
+            </a:lnRef>
+            <a:fillRef idx="0">
+              <a:schemeClr val="accent1"/>
+            </a:fillRef>
+            <a:effectRef idx="2">
+              <a:schemeClr val="accent1"/>
+            </a:effectRef>
+            <a:fontRef idx="minor">
+              <a:schemeClr val="tx1"/>
+            </a:fontRef>
+          </p:style>
+        </p:cxnSp>
+        <p:cxnSp>
+          <p:nvCxnSpPr>
+            <p:cNvPr id="144" name="Connecteur droit 143">
+              <a:extLst>
+                <a:ext uri="{FF2B5EF4-FFF2-40B4-BE49-F238E27FC236}">
+                  <a16:creationId xmlns:a16="http://schemas.microsoft.com/office/drawing/2014/main" id="{431D9194-6948-4502-9881-CD0222BCB96A}"/>
+                </a:ext>
+              </a:extLst>
+            </p:cNvPr>
+            <p:cNvCxnSpPr>
+              <a:endCxn id="217" idx="0"/>
+            </p:cNvCxnSpPr>
+            <p:nvPr/>
+          </p:nvCxnSpPr>
+          <p:spPr>
+            <a:xfrm>
+              <a:off x="5369165" y="3310700"/>
+              <a:ext cx="17094" cy="527605"/>
+            </a:xfrm>
+            <a:prstGeom prst="line">
+              <a:avLst/>
+            </a:prstGeom>
+            <a:ln>
+              <a:solidFill>
+                <a:srgbClr val="FF0000"/>
+              </a:solidFill>
+            </a:ln>
+          </p:spPr>
+          <p:style>
+            <a:lnRef idx="3">
+              <a:schemeClr val="accent1"/>
+            </a:lnRef>
+            <a:fillRef idx="0">
+              <a:schemeClr val="accent1"/>
+            </a:fillRef>
+            <a:effectRef idx="2">
+              <a:schemeClr val="accent1"/>
+            </a:effectRef>
+            <a:fontRef idx="minor">
+              <a:schemeClr val="tx1"/>
+            </a:fontRef>
+          </p:style>
+        </p:cxnSp>
+        <p:cxnSp>
+          <p:nvCxnSpPr>
+            <p:cNvPr id="145" name="Connecteur droit 144">
+              <a:extLst>
+                <a:ext uri="{FF2B5EF4-FFF2-40B4-BE49-F238E27FC236}">
+                  <a16:creationId xmlns:a16="http://schemas.microsoft.com/office/drawing/2014/main" id="{2DFDDB16-F4C7-4A9D-835C-5C36B0965621}"/>
+                </a:ext>
+              </a:extLst>
+            </p:cNvPr>
+            <p:cNvCxnSpPr>
+              <a:endCxn id="216" idx="0"/>
+            </p:cNvCxnSpPr>
+            <p:nvPr/>
+          </p:nvCxnSpPr>
+          <p:spPr>
+            <a:xfrm>
+              <a:off x="4951244" y="3394585"/>
+              <a:ext cx="0" cy="445513"/>
+            </a:xfrm>
+            <a:prstGeom prst="line">
+              <a:avLst/>
+            </a:prstGeom>
+            <a:ln>
+              <a:solidFill>
+                <a:srgbClr val="FF0000"/>
+              </a:solidFill>
+            </a:ln>
+          </p:spPr>
+          <p:style>
+            <a:lnRef idx="3">
+              <a:schemeClr val="accent1"/>
+            </a:lnRef>
+            <a:fillRef idx="0">
+              <a:schemeClr val="accent1"/>
+            </a:fillRef>
+            <a:effectRef idx="2">
+              <a:schemeClr val="accent1"/>
+            </a:effectRef>
+            <a:fontRef idx="minor">
+              <a:schemeClr val="tx1"/>
+            </a:fontRef>
+          </p:style>
+        </p:cxnSp>
+      </p:grpSp>
+      <p:cxnSp>
+        <p:nvCxnSpPr>
+          <p:cNvPr id="133" name="Connecteur droit avec flèche 132">
             <a:extLst>
-              <a:ext uri="{28A0092B-C50C-407E-A947-70E740481C1C}">
-                <a14:useLocalDpi xmlns:a14="http://schemas.microsoft.com/office/drawing/2010/main" val="0"/>
+              <a:ext uri="{FF2B5EF4-FFF2-40B4-BE49-F238E27FC236}">
+                <a16:creationId xmlns:a16="http://schemas.microsoft.com/office/drawing/2014/main" id="{87294E56-B3D2-418E-9CCA-3E0A8C8A5EC6}"/>
               </a:ext>
             </a:extLst>
-          </a:blip>
-          <a:stretch>
-            <a:fillRect/>
-          </a:stretch>
-        </p:blipFill>
+          </p:cNvPr>
+          <p:cNvCxnSpPr>
+            <a:cxnSpLocks/>
+            <a:stCxn id="218" idx="0"/>
+          </p:cNvCxnSpPr>
+          <p:nvPr/>
+        </p:nvCxnSpPr>
         <p:spPr>
-          <a:xfrm>
-            <a:off x="920115" y="1451727"/>
-            <a:ext cx="10146957" cy="5017801"/>
+          <a:xfrm flipV="1">
+            <a:off x="6666787" y="3489073"/>
+            <a:ext cx="1780220" cy="992730"/>
           </a:xfrm>
-          <a:prstGeom prst="rect">
+          <a:prstGeom prst="straightConnector1">
             <a:avLst/>
           </a:prstGeom>
+          <a:ln>
+            <a:solidFill>
+              <a:srgbClr val="FF0000"/>
+            </a:solidFill>
+            <a:tailEnd type="triangle"/>
+          </a:ln>
         </p:spPr>
-      </p:pic>
+        <p:style>
+          <a:lnRef idx="3">
+            <a:schemeClr val="accent1"/>
+          </a:lnRef>
+          <a:fillRef idx="0">
+            <a:schemeClr val="accent1"/>
+          </a:fillRef>
+          <a:effectRef idx="2">
+            <a:schemeClr val="accent1"/>
+          </a:effectRef>
+          <a:fontRef idx="minor">
+            <a:schemeClr val="tx1"/>
+          </a:fontRef>
+        </p:style>
+      </p:cxnSp>
     </p:spTree>
     <p:extLst>
       <p:ext uri="{BB962C8B-B14F-4D97-AF65-F5344CB8AC3E}">
@@ -12272,7 +16728,7 @@
           <a:graphicData uri="http://schemas.openxmlformats.org/presentationml/2006/ole">
             <mc:AlternateContent xmlns:mc="http://schemas.openxmlformats.org/markup-compatibility/2006">
               <mc:Choice xmlns:v="urn:schemas-microsoft-com:vml" Requires="v">
-                <p:oleObj spid="_x0000_s1053" name="Worksheet" r:id="rId5" imgW="6865398" imgH="1562197" progId="Excel.Sheet.12">
+                <p:oleObj spid="_x0000_s1060" name="Worksheet" r:id="rId5" imgW="6865398" imgH="1562197" progId="Excel.Sheet.12">
                   <p:embed/>
                 </p:oleObj>
               </mc:Choice>

--- a/DIAPO.pptx
+++ b/DIAPO.pptx
@@ -16,14 +16,13 @@
     <p:sldId id="269" r:id="rId10"/>
     <p:sldId id="271" r:id="rId11"/>
     <p:sldId id="272" r:id="rId12"/>
-    <p:sldId id="274" r:id="rId13"/>
-    <p:sldId id="275" r:id="rId14"/>
-    <p:sldId id="276" r:id="rId15"/>
-    <p:sldId id="277" r:id="rId16"/>
-    <p:sldId id="278" r:id="rId17"/>
-    <p:sldId id="281" r:id="rId18"/>
-    <p:sldId id="279" r:id="rId19"/>
-    <p:sldId id="280" r:id="rId20"/>
+    <p:sldId id="275" r:id="rId13"/>
+    <p:sldId id="276" r:id="rId14"/>
+    <p:sldId id="277" r:id="rId15"/>
+    <p:sldId id="278" r:id="rId16"/>
+    <p:sldId id="281" r:id="rId17"/>
+    <p:sldId id="279" r:id="rId18"/>
+    <p:sldId id="280" r:id="rId19"/>
   </p:sldIdLst>
   <p:sldSz cx="12192000" cy="6858000"/>
   <p:notesSz cx="6858000" cy="9144000"/>
@@ -5090,7 +5089,7 @@
               <a:rPr lang="fr-FR" sz="2800" b="1" dirty="0">
                 <a:latin typeface="Helvetica" panose="020B0604020202030204" pitchFamily="34" charset="0"/>
               </a:rPr>
-              <a:t>Algorithme d’envoi de mail</a:t>
+              <a:t>Algorithme de la modification d’un article</a:t>
             </a:r>
             <a:endParaRPr lang="fr-FR" sz="2400" b="1" dirty="0">
               <a:latin typeface="Helvetica" panose="020B0604020202030204" pitchFamily="34" charset="0"/>
@@ -5101,7 +5100,7 @@
     </p:spTree>
     <p:extLst>
       <p:ext uri="{BB962C8B-B14F-4D97-AF65-F5344CB8AC3E}">
-        <p14:creationId xmlns:p14="http://schemas.microsoft.com/office/powerpoint/2010/main" val="3294856264"/>
+        <p14:creationId xmlns:p14="http://schemas.microsoft.com/office/powerpoint/2010/main" val="3586579877"/>
       </p:ext>
     </p:extLst>
   </p:cSld>
@@ -5384,7 +5383,7 @@
               <a:avLst/>
             </a:prstGeom>
             <a:solidFill>
-              <a:srgbClr val="88CE62"/>
+              <a:srgbClr val="FED449"/>
             </a:solidFill>
             <a:ln>
               <a:solidFill>
@@ -5451,7 +5450,7 @@
               <a:avLst/>
             </a:prstGeom>
             <a:solidFill>
-              <a:srgbClr val="FED449"/>
+              <a:srgbClr val="88CE62"/>
             </a:solidFill>
             <a:ln>
               <a:solidFill>
@@ -5580,10 +5579,10 @@
       </p:sp>
       <p:sp>
         <p:nvSpPr>
-          <p:cNvPr id="12" name="ZoneTexte 11">
+          <p:cNvPr id="2" name="ZoneTexte 1">
             <a:extLst>
               <a:ext uri="{FF2B5EF4-FFF2-40B4-BE49-F238E27FC236}">
-                <a16:creationId xmlns:a16="http://schemas.microsoft.com/office/drawing/2014/main" id="{B090A43C-7D0E-46E1-9FC8-BDAE21AEEC4B}"/>
+                <a16:creationId xmlns:a16="http://schemas.microsoft.com/office/drawing/2014/main" id="{375A52F9-612E-4E94-BC85-FDFCE2711101}"/>
               </a:ext>
             </a:extLst>
           </p:cNvPr>
@@ -5592,8 +5591,8 @@
         </p:nvSpPr>
         <p:spPr>
           <a:xfrm>
-            <a:off x="1090367" y="1674695"/>
-            <a:ext cx="10011266" cy="523220"/>
+            <a:off x="3630891" y="3648909"/>
+            <a:ext cx="4930218" cy="523220"/>
           </a:xfrm>
           <a:prstGeom prst="rect">
             <a:avLst/>
@@ -5606,14 +5605,21 @@
           </a:bodyPr>
           <a:lstStyle/>
           <a:p>
-            <a:pPr algn="ctr"/>
             <a:r>
-              <a:rPr lang="fr-FR" sz="2800" b="1" dirty="0">
+              <a:rPr lang="fr-FR" sz="2800" dirty="0">
                 <a:latin typeface="Helvetica" panose="020B0604020202030204" pitchFamily="34" charset="0"/>
+                <a:hlinkClick r:id="rId4"/>
               </a:rPr>
-              <a:t>Algorithme de la modification d’un article</a:t>
+              <a:t>En avant dans l'univers </a:t>
             </a:r>
-            <a:endParaRPr lang="fr-FR" sz="2400" b="1" dirty="0">
+            <a:r>
+              <a:rPr lang="fr-FR" sz="2800" dirty="0" err="1">
+                <a:latin typeface="Helvetica" panose="020B0604020202030204" pitchFamily="34" charset="0"/>
+                <a:hlinkClick r:id="rId4"/>
+              </a:rPr>
+              <a:t>U’Pop</a:t>
+            </a:r>
+            <a:endParaRPr lang="fr-FR" sz="2800" dirty="0">
               <a:latin typeface="Helvetica" panose="020B0604020202030204" pitchFamily="34" charset="0"/>
             </a:endParaRPr>
           </a:p>
@@ -5622,7 +5628,7 @@
     </p:spTree>
     <p:extLst>
       <p:ext uri="{BB962C8B-B14F-4D97-AF65-F5344CB8AC3E}">
-        <p14:creationId xmlns:p14="http://schemas.microsoft.com/office/powerpoint/2010/main" val="3586579877"/>
+        <p14:creationId xmlns:p14="http://schemas.microsoft.com/office/powerpoint/2010/main" val="2585678089"/>
       </p:ext>
     </p:extLst>
   </p:cSld>
@@ -6113,8 +6119,8 @@
         </p:nvSpPr>
         <p:spPr>
           <a:xfrm>
-            <a:off x="3630891" y="3648909"/>
-            <a:ext cx="4930218" cy="523220"/>
+            <a:off x="2603369" y="2875915"/>
+            <a:ext cx="6766874" cy="1815882"/>
           </a:xfrm>
           <a:prstGeom prst="rect">
             <a:avLst/>
@@ -6127,30 +6133,41 @@
           </a:bodyPr>
           <a:lstStyle/>
           <a:p>
+            <a:pPr algn="ctr"/>
             <a:r>
               <a:rPr lang="fr-FR" sz="2800" dirty="0">
                 <a:latin typeface="Helvetica" panose="020B0604020202030204" pitchFamily="34" charset="0"/>
-                <a:hlinkClick r:id="rId4"/>
               </a:rPr>
-              <a:t>En avant dans l'univers </a:t>
+              <a:t>Accessible en ligne</a:t>
             </a:r>
-            <a:r>
-              <a:rPr lang="fr-FR" sz="2800" dirty="0" err="1">
-                <a:latin typeface="Helvetica" panose="020B0604020202030204" pitchFamily="34" charset="0"/>
-                <a:hlinkClick r:id="rId4"/>
-              </a:rPr>
-              <a:t>U’Pop</a:t>
-            </a:r>
+          </a:p>
+          <a:p>
+            <a:pPr algn="ctr"/>
             <a:endParaRPr lang="fr-FR" sz="2800" dirty="0">
               <a:latin typeface="Helvetica" panose="020B0604020202030204" pitchFamily="34" charset="0"/>
             </a:endParaRPr>
+          </a:p>
+          <a:p>
+            <a:pPr algn="ctr"/>
+            <a:endParaRPr lang="fr-FR" sz="2800" dirty="0">
+              <a:latin typeface="Helvetica" panose="020B0604020202030204" pitchFamily="34" charset="0"/>
+            </a:endParaRPr>
+          </a:p>
+          <a:p>
+            <a:pPr algn="ctr"/>
+            <a:r>
+              <a:rPr lang="fr-FR" sz="2800" dirty="0">
+                <a:latin typeface="Helvetica" panose="020B0604020202030204" pitchFamily="34" charset="0"/>
+              </a:rPr>
+              <a:t>http://upop.champemedylan.fr/Index.php</a:t>
+            </a:r>
           </a:p>
         </p:txBody>
       </p:sp>
     </p:spTree>
     <p:extLst>
       <p:ext uri="{BB962C8B-B14F-4D97-AF65-F5344CB8AC3E}">
-        <p14:creationId xmlns:p14="http://schemas.microsoft.com/office/powerpoint/2010/main" val="2585678089"/>
+        <p14:creationId xmlns:p14="http://schemas.microsoft.com/office/powerpoint/2010/main" val="1200531869"/>
       </p:ext>
     </p:extLst>
   </p:cSld>
@@ -6299,7 +6316,7 @@
               <a:avLst/>
             </a:prstGeom>
             <a:solidFill>
-              <a:srgbClr val="FED449"/>
+              <a:srgbClr val="88CE62"/>
             </a:solidFill>
             <a:ln>
               <a:solidFill>
@@ -6500,7 +6517,7 @@
               <a:avLst/>
             </a:prstGeom>
             <a:solidFill>
-              <a:srgbClr val="88CE62"/>
+              <a:srgbClr val="FED449"/>
             </a:solidFill>
             <a:ln>
               <a:solidFill>
@@ -6629,10 +6646,10 @@
       </p:sp>
       <p:sp>
         <p:nvSpPr>
-          <p:cNvPr id="2" name="ZoneTexte 1">
+          <p:cNvPr id="11" name="ZoneTexte 10">
             <a:extLst>
               <a:ext uri="{FF2B5EF4-FFF2-40B4-BE49-F238E27FC236}">
-                <a16:creationId xmlns:a16="http://schemas.microsoft.com/office/drawing/2014/main" id="{375A52F9-612E-4E94-BC85-FDFCE2711101}"/>
+                <a16:creationId xmlns:a16="http://schemas.microsoft.com/office/drawing/2014/main" id="{4D68F34E-6148-422D-8C78-F40C2B9BADFF}"/>
               </a:ext>
             </a:extLst>
           </p:cNvPr>
@@ -6641,8 +6658,8 @@
         </p:nvSpPr>
         <p:spPr>
           <a:xfrm>
-            <a:off x="2603369" y="2875915"/>
-            <a:ext cx="6766874" cy="1815882"/>
+            <a:off x="1090367" y="1674695"/>
+            <a:ext cx="10011266" cy="4278094"/>
           </a:xfrm>
           <a:prstGeom prst="rect">
             <a:avLst/>
@@ -6657,31 +6674,78 @@
           <a:p>
             <a:pPr algn="ctr"/>
             <a:r>
-              <a:rPr lang="fr-FR" sz="2800" dirty="0">
+              <a:rPr lang="fr-FR" sz="2800" b="1" dirty="0">
+                <a:latin typeface="Helvetica" panose="020B0604020202030204" pitchFamily="34" charset="0"/>
+                <a:cs typeface="Arial" panose="020B0604020202020204" pitchFamily="34" charset="0"/>
+              </a:rPr>
+              <a:t>CONCLUSION</a:t>
+            </a:r>
+          </a:p>
+          <a:p>
+            <a:pPr algn="ctr"/>
+            <a:endParaRPr lang="fr-FR" sz="2800" b="1" dirty="0">
+              <a:latin typeface="Helvetica" panose="020B0604020202030204" pitchFamily="34" charset="0"/>
+              <a:cs typeface="Arial" panose="020B0604020202020204" pitchFamily="34" charset="0"/>
+            </a:endParaRPr>
+          </a:p>
+          <a:p>
+            <a:r>
+              <a:rPr lang="fr-FR" sz="2400" dirty="0">
                 <a:latin typeface="Helvetica" panose="020B0604020202030204" pitchFamily="34" charset="0"/>
               </a:rPr>
-              <a:t>Accessible en ligne</a:t>
+              <a:t>Cohésion du groupe + Bonne ambiance = Travail productif</a:t>
             </a:r>
           </a:p>
           <a:p>
-            <a:pPr algn="ctr"/>
-            <a:endParaRPr lang="fr-FR" sz="2800" dirty="0">
+            <a:endParaRPr lang="fr-FR" sz="2400" dirty="0">
               <a:latin typeface="Helvetica" panose="020B0604020202030204" pitchFamily="34" charset="0"/>
             </a:endParaRPr>
           </a:p>
           <a:p>
-            <a:pPr algn="ctr"/>
-            <a:endParaRPr lang="fr-FR" sz="2800" dirty="0">
+            <a:r>
+              <a:rPr lang="fr-FR" sz="2400" dirty="0">
+                <a:latin typeface="Helvetica" panose="020B0604020202030204" pitchFamily="34" charset="0"/>
+              </a:rPr>
+              <a:t>Diversité des profils = Complémentarité</a:t>
+            </a:r>
+          </a:p>
+          <a:p>
+            <a:endParaRPr lang="fr-FR" sz="2400" dirty="0">
               <a:latin typeface="Helvetica" panose="020B0604020202030204" pitchFamily="34" charset="0"/>
             </a:endParaRPr>
           </a:p>
           <a:p>
-            <a:pPr algn="ctr"/>
             <a:r>
-              <a:rPr lang="fr-FR" sz="2800" dirty="0">
+              <a:rPr lang="fr-FR" sz="2400" dirty="0">
                 <a:latin typeface="Helvetica" panose="020B0604020202030204" pitchFamily="34" charset="0"/>
               </a:rPr>
-              <a:t>http://upop.champemedylan.fr/Index.php</a:t>
+              <a:t>Utilisation de GitHub</a:t>
+            </a:r>
+          </a:p>
+          <a:p>
+            <a:endParaRPr lang="fr-FR" sz="2400" dirty="0">
+              <a:latin typeface="Helvetica" panose="020B0604020202030204" pitchFamily="34" charset="0"/>
+            </a:endParaRPr>
+          </a:p>
+          <a:p>
+            <a:r>
+              <a:rPr lang="fr-FR" sz="2400" dirty="0">
+                <a:latin typeface="Helvetica" panose="020B0604020202030204" pitchFamily="34" charset="0"/>
+              </a:rPr>
+              <a:t>Adaptation à un nouveau langage </a:t>
+            </a:r>
+          </a:p>
+          <a:p>
+            <a:endParaRPr lang="fr-FR" sz="2400" dirty="0">
+              <a:latin typeface="Helvetica" panose="020B0604020202030204" pitchFamily="34" charset="0"/>
+            </a:endParaRPr>
+          </a:p>
+          <a:p>
+            <a:r>
+              <a:rPr lang="fr-FR" sz="2400" dirty="0">
+                <a:latin typeface="Helvetica" panose="020B0604020202030204" pitchFamily="34" charset="0"/>
+              </a:rPr>
+              <a:t>Indentation et commentaires</a:t>
             </a:r>
           </a:p>
         </p:txBody>
@@ -6689,7 +6753,7 @@
     </p:spTree>
     <p:extLst>
       <p:ext uri="{BB962C8B-B14F-4D97-AF65-F5344CB8AC3E}">
-        <p14:creationId xmlns:p14="http://schemas.microsoft.com/office/powerpoint/2010/main" val="1200531869"/>
+        <p14:creationId xmlns:p14="http://schemas.microsoft.com/office/powerpoint/2010/main" val="3408514451"/>
       </p:ext>
     </p:extLst>
   </p:cSld>
@@ -7181,7 +7245,7 @@
         <p:spPr>
           <a:xfrm>
             <a:off x="1090367" y="1674695"/>
-            <a:ext cx="10011266" cy="4278094"/>
+            <a:ext cx="10011266" cy="3539430"/>
           </a:xfrm>
           <a:prstGeom prst="rect">
             <a:avLst/>
@@ -7200,7 +7264,7 @@
                 <a:latin typeface="Helvetica" panose="020B0604020202030204" pitchFamily="34" charset="0"/>
                 <a:cs typeface="Arial" panose="020B0604020202020204" pitchFamily="34" charset="0"/>
               </a:rPr>
-              <a:t>CONCLUSION</a:t>
+              <a:t>CE QUE NOUS AURIONS PU MIEUX FAIRE</a:t>
             </a:r>
           </a:p>
           <a:p>
@@ -7215,7 +7279,7 @@
               <a:rPr lang="fr-FR" sz="2400" dirty="0">
                 <a:latin typeface="Helvetica" panose="020B0604020202030204" pitchFamily="34" charset="0"/>
               </a:rPr>
-              <a:t>Cohésion du groupe + Bonne ambiance = Travail productif</a:t>
+              <a:t>Utiliser la méthode à Gilles (AGILE) dès le début</a:t>
             </a:r>
           </a:p>
           <a:p>
@@ -7228,7 +7292,7 @@
               <a:rPr lang="fr-FR" sz="2400" dirty="0">
                 <a:latin typeface="Helvetica" panose="020B0604020202030204" pitchFamily="34" charset="0"/>
               </a:rPr>
-              <a:t>Diversité des profils = Complémentarité</a:t>
+              <a:t>Uniformisation des codes</a:t>
             </a:r>
           </a:p>
           <a:p>
@@ -7241,7 +7305,7 @@
               <a:rPr lang="fr-FR" sz="2400" dirty="0">
                 <a:latin typeface="Helvetica" panose="020B0604020202030204" pitchFamily="34" charset="0"/>
               </a:rPr>
-              <a:t>Utilisation de GitHub</a:t>
+              <a:t>Optimisation des fichiers</a:t>
             </a:r>
           </a:p>
           <a:p>
@@ -7250,32 +7314,16 @@
             </a:endParaRPr>
           </a:p>
           <a:p>
-            <a:r>
-              <a:rPr lang="fr-FR" sz="2400" dirty="0">
-                <a:latin typeface="Helvetica" panose="020B0604020202030204" pitchFamily="34" charset="0"/>
-              </a:rPr>
-              <a:t>Adaptation à un nouveau langage </a:t>
-            </a:r>
-          </a:p>
-          <a:p>
             <a:endParaRPr lang="fr-FR" sz="2400" dirty="0">
               <a:latin typeface="Helvetica" panose="020B0604020202030204" pitchFamily="34" charset="0"/>
             </a:endParaRPr>
-          </a:p>
-          <a:p>
-            <a:r>
-              <a:rPr lang="fr-FR" sz="2400" dirty="0">
-                <a:latin typeface="Helvetica" panose="020B0604020202030204" pitchFamily="34" charset="0"/>
-              </a:rPr>
-              <a:t>Indentation et commentaires</a:t>
-            </a:r>
           </a:p>
         </p:txBody>
       </p:sp>
     </p:spTree>
     <p:extLst>
       <p:ext uri="{BB962C8B-B14F-4D97-AF65-F5344CB8AC3E}">
-        <p14:creationId xmlns:p14="http://schemas.microsoft.com/office/powerpoint/2010/main" val="3408514451"/>
+        <p14:creationId xmlns:p14="http://schemas.microsoft.com/office/powerpoint/2010/main" val="2557336589"/>
       </p:ext>
     </p:extLst>
   </p:cSld>
@@ -7757,576 +7805,6 @@
           <p:cNvPr id="11" name="ZoneTexte 10">
             <a:extLst>
               <a:ext uri="{FF2B5EF4-FFF2-40B4-BE49-F238E27FC236}">
-                <a16:creationId xmlns:a16="http://schemas.microsoft.com/office/drawing/2014/main" id="{4D68F34E-6148-422D-8C78-F40C2B9BADFF}"/>
-              </a:ext>
-            </a:extLst>
-          </p:cNvPr>
-          <p:cNvSpPr txBox="1"/>
-          <p:nvPr/>
-        </p:nvSpPr>
-        <p:spPr>
-          <a:xfrm>
-            <a:off x="1090367" y="1674695"/>
-            <a:ext cx="10011266" cy="3539430"/>
-          </a:xfrm>
-          <a:prstGeom prst="rect">
-            <a:avLst/>
-          </a:prstGeom>
-          <a:noFill/>
-        </p:spPr>
-        <p:txBody>
-          <a:bodyPr wrap="square" rtlCol="0">
-            <a:spAutoFit/>
-          </a:bodyPr>
-          <a:lstStyle/>
-          <a:p>
-            <a:pPr algn="ctr"/>
-            <a:r>
-              <a:rPr lang="fr-FR" sz="2800" b="1" dirty="0">
-                <a:latin typeface="Helvetica" panose="020B0604020202030204" pitchFamily="34" charset="0"/>
-                <a:cs typeface="Arial" panose="020B0604020202020204" pitchFamily="34" charset="0"/>
-              </a:rPr>
-              <a:t>CE QUE NOUS AURIONS PU MIEUX FAIRE</a:t>
-            </a:r>
-          </a:p>
-          <a:p>
-            <a:pPr algn="ctr"/>
-            <a:endParaRPr lang="fr-FR" sz="2800" b="1" dirty="0">
-              <a:latin typeface="Helvetica" panose="020B0604020202030204" pitchFamily="34" charset="0"/>
-              <a:cs typeface="Arial" panose="020B0604020202020204" pitchFamily="34" charset="0"/>
-            </a:endParaRPr>
-          </a:p>
-          <a:p>
-            <a:r>
-              <a:rPr lang="fr-FR" sz="2400" dirty="0">
-                <a:latin typeface="Helvetica" panose="020B0604020202030204" pitchFamily="34" charset="0"/>
-              </a:rPr>
-              <a:t>Utiliser la méthode à Gilles (AGILE) dès le début</a:t>
-            </a:r>
-          </a:p>
-          <a:p>
-            <a:endParaRPr lang="fr-FR" sz="2400" dirty="0">
-              <a:latin typeface="Helvetica" panose="020B0604020202030204" pitchFamily="34" charset="0"/>
-            </a:endParaRPr>
-          </a:p>
-          <a:p>
-            <a:r>
-              <a:rPr lang="fr-FR" sz="2400" dirty="0">
-                <a:latin typeface="Helvetica" panose="020B0604020202030204" pitchFamily="34" charset="0"/>
-              </a:rPr>
-              <a:t>Uniformisation des codes</a:t>
-            </a:r>
-          </a:p>
-          <a:p>
-            <a:endParaRPr lang="fr-FR" sz="2400" dirty="0">
-              <a:latin typeface="Helvetica" panose="020B0604020202030204" pitchFamily="34" charset="0"/>
-            </a:endParaRPr>
-          </a:p>
-          <a:p>
-            <a:r>
-              <a:rPr lang="fr-FR" sz="2400" dirty="0">
-                <a:latin typeface="Helvetica" panose="020B0604020202030204" pitchFamily="34" charset="0"/>
-              </a:rPr>
-              <a:t>Optimisation des fichiers</a:t>
-            </a:r>
-          </a:p>
-          <a:p>
-            <a:endParaRPr lang="fr-FR" sz="2400" dirty="0">
-              <a:latin typeface="Helvetica" panose="020B0604020202030204" pitchFamily="34" charset="0"/>
-            </a:endParaRPr>
-          </a:p>
-          <a:p>
-            <a:endParaRPr lang="fr-FR" sz="2400" dirty="0">
-              <a:latin typeface="Helvetica" panose="020B0604020202030204" pitchFamily="34" charset="0"/>
-            </a:endParaRPr>
-          </a:p>
-        </p:txBody>
-      </p:sp>
-    </p:spTree>
-    <p:extLst>
-      <p:ext uri="{BB962C8B-B14F-4D97-AF65-F5344CB8AC3E}">
-        <p14:creationId xmlns:p14="http://schemas.microsoft.com/office/powerpoint/2010/main" val="2557336589"/>
-      </p:ext>
-    </p:extLst>
-  </p:cSld>
-  <p:clrMapOvr>
-    <a:masterClrMapping/>
-  </p:clrMapOvr>
-</p:sld>
-</file>
-
-<file path=ppt/slides/slide18.xml><?xml version="1.0" encoding="utf-8"?>
-<p:sld xmlns:a="http://schemas.openxmlformats.org/drawingml/2006/main" xmlns:r="http://schemas.openxmlformats.org/officeDocument/2006/relationships" xmlns:p="http://schemas.openxmlformats.org/presentationml/2006/main">
-  <p:cSld>
-    <p:bg>
-      <p:bgPr>
-        <a:blipFill dpi="0" rotWithShape="1">
-          <a:blip r:embed="rId2">
-            <a:lum/>
-          </a:blip>
-          <a:srcRect/>
-          <a:stretch>
-            <a:fillRect/>
-          </a:stretch>
-        </a:blipFill>
-        <a:effectLst/>
-      </p:bgPr>
-    </p:bg>
-    <p:spTree>
-      <p:nvGrpSpPr>
-        <p:cNvPr id="1" name=""/>
-        <p:cNvGrpSpPr/>
-        <p:nvPr/>
-      </p:nvGrpSpPr>
-      <p:grpSpPr>
-        <a:xfrm>
-          <a:off x="0" y="0"/>
-          <a:ext cx="0" cy="0"/>
-          <a:chOff x="0" y="0"/>
-          <a:chExt cx="0" cy="0"/>
-        </a:xfrm>
-      </p:grpSpPr>
-      <p:grpSp>
-        <p:nvGrpSpPr>
-          <p:cNvPr id="7" name="Groupe 6">
-            <a:extLst>
-              <a:ext uri="{FF2B5EF4-FFF2-40B4-BE49-F238E27FC236}">
-                <a16:creationId xmlns:a16="http://schemas.microsoft.com/office/drawing/2014/main" id="{67E81936-583F-45AD-82CC-A5C937F4C87C}"/>
-              </a:ext>
-            </a:extLst>
-          </p:cNvPr>
-          <p:cNvGrpSpPr/>
-          <p:nvPr/>
-        </p:nvGrpSpPr>
-        <p:grpSpPr>
-          <a:xfrm>
-            <a:off x="327166" y="0"/>
-            <a:ext cx="11251304" cy="1342417"/>
-            <a:chOff x="327166" y="0"/>
-            <a:chExt cx="11251304" cy="1342417"/>
-          </a:xfrm>
-        </p:grpSpPr>
-        <p:sp>
-          <p:nvSpPr>
-            <p:cNvPr id="4" name="Flèche : chevron 3">
-              <a:extLst>
-                <a:ext uri="{FF2B5EF4-FFF2-40B4-BE49-F238E27FC236}">
-                  <a16:creationId xmlns:a16="http://schemas.microsoft.com/office/drawing/2014/main" id="{60D600DE-6FA0-4280-A81A-6DBE7691E92C}"/>
-                </a:ext>
-              </a:extLst>
-            </p:cNvPr>
-            <p:cNvSpPr/>
-            <p:nvPr/>
-          </p:nvSpPr>
-          <p:spPr>
-            <a:xfrm>
-              <a:off x="1268691" y="332278"/>
-              <a:ext cx="2309567" cy="688157"/>
-            </a:xfrm>
-            <a:prstGeom prst="chevron">
-              <a:avLst/>
-            </a:prstGeom>
-            <a:solidFill>
-              <a:srgbClr val="FED449"/>
-            </a:solidFill>
-            <a:ln>
-              <a:solidFill>
-                <a:schemeClr val="bg1"/>
-              </a:solidFill>
-            </a:ln>
-          </p:spPr>
-          <p:style>
-            <a:lnRef idx="2">
-              <a:schemeClr val="accent1">
-                <a:shade val="50000"/>
-              </a:schemeClr>
-            </a:lnRef>
-            <a:fillRef idx="1">
-              <a:schemeClr val="accent1"/>
-            </a:fillRef>
-            <a:effectRef idx="0">
-              <a:schemeClr val="accent1"/>
-            </a:effectRef>
-            <a:fontRef idx="minor">
-              <a:schemeClr val="lt1"/>
-            </a:fontRef>
-          </p:style>
-          <p:txBody>
-            <a:bodyPr rtlCol="0" anchor="ctr"/>
-            <a:lstStyle/>
-            <a:p>
-              <a:pPr algn="ctr"/>
-              <a:r>
-                <a:rPr lang="fr-FR" sz="1500" b="1" dirty="0">
-                  <a:solidFill>
-                    <a:schemeClr val="bg1"/>
-                  </a:solidFill>
-                  <a:effectLst>
-                    <a:outerShdw blurRad="38100" dist="76200" dir="2700000" algn="tl">
-                      <a:srgbClr val="000000"/>
-                    </a:outerShdw>
-                  </a:effectLst>
-                  <a:latin typeface="Helvetica" panose="020B0604020202030204" pitchFamily="34" charset="0"/>
-                </a:rPr>
-                <a:t>Etude du projet</a:t>
-              </a:r>
-            </a:p>
-          </p:txBody>
-        </p:sp>
-        <p:sp>
-          <p:nvSpPr>
-            <p:cNvPr id="16" name="Flèche : chevron 15">
-              <a:extLst>
-                <a:ext uri="{FF2B5EF4-FFF2-40B4-BE49-F238E27FC236}">
-                  <a16:creationId xmlns:a16="http://schemas.microsoft.com/office/drawing/2014/main" id="{F7655D32-22EC-4542-883E-4033865C1471}"/>
-                </a:ext>
-              </a:extLst>
-            </p:cNvPr>
-            <p:cNvSpPr/>
-            <p:nvPr/>
-          </p:nvSpPr>
-          <p:spPr>
-            <a:xfrm>
-              <a:off x="9268903" y="332277"/>
-              <a:ext cx="2309567" cy="688157"/>
-            </a:xfrm>
-            <a:prstGeom prst="chevron">
-              <a:avLst/>
-            </a:prstGeom>
-            <a:solidFill>
-              <a:srgbClr val="88CE62"/>
-            </a:solidFill>
-            <a:ln>
-              <a:solidFill>
-                <a:schemeClr val="bg1"/>
-              </a:solidFill>
-            </a:ln>
-          </p:spPr>
-          <p:style>
-            <a:lnRef idx="2">
-              <a:schemeClr val="accent1">
-                <a:shade val="50000"/>
-              </a:schemeClr>
-            </a:lnRef>
-            <a:fillRef idx="1">
-              <a:schemeClr val="accent1"/>
-            </a:fillRef>
-            <a:effectRef idx="0">
-              <a:schemeClr val="accent1"/>
-            </a:effectRef>
-            <a:fontRef idx="minor">
-              <a:schemeClr val="lt1"/>
-            </a:fontRef>
-          </p:style>
-          <p:txBody>
-            <a:bodyPr rtlCol="0" anchor="ctr"/>
-            <a:lstStyle/>
-            <a:p>
-              <a:pPr algn="ctr"/>
-              <a:r>
-                <a:rPr lang="fr-FR" sz="1600" b="1" dirty="0">
-                  <a:solidFill>
-                    <a:schemeClr val="bg1"/>
-                  </a:solidFill>
-                  <a:effectLst>
-                    <a:outerShdw blurRad="38100" dist="76200" dir="2700000" algn="tl">
-                      <a:srgbClr val="000000"/>
-                    </a:outerShdw>
-                  </a:effectLst>
-                  <a:latin typeface="Helvetica" panose="020B0604020202030204" pitchFamily="34" charset="0"/>
-                </a:rPr>
-                <a:t>Conclusion</a:t>
-              </a:r>
-            </a:p>
-          </p:txBody>
-        </p:sp>
-        <p:sp>
-          <p:nvSpPr>
-            <p:cNvPr id="17" name="Flèche : chevron 16">
-              <a:extLst>
-                <a:ext uri="{FF2B5EF4-FFF2-40B4-BE49-F238E27FC236}">
-                  <a16:creationId xmlns:a16="http://schemas.microsoft.com/office/drawing/2014/main" id="{30C36617-CB5C-40F8-B05D-7053886FD5EF}"/>
-                </a:ext>
-              </a:extLst>
-            </p:cNvPr>
-            <p:cNvSpPr/>
-            <p:nvPr/>
-          </p:nvSpPr>
-          <p:spPr>
-            <a:xfrm>
-              <a:off x="3268744" y="332277"/>
-              <a:ext cx="2309567" cy="688157"/>
-            </a:xfrm>
-            <a:prstGeom prst="chevron">
-              <a:avLst/>
-            </a:prstGeom>
-            <a:solidFill>
-              <a:srgbClr val="FED449"/>
-            </a:solidFill>
-            <a:ln>
-              <a:solidFill>
-                <a:schemeClr val="bg1"/>
-              </a:solidFill>
-            </a:ln>
-          </p:spPr>
-          <p:style>
-            <a:lnRef idx="2">
-              <a:schemeClr val="accent1">
-                <a:shade val="50000"/>
-              </a:schemeClr>
-            </a:lnRef>
-            <a:fillRef idx="1">
-              <a:schemeClr val="accent1"/>
-            </a:fillRef>
-            <a:effectRef idx="0">
-              <a:schemeClr val="accent1"/>
-            </a:effectRef>
-            <a:fontRef idx="minor">
-              <a:schemeClr val="lt1"/>
-            </a:fontRef>
-          </p:style>
-          <p:txBody>
-            <a:bodyPr rtlCol="0" anchor="ctr"/>
-            <a:lstStyle/>
-            <a:p>
-              <a:pPr algn="ctr"/>
-              <a:r>
-                <a:rPr lang="fr-FR" sz="1500" b="1" dirty="0">
-                  <a:solidFill>
-                    <a:schemeClr val="bg1"/>
-                  </a:solidFill>
-                  <a:effectLst>
-                    <a:outerShdw blurRad="38100" dist="76200" dir="2700000" algn="tl">
-                      <a:srgbClr val="000000"/>
-                    </a:outerShdw>
-                  </a:effectLst>
-                  <a:latin typeface="Helvetica" panose="020B0604020202030204" pitchFamily="34" charset="0"/>
-                </a:rPr>
-                <a:t>Organisation</a:t>
-              </a:r>
-            </a:p>
-          </p:txBody>
-        </p:sp>
-        <p:sp>
-          <p:nvSpPr>
-            <p:cNvPr id="18" name="Flèche : chevron 17">
-              <a:extLst>
-                <a:ext uri="{FF2B5EF4-FFF2-40B4-BE49-F238E27FC236}">
-                  <a16:creationId xmlns:a16="http://schemas.microsoft.com/office/drawing/2014/main" id="{A33478E5-51C7-4324-9E5C-0845E032CF0C}"/>
-                </a:ext>
-              </a:extLst>
-            </p:cNvPr>
-            <p:cNvSpPr/>
-            <p:nvPr/>
-          </p:nvSpPr>
-          <p:spPr>
-            <a:xfrm>
-              <a:off x="5268797" y="332704"/>
-              <a:ext cx="2309567" cy="688157"/>
-            </a:xfrm>
-            <a:prstGeom prst="chevron">
-              <a:avLst/>
-            </a:prstGeom>
-            <a:solidFill>
-              <a:srgbClr val="FED449"/>
-            </a:solidFill>
-            <a:ln>
-              <a:solidFill>
-                <a:schemeClr val="bg1"/>
-              </a:solidFill>
-            </a:ln>
-          </p:spPr>
-          <p:style>
-            <a:lnRef idx="2">
-              <a:schemeClr val="accent1">
-                <a:shade val="50000"/>
-              </a:schemeClr>
-            </a:lnRef>
-            <a:fillRef idx="1">
-              <a:schemeClr val="accent1"/>
-            </a:fillRef>
-            <a:effectRef idx="0">
-              <a:schemeClr val="accent1"/>
-            </a:effectRef>
-            <a:fontRef idx="minor">
-              <a:schemeClr val="lt1"/>
-            </a:fontRef>
-          </p:style>
-          <p:txBody>
-            <a:bodyPr rtlCol="0" anchor="ctr"/>
-            <a:lstStyle/>
-            <a:p>
-              <a:pPr algn="ctr"/>
-              <a:r>
-                <a:rPr lang="fr-FR" sz="1500" b="1" dirty="0">
-                  <a:solidFill>
-                    <a:schemeClr val="bg1"/>
-                  </a:solidFill>
-                  <a:effectLst>
-                    <a:outerShdw blurRad="38100" dist="76200" dir="2700000" algn="tl">
-                      <a:srgbClr val="000000"/>
-                    </a:outerShdw>
-                  </a:effectLst>
-                  <a:latin typeface="Helvetica" panose="020B0604020202030204" pitchFamily="34" charset="0"/>
-                </a:rPr>
-                <a:t>Développement</a:t>
-              </a:r>
-            </a:p>
-          </p:txBody>
-        </p:sp>
-        <p:sp>
-          <p:nvSpPr>
-            <p:cNvPr id="19" name="Flèche : chevron 18">
-              <a:extLst>
-                <a:ext uri="{FF2B5EF4-FFF2-40B4-BE49-F238E27FC236}">
-                  <a16:creationId xmlns:a16="http://schemas.microsoft.com/office/drawing/2014/main" id="{8795E004-010B-4219-8B10-37FA6D3A7781}"/>
-                </a:ext>
-              </a:extLst>
-            </p:cNvPr>
-            <p:cNvSpPr/>
-            <p:nvPr/>
-          </p:nvSpPr>
-          <p:spPr>
-            <a:xfrm>
-              <a:off x="7268850" y="332703"/>
-              <a:ext cx="2309567" cy="688157"/>
-            </a:xfrm>
-            <a:prstGeom prst="chevron">
-              <a:avLst/>
-            </a:prstGeom>
-            <a:solidFill>
-              <a:srgbClr val="FED449"/>
-            </a:solidFill>
-            <a:ln>
-              <a:solidFill>
-                <a:schemeClr val="bg1"/>
-              </a:solidFill>
-            </a:ln>
-          </p:spPr>
-          <p:style>
-            <a:lnRef idx="2">
-              <a:schemeClr val="accent1">
-                <a:shade val="50000"/>
-              </a:schemeClr>
-            </a:lnRef>
-            <a:fillRef idx="1">
-              <a:schemeClr val="accent1"/>
-            </a:fillRef>
-            <a:effectRef idx="0">
-              <a:schemeClr val="accent1"/>
-            </a:effectRef>
-            <a:fontRef idx="minor">
-              <a:schemeClr val="lt1"/>
-            </a:fontRef>
-          </p:style>
-          <p:txBody>
-            <a:bodyPr rtlCol="0" anchor="ctr"/>
-            <a:lstStyle/>
-            <a:p>
-              <a:pPr algn="ctr"/>
-              <a:r>
-                <a:rPr lang="fr-FR" sz="1500" b="1" dirty="0">
-                  <a:solidFill>
-                    <a:schemeClr val="bg1"/>
-                  </a:solidFill>
-                  <a:effectLst>
-                    <a:outerShdw blurRad="38100" dist="76200" dir="2700000" algn="tl">
-                      <a:srgbClr val="000000"/>
-                    </a:outerShdw>
-                  </a:effectLst>
-                  <a:latin typeface="Helvetica" panose="020B0604020202030204" pitchFamily="34" charset="0"/>
-                </a:rPr>
-                <a:t>Démonstration</a:t>
-              </a:r>
-              <a:endParaRPr lang="fr-FR" sz="1500" dirty="0">
-                <a:solidFill>
-                  <a:schemeClr val="tx1"/>
-                </a:solidFill>
-              </a:endParaRPr>
-            </a:p>
-          </p:txBody>
-        </p:sp>
-        <p:pic>
-          <p:nvPicPr>
-            <p:cNvPr id="6" name="Image 5">
-              <a:extLst>
-                <a:ext uri="{FF2B5EF4-FFF2-40B4-BE49-F238E27FC236}">
-                  <a16:creationId xmlns:a16="http://schemas.microsoft.com/office/drawing/2014/main" id="{2D0A881D-5AC2-4766-BD4C-5405D55C11A5}"/>
-                </a:ext>
-              </a:extLst>
-            </p:cNvPr>
-            <p:cNvPicPr>
-              <a:picLocks noChangeAspect="1"/>
-            </p:cNvPicPr>
-            <p:nvPr/>
-          </p:nvPicPr>
-          <p:blipFill>
-            <a:blip r:embed="rId3">
-              <a:extLst>
-                <a:ext uri="{28A0092B-C50C-407E-A947-70E740481C1C}">
-                  <a14:useLocalDpi xmlns:a14="http://schemas.microsoft.com/office/drawing/2010/main" val="0"/>
-                </a:ext>
-              </a:extLst>
-            </a:blip>
-            <a:stretch>
-              <a:fillRect/>
-            </a:stretch>
-          </p:blipFill>
-          <p:spPr>
-            <a:xfrm>
-              <a:off x="327166" y="0"/>
-              <a:ext cx="1566153" cy="1342417"/>
-            </a:xfrm>
-            <a:prstGeom prst="rect">
-              <a:avLst/>
-            </a:prstGeom>
-          </p:spPr>
-        </p:pic>
-      </p:grpSp>
-      <p:sp>
-        <p:nvSpPr>
-          <p:cNvPr id="10" name="ZoneTexte 9">
-            <a:extLst>
-              <a:ext uri="{FF2B5EF4-FFF2-40B4-BE49-F238E27FC236}">
-                <a16:creationId xmlns:a16="http://schemas.microsoft.com/office/drawing/2014/main" id="{CE36D8FB-1CD3-4D19-A954-A2CE97724692}"/>
-              </a:ext>
-            </a:extLst>
-          </p:cNvPr>
-          <p:cNvSpPr txBox="1"/>
-          <p:nvPr/>
-        </p:nvSpPr>
-        <p:spPr>
-          <a:xfrm>
-            <a:off x="336894" y="1225685"/>
-            <a:ext cx="11472482" cy="5369668"/>
-          </a:xfrm>
-          <a:prstGeom prst="rect">
-            <a:avLst/>
-          </a:prstGeom>
-          <a:solidFill>
-            <a:srgbClr val="FED449">
-              <a:alpha val="50000"/>
-            </a:srgbClr>
-          </a:solidFill>
-          <a:effectLst>
-            <a:softEdge rad="152400"/>
-          </a:effectLst>
-        </p:spPr>
-        <p:txBody>
-          <a:bodyPr wrap="square" rtlCol="0">
-            <a:spAutoFit/>
-          </a:bodyPr>
-          <a:lstStyle/>
-          <a:p>
-            <a:endParaRPr lang="fr-FR" dirty="0"/>
-          </a:p>
-        </p:txBody>
-      </p:sp>
-      <p:sp>
-        <p:nvSpPr>
-          <p:cNvPr id="11" name="ZoneTexte 10">
-            <a:extLst>
-              <a:ext uri="{FF2B5EF4-FFF2-40B4-BE49-F238E27FC236}">
                 <a16:creationId xmlns:a16="http://schemas.microsoft.com/office/drawing/2014/main" id="{C9EBFD3C-EFBF-4D0F-882B-53499E15C08D}"/>
               </a:ext>
             </a:extLst>
@@ -8462,7 +7940,7 @@
 </p:sld>
 </file>
 
-<file path=ppt/slides/slide19.xml><?xml version="1.0" encoding="utf-8"?>
+<file path=ppt/slides/slide18.xml><?xml version="1.0" encoding="utf-8"?>
 <p:sld xmlns:a="http://schemas.openxmlformats.org/drawingml/2006/main" xmlns:r="http://schemas.openxmlformats.org/officeDocument/2006/relationships" xmlns:p="http://schemas.openxmlformats.org/presentationml/2006/main">
   <p:cSld>
     <p:bg>
@@ -16728,7 +16206,7 @@
           <a:graphicData uri="http://schemas.openxmlformats.org/presentationml/2006/ole">
             <mc:AlternateContent xmlns:mc="http://schemas.openxmlformats.org/markup-compatibility/2006">
               <mc:Choice xmlns:v="urn:schemas-microsoft-com:vml" Requires="v">
-                <p:oleObj spid="_x0000_s1060" name="Worksheet" r:id="rId5" imgW="6865398" imgH="1562197" progId="Excel.Sheet.12">
+                <p:oleObj spid="_x0000_s1061" name="Worksheet" r:id="rId5" imgW="6865398" imgH="1562197" progId="Excel.Sheet.12">
                   <p:embed/>
                 </p:oleObj>
               </mc:Choice>

--- a/DIAPO.pptx
+++ b/DIAPO.pptx
@@ -14,15 +14,20 @@
     <p:sldId id="266" r:id="rId8"/>
     <p:sldId id="268" r:id="rId9"/>
     <p:sldId id="269" r:id="rId10"/>
-    <p:sldId id="271" r:id="rId11"/>
-    <p:sldId id="272" r:id="rId12"/>
-    <p:sldId id="275" r:id="rId13"/>
-    <p:sldId id="276" r:id="rId14"/>
-    <p:sldId id="277" r:id="rId15"/>
-    <p:sldId id="278" r:id="rId16"/>
-    <p:sldId id="281" r:id="rId17"/>
-    <p:sldId id="279" r:id="rId18"/>
-    <p:sldId id="280" r:id="rId19"/>
+    <p:sldId id="282" r:id="rId11"/>
+    <p:sldId id="283" r:id="rId12"/>
+    <p:sldId id="284" r:id="rId13"/>
+    <p:sldId id="285" r:id="rId14"/>
+    <p:sldId id="286" r:id="rId15"/>
+    <p:sldId id="287" r:id="rId16"/>
+    <p:sldId id="288" r:id="rId17"/>
+    <p:sldId id="289" r:id="rId18"/>
+    <p:sldId id="276" r:id="rId19"/>
+    <p:sldId id="277" r:id="rId20"/>
+    <p:sldId id="278" r:id="rId21"/>
+    <p:sldId id="281" r:id="rId22"/>
+    <p:sldId id="279" r:id="rId23"/>
+    <p:sldId id="280" r:id="rId24"/>
   </p:sldIdLst>
   <p:sldSz cx="12192000" cy="6858000"/>
   <p:notesSz cx="6858000" cy="9144000"/>
@@ -3953,7 +3958,7 @@
             <p:nvPr/>
           </p:nvPicPr>
           <p:blipFill>
-            <a:blip r:embed="rId3">
+            <a:blip r:embed="rId3" cstate="print">
               <a:extLst>
                 <a:ext uri="{28A0092B-C50C-407E-A947-70E740481C1C}">
                   <a14:useLocalDpi xmlns:a14="http://schemas.microsoft.com/office/drawing/2010/main" val="0"/>
@@ -3989,7 +3994,7 @@
         </p:nvSpPr>
         <p:spPr>
           <a:xfrm>
-            <a:off x="336894" y="1225685"/>
+            <a:off x="359759" y="1225685"/>
             <a:ext cx="11472482" cy="5369668"/>
           </a:xfrm>
           <a:prstGeom prst="rect">
@@ -4055,10 +4060,170 @@
           </a:p>
         </p:txBody>
       </p:sp>
+      <p:pic>
+        <p:nvPicPr>
+          <p:cNvPr id="3" name="Image 2" descr="C:\Users\Tweety\Desktop\algo connexion.txt - Notepad++ [Administrator]"/>
+          <p:cNvPicPr>
+            <a:picLocks noChangeAspect="1"/>
+          </p:cNvPicPr>
+          <p:nvPr/>
+        </p:nvPicPr>
+        <p:blipFill rotWithShape="1">
+          <a:blip r:embed="rId4">
+            <a:extLst>
+              <a:ext uri="{BEBA8EAE-BF5A-486C-A8C5-ECC9F3942E4B}">
+                <a14:imgProps xmlns:a14="http://schemas.microsoft.com/office/drawing/2010/main">
+                  <a14:imgLayer r:embed="rId5">
+                    <a14:imgEffect>
+                      <a14:colorTemperature colorTemp="11200"/>
+                    </a14:imgEffect>
+                  </a14:imgLayer>
+                </a14:imgProps>
+              </a:ext>
+              <a:ext uri="{28A0092B-C50C-407E-A947-70E740481C1C}">
+                <a14:useLocalDpi xmlns:a14="http://schemas.microsoft.com/office/drawing/2010/main" val="0"/>
+              </a:ext>
+            </a:extLst>
+          </a:blip>
+          <a:srcRect l="676" t="9278" r="64316" b="38423"/>
+          <a:stretch/>
+        </p:blipFill>
+        <p:spPr>
+          <a:xfrm>
+            <a:off x="1000663" y="2197915"/>
+            <a:ext cx="4268133" cy="3894666"/>
+          </a:xfrm>
+          <a:prstGeom prst="rect">
+            <a:avLst/>
+          </a:prstGeom>
+          <a:noFill/>
+        </p:spPr>
+      </p:pic>
+      <p:pic>
+        <p:nvPicPr>
+          <p:cNvPr id="8" name="Image 7" descr="connexion.php - Visual Studio Code"/>
+          <p:cNvPicPr>
+            <a:picLocks noChangeAspect="1"/>
+          </p:cNvPicPr>
+          <p:nvPr/>
+        </p:nvPicPr>
+        <p:blipFill rotWithShape="1">
+          <a:blip r:embed="rId6">
+            <a:extLst>
+              <a:ext uri="{28A0092B-C50C-407E-A947-70E740481C1C}">
+                <a14:useLocalDpi xmlns:a14="http://schemas.microsoft.com/office/drawing/2010/main" val="0"/>
+              </a:ext>
+            </a:extLst>
+          </a:blip>
+          <a:srcRect l="2950" t="7371" r="63718" b="44205"/>
+          <a:stretch/>
+        </p:blipFill>
+        <p:spPr>
+          <a:xfrm>
+            <a:off x="6232921" y="2197915"/>
+            <a:ext cx="4868712" cy="3894666"/>
+          </a:xfrm>
+          <a:prstGeom prst="rect">
+            <a:avLst/>
+          </a:prstGeom>
+        </p:spPr>
+      </p:pic>
+      <p:sp>
+        <p:nvSpPr>
+          <p:cNvPr id="9" name="Rectangle à coins arrondis 8"/>
+          <p:cNvSpPr/>
+          <p:nvPr/>
+        </p:nvSpPr>
+        <p:spPr>
+          <a:xfrm>
+            <a:off x="1329267" y="2971800"/>
+            <a:ext cx="3860800" cy="863600"/>
+          </a:xfrm>
+          <a:prstGeom prst="roundRect">
+            <a:avLst/>
+          </a:prstGeom>
+          <a:noFill/>
+          <a:ln w="28575">
+            <a:solidFill>
+              <a:srgbClr val="88CE62"/>
+            </a:solidFill>
+          </a:ln>
+        </p:spPr>
+        <p:style>
+          <a:lnRef idx="2">
+            <a:schemeClr val="accent1">
+              <a:shade val="50000"/>
+            </a:schemeClr>
+          </a:lnRef>
+          <a:fillRef idx="1">
+            <a:schemeClr val="accent1"/>
+          </a:fillRef>
+          <a:effectRef idx="0">
+            <a:schemeClr val="accent1"/>
+          </a:effectRef>
+          <a:fontRef idx="minor">
+            <a:schemeClr val="lt1"/>
+          </a:fontRef>
+        </p:style>
+        <p:txBody>
+          <a:bodyPr rtlCol="0" anchor="ctr"/>
+          <a:lstStyle/>
+          <a:p>
+            <a:pPr algn="ctr"/>
+            <a:endParaRPr lang="fr-FR"/>
+          </a:p>
+        </p:txBody>
+      </p:sp>
+      <p:sp>
+        <p:nvSpPr>
+          <p:cNvPr id="20" name="Rectangle à coins arrondis 19"/>
+          <p:cNvSpPr/>
+          <p:nvPr/>
+        </p:nvSpPr>
+        <p:spPr>
+          <a:xfrm>
+            <a:off x="6493232" y="2206382"/>
+            <a:ext cx="4454167" cy="1197218"/>
+          </a:xfrm>
+          <a:prstGeom prst="roundRect">
+            <a:avLst/>
+          </a:prstGeom>
+          <a:noFill/>
+          <a:ln w="28575">
+            <a:solidFill>
+              <a:srgbClr val="88CE62"/>
+            </a:solidFill>
+          </a:ln>
+        </p:spPr>
+        <p:style>
+          <a:lnRef idx="2">
+            <a:schemeClr val="accent1">
+              <a:shade val="50000"/>
+            </a:schemeClr>
+          </a:lnRef>
+          <a:fillRef idx="1">
+            <a:schemeClr val="accent1"/>
+          </a:fillRef>
+          <a:effectRef idx="0">
+            <a:schemeClr val="accent1"/>
+          </a:effectRef>
+          <a:fontRef idx="minor">
+            <a:schemeClr val="lt1"/>
+          </a:fontRef>
+        </p:style>
+        <p:txBody>
+          <a:bodyPr rtlCol="0" anchor="ctr"/>
+          <a:lstStyle/>
+          <a:p>
+            <a:pPr algn="ctr"/>
+            <a:endParaRPr lang="fr-FR"/>
+          </a:p>
+        </p:txBody>
+      </p:sp>
     </p:spTree>
     <p:extLst>
       <p:ext uri="{BB962C8B-B14F-4D97-AF65-F5344CB8AC3E}">
-        <p14:creationId xmlns:p14="http://schemas.microsoft.com/office/powerpoint/2010/main" val="602413361"/>
+        <p14:creationId xmlns:p14="http://schemas.microsoft.com/office/powerpoint/2010/main" val="3644056126"/>
       </p:ext>
     </p:extLst>
   </p:cSld>
@@ -4409,6 +4574,4719 @@
             </a:prstGeom>
             <a:solidFill>
               <a:srgbClr val="FED449"/>
+            </a:solidFill>
+            <a:ln>
+              <a:solidFill>
+                <a:schemeClr val="bg1"/>
+              </a:solidFill>
+            </a:ln>
+          </p:spPr>
+          <p:style>
+            <a:lnRef idx="2">
+              <a:schemeClr val="accent1">
+                <a:shade val="50000"/>
+              </a:schemeClr>
+            </a:lnRef>
+            <a:fillRef idx="1">
+              <a:schemeClr val="accent1"/>
+            </a:fillRef>
+            <a:effectRef idx="0">
+              <a:schemeClr val="accent1"/>
+            </a:effectRef>
+            <a:fontRef idx="minor">
+              <a:schemeClr val="lt1"/>
+            </a:fontRef>
+          </p:style>
+          <p:txBody>
+            <a:bodyPr rtlCol="0" anchor="ctr"/>
+            <a:lstStyle/>
+            <a:p>
+              <a:pPr algn="ctr"/>
+              <a:r>
+                <a:rPr lang="fr-FR" sz="1500" b="1" dirty="0">
+                  <a:solidFill>
+                    <a:schemeClr val="bg1"/>
+                  </a:solidFill>
+                  <a:effectLst>
+                    <a:outerShdw blurRad="38100" dist="76200" dir="2700000" algn="tl">
+                      <a:srgbClr val="000000"/>
+                    </a:outerShdw>
+                  </a:effectLst>
+                  <a:latin typeface="Helvetica" panose="020B0604020202030204" pitchFamily="34" charset="0"/>
+                </a:rPr>
+                <a:t>Démonstration</a:t>
+              </a:r>
+              <a:endParaRPr lang="fr-FR" sz="1500" dirty="0">
+                <a:solidFill>
+                  <a:schemeClr val="tx1"/>
+                </a:solidFill>
+              </a:endParaRPr>
+            </a:p>
+          </p:txBody>
+        </p:sp>
+        <p:pic>
+          <p:nvPicPr>
+            <p:cNvPr id="6" name="Image 5">
+              <a:extLst>
+                <a:ext uri="{FF2B5EF4-FFF2-40B4-BE49-F238E27FC236}">
+                  <a16:creationId xmlns:a16="http://schemas.microsoft.com/office/drawing/2014/main" id="{2D0A881D-5AC2-4766-BD4C-5405D55C11A5}"/>
+                </a:ext>
+              </a:extLst>
+            </p:cNvPr>
+            <p:cNvPicPr>
+              <a:picLocks noChangeAspect="1"/>
+            </p:cNvPicPr>
+            <p:nvPr/>
+          </p:nvPicPr>
+          <p:blipFill>
+            <a:blip r:embed="rId3" cstate="print">
+              <a:extLst>
+                <a:ext uri="{28A0092B-C50C-407E-A947-70E740481C1C}">
+                  <a14:useLocalDpi xmlns:a14="http://schemas.microsoft.com/office/drawing/2010/main" val="0"/>
+                </a:ext>
+              </a:extLst>
+            </a:blip>
+            <a:stretch>
+              <a:fillRect/>
+            </a:stretch>
+          </p:blipFill>
+          <p:spPr>
+            <a:xfrm>
+              <a:off x="327166" y="0"/>
+              <a:ext cx="1566153" cy="1342417"/>
+            </a:xfrm>
+            <a:prstGeom prst="rect">
+              <a:avLst/>
+            </a:prstGeom>
+          </p:spPr>
+        </p:pic>
+      </p:grpSp>
+      <p:sp>
+        <p:nvSpPr>
+          <p:cNvPr id="10" name="ZoneTexte 9">
+            <a:extLst>
+              <a:ext uri="{FF2B5EF4-FFF2-40B4-BE49-F238E27FC236}">
+                <a16:creationId xmlns:a16="http://schemas.microsoft.com/office/drawing/2014/main" id="{CE36D8FB-1CD3-4D19-A954-A2CE97724692}"/>
+              </a:ext>
+            </a:extLst>
+          </p:cNvPr>
+          <p:cNvSpPr txBox="1"/>
+          <p:nvPr/>
+        </p:nvSpPr>
+        <p:spPr>
+          <a:xfrm>
+            <a:off x="359759" y="1225685"/>
+            <a:ext cx="11472482" cy="5369668"/>
+          </a:xfrm>
+          <a:prstGeom prst="rect">
+            <a:avLst/>
+          </a:prstGeom>
+          <a:solidFill>
+            <a:srgbClr val="FED449">
+              <a:alpha val="50000"/>
+            </a:srgbClr>
+          </a:solidFill>
+          <a:effectLst>
+            <a:softEdge rad="152400"/>
+          </a:effectLst>
+        </p:spPr>
+        <p:txBody>
+          <a:bodyPr wrap="square" rtlCol="0">
+            <a:spAutoFit/>
+          </a:bodyPr>
+          <a:lstStyle/>
+          <a:p>
+            <a:endParaRPr lang="fr-FR" dirty="0"/>
+          </a:p>
+        </p:txBody>
+      </p:sp>
+      <p:sp>
+        <p:nvSpPr>
+          <p:cNvPr id="12" name="ZoneTexte 11">
+            <a:extLst>
+              <a:ext uri="{FF2B5EF4-FFF2-40B4-BE49-F238E27FC236}">
+                <a16:creationId xmlns:a16="http://schemas.microsoft.com/office/drawing/2014/main" id="{B090A43C-7D0E-46E1-9FC8-BDAE21AEEC4B}"/>
+              </a:ext>
+            </a:extLst>
+          </p:cNvPr>
+          <p:cNvSpPr txBox="1"/>
+          <p:nvPr/>
+        </p:nvSpPr>
+        <p:spPr>
+          <a:xfrm>
+            <a:off x="1090367" y="1674695"/>
+            <a:ext cx="10011266" cy="523220"/>
+          </a:xfrm>
+          <a:prstGeom prst="rect">
+            <a:avLst/>
+          </a:prstGeom>
+          <a:noFill/>
+        </p:spPr>
+        <p:txBody>
+          <a:bodyPr wrap="square" rtlCol="0">
+            <a:spAutoFit/>
+          </a:bodyPr>
+          <a:lstStyle/>
+          <a:p>
+            <a:pPr algn="ctr"/>
+            <a:r>
+              <a:rPr lang="fr-FR" sz="2800" b="1" dirty="0">
+                <a:latin typeface="Helvetica" panose="020B0604020202030204" pitchFamily="34" charset="0"/>
+              </a:rPr>
+              <a:t>Algorithme de connexion au site</a:t>
+            </a:r>
+            <a:endParaRPr lang="fr-FR" sz="2400" b="1" dirty="0">
+              <a:latin typeface="Helvetica" panose="020B0604020202030204" pitchFamily="34" charset="0"/>
+            </a:endParaRPr>
+          </a:p>
+        </p:txBody>
+      </p:sp>
+      <p:pic>
+        <p:nvPicPr>
+          <p:cNvPr id="3" name="Image 2" descr="C:\Users\Tweety\Desktop\algo connexion.txt - Notepad++ [Administrator]"/>
+          <p:cNvPicPr>
+            <a:picLocks noChangeAspect="1"/>
+          </p:cNvPicPr>
+          <p:nvPr/>
+        </p:nvPicPr>
+        <p:blipFill rotWithShape="1">
+          <a:blip r:embed="rId4">
+            <a:extLst>
+              <a:ext uri="{BEBA8EAE-BF5A-486C-A8C5-ECC9F3942E4B}">
+                <a14:imgProps xmlns:a14="http://schemas.microsoft.com/office/drawing/2010/main">
+                  <a14:imgLayer r:embed="rId5">
+                    <a14:imgEffect>
+                      <a14:colorTemperature colorTemp="11200"/>
+                    </a14:imgEffect>
+                  </a14:imgLayer>
+                </a14:imgProps>
+              </a:ext>
+              <a:ext uri="{28A0092B-C50C-407E-A947-70E740481C1C}">
+                <a14:useLocalDpi xmlns:a14="http://schemas.microsoft.com/office/drawing/2010/main" val="0"/>
+              </a:ext>
+            </a:extLst>
+          </a:blip>
+          <a:srcRect l="676" t="9278" r="64316" b="38423"/>
+          <a:stretch/>
+        </p:blipFill>
+        <p:spPr>
+          <a:xfrm>
+            <a:off x="1000663" y="2197915"/>
+            <a:ext cx="4268133" cy="3894666"/>
+          </a:xfrm>
+          <a:prstGeom prst="rect">
+            <a:avLst/>
+          </a:prstGeom>
+          <a:noFill/>
+        </p:spPr>
+      </p:pic>
+      <p:pic>
+        <p:nvPicPr>
+          <p:cNvPr id="8" name="Image 7" descr="connexion.php - Visual Studio Code"/>
+          <p:cNvPicPr>
+            <a:picLocks noChangeAspect="1"/>
+          </p:cNvPicPr>
+          <p:nvPr/>
+        </p:nvPicPr>
+        <p:blipFill rotWithShape="1">
+          <a:blip r:embed="rId6">
+            <a:extLst>
+              <a:ext uri="{28A0092B-C50C-407E-A947-70E740481C1C}">
+                <a14:useLocalDpi xmlns:a14="http://schemas.microsoft.com/office/drawing/2010/main" val="0"/>
+              </a:ext>
+            </a:extLst>
+          </a:blip>
+          <a:srcRect l="2950" t="7371" r="63718" b="44205"/>
+          <a:stretch/>
+        </p:blipFill>
+        <p:spPr>
+          <a:xfrm>
+            <a:off x="6232921" y="2197915"/>
+            <a:ext cx="4868712" cy="3894666"/>
+          </a:xfrm>
+          <a:prstGeom prst="rect">
+            <a:avLst/>
+          </a:prstGeom>
+        </p:spPr>
+      </p:pic>
+      <p:sp>
+        <p:nvSpPr>
+          <p:cNvPr id="9" name="Rectangle à coins arrondis 8"/>
+          <p:cNvSpPr/>
+          <p:nvPr/>
+        </p:nvSpPr>
+        <p:spPr>
+          <a:xfrm>
+            <a:off x="1407996" y="3843866"/>
+            <a:ext cx="3860800" cy="762001"/>
+          </a:xfrm>
+          <a:prstGeom prst="roundRect">
+            <a:avLst/>
+          </a:prstGeom>
+          <a:noFill/>
+          <a:ln w="28575">
+            <a:solidFill>
+              <a:srgbClr val="88CE62"/>
+            </a:solidFill>
+          </a:ln>
+        </p:spPr>
+        <p:style>
+          <a:lnRef idx="2">
+            <a:schemeClr val="accent1">
+              <a:shade val="50000"/>
+            </a:schemeClr>
+          </a:lnRef>
+          <a:fillRef idx="1">
+            <a:schemeClr val="accent1"/>
+          </a:fillRef>
+          <a:effectRef idx="0">
+            <a:schemeClr val="accent1"/>
+          </a:effectRef>
+          <a:fontRef idx="minor">
+            <a:schemeClr val="lt1"/>
+          </a:fontRef>
+        </p:style>
+        <p:txBody>
+          <a:bodyPr rtlCol="0" anchor="ctr"/>
+          <a:lstStyle/>
+          <a:p>
+            <a:pPr algn="ctr"/>
+            <a:endParaRPr lang="fr-FR"/>
+          </a:p>
+        </p:txBody>
+      </p:sp>
+      <p:sp>
+        <p:nvSpPr>
+          <p:cNvPr id="20" name="Rectangle à coins arrondis 19"/>
+          <p:cNvSpPr/>
+          <p:nvPr/>
+        </p:nvSpPr>
+        <p:spPr>
+          <a:xfrm>
+            <a:off x="6493231" y="3412067"/>
+            <a:ext cx="4454167" cy="2680514"/>
+          </a:xfrm>
+          <a:prstGeom prst="roundRect">
+            <a:avLst/>
+          </a:prstGeom>
+          <a:noFill/>
+          <a:ln w="28575">
+            <a:solidFill>
+              <a:srgbClr val="88CE62"/>
+            </a:solidFill>
+          </a:ln>
+        </p:spPr>
+        <p:style>
+          <a:lnRef idx="2">
+            <a:schemeClr val="accent1">
+              <a:shade val="50000"/>
+            </a:schemeClr>
+          </a:lnRef>
+          <a:fillRef idx="1">
+            <a:schemeClr val="accent1"/>
+          </a:fillRef>
+          <a:effectRef idx="0">
+            <a:schemeClr val="accent1"/>
+          </a:effectRef>
+          <a:fontRef idx="minor">
+            <a:schemeClr val="lt1"/>
+          </a:fontRef>
+        </p:style>
+        <p:txBody>
+          <a:bodyPr rtlCol="0" anchor="ctr"/>
+          <a:lstStyle/>
+          <a:p>
+            <a:pPr algn="ctr"/>
+            <a:endParaRPr lang="fr-FR"/>
+          </a:p>
+        </p:txBody>
+      </p:sp>
+    </p:spTree>
+    <p:extLst>
+      <p:ext uri="{BB962C8B-B14F-4D97-AF65-F5344CB8AC3E}">
+        <p14:creationId xmlns:p14="http://schemas.microsoft.com/office/powerpoint/2010/main" val="1427791198"/>
+      </p:ext>
+    </p:extLst>
+  </p:cSld>
+  <p:clrMapOvr>
+    <a:masterClrMapping/>
+  </p:clrMapOvr>
+</p:sld>
+</file>
+
+<file path=ppt/slides/slide12.xml><?xml version="1.0" encoding="utf-8"?>
+<p:sld xmlns:a="http://schemas.openxmlformats.org/drawingml/2006/main" xmlns:r="http://schemas.openxmlformats.org/officeDocument/2006/relationships" xmlns:p="http://schemas.openxmlformats.org/presentationml/2006/main">
+  <p:cSld>
+    <p:bg>
+      <p:bgPr>
+        <a:blipFill dpi="0" rotWithShape="1">
+          <a:blip r:embed="rId2">
+            <a:lum/>
+          </a:blip>
+          <a:srcRect/>
+          <a:stretch>
+            <a:fillRect/>
+          </a:stretch>
+        </a:blipFill>
+        <a:effectLst/>
+      </p:bgPr>
+    </p:bg>
+    <p:spTree>
+      <p:nvGrpSpPr>
+        <p:cNvPr id="1" name=""/>
+        <p:cNvGrpSpPr/>
+        <p:nvPr/>
+      </p:nvGrpSpPr>
+      <p:grpSpPr>
+        <a:xfrm>
+          <a:off x="0" y="0"/>
+          <a:ext cx="0" cy="0"/>
+          <a:chOff x="0" y="0"/>
+          <a:chExt cx="0" cy="0"/>
+        </a:xfrm>
+      </p:grpSpPr>
+      <p:grpSp>
+        <p:nvGrpSpPr>
+          <p:cNvPr id="7" name="Groupe 6">
+            <a:extLst>
+              <a:ext uri="{FF2B5EF4-FFF2-40B4-BE49-F238E27FC236}">
+                <a16:creationId xmlns:a16="http://schemas.microsoft.com/office/drawing/2014/main" id="{67E81936-583F-45AD-82CC-A5C937F4C87C}"/>
+              </a:ext>
+            </a:extLst>
+          </p:cNvPr>
+          <p:cNvGrpSpPr/>
+          <p:nvPr/>
+        </p:nvGrpSpPr>
+        <p:grpSpPr>
+          <a:xfrm>
+            <a:off x="327166" y="0"/>
+            <a:ext cx="11251304" cy="1342417"/>
+            <a:chOff x="327166" y="0"/>
+            <a:chExt cx="11251304" cy="1342417"/>
+          </a:xfrm>
+        </p:grpSpPr>
+        <p:sp>
+          <p:nvSpPr>
+            <p:cNvPr id="4" name="Flèche : chevron 3">
+              <a:extLst>
+                <a:ext uri="{FF2B5EF4-FFF2-40B4-BE49-F238E27FC236}">
+                  <a16:creationId xmlns:a16="http://schemas.microsoft.com/office/drawing/2014/main" id="{60D600DE-6FA0-4280-A81A-6DBE7691E92C}"/>
+                </a:ext>
+              </a:extLst>
+            </p:cNvPr>
+            <p:cNvSpPr/>
+            <p:nvPr/>
+          </p:nvSpPr>
+          <p:spPr>
+            <a:xfrm>
+              <a:off x="1268691" y="332278"/>
+              <a:ext cx="2309567" cy="688157"/>
+            </a:xfrm>
+            <a:prstGeom prst="chevron">
+              <a:avLst/>
+            </a:prstGeom>
+            <a:solidFill>
+              <a:srgbClr val="FED449"/>
+            </a:solidFill>
+            <a:ln>
+              <a:solidFill>
+                <a:schemeClr val="bg1"/>
+              </a:solidFill>
+            </a:ln>
+          </p:spPr>
+          <p:style>
+            <a:lnRef idx="2">
+              <a:schemeClr val="accent1">
+                <a:shade val="50000"/>
+              </a:schemeClr>
+            </a:lnRef>
+            <a:fillRef idx="1">
+              <a:schemeClr val="accent1"/>
+            </a:fillRef>
+            <a:effectRef idx="0">
+              <a:schemeClr val="accent1"/>
+            </a:effectRef>
+            <a:fontRef idx="minor">
+              <a:schemeClr val="lt1"/>
+            </a:fontRef>
+          </p:style>
+          <p:txBody>
+            <a:bodyPr rtlCol="0" anchor="ctr"/>
+            <a:lstStyle/>
+            <a:p>
+              <a:pPr algn="ctr"/>
+              <a:r>
+                <a:rPr lang="fr-FR" sz="1500" b="1" dirty="0">
+                  <a:solidFill>
+                    <a:schemeClr val="bg1"/>
+                  </a:solidFill>
+                  <a:effectLst>
+                    <a:outerShdw blurRad="38100" dist="76200" dir="2700000" algn="tl">
+                      <a:srgbClr val="000000"/>
+                    </a:outerShdw>
+                  </a:effectLst>
+                  <a:latin typeface="Helvetica" panose="020B0604020202030204" pitchFamily="34" charset="0"/>
+                </a:rPr>
+                <a:t>Etude du projet</a:t>
+              </a:r>
+            </a:p>
+          </p:txBody>
+        </p:sp>
+        <p:sp>
+          <p:nvSpPr>
+            <p:cNvPr id="16" name="Flèche : chevron 15">
+              <a:extLst>
+                <a:ext uri="{FF2B5EF4-FFF2-40B4-BE49-F238E27FC236}">
+                  <a16:creationId xmlns:a16="http://schemas.microsoft.com/office/drawing/2014/main" id="{F7655D32-22EC-4542-883E-4033865C1471}"/>
+                </a:ext>
+              </a:extLst>
+            </p:cNvPr>
+            <p:cNvSpPr/>
+            <p:nvPr/>
+          </p:nvSpPr>
+          <p:spPr>
+            <a:xfrm>
+              <a:off x="9268903" y="332277"/>
+              <a:ext cx="2309567" cy="688157"/>
+            </a:xfrm>
+            <a:prstGeom prst="chevron">
+              <a:avLst/>
+            </a:prstGeom>
+            <a:solidFill>
+              <a:srgbClr val="FED449"/>
+            </a:solidFill>
+            <a:ln>
+              <a:solidFill>
+                <a:schemeClr val="bg1"/>
+              </a:solidFill>
+            </a:ln>
+          </p:spPr>
+          <p:style>
+            <a:lnRef idx="2">
+              <a:schemeClr val="accent1">
+                <a:shade val="50000"/>
+              </a:schemeClr>
+            </a:lnRef>
+            <a:fillRef idx="1">
+              <a:schemeClr val="accent1"/>
+            </a:fillRef>
+            <a:effectRef idx="0">
+              <a:schemeClr val="accent1"/>
+            </a:effectRef>
+            <a:fontRef idx="minor">
+              <a:schemeClr val="lt1"/>
+            </a:fontRef>
+          </p:style>
+          <p:txBody>
+            <a:bodyPr rtlCol="0" anchor="ctr"/>
+            <a:lstStyle/>
+            <a:p>
+              <a:pPr algn="ctr"/>
+              <a:r>
+                <a:rPr lang="fr-FR" sz="1600" b="1" dirty="0">
+                  <a:solidFill>
+                    <a:schemeClr val="bg1"/>
+                  </a:solidFill>
+                  <a:effectLst>
+                    <a:outerShdw blurRad="38100" dist="76200" dir="2700000" algn="tl">
+                      <a:srgbClr val="000000"/>
+                    </a:outerShdw>
+                  </a:effectLst>
+                  <a:latin typeface="Helvetica" panose="020B0604020202030204" pitchFamily="34" charset="0"/>
+                </a:rPr>
+                <a:t>Conclusion</a:t>
+              </a:r>
+            </a:p>
+          </p:txBody>
+        </p:sp>
+        <p:sp>
+          <p:nvSpPr>
+            <p:cNvPr id="17" name="Flèche : chevron 16">
+              <a:extLst>
+                <a:ext uri="{FF2B5EF4-FFF2-40B4-BE49-F238E27FC236}">
+                  <a16:creationId xmlns:a16="http://schemas.microsoft.com/office/drawing/2014/main" id="{30C36617-CB5C-40F8-B05D-7053886FD5EF}"/>
+                </a:ext>
+              </a:extLst>
+            </p:cNvPr>
+            <p:cNvSpPr/>
+            <p:nvPr/>
+          </p:nvSpPr>
+          <p:spPr>
+            <a:xfrm>
+              <a:off x="3268744" y="332277"/>
+              <a:ext cx="2309567" cy="688157"/>
+            </a:xfrm>
+            <a:prstGeom prst="chevron">
+              <a:avLst/>
+            </a:prstGeom>
+            <a:solidFill>
+              <a:srgbClr val="FED449"/>
+            </a:solidFill>
+            <a:ln>
+              <a:solidFill>
+                <a:schemeClr val="bg1"/>
+              </a:solidFill>
+            </a:ln>
+          </p:spPr>
+          <p:style>
+            <a:lnRef idx="2">
+              <a:schemeClr val="accent1">
+                <a:shade val="50000"/>
+              </a:schemeClr>
+            </a:lnRef>
+            <a:fillRef idx="1">
+              <a:schemeClr val="accent1"/>
+            </a:fillRef>
+            <a:effectRef idx="0">
+              <a:schemeClr val="accent1"/>
+            </a:effectRef>
+            <a:fontRef idx="minor">
+              <a:schemeClr val="lt1"/>
+            </a:fontRef>
+          </p:style>
+          <p:txBody>
+            <a:bodyPr rtlCol="0" anchor="ctr"/>
+            <a:lstStyle/>
+            <a:p>
+              <a:pPr algn="ctr"/>
+              <a:r>
+                <a:rPr lang="fr-FR" sz="1500" b="1" dirty="0">
+                  <a:solidFill>
+                    <a:schemeClr val="bg1"/>
+                  </a:solidFill>
+                  <a:effectLst>
+                    <a:outerShdw blurRad="38100" dist="76200" dir="2700000" algn="tl">
+                      <a:srgbClr val="000000"/>
+                    </a:outerShdw>
+                  </a:effectLst>
+                  <a:latin typeface="Helvetica" panose="020B0604020202030204" pitchFamily="34" charset="0"/>
+                </a:rPr>
+                <a:t>Organisation</a:t>
+              </a:r>
+            </a:p>
+          </p:txBody>
+        </p:sp>
+        <p:sp>
+          <p:nvSpPr>
+            <p:cNvPr id="18" name="Flèche : chevron 17">
+              <a:extLst>
+                <a:ext uri="{FF2B5EF4-FFF2-40B4-BE49-F238E27FC236}">
+                  <a16:creationId xmlns:a16="http://schemas.microsoft.com/office/drawing/2014/main" id="{A33478E5-51C7-4324-9E5C-0845E032CF0C}"/>
+                </a:ext>
+              </a:extLst>
+            </p:cNvPr>
+            <p:cNvSpPr/>
+            <p:nvPr/>
+          </p:nvSpPr>
+          <p:spPr>
+            <a:xfrm>
+              <a:off x="5268797" y="332704"/>
+              <a:ext cx="2309567" cy="688157"/>
+            </a:xfrm>
+            <a:prstGeom prst="chevron">
+              <a:avLst/>
+            </a:prstGeom>
+            <a:solidFill>
+              <a:srgbClr val="88CE62"/>
+            </a:solidFill>
+            <a:ln>
+              <a:solidFill>
+                <a:schemeClr val="bg1"/>
+              </a:solidFill>
+            </a:ln>
+          </p:spPr>
+          <p:style>
+            <a:lnRef idx="2">
+              <a:schemeClr val="accent1">
+                <a:shade val="50000"/>
+              </a:schemeClr>
+            </a:lnRef>
+            <a:fillRef idx="1">
+              <a:schemeClr val="accent1"/>
+            </a:fillRef>
+            <a:effectRef idx="0">
+              <a:schemeClr val="accent1"/>
+            </a:effectRef>
+            <a:fontRef idx="minor">
+              <a:schemeClr val="lt1"/>
+            </a:fontRef>
+          </p:style>
+          <p:txBody>
+            <a:bodyPr rtlCol="0" anchor="ctr"/>
+            <a:lstStyle/>
+            <a:p>
+              <a:pPr algn="ctr"/>
+              <a:r>
+                <a:rPr lang="fr-FR" sz="1500" b="1" dirty="0">
+                  <a:solidFill>
+                    <a:schemeClr val="bg1"/>
+                  </a:solidFill>
+                  <a:effectLst>
+                    <a:outerShdw blurRad="38100" dist="76200" dir="2700000" algn="tl">
+                      <a:srgbClr val="000000"/>
+                    </a:outerShdw>
+                  </a:effectLst>
+                  <a:latin typeface="Helvetica" panose="020B0604020202030204" pitchFamily="34" charset="0"/>
+                </a:rPr>
+                <a:t>Développement</a:t>
+              </a:r>
+            </a:p>
+          </p:txBody>
+        </p:sp>
+        <p:sp>
+          <p:nvSpPr>
+            <p:cNvPr id="19" name="Flèche : chevron 18">
+              <a:extLst>
+                <a:ext uri="{FF2B5EF4-FFF2-40B4-BE49-F238E27FC236}">
+                  <a16:creationId xmlns:a16="http://schemas.microsoft.com/office/drawing/2014/main" id="{8795E004-010B-4219-8B10-37FA6D3A7781}"/>
+                </a:ext>
+              </a:extLst>
+            </p:cNvPr>
+            <p:cNvSpPr/>
+            <p:nvPr/>
+          </p:nvSpPr>
+          <p:spPr>
+            <a:xfrm>
+              <a:off x="7268850" y="332703"/>
+              <a:ext cx="2309567" cy="688157"/>
+            </a:xfrm>
+            <a:prstGeom prst="chevron">
+              <a:avLst/>
+            </a:prstGeom>
+            <a:solidFill>
+              <a:srgbClr val="FED449"/>
+            </a:solidFill>
+            <a:ln>
+              <a:solidFill>
+                <a:schemeClr val="bg1"/>
+              </a:solidFill>
+            </a:ln>
+          </p:spPr>
+          <p:style>
+            <a:lnRef idx="2">
+              <a:schemeClr val="accent1">
+                <a:shade val="50000"/>
+              </a:schemeClr>
+            </a:lnRef>
+            <a:fillRef idx="1">
+              <a:schemeClr val="accent1"/>
+            </a:fillRef>
+            <a:effectRef idx="0">
+              <a:schemeClr val="accent1"/>
+            </a:effectRef>
+            <a:fontRef idx="minor">
+              <a:schemeClr val="lt1"/>
+            </a:fontRef>
+          </p:style>
+          <p:txBody>
+            <a:bodyPr rtlCol="0" anchor="ctr"/>
+            <a:lstStyle/>
+            <a:p>
+              <a:pPr algn="ctr"/>
+              <a:r>
+                <a:rPr lang="fr-FR" sz="1500" b="1" dirty="0">
+                  <a:solidFill>
+                    <a:schemeClr val="bg1"/>
+                  </a:solidFill>
+                  <a:effectLst>
+                    <a:outerShdw blurRad="38100" dist="76200" dir="2700000" algn="tl">
+                      <a:srgbClr val="000000"/>
+                    </a:outerShdw>
+                  </a:effectLst>
+                  <a:latin typeface="Helvetica" panose="020B0604020202030204" pitchFamily="34" charset="0"/>
+                </a:rPr>
+                <a:t>Démonstration</a:t>
+              </a:r>
+              <a:endParaRPr lang="fr-FR" sz="1500" dirty="0">
+                <a:solidFill>
+                  <a:schemeClr val="tx1"/>
+                </a:solidFill>
+              </a:endParaRPr>
+            </a:p>
+          </p:txBody>
+        </p:sp>
+        <p:pic>
+          <p:nvPicPr>
+            <p:cNvPr id="6" name="Image 5">
+              <a:extLst>
+                <a:ext uri="{FF2B5EF4-FFF2-40B4-BE49-F238E27FC236}">
+                  <a16:creationId xmlns:a16="http://schemas.microsoft.com/office/drawing/2014/main" id="{2D0A881D-5AC2-4766-BD4C-5405D55C11A5}"/>
+                </a:ext>
+              </a:extLst>
+            </p:cNvPr>
+            <p:cNvPicPr>
+              <a:picLocks noChangeAspect="1"/>
+            </p:cNvPicPr>
+            <p:nvPr/>
+          </p:nvPicPr>
+          <p:blipFill>
+            <a:blip r:embed="rId3" cstate="print">
+              <a:extLst>
+                <a:ext uri="{28A0092B-C50C-407E-A947-70E740481C1C}">
+                  <a14:useLocalDpi xmlns:a14="http://schemas.microsoft.com/office/drawing/2010/main" val="0"/>
+                </a:ext>
+              </a:extLst>
+            </a:blip>
+            <a:stretch>
+              <a:fillRect/>
+            </a:stretch>
+          </p:blipFill>
+          <p:spPr>
+            <a:xfrm>
+              <a:off x="327166" y="0"/>
+              <a:ext cx="1566153" cy="1342417"/>
+            </a:xfrm>
+            <a:prstGeom prst="rect">
+              <a:avLst/>
+            </a:prstGeom>
+          </p:spPr>
+        </p:pic>
+      </p:grpSp>
+      <p:sp>
+        <p:nvSpPr>
+          <p:cNvPr id="10" name="ZoneTexte 9">
+            <a:extLst>
+              <a:ext uri="{FF2B5EF4-FFF2-40B4-BE49-F238E27FC236}">
+                <a16:creationId xmlns:a16="http://schemas.microsoft.com/office/drawing/2014/main" id="{CE36D8FB-1CD3-4D19-A954-A2CE97724692}"/>
+              </a:ext>
+            </a:extLst>
+          </p:cNvPr>
+          <p:cNvSpPr txBox="1"/>
+          <p:nvPr/>
+        </p:nvSpPr>
+        <p:spPr>
+          <a:xfrm>
+            <a:off x="359759" y="1225685"/>
+            <a:ext cx="11472482" cy="5369668"/>
+          </a:xfrm>
+          <a:prstGeom prst="rect">
+            <a:avLst/>
+          </a:prstGeom>
+          <a:solidFill>
+            <a:srgbClr val="FED449">
+              <a:alpha val="50000"/>
+            </a:srgbClr>
+          </a:solidFill>
+          <a:effectLst>
+            <a:softEdge rad="152400"/>
+          </a:effectLst>
+        </p:spPr>
+        <p:txBody>
+          <a:bodyPr wrap="square" rtlCol="0">
+            <a:spAutoFit/>
+          </a:bodyPr>
+          <a:lstStyle/>
+          <a:p>
+            <a:endParaRPr lang="fr-FR" dirty="0"/>
+          </a:p>
+        </p:txBody>
+      </p:sp>
+      <p:sp>
+        <p:nvSpPr>
+          <p:cNvPr id="12" name="ZoneTexte 11">
+            <a:extLst>
+              <a:ext uri="{FF2B5EF4-FFF2-40B4-BE49-F238E27FC236}">
+                <a16:creationId xmlns:a16="http://schemas.microsoft.com/office/drawing/2014/main" id="{B090A43C-7D0E-46E1-9FC8-BDAE21AEEC4B}"/>
+              </a:ext>
+            </a:extLst>
+          </p:cNvPr>
+          <p:cNvSpPr txBox="1"/>
+          <p:nvPr/>
+        </p:nvSpPr>
+        <p:spPr>
+          <a:xfrm>
+            <a:off x="1090367" y="1674695"/>
+            <a:ext cx="10011266" cy="523220"/>
+          </a:xfrm>
+          <a:prstGeom prst="rect">
+            <a:avLst/>
+          </a:prstGeom>
+          <a:noFill/>
+        </p:spPr>
+        <p:txBody>
+          <a:bodyPr wrap="square" rtlCol="0">
+            <a:spAutoFit/>
+          </a:bodyPr>
+          <a:lstStyle/>
+          <a:p>
+            <a:pPr algn="ctr"/>
+            <a:r>
+              <a:rPr lang="fr-FR" sz="2800" b="1" dirty="0">
+                <a:latin typeface="Helvetica" panose="020B0604020202030204" pitchFamily="34" charset="0"/>
+              </a:rPr>
+              <a:t>Algorithme de connexion au site</a:t>
+            </a:r>
+            <a:endParaRPr lang="fr-FR" sz="2400" b="1" dirty="0">
+              <a:latin typeface="Helvetica" panose="020B0604020202030204" pitchFamily="34" charset="0"/>
+            </a:endParaRPr>
+          </a:p>
+        </p:txBody>
+      </p:sp>
+      <p:pic>
+        <p:nvPicPr>
+          <p:cNvPr id="3" name="Image 2" descr="C:\Users\Tweety\Desktop\algo connexion.txt - Notepad++ [Administrator]"/>
+          <p:cNvPicPr>
+            <a:picLocks noChangeAspect="1"/>
+          </p:cNvPicPr>
+          <p:nvPr/>
+        </p:nvPicPr>
+        <p:blipFill rotWithShape="1">
+          <a:blip r:embed="rId4">
+            <a:extLst>
+              <a:ext uri="{BEBA8EAE-BF5A-486C-A8C5-ECC9F3942E4B}">
+                <a14:imgProps xmlns:a14="http://schemas.microsoft.com/office/drawing/2010/main">
+                  <a14:imgLayer r:embed="rId5">
+                    <a14:imgEffect>
+                      <a14:colorTemperature colorTemp="11200"/>
+                    </a14:imgEffect>
+                  </a14:imgLayer>
+                </a14:imgProps>
+              </a:ext>
+              <a:ext uri="{28A0092B-C50C-407E-A947-70E740481C1C}">
+                <a14:useLocalDpi xmlns:a14="http://schemas.microsoft.com/office/drawing/2010/main" val="0"/>
+              </a:ext>
+            </a:extLst>
+          </a:blip>
+          <a:srcRect l="676" t="9278" r="64316" b="38423"/>
+          <a:stretch/>
+        </p:blipFill>
+        <p:spPr>
+          <a:xfrm>
+            <a:off x="1000663" y="2197915"/>
+            <a:ext cx="4268133" cy="3894666"/>
+          </a:xfrm>
+          <a:prstGeom prst="rect">
+            <a:avLst/>
+          </a:prstGeom>
+          <a:noFill/>
+        </p:spPr>
+      </p:pic>
+      <p:pic>
+        <p:nvPicPr>
+          <p:cNvPr id="8" name="Image 7" descr="connexion.php - Visual Studio Code"/>
+          <p:cNvPicPr>
+            <a:picLocks noChangeAspect="1"/>
+          </p:cNvPicPr>
+          <p:nvPr/>
+        </p:nvPicPr>
+        <p:blipFill rotWithShape="1">
+          <a:blip r:embed="rId6">
+            <a:extLst>
+              <a:ext uri="{28A0092B-C50C-407E-A947-70E740481C1C}">
+                <a14:useLocalDpi xmlns:a14="http://schemas.microsoft.com/office/drawing/2010/main" val="0"/>
+              </a:ext>
+            </a:extLst>
+          </a:blip>
+          <a:srcRect l="2950" t="47232" r="63718" b="4345"/>
+          <a:stretch/>
+        </p:blipFill>
+        <p:spPr>
+          <a:xfrm>
+            <a:off x="6223754" y="2197915"/>
+            <a:ext cx="4868712" cy="3894666"/>
+          </a:xfrm>
+          <a:prstGeom prst="rect">
+            <a:avLst/>
+          </a:prstGeom>
+        </p:spPr>
+      </p:pic>
+      <p:sp>
+        <p:nvSpPr>
+          <p:cNvPr id="13" name="Rectangle à coins arrondis 12"/>
+          <p:cNvSpPr/>
+          <p:nvPr/>
+        </p:nvSpPr>
+        <p:spPr>
+          <a:xfrm>
+            <a:off x="1329267" y="4478866"/>
+            <a:ext cx="3860800" cy="635001"/>
+          </a:xfrm>
+          <a:prstGeom prst="roundRect">
+            <a:avLst/>
+          </a:prstGeom>
+          <a:noFill/>
+          <a:ln w="28575">
+            <a:solidFill>
+              <a:srgbClr val="88CE62"/>
+            </a:solidFill>
+          </a:ln>
+        </p:spPr>
+        <p:style>
+          <a:lnRef idx="2">
+            <a:schemeClr val="accent1">
+              <a:shade val="50000"/>
+            </a:schemeClr>
+          </a:lnRef>
+          <a:fillRef idx="1">
+            <a:schemeClr val="accent1"/>
+          </a:fillRef>
+          <a:effectRef idx="0">
+            <a:schemeClr val="accent1"/>
+          </a:effectRef>
+          <a:fontRef idx="minor">
+            <a:schemeClr val="lt1"/>
+          </a:fontRef>
+        </p:style>
+        <p:txBody>
+          <a:bodyPr rtlCol="0" anchor="ctr"/>
+          <a:lstStyle/>
+          <a:p>
+            <a:pPr algn="ctr"/>
+            <a:endParaRPr lang="fr-FR"/>
+          </a:p>
+        </p:txBody>
+      </p:sp>
+      <p:sp>
+        <p:nvSpPr>
+          <p:cNvPr id="14" name="Rectangle à coins arrondis 13"/>
+          <p:cNvSpPr/>
+          <p:nvPr/>
+        </p:nvSpPr>
+        <p:spPr>
+          <a:xfrm>
+            <a:off x="6493232" y="2948030"/>
+            <a:ext cx="4454167" cy="1530836"/>
+          </a:xfrm>
+          <a:prstGeom prst="roundRect">
+            <a:avLst/>
+          </a:prstGeom>
+          <a:noFill/>
+          <a:ln w="28575">
+            <a:solidFill>
+              <a:srgbClr val="88CE62"/>
+            </a:solidFill>
+          </a:ln>
+        </p:spPr>
+        <p:style>
+          <a:lnRef idx="2">
+            <a:schemeClr val="accent1">
+              <a:shade val="50000"/>
+            </a:schemeClr>
+          </a:lnRef>
+          <a:fillRef idx="1">
+            <a:schemeClr val="accent1"/>
+          </a:fillRef>
+          <a:effectRef idx="0">
+            <a:schemeClr val="accent1"/>
+          </a:effectRef>
+          <a:fontRef idx="minor">
+            <a:schemeClr val="lt1"/>
+          </a:fontRef>
+        </p:style>
+        <p:txBody>
+          <a:bodyPr rtlCol="0" anchor="ctr"/>
+          <a:lstStyle/>
+          <a:p>
+            <a:pPr algn="ctr"/>
+            <a:endParaRPr lang="fr-FR"/>
+          </a:p>
+        </p:txBody>
+      </p:sp>
+    </p:spTree>
+    <p:extLst>
+      <p:ext uri="{BB962C8B-B14F-4D97-AF65-F5344CB8AC3E}">
+        <p14:creationId xmlns:p14="http://schemas.microsoft.com/office/powerpoint/2010/main" val="1278653605"/>
+      </p:ext>
+    </p:extLst>
+  </p:cSld>
+  <p:clrMapOvr>
+    <a:masterClrMapping/>
+  </p:clrMapOvr>
+</p:sld>
+</file>
+
+<file path=ppt/slides/slide13.xml><?xml version="1.0" encoding="utf-8"?>
+<p:sld xmlns:a="http://schemas.openxmlformats.org/drawingml/2006/main" xmlns:r="http://schemas.openxmlformats.org/officeDocument/2006/relationships" xmlns:p="http://schemas.openxmlformats.org/presentationml/2006/main">
+  <p:cSld>
+    <p:bg>
+      <p:bgPr>
+        <a:blipFill dpi="0" rotWithShape="1">
+          <a:blip r:embed="rId2">
+            <a:lum/>
+          </a:blip>
+          <a:srcRect/>
+          <a:stretch>
+            <a:fillRect/>
+          </a:stretch>
+        </a:blipFill>
+        <a:effectLst/>
+      </p:bgPr>
+    </p:bg>
+    <p:spTree>
+      <p:nvGrpSpPr>
+        <p:cNvPr id="1" name=""/>
+        <p:cNvGrpSpPr/>
+        <p:nvPr/>
+      </p:nvGrpSpPr>
+      <p:grpSpPr>
+        <a:xfrm>
+          <a:off x="0" y="0"/>
+          <a:ext cx="0" cy="0"/>
+          <a:chOff x="0" y="0"/>
+          <a:chExt cx="0" cy="0"/>
+        </a:xfrm>
+      </p:grpSpPr>
+      <p:grpSp>
+        <p:nvGrpSpPr>
+          <p:cNvPr id="7" name="Groupe 6">
+            <a:extLst>
+              <a:ext uri="{FF2B5EF4-FFF2-40B4-BE49-F238E27FC236}">
+                <a16:creationId xmlns:a16="http://schemas.microsoft.com/office/drawing/2014/main" id="{67E81936-583F-45AD-82CC-A5C937F4C87C}"/>
+              </a:ext>
+            </a:extLst>
+          </p:cNvPr>
+          <p:cNvGrpSpPr/>
+          <p:nvPr/>
+        </p:nvGrpSpPr>
+        <p:grpSpPr>
+          <a:xfrm>
+            <a:off x="327166" y="0"/>
+            <a:ext cx="11251304" cy="1342417"/>
+            <a:chOff x="327166" y="0"/>
+            <a:chExt cx="11251304" cy="1342417"/>
+          </a:xfrm>
+        </p:grpSpPr>
+        <p:sp>
+          <p:nvSpPr>
+            <p:cNvPr id="4" name="Flèche : chevron 3">
+              <a:extLst>
+                <a:ext uri="{FF2B5EF4-FFF2-40B4-BE49-F238E27FC236}">
+                  <a16:creationId xmlns:a16="http://schemas.microsoft.com/office/drawing/2014/main" id="{60D600DE-6FA0-4280-A81A-6DBE7691E92C}"/>
+                </a:ext>
+              </a:extLst>
+            </p:cNvPr>
+            <p:cNvSpPr/>
+            <p:nvPr/>
+          </p:nvSpPr>
+          <p:spPr>
+            <a:xfrm>
+              <a:off x="1268691" y="332278"/>
+              <a:ext cx="2309567" cy="688157"/>
+            </a:xfrm>
+            <a:prstGeom prst="chevron">
+              <a:avLst/>
+            </a:prstGeom>
+            <a:solidFill>
+              <a:srgbClr val="FED449"/>
+            </a:solidFill>
+            <a:ln>
+              <a:solidFill>
+                <a:schemeClr val="bg1"/>
+              </a:solidFill>
+            </a:ln>
+          </p:spPr>
+          <p:style>
+            <a:lnRef idx="2">
+              <a:schemeClr val="accent1">
+                <a:shade val="50000"/>
+              </a:schemeClr>
+            </a:lnRef>
+            <a:fillRef idx="1">
+              <a:schemeClr val="accent1"/>
+            </a:fillRef>
+            <a:effectRef idx="0">
+              <a:schemeClr val="accent1"/>
+            </a:effectRef>
+            <a:fontRef idx="minor">
+              <a:schemeClr val="lt1"/>
+            </a:fontRef>
+          </p:style>
+          <p:txBody>
+            <a:bodyPr rtlCol="0" anchor="ctr"/>
+            <a:lstStyle/>
+            <a:p>
+              <a:pPr algn="ctr"/>
+              <a:r>
+                <a:rPr lang="fr-FR" sz="1500" b="1" dirty="0">
+                  <a:solidFill>
+                    <a:schemeClr val="bg1"/>
+                  </a:solidFill>
+                  <a:effectLst>
+                    <a:outerShdw blurRad="38100" dist="76200" dir="2700000" algn="tl">
+                      <a:srgbClr val="000000"/>
+                    </a:outerShdw>
+                  </a:effectLst>
+                  <a:latin typeface="Helvetica" panose="020B0604020202030204" pitchFamily="34" charset="0"/>
+                </a:rPr>
+                <a:t>Etude du projet</a:t>
+              </a:r>
+            </a:p>
+          </p:txBody>
+        </p:sp>
+        <p:sp>
+          <p:nvSpPr>
+            <p:cNvPr id="16" name="Flèche : chevron 15">
+              <a:extLst>
+                <a:ext uri="{FF2B5EF4-FFF2-40B4-BE49-F238E27FC236}">
+                  <a16:creationId xmlns:a16="http://schemas.microsoft.com/office/drawing/2014/main" id="{F7655D32-22EC-4542-883E-4033865C1471}"/>
+                </a:ext>
+              </a:extLst>
+            </p:cNvPr>
+            <p:cNvSpPr/>
+            <p:nvPr/>
+          </p:nvSpPr>
+          <p:spPr>
+            <a:xfrm>
+              <a:off x="9268903" y="332277"/>
+              <a:ext cx="2309567" cy="688157"/>
+            </a:xfrm>
+            <a:prstGeom prst="chevron">
+              <a:avLst/>
+            </a:prstGeom>
+            <a:solidFill>
+              <a:srgbClr val="FED449"/>
+            </a:solidFill>
+            <a:ln>
+              <a:solidFill>
+                <a:schemeClr val="bg1"/>
+              </a:solidFill>
+            </a:ln>
+          </p:spPr>
+          <p:style>
+            <a:lnRef idx="2">
+              <a:schemeClr val="accent1">
+                <a:shade val="50000"/>
+              </a:schemeClr>
+            </a:lnRef>
+            <a:fillRef idx="1">
+              <a:schemeClr val="accent1"/>
+            </a:fillRef>
+            <a:effectRef idx="0">
+              <a:schemeClr val="accent1"/>
+            </a:effectRef>
+            <a:fontRef idx="minor">
+              <a:schemeClr val="lt1"/>
+            </a:fontRef>
+          </p:style>
+          <p:txBody>
+            <a:bodyPr rtlCol="0" anchor="ctr"/>
+            <a:lstStyle/>
+            <a:p>
+              <a:pPr algn="ctr"/>
+              <a:r>
+                <a:rPr lang="fr-FR" sz="1600" b="1" dirty="0">
+                  <a:solidFill>
+                    <a:schemeClr val="bg1"/>
+                  </a:solidFill>
+                  <a:effectLst>
+                    <a:outerShdw blurRad="38100" dist="76200" dir="2700000" algn="tl">
+                      <a:srgbClr val="000000"/>
+                    </a:outerShdw>
+                  </a:effectLst>
+                  <a:latin typeface="Helvetica" panose="020B0604020202030204" pitchFamily="34" charset="0"/>
+                </a:rPr>
+                <a:t>Conclusion</a:t>
+              </a:r>
+            </a:p>
+          </p:txBody>
+        </p:sp>
+        <p:sp>
+          <p:nvSpPr>
+            <p:cNvPr id="17" name="Flèche : chevron 16">
+              <a:extLst>
+                <a:ext uri="{FF2B5EF4-FFF2-40B4-BE49-F238E27FC236}">
+                  <a16:creationId xmlns:a16="http://schemas.microsoft.com/office/drawing/2014/main" id="{30C36617-CB5C-40F8-B05D-7053886FD5EF}"/>
+                </a:ext>
+              </a:extLst>
+            </p:cNvPr>
+            <p:cNvSpPr/>
+            <p:nvPr/>
+          </p:nvSpPr>
+          <p:spPr>
+            <a:xfrm>
+              <a:off x="3268744" y="332277"/>
+              <a:ext cx="2309567" cy="688157"/>
+            </a:xfrm>
+            <a:prstGeom prst="chevron">
+              <a:avLst/>
+            </a:prstGeom>
+            <a:solidFill>
+              <a:srgbClr val="FED449"/>
+            </a:solidFill>
+            <a:ln>
+              <a:solidFill>
+                <a:schemeClr val="bg1"/>
+              </a:solidFill>
+            </a:ln>
+          </p:spPr>
+          <p:style>
+            <a:lnRef idx="2">
+              <a:schemeClr val="accent1">
+                <a:shade val="50000"/>
+              </a:schemeClr>
+            </a:lnRef>
+            <a:fillRef idx="1">
+              <a:schemeClr val="accent1"/>
+            </a:fillRef>
+            <a:effectRef idx="0">
+              <a:schemeClr val="accent1"/>
+            </a:effectRef>
+            <a:fontRef idx="minor">
+              <a:schemeClr val="lt1"/>
+            </a:fontRef>
+          </p:style>
+          <p:txBody>
+            <a:bodyPr rtlCol="0" anchor="ctr"/>
+            <a:lstStyle/>
+            <a:p>
+              <a:pPr algn="ctr"/>
+              <a:r>
+                <a:rPr lang="fr-FR" sz="1500" b="1" dirty="0">
+                  <a:solidFill>
+                    <a:schemeClr val="bg1"/>
+                  </a:solidFill>
+                  <a:effectLst>
+                    <a:outerShdw blurRad="38100" dist="76200" dir="2700000" algn="tl">
+                      <a:srgbClr val="000000"/>
+                    </a:outerShdw>
+                  </a:effectLst>
+                  <a:latin typeface="Helvetica" panose="020B0604020202030204" pitchFamily="34" charset="0"/>
+                </a:rPr>
+                <a:t>Organisation</a:t>
+              </a:r>
+            </a:p>
+          </p:txBody>
+        </p:sp>
+        <p:sp>
+          <p:nvSpPr>
+            <p:cNvPr id="18" name="Flèche : chevron 17">
+              <a:extLst>
+                <a:ext uri="{FF2B5EF4-FFF2-40B4-BE49-F238E27FC236}">
+                  <a16:creationId xmlns:a16="http://schemas.microsoft.com/office/drawing/2014/main" id="{A33478E5-51C7-4324-9E5C-0845E032CF0C}"/>
+                </a:ext>
+              </a:extLst>
+            </p:cNvPr>
+            <p:cNvSpPr/>
+            <p:nvPr/>
+          </p:nvSpPr>
+          <p:spPr>
+            <a:xfrm>
+              <a:off x="5268797" y="332704"/>
+              <a:ext cx="2309567" cy="688157"/>
+            </a:xfrm>
+            <a:prstGeom prst="chevron">
+              <a:avLst/>
+            </a:prstGeom>
+            <a:solidFill>
+              <a:srgbClr val="88CE62"/>
+            </a:solidFill>
+            <a:ln>
+              <a:solidFill>
+                <a:schemeClr val="bg1"/>
+              </a:solidFill>
+            </a:ln>
+          </p:spPr>
+          <p:style>
+            <a:lnRef idx="2">
+              <a:schemeClr val="accent1">
+                <a:shade val="50000"/>
+              </a:schemeClr>
+            </a:lnRef>
+            <a:fillRef idx="1">
+              <a:schemeClr val="accent1"/>
+            </a:fillRef>
+            <a:effectRef idx="0">
+              <a:schemeClr val="accent1"/>
+            </a:effectRef>
+            <a:fontRef idx="minor">
+              <a:schemeClr val="lt1"/>
+            </a:fontRef>
+          </p:style>
+          <p:txBody>
+            <a:bodyPr rtlCol="0" anchor="ctr"/>
+            <a:lstStyle/>
+            <a:p>
+              <a:pPr algn="ctr"/>
+              <a:r>
+                <a:rPr lang="fr-FR" sz="1500" b="1" dirty="0">
+                  <a:solidFill>
+                    <a:schemeClr val="bg1"/>
+                  </a:solidFill>
+                  <a:effectLst>
+                    <a:outerShdw blurRad="38100" dist="76200" dir="2700000" algn="tl">
+                      <a:srgbClr val="000000"/>
+                    </a:outerShdw>
+                  </a:effectLst>
+                  <a:latin typeface="Helvetica" panose="020B0604020202030204" pitchFamily="34" charset="0"/>
+                </a:rPr>
+                <a:t>Développement</a:t>
+              </a:r>
+            </a:p>
+          </p:txBody>
+        </p:sp>
+        <p:sp>
+          <p:nvSpPr>
+            <p:cNvPr id="19" name="Flèche : chevron 18">
+              <a:extLst>
+                <a:ext uri="{FF2B5EF4-FFF2-40B4-BE49-F238E27FC236}">
+                  <a16:creationId xmlns:a16="http://schemas.microsoft.com/office/drawing/2014/main" id="{8795E004-010B-4219-8B10-37FA6D3A7781}"/>
+                </a:ext>
+              </a:extLst>
+            </p:cNvPr>
+            <p:cNvSpPr/>
+            <p:nvPr/>
+          </p:nvSpPr>
+          <p:spPr>
+            <a:xfrm>
+              <a:off x="7268850" y="332703"/>
+              <a:ext cx="2309567" cy="688157"/>
+            </a:xfrm>
+            <a:prstGeom prst="chevron">
+              <a:avLst/>
+            </a:prstGeom>
+            <a:solidFill>
+              <a:srgbClr val="FED449"/>
+            </a:solidFill>
+            <a:ln>
+              <a:solidFill>
+                <a:schemeClr val="bg1"/>
+              </a:solidFill>
+            </a:ln>
+          </p:spPr>
+          <p:style>
+            <a:lnRef idx="2">
+              <a:schemeClr val="accent1">
+                <a:shade val="50000"/>
+              </a:schemeClr>
+            </a:lnRef>
+            <a:fillRef idx="1">
+              <a:schemeClr val="accent1"/>
+            </a:fillRef>
+            <a:effectRef idx="0">
+              <a:schemeClr val="accent1"/>
+            </a:effectRef>
+            <a:fontRef idx="minor">
+              <a:schemeClr val="lt1"/>
+            </a:fontRef>
+          </p:style>
+          <p:txBody>
+            <a:bodyPr rtlCol="0" anchor="ctr"/>
+            <a:lstStyle/>
+            <a:p>
+              <a:pPr algn="ctr"/>
+              <a:r>
+                <a:rPr lang="fr-FR" sz="1500" b="1" dirty="0">
+                  <a:solidFill>
+                    <a:schemeClr val="bg1"/>
+                  </a:solidFill>
+                  <a:effectLst>
+                    <a:outerShdw blurRad="38100" dist="76200" dir="2700000" algn="tl">
+                      <a:srgbClr val="000000"/>
+                    </a:outerShdw>
+                  </a:effectLst>
+                  <a:latin typeface="Helvetica" panose="020B0604020202030204" pitchFamily="34" charset="0"/>
+                </a:rPr>
+                <a:t>Démonstration</a:t>
+              </a:r>
+              <a:endParaRPr lang="fr-FR" sz="1500" dirty="0">
+                <a:solidFill>
+                  <a:schemeClr val="tx1"/>
+                </a:solidFill>
+              </a:endParaRPr>
+            </a:p>
+          </p:txBody>
+        </p:sp>
+        <p:pic>
+          <p:nvPicPr>
+            <p:cNvPr id="6" name="Image 5">
+              <a:extLst>
+                <a:ext uri="{FF2B5EF4-FFF2-40B4-BE49-F238E27FC236}">
+                  <a16:creationId xmlns:a16="http://schemas.microsoft.com/office/drawing/2014/main" id="{2D0A881D-5AC2-4766-BD4C-5405D55C11A5}"/>
+                </a:ext>
+              </a:extLst>
+            </p:cNvPr>
+            <p:cNvPicPr>
+              <a:picLocks noChangeAspect="1"/>
+            </p:cNvPicPr>
+            <p:nvPr/>
+          </p:nvPicPr>
+          <p:blipFill>
+            <a:blip r:embed="rId3" cstate="print">
+              <a:extLst>
+                <a:ext uri="{28A0092B-C50C-407E-A947-70E740481C1C}">
+                  <a14:useLocalDpi xmlns:a14="http://schemas.microsoft.com/office/drawing/2010/main" val="0"/>
+                </a:ext>
+              </a:extLst>
+            </a:blip>
+            <a:stretch>
+              <a:fillRect/>
+            </a:stretch>
+          </p:blipFill>
+          <p:spPr>
+            <a:xfrm>
+              <a:off x="327166" y="0"/>
+              <a:ext cx="1566153" cy="1342417"/>
+            </a:xfrm>
+            <a:prstGeom prst="rect">
+              <a:avLst/>
+            </a:prstGeom>
+          </p:spPr>
+        </p:pic>
+      </p:grpSp>
+      <p:sp>
+        <p:nvSpPr>
+          <p:cNvPr id="10" name="ZoneTexte 9">
+            <a:extLst>
+              <a:ext uri="{FF2B5EF4-FFF2-40B4-BE49-F238E27FC236}">
+                <a16:creationId xmlns:a16="http://schemas.microsoft.com/office/drawing/2014/main" id="{CE36D8FB-1CD3-4D19-A954-A2CE97724692}"/>
+              </a:ext>
+            </a:extLst>
+          </p:cNvPr>
+          <p:cNvSpPr txBox="1"/>
+          <p:nvPr/>
+        </p:nvSpPr>
+        <p:spPr>
+          <a:xfrm>
+            <a:off x="359759" y="1225685"/>
+            <a:ext cx="11472482" cy="5369668"/>
+          </a:xfrm>
+          <a:prstGeom prst="rect">
+            <a:avLst/>
+          </a:prstGeom>
+          <a:solidFill>
+            <a:srgbClr val="FED449">
+              <a:alpha val="50000"/>
+            </a:srgbClr>
+          </a:solidFill>
+          <a:effectLst>
+            <a:softEdge rad="152400"/>
+          </a:effectLst>
+        </p:spPr>
+        <p:txBody>
+          <a:bodyPr wrap="square" rtlCol="0">
+            <a:spAutoFit/>
+          </a:bodyPr>
+          <a:lstStyle/>
+          <a:p>
+            <a:endParaRPr lang="fr-FR" dirty="0"/>
+          </a:p>
+        </p:txBody>
+      </p:sp>
+      <p:sp>
+        <p:nvSpPr>
+          <p:cNvPr id="12" name="ZoneTexte 11">
+            <a:extLst>
+              <a:ext uri="{FF2B5EF4-FFF2-40B4-BE49-F238E27FC236}">
+                <a16:creationId xmlns:a16="http://schemas.microsoft.com/office/drawing/2014/main" id="{B090A43C-7D0E-46E1-9FC8-BDAE21AEEC4B}"/>
+              </a:ext>
+            </a:extLst>
+          </p:cNvPr>
+          <p:cNvSpPr txBox="1"/>
+          <p:nvPr/>
+        </p:nvSpPr>
+        <p:spPr>
+          <a:xfrm>
+            <a:off x="1090367" y="1674695"/>
+            <a:ext cx="10011266" cy="523220"/>
+          </a:xfrm>
+          <a:prstGeom prst="rect">
+            <a:avLst/>
+          </a:prstGeom>
+          <a:noFill/>
+        </p:spPr>
+        <p:txBody>
+          <a:bodyPr wrap="square" rtlCol="0">
+            <a:spAutoFit/>
+          </a:bodyPr>
+          <a:lstStyle/>
+          <a:p>
+            <a:pPr algn="ctr"/>
+            <a:r>
+              <a:rPr lang="fr-FR" sz="2800" b="1" dirty="0">
+                <a:latin typeface="Helvetica" panose="020B0604020202030204" pitchFamily="34" charset="0"/>
+              </a:rPr>
+              <a:t>Algorithme de connexion au site</a:t>
+            </a:r>
+            <a:endParaRPr lang="fr-FR" sz="2400" b="1" dirty="0">
+              <a:latin typeface="Helvetica" panose="020B0604020202030204" pitchFamily="34" charset="0"/>
+            </a:endParaRPr>
+          </a:p>
+        </p:txBody>
+      </p:sp>
+      <p:pic>
+        <p:nvPicPr>
+          <p:cNvPr id="3" name="Image 2" descr="C:\Users\Tweety\Desktop\algo connexion.txt - Notepad++ [Administrator]"/>
+          <p:cNvPicPr>
+            <a:picLocks noChangeAspect="1"/>
+          </p:cNvPicPr>
+          <p:nvPr/>
+        </p:nvPicPr>
+        <p:blipFill rotWithShape="1">
+          <a:blip r:embed="rId4">
+            <a:extLst>
+              <a:ext uri="{BEBA8EAE-BF5A-486C-A8C5-ECC9F3942E4B}">
+                <a14:imgProps xmlns:a14="http://schemas.microsoft.com/office/drawing/2010/main">
+                  <a14:imgLayer r:embed="rId5">
+                    <a14:imgEffect>
+                      <a14:colorTemperature colorTemp="11200"/>
+                    </a14:imgEffect>
+                  </a14:imgLayer>
+                </a14:imgProps>
+              </a:ext>
+              <a:ext uri="{28A0092B-C50C-407E-A947-70E740481C1C}">
+                <a14:useLocalDpi xmlns:a14="http://schemas.microsoft.com/office/drawing/2010/main" val="0"/>
+              </a:ext>
+            </a:extLst>
+          </a:blip>
+          <a:srcRect l="676" t="9278" r="64316" b="38423"/>
+          <a:stretch/>
+        </p:blipFill>
+        <p:spPr>
+          <a:xfrm>
+            <a:off x="1000663" y="2197915"/>
+            <a:ext cx="4268133" cy="3894666"/>
+          </a:xfrm>
+          <a:prstGeom prst="rect">
+            <a:avLst/>
+          </a:prstGeom>
+          <a:noFill/>
+        </p:spPr>
+      </p:pic>
+      <p:pic>
+        <p:nvPicPr>
+          <p:cNvPr id="8" name="Image 7" descr="connexion.php - Visual Studio Code"/>
+          <p:cNvPicPr>
+            <a:picLocks noChangeAspect="1"/>
+          </p:cNvPicPr>
+          <p:nvPr/>
+        </p:nvPicPr>
+        <p:blipFill rotWithShape="1">
+          <a:blip r:embed="rId6">
+            <a:extLst>
+              <a:ext uri="{28A0092B-C50C-407E-A947-70E740481C1C}">
+                <a14:useLocalDpi xmlns:a14="http://schemas.microsoft.com/office/drawing/2010/main" val="0"/>
+              </a:ext>
+            </a:extLst>
+          </a:blip>
+          <a:srcRect l="2950" t="47232" r="63718" b="4345"/>
+          <a:stretch/>
+        </p:blipFill>
+        <p:spPr>
+          <a:xfrm>
+            <a:off x="6223754" y="2197915"/>
+            <a:ext cx="4868712" cy="3894666"/>
+          </a:xfrm>
+          <a:prstGeom prst="rect">
+            <a:avLst/>
+          </a:prstGeom>
+        </p:spPr>
+      </p:pic>
+      <p:sp>
+        <p:nvSpPr>
+          <p:cNvPr id="13" name="Rectangle à coins arrondis 12"/>
+          <p:cNvSpPr/>
+          <p:nvPr/>
+        </p:nvSpPr>
+        <p:spPr>
+          <a:xfrm>
+            <a:off x="1329267" y="5113867"/>
+            <a:ext cx="3860800" cy="978714"/>
+          </a:xfrm>
+          <a:prstGeom prst="roundRect">
+            <a:avLst/>
+          </a:prstGeom>
+          <a:noFill/>
+          <a:ln w="28575">
+            <a:solidFill>
+              <a:srgbClr val="88CE62"/>
+            </a:solidFill>
+          </a:ln>
+        </p:spPr>
+        <p:style>
+          <a:lnRef idx="2">
+            <a:schemeClr val="accent1">
+              <a:shade val="50000"/>
+            </a:schemeClr>
+          </a:lnRef>
+          <a:fillRef idx="1">
+            <a:schemeClr val="accent1"/>
+          </a:fillRef>
+          <a:effectRef idx="0">
+            <a:schemeClr val="accent1"/>
+          </a:effectRef>
+          <a:fontRef idx="minor">
+            <a:schemeClr val="lt1"/>
+          </a:fontRef>
+        </p:style>
+        <p:txBody>
+          <a:bodyPr rtlCol="0" anchor="ctr"/>
+          <a:lstStyle/>
+          <a:p>
+            <a:pPr algn="ctr"/>
+            <a:endParaRPr lang="fr-FR"/>
+          </a:p>
+        </p:txBody>
+      </p:sp>
+      <p:sp>
+        <p:nvSpPr>
+          <p:cNvPr id="14" name="Rectangle à coins arrondis 13"/>
+          <p:cNvSpPr/>
+          <p:nvPr/>
+        </p:nvSpPr>
+        <p:spPr>
+          <a:xfrm>
+            <a:off x="6431026" y="4478865"/>
+            <a:ext cx="4454167" cy="1613715"/>
+          </a:xfrm>
+          <a:prstGeom prst="roundRect">
+            <a:avLst/>
+          </a:prstGeom>
+          <a:noFill/>
+          <a:ln w="28575">
+            <a:solidFill>
+              <a:srgbClr val="88CE62"/>
+            </a:solidFill>
+          </a:ln>
+        </p:spPr>
+        <p:style>
+          <a:lnRef idx="2">
+            <a:schemeClr val="accent1">
+              <a:shade val="50000"/>
+            </a:schemeClr>
+          </a:lnRef>
+          <a:fillRef idx="1">
+            <a:schemeClr val="accent1"/>
+          </a:fillRef>
+          <a:effectRef idx="0">
+            <a:schemeClr val="accent1"/>
+          </a:effectRef>
+          <a:fontRef idx="minor">
+            <a:schemeClr val="lt1"/>
+          </a:fontRef>
+        </p:style>
+        <p:txBody>
+          <a:bodyPr rtlCol="0" anchor="ctr"/>
+          <a:lstStyle/>
+          <a:p>
+            <a:pPr algn="ctr"/>
+            <a:endParaRPr lang="fr-FR"/>
+          </a:p>
+        </p:txBody>
+      </p:sp>
+    </p:spTree>
+    <p:extLst>
+      <p:ext uri="{BB962C8B-B14F-4D97-AF65-F5344CB8AC3E}">
+        <p14:creationId xmlns:p14="http://schemas.microsoft.com/office/powerpoint/2010/main" val="3264887889"/>
+      </p:ext>
+    </p:extLst>
+  </p:cSld>
+  <p:clrMapOvr>
+    <a:masterClrMapping/>
+  </p:clrMapOvr>
+</p:sld>
+</file>
+
+<file path=ppt/slides/slide14.xml><?xml version="1.0" encoding="utf-8"?>
+<p:sld xmlns:a="http://schemas.openxmlformats.org/drawingml/2006/main" xmlns:r="http://schemas.openxmlformats.org/officeDocument/2006/relationships" xmlns:p="http://schemas.openxmlformats.org/presentationml/2006/main">
+  <p:cSld>
+    <p:spTree>
+      <p:nvGrpSpPr>
+        <p:cNvPr id="1" name=""/>
+        <p:cNvGrpSpPr/>
+        <p:nvPr/>
+      </p:nvGrpSpPr>
+      <p:grpSpPr>
+        <a:xfrm>
+          <a:off x="0" y="0"/>
+          <a:ext cx="0" cy="0"/>
+          <a:chOff x="0" y="0"/>
+          <a:chExt cx="0" cy="0"/>
+        </a:xfrm>
+      </p:grpSpPr>
+      <p:sp>
+        <p:nvSpPr>
+          <p:cNvPr id="10" name="ZoneTexte 9">
+            <a:extLst>
+              <a:ext uri="{FF2B5EF4-FFF2-40B4-BE49-F238E27FC236}">
+                <a16:creationId xmlns:a16="http://schemas.microsoft.com/office/drawing/2014/main" id="{CE36D8FB-1CD3-4D19-A954-A2CE97724692}"/>
+              </a:ext>
+            </a:extLst>
+          </p:cNvPr>
+          <p:cNvSpPr txBox="1"/>
+          <p:nvPr/>
+        </p:nvSpPr>
+        <p:spPr>
+          <a:xfrm>
+            <a:off x="359759" y="1225685"/>
+            <a:ext cx="11472482" cy="5369668"/>
+          </a:xfrm>
+          <a:prstGeom prst="rect">
+            <a:avLst/>
+          </a:prstGeom>
+          <a:solidFill>
+            <a:srgbClr val="FED449">
+              <a:alpha val="50000"/>
+            </a:srgbClr>
+          </a:solidFill>
+          <a:effectLst>
+            <a:softEdge rad="152400"/>
+          </a:effectLst>
+        </p:spPr>
+        <p:txBody>
+          <a:bodyPr wrap="square" rtlCol="0">
+            <a:spAutoFit/>
+          </a:bodyPr>
+          <a:lstStyle/>
+          <a:p>
+            <a:endParaRPr lang="fr-FR"/>
+          </a:p>
+        </p:txBody>
+      </p:sp>
+      <p:grpSp>
+        <p:nvGrpSpPr>
+          <p:cNvPr id="7" name="Groupe 6">
+            <a:extLst>
+              <a:ext uri="{FF2B5EF4-FFF2-40B4-BE49-F238E27FC236}">
+                <a16:creationId xmlns:a16="http://schemas.microsoft.com/office/drawing/2014/main" id="{67E81936-583F-45AD-82CC-A5C937F4C87C}"/>
+              </a:ext>
+            </a:extLst>
+          </p:cNvPr>
+          <p:cNvGrpSpPr/>
+          <p:nvPr/>
+        </p:nvGrpSpPr>
+        <p:grpSpPr>
+          <a:xfrm>
+            <a:off x="327166" y="0"/>
+            <a:ext cx="11251304" cy="1342417"/>
+            <a:chOff x="327166" y="0"/>
+            <a:chExt cx="11251304" cy="1342417"/>
+          </a:xfrm>
+        </p:grpSpPr>
+        <p:sp>
+          <p:nvSpPr>
+            <p:cNvPr id="4" name="Flèche : chevron 3">
+              <a:extLst>
+                <a:ext uri="{FF2B5EF4-FFF2-40B4-BE49-F238E27FC236}">
+                  <a16:creationId xmlns:a16="http://schemas.microsoft.com/office/drawing/2014/main" id="{60D600DE-6FA0-4280-A81A-6DBE7691E92C}"/>
+                </a:ext>
+              </a:extLst>
+            </p:cNvPr>
+            <p:cNvSpPr/>
+            <p:nvPr/>
+          </p:nvSpPr>
+          <p:spPr>
+            <a:xfrm>
+              <a:off x="1268691" y="332278"/>
+              <a:ext cx="2309567" cy="688157"/>
+            </a:xfrm>
+            <a:prstGeom prst="chevron">
+              <a:avLst/>
+            </a:prstGeom>
+            <a:solidFill>
+              <a:srgbClr val="FED449"/>
+            </a:solidFill>
+            <a:ln>
+              <a:solidFill>
+                <a:schemeClr val="bg1"/>
+              </a:solidFill>
+            </a:ln>
+          </p:spPr>
+          <p:style>
+            <a:lnRef idx="2">
+              <a:schemeClr val="accent1">
+                <a:shade val="50000"/>
+              </a:schemeClr>
+            </a:lnRef>
+            <a:fillRef idx="1">
+              <a:schemeClr val="accent1"/>
+            </a:fillRef>
+            <a:effectRef idx="0">
+              <a:schemeClr val="accent1"/>
+            </a:effectRef>
+            <a:fontRef idx="minor">
+              <a:schemeClr val="lt1"/>
+            </a:fontRef>
+          </p:style>
+          <p:txBody>
+            <a:bodyPr rtlCol="0" anchor="ctr"/>
+            <a:lstStyle/>
+            <a:p>
+              <a:pPr algn="ctr"/>
+              <a:r>
+                <a:rPr lang="fr-FR" sz="1500" b="1">
+                  <a:solidFill>
+                    <a:schemeClr val="bg1"/>
+                  </a:solidFill>
+                  <a:effectLst>
+                    <a:outerShdw blurRad="38100" dist="76200" dir="2700000" algn="tl">
+                      <a:srgbClr val="000000"/>
+                    </a:outerShdw>
+                  </a:effectLst>
+                  <a:latin typeface="Helvetica" panose="020B0604020202030204" pitchFamily="34" charset="0"/>
+                </a:rPr>
+                <a:t>Etude du projet</a:t>
+              </a:r>
+            </a:p>
+          </p:txBody>
+        </p:sp>
+        <p:sp>
+          <p:nvSpPr>
+            <p:cNvPr id="16" name="Flèche : chevron 15">
+              <a:extLst>
+                <a:ext uri="{FF2B5EF4-FFF2-40B4-BE49-F238E27FC236}">
+                  <a16:creationId xmlns:a16="http://schemas.microsoft.com/office/drawing/2014/main" id="{F7655D32-22EC-4542-883E-4033865C1471}"/>
+                </a:ext>
+              </a:extLst>
+            </p:cNvPr>
+            <p:cNvSpPr/>
+            <p:nvPr/>
+          </p:nvSpPr>
+          <p:spPr>
+            <a:xfrm>
+              <a:off x="9268903" y="332277"/>
+              <a:ext cx="2309567" cy="688157"/>
+            </a:xfrm>
+            <a:prstGeom prst="chevron">
+              <a:avLst/>
+            </a:prstGeom>
+            <a:solidFill>
+              <a:srgbClr val="FED449"/>
+            </a:solidFill>
+            <a:ln>
+              <a:solidFill>
+                <a:schemeClr val="bg1"/>
+              </a:solidFill>
+            </a:ln>
+          </p:spPr>
+          <p:style>
+            <a:lnRef idx="2">
+              <a:schemeClr val="accent1">
+                <a:shade val="50000"/>
+              </a:schemeClr>
+            </a:lnRef>
+            <a:fillRef idx="1">
+              <a:schemeClr val="accent1"/>
+            </a:fillRef>
+            <a:effectRef idx="0">
+              <a:schemeClr val="accent1"/>
+            </a:effectRef>
+            <a:fontRef idx="minor">
+              <a:schemeClr val="lt1"/>
+            </a:fontRef>
+          </p:style>
+          <p:txBody>
+            <a:bodyPr rtlCol="0" anchor="ctr"/>
+            <a:lstStyle/>
+            <a:p>
+              <a:pPr algn="ctr"/>
+              <a:r>
+                <a:rPr lang="fr-FR" sz="1600" b="1">
+                  <a:solidFill>
+                    <a:schemeClr val="bg1"/>
+                  </a:solidFill>
+                  <a:effectLst>
+                    <a:outerShdw blurRad="38100" dist="76200" dir="2700000" algn="tl">
+                      <a:srgbClr val="000000"/>
+                    </a:outerShdw>
+                  </a:effectLst>
+                  <a:latin typeface="Helvetica" panose="020B0604020202030204" pitchFamily="34" charset="0"/>
+                </a:rPr>
+                <a:t>Conclusion</a:t>
+              </a:r>
+            </a:p>
+          </p:txBody>
+        </p:sp>
+        <p:sp>
+          <p:nvSpPr>
+            <p:cNvPr id="17" name="Flèche : chevron 16">
+              <a:extLst>
+                <a:ext uri="{FF2B5EF4-FFF2-40B4-BE49-F238E27FC236}">
+                  <a16:creationId xmlns:a16="http://schemas.microsoft.com/office/drawing/2014/main" id="{30C36617-CB5C-40F8-B05D-7053886FD5EF}"/>
+                </a:ext>
+              </a:extLst>
+            </p:cNvPr>
+            <p:cNvSpPr/>
+            <p:nvPr/>
+          </p:nvSpPr>
+          <p:spPr>
+            <a:xfrm>
+              <a:off x="3268744" y="332277"/>
+              <a:ext cx="2309567" cy="688157"/>
+            </a:xfrm>
+            <a:prstGeom prst="chevron">
+              <a:avLst/>
+            </a:prstGeom>
+            <a:solidFill>
+              <a:srgbClr val="FED449"/>
+            </a:solidFill>
+            <a:ln>
+              <a:solidFill>
+                <a:schemeClr val="bg1"/>
+              </a:solidFill>
+            </a:ln>
+          </p:spPr>
+          <p:style>
+            <a:lnRef idx="2">
+              <a:schemeClr val="accent1">
+                <a:shade val="50000"/>
+              </a:schemeClr>
+            </a:lnRef>
+            <a:fillRef idx="1">
+              <a:schemeClr val="accent1"/>
+            </a:fillRef>
+            <a:effectRef idx="0">
+              <a:schemeClr val="accent1"/>
+            </a:effectRef>
+            <a:fontRef idx="minor">
+              <a:schemeClr val="lt1"/>
+            </a:fontRef>
+          </p:style>
+          <p:txBody>
+            <a:bodyPr rtlCol="0" anchor="ctr"/>
+            <a:lstStyle/>
+            <a:p>
+              <a:pPr algn="ctr"/>
+              <a:r>
+                <a:rPr lang="fr-FR" sz="1500" b="1">
+                  <a:solidFill>
+                    <a:schemeClr val="bg1"/>
+                  </a:solidFill>
+                  <a:effectLst>
+                    <a:outerShdw blurRad="38100" dist="76200" dir="2700000" algn="tl">
+                      <a:srgbClr val="000000"/>
+                    </a:outerShdw>
+                  </a:effectLst>
+                  <a:latin typeface="Helvetica" panose="020B0604020202030204" pitchFamily="34" charset="0"/>
+                </a:rPr>
+                <a:t>Organisation</a:t>
+              </a:r>
+            </a:p>
+          </p:txBody>
+        </p:sp>
+        <p:sp>
+          <p:nvSpPr>
+            <p:cNvPr id="18" name="Flèche : chevron 17">
+              <a:extLst>
+                <a:ext uri="{FF2B5EF4-FFF2-40B4-BE49-F238E27FC236}">
+                  <a16:creationId xmlns:a16="http://schemas.microsoft.com/office/drawing/2014/main" id="{A33478E5-51C7-4324-9E5C-0845E032CF0C}"/>
+                </a:ext>
+              </a:extLst>
+            </p:cNvPr>
+            <p:cNvSpPr/>
+            <p:nvPr/>
+          </p:nvSpPr>
+          <p:spPr>
+            <a:xfrm>
+              <a:off x="5268797" y="332704"/>
+              <a:ext cx="2309567" cy="688157"/>
+            </a:xfrm>
+            <a:prstGeom prst="chevron">
+              <a:avLst/>
+            </a:prstGeom>
+            <a:solidFill>
+              <a:srgbClr val="88CE62"/>
+            </a:solidFill>
+            <a:ln>
+              <a:solidFill>
+                <a:schemeClr val="bg1"/>
+              </a:solidFill>
+            </a:ln>
+          </p:spPr>
+          <p:style>
+            <a:lnRef idx="2">
+              <a:schemeClr val="accent1">
+                <a:shade val="50000"/>
+              </a:schemeClr>
+            </a:lnRef>
+            <a:fillRef idx="1">
+              <a:schemeClr val="accent1"/>
+            </a:fillRef>
+            <a:effectRef idx="0">
+              <a:schemeClr val="accent1"/>
+            </a:effectRef>
+            <a:fontRef idx="minor">
+              <a:schemeClr val="lt1"/>
+            </a:fontRef>
+          </p:style>
+          <p:txBody>
+            <a:bodyPr rtlCol="0" anchor="ctr"/>
+            <a:lstStyle/>
+            <a:p>
+              <a:pPr algn="ctr"/>
+              <a:r>
+                <a:rPr lang="fr-FR" sz="1500" b="1">
+                  <a:solidFill>
+                    <a:schemeClr val="bg1"/>
+                  </a:solidFill>
+                  <a:effectLst>
+                    <a:outerShdw blurRad="38100" dist="76200" dir="2700000" algn="tl">
+                      <a:srgbClr val="000000"/>
+                    </a:outerShdw>
+                  </a:effectLst>
+                  <a:latin typeface="Helvetica" panose="020B0604020202030204" pitchFamily="34" charset="0"/>
+                </a:rPr>
+                <a:t>Développement</a:t>
+              </a:r>
+            </a:p>
+          </p:txBody>
+        </p:sp>
+        <p:sp>
+          <p:nvSpPr>
+            <p:cNvPr id="19" name="Flèche : chevron 18">
+              <a:extLst>
+                <a:ext uri="{FF2B5EF4-FFF2-40B4-BE49-F238E27FC236}">
+                  <a16:creationId xmlns:a16="http://schemas.microsoft.com/office/drawing/2014/main" id="{8795E004-010B-4219-8B10-37FA6D3A7781}"/>
+                </a:ext>
+              </a:extLst>
+            </p:cNvPr>
+            <p:cNvSpPr/>
+            <p:nvPr/>
+          </p:nvSpPr>
+          <p:spPr>
+            <a:xfrm>
+              <a:off x="7268850" y="332703"/>
+              <a:ext cx="2309567" cy="688157"/>
+            </a:xfrm>
+            <a:prstGeom prst="chevron">
+              <a:avLst/>
+            </a:prstGeom>
+            <a:solidFill>
+              <a:srgbClr val="FED449"/>
+            </a:solidFill>
+            <a:ln>
+              <a:solidFill>
+                <a:schemeClr val="bg1"/>
+              </a:solidFill>
+            </a:ln>
+          </p:spPr>
+          <p:style>
+            <a:lnRef idx="2">
+              <a:schemeClr val="accent1">
+                <a:shade val="50000"/>
+              </a:schemeClr>
+            </a:lnRef>
+            <a:fillRef idx="1">
+              <a:schemeClr val="accent1"/>
+            </a:fillRef>
+            <a:effectRef idx="0">
+              <a:schemeClr val="accent1"/>
+            </a:effectRef>
+            <a:fontRef idx="minor">
+              <a:schemeClr val="lt1"/>
+            </a:fontRef>
+          </p:style>
+          <p:txBody>
+            <a:bodyPr rtlCol="0" anchor="ctr"/>
+            <a:lstStyle/>
+            <a:p>
+              <a:pPr algn="ctr"/>
+              <a:r>
+                <a:rPr lang="fr-FR" sz="1500" b="1">
+                  <a:solidFill>
+                    <a:schemeClr val="bg1"/>
+                  </a:solidFill>
+                  <a:effectLst>
+                    <a:outerShdw blurRad="38100" dist="76200" dir="2700000" algn="tl">
+                      <a:srgbClr val="000000"/>
+                    </a:outerShdw>
+                  </a:effectLst>
+                  <a:latin typeface="Helvetica" panose="020B0604020202030204" pitchFamily="34" charset="0"/>
+                </a:rPr>
+                <a:t>Démonstration</a:t>
+              </a:r>
+              <a:endParaRPr lang="fr-FR" sz="1500">
+                <a:solidFill>
+                  <a:schemeClr val="tx1"/>
+                </a:solidFill>
+              </a:endParaRPr>
+            </a:p>
+          </p:txBody>
+        </p:sp>
+        <p:pic>
+          <p:nvPicPr>
+            <p:cNvPr id="6" name="Image 5">
+              <a:extLst>
+                <a:ext uri="{FF2B5EF4-FFF2-40B4-BE49-F238E27FC236}">
+                  <a16:creationId xmlns:a16="http://schemas.microsoft.com/office/drawing/2014/main" id="{2D0A881D-5AC2-4766-BD4C-5405D55C11A5}"/>
+                </a:ext>
+              </a:extLst>
+            </p:cNvPr>
+            <p:cNvPicPr>
+              <a:picLocks noChangeAspect="1"/>
+            </p:cNvPicPr>
+            <p:nvPr/>
+          </p:nvPicPr>
+          <p:blipFill>
+            <a:blip r:embed="rId2" cstate="print">
+              <a:extLst>
+                <a:ext uri="{28A0092B-C50C-407E-A947-70E740481C1C}">
+                  <a14:useLocalDpi xmlns:a14="http://schemas.microsoft.com/office/drawing/2010/main" val="0"/>
+                </a:ext>
+              </a:extLst>
+            </a:blip>
+            <a:stretch>
+              <a:fillRect/>
+            </a:stretch>
+          </p:blipFill>
+          <p:spPr>
+            <a:xfrm>
+              <a:off x="327166" y="0"/>
+              <a:ext cx="1566153" cy="1342417"/>
+            </a:xfrm>
+            <a:prstGeom prst="rect">
+              <a:avLst/>
+            </a:prstGeom>
+          </p:spPr>
+        </p:pic>
+      </p:grpSp>
+      <p:sp>
+        <p:nvSpPr>
+          <p:cNvPr id="12" name="ZoneTexte 11">
+            <a:extLst>
+              <a:ext uri="{FF2B5EF4-FFF2-40B4-BE49-F238E27FC236}">
+                <a16:creationId xmlns:a16="http://schemas.microsoft.com/office/drawing/2014/main" id="{B090A43C-7D0E-46E1-9FC8-BDAE21AEEC4B}"/>
+              </a:ext>
+            </a:extLst>
+          </p:cNvPr>
+          <p:cNvSpPr txBox="1"/>
+          <p:nvPr/>
+        </p:nvSpPr>
+        <p:spPr>
+          <a:xfrm>
+            <a:off x="1090367" y="1674695"/>
+            <a:ext cx="10011266" cy="523220"/>
+          </a:xfrm>
+          <a:prstGeom prst="rect">
+            <a:avLst/>
+          </a:prstGeom>
+          <a:noFill/>
+        </p:spPr>
+        <p:txBody>
+          <a:bodyPr wrap="square" rtlCol="0" anchor="t">
+            <a:spAutoFit/>
+          </a:bodyPr>
+          <a:lstStyle/>
+          <a:p>
+            <a:pPr algn="ctr"/>
+            <a:r>
+              <a:rPr lang="fr-FR" sz="2800" b="1">
+                <a:latin typeface="Helvetica" panose="020B0604020202030204" pitchFamily="34" charset="0"/>
+              </a:rPr>
+              <a:t>Algorithme de modification</a:t>
+            </a:r>
+            <a:r>
+              <a:rPr lang="fr-FR" sz="2800" b="1">
+                <a:latin typeface="Helvetica" panose="020B0604020202030204" pitchFamily="34" charset="0"/>
+                <a:cs typeface="Helvetica"/>
+              </a:rPr>
+              <a:t> d'un article</a:t>
+            </a:r>
+          </a:p>
+        </p:txBody>
+      </p:sp>
+      <p:pic>
+        <p:nvPicPr>
+          <p:cNvPr id="15" name="Image 20" descr="Capture3.PNG">
+            <a:extLst>
+              <a:ext uri="{FF2B5EF4-FFF2-40B4-BE49-F238E27FC236}">
+                <a16:creationId xmlns:a16="http://schemas.microsoft.com/office/drawing/2014/main" id="{8121275E-2CFE-4A4C-A2C6-02B5D260ADE5}"/>
+              </a:ext>
+            </a:extLst>
+          </p:cNvPr>
+          <p:cNvPicPr>
+            <a:picLocks noChangeAspect="1"/>
+          </p:cNvPicPr>
+          <p:nvPr/>
+        </p:nvPicPr>
+        <p:blipFill>
+          <a:blip r:embed="rId3"/>
+          <a:stretch>
+            <a:fillRect/>
+          </a:stretch>
+        </p:blipFill>
+        <p:spPr>
+          <a:xfrm>
+            <a:off x="6232525" y="2206625"/>
+            <a:ext cx="4868863" cy="3878263"/>
+          </a:xfrm>
+          <a:prstGeom prst="rect">
+            <a:avLst/>
+          </a:prstGeom>
+        </p:spPr>
+      </p:pic>
+      <p:sp>
+        <p:nvSpPr>
+          <p:cNvPr id="20" name="Rectangle à coins arrondis 19"/>
+          <p:cNvSpPr/>
+          <p:nvPr/>
+        </p:nvSpPr>
+        <p:spPr>
+          <a:xfrm>
+            <a:off x="6258019" y="2238375"/>
+            <a:ext cx="4811619" cy="1716088"/>
+          </a:xfrm>
+          <a:prstGeom prst="roundRect">
+            <a:avLst/>
+          </a:prstGeom>
+          <a:noFill/>
+          <a:ln w="28575">
+            <a:solidFill>
+              <a:srgbClr val="88CE62"/>
+            </a:solidFill>
+          </a:ln>
+        </p:spPr>
+        <p:style>
+          <a:lnRef idx="2">
+            <a:schemeClr val="accent1">
+              <a:shade val="50000"/>
+            </a:schemeClr>
+          </a:lnRef>
+          <a:fillRef idx="1">
+            <a:schemeClr val="accent1"/>
+          </a:fillRef>
+          <a:effectRef idx="0">
+            <a:schemeClr val="accent1"/>
+          </a:effectRef>
+          <a:fontRef idx="minor">
+            <a:schemeClr val="lt1"/>
+          </a:fontRef>
+        </p:style>
+        <p:txBody>
+          <a:bodyPr rtlCol="0" anchor="ctr"/>
+          <a:lstStyle/>
+          <a:p>
+            <a:pPr algn="ctr"/>
+            <a:endParaRPr lang="fr-FR" sz="600"/>
+          </a:p>
+        </p:txBody>
+      </p:sp>
+      <p:pic>
+        <p:nvPicPr>
+          <p:cNvPr id="25" name="Image 25" descr="Capture6.PNG">
+            <a:extLst>
+              <a:ext uri="{FF2B5EF4-FFF2-40B4-BE49-F238E27FC236}">
+                <a16:creationId xmlns:a16="http://schemas.microsoft.com/office/drawing/2014/main" id="{730F5989-1337-483B-8701-0B086B658E8E}"/>
+              </a:ext>
+            </a:extLst>
+          </p:cNvPr>
+          <p:cNvPicPr>
+            <a:picLocks noChangeAspect="1"/>
+          </p:cNvPicPr>
+          <p:nvPr/>
+        </p:nvPicPr>
+        <p:blipFill>
+          <a:blip r:embed="rId4"/>
+          <a:stretch>
+            <a:fillRect/>
+          </a:stretch>
+        </p:blipFill>
+        <p:spPr>
+          <a:xfrm>
+            <a:off x="1092200" y="2193322"/>
+            <a:ext cx="4869535" cy="3911600"/>
+          </a:xfrm>
+          <a:prstGeom prst="rect">
+            <a:avLst/>
+          </a:prstGeom>
+        </p:spPr>
+      </p:pic>
+      <p:sp>
+        <p:nvSpPr>
+          <p:cNvPr id="9" name="Rectangle à coins arrondis 8"/>
+          <p:cNvSpPr/>
+          <p:nvPr/>
+        </p:nvSpPr>
+        <p:spPr>
+          <a:xfrm>
+            <a:off x="1092200" y="2838450"/>
+            <a:ext cx="4829115" cy="617538"/>
+          </a:xfrm>
+          <a:prstGeom prst="roundRect">
+            <a:avLst/>
+          </a:prstGeom>
+          <a:noFill/>
+          <a:ln w="28575">
+            <a:solidFill>
+              <a:srgbClr val="88CE62"/>
+            </a:solidFill>
+          </a:ln>
+        </p:spPr>
+        <p:style>
+          <a:lnRef idx="2">
+            <a:schemeClr val="accent1">
+              <a:shade val="50000"/>
+            </a:schemeClr>
+          </a:lnRef>
+          <a:fillRef idx="1">
+            <a:schemeClr val="accent1"/>
+          </a:fillRef>
+          <a:effectRef idx="0">
+            <a:schemeClr val="accent1"/>
+          </a:effectRef>
+          <a:fontRef idx="minor">
+            <a:schemeClr val="lt1"/>
+          </a:fontRef>
+        </p:style>
+        <p:txBody>
+          <a:bodyPr rtlCol="0" anchor="ctr"/>
+          <a:lstStyle/>
+          <a:p>
+            <a:pPr algn="ctr"/>
+            <a:endParaRPr lang="fr-FR"/>
+          </a:p>
+        </p:txBody>
+      </p:sp>
+    </p:spTree>
+    <p:extLst>
+      <p:ext uri="{BB962C8B-B14F-4D97-AF65-F5344CB8AC3E}">
+        <p14:creationId xmlns:p14="http://schemas.microsoft.com/office/powerpoint/2010/main" val="602413361"/>
+      </p:ext>
+    </p:extLst>
+  </p:cSld>
+  <p:clrMapOvr>
+    <a:masterClrMapping/>
+  </p:clrMapOvr>
+</p:sld>
+</file>
+
+<file path=ppt/slides/slide15.xml><?xml version="1.0" encoding="utf-8"?>
+<p:sld xmlns:a="http://schemas.openxmlformats.org/drawingml/2006/main" xmlns:r="http://schemas.openxmlformats.org/officeDocument/2006/relationships" xmlns:p="http://schemas.openxmlformats.org/presentationml/2006/main">
+  <p:cSld>
+    <p:spTree>
+      <p:nvGrpSpPr>
+        <p:cNvPr id="1" name=""/>
+        <p:cNvGrpSpPr/>
+        <p:nvPr/>
+      </p:nvGrpSpPr>
+      <p:grpSpPr>
+        <a:xfrm>
+          <a:off x="0" y="0"/>
+          <a:ext cx="0" cy="0"/>
+          <a:chOff x="0" y="0"/>
+          <a:chExt cx="0" cy="0"/>
+        </a:xfrm>
+      </p:grpSpPr>
+      <p:sp>
+        <p:nvSpPr>
+          <p:cNvPr id="10" name="ZoneTexte 9">
+            <a:extLst>
+              <a:ext uri="{FF2B5EF4-FFF2-40B4-BE49-F238E27FC236}">
+                <a16:creationId xmlns:a16="http://schemas.microsoft.com/office/drawing/2014/main" id="{CE36D8FB-1CD3-4D19-A954-A2CE97724692}"/>
+              </a:ext>
+            </a:extLst>
+          </p:cNvPr>
+          <p:cNvSpPr txBox="1"/>
+          <p:nvPr/>
+        </p:nvSpPr>
+        <p:spPr>
+          <a:xfrm>
+            <a:off x="359759" y="1225685"/>
+            <a:ext cx="11472482" cy="5369668"/>
+          </a:xfrm>
+          <a:prstGeom prst="rect">
+            <a:avLst/>
+          </a:prstGeom>
+          <a:solidFill>
+            <a:srgbClr val="FED449">
+              <a:alpha val="50000"/>
+            </a:srgbClr>
+          </a:solidFill>
+          <a:effectLst>
+            <a:softEdge rad="152400"/>
+          </a:effectLst>
+        </p:spPr>
+        <p:txBody>
+          <a:bodyPr wrap="square" rtlCol="0">
+            <a:spAutoFit/>
+          </a:bodyPr>
+          <a:lstStyle/>
+          <a:p>
+            <a:endParaRPr lang="fr-FR"/>
+          </a:p>
+        </p:txBody>
+      </p:sp>
+      <p:grpSp>
+        <p:nvGrpSpPr>
+          <p:cNvPr id="7" name="Groupe 6">
+            <a:extLst>
+              <a:ext uri="{FF2B5EF4-FFF2-40B4-BE49-F238E27FC236}">
+                <a16:creationId xmlns:a16="http://schemas.microsoft.com/office/drawing/2014/main" id="{67E81936-583F-45AD-82CC-A5C937F4C87C}"/>
+              </a:ext>
+            </a:extLst>
+          </p:cNvPr>
+          <p:cNvGrpSpPr/>
+          <p:nvPr/>
+        </p:nvGrpSpPr>
+        <p:grpSpPr>
+          <a:xfrm>
+            <a:off x="327166" y="0"/>
+            <a:ext cx="11251304" cy="1342417"/>
+            <a:chOff x="327166" y="0"/>
+            <a:chExt cx="11251304" cy="1342417"/>
+          </a:xfrm>
+        </p:grpSpPr>
+        <p:sp>
+          <p:nvSpPr>
+            <p:cNvPr id="4" name="Flèche : chevron 3">
+              <a:extLst>
+                <a:ext uri="{FF2B5EF4-FFF2-40B4-BE49-F238E27FC236}">
+                  <a16:creationId xmlns:a16="http://schemas.microsoft.com/office/drawing/2014/main" id="{60D600DE-6FA0-4280-A81A-6DBE7691E92C}"/>
+                </a:ext>
+              </a:extLst>
+            </p:cNvPr>
+            <p:cNvSpPr/>
+            <p:nvPr/>
+          </p:nvSpPr>
+          <p:spPr>
+            <a:xfrm>
+              <a:off x="1268691" y="332278"/>
+              <a:ext cx="2309567" cy="688157"/>
+            </a:xfrm>
+            <a:prstGeom prst="chevron">
+              <a:avLst/>
+            </a:prstGeom>
+            <a:solidFill>
+              <a:srgbClr val="FED449"/>
+            </a:solidFill>
+            <a:ln>
+              <a:solidFill>
+                <a:schemeClr val="bg1"/>
+              </a:solidFill>
+            </a:ln>
+          </p:spPr>
+          <p:style>
+            <a:lnRef idx="2">
+              <a:schemeClr val="accent1">
+                <a:shade val="50000"/>
+              </a:schemeClr>
+            </a:lnRef>
+            <a:fillRef idx="1">
+              <a:schemeClr val="accent1"/>
+            </a:fillRef>
+            <a:effectRef idx="0">
+              <a:schemeClr val="accent1"/>
+            </a:effectRef>
+            <a:fontRef idx="minor">
+              <a:schemeClr val="lt1"/>
+            </a:fontRef>
+          </p:style>
+          <p:txBody>
+            <a:bodyPr rtlCol="0" anchor="ctr"/>
+            <a:lstStyle/>
+            <a:p>
+              <a:pPr algn="ctr"/>
+              <a:r>
+                <a:rPr lang="fr-FR" sz="1500" b="1">
+                  <a:solidFill>
+                    <a:schemeClr val="bg1"/>
+                  </a:solidFill>
+                  <a:effectLst>
+                    <a:outerShdw blurRad="38100" dist="76200" dir="2700000" algn="tl">
+                      <a:srgbClr val="000000"/>
+                    </a:outerShdw>
+                  </a:effectLst>
+                  <a:latin typeface="Helvetica" panose="020B0604020202030204" pitchFamily="34" charset="0"/>
+                </a:rPr>
+                <a:t>Etude du projet</a:t>
+              </a:r>
+            </a:p>
+          </p:txBody>
+        </p:sp>
+        <p:sp>
+          <p:nvSpPr>
+            <p:cNvPr id="16" name="Flèche : chevron 15">
+              <a:extLst>
+                <a:ext uri="{FF2B5EF4-FFF2-40B4-BE49-F238E27FC236}">
+                  <a16:creationId xmlns:a16="http://schemas.microsoft.com/office/drawing/2014/main" id="{F7655D32-22EC-4542-883E-4033865C1471}"/>
+                </a:ext>
+              </a:extLst>
+            </p:cNvPr>
+            <p:cNvSpPr/>
+            <p:nvPr/>
+          </p:nvSpPr>
+          <p:spPr>
+            <a:xfrm>
+              <a:off x="9268903" y="332277"/>
+              <a:ext cx="2309567" cy="688157"/>
+            </a:xfrm>
+            <a:prstGeom prst="chevron">
+              <a:avLst/>
+            </a:prstGeom>
+            <a:solidFill>
+              <a:srgbClr val="FED449"/>
+            </a:solidFill>
+            <a:ln>
+              <a:solidFill>
+                <a:schemeClr val="bg1"/>
+              </a:solidFill>
+            </a:ln>
+          </p:spPr>
+          <p:style>
+            <a:lnRef idx="2">
+              <a:schemeClr val="accent1">
+                <a:shade val="50000"/>
+              </a:schemeClr>
+            </a:lnRef>
+            <a:fillRef idx="1">
+              <a:schemeClr val="accent1"/>
+            </a:fillRef>
+            <a:effectRef idx="0">
+              <a:schemeClr val="accent1"/>
+            </a:effectRef>
+            <a:fontRef idx="minor">
+              <a:schemeClr val="lt1"/>
+            </a:fontRef>
+          </p:style>
+          <p:txBody>
+            <a:bodyPr rtlCol="0" anchor="ctr"/>
+            <a:lstStyle/>
+            <a:p>
+              <a:pPr algn="ctr"/>
+              <a:r>
+                <a:rPr lang="fr-FR" sz="1600" b="1">
+                  <a:solidFill>
+                    <a:schemeClr val="bg1"/>
+                  </a:solidFill>
+                  <a:effectLst>
+                    <a:outerShdw blurRad="38100" dist="76200" dir="2700000" algn="tl">
+                      <a:srgbClr val="000000"/>
+                    </a:outerShdw>
+                  </a:effectLst>
+                  <a:latin typeface="Helvetica" panose="020B0604020202030204" pitchFamily="34" charset="0"/>
+                </a:rPr>
+                <a:t>Conclusion</a:t>
+              </a:r>
+            </a:p>
+          </p:txBody>
+        </p:sp>
+        <p:sp>
+          <p:nvSpPr>
+            <p:cNvPr id="17" name="Flèche : chevron 16">
+              <a:extLst>
+                <a:ext uri="{FF2B5EF4-FFF2-40B4-BE49-F238E27FC236}">
+                  <a16:creationId xmlns:a16="http://schemas.microsoft.com/office/drawing/2014/main" id="{30C36617-CB5C-40F8-B05D-7053886FD5EF}"/>
+                </a:ext>
+              </a:extLst>
+            </p:cNvPr>
+            <p:cNvSpPr/>
+            <p:nvPr/>
+          </p:nvSpPr>
+          <p:spPr>
+            <a:xfrm>
+              <a:off x="3268744" y="332277"/>
+              <a:ext cx="2309567" cy="688157"/>
+            </a:xfrm>
+            <a:prstGeom prst="chevron">
+              <a:avLst/>
+            </a:prstGeom>
+            <a:solidFill>
+              <a:srgbClr val="FED449"/>
+            </a:solidFill>
+            <a:ln>
+              <a:solidFill>
+                <a:schemeClr val="bg1"/>
+              </a:solidFill>
+            </a:ln>
+          </p:spPr>
+          <p:style>
+            <a:lnRef idx="2">
+              <a:schemeClr val="accent1">
+                <a:shade val="50000"/>
+              </a:schemeClr>
+            </a:lnRef>
+            <a:fillRef idx="1">
+              <a:schemeClr val="accent1"/>
+            </a:fillRef>
+            <a:effectRef idx="0">
+              <a:schemeClr val="accent1"/>
+            </a:effectRef>
+            <a:fontRef idx="minor">
+              <a:schemeClr val="lt1"/>
+            </a:fontRef>
+          </p:style>
+          <p:txBody>
+            <a:bodyPr rtlCol="0" anchor="ctr"/>
+            <a:lstStyle/>
+            <a:p>
+              <a:pPr algn="ctr"/>
+              <a:r>
+                <a:rPr lang="fr-FR" sz="1500" b="1">
+                  <a:solidFill>
+                    <a:schemeClr val="bg1"/>
+                  </a:solidFill>
+                  <a:effectLst>
+                    <a:outerShdw blurRad="38100" dist="76200" dir="2700000" algn="tl">
+                      <a:srgbClr val="000000"/>
+                    </a:outerShdw>
+                  </a:effectLst>
+                  <a:latin typeface="Helvetica" panose="020B0604020202030204" pitchFamily="34" charset="0"/>
+                </a:rPr>
+                <a:t>Organisation</a:t>
+              </a:r>
+            </a:p>
+          </p:txBody>
+        </p:sp>
+        <p:sp>
+          <p:nvSpPr>
+            <p:cNvPr id="18" name="Flèche : chevron 17">
+              <a:extLst>
+                <a:ext uri="{FF2B5EF4-FFF2-40B4-BE49-F238E27FC236}">
+                  <a16:creationId xmlns:a16="http://schemas.microsoft.com/office/drawing/2014/main" id="{A33478E5-51C7-4324-9E5C-0845E032CF0C}"/>
+                </a:ext>
+              </a:extLst>
+            </p:cNvPr>
+            <p:cNvSpPr/>
+            <p:nvPr/>
+          </p:nvSpPr>
+          <p:spPr>
+            <a:xfrm>
+              <a:off x="5268797" y="332704"/>
+              <a:ext cx="2309567" cy="688157"/>
+            </a:xfrm>
+            <a:prstGeom prst="chevron">
+              <a:avLst/>
+            </a:prstGeom>
+            <a:solidFill>
+              <a:srgbClr val="88CE62"/>
+            </a:solidFill>
+            <a:ln>
+              <a:solidFill>
+                <a:schemeClr val="bg1"/>
+              </a:solidFill>
+            </a:ln>
+          </p:spPr>
+          <p:style>
+            <a:lnRef idx="2">
+              <a:schemeClr val="accent1">
+                <a:shade val="50000"/>
+              </a:schemeClr>
+            </a:lnRef>
+            <a:fillRef idx="1">
+              <a:schemeClr val="accent1"/>
+            </a:fillRef>
+            <a:effectRef idx="0">
+              <a:schemeClr val="accent1"/>
+            </a:effectRef>
+            <a:fontRef idx="minor">
+              <a:schemeClr val="lt1"/>
+            </a:fontRef>
+          </p:style>
+          <p:txBody>
+            <a:bodyPr rtlCol="0" anchor="ctr"/>
+            <a:lstStyle/>
+            <a:p>
+              <a:pPr algn="ctr"/>
+              <a:r>
+                <a:rPr lang="fr-FR" sz="1500" b="1">
+                  <a:solidFill>
+                    <a:schemeClr val="bg1"/>
+                  </a:solidFill>
+                  <a:effectLst>
+                    <a:outerShdw blurRad="38100" dist="76200" dir="2700000" algn="tl">
+                      <a:srgbClr val="000000"/>
+                    </a:outerShdw>
+                  </a:effectLst>
+                  <a:latin typeface="Helvetica" panose="020B0604020202030204" pitchFamily="34" charset="0"/>
+                </a:rPr>
+                <a:t>Développement</a:t>
+              </a:r>
+            </a:p>
+          </p:txBody>
+        </p:sp>
+        <p:sp>
+          <p:nvSpPr>
+            <p:cNvPr id="19" name="Flèche : chevron 18">
+              <a:extLst>
+                <a:ext uri="{FF2B5EF4-FFF2-40B4-BE49-F238E27FC236}">
+                  <a16:creationId xmlns:a16="http://schemas.microsoft.com/office/drawing/2014/main" id="{8795E004-010B-4219-8B10-37FA6D3A7781}"/>
+                </a:ext>
+              </a:extLst>
+            </p:cNvPr>
+            <p:cNvSpPr/>
+            <p:nvPr/>
+          </p:nvSpPr>
+          <p:spPr>
+            <a:xfrm>
+              <a:off x="7268850" y="332703"/>
+              <a:ext cx="2309567" cy="688157"/>
+            </a:xfrm>
+            <a:prstGeom prst="chevron">
+              <a:avLst/>
+            </a:prstGeom>
+            <a:solidFill>
+              <a:srgbClr val="FED449"/>
+            </a:solidFill>
+            <a:ln>
+              <a:solidFill>
+                <a:schemeClr val="bg1"/>
+              </a:solidFill>
+            </a:ln>
+          </p:spPr>
+          <p:style>
+            <a:lnRef idx="2">
+              <a:schemeClr val="accent1">
+                <a:shade val="50000"/>
+              </a:schemeClr>
+            </a:lnRef>
+            <a:fillRef idx="1">
+              <a:schemeClr val="accent1"/>
+            </a:fillRef>
+            <a:effectRef idx="0">
+              <a:schemeClr val="accent1"/>
+            </a:effectRef>
+            <a:fontRef idx="minor">
+              <a:schemeClr val="lt1"/>
+            </a:fontRef>
+          </p:style>
+          <p:txBody>
+            <a:bodyPr rtlCol="0" anchor="ctr"/>
+            <a:lstStyle/>
+            <a:p>
+              <a:pPr algn="ctr"/>
+              <a:r>
+                <a:rPr lang="fr-FR" sz="1500" b="1">
+                  <a:solidFill>
+                    <a:schemeClr val="bg1"/>
+                  </a:solidFill>
+                  <a:effectLst>
+                    <a:outerShdw blurRad="38100" dist="76200" dir="2700000" algn="tl">
+                      <a:srgbClr val="000000"/>
+                    </a:outerShdw>
+                  </a:effectLst>
+                  <a:latin typeface="Helvetica" panose="020B0604020202030204" pitchFamily="34" charset="0"/>
+                </a:rPr>
+                <a:t>Démonstration</a:t>
+              </a:r>
+              <a:endParaRPr lang="fr-FR" sz="1500">
+                <a:solidFill>
+                  <a:schemeClr val="tx1"/>
+                </a:solidFill>
+              </a:endParaRPr>
+            </a:p>
+          </p:txBody>
+        </p:sp>
+        <p:pic>
+          <p:nvPicPr>
+            <p:cNvPr id="6" name="Image 5">
+              <a:extLst>
+                <a:ext uri="{FF2B5EF4-FFF2-40B4-BE49-F238E27FC236}">
+                  <a16:creationId xmlns:a16="http://schemas.microsoft.com/office/drawing/2014/main" id="{2D0A881D-5AC2-4766-BD4C-5405D55C11A5}"/>
+                </a:ext>
+              </a:extLst>
+            </p:cNvPr>
+            <p:cNvPicPr>
+              <a:picLocks noChangeAspect="1"/>
+            </p:cNvPicPr>
+            <p:nvPr/>
+          </p:nvPicPr>
+          <p:blipFill>
+            <a:blip r:embed="rId2" cstate="print">
+              <a:extLst>
+                <a:ext uri="{28A0092B-C50C-407E-A947-70E740481C1C}">
+                  <a14:useLocalDpi xmlns:a14="http://schemas.microsoft.com/office/drawing/2010/main" val="0"/>
+                </a:ext>
+              </a:extLst>
+            </a:blip>
+            <a:stretch>
+              <a:fillRect/>
+            </a:stretch>
+          </p:blipFill>
+          <p:spPr>
+            <a:xfrm>
+              <a:off x="327166" y="0"/>
+              <a:ext cx="1566153" cy="1342417"/>
+            </a:xfrm>
+            <a:prstGeom prst="rect">
+              <a:avLst/>
+            </a:prstGeom>
+          </p:spPr>
+        </p:pic>
+      </p:grpSp>
+      <p:sp>
+        <p:nvSpPr>
+          <p:cNvPr id="12" name="ZoneTexte 11">
+            <a:extLst>
+              <a:ext uri="{FF2B5EF4-FFF2-40B4-BE49-F238E27FC236}">
+                <a16:creationId xmlns:a16="http://schemas.microsoft.com/office/drawing/2014/main" id="{B090A43C-7D0E-46E1-9FC8-BDAE21AEEC4B}"/>
+              </a:ext>
+            </a:extLst>
+          </p:cNvPr>
+          <p:cNvSpPr txBox="1"/>
+          <p:nvPr/>
+        </p:nvSpPr>
+        <p:spPr>
+          <a:xfrm>
+            <a:off x="1090367" y="1674695"/>
+            <a:ext cx="10011266" cy="523220"/>
+          </a:xfrm>
+          <a:prstGeom prst="rect">
+            <a:avLst/>
+          </a:prstGeom>
+          <a:noFill/>
+        </p:spPr>
+        <p:txBody>
+          <a:bodyPr wrap="square" rtlCol="0" anchor="t">
+            <a:spAutoFit/>
+          </a:bodyPr>
+          <a:lstStyle/>
+          <a:p>
+            <a:pPr algn="ctr"/>
+            <a:r>
+              <a:rPr lang="fr-FR" sz="2800" b="1">
+                <a:latin typeface="Helvetica" panose="020B0604020202030204" pitchFamily="34" charset="0"/>
+              </a:rPr>
+              <a:t>Algorithme de modification</a:t>
+            </a:r>
+            <a:r>
+              <a:rPr lang="fr-FR" sz="2800" b="1">
+                <a:latin typeface="Helvetica" panose="020B0604020202030204" pitchFamily="34" charset="0"/>
+                <a:cs typeface="Helvetica"/>
+              </a:rPr>
+              <a:t> d'un article</a:t>
+            </a:r>
+          </a:p>
+        </p:txBody>
+      </p:sp>
+      <p:pic>
+        <p:nvPicPr>
+          <p:cNvPr id="13" name="Image 25" descr="Capture6.PNG">
+            <a:extLst>
+              <a:ext uri="{FF2B5EF4-FFF2-40B4-BE49-F238E27FC236}">
+                <a16:creationId xmlns:a16="http://schemas.microsoft.com/office/drawing/2014/main" id="{CE89E9D3-E50B-4DA4-B54A-5785690F8EE7}"/>
+              </a:ext>
+            </a:extLst>
+          </p:cNvPr>
+          <p:cNvPicPr>
+            <a:picLocks noChangeAspect="1"/>
+          </p:cNvPicPr>
+          <p:nvPr/>
+        </p:nvPicPr>
+        <p:blipFill>
+          <a:blip r:embed="rId3"/>
+          <a:stretch>
+            <a:fillRect/>
+          </a:stretch>
+        </p:blipFill>
+        <p:spPr>
+          <a:xfrm>
+            <a:off x="1092200" y="2193322"/>
+            <a:ext cx="4869535" cy="3911600"/>
+          </a:xfrm>
+          <a:prstGeom prst="rect">
+            <a:avLst/>
+          </a:prstGeom>
+        </p:spPr>
+      </p:pic>
+      <p:sp>
+        <p:nvSpPr>
+          <p:cNvPr id="9" name="Rectangle à coins arrondis 8"/>
+          <p:cNvSpPr/>
+          <p:nvPr/>
+        </p:nvSpPr>
+        <p:spPr>
+          <a:xfrm>
+            <a:off x="1098550" y="3429000"/>
+            <a:ext cx="4821273" cy="574675"/>
+          </a:xfrm>
+          <a:prstGeom prst="roundRect">
+            <a:avLst/>
+          </a:prstGeom>
+          <a:noFill/>
+          <a:ln w="28575">
+            <a:solidFill>
+              <a:srgbClr val="92D050"/>
+            </a:solidFill>
+          </a:ln>
+        </p:spPr>
+        <p:style>
+          <a:lnRef idx="2">
+            <a:schemeClr val="accent1">
+              <a:shade val="50000"/>
+            </a:schemeClr>
+          </a:lnRef>
+          <a:fillRef idx="1">
+            <a:schemeClr val="accent1"/>
+          </a:fillRef>
+          <a:effectRef idx="0">
+            <a:schemeClr val="accent1"/>
+          </a:effectRef>
+          <a:fontRef idx="minor">
+            <a:schemeClr val="lt1"/>
+          </a:fontRef>
+        </p:style>
+        <p:txBody>
+          <a:bodyPr rtlCol="0" anchor="ctr"/>
+          <a:lstStyle/>
+          <a:p>
+            <a:pPr algn="ctr"/>
+            <a:endParaRPr lang="fr-FR"/>
+          </a:p>
+        </p:txBody>
+      </p:sp>
+      <p:pic>
+        <p:nvPicPr>
+          <p:cNvPr id="15" name="Image 20" descr="Capture3.PNG">
+            <a:extLst>
+              <a:ext uri="{FF2B5EF4-FFF2-40B4-BE49-F238E27FC236}">
+                <a16:creationId xmlns:a16="http://schemas.microsoft.com/office/drawing/2014/main" id="{8121275E-2CFE-4A4C-A2C6-02B5D260ADE5}"/>
+              </a:ext>
+            </a:extLst>
+          </p:cNvPr>
+          <p:cNvPicPr>
+            <a:picLocks noChangeAspect="1"/>
+          </p:cNvPicPr>
+          <p:nvPr/>
+        </p:nvPicPr>
+        <p:blipFill>
+          <a:blip r:embed="rId4"/>
+          <a:stretch>
+            <a:fillRect/>
+          </a:stretch>
+        </p:blipFill>
+        <p:spPr>
+          <a:xfrm>
+            <a:off x="6232525" y="2206625"/>
+            <a:ext cx="4868863" cy="3878263"/>
+          </a:xfrm>
+          <a:prstGeom prst="rect">
+            <a:avLst/>
+          </a:prstGeom>
+        </p:spPr>
+      </p:pic>
+      <p:sp>
+        <p:nvSpPr>
+          <p:cNvPr id="8" name="Rectangle : coins arrondis 7">
+            <a:extLst>
+              <a:ext uri="{FF2B5EF4-FFF2-40B4-BE49-F238E27FC236}">
+                <a16:creationId xmlns:a16="http://schemas.microsoft.com/office/drawing/2014/main" id="{7D6C3956-3F81-4A80-BDA9-D9477D1658FF}"/>
+              </a:ext>
+            </a:extLst>
+          </p:cNvPr>
+          <p:cNvSpPr/>
+          <p:nvPr/>
+        </p:nvSpPr>
+        <p:spPr>
+          <a:xfrm>
+            <a:off x="6270625" y="3962400"/>
+            <a:ext cx="4764270" cy="498475"/>
+          </a:xfrm>
+          <a:prstGeom prst="roundRect">
+            <a:avLst/>
+          </a:prstGeom>
+          <a:noFill/>
+          <a:ln w="28575">
+            <a:solidFill>
+              <a:srgbClr val="92D050"/>
+            </a:solidFill>
+          </a:ln>
+        </p:spPr>
+        <p:style>
+          <a:lnRef idx="2">
+            <a:schemeClr val="accent1">
+              <a:shade val="50000"/>
+            </a:schemeClr>
+          </a:lnRef>
+          <a:fillRef idx="1">
+            <a:schemeClr val="accent1"/>
+          </a:fillRef>
+          <a:effectRef idx="0">
+            <a:schemeClr val="accent1"/>
+          </a:effectRef>
+          <a:fontRef idx="minor">
+            <a:schemeClr val="lt1"/>
+          </a:fontRef>
+        </p:style>
+        <p:txBody>
+          <a:bodyPr rtlCol="0" anchor="ctr"/>
+          <a:lstStyle/>
+          <a:p>
+            <a:pPr algn="ctr"/>
+            <a:endParaRPr lang="fr-FR"/>
+          </a:p>
+        </p:txBody>
+      </p:sp>
+    </p:spTree>
+    <p:extLst>
+      <p:ext uri="{BB962C8B-B14F-4D97-AF65-F5344CB8AC3E}">
+        <p14:creationId xmlns:p14="http://schemas.microsoft.com/office/powerpoint/2010/main" val="3630441373"/>
+      </p:ext>
+    </p:extLst>
+  </p:cSld>
+  <p:clrMapOvr>
+    <a:masterClrMapping/>
+  </p:clrMapOvr>
+</p:sld>
+</file>
+
+<file path=ppt/slides/slide16.xml><?xml version="1.0" encoding="utf-8"?>
+<p:sld xmlns:a="http://schemas.openxmlformats.org/drawingml/2006/main" xmlns:r="http://schemas.openxmlformats.org/officeDocument/2006/relationships" xmlns:p="http://schemas.openxmlformats.org/presentationml/2006/main">
+  <p:cSld>
+    <p:spTree>
+      <p:nvGrpSpPr>
+        <p:cNvPr id="1" name=""/>
+        <p:cNvGrpSpPr/>
+        <p:nvPr/>
+      </p:nvGrpSpPr>
+      <p:grpSpPr>
+        <a:xfrm>
+          <a:off x="0" y="0"/>
+          <a:ext cx="0" cy="0"/>
+          <a:chOff x="0" y="0"/>
+          <a:chExt cx="0" cy="0"/>
+        </a:xfrm>
+      </p:grpSpPr>
+      <p:sp>
+        <p:nvSpPr>
+          <p:cNvPr id="10" name="ZoneTexte 9">
+            <a:extLst>
+              <a:ext uri="{FF2B5EF4-FFF2-40B4-BE49-F238E27FC236}">
+                <a16:creationId xmlns:a16="http://schemas.microsoft.com/office/drawing/2014/main" id="{CE36D8FB-1CD3-4D19-A954-A2CE97724692}"/>
+              </a:ext>
+            </a:extLst>
+          </p:cNvPr>
+          <p:cNvSpPr txBox="1"/>
+          <p:nvPr/>
+        </p:nvSpPr>
+        <p:spPr>
+          <a:xfrm>
+            <a:off x="359759" y="1225685"/>
+            <a:ext cx="11472482" cy="5369668"/>
+          </a:xfrm>
+          <a:prstGeom prst="rect">
+            <a:avLst/>
+          </a:prstGeom>
+          <a:solidFill>
+            <a:srgbClr val="FED449">
+              <a:alpha val="50000"/>
+            </a:srgbClr>
+          </a:solidFill>
+          <a:effectLst>
+            <a:softEdge rad="152400"/>
+          </a:effectLst>
+        </p:spPr>
+        <p:txBody>
+          <a:bodyPr wrap="square" rtlCol="0">
+            <a:spAutoFit/>
+          </a:bodyPr>
+          <a:lstStyle/>
+          <a:p>
+            <a:endParaRPr lang="fr-FR"/>
+          </a:p>
+        </p:txBody>
+      </p:sp>
+      <p:grpSp>
+        <p:nvGrpSpPr>
+          <p:cNvPr id="7" name="Groupe 6">
+            <a:extLst>
+              <a:ext uri="{FF2B5EF4-FFF2-40B4-BE49-F238E27FC236}">
+                <a16:creationId xmlns:a16="http://schemas.microsoft.com/office/drawing/2014/main" id="{67E81936-583F-45AD-82CC-A5C937F4C87C}"/>
+              </a:ext>
+            </a:extLst>
+          </p:cNvPr>
+          <p:cNvGrpSpPr/>
+          <p:nvPr/>
+        </p:nvGrpSpPr>
+        <p:grpSpPr>
+          <a:xfrm>
+            <a:off x="327166" y="0"/>
+            <a:ext cx="11251304" cy="1342417"/>
+            <a:chOff x="327166" y="0"/>
+            <a:chExt cx="11251304" cy="1342417"/>
+          </a:xfrm>
+        </p:grpSpPr>
+        <p:sp>
+          <p:nvSpPr>
+            <p:cNvPr id="4" name="Flèche : chevron 3">
+              <a:extLst>
+                <a:ext uri="{FF2B5EF4-FFF2-40B4-BE49-F238E27FC236}">
+                  <a16:creationId xmlns:a16="http://schemas.microsoft.com/office/drawing/2014/main" id="{60D600DE-6FA0-4280-A81A-6DBE7691E92C}"/>
+                </a:ext>
+              </a:extLst>
+            </p:cNvPr>
+            <p:cNvSpPr/>
+            <p:nvPr/>
+          </p:nvSpPr>
+          <p:spPr>
+            <a:xfrm>
+              <a:off x="1268691" y="332278"/>
+              <a:ext cx="2309567" cy="688157"/>
+            </a:xfrm>
+            <a:prstGeom prst="chevron">
+              <a:avLst/>
+            </a:prstGeom>
+            <a:solidFill>
+              <a:srgbClr val="FED449"/>
+            </a:solidFill>
+            <a:ln>
+              <a:solidFill>
+                <a:schemeClr val="bg1"/>
+              </a:solidFill>
+            </a:ln>
+          </p:spPr>
+          <p:style>
+            <a:lnRef idx="2">
+              <a:schemeClr val="accent1">
+                <a:shade val="50000"/>
+              </a:schemeClr>
+            </a:lnRef>
+            <a:fillRef idx="1">
+              <a:schemeClr val="accent1"/>
+            </a:fillRef>
+            <a:effectRef idx="0">
+              <a:schemeClr val="accent1"/>
+            </a:effectRef>
+            <a:fontRef idx="minor">
+              <a:schemeClr val="lt1"/>
+            </a:fontRef>
+          </p:style>
+          <p:txBody>
+            <a:bodyPr rtlCol="0" anchor="ctr"/>
+            <a:lstStyle/>
+            <a:p>
+              <a:pPr algn="ctr"/>
+              <a:r>
+                <a:rPr lang="fr-FR" sz="1500" b="1">
+                  <a:solidFill>
+                    <a:schemeClr val="bg1"/>
+                  </a:solidFill>
+                  <a:effectLst>
+                    <a:outerShdw blurRad="38100" dist="76200" dir="2700000" algn="tl">
+                      <a:srgbClr val="000000"/>
+                    </a:outerShdw>
+                  </a:effectLst>
+                  <a:latin typeface="Helvetica" panose="020B0604020202030204" pitchFamily="34" charset="0"/>
+                </a:rPr>
+                <a:t>Etude du projet</a:t>
+              </a:r>
+            </a:p>
+          </p:txBody>
+        </p:sp>
+        <p:sp>
+          <p:nvSpPr>
+            <p:cNvPr id="16" name="Flèche : chevron 15">
+              <a:extLst>
+                <a:ext uri="{FF2B5EF4-FFF2-40B4-BE49-F238E27FC236}">
+                  <a16:creationId xmlns:a16="http://schemas.microsoft.com/office/drawing/2014/main" id="{F7655D32-22EC-4542-883E-4033865C1471}"/>
+                </a:ext>
+              </a:extLst>
+            </p:cNvPr>
+            <p:cNvSpPr/>
+            <p:nvPr/>
+          </p:nvSpPr>
+          <p:spPr>
+            <a:xfrm>
+              <a:off x="9268903" y="332277"/>
+              <a:ext cx="2309567" cy="688157"/>
+            </a:xfrm>
+            <a:prstGeom prst="chevron">
+              <a:avLst/>
+            </a:prstGeom>
+            <a:solidFill>
+              <a:srgbClr val="FED449"/>
+            </a:solidFill>
+            <a:ln>
+              <a:solidFill>
+                <a:schemeClr val="bg1"/>
+              </a:solidFill>
+            </a:ln>
+          </p:spPr>
+          <p:style>
+            <a:lnRef idx="2">
+              <a:schemeClr val="accent1">
+                <a:shade val="50000"/>
+              </a:schemeClr>
+            </a:lnRef>
+            <a:fillRef idx="1">
+              <a:schemeClr val="accent1"/>
+            </a:fillRef>
+            <a:effectRef idx="0">
+              <a:schemeClr val="accent1"/>
+            </a:effectRef>
+            <a:fontRef idx="minor">
+              <a:schemeClr val="lt1"/>
+            </a:fontRef>
+          </p:style>
+          <p:txBody>
+            <a:bodyPr rtlCol="0" anchor="ctr"/>
+            <a:lstStyle/>
+            <a:p>
+              <a:pPr algn="ctr"/>
+              <a:r>
+                <a:rPr lang="fr-FR" sz="1600" b="1">
+                  <a:solidFill>
+                    <a:schemeClr val="bg1"/>
+                  </a:solidFill>
+                  <a:effectLst>
+                    <a:outerShdw blurRad="38100" dist="76200" dir="2700000" algn="tl">
+                      <a:srgbClr val="000000"/>
+                    </a:outerShdw>
+                  </a:effectLst>
+                  <a:latin typeface="Helvetica" panose="020B0604020202030204" pitchFamily="34" charset="0"/>
+                </a:rPr>
+                <a:t>Conclusion</a:t>
+              </a:r>
+            </a:p>
+          </p:txBody>
+        </p:sp>
+        <p:sp>
+          <p:nvSpPr>
+            <p:cNvPr id="17" name="Flèche : chevron 16">
+              <a:extLst>
+                <a:ext uri="{FF2B5EF4-FFF2-40B4-BE49-F238E27FC236}">
+                  <a16:creationId xmlns:a16="http://schemas.microsoft.com/office/drawing/2014/main" id="{30C36617-CB5C-40F8-B05D-7053886FD5EF}"/>
+                </a:ext>
+              </a:extLst>
+            </p:cNvPr>
+            <p:cNvSpPr/>
+            <p:nvPr/>
+          </p:nvSpPr>
+          <p:spPr>
+            <a:xfrm>
+              <a:off x="3268744" y="332277"/>
+              <a:ext cx="2309567" cy="688157"/>
+            </a:xfrm>
+            <a:prstGeom prst="chevron">
+              <a:avLst/>
+            </a:prstGeom>
+            <a:solidFill>
+              <a:srgbClr val="FED449"/>
+            </a:solidFill>
+            <a:ln>
+              <a:solidFill>
+                <a:schemeClr val="bg1"/>
+              </a:solidFill>
+            </a:ln>
+          </p:spPr>
+          <p:style>
+            <a:lnRef idx="2">
+              <a:schemeClr val="accent1">
+                <a:shade val="50000"/>
+              </a:schemeClr>
+            </a:lnRef>
+            <a:fillRef idx="1">
+              <a:schemeClr val="accent1"/>
+            </a:fillRef>
+            <a:effectRef idx="0">
+              <a:schemeClr val="accent1"/>
+            </a:effectRef>
+            <a:fontRef idx="minor">
+              <a:schemeClr val="lt1"/>
+            </a:fontRef>
+          </p:style>
+          <p:txBody>
+            <a:bodyPr rtlCol="0" anchor="ctr"/>
+            <a:lstStyle/>
+            <a:p>
+              <a:pPr algn="ctr"/>
+              <a:r>
+                <a:rPr lang="fr-FR" sz="1500" b="1">
+                  <a:solidFill>
+                    <a:schemeClr val="bg1"/>
+                  </a:solidFill>
+                  <a:effectLst>
+                    <a:outerShdw blurRad="38100" dist="76200" dir="2700000" algn="tl">
+                      <a:srgbClr val="000000"/>
+                    </a:outerShdw>
+                  </a:effectLst>
+                  <a:latin typeface="Helvetica" panose="020B0604020202030204" pitchFamily="34" charset="0"/>
+                </a:rPr>
+                <a:t>Organisation</a:t>
+              </a:r>
+            </a:p>
+          </p:txBody>
+        </p:sp>
+        <p:sp>
+          <p:nvSpPr>
+            <p:cNvPr id="18" name="Flèche : chevron 17">
+              <a:extLst>
+                <a:ext uri="{FF2B5EF4-FFF2-40B4-BE49-F238E27FC236}">
+                  <a16:creationId xmlns:a16="http://schemas.microsoft.com/office/drawing/2014/main" id="{A33478E5-51C7-4324-9E5C-0845E032CF0C}"/>
+                </a:ext>
+              </a:extLst>
+            </p:cNvPr>
+            <p:cNvSpPr/>
+            <p:nvPr/>
+          </p:nvSpPr>
+          <p:spPr>
+            <a:xfrm>
+              <a:off x="5268797" y="332704"/>
+              <a:ext cx="2309567" cy="688157"/>
+            </a:xfrm>
+            <a:prstGeom prst="chevron">
+              <a:avLst/>
+            </a:prstGeom>
+            <a:solidFill>
+              <a:srgbClr val="88CE62"/>
+            </a:solidFill>
+            <a:ln>
+              <a:solidFill>
+                <a:schemeClr val="bg1"/>
+              </a:solidFill>
+            </a:ln>
+          </p:spPr>
+          <p:style>
+            <a:lnRef idx="2">
+              <a:schemeClr val="accent1">
+                <a:shade val="50000"/>
+              </a:schemeClr>
+            </a:lnRef>
+            <a:fillRef idx="1">
+              <a:schemeClr val="accent1"/>
+            </a:fillRef>
+            <a:effectRef idx="0">
+              <a:schemeClr val="accent1"/>
+            </a:effectRef>
+            <a:fontRef idx="minor">
+              <a:schemeClr val="lt1"/>
+            </a:fontRef>
+          </p:style>
+          <p:txBody>
+            <a:bodyPr rtlCol="0" anchor="ctr"/>
+            <a:lstStyle/>
+            <a:p>
+              <a:pPr algn="ctr"/>
+              <a:r>
+                <a:rPr lang="fr-FR" sz="1500" b="1">
+                  <a:solidFill>
+                    <a:schemeClr val="bg1"/>
+                  </a:solidFill>
+                  <a:effectLst>
+                    <a:outerShdw blurRad="38100" dist="76200" dir="2700000" algn="tl">
+                      <a:srgbClr val="000000"/>
+                    </a:outerShdw>
+                  </a:effectLst>
+                  <a:latin typeface="Helvetica" panose="020B0604020202030204" pitchFamily="34" charset="0"/>
+                </a:rPr>
+                <a:t>Développement</a:t>
+              </a:r>
+            </a:p>
+          </p:txBody>
+        </p:sp>
+        <p:sp>
+          <p:nvSpPr>
+            <p:cNvPr id="19" name="Flèche : chevron 18">
+              <a:extLst>
+                <a:ext uri="{FF2B5EF4-FFF2-40B4-BE49-F238E27FC236}">
+                  <a16:creationId xmlns:a16="http://schemas.microsoft.com/office/drawing/2014/main" id="{8795E004-010B-4219-8B10-37FA6D3A7781}"/>
+                </a:ext>
+              </a:extLst>
+            </p:cNvPr>
+            <p:cNvSpPr/>
+            <p:nvPr/>
+          </p:nvSpPr>
+          <p:spPr>
+            <a:xfrm>
+              <a:off x="7268850" y="332703"/>
+              <a:ext cx="2309567" cy="688157"/>
+            </a:xfrm>
+            <a:prstGeom prst="chevron">
+              <a:avLst/>
+            </a:prstGeom>
+            <a:solidFill>
+              <a:srgbClr val="FED449"/>
+            </a:solidFill>
+            <a:ln>
+              <a:solidFill>
+                <a:schemeClr val="bg1"/>
+              </a:solidFill>
+            </a:ln>
+          </p:spPr>
+          <p:style>
+            <a:lnRef idx="2">
+              <a:schemeClr val="accent1">
+                <a:shade val="50000"/>
+              </a:schemeClr>
+            </a:lnRef>
+            <a:fillRef idx="1">
+              <a:schemeClr val="accent1"/>
+            </a:fillRef>
+            <a:effectRef idx="0">
+              <a:schemeClr val="accent1"/>
+            </a:effectRef>
+            <a:fontRef idx="minor">
+              <a:schemeClr val="lt1"/>
+            </a:fontRef>
+          </p:style>
+          <p:txBody>
+            <a:bodyPr rtlCol="0" anchor="ctr"/>
+            <a:lstStyle/>
+            <a:p>
+              <a:pPr algn="ctr"/>
+              <a:r>
+                <a:rPr lang="fr-FR" sz="1500" b="1">
+                  <a:solidFill>
+                    <a:schemeClr val="bg1"/>
+                  </a:solidFill>
+                  <a:effectLst>
+                    <a:outerShdw blurRad="38100" dist="76200" dir="2700000" algn="tl">
+                      <a:srgbClr val="000000"/>
+                    </a:outerShdw>
+                  </a:effectLst>
+                  <a:latin typeface="Helvetica" panose="020B0604020202030204" pitchFamily="34" charset="0"/>
+                </a:rPr>
+                <a:t>Démonstration</a:t>
+              </a:r>
+              <a:endParaRPr lang="fr-FR" sz="1500">
+                <a:solidFill>
+                  <a:schemeClr val="tx1"/>
+                </a:solidFill>
+              </a:endParaRPr>
+            </a:p>
+          </p:txBody>
+        </p:sp>
+        <p:pic>
+          <p:nvPicPr>
+            <p:cNvPr id="6" name="Image 5">
+              <a:extLst>
+                <a:ext uri="{FF2B5EF4-FFF2-40B4-BE49-F238E27FC236}">
+                  <a16:creationId xmlns:a16="http://schemas.microsoft.com/office/drawing/2014/main" id="{2D0A881D-5AC2-4766-BD4C-5405D55C11A5}"/>
+                </a:ext>
+              </a:extLst>
+            </p:cNvPr>
+            <p:cNvPicPr>
+              <a:picLocks noChangeAspect="1"/>
+            </p:cNvPicPr>
+            <p:nvPr/>
+          </p:nvPicPr>
+          <p:blipFill>
+            <a:blip r:embed="rId2" cstate="print">
+              <a:extLst>
+                <a:ext uri="{28A0092B-C50C-407E-A947-70E740481C1C}">
+                  <a14:useLocalDpi xmlns:a14="http://schemas.microsoft.com/office/drawing/2010/main" val="0"/>
+                </a:ext>
+              </a:extLst>
+            </a:blip>
+            <a:stretch>
+              <a:fillRect/>
+            </a:stretch>
+          </p:blipFill>
+          <p:spPr>
+            <a:xfrm>
+              <a:off x="327166" y="0"/>
+              <a:ext cx="1566153" cy="1342417"/>
+            </a:xfrm>
+            <a:prstGeom prst="rect">
+              <a:avLst/>
+            </a:prstGeom>
+          </p:spPr>
+        </p:pic>
+      </p:grpSp>
+      <p:sp>
+        <p:nvSpPr>
+          <p:cNvPr id="12" name="ZoneTexte 11">
+            <a:extLst>
+              <a:ext uri="{FF2B5EF4-FFF2-40B4-BE49-F238E27FC236}">
+                <a16:creationId xmlns:a16="http://schemas.microsoft.com/office/drawing/2014/main" id="{B090A43C-7D0E-46E1-9FC8-BDAE21AEEC4B}"/>
+              </a:ext>
+            </a:extLst>
+          </p:cNvPr>
+          <p:cNvSpPr txBox="1"/>
+          <p:nvPr/>
+        </p:nvSpPr>
+        <p:spPr>
+          <a:xfrm>
+            <a:off x="1090367" y="1674695"/>
+            <a:ext cx="10011266" cy="523220"/>
+          </a:xfrm>
+          <a:prstGeom prst="rect">
+            <a:avLst/>
+          </a:prstGeom>
+          <a:noFill/>
+        </p:spPr>
+        <p:txBody>
+          <a:bodyPr wrap="square" rtlCol="0" anchor="t">
+            <a:spAutoFit/>
+          </a:bodyPr>
+          <a:lstStyle/>
+          <a:p>
+            <a:pPr algn="ctr"/>
+            <a:r>
+              <a:rPr lang="fr-FR" sz="2800" b="1">
+                <a:latin typeface="Helvetica" panose="020B0604020202030204" pitchFamily="34" charset="0"/>
+              </a:rPr>
+              <a:t>Algorithme de modification</a:t>
+            </a:r>
+            <a:r>
+              <a:rPr lang="fr-FR" sz="2800" b="1">
+                <a:latin typeface="Helvetica" panose="020B0604020202030204" pitchFamily="34" charset="0"/>
+                <a:cs typeface="Helvetica"/>
+              </a:rPr>
+              <a:t> d'un article</a:t>
+            </a:r>
+          </a:p>
+        </p:txBody>
+      </p:sp>
+      <p:pic>
+        <p:nvPicPr>
+          <p:cNvPr id="2" name="Image 2" descr="Captur4.PNG">
+            <a:extLst>
+              <a:ext uri="{FF2B5EF4-FFF2-40B4-BE49-F238E27FC236}">
+                <a16:creationId xmlns:a16="http://schemas.microsoft.com/office/drawing/2014/main" id="{DC149F73-85B0-40D1-80A4-DE0A7096884D}"/>
+              </a:ext>
+            </a:extLst>
+          </p:cNvPr>
+          <p:cNvPicPr>
+            <a:picLocks noChangeAspect="1"/>
+          </p:cNvPicPr>
+          <p:nvPr/>
+        </p:nvPicPr>
+        <p:blipFill>
+          <a:blip r:embed="rId3"/>
+          <a:stretch>
+            <a:fillRect/>
+          </a:stretch>
+        </p:blipFill>
+        <p:spPr>
+          <a:xfrm>
+            <a:off x="6232525" y="2205038"/>
+            <a:ext cx="4851400" cy="3842006"/>
+          </a:xfrm>
+          <a:prstGeom prst="rect">
+            <a:avLst/>
+          </a:prstGeom>
+        </p:spPr>
+      </p:pic>
+      <p:sp>
+        <p:nvSpPr>
+          <p:cNvPr id="8" name="Rectangle : coins arrondis 7">
+            <a:extLst>
+              <a:ext uri="{FF2B5EF4-FFF2-40B4-BE49-F238E27FC236}">
+                <a16:creationId xmlns:a16="http://schemas.microsoft.com/office/drawing/2014/main" id="{7D6C3956-3F81-4A80-BDA9-D9477D1658FF}"/>
+              </a:ext>
+            </a:extLst>
+          </p:cNvPr>
+          <p:cNvSpPr/>
+          <p:nvPr/>
+        </p:nvSpPr>
+        <p:spPr>
+          <a:xfrm>
+            <a:off x="6261100" y="2505075"/>
+            <a:ext cx="4781780" cy="2189163"/>
+          </a:xfrm>
+          <a:prstGeom prst="roundRect">
+            <a:avLst/>
+          </a:prstGeom>
+          <a:noFill/>
+          <a:ln w="28575">
+            <a:solidFill>
+              <a:srgbClr val="92D050"/>
+            </a:solidFill>
+          </a:ln>
+        </p:spPr>
+        <p:style>
+          <a:lnRef idx="2">
+            <a:schemeClr val="accent1">
+              <a:shade val="50000"/>
+            </a:schemeClr>
+          </a:lnRef>
+          <a:fillRef idx="1">
+            <a:schemeClr val="accent1"/>
+          </a:fillRef>
+          <a:effectRef idx="0">
+            <a:schemeClr val="accent1"/>
+          </a:effectRef>
+          <a:fontRef idx="minor">
+            <a:schemeClr val="lt1"/>
+          </a:fontRef>
+        </p:style>
+        <p:txBody>
+          <a:bodyPr rtlCol="0" anchor="ctr"/>
+          <a:lstStyle/>
+          <a:p>
+            <a:pPr algn="ctr"/>
+            <a:endParaRPr lang="fr-FR"/>
+          </a:p>
+        </p:txBody>
+      </p:sp>
+      <p:pic>
+        <p:nvPicPr>
+          <p:cNvPr id="13" name="Image 25" descr="Capture6.PNG">
+            <a:extLst>
+              <a:ext uri="{FF2B5EF4-FFF2-40B4-BE49-F238E27FC236}">
+                <a16:creationId xmlns:a16="http://schemas.microsoft.com/office/drawing/2014/main" id="{D92D3330-1409-4723-AECC-11F96BCFD1B8}"/>
+              </a:ext>
+            </a:extLst>
+          </p:cNvPr>
+          <p:cNvPicPr>
+            <a:picLocks noChangeAspect="1"/>
+          </p:cNvPicPr>
+          <p:nvPr/>
+        </p:nvPicPr>
+        <p:blipFill>
+          <a:blip r:embed="rId4"/>
+          <a:stretch>
+            <a:fillRect/>
+          </a:stretch>
+        </p:blipFill>
+        <p:spPr>
+          <a:xfrm>
+            <a:off x="1092200" y="2193322"/>
+            <a:ext cx="4869535" cy="3911600"/>
+          </a:xfrm>
+          <a:prstGeom prst="rect">
+            <a:avLst/>
+          </a:prstGeom>
+        </p:spPr>
+      </p:pic>
+      <p:sp>
+        <p:nvSpPr>
+          <p:cNvPr id="9" name="Rectangle à coins arrondis 8"/>
+          <p:cNvSpPr/>
+          <p:nvPr/>
+        </p:nvSpPr>
+        <p:spPr>
+          <a:xfrm>
+            <a:off x="1090613" y="3990975"/>
+            <a:ext cx="4879975" cy="1314532"/>
+          </a:xfrm>
+          <a:prstGeom prst="roundRect">
+            <a:avLst/>
+          </a:prstGeom>
+          <a:noFill/>
+          <a:ln w="28575">
+            <a:solidFill>
+              <a:srgbClr val="92D050"/>
+            </a:solidFill>
+          </a:ln>
+        </p:spPr>
+        <p:style>
+          <a:lnRef idx="2">
+            <a:schemeClr val="accent1">
+              <a:shade val="50000"/>
+            </a:schemeClr>
+          </a:lnRef>
+          <a:fillRef idx="1">
+            <a:schemeClr val="accent1"/>
+          </a:fillRef>
+          <a:effectRef idx="0">
+            <a:schemeClr val="accent1"/>
+          </a:effectRef>
+          <a:fontRef idx="minor">
+            <a:schemeClr val="lt1"/>
+          </a:fontRef>
+        </p:style>
+        <p:txBody>
+          <a:bodyPr rtlCol="0" anchor="ctr"/>
+          <a:lstStyle/>
+          <a:p>
+            <a:pPr algn="ctr"/>
+            <a:endParaRPr lang="fr-FR"/>
+          </a:p>
+        </p:txBody>
+      </p:sp>
+    </p:spTree>
+    <p:extLst>
+      <p:ext uri="{BB962C8B-B14F-4D97-AF65-F5344CB8AC3E}">
+        <p14:creationId xmlns:p14="http://schemas.microsoft.com/office/powerpoint/2010/main" val="3888904921"/>
+      </p:ext>
+    </p:extLst>
+  </p:cSld>
+  <p:clrMapOvr>
+    <a:masterClrMapping/>
+  </p:clrMapOvr>
+</p:sld>
+</file>
+
+<file path=ppt/slides/slide17.xml><?xml version="1.0" encoding="utf-8"?>
+<p:sld xmlns:a="http://schemas.openxmlformats.org/drawingml/2006/main" xmlns:r="http://schemas.openxmlformats.org/officeDocument/2006/relationships" xmlns:p="http://schemas.openxmlformats.org/presentationml/2006/main">
+  <p:cSld>
+    <p:spTree>
+      <p:nvGrpSpPr>
+        <p:cNvPr id="1" name=""/>
+        <p:cNvGrpSpPr/>
+        <p:nvPr/>
+      </p:nvGrpSpPr>
+      <p:grpSpPr>
+        <a:xfrm>
+          <a:off x="0" y="0"/>
+          <a:ext cx="0" cy="0"/>
+          <a:chOff x="0" y="0"/>
+          <a:chExt cx="0" cy="0"/>
+        </a:xfrm>
+      </p:grpSpPr>
+      <p:sp>
+        <p:nvSpPr>
+          <p:cNvPr id="10" name="ZoneTexte 9">
+            <a:extLst>
+              <a:ext uri="{FF2B5EF4-FFF2-40B4-BE49-F238E27FC236}">
+                <a16:creationId xmlns:a16="http://schemas.microsoft.com/office/drawing/2014/main" id="{CE36D8FB-1CD3-4D19-A954-A2CE97724692}"/>
+              </a:ext>
+            </a:extLst>
+          </p:cNvPr>
+          <p:cNvSpPr txBox="1"/>
+          <p:nvPr/>
+        </p:nvSpPr>
+        <p:spPr>
+          <a:xfrm>
+            <a:off x="359759" y="1225685"/>
+            <a:ext cx="11472482" cy="5369668"/>
+          </a:xfrm>
+          <a:prstGeom prst="rect">
+            <a:avLst/>
+          </a:prstGeom>
+          <a:solidFill>
+            <a:srgbClr val="FED449">
+              <a:alpha val="50000"/>
+            </a:srgbClr>
+          </a:solidFill>
+          <a:effectLst>
+            <a:softEdge rad="152400"/>
+          </a:effectLst>
+        </p:spPr>
+        <p:txBody>
+          <a:bodyPr wrap="square" rtlCol="0">
+            <a:spAutoFit/>
+          </a:bodyPr>
+          <a:lstStyle/>
+          <a:p>
+            <a:endParaRPr lang="fr-FR"/>
+          </a:p>
+        </p:txBody>
+      </p:sp>
+      <p:grpSp>
+        <p:nvGrpSpPr>
+          <p:cNvPr id="7" name="Groupe 6">
+            <a:extLst>
+              <a:ext uri="{FF2B5EF4-FFF2-40B4-BE49-F238E27FC236}">
+                <a16:creationId xmlns:a16="http://schemas.microsoft.com/office/drawing/2014/main" id="{67E81936-583F-45AD-82CC-A5C937F4C87C}"/>
+              </a:ext>
+            </a:extLst>
+          </p:cNvPr>
+          <p:cNvGrpSpPr/>
+          <p:nvPr/>
+        </p:nvGrpSpPr>
+        <p:grpSpPr>
+          <a:xfrm>
+            <a:off x="327166" y="0"/>
+            <a:ext cx="11251304" cy="1342417"/>
+            <a:chOff x="327166" y="0"/>
+            <a:chExt cx="11251304" cy="1342417"/>
+          </a:xfrm>
+        </p:grpSpPr>
+        <p:sp>
+          <p:nvSpPr>
+            <p:cNvPr id="4" name="Flèche : chevron 3">
+              <a:extLst>
+                <a:ext uri="{FF2B5EF4-FFF2-40B4-BE49-F238E27FC236}">
+                  <a16:creationId xmlns:a16="http://schemas.microsoft.com/office/drawing/2014/main" id="{60D600DE-6FA0-4280-A81A-6DBE7691E92C}"/>
+                </a:ext>
+              </a:extLst>
+            </p:cNvPr>
+            <p:cNvSpPr/>
+            <p:nvPr/>
+          </p:nvSpPr>
+          <p:spPr>
+            <a:xfrm>
+              <a:off x="1268691" y="332278"/>
+              <a:ext cx="2309567" cy="688157"/>
+            </a:xfrm>
+            <a:prstGeom prst="chevron">
+              <a:avLst/>
+            </a:prstGeom>
+            <a:solidFill>
+              <a:srgbClr val="FED449"/>
+            </a:solidFill>
+            <a:ln>
+              <a:solidFill>
+                <a:schemeClr val="bg1"/>
+              </a:solidFill>
+            </a:ln>
+          </p:spPr>
+          <p:style>
+            <a:lnRef idx="2">
+              <a:schemeClr val="accent1">
+                <a:shade val="50000"/>
+              </a:schemeClr>
+            </a:lnRef>
+            <a:fillRef idx="1">
+              <a:schemeClr val="accent1"/>
+            </a:fillRef>
+            <a:effectRef idx="0">
+              <a:schemeClr val="accent1"/>
+            </a:effectRef>
+            <a:fontRef idx="minor">
+              <a:schemeClr val="lt1"/>
+            </a:fontRef>
+          </p:style>
+          <p:txBody>
+            <a:bodyPr rtlCol="0" anchor="ctr"/>
+            <a:lstStyle/>
+            <a:p>
+              <a:pPr algn="ctr"/>
+              <a:r>
+                <a:rPr lang="fr-FR" sz="1500" b="1">
+                  <a:solidFill>
+                    <a:schemeClr val="bg1"/>
+                  </a:solidFill>
+                  <a:effectLst>
+                    <a:outerShdw blurRad="38100" dist="76200" dir="2700000" algn="tl">
+                      <a:srgbClr val="000000"/>
+                    </a:outerShdw>
+                  </a:effectLst>
+                  <a:latin typeface="Helvetica" panose="020B0604020202030204" pitchFamily="34" charset="0"/>
+                </a:rPr>
+                <a:t>Etude du projet</a:t>
+              </a:r>
+            </a:p>
+          </p:txBody>
+        </p:sp>
+        <p:sp>
+          <p:nvSpPr>
+            <p:cNvPr id="16" name="Flèche : chevron 15">
+              <a:extLst>
+                <a:ext uri="{FF2B5EF4-FFF2-40B4-BE49-F238E27FC236}">
+                  <a16:creationId xmlns:a16="http://schemas.microsoft.com/office/drawing/2014/main" id="{F7655D32-22EC-4542-883E-4033865C1471}"/>
+                </a:ext>
+              </a:extLst>
+            </p:cNvPr>
+            <p:cNvSpPr/>
+            <p:nvPr/>
+          </p:nvSpPr>
+          <p:spPr>
+            <a:xfrm>
+              <a:off x="9268903" y="332277"/>
+              <a:ext cx="2309567" cy="688157"/>
+            </a:xfrm>
+            <a:prstGeom prst="chevron">
+              <a:avLst/>
+            </a:prstGeom>
+            <a:solidFill>
+              <a:srgbClr val="FED449"/>
+            </a:solidFill>
+            <a:ln>
+              <a:solidFill>
+                <a:schemeClr val="bg1"/>
+              </a:solidFill>
+            </a:ln>
+          </p:spPr>
+          <p:style>
+            <a:lnRef idx="2">
+              <a:schemeClr val="accent1">
+                <a:shade val="50000"/>
+              </a:schemeClr>
+            </a:lnRef>
+            <a:fillRef idx="1">
+              <a:schemeClr val="accent1"/>
+            </a:fillRef>
+            <a:effectRef idx="0">
+              <a:schemeClr val="accent1"/>
+            </a:effectRef>
+            <a:fontRef idx="minor">
+              <a:schemeClr val="lt1"/>
+            </a:fontRef>
+          </p:style>
+          <p:txBody>
+            <a:bodyPr rtlCol="0" anchor="ctr"/>
+            <a:lstStyle/>
+            <a:p>
+              <a:pPr algn="ctr"/>
+              <a:r>
+                <a:rPr lang="fr-FR" sz="1600" b="1">
+                  <a:solidFill>
+                    <a:schemeClr val="bg1"/>
+                  </a:solidFill>
+                  <a:effectLst>
+                    <a:outerShdw blurRad="38100" dist="76200" dir="2700000" algn="tl">
+                      <a:srgbClr val="000000"/>
+                    </a:outerShdw>
+                  </a:effectLst>
+                  <a:latin typeface="Helvetica" panose="020B0604020202030204" pitchFamily="34" charset="0"/>
+                </a:rPr>
+                <a:t>Conclusion</a:t>
+              </a:r>
+            </a:p>
+          </p:txBody>
+        </p:sp>
+        <p:sp>
+          <p:nvSpPr>
+            <p:cNvPr id="17" name="Flèche : chevron 16">
+              <a:extLst>
+                <a:ext uri="{FF2B5EF4-FFF2-40B4-BE49-F238E27FC236}">
+                  <a16:creationId xmlns:a16="http://schemas.microsoft.com/office/drawing/2014/main" id="{30C36617-CB5C-40F8-B05D-7053886FD5EF}"/>
+                </a:ext>
+              </a:extLst>
+            </p:cNvPr>
+            <p:cNvSpPr/>
+            <p:nvPr/>
+          </p:nvSpPr>
+          <p:spPr>
+            <a:xfrm>
+              <a:off x="3268744" y="332277"/>
+              <a:ext cx="2309567" cy="688157"/>
+            </a:xfrm>
+            <a:prstGeom prst="chevron">
+              <a:avLst/>
+            </a:prstGeom>
+            <a:solidFill>
+              <a:srgbClr val="FED449"/>
+            </a:solidFill>
+            <a:ln>
+              <a:solidFill>
+                <a:schemeClr val="bg1"/>
+              </a:solidFill>
+            </a:ln>
+          </p:spPr>
+          <p:style>
+            <a:lnRef idx="2">
+              <a:schemeClr val="accent1">
+                <a:shade val="50000"/>
+              </a:schemeClr>
+            </a:lnRef>
+            <a:fillRef idx="1">
+              <a:schemeClr val="accent1"/>
+            </a:fillRef>
+            <a:effectRef idx="0">
+              <a:schemeClr val="accent1"/>
+            </a:effectRef>
+            <a:fontRef idx="minor">
+              <a:schemeClr val="lt1"/>
+            </a:fontRef>
+          </p:style>
+          <p:txBody>
+            <a:bodyPr rtlCol="0" anchor="ctr"/>
+            <a:lstStyle/>
+            <a:p>
+              <a:pPr algn="ctr"/>
+              <a:r>
+                <a:rPr lang="fr-FR" sz="1500" b="1">
+                  <a:solidFill>
+                    <a:schemeClr val="bg1"/>
+                  </a:solidFill>
+                  <a:effectLst>
+                    <a:outerShdw blurRad="38100" dist="76200" dir="2700000" algn="tl">
+                      <a:srgbClr val="000000"/>
+                    </a:outerShdw>
+                  </a:effectLst>
+                  <a:latin typeface="Helvetica" panose="020B0604020202030204" pitchFamily="34" charset="0"/>
+                </a:rPr>
+                <a:t>Organisation</a:t>
+              </a:r>
+            </a:p>
+          </p:txBody>
+        </p:sp>
+        <p:sp>
+          <p:nvSpPr>
+            <p:cNvPr id="18" name="Flèche : chevron 17">
+              <a:extLst>
+                <a:ext uri="{FF2B5EF4-FFF2-40B4-BE49-F238E27FC236}">
+                  <a16:creationId xmlns:a16="http://schemas.microsoft.com/office/drawing/2014/main" id="{A33478E5-51C7-4324-9E5C-0845E032CF0C}"/>
+                </a:ext>
+              </a:extLst>
+            </p:cNvPr>
+            <p:cNvSpPr/>
+            <p:nvPr/>
+          </p:nvSpPr>
+          <p:spPr>
+            <a:xfrm>
+              <a:off x="5268797" y="332704"/>
+              <a:ext cx="2309567" cy="688157"/>
+            </a:xfrm>
+            <a:prstGeom prst="chevron">
+              <a:avLst/>
+            </a:prstGeom>
+            <a:solidFill>
+              <a:srgbClr val="88CE62"/>
+            </a:solidFill>
+            <a:ln>
+              <a:solidFill>
+                <a:schemeClr val="bg1"/>
+              </a:solidFill>
+            </a:ln>
+          </p:spPr>
+          <p:style>
+            <a:lnRef idx="2">
+              <a:schemeClr val="accent1">
+                <a:shade val="50000"/>
+              </a:schemeClr>
+            </a:lnRef>
+            <a:fillRef idx="1">
+              <a:schemeClr val="accent1"/>
+            </a:fillRef>
+            <a:effectRef idx="0">
+              <a:schemeClr val="accent1"/>
+            </a:effectRef>
+            <a:fontRef idx="minor">
+              <a:schemeClr val="lt1"/>
+            </a:fontRef>
+          </p:style>
+          <p:txBody>
+            <a:bodyPr rtlCol="0" anchor="ctr"/>
+            <a:lstStyle/>
+            <a:p>
+              <a:pPr algn="ctr"/>
+              <a:r>
+                <a:rPr lang="fr-FR" sz="1500" b="1">
+                  <a:solidFill>
+                    <a:schemeClr val="bg1"/>
+                  </a:solidFill>
+                  <a:effectLst>
+                    <a:outerShdw blurRad="38100" dist="76200" dir="2700000" algn="tl">
+                      <a:srgbClr val="000000"/>
+                    </a:outerShdw>
+                  </a:effectLst>
+                  <a:latin typeface="Helvetica" panose="020B0604020202030204" pitchFamily="34" charset="0"/>
+                </a:rPr>
+                <a:t>Développement</a:t>
+              </a:r>
+            </a:p>
+          </p:txBody>
+        </p:sp>
+        <p:sp>
+          <p:nvSpPr>
+            <p:cNvPr id="19" name="Flèche : chevron 18">
+              <a:extLst>
+                <a:ext uri="{FF2B5EF4-FFF2-40B4-BE49-F238E27FC236}">
+                  <a16:creationId xmlns:a16="http://schemas.microsoft.com/office/drawing/2014/main" id="{8795E004-010B-4219-8B10-37FA6D3A7781}"/>
+                </a:ext>
+              </a:extLst>
+            </p:cNvPr>
+            <p:cNvSpPr/>
+            <p:nvPr/>
+          </p:nvSpPr>
+          <p:spPr>
+            <a:xfrm>
+              <a:off x="7268850" y="332703"/>
+              <a:ext cx="2309567" cy="688157"/>
+            </a:xfrm>
+            <a:prstGeom prst="chevron">
+              <a:avLst/>
+            </a:prstGeom>
+            <a:solidFill>
+              <a:srgbClr val="FED449"/>
+            </a:solidFill>
+            <a:ln>
+              <a:solidFill>
+                <a:schemeClr val="bg1"/>
+              </a:solidFill>
+            </a:ln>
+          </p:spPr>
+          <p:style>
+            <a:lnRef idx="2">
+              <a:schemeClr val="accent1">
+                <a:shade val="50000"/>
+              </a:schemeClr>
+            </a:lnRef>
+            <a:fillRef idx="1">
+              <a:schemeClr val="accent1"/>
+            </a:fillRef>
+            <a:effectRef idx="0">
+              <a:schemeClr val="accent1"/>
+            </a:effectRef>
+            <a:fontRef idx="minor">
+              <a:schemeClr val="lt1"/>
+            </a:fontRef>
+          </p:style>
+          <p:txBody>
+            <a:bodyPr rtlCol="0" anchor="ctr"/>
+            <a:lstStyle/>
+            <a:p>
+              <a:pPr algn="ctr"/>
+              <a:r>
+                <a:rPr lang="fr-FR" sz="1500" b="1">
+                  <a:solidFill>
+                    <a:schemeClr val="bg1"/>
+                  </a:solidFill>
+                  <a:effectLst>
+                    <a:outerShdw blurRad="38100" dist="76200" dir="2700000" algn="tl">
+                      <a:srgbClr val="000000"/>
+                    </a:outerShdw>
+                  </a:effectLst>
+                  <a:latin typeface="Helvetica" panose="020B0604020202030204" pitchFamily="34" charset="0"/>
+                </a:rPr>
+                <a:t>Démonstration</a:t>
+              </a:r>
+              <a:endParaRPr lang="fr-FR" sz="1500">
+                <a:solidFill>
+                  <a:schemeClr val="tx1"/>
+                </a:solidFill>
+              </a:endParaRPr>
+            </a:p>
+          </p:txBody>
+        </p:sp>
+        <p:pic>
+          <p:nvPicPr>
+            <p:cNvPr id="6" name="Image 5">
+              <a:extLst>
+                <a:ext uri="{FF2B5EF4-FFF2-40B4-BE49-F238E27FC236}">
+                  <a16:creationId xmlns:a16="http://schemas.microsoft.com/office/drawing/2014/main" id="{2D0A881D-5AC2-4766-BD4C-5405D55C11A5}"/>
+                </a:ext>
+              </a:extLst>
+            </p:cNvPr>
+            <p:cNvPicPr>
+              <a:picLocks noChangeAspect="1"/>
+            </p:cNvPicPr>
+            <p:nvPr/>
+          </p:nvPicPr>
+          <p:blipFill>
+            <a:blip r:embed="rId2" cstate="print">
+              <a:extLst>
+                <a:ext uri="{28A0092B-C50C-407E-A947-70E740481C1C}">
+                  <a14:useLocalDpi xmlns:a14="http://schemas.microsoft.com/office/drawing/2010/main" val="0"/>
+                </a:ext>
+              </a:extLst>
+            </a:blip>
+            <a:stretch>
+              <a:fillRect/>
+            </a:stretch>
+          </p:blipFill>
+          <p:spPr>
+            <a:xfrm>
+              <a:off x="327166" y="0"/>
+              <a:ext cx="1566153" cy="1342417"/>
+            </a:xfrm>
+            <a:prstGeom prst="rect">
+              <a:avLst/>
+            </a:prstGeom>
+          </p:spPr>
+        </p:pic>
+      </p:grpSp>
+      <p:sp>
+        <p:nvSpPr>
+          <p:cNvPr id="12" name="ZoneTexte 11">
+            <a:extLst>
+              <a:ext uri="{FF2B5EF4-FFF2-40B4-BE49-F238E27FC236}">
+                <a16:creationId xmlns:a16="http://schemas.microsoft.com/office/drawing/2014/main" id="{B090A43C-7D0E-46E1-9FC8-BDAE21AEEC4B}"/>
+              </a:ext>
+            </a:extLst>
+          </p:cNvPr>
+          <p:cNvSpPr txBox="1"/>
+          <p:nvPr/>
+        </p:nvSpPr>
+        <p:spPr>
+          <a:xfrm>
+            <a:off x="1090367" y="1674695"/>
+            <a:ext cx="10011266" cy="523220"/>
+          </a:xfrm>
+          <a:prstGeom prst="rect">
+            <a:avLst/>
+          </a:prstGeom>
+          <a:noFill/>
+        </p:spPr>
+        <p:txBody>
+          <a:bodyPr wrap="square" rtlCol="0" anchor="t">
+            <a:spAutoFit/>
+          </a:bodyPr>
+          <a:lstStyle/>
+          <a:p>
+            <a:pPr algn="ctr"/>
+            <a:r>
+              <a:rPr lang="fr-FR" sz="2800" b="1">
+                <a:latin typeface="Helvetica" panose="020B0604020202030204" pitchFamily="34" charset="0"/>
+              </a:rPr>
+              <a:t>Algorithme de modification</a:t>
+            </a:r>
+            <a:r>
+              <a:rPr lang="fr-FR" sz="2800" b="1">
+                <a:latin typeface="Helvetica" panose="020B0604020202030204" pitchFamily="34" charset="0"/>
+                <a:cs typeface="Helvetica"/>
+              </a:rPr>
+              <a:t> d'un article</a:t>
+            </a:r>
+          </a:p>
+        </p:txBody>
+      </p:sp>
+      <p:pic>
+        <p:nvPicPr>
+          <p:cNvPr id="2" name="Image 2" descr="Captur4.PNG">
+            <a:extLst>
+              <a:ext uri="{FF2B5EF4-FFF2-40B4-BE49-F238E27FC236}">
+                <a16:creationId xmlns:a16="http://schemas.microsoft.com/office/drawing/2014/main" id="{DC149F73-85B0-40D1-80A4-DE0A7096884D}"/>
+              </a:ext>
+            </a:extLst>
+          </p:cNvPr>
+          <p:cNvPicPr>
+            <a:picLocks noChangeAspect="1"/>
+          </p:cNvPicPr>
+          <p:nvPr/>
+        </p:nvPicPr>
+        <p:blipFill>
+          <a:blip r:embed="rId3"/>
+          <a:stretch>
+            <a:fillRect/>
+          </a:stretch>
+        </p:blipFill>
+        <p:spPr>
+          <a:xfrm>
+            <a:off x="6232525" y="2205038"/>
+            <a:ext cx="4851400" cy="3842006"/>
+          </a:xfrm>
+          <a:prstGeom prst="rect">
+            <a:avLst/>
+          </a:prstGeom>
+        </p:spPr>
+      </p:pic>
+      <p:sp>
+        <p:nvSpPr>
+          <p:cNvPr id="8" name="Rectangle : coins arrondis 7">
+            <a:extLst>
+              <a:ext uri="{FF2B5EF4-FFF2-40B4-BE49-F238E27FC236}">
+                <a16:creationId xmlns:a16="http://schemas.microsoft.com/office/drawing/2014/main" id="{7D6C3956-3F81-4A80-BDA9-D9477D1658FF}"/>
+              </a:ext>
+            </a:extLst>
+          </p:cNvPr>
+          <p:cNvSpPr/>
+          <p:nvPr/>
+        </p:nvSpPr>
+        <p:spPr>
+          <a:xfrm>
+            <a:off x="6256338" y="4660900"/>
+            <a:ext cx="4824412" cy="1349375"/>
+          </a:xfrm>
+          <a:prstGeom prst="roundRect">
+            <a:avLst/>
+          </a:prstGeom>
+          <a:noFill/>
+          <a:ln w="28575">
+            <a:solidFill>
+              <a:srgbClr val="92D050"/>
+            </a:solidFill>
+          </a:ln>
+        </p:spPr>
+        <p:style>
+          <a:lnRef idx="2">
+            <a:schemeClr val="accent1">
+              <a:shade val="50000"/>
+            </a:schemeClr>
+          </a:lnRef>
+          <a:fillRef idx="1">
+            <a:schemeClr val="accent1"/>
+          </a:fillRef>
+          <a:effectRef idx="0">
+            <a:schemeClr val="accent1"/>
+          </a:effectRef>
+          <a:fontRef idx="minor">
+            <a:schemeClr val="lt1"/>
+          </a:fontRef>
+        </p:style>
+        <p:txBody>
+          <a:bodyPr rtlCol="0" anchor="ctr"/>
+          <a:lstStyle/>
+          <a:p>
+            <a:pPr algn="ctr"/>
+            <a:endParaRPr lang="fr-FR"/>
+          </a:p>
+        </p:txBody>
+      </p:sp>
+      <p:pic>
+        <p:nvPicPr>
+          <p:cNvPr id="11" name="Image 25" descr="Capture6.PNG">
+            <a:extLst>
+              <a:ext uri="{FF2B5EF4-FFF2-40B4-BE49-F238E27FC236}">
+                <a16:creationId xmlns:a16="http://schemas.microsoft.com/office/drawing/2014/main" id="{9B43A25D-202F-4B22-814F-B4FC425175D4}"/>
+              </a:ext>
+            </a:extLst>
+          </p:cNvPr>
+          <p:cNvPicPr>
+            <a:picLocks noChangeAspect="1"/>
+          </p:cNvPicPr>
+          <p:nvPr/>
+        </p:nvPicPr>
+        <p:blipFill>
+          <a:blip r:embed="rId4"/>
+          <a:stretch>
+            <a:fillRect/>
+          </a:stretch>
+        </p:blipFill>
+        <p:spPr>
+          <a:xfrm>
+            <a:off x="1092200" y="2193322"/>
+            <a:ext cx="4869535" cy="3911600"/>
+          </a:xfrm>
+          <a:prstGeom prst="rect">
+            <a:avLst/>
+          </a:prstGeom>
+        </p:spPr>
+      </p:pic>
+      <p:sp>
+        <p:nvSpPr>
+          <p:cNvPr id="9" name="Rectangle à coins arrondis 8"/>
+          <p:cNvSpPr/>
+          <p:nvPr/>
+        </p:nvSpPr>
+        <p:spPr>
+          <a:xfrm>
+            <a:off x="1112838" y="5270500"/>
+            <a:ext cx="4830762" cy="803193"/>
+          </a:xfrm>
+          <a:prstGeom prst="roundRect">
+            <a:avLst/>
+          </a:prstGeom>
+          <a:noFill/>
+          <a:ln w="28575">
+            <a:solidFill>
+              <a:srgbClr val="92D050"/>
+            </a:solidFill>
+          </a:ln>
+        </p:spPr>
+        <p:style>
+          <a:lnRef idx="2">
+            <a:schemeClr val="accent1">
+              <a:shade val="50000"/>
+            </a:schemeClr>
+          </a:lnRef>
+          <a:fillRef idx="1">
+            <a:schemeClr val="accent1"/>
+          </a:fillRef>
+          <a:effectRef idx="0">
+            <a:schemeClr val="accent1"/>
+          </a:effectRef>
+          <a:fontRef idx="minor">
+            <a:schemeClr val="lt1"/>
+          </a:fontRef>
+        </p:style>
+        <p:txBody>
+          <a:bodyPr rtlCol="0" anchor="ctr"/>
+          <a:lstStyle/>
+          <a:p>
+            <a:pPr algn="ctr"/>
+            <a:endParaRPr lang="fr-FR"/>
+          </a:p>
+        </p:txBody>
+      </p:sp>
+    </p:spTree>
+    <p:extLst>
+      <p:ext uri="{BB962C8B-B14F-4D97-AF65-F5344CB8AC3E}">
+        <p14:creationId xmlns:p14="http://schemas.microsoft.com/office/powerpoint/2010/main" val="3733820821"/>
+      </p:ext>
+    </p:extLst>
+  </p:cSld>
+  <p:clrMapOvr>
+    <a:masterClrMapping/>
+  </p:clrMapOvr>
+</p:sld>
+</file>
+
+<file path=ppt/slides/slide18.xml><?xml version="1.0" encoding="utf-8"?>
+<p:sld xmlns:a="http://schemas.openxmlformats.org/drawingml/2006/main" xmlns:r="http://schemas.openxmlformats.org/officeDocument/2006/relationships" xmlns:p="http://schemas.openxmlformats.org/presentationml/2006/main">
+  <p:cSld>
+    <p:bg>
+      <p:bgPr>
+        <a:blipFill dpi="0" rotWithShape="1">
+          <a:blip r:embed="rId2">
+            <a:lum/>
+          </a:blip>
+          <a:srcRect/>
+          <a:stretch>
+            <a:fillRect/>
+          </a:stretch>
+        </a:blipFill>
+        <a:effectLst/>
+      </p:bgPr>
+    </p:bg>
+    <p:spTree>
+      <p:nvGrpSpPr>
+        <p:cNvPr id="1" name=""/>
+        <p:cNvGrpSpPr/>
+        <p:nvPr/>
+      </p:nvGrpSpPr>
+      <p:grpSpPr>
+        <a:xfrm>
+          <a:off x="0" y="0"/>
+          <a:ext cx="0" cy="0"/>
+          <a:chOff x="0" y="0"/>
+          <a:chExt cx="0" cy="0"/>
+        </a:xfrm>
+      </p:grpSpPr>
+      <p:grpSp>
+        <p:nvGrpSpPr>
+          <p:cNvPr id="7" name="Groupe 6">
+            <a:extLst>
+              <a:ext uri="{FF2B5EF4-FFF2-40B4-BE49-F238E27FC236}">
+                <a16:creationId xmlns:a16="http://schemas.microsoft.com/office/drawing/2014/main" id="{67E81936-583F-45AD-82CC-A5C937F4C87C}"/>
+              </a:ext>
+            </a:extLst>
+          </p:cNvPr>
+          <p:cNvGrpSpPr/>
+          <p:nvPr/>
+        </p:nvGrpSpPr>
+        <p:grpSpPr>
+          <a:xfrm>
+            <a:off x="327166" y="0"/>
+            <a:ext cx="11251304" cy="1342417"/>
+            <a:chOff x="327166" y="0"/>
+            <a:chExt cx="11251304" cy="1342417"/>
+          </a:xfrm>
+        </p:grpSpPr>
+        <p:sp>
+          <p:nvSpPr>
+            <p:cNvPr id="4" name="Flèche : chevron 3">
+              <a:extLst>
+                <a:ext uri="{FF2B5EF4-FFF2-40B4-BE49-F238E27FC236}">
+                  <a16:creationId xmlns:a16="http://schemas.microsoft.com/office/drawing/2014/main" id="{60D600DE-6FA0-4280-A81A-6DBE7691E92C}"/>
+                </a:ext>
+              </a:extLst>
+            </p:cNvPr>
+            <p:cNvSpPr/>
+            <p:nvPr/>
+          </p:nvSpPr>
+          <p:spPr>
+            <a:xfrm>
+              <a:off x="1268691" y="332278"/>
+              <a:ext cx="2309567" cy="688157"/>
+            </a:xfrm>
+            <a:prstGeom prst="chevron">
+              <a:avLst/>
+            </a:prstGeom>
+            <a:solidFill>
+              <a:srgbClr val="FED449"/>
+            </a:solidFill>
+            <a:ln>
+              <a:solidFill>
+                <a:schemeClr val="bg1"/>
+              </a:solidFill>
+            </a:ln>
+          </p:spPr>
+          <p:style>
+            <a:lnRef idx="2">
+              <a:schemeClr val="accent1">
+                <a:shade val="50000"/>
+              </a:schemeClr>
+            </a:lnRef>
+            <a:fillRef idx="1">
+              <a:schemeClr val="accent1"/>
+            </a:fillRef>
+            <a:effectRef idx="0">
+              <a:schemeClr val="accent1"/>
+            </a:effectRef>
+            <a:fontRef idx="minor">
+              <a:schemeClr val="lt1"/>
+            </a:fontRef>
+          </p:style>
+          <p:txBody>
+            <a:bodyPr rtlCol="0" anchor="ctr"/>
+            <a:lstStyle/>
+            <a:p>
+              <a:pPr algn="ctr"/>
+              <a:r>
+                <a:rPr lang="fr-FR" sz="1500" b="1" dirty="0">
+                  <a:solidFill>
+                    <a:schemeClr val="bg1"/>
+                  </a:solidFill>
+                  <a:effectLst>
+                    <a:outerShdw blurRad="38100" dist="76200" dir="2700000" algn="tl">
+                      <a:srgbClr val="000000"/>
+                    </a:outerShdw>
+                  </a:effectLst>
+                  <a:latin typeface="Helvetica" panose="020B0604020202030204" pitchFamily="34" charset="0"/>
+                </a:rPr>
+                <a:t>Etude du projet</a:t>
+              </a:r>
+            </a:p>
+          </p:txBody>
+        </p:sp>
+        <p:sp>
+          <p:nvSpPr>
+            <p:cNvPr id="16" name="Flèche : chevron 15">
+              <a:extLst>
+                <a:ext uri="{FF2B5EF4-FFF2-40B4-BE49-F238E27FC236}">
+                  <a16:creationId xmlns:a16="http://schemas.microsoft.com/office/drawing/2014/main" id="{F7655D32-22EC-4542-883E-4033865C1471}"/>
+                </a:ext>
+              </a:extLst>
+            </p:cNvPr>
+            <p:cNvSpPr/>
+            <p:nvPr/>
+          </p:nvSpPr>
+          <p:spPr>
+            <a:xfrm>
+              <a:off x="9268903" y="332277"/>
+              <a:ext cx="2309567" cy="688157"/>
+            </a:xfrm>
+            <a:prstGeom prst="chevron">
+              <a:avLst/>
+            </a:prstGeom>
+            <a:solidFill>
+              <a:srgbClr val="FED449"/>
+            </a:solidFill>
+            <a:ln>
+              <a:solidFill>
+                <a:schemeClr val="bg1"/>
+              </a:solidFill>
+            </a:ln>
+          </p:spPr>
+          <p:style>
+            <a:lnRef idx="2">
+              <a:schemeClr val="accent1">
+                <a:shade val="50000"/>
+              </a:schemeClr>
+            </a:lnRef>
+            <a:fillRef idx="1">
+              <a:schemeClr val="accent1"/>
+            </a:fillRef>
+            <a:effectRef idx="0">
+              <a:schemeClr val="accent1"/>
+            </a:effectRef>
+            <a:fontRef idx="minor">
+              <a:schemeClr val="lt1"/>
+            </a:fontRef>
+          </p:style>
+          <p:txBody>
+            <a:bodyPr rtlCol="0" anchor="ctr"/>
+            <a:lstStyle/>
+            <a:p>
+              <a:pPr algn="ctr"/>
+              <a:r>
+                <a:rPr lang="fr-FR" sz="1600" b="1" dirty="0">
+                  <a:solidFill>
+                    <a:schemeClr val="bg1"/>
+                  </a:solidFill>
+                  <a:effectLst>
+                    <a:outerShdw blurRad="38100" dist="76200" dir="2700000" algn="tl">
+                      <a:srgbClr val="000000"/>
+                    </a:outerShdw>
+                  </a:effectLst>
+                  <a:latin typeface="Helvetica" panose="020B0604020202030204" pitchFamily="34" charset="0"/>
+                </a:rPr>
+                <a:t>Conclusion</a:t>
+              </a:r>
+            </a:p>
+          </p:txBody>
+        </p:sp>
+        <p:sp>
+          <p:nvSpPr>
+            <p:cNvPr id="17" name="Flèche : chevron 16">
+              <a:extLst>
+                <a:ext uri="{FF2B5EF4-FFF2-40B4-BE49-F238E27FC236}">
+                  <a16:creationId xmlns:a16="http://schemas.microsoft.com/office/drawing/2014/main" id="{30C36617-CB5C-40F8-B05D-7053886FD5EF}"/>
+                </a:ext>
+              </a:extLst>
+            </p:cNvPr>
+            <p:cNvSpPr/>
+            <p:nvPr/>
+          </p:nvSpPr>
+          <p:spPr>
+            <a:xfrm>
+              <a:off x="3268744" y="332277"/>
+              <a:ext cx="2309567" cy="688157"/>
+            </a:xfrm>
+            <a:prstGeom prst="chevron">
+              <a:avLst/>
+            </a:prstGeom>
+            <a:solidFill>
+              <a:srgbClr val="FED449"/>
+            </a:solidFill>
+            <a:ln>
+              <a:solidFill>
+                <a:schemeClr val="bg1"/>
+              </a:solidFill>
+            </a:ln>
+          </p:spPr>
+          <p:style>
+            <a:lnRef idx="2">
+              <a:schemeClr val="accent1">
+                <a:shade val="50000"/>
+              </a:schemeClr>
+            </a:lnRef>
+            <a:fillRef idx="1">
+              <a:schemeClr val="accent1"/>
+            </a:fillRef>
+            <a:effectRef idx="0">
+              <a:schemeClr val="accent1"/>
+            </a:effectRef>
+            <a:fontRef idx="minor">
+              <a:schemeClr val="lt1"/>
+            </a:fontRef>
+          </p:style>
+          <p:txBody>
+            <a:bodyPr rtlCol="0" anchor="ctr"/>
+            <a:lstStyle/>
+            <a:p>
+              <a:pPr algn="ctr"/>
+              <a:r>
+                <a:rPr lang="fr-FR" sz="1500" b="1" dirty="0">
+                  <a:solidFill>
+                    <a:schemeClr val="bg1"/>
+                  </a:solidFill>
+                  <a:effectLst>
+                    <a:outerShdw blurRad="38100" dist="76200" dir="2700000" algn="tl">
+                      <a:srgbClr val="000000"/>
+                    </a:outerShdw>
+                  </a:effectLst>
+                  <a:latin typeface="Helvetica" panose="020B0604020202030204" pitchFamily="34" charset="0"/>
+                </a:rPr>
+                <a:t>Organisation</a:t>
+              </a:r>
+            </a:p>
+          </p:txBody>
+        </p:sp>
+        <p:sp>
+          <p:nvSpPr>
+            <p:cNvPr id="18" name="Flèche : chevron 17">
+              <a:extLst>
+                <a:ext uri="{FF2B5EF4-FFF2-40B4-BE49-F238E27FC236}">
+                  <a16:creationId xmlns:a16="http://schemas.microsoft.com/office/drawing/2014/main" id="{A33478E5-51C7-4324-9E5C-0845E032CF0C}"/>
+                </a:ext>
+              </a:extLst>
+            </p:cNvPr>
+            <p:cNvSpPr/>
+            <p:nvPr/>
+          </p:nvSpPr>
+          <p:spPr>
+            <a:xfrm>
+              <a:off x="5268797" y="332704"/>
+              <a:ext cx="2309567" cy="688157"/>
+            </a:xfrm>
+            <a:prstGeom prst="chevron">
+              <a:avLst/>
+            </a:prstGeom>
+            <a:solidFill>
+              <a:srgbClr val="FED449"/>
+            </a:solidFill>
+            <a:ln>
+              <a:solidFill>
+                <a:schemeClr val="bg1"/>
+              </a:solidFill>
+            </a:ln>
+          </p:spPr>
+          <p:style>
+            <a:lnRef idx="2">
+              <a:schemeClr val="accent1">
+                <a:shade val="50000"/>
+              </a:schemeClr>
+            </a:lnRef>
+            <a:fillRef idx="1">
+              <a:schemeClr val="accent1"/>
+            </a:fillRef>
+            <a:effectRef idx="0">
+              <a:schemeClr val="accent1"/>
+            </a:effectRef>
+            <a:fontRef idx="minor">
+              <a:schemeClr val="lt1"/>
+            </a:fontRef>
+          </p:style>
+          <p:txBody>
+            <a:bodyPr rtlCol="0" anchor="ctr"/>
+            <a:lstStyle/>
+            <a:p>
+              <a:pPr algn="ctr"/>
+              <a:r>
+                <a:rPr lang="fr-FR" sz="1500" b="1" dirty="0">
+                  <a:solidFill>
+                    <a:schemeClr val="bg1"/>
+                  </a:solidFill>
+                  <a:effectLst>
+                    <a:outerShdw blurRad="38100" dist="76200" dir="2700000" algn="tl">
+                      <a:srgbClr val="000000"/>
+                    </a:outerShdw>
+                  </a:effectLst>
+                  <a:latin typeface="Helvetica" panose="020B0604020202030204" pitchFamily="34" charset="0"/>
+                </a:rPr>
+                <a:t>Développement</a:t>
+              </a:r>
+            </a:p>
+          </p:txBody>
+        </p:sp>
+        <p:sp>
+          <p:nvSpPr>
+            <p:cNvPr id="19" name="Flèche : chevron 18">
+              <a:extLst>
+                <a:ext uri="{FF2B5EF4-FFF2-40B4-BE49-F238E27FC236}">
+                  <a16:creationId xmlns:a16="http://schemas.microsoft.com/office/drawing/2014/main" id="{8795E004-010B-4219-8B10-37FA6D3A7781}"/>
+                </a:ext>
+              </a:extLst>
+            </p:cNvPr>
+            <p:cNvSpPr/>
+            <p:nvPr/>
+          </p:nvSpPr>
+          <p:spPr>
+            <a:xfrm>
+              <a:off x="7268850" y="332703"/>
+              <a:ext cx="2309567" cy="688157"/>
+            </a:xfrm>
+            <a:prstGeom prst="chevron">
+              <a:avLst/>
+            </a:prstGeom>
+            <a:solidFill>
+              <a:srgbClr val="88CE62"/>
             </a:solidFill>
             <a:ln>
               <a:solidFill>
@@ -4537,10 +9415,10 @@
       </p:sp>
       <p:sp>
         <p:nvSpPr>
-          <p:cNvPr id="12" name="ZoneTexte 11">
+          <p:cNvPr id="2" name="ZoneTexte 1">
             <a:extLst>
               <a:ext uri="{FF2B5EF4-FFF2-40B4-BE49-F238E27FC236}">
-                <a16:creationId xmlns:a16="http://schemas.microsoft.com/office/drawing/2014/main" id="{B090A43C-7D0E-46E1-9FC8-BDAE21AEEC4B}"/>
+                <a16:creationId xmlns:a16="http://schemas.microsoft.com/office/drawing/2014/main" id="{375A52F9-612E-4E94-BC85-FDFCE2711101}"/>
               </a:ext>
             </a:extLst>
           </p:cNvPr>
@@ -4549,8 +9427,8 @@
         </p:nvSpPr>
         <p:spPr>
           <a:xfrm>
-            <a:off x="1090367" y="1674695"/>
-            <a:ext cx="10011266" cy="523220"/>
+            <a:off x="3630891" y="3648909"/>
+            <a:ext cx="4930218" cy="523220"/>
           </a:xfrm>
           <a:prstGeom prst="rect">
             <a:avLst/>
@@ -4563,14 +9441,21 @@
           </a:bodyPr>
           <a:lstStyle/>
           <a:p>
-            <a:pPr algn="ctr"/>
             <a:r>
-              <a:rPr lang="fr-FR" sz="2800" b="1" dirty="0">
+              <a:rPr lang="fr-FR" sz="2800" dirty="0">
                 <a:latin typeface="Helvetica" panose="020B0604020202030204" pitchFamily="34" charset="0"/>
+                <a:hlinkClick r:id="rId4"/>
               </a:rPr>
-              <a:t>Connexion PHP</a:t>
+              <a:t>En avant dans l'univers </a:t>
             </a:r>
-            <a:endParaRPr lang="fr-FR" sz="2400" b="1" dirty="0">
+            <a:r>
+              <a:rPr lang="fr-FR" sz="2800" dirty="0" err="1">
+                <a:latin typeface="Helvetica" panose="020B0604020202030204" pitchFamily="34" charset="0"/>
+                <a:hlinkClick r:id="rId4"/>
+              </a:rPr>
+              <a:t>U’Pop</a:t>
+            </a:r>
+            <a:endParaRPr lang="fr-FR" sz="2800" dirty="0">
               <a:latin typeface="Helvetica" panose="020B0604020202030204" pitchFamily="34" charset="0"/>
             </a:endParaRPr>
           </a:p>
@@ -4579,7 +9464,7 @@
     </p:spTree>
     <p:extLst>
       <p:ext uri="{BB962C8B-B14F-4D97-AF65-F5344CB8AC3E}">
-        <p14:creationId xmlns:p14="http://schemas.microsoft.com/office/powerpoint/2010/main" val="2210202235"/>
+        <p14:creationId xmlns:p14="http://schemas.microsoft.com/office/powerpoint/2010/main" val="2585678089"/>
       </p:ext>
     </p:extLst>
   </p:cSld>
@@ -4589,7 +9474,7 @@
 </p:sld>
 </file>
 
-<file path=ppt/slides/slide12.xml><?xml version="1.0" encoding="utf-8"?>
+<file path=ppt/slides/slide19.xml><?xml version="1.0" encoding="utf-8"?>
 <p:sld xmlns:a="http://schemas.openxmlformats.org/drawingml/2006/main" xmlns:r="http://schemas.openxmlformats.org/officeDocument/2006/relationships" xmlns:p="http://schemas.openxmlformats.org/presentationml/2006/main">
   <p:cSld>
     <p:bg>
@@ -4862,7 +9747,7 @@
               <a:avLst/>
             </a:prstGeom>
             <a:solidFill>
-              <a:srgbClr val="88CE62"/>
+              <a:srgbClr val="FED449"/>
             </a:solidFill>
             <a:ln>
               <a:solidFill>
@@ -4929,7 +9814,7 @@
               <a:avLst/>
             </a:prstGeom>
             <a:solidFill>
-              <a:srgbClr val="FED449"/>
+              <a:srgbClr val="88CE62"/>
             </a:solidFill>
             <a:ln>
               <a:solidFill>
@@ -5058,1055 +9943,6 @@
       </p:sp>
       <p:sp>
         <p:nvSpPr>
-          <p:cNvPr id="12" name="ZoneTexte 11">
-            <a:extLst>
-              <a:ext uri="{FF2B5EF4-FFF2-40B4-BE49-F238E27FC236}">
-                <a16:creationId xmlns:a16="http://schemas.microsoft.com/office/drawing/2014/main" id="{B090A43C-7D0E-46E1-9FC8-BDAE21AEEC4B}"/>
-              </a:ext>
-            </a:extLst>
-          </p:cNvPr>
-          <p:cNvSpPr txBox="1"/>
-          <p:nvPr/>
-        </p:nvSpPr>
-        <p:spPr>
-          <a:xfrm>
-            <a:off x="1090367" y="1674695"/>
-            <a:ext cx="10011266" cy="523220"/>
-          </a:xfrm>
-          <a:prstGeom prst="rect">
-            <a:avLst/>
-          </a:prstGeom>
-          <a:noFill/>
-        </p:spPr>
-        <p:txBody>
-          <a:bodyPr wrap="square" rtlCol="0">
-            <a:spAutoFit/>
-          </a:bodyPr>
-          <a:lstStyle/>
-          <a:p>
-            <a:pPr algn="ctr"/>
-            <a:r>
-              <a:rPr lang="fr-FR" sz="2800" b="1" dirty="0">
-                <a:latin typeface="Helvetica" panose="020B0604020202030204" pitchFamily="34" charset="0"/>
-              </a:rPr>
-              <a:t>Algorithme de la modification d’un article</a:t>
-            </a:r>
-            <a:endParaRPr lang="fr-FR" sz="2400" b="1" dirty="0">
-              <a:latin typeface="Helvetica" panose="020B0604020202030204" pitchFamily="34" charset="0"/>
-            </a:endParaRPr>
-          </a:p>
-        </p:txBody>
-      </p:sp>
-    </p:spTree>
-    <p:extLst>
-      <p:ext uri="{BB962C8B-B14F-4D97-AF65-F5344CB8AC3E}">
-        <p14:creationId xmlns:p14="http://schemas.microsoft.com/office/powerpoint/2010/main" val="3586579877"/>
-      </p:ext>
-    </p:extLst>
-  </p:cSld>
-  <p:clrMapOvr>
-    <a:masterClrMapping/>
-  </p:clrMapOvr>
-</p:sld>
-</file>
-
-<file path=ppt/slides/slide13.xml><?xml version="1.0" encoding="utf-8"?>
-<p:sld xmlns:a="http://schemas.openxmlformats.org/drawingml/2006/main" xmlns:r="http://schemas.openxmlformats.org/officeDocument/2006/relationships" xmlns:p="http://schemas.openxmlformats.org/presentationml/2006/main">
-  <p:cSld>
-    <p:bg>
-      <p:bgPr>
-        <a:blipFill dpi="0" rotWithShape="1">
-          <a:blip r:embed="rId2">
-            <a:lum/>
-          </a:blip>
-          <a:srcRect/>
-          <a:stretch>
-            <a:fillRect/>
-          </a:stretch>
-        </a:blipFill>
-        <a:effectLst/>
-      </p:bgPr>
-    </p:bg>
-    <p:spTree>
-      <p:nvGrpSpPr>
-        <p:cNvPr id="1" name=""/>
-        <p:cNvGrpSpPr/>
-        <p:nvPr/>
-      </p:nvGrpSpPr>
-      <p:grpSpPr>
-        <a:xfrm>
-          <a:off x="0" y="0"/>
-          <a:ext cx="0" cy="0"/>
-          <a:chOff x="0" y="0"/>
-          <a:chExt cx="0" cy="0"/>
-        </a:xfrm>
-      </p:grpSpPr>
-      <p:grpSp>
-        <p:nvGrpSpPr>
-          <p:cNvPr id="7" name="Groupe 6">
-            <a:extLst>
-              <a:ext uri="{FF2B5EF4-FFF2-40B4-BE49-F238E27FC236}">
-                <a16:creationId xmlns:a16="http://schemas.microsoft.com/office/drawing/2014/main" id="{67E81936-583F-45AD-82CC-A5C937F4C87C}"/>
-              </a:ext>
-            </a:extLst>
-          </p:cNvPr>
-          <p:cNvGrpSpPr/>
-          <p:nvPr/>
-        </p:nvGrpSpPr>
-        <p:grpSpPr>
-          <a:xfrm>
-            <a:off x="327166" y="0"/>
-            <a:ext cx="11251304" cy="1342417"/>
-            <a:chOff x="327166" y="0"/>
-            <a:chExt cx="11251304" cy="1342417"/>
-          </a:xfrm>
-        </p:grpSpPr>
-        <p:sp>
-          <p:nvSpPr>
-            <p:cNvPr id="4" name="Flèche : chevron 3">
-              <a:extLst>
-                <a:ext uri="{FF2B5EF4-FFF2-40B4-BE49-F238E27FC236}">
-                  <a16:creationId xmlns:a16="http://schemas.microsoft.com/office/drawing/2014/main" id="{60D600DE-6FA0-4280-A81A-6DBE7691E92C}"/>
-                </a:ext>
-              </a:extLst>
-            </p:cNvPr>
-            <p:cNvSpPr/>
-            <p:nvPr/>
-          </p:nvSpPr>
-          <p:spPr>
-            <a:xfrm>
-              <a:off x="1268691" y="332278"/>
-              <a:ext cx="2309567" cy="688157"/>
-            </a:xfrm>
-            <a:prstGeom prst="chevron">
-              <a:avLst/>
-            </a:prstGeom>
-            <a:solidFill>
-              <a:srgbClr val="FED449"/>
-            </a:solidFill>
-            <a:ln>
-              <a:solidFill>
-                <a:schemeClr val="bg1"/>
-              </a:solidFill>
-            </a:ln>
-          </p:spPr>
-          <p:style>
-            <a:lnRef idx="2">
-              <a:schemeClr val="accent1">
-                <a:shade val="50000"/>
-              </a:schemeClr>
-            </a:lnRef>
-            <a:fillRef idx="1">
-              <a:schemeClr val="accent1"/>
-            </a:fillRef>
-            <a:effectRef idx="0">
-              <a:schemeClr val="accent1"/>
-            </a:effectRef>
-            <a:fontRef idx="minor">
-              <a:schemeClr val="lt1"/>
-            </a:fontRef>
-          </p:style>
-          <p:txBody>
-            <a:bodyPr rtlCol="0" anchor="ctr"/>
-            <a:lstStyle/>
-            <a:p>
-              <a:pPr algn="ctr"/>
-              <a:r>
-                <a:rPr lang="fr-FR" sz="1500" b="1" dirty="0">
-                  <a:solidFill>
-                    <a:schemeClr val="bg1"/>
-                  </a:solidFill>
-                  <a:effectLst>
-                    <a:outerShdw blurRad="38100" dist="76200" dir="2700000" algn="tl">
-                      <a:srgbClr val="000000"/>
-                    </a:outerShdw>
-                  </a:effectLst>
-                  <a:latin typeface="Helvetica" panose="020B0604020202030204" pitchFamily="34" charset="0"/>
-                </a:rPr>
-                <a:t>Etude du projet</a:t>
-              </a:r>
-            </a:p>
-          </p:txBody>
-        </p:sp>
-        <p:sp>
-          <p:nvSpPr>
-            <p:cNvPr id="16" name="Flèche : chevron 15">
-              <a:extLst>
-                <a:ext uri="{FF2B5EF4-FFF2-40B4-BE49-F238E27FC236}">
-                  <a16:creationId xmlns:a16="http://schemas.microsoft.com/office/drawing/2014/main" id="{F7655D32-22EC-4542-883E-4033865C1471}"/>
-                </a:ext>
-              </a:extLst>
-            </p:cNvPr>
-            <p:cNvSpPr/>
-            <p:nvPr/>
-          </p:nvSpPr>
-          <p:spPr>
-            <a:xfrm>
-              <a:off x="9268903" y="332277"/>
-              <a:ext cx="2309567" cy="688157"/>
-            </a:xfrm>
-            <a:prstGeom prst="chevron">
-              <a:avLst/>
-            </a:prstGeom>
-            <a:solidFill>
-              <a:srgbClr val="FED449"/>
-            </a:solidFill>
-            <a:ln>
-              <a:solidFill>
-                <a:schemeClr val="bg1"/>
-              </a:solidFill>
-            </a:ln>
-          </p:spPr>
-          <p:style>
-            <a:lnRef idx="2">
-              <a:schemeClr val="accent1">
-                <a:shade val="50000"/>
-              </a:schemeClr>
-            </a:lnRef>
-            <a:fillRef idx="1">
-              <a:schemeClr val="accent1"/>
-            </a:fillRef>
-            <a:effectRef idx="0">
-              <a:schemeClr val="accent1"/>
-            </a:effectRef>
-            <a:fontRef idx="minor">
-              <a:schemeClr val="lt1"/>
-            </a:fontRef>
-          </p:style>
-          <p:txBody>
-            <a:bodyPr rtlCol="0" anchor="ctr"/>
-            <a:lstStyle/>
-            <a:p>
-              <a:pPr algn="ctr"/>
-              <a:r>
-                <a:rPr lang="fr-FR" sz="1600" b="1" dirty="0">
-                  <a:solidFill>
-                    <a:schemeClr val="bg1"/>
-                  </a:solidFill>
-                  <a:effectLst>
-                    <a:outerShdw blurRad="38100" dist="76200" dir="2700000" algn="tl">
-                      <a:srgbClr val="000000"/>
-                    </a:outerShdw>
-                  </a:effectLst>
-                  <a:latin typeface="Helvetica" panose="020B0604020202030204" pitchFamily="34" charset="0"/>
-                </a:rPr>
-                <a:t>Conclusion</a:t>
-              </a:r>
-            </a:p>
-          </p:txBody>
-        </p:sp>
-        <p:sp>
-          <p:nvSpPr>
-            <p:cNvPr id="17" name="Flèche : chevron 16">
-              <a:extLst>
-                <a:ext uri="{FF2B5EF4-FFF2-40B4-BE49-F238E27FC236}">
-                  <a16:creationId xmlns:a16="http://schemas.microsoft.com/office/drawing/2014/main" id="{30C36617-CB5C-40F8-B05D-7053886FD5EF}"/>
-                </a:ext>
-              </a:extLst>
-            </p:cNvPr>
-            <p:cNvSpPr/>
-            <p:nvPr/>
-          </p:nvSpPr>
-          <p:spPr>
-            <a:xfrm>
-              <a:off x="3268744" y="332277"/>
-              <a:ext cx="2309567" cy="688157"/>
-            </a:xfrm>
-            <a:prstGeom prst="chevron">
-              <a:avLst/>
-            </a:prstGeom>
-            <a:solidFill>
-              <a:srgbClr val="FED449"/>
-            </a:solidFill>
-            <a:ln>
-              <a:solidFill>
-                <a:schemeClr val="bg1"/>
-              </a:solidFill>
-            </a:ln>
-          </p:spPr>
-          <p:style>
-            <a:lnRef idx="2">
-              <a:schemeClr val="accent1">
-                <a:shade val="50000"/>
-              </a:schemeClr>
-            </a:lnRef>
-            <a:fillRef idx="1">
-              <a:schemeClr val="accent1"/>
-            </a:fillRef>
-            <a:effectRef idx="0">
-              <a:schemeClr val="accent1"/>
-            </a:effectRef>
-            <a:fontRef idx="minor">
-              <a:schemeClr val="lt1"/>
-            </a:fontRef>
-          </p:style>
-          <p:txBody>
-            <a:bodyPr rtlCol="0" anchor="ctr"/>
-            <a:lstStyle/>
-            <a:p>
-              <a:pPr algn="ctr"/>
-              <a:r>
-                <a:rPr lang="fr-FR" sz="1500" b="1" dirty="0">
-                  <a:solidFill>
-                    <a:schemeClr val="bg1"/>
-                  </a:solidFill>
-                  <a:effectLst>
-                    <a:outerShdw blurRad="38100" dist="76200" dir="2700000" algn="tl">
-                      <a:srgbClr val="000000"/>
-                    </a:outerShdw>
-                  </a:effectLst>
-                  <a:latin typeface="Helvetica" panose="020B0604020202030204" pitchFamily="34" charset="0"/>
-                </a:rPr>
-                <a:t>Organisation</a:t>
-              </a:r>
-            </a:p>
-          </p:txBody>
-        </p:sp>
-        <p:sp>
-          <p:nvSpPr>
-            <p:cNvPr id="18" name="Flèche : chevron 17">
-              <a:extLst>
-                <a:ext uri="{FF2B5EF4-FFF2-40B4-BE49-F238E27FC236}">
-                  <a16:creationId xmlns:a16="http://schemas.microsoft.com/office/drawing/2014/main" id="{A33478E5-51C7-4324-9E5C-0845E032CF0C}"/>
-                </a:ext>
-              </a:extLst>
-            </p:cNvPr>
-            <p:cNvSpPr/>
-            <p:nvPr/>
-          </p:nvSpPr>
-          <p:spPr>
-            <a:xfrm>
-              <a:off x="5268797" y="332704"/>
-              <a:ext cx="2309567" cy="688157"/>
-            </a:xfrm>
-            <a:prstGeom prst="chevron">
-              <a:avLst/>
-            </a:prstGeom>
-            <a:solidFill>
-              <a:srgbClr val="FED449"/>
-            </a:solidFill>
-            <a:ln>
-              <a:solidFill>
-                <a:schemeClr val="bg1"/>
-              </a:solidFill>
-            </a:ln>
-          </p:spPr>
-          <p:style>
-            <a:lnRef idx="2">
-              <a:schemeClr val="accent1">
-                <a:shade val="50000"/>
-              </a:schemeClr>
-            </a:lnRef>
-            <a:fillRef idx="1">
-              <a:schemeClr val="accent1"/>
-            </a:fillRef>
-            <a:effectRef idx="0">
-              <a:schemeClr val="accent1"/>
-            </a:effectRef>
-            <a:fontRef idx="minor">
-              <a:schemeClr val="lt1"/>
-            </a:fontRef>
-          </p:style>
-          <p:txBody>
-            <a:bodyPr rtlCol="0" anchor="ctr"/>
-            <a:lstStyle/>
-            <a:p>
-              <a:pPr algn="ctr"/>
-              <a:r>
-                <a:rPr lang="fr-FR" sz="1500" b="1" dirty="0">
-                  <a:solidFill>
-                    <a:schemeClr val="bg1"/>
-                  </a:solidFill>
-                  <a:effectLst>
-                    <a:outerShdw blurRad="38100" dist="76200" dir="2700000" algn="tl">
-                      <a:srgbClr val="000000"/>
-                    </a:outerShdw>
-                  </a:effectLst>
-                  <a:latin typeface="Helvetica" panose="020B0604020202030204" pitchFamily="34" charset="0"/>
-                </a:rPr>
-                <a:t>Développement</a:t>
-              </a:r>
-            </a:p>
-          </p:txBody>
-        </p:sp>
-        <p:sp>
-          <p:nvSpPr>
-            <p:cNvPr id="19" name="Flèche : chevron 18">
-              <a:extLst>
-                <a:ext uri="{FF2B5EF4-FFF2-40B4-BE49-F238E27FC236}">
-                  <a16:creationId xmlns:a16="http://schemas.microsoft.com/office/drawing/2014/main" id="{8795E004-010B-4219-8B10-37FA6D3A7781}"/>
-                </a:ext>
-              </a:extLst>
-            </p:cNvPr>
-            <p:cNvSpPr/>
-            <p:nvPr/>
-          </p:nvSpPr>
-          <p:spPr>
-            <a:xfrm>
-              <a:off x="7268850" y="332703"/>
-              <a:ext cx="2309567" cy="688157"/>
-            </a:xfrm>
-            <a:prstGeom prst="chevron">
-              <a:avLst/>
-            </a:prstGeom>
-            <a:solidFill>
-              <a:srgbClr val="88CE62"/>
-            </a:solidFill>
-            <a:ln>
-              <a:solidFill>
-                <a:schemeClr val="bg1"/>
-              </a:solidFill>
-            </a:ln>
-          </p:spPr>
-          <p:style>
-            <a:lnRef idx="2">
-              <a:schemeClr val="accent1">
-                <a:shade val="50000"/>
-              </a:schemeClr>
-            </a:lnRef>
-            <a:fillRef idx="1">
-              <a:schemeClr val="accent1"/>
-            </a:fillRef>
-            <a:effectRef idx="0">
-              <a:schemeClr val="accent1"/>
-            </a:effectRef>
-            <a:fontRef idx="minor">
-              <a:schemeClr val="lt1"/>
-            </a:fontRef>
-          </p:style>
-          <p:txBody>
-            <a:bodyPr rtlCol="0" anchor="ctr"/>
-            <a:lstStyle/>
-            <a:p>
-              <a:pPr algn="ctr"/>
-              <a:r>
-                <a:rPr lang="fr-FR" sz="1500" b="1" dirty="0">
-                  <a:solidFill>
-                    <a:schemeClr val="bg1"/>
-                  </a:solidFill>
-                  <a:effectLst>
-                    <a:outerShdw blurRad="38100" dist="76200" dir="2700000" algn="tl">
-                      <a:srgbClr val="000000"/>
-                    </a:outerShdw>
-                  </a:effectLst>
-                  <a:latin typeface="Helvetica" panose="020B0604020202030204" pitchFamily="34" charset="0"/>
-                </a:rPr>
-                <a:t>Démonstration</a:t>
-              </a:r>
-              <a:endParaRPr lang="fr-FR" sz="1500" dirty="0">
-                <a:solidFill>
-                  <a:schemeClr val="tx1"/>
-                </a:solidFill>
-              </a:endParaRPr>
-            </a:p>
-          </p:txBody>
-        </p:sp>
-        <p:pic>
-          <p:nvPicPr>
-            <p:cNvPr id="6" name="Image 5">
-              <a:extLst>
-                <a:ext uri="{FF2B5EF4-FFF2-40B4-BE49-F238E27FC236}">
-                  <a16:creationId xmlns:a16="http://schemas.microsoft.com/office/drawing/2014/main" id="{2D0A881D-5AC2-4766-BD4C-5405D55C11A5}"/>
-                </a:ext>
-              </a:extLst>
-            </p:cNvPr>
-            <p:cNvPicPr>
-              <a:picLocks noChangeAspect="1"/>
-            </p:cNvPicPr>
-            <p:nvPr/>
-          </p:nvPicPr>
-          <p:blipFill>
-            <a:blip r:embed="rId3">
-              <a:extLst>
-                <a:ext uri="{28A0092B-C50C-407E-A947-70E740481C1C}">
-                  <a14:useLocalDpi xmlns:a14="http://schemas.microsoft.com/office/drawing/2010/main" val="0"/>
-                </a:ext>
-              </a:extLst>
-            </a:blip>
-            <a:stretch>
-              <a:fillRect/>
-            </a:stretch>
-          </p:blipFill>
-          <p:spPr>
-            <a:xfrm>
-              <a:off x="327166" y="0"/>
-              <a:ext cx="1566153" cy="1342417"/>
-            </a:xfrm>
-            <a:prstGeom prst="rect">
-              <a:avLst/>
-            </a:prstGeom>
-          </p:spPr>
-        </p:pic>
-      </p:grpSp>
-      <p:sp>
-        <p:nvSpPr>
-          <p:cNvPr id="10" name="ZoneTexte 9">
-            <a:extLst>
-              <a:ext uri="{FF2B5EF4-FFF2-40B4-BE49-F238E27FC236}">
-                <a16:creationId xmlns:a16="http://schemas.microsoft.com/office/drawing/2014/main" id="{CE36D8FB-1CD3-4D19-A954-A2CE97724692}"/>
-              </a:ext>
-            </a:extLst>
-          </p:cNvPr>
-          <p:cNvSpPr txBox="1"/>
-          <p:nvPr/>
-        </p:nvSpPr>
-        <p:spPr>
-          <a:xfrm>
-            <a:off x="336894" y="1225685"/>
-            <a:ext cx="11472482" cy="5369668"/>
-          </a:xfrm>
-          <a:prstGeom prst="rect">
-            <a:avLst/>
-          </a:prstGeom>
-          <a:solidFill>
-            <a:srgbClr val="FED449">
-              <a:alpha val="50000"/>
-            </a:srgbClr>
-          </a:solidFill>
-          <a:effectLst>
-            <a:softEdge rad="152400"/>
-          </a:effectLst>
-        </p:spPr>
-        <p:txBody>
-          <a:bodyPr wrap="square" rtlCol="0">
-            <a:spAutoFit/>
-          </a:bodyPr>
-          <a:lstStyle/>
-          <a:p>
-            <a:endParaRPr lang="fr-FR" dirty="0"/>
-          </a:p>
-        </p:txBody>
-      </p:sp>
-      <p:sp>
-        <p:nvSpPr>
-          <p:cNvPr id="2" name="ZoneTexte 1">
-            <a:extLst>
-              <a:ext uri="{FF2B5EF4-FFF2-40B4-BE49-F238E27FC236}">
-                <a16:creationId xmlns:a16="http://schemas.microsoft.com/office/drawing/2014/main" id="{375A52F9-612E-4E94-BC85-FDFCE2711101}"/>
-              </a:ext>
-            </a:extLst>
-          </p:cNvPr>
-          <p:cNvSpPr txBox="1"/>
-          <p:nvPr/>
-        </p:nvSpPr>
-        <p:spPr>
-          <a:xfrm>
-            <a:off x="3630891" y="3648909"/>
-            <a:ext cx="4930218" cy="523220"/>
-          </a:xfrm>
-          <a:prstGeom prst="rect">
-            <a:avLst/>
-          </a:prstGeom>
-          <a:noFill/>
-        </p:spPr>
-        <p:txBody>
-          <a:bodyPr wrap="square" rtlCol="0">
-            <a:spAutoFit/>
-          </a:bodyPr>
-          <a:lstStyle/>
-          <a:p>
-            <a:r>
-              <a:rPr lang="fr-FR" sz="2800" dirty="0">
-                <a:latin typeface="Helvetica" panose="020B0604020202030204" pitchFamily="34" charset="0"/>
-                <a:hlinkClick r:id="rId4"/>
-              </a:rPr>
-              <a:t>En avant dans l'univers </a:t>
-            </a:r>
-            <a:r>
-              <a:rPr lang="fr-FR" sz="2800" dirty="0" err="1">
-                <a:latin typeface="Helvetica" panose="020B0604020202030204" pitchFamily="34" charset="0"/>
-                <a:hlinkClick r:id="rId4"/>
-              </a:rPr>
-              <a:t>U’Pop</a:t>
-            </a:r>
-            <a:endParaRPr lang="fr-FR" sz="2800" dirty="0">
-              <a:latin typeface="Helvetica" panose="020B0604020202030204" pitchFamily="34" charset="0"/>
-            </a:endParaRPr>
-          </a:p>
-        </p:txBody>
-      </p:sp>
-    </p:spTree>
-    <p:extLst>
-      <p:ext uri="{BB962C8B-B14F-4D97-AF65-F5344CB8AC3E}">
-        <p14:creationId xmlns:p14="http://schemas.microsoft.com/office/powerpoint/2010/main" val="2585678089"/>
-      </p:ext>
-    </p:extLst>
-  </p:cSld>
-  <p:clrMapOvr>
-    <a:masterClrMapping/>
-  </p:clrMapOvr>
-</p:sld>
-</file>
-
-<file path=ppt/slides/slide14.xml><?xml version="1.0" encoding="utf-8"?>
-<p:sld xmlns:a="http://schemas.openxmlformats.org/drawingml/2006/main" xmlns:r="http://schemas.openxmlformats.org/officeDocument/2006/relationships" xmlns:p="http://schemas.openxmlformats.org/presentationml/2006/main">
-  <p:cSld>
-    <p:bg>
-      <p:bgPr>
-        <a:blipFill dpi="0" rotWithShape="1">
-          <a:blip r:embed="rId2">
-            <a:lum/>
-          </a:blip>
-          <a:srcRect/>
-          <a:stretch>
-            <a:fillRect/>
-          </a:stretch>
-        </a:blipFill>
-        <a:effectLst/>
-      </p:bgPr>
-    </p:bg>
-    <p:spTree>
-      <p:nvGrpSpPr>
-        <p:cNvPr id="1" name=""/>
-        <p:cNvGrpSpPr/>
-        <p:nvPr/>
-      </p:nvGrpSpPr>
-      <p:grpSpPr>
-        <a:xfrm>
-          <a:off x="0" y="0"/>
-          <a:ext cx="0" cy="0"/>
-          <a:chOff x="0" y="0"/>
-          <a:chExt cx="0" cy="0"/>
-        </a:xfrm>
-      </p:grpSpPr>
-      <p:grpSp>
-        <p:nvGrpSpPr>
-          <p:cNvPr id="7" name="Groupe 6">
-            <a:extLst>
-              <a:ext uri="{FF2B5EF4-FFF2-40B4-BE49-F238E27FC236}">
-                <a16:creationId xmlns:a16="http://schemas.microsoft.com/office/drawing/2014/main" id="{67E81936-583F-45AD-82CC-A5C937F4C87C}"/>
-              </a:ext>
-            </a:extLst>
-          </p:cNvPr>
-          <p:cNvGrpSpPr/>
-          <p:nvPr/>
-        </p:nvGrpSpPr>
-        <p:grpSpPr>
-          <a:xfrm>
-            <a:off x="327166" y="0"/>
-            <a:ext cx="11251304" cy="1342417"/>
-            <a:chOff x="327166" y="0"/>
-            <a:chExt cx="11251304" cy="1342417"/>
-          </a:xfrm>
-        </p:grpSpPr>
-        <p:sp>
-          <p:nvSpPr>
-            <p:cNvPr id="4" name="Flèche : chevron 3">
-              <a:extLst>
-                <a:ext uri="{FF2B5EF4-FFF2-40B4-BE49-F238E27FC236}">
-                  <a16:creationId xmlns:a16="http://schemas.microsoft.com/office/drawing/2014/main" id="{60D600DE-6FA0-4280-A81A-6DBE7691E92C}"/>
-                </a:ext>
-              </a:extLst>
-            </p:cNvPr>
-            <p:cNvSpPr/>
-            <p:nvPr/>
-          </p:nvSpPr>
-          <p:spPr>
-            <a:xfrm>
-              <a:off x="1268691" y="332278"/>
-              <a:ext cx="2309567" cy="688157"/>
-            </a:xfrm>
-            <a:prstGeom prst="chevron">
-              <a:avLst/>
-            </a:prstGeom>
-            <a:solidFill>
-              <a:srgbClr val="FED449"/>
-            </a:solidFill>
-            <a:ln>
-              <a:solidFill>
-                <a:schemeClr val="bg1"/>
-              </a:solidFill>
-            </a:ln>
-          </p:spPr>
-          <p:style>
-            <a:lnRef idx="2">
-              <a:schemeClr val="accent1">
-                <a:shade val="50000"/>
-              </a:schemeClr>
-            </a:lnRef>
-            <a:fillRef idx="1">
-              <a:schemeClr val="accent1"/>
-            </a:fillRef>
-            <a:effectRef idx="0">
-              <a:schemeClr val="accent1"/>
-            </a:effectRef>
-            <a:fontRef idx="minor">
-              <a:schemeClr val="lt1"/>
-            </a:fontRef>
-          </p:style>
-          <p:txBody>
-            <a:bodyPr rtlCol="0" anchor="ctr"/>
-            <a:lstStyle/>
-            <a:p>
-              <a:pPr algn="ctr"/>
-              <a:r>
-                <a:rPr lang="fr-FR" sz="1500" b="1" dirty="0">
-                  <a:solidFill>
-                    <a:schemeClr val="bg1"/>
-                  </a:solidFill>
-                  <a:effectLst>
-                    <a:outerShdw blurRad="38100" dist="76200" dir="2700000" algn="tl">
-                      <a:srgbClr val="000000"/>
-                    </a:outerShdw>
-                  </a:effectLst>
-                  <a:latin typeface="Helvetica" panose="020B0604020202030204" pitchFamily="34" charset="0"/>
-                </a:rPr>
-                <a:t>Etude du projet</a:t>
-              </a:r>
-            </a:p>
-          </p:txBody>
-        </p:sp>
-        <p:sp>
-          <p:nvSpPr>
-            <p:cNvPr id="16" name="Flèche : chevron 15">
-              <a:extLst>
-                <a:ext uri="{FF2B5EF4-FFF2-40B4-BE49-F238E27FC236}">
-                  <a16:creationId xmlns:a16="http://schemas.microsoft.com/office/drawing/2014/main" id="{F7655D32-22EC-4542-883E-4033865C1471}"/>
-                </a:ext>
-              </a:extLst>
-            </p:cNvPr>
-            <p:cNvSpPr/>
-            <p:nvPr/>
-          </p:nvSpPr>
-          <p:spPr>
-            <a:xfrm>
-              <a:off x="9268903" y="332277"/>
-              <a:ext cx="2309567" cy="688157"/>
-            </a:xfrm>
-            <a:prstGeom prst="chevron">
-              <a:avLst/>
-            </a:prstGeom>
-            <a:solidFill>
-              <a:srgbClr val="FED449"/>
-            </a:solidFill>
-            <a:ln>
-              <a:solidFill>
-                <a:schemeClr val="bg1"/>
-              </a:solidFill>
-            </a:ln>
-          </p:spPr>
-          <p:style>
-            <a:lnRef idx="2">
-              <a:schemeClr val="accent1">
-                <a:shade val="50000"/>
-              </a:schemeClr>
-            </a:lnRef>
-            <a:fillRef idx="1">
-              <a:schemeClr val="accent1"/>
-            </a:fillRef>
-            <a:effectRef idx="0">
-              <a:schemeClr val="accent1"/>
-            </a:effectRef>
-            <a:fontRef idx="minor">
-              <a:schemeClr val="lt1"/>
-            </a:fontRef>
-          </p:style>
-          <p:txBody>
-            <a:bodyPr rtlCol="0" anchor="ctr"/>
-            <a:lstStyle/>
-            <a:p>
-              <a:pPr algn="ctr"/>
-              <a:r>
-                <a:rPr lang="fr-FR" sz="1600" b="1" dirty="0">
-                  <a:solidFill>
-                    <a:schemeClr val="bg1"/>
-                  </a:solidFill>
-                  <a:effectLst>
-                    <a:outerShdw blurRad="38100" dist="76200" dir="2700000" algn="tl">
-                      <a:srgbClr val="000000"/>
-                    </a:outerShdw>
-                  </a:effectLst>
-                  <a:latin typeface="Helvetica" panose="020B0604020202030204" pitchFamily="34" charset="0"/>
-                </a:rPr>
-                <a:t>Conclusion</a:t>
-              </a:r>
-            </a:p>
-          </p:txBody>
-        </p:sp>
-        <p:sp>
-          <p:nvSpPr>
-            <p:cNvPr id="17" name="Flèche : chevron 16">
-              <a:extLst>
-                <a:ext uri="{FF2B5EF4-FFF2-40B4-BE49-F238E27FC236}">
-                  <a16:creationId xmlns:a16="http://schemas.microsoft.com/office/drawing/2014/main" id="{30C36617-CB5C-40F8-B05D-7053886FD5EF}"/>
-                </a:ext>
-              </a:extLst>
-            </p:cNvPr>
-            <p:cNvSpPr/>
-            <p:nvPr/>
-          </p:nvSpPr>
-          <p:spPr>
-            <a:xfrm>
-              <a:off x="3268744" y="332277"/>
-              <a:ext cx="2309567" cy="688157"/>
-            </a:xfrm>
-            <a:prstGeom prst="chevron">
-              <a:avLst/>
-            </a:prstGeom>
-            <a:solidFill>
-              <a:srgbClr val="FED449"/>
-            </a:solidFill>
-            <a:ln>
-              <a:solidFill>
-                <a:schemeClr val="bg1"/>
-              </a:solidFill>
-            </a:ln>
-          </p:spPr>
-          <p:style>
-            <a:lnRef idx="2">
-              <a:schemeClr val="accent1">
-                <a:shade val="50000"/>
-              </a:schemeClr>
-            </a:lnRef>
-            <a:fillRef idx="1">
-              <a:schemeClr val="accent1"/>
-            </a:fillRef>
-            <a:effectRef idx="0">
-              <a:schemeClr val="accent1"/>
-            </a:effectRef>
-            <a:fontRef idx="minor">
-              <a:schemeClr val="lt1"/>
-            </a:fontRef>
-          </p:style>
-          <p:txBody>
-            <a:bodyPr rtlCol="0" anchor="ctr"/>
-            <a:lstStyle/>
-            <a:p>
-              <a:pPr algn="ctr"/>
-              <a:r>
-                <a:rPr lang="fr-FR" sz="1500" b="1" dirty="0">
-                  <a:solidFill>
-                    <a:schemeClr val="bg1"/>
-                  </a:solidFill>
-                  <a:effectLst>
-                    <a:outerShdw blurRad="38100" dist="76200" dir="2700000" algn="tl">
-                      <a:srgbClr val="000000"/>
-                    </a:outerShdw>
-                  </a:effectLst>
-                  <a:latin typeface="Helvetica" panose="020B0604020202030204" pitchFamily="34" charset="0"/>
-                </a:rPr>
-                <a:t>Organisation</a:t>
-              </a:r>
-            </a:p>
-          </p:txBody>
-        </p:sp>
-        <p:sp>
-          <p:nvSpPr>
-            <p:cNvPr id="18" name="Flèche : chevron 17">
-              <a:extLst>
-                <a:ext uri="{FF2B5EF4-FFF2-40B4-BE49-F238E27FC236}">
-                  <a16:creationId xmlns:a16="http://schemas.microsoft.com/office/drawing/2014/main" id="{A33478E5-51C7-4324-9E5C-0845E032CF0C}"/>
-                </a:ext>
-              </a:extLst>
-            </p:cNvPr>
-            <p:cNvSpPr/>
-            <p:nvPr/>
-          </p:nvSpPr>
-          <p:spPr>
-            <a:xfrm>
-              <a:off x="5268797" y="332704"/>
-              <a:ext cx="2309567" cy="688157"/>
-            </a:xfrm>
-            <a:prstGeom prst="chevron">
-              <a:avLst/>
-            </a:prstGeom>
-            <a:solidFill>
-              <a:srgbClr val="FED449"/>
-            </a:solidFill>
-            <a:ln>
-              <a:solidFill>
-                <a:schemeClr val="bg1"/>
-              </a:solidFill>
-            </a:ln>
-          </p:spPr>
-          <p:style>
-            <a:lnRef idx="2">
-              <a:schemeClr val="accent1">
-                <a:shade val="50000"/>
-              </a:schemeClr>
-            </a:lnRef>
-            <a:fillRef idx="1">
-              <a:schemeClr val="accent1"/>
-            </a:fillRef>
-            <a:effectRef idx="0">
-              <a:schemeClr val="accent1"/>
-            </a:effectRef>
-            <a:fontRef idx="minor">
-              <a:schemeClr val="lt1"/>
-            </a:fontRef>
-          </p:style>
-          <p:txBody>
-            <a:bodyPr rtlCol="0" anchor="ctr"/>
-            <a:lstStyle/>
-            <a:p>
-              <a:pPr algn="ctr"/>
-              <a:r>
-                <a:rPr lang="fr-FR" sz="1500" b="1" dirty="0">
-                  <a:solidFill>
-                    <a:schemeClr val="bg1"/>
-                  </a:solidFill>
-                  <a:effectLst>
-                    <a:outerShdw blurRad="38100" dist="76200" dir="2700000" algn="tl">
-                      <a:srgbClr val="000000"/>
-                    </a:outerShdw>
-                  </a:effectLst>
-                  <a:latin typeface="Helvetica" panose="020B0604020202030204" pitchFamily="34" charset="0"/>
-                </a:rPr>
-                <a:t>Développement</a:t>
-              </a:r>
-            </a:p>
-          </p:txBody>
-        </p:sp>
-        <p:sp>
-          <p:nvSpPr>
-            <p:cNvPr id="19" name="Flèche : chevron 18">
-              <a:extLst>
-                <a:ext uri="{FF2B5EF4-FFF2-40B4-BE49-F238E27FC236}">
-                  <a16:creationId xmlns:a16="http://schemas.microsoft.com/office/drawing/2014/main" id="{8795E004-010B-4219-8B10-37FA6D3A7781}"/>
-                </a:ext>
-              </a:extLst>
-            </p:cNvPr>
-            <p:cNvSpPr/>
-            <p:nvPr/>
-          </p:nvSpPr>
-          <p:spPr>
-            <a:xfrm>
-              <a:off x="7268850" y="332703"/>
-              <a:ext cx="2309567" cy="688157"/>
-            </a:xfrm>
-            <a:prstGeom prst="chevron">
-              <a:avLst/>
-            </a:prstGeom>
-            <a:solidFill>
-              <a:srgbClr val="88CE62"/>
-            </a:solidFill>
-            <a:ln>
-              <a:solidFill>
-                <a:schemeClr val="bg1"/>
-              </a:solidFill>
-            </a:ln>
-          </p:spPr>
-          <p:style>
-            <a:lnRef idx="2">
-              <a:schemeClr val="accent1">
-                <a:shade val="50000"/>
-              </a:schemeClr>
-            </a:lnRef>
-            <a:fillRef idx="1">
-              <a:schemeClr val="accent1"/>
-            </a:fillRef>
-            <a:effectRef idx="0">
-              <a:schemeClr val="accent1"/>
-            </a:effectRef>
-            <a:fontRef idx="minor">
-              <a:schemeClr val="lt1"/>
-            </a:fontRef>
-          </p:style>
-          <p:txBody>
-            <a:bodyPr rtlCol="0" anchor="ctr"/>
-            <a:lstStyle/>
-            <a:p>
-              <a:pPr algn="ctr"/>
-              <a:r>
-                <a:rPr lang="fr-FR" sz="1500" b="1" dirty="0">
-                  <a:solidFill>
-                    <a:schemeClr val="bg1"/>
-                  </a:solidFill>
-                  <a:effectLst>
-                    <a:outerShdw blurRad="38100" dist="76200" dir="2700000" algn="tl">
-                      <a:srgbClr val="000000"/>
-                    </a:outerShdw>
-                  </a:effectLst>
-                  <a:latin typeface="Helvetica" panose="020B0604020202030204" pitchFamily="34" charset="0"/>
-                </a:rPr>
-                <a:t>Démonstration</a:t>
-              </a:r>
-              <a:endParaRPr lang="fr-FR" sz="1500" dirty="0">
-                <a:solidFill>
-                  <a:schemeClr val="tx1"/>
-                </a:solidFill>
-              </a:endParaRPr>
-            </a:p>
-          </p:txBody>
-        </p:sp>
-        <p:pic>
-          <p:nvPicPr>
-            <p:cNvPr id="6" name="Image 5">
-              <a:extLst>
-                <a:ext uri="{FF2B5EF4-FFF2-40B4-BE49-F238E27FC236}">
-                  <a16:creationId xmlns:a16="http://schemas.microsoft.com/office/drawing/2014/main" id="{2D0A881D-5AC2-4766-BD4C-5405D55C11A5}"/>
-                </a:ext>
-              </a:extLst>
-            </p:cNvPr>
-            <p:cNvPicPr>
-              <a:picLocks noChangeAspect="1"/>
-            </p:cNvPicPr>
-            <p:nvPr/>
-          </p:nvPicPr>
-          <p:blipFill>
-            <a:blip r:embed="rId3">
-              <a:extLst>
-                <a:ext uri="{28A0092B-C50C-407E-A947-70E740481C1C}">
-                  <a14:useLocalDpi xmlns:a14="http://schemas.microsoft.com/office/drawing/2010/main" val="0"/>
-                </a:ext>
-              </a:extLst>
-            </a:blip>
-            <a:stretch>
-              <a:fillRect/>
-            </a:stretch>
-          </p:blipFill>
-          <p:spPr>
-            <a:xfrm>
-              <a:off x="327166" y="0"/>
-              <a:ext cx="1566153" cy="1342417"/>
-            </a:xfrm>
-            <a:prstGeom prst="rect">
-              <a:avLst/>
-            </a:prstGeom>
-          </p:spPr>
-        </p:pic>
-      </p:grpSp>
-      <p:sp>
-        <p:nvSpPr>
-          <p:cNvPr id="10" name="ZoneTexte 9">
-            <a:extLst>
-              <a:ext uri="{FF2B5EF4-FFF2-40B4-BE49-F238E27FC236}">
-                <a16:creationId xmlns:a16="http://schemas.microsoft.com/office/drawing/2014/main" id="{CE36D8FB-1CD3-4D19-A954-A2CE97724692}"/>
-              </a:ext>
-            </a:extLst>
-          </p:cNvPr>
-          <p:cNvSpPr txBox="1"/>
-          <p:nvPr/>
-        </p:nvSpPr>
-        <p:spPr>
-          <a:xfrm>
-            <a:off x="336894" y="1225685"/>
-            <a:ext cx="11472482" cy="5369668"/>
-          </a:xfrm>
-          <a:prstGeom prst="rect">
-            <a:avLst/>
-          </a:prstGeom>
-          <a:solidFill>
-            <a:srgbClr val="FED449">
-              <a:alpha val="50000"/>
-            </a:srgbClr>
-          </a:solidFill>
-          <a:effectLst>
-            <a:softEdge rad="152400"/>
-          </a:effectLst>
-        </p:spPr>
-        <p:txBody>
-          <a:bodyPr wrap="square" rtlCol="0">
-            <a:spAutoFit/>
-          </a:bodyPr>
-          <a:lstStyle/>
-          <a:p>
-            <a:endParaRPr lang="fr-FR" dirty="0"/>
-          </a:p>
-        </p:txBody>
-      </p:sp>
-      <p:sp>
-        <p:nvSpPr>
           <p:cNvPr id="2" name="ZoneTexte 1">
             <a:extLst>
               <a:ext uri="{FF2B5EF4-FFF2-40B4-BE49-F238E27FC236}">
@@ -6168,1938 +10004,6 @@
     <p:extLst>
       <p:ext uri="{BB962C8B-B14F-4D97-AF65-F5344CB8AC3E}">
         <p14:creationId xmlns:p14="http://schemas.microsoft.com/office/powerpoint/2010/main" val="1200531869"/>
-      </p:ext>
-    </p:extLst>
-  </p:cSld>
-  <p:clrMapOvr>
-    <a:masterClrMapping/>
-  </p:clrMapOvr>
-</p:sld>
-</file>
-
-<file path=ppt/slides/slide15.xml><?xml version="1.0" encoding="utf-8"?>
-<p:sld xmlns:a="http://schemas.openxmlformats.org/drawingml/2006/main" xmlns:r="http://schemas.openxmlformats.org/officeDocument/2006/relationships" xmlns:p="http://schemas.openxmlformats.org/presentationml/2006/main">
-  <p:cSld>
-    <p:bg>
-      <p:bgPr>
-        <a:blipFill dpi="0" rotWithShape="1">
-          <a:blip r:embed="rId2">
-            <a:lum/>
-          </a:blip>
-          <a:srcRect/>
-          <a:stretch>
-            <a:fillRect/>
-          </a:stretch>
-        </a:blipFill>
-        <a:effectLst/>
-      </p:bgPr>
-    </p:bg>
-    <p:spTree>
-      <p:nvGrpSpPr>
-        <p:cNvPr id="1" name=""/>
-        <p:cNvGrpSpPr/>
-        <p:nvPr/>
-      </p:nvGrpSpPr>
-      <p:grpSpPr>
-        <a:xfrm>
-          <a:off x="0" y="0"/>
-          <a:ext cx="0" cy="0"/>
-          <a:chOff x="0" y="0"/>
-          <a:chExt cx="0" cy="0"/>
-        </a:xfrm>
-      </p:grpSpPr>
-      <p:grpSp>
-        <p:nvGrpSpPr>
-          <p:cNvPr id="7" name="Groupe 6">
-            <a:extLst>
-              <a:ext uri="{FF2B5EF4-FFF2-40B4-BE49-F238E27FC236}">
-                <a16:creationId xmlns:a16="http://schemas.microsoft.com/office/drawing/2014/main" id="{67E81936-583F-45AD-82CC-A5C937F4C87C}"/>
-              </a:ext>
-            </a:extLst>
-          </p:cNvPr>
-          <p:cNvGrpSpPr/>
-          <p:nvPr/>
-        </p:nvGrpSpPr>
-        <p:grpSpPr>
-          <a:xfrm>
-            <a:off x="327166" y="0"/>
-            <a:ext cx="11251304" cy="1342417"/>
-            <a:chOff x="327166" y="0"/>
-            <a:chExt cx="11251304" cy="1342417"/>
-          </a:xfrm>
-        </p:grpSpPr>
-        <p:sp>
-          <p:nvSpPr>
-            <p:cNvPr id="4" name="Flèche : chevron 3">
-              <a:extLst>
-                <a:ext uri="{FF2B5EF4-FFF2-40B4-BE49-F238E27FC236}">
-                  <a16:creationId xmlns:a16="http://schemas.microsoft.com/office/drawing/2014/main" id="{60D600DE-6FA0-4280-A81A-6DBE7691E92C}"/>
-                </a:ext>
-              </a:extLst>
-            </p:cNvPr>
-            <p:cNvSpPr/>
-            <p:nvPr/>
-          </p:nvSpPr>
-          <p:spPr>
-            <a:xfrm>
-              <a:off x="1268691" y="332278"/>
-              <a:ext cx="2309567" cy="688157"/>
-            </a:xfrm>
-            <a:prstGeom prst="chevron">
-              <a:avLst/>
-            </a:prstGeom>
-            <a:solidFill>
-              <a:srgbClr val="FED449"/>
-            </a:solidFill>
-            <a:ln>
-              <a:solidFill>
-                <a:schemeClr val="bg1"/>
-              </a:solidFill>
-            </a:ln>
-          </p:spPr>
-          <p:style>
-            <a:lnRef idx="2">
-              <a:schemeClr val="accent1">
-                <a:shade val="50000"/>
-              </a:schemeClr>
-            </a:lnRef>
-            <a:fillRef idx="1">
-              <a:schemeClr val="accent1"/>
-            </a:fillRef>
-            <a:effectRef idx="0">
-              <a:schemeClr val="accent1"/>
-            </a:effectRef>
-            <a:fontRef idx="minor">
-              <a:schemeClr val="lt1"/>
-            </a:fontRef>
-          </p:style>
-          <p:txBody>
-            <a:bodyPr rtlCol="0" anchor="ctr"/>
-            <a:lstStyle/>
-            <a:p>
-              <a:pPr algn="ctr"/>
-              <a:r>
-                <a:rPr lang="fr-FR" sz="1500" b="1" dirty="0">
-                  <a:solidFill>
-                    <a:schemeClr val="bg1"/>
-                  </a:solidFill>
-                  <a:effectLst>
-                    <a:outerShdw blurRad="38100" dist="76200" dir="2700000" algn="tl">
-                      <a:srgbClr val="000000"/>
-                    </a:outerShdw>
-                  </a:effectLst>
-                  <a:latin typeface="Helvetica" panose="020B0604020202030204" pitchFamily="34" charset="0"/>
-                </a:rPr>
-                <a:t>Etude du projet</a:t>
-              </a:r>
-            </a:p>
-          </p:txBody>
-        </p:sp>
-        <p:sp>
-          <p:nvSpPr>
-            <p:cNvPr id="16" name="Flèche : chevron 15">
-              <a:extLst>
-                <a:ext uri="{FF2B5EF4-FFF2-40B4-BE49-F238E27FC236}">
-                  <a16:creationId xmlns:a16="http://schemas.microsoft.com/office/drawing/2014/main" id="{F7655D32-22EC-4542-883E-4033865C1471}"/>
-                </a:ext>
-              </a:extLst>
-            </p:cNvPr>
-            <p:cNvSpPr/>
-            <p:nvPr/>
-          </p:nvSpPr>
-          <p:spPr>
-            <a:xfrm>
-              <a:off x="9268903" y="332277"/>
-              <a:ext cx="2309567" cy="688157"/>
-            </a:xfrm>
-            <a:prstGeom prst="chevron">
-              <a:avLst/>
-            </a:prstGeom>
-            <a:solidFill>
-              <a:srgbClr val="88CE62"/>
-            </a:solidFill>
-            <a:ln>
-              <a:solidFill>
-                <a:schemeClr val="bg1"/>
-              </a:solidFill>
-            </a:ln>
-          </p:spPr>
-          <p:style>
-            <a:lnRef idx="2">
-              <a:schemeClr val="accent1">
-                <a:shade val="50000"/>
-              </a:schemeClr>
-            </a:lnRef>
-            <a:fillRef idx="1">
-              <a:schemeClr val="accent1"/>
-            </a:fillRef>
-            <a:effectRef idx="0">
-              <a:schemeClr val="accent1"/>
-            </a:effectRef>
-            <a:fontRef idx="minor">
-              <a:schemeClr val="lt1"/>
-            </a:fontRef>
-          </p:style>
-          <p:txBody>
-            <a:bodyPr rtlCol="0" anchor="ctr"/>
-            <a:lstStyle/>
-            <a:p>
-              <a:pPr algn="ctr"/>
-              <a:r>
-                <a:rPr lang="fr-FR" sz="1600" b="1" dirty="0">
-                  <a:solidFill>
-                    <a:schemeClr val="bg1"/>
-                  </a:solidFill>
-                  <a:effectLst>
-                    <a:outerShdw blurRad="38100" dist="76200" dir="2700000" algn="tl">
-                      <a:srgbClr val="000000"/>
-                    </a:outerShdw>
-                  </a:effectLst>
-                  <a:latin typeface="Helvetica" panose="020B0604020202030204" pitchFamily="34" charset="0"/>
-                </a:rPr>
-                <a:t>Conclusion</a:t>
-              </a:r>
-            </a:p>
-          </p:txBody>
-        </p:sp>
-        <p:sp>
-          <p:nvSpPr>
-            <p:cNvPr id="17" name="Flèche : chevron 16">
-              <a:extLst>
-                <a:ext uri="{FF2B5EF4-FFF2-40B4-BE49-F238E27FC236}">
-                  <a16:creationId xmlns:a16="http://schemas.microsoft.com/office/drawing/2014/main" id="{30C36617-CB5C-40F8-B05D-7053886FD5EF}"/>
-                </a:ext>
-              </a:extLst>
-            </p:cNvPr>
-            <p:cNvSpPr/>
-            <p:nvPr/>
-          </p:nvSpPr>
-          <p:spPr>
-            <a:xfrm>
-              <a:off x="3268744" y="332277"/>
-              <a:ext cx="2309567" cy="688157"/>
-            </a:xfrm>
-            <a:prstGeom prst="chevron">
-              <a:avLst/>
-            </a:prstGeom>
-            <a:solidFill>
-              <a:srgbClr val="FED449"/>
-            </a:solidFill>
-            <a:ln>
-              <a:solidFill>
-                <a:schemeClr val="bg1"/>
-              </a:solidFill>
-            </a:ln>
-          </p:spPr>
-          <p:style>
-            <a:lnRef idx="2">
-              <a:schemeClr val="accent1">
-                <a:shade val="50000"/>
-              </a:schemeClr>
-            </a:lnRef>
-            <a:fillRef idx="1">
-              <a:schemeClr val="accent1"/>
-            </a:fillRef>
-            <a:effectRef idx="0">
-              <a:schemeClr val="accent1"/>
-            </a:effectRef>
-            <a:fontRef idx="minor">
-              <a:schemeClr val="lt1"/>
-            </a:fontRef>
-          </p:style>
-          <p:txBody>
-            <a:bodyPr rtlCol="0" anchor="ctr"/>
-            <a:lstStyle/>
-            <a:p>
-              <a:pPr algn="ctr"/>
-              <a:r>
-                <a:rPr lang="fr-FR" sz="1500" b="1" dirty="0">
-                  <a:solidFill>
-                    <a:schemeClr val="bg1"/>
-                  </a:solidFill>
-                  <a:effectLst>
-                    <a:outerShdw blurRad="38100" dist="76200" dir="2700000" algn="tl">
-                      <a:srgbClr val="000000"/>
-                    </a:outerShdw>
-                  </a:effectLst>
-                  <a:latin typeface="Helvetica" panose="020B0604020202030204" pitchFamily="34" charset="0"/>
-                </a:rPr>
-                <a:t>Organisation</a:t>
-              </a:r>
-            </a:p>
-          </p:txBody>
-        </p:sp>
-        <p:sp>
-          <p:nvSpPr>
-            <p:cNvPr id="18" name="Flèche : chevron 17">
-              <a:extLst>
-                <a:ext uri="{FF2B5EF4-FFF2-40B4-BE49-F238E27FC236}">
-                  <a16:creationId xmlns:a16="http://schemas.microsoft.com/office/drawing/2014/main" id="{A33478E5-51C7-4324-9E5C-0845E032CF0C}"/>
-                </a:ext>
-              </a:extLst>
-            </p:cNvPr>
-            <p:cNvSpPr/>
-            <p:nvPr/>
-          </p:nvSpPr>
-          <p:spPr>
-            <a:xfrm>
-              <a:off x="5268797" y="332704"/>
-              <a:ext cx="2309567" cy="688157"/>
-            </a:xfrm>
-            <a:prstGeom prst="chevron">
-              <a:avLst/>
-            </a:prstGeom>
-            <a:solidFill>
-              <a:srgbClr val="FED449"/>
-            </a:solidFill>
-            <a:ln>
-              <a:solidFill>
-                <a:schemeClr val="bg1"/>
-              </a:solidFill>
-            </a:ln>
-          </p:spPr>
-          <p:style>
-            <a:lnRef idx="2">
-              <a:schemeClr val="accent1">
-                <a:shade val="50000"/>
-              </a:schemeClr>
-            </a:lnRef>
-            <a:fillRef idx="1">
-              <a:schemeClr val="accent1"/>
-            </a:fillRef>
-            <a:effectRef idx="0">
-              <a:schemeClr val="accent1"/>
-            </a:effectRef>
-            <a:fontRef idx="minor">
-              <a:schemeClr val="lt1"/>
-            </a:fontRef>
-          </p:style>
-          <p:txBody>
-            <a:bodyPr rtlCol="0" anchor="ctr"/>
-            <a:lstStyle/>
-            <a:p>
-              <a:pPr algn="ctr"/>
-              <a:r>
-                <a:rPr lang="fr-FR" sz="1500" b="1" dirty="0">
-                  <a:solidFill>
-                    <a:schemeClr val="bg1"/>
-                  </a:solidFill>
-                  <a:effectLst>
-                    <a:outerShdw blurRad="38100" dist="76200" dir="2700000" algn="tl">
-                      <a:srgbClr val="000000"/>
-                    </a:outerShdw>
-                  </a:effectLst>
-                  <a:latin typeface="Helvetica" panose="020B0604020202030204" pitchFamily="34" charset="0"/>
-                </a:rPr>
-                <a:t>Développement</a:t>
-              </a:r>
-            </a:p>
-          </p:txBody>
-        </p:sp>
-        <p:sp>
-          <p:nvSpPr>
-            <p:cNvPr id="19" name="Flèche : chevron 18">
-              <a:extLst>
-                <a:ext uri="{FF2B5EF4-FFF2-40B4-BE49-F238E27FC236}">
-                  <a16:creationId xmlns:a16="http://schemas.microsoft.com/office/drawing/2014/main" id="{8795E004-010B-4219-8B10-37FA6D3A7781}"/>
-                </a:ext>
-              </a:extLst>
-            </p:cNvPr>
-            <p:cNvSpPr/>
-            <p:nvPr/>
-          </p:nvSpPr>
-          <p:spPr>
-            <a:xfrm>
-              <a:off x="7268850" y="332703"/>
-              <a:ext cx="2309567" cy="688157"/>
-            </a:xfrm>
-            <a:prstGeom prst="chevron">
-              <a:avLst/>
-            </a:prstGeom>
-            <a:solidFill>
-              <a:srgbClr val="FED449"/>
-            </a:solidFill>
-            <a:ln>
-              <a:solidFill>
-                <a:schemeClr val="bg1"/>
-              </a:solidFill>
-            </a:ln>
-          </p:spPr>
-          <p:style>
-            <a:lnRef idx="2">
-              <a:schemeClr val="accent1">
-                <a:shade val="50000"/>
-              </a:schemeClr>
-            </a:lnRef>
-            <a:fillRef idx="1">
-              <a:schemeClr val="accent1"/>
-            </a:fillRef>
-            <a:effectRef idx="0">
-              <a:schemeClr val="accent1"/>
-            </a:effectRef>
-            <a:fontRef idx="minor">
-              <a:schemeClr val="lt1"/>
-            </a:fontRef>
-          </p:style>
-          <p:txBody>
-            <a:bodyPr rtlCol="0" anchor="ctr"/>
-            <a:lstStyle/>
-            <a:p>
-              <a:pPr algn="ctr"/>
-              <a:r>
-                <a:rPr lang="fr-FR" sz="1500" b="1" dirty="0">
-                  <a:solidFill>
-                    <a:schemeClr val="bg1"/>
-                  </a:solidFill>
-                  <a:effectLst>
-                    <a:outerShdw blurRad="38100" dist="76200" dir="2700000" algn="tl">
-                      <a:srgbClr val="000000"/>
-                    </a:outerShdw>
-                  </a:effectLst>
-                  <a:latin typeface="Helvetica" panose="020B0604020202030204" pitchFamily="34" charset="0"/>
-                </a:rPr>
-                <a:t>Démonstration</a:t>
-              </a:r>
-              <a:endParaRPr lang="fr-FR" sz="1500" dirty="0">
-                <a:solidFill>
-                  <a:schemeClr val="tx1"/>
-                </a:solidFill>
-              </a:endParaRPr>
-            </a:p>
-          </p:txBody>
-        </p:sp>
-        <p:pic>
-          <p:nvPicPr>
-            <p:cNvPr id="6" name="Image 5">
-              <a:extLst>
-                <a:ext uri="{FF2B5EF4-FFF2-40B4-BE49-F238E27FC236}">
-                  <a16:creationId xmlns:a16="http://schemas.microsoft.com/office/drawing/2014/main" id="{2D0A881D-5AC2-4766-BD4C-5405D55C11A5}"/>
-                </a:ext>
-              </a:extLst>
-            </p:cNvPr>
-            <p:cNvPicPr>
-              <a:picLocks noChangeAspect="1"/>
-            </p:cNvPicPr>
-            <p:nvPr/>
-          </p:nvPicPr>
-          <p:blipFill>
-            <a:blip r:embed="rId3">
-              <a:extLst>
-                <a:ext uri="{28A0092B-C50C-407E-A947-70E740481C1C}">
-                  <a14:useLocalDpi xmlns:a14="http://schemas.microsoft.com/office/drawing/2010/main" val="0"/>
-                </a:ext>
-              </a:extLst>
-            </a:blip>
-            <a:stretch>
-              <a:fillRect/>
-            </a:stretch>
-          </p:blipFill>
-          <p:spPr>
-            <a:xfrm>
-              <a:off x="327166" y="0"/>
-              <a:ext cx="1566153" cy="1342417"/>
-            </a:xfrm>
-            <a:prstGeom prst="rect">
-              <a:avLst/>
-            </a:prstGeom>
-          </p:spPr>
-        </p:pic>
-      </p:grpSp>
-      <p:sp>
-        <p:nvSpPr>
-          <p:cNvPr id="10" name="ZoneTexte 9">
-            <a:extLst>
-              <a:ext uri="{FF2B5EF4-FFF2-40B4-BE49-F238E27FC236}">
-                <a16:creationId xmlns:a16="http://schemas.microsoft.com/office/drawing/2014/main" id="{CE36D8FB-1CD3-4D19-A954-A2CE97724692}"/>
-              </a:ext>
-            </a:extLst>
-          </p:cNvPr>
-          <p:cNvSpPr txBox="1"/>
-          <p:nvPr/>
-        </p:nvSpPr>
-        <p:spPr>
-          <a:xfrm>
-            <a:off x="336894" y="1225685"/>
-            <a:ext cx="11472482" cy="5369668"/>
-          </a:xfrm>
-          <a:prstGeom prst="rect">
-            <a:avLst/>
-          </a:prstGeom>
-          <a:solidFill>
-            <a:srgbClr val="FED449">
-              <a:alpha val="50000"/>
-            </a:srgbClr>
-          </a:solidFill>
-          <a:effectLst>
-            <a:softEdge rad="152400"/>
-          </a:effectLst>
-        </p:spPr>
-        <p:txBody>
-          <a:bodyPr wrap="square" rtlCol="0">
-            <a:spAutoFit/>
-          </a:bodyPr>
-          <a:lstStyle/>
-          <a:p>
-            <a:endParaRPr lang="fr-FR" dirty="0"/>
-          </a:p>
-        </p:txBody>
-      </p:sp>
-      <p:sp>
-        <p:nvSpPr>
-          <p:cNvPr id="11" name="ZoneTexte 10">
-            <a:extLst>
-              <a:ext uri="{FF2B5EF4-FFF2-40B4-BE49-F238E27FC236}">
-                <a16:creationId xmlns:a16="http://schemas.microsoft.com/office/drawing/2014/main" id="{4D68F34E-6148-422D-8C78-F40C2B9BADFF}"/>
-              </a:ext>
-            </a:extLst>
-          </p:cNvPr>
-          <p:cNvSpPr txBox="1"/>
-          <p:nvPr/>
-        </p:nvSpPr>
-        <p:spPr>
-          <a:xfrm>
-            <a:off x="1090367" y="1674695"/>
-            <a:ext cx="10011266" cy="4278094"/>
-          </a:xfrm>
-          <a:prstGeom prst="rect">
-            <a:avLst/>
-          </a:prstGeom>
-          <a:noFill/>
-        </p:spPr>
-        <p:txBody>
-          <a:bodyPr wrap="square" rtlCol="0">
-            <a:spAutoFit/>
-          </a:bodyPr>
-          <a:lstStyle/>
-          <a:p>
-            <a:pPr algn="ctr"/>
-            <a:r>
-              <a:rPr lang="fr-FR" sz="2800" b="1" dirty="0">
-                <a:latin typeface="Helvetica" panose="020B0604020202030204" pitchFamily="34" charset="0"/>
-                <a:cs typeface="Arial" panose="020B0604020202020204" pitchFamily="34" charset="0"/>
-              </a:rPr>
-              <a:t>CONCLUSION</a:t>
-            </a:r>
-          </a:p>
-          <a:p>
-            <a:pPr algn="ctr"/>
-            <a:endParaRPr lang="fr-FR" sz="2800" b="1" dirty="0">
-              <a:latin typeface="Helvetica" panose="020B0604020202030204" pitchFamily="34" charset="0"/>
-              <a:cs typeface="Arial" panose="020B0604020202020204" pitchFamily="34" charset="0"/>
-            </a:endParaRPr>
-          </a:p>
-          <a:p>
-            <a:r>
-              <a:rPr lang="fr-FR" sz="2400" dirty="0">
-                <a:latin typeface="Helvetica" panose="020B0604020202030204" pitchFamily="34" charset="0"/>
-              </a:rPr>
-              <a:t>Cohésion du groupe + Bonne ambiance = Travail productif</a:t>
-            </a:r>
-          </a:p>
-          <a:p>
-            <a:endParaRPr lang="fr-FR" sz="2400" dirty="0">
-              <a:latin typeface="Helvetica" panose="020B0604020202030204" pitchFamily="34" charset="0"/>
-            </a:endParaRPr>
-          </a:p>
-          <a:p>
-            <a:r>
-              <a:rPr lang="fr-FR" sz="2400" dirty="0">
-                <a:latin typeface="Helvetica" panose="020B0604020202030204" pitchFamily="34" charset="0"/>
-              </a:rPr>
-              <a:t>Diversité des profils = Complémentarité</a:t>
-            </a:r>
-          </a:p>
-          <a:p>
-            <a:endParaRPr lang="fr-FR" sz="2400" dirty="0">
-              <a:latin typeface="Helvetica" panose="020B0604020202030204" pitchFamily="34" charset="0"/>
-            </a:endParaRPr>
-          </a:p>
-          <a:p>
-            <a:r>
-              <a:rPr lang="fr-FR" sz="2400" dirty="0">
-                <a:latin typeface="Helvetica" panose="020B0604020202030204" pitchFamily="34" charset="0"/>
-              </a:rPr>
-              <a:t>Utilisation de GitHub</a:t>
-            </a:r>
-          </a:p>
-          <a:p>
-            <a:endParaRPr lang="fr-FR" sz="2400" dirty="0">
-              <a:latin typeface="Helvetica" panose="020B0604020202030204" pitchFamily="34" charset="0"/>
-            </a:endParaRPr>
-          </a:p>
-          <a:p>
-            <a:r>
-              <a:rPr lang="fr-FR" sz="2400" dirty="0">
-                <a:latin typeface="Helvetica" panose="020B0604020202030204" pitchFamily="34" charset="0"/>
-              </a:rPr>
-              <a:t>Adaptation à un nouveau langage </a:t>
-            </a:r>
-          </a:p>
-          <a:p>
-            <a:endParaRPr lang="fr-FR" sz="2400" dirty="0">
-              <a:latin typeface="Helvetica" panose="020B0604020202030204" pitchFamily="34" charset="0"/>
-            </a:endParaRPr>
-          </a:p>
-          <a:p>
-            <a:r>
-              <a:rPr lang="fr-FR" sz="2400" dirty="0">
-                <a:latin typeface="Helvetica" panose="020B0604020202030204" pitchFamily="34" charset="0"/>
-              </a:rPr>
-              <a:t>Indentation et commentaires</a:t>
-            </a:r>
-          </a:p>
-        </p:txBody>
-      </p:sp>
-    </p:spTree>
-    <p:extLst>
-      <p:ext uri="{BB962C8B-B14F-4D97-AF65-F5344CB8AC3E}">
-        <p14:creationId xmlns:p14="http://schemas.microsoft.com/office/powerpoint/2010/main" val="3408514451"/>
-      </p:ext>
-    </p:extLst>
-  </p:cSld>
-  <p:clrMapOvr>
-    <a:masterClrMapping/>
-  </p:clrMapOvr>
-</p:sld>
-</file>
-
-<file path=ppt/slides/slide16.xml><?xml version="1.0" encoding="utf-8"?>
-<p:sld xmlns:a="http://schemas.openxmlformats.org/drawingml/2006/main" xmlns:r="http://schemas.openxmlformats.org/officeDocument/2006/relationships" xmlns:p="http://schemas.openxmlformats.org/presentationml/2006/main">
-  <p:cSld>
-    <p:bg>
-      <p:bgPr>
-        <a:blipFill dpi="0" rotWithShape="1">
-          <a:blip r:embed="rId2">
-            <a:lum/>
-          </a:blip>
-          <a:srcRect/>
-          <a:stretch>
-            <a:fillRect/>
-          </a:stretch>
-        </a:blipFill>
-        <a:effectLst/>
-      </p:bgPr>
-    </p:bg>
-    <p:spTree>
-      <p:nvGrpSpPr>
-        <p:cNvPr id="1" name=""/>
-        <p:cNvGrpSpPr/>
-        <p:nvPr/>
-      </p:nvGrpSpPr>
-      <p:grpSpPr>
-        <a:xfrm>
-          <a:off x="0" y="0"/>
-          <a:ext cx="0" cy="0"/>
-          <a:chOff x="0" y="0"/>
-          <a:chExt cx="0" cy="0"/>
-        </a:xfrm>
-      </p:grpSpPr>
-      <p:grpSp>
-        <p:nvGrpSpPr>
-          <p:cNvPr id="7" name="Groupe 6">
-            <a:extLst>
-              <a:ext uri="{FF2B5EF4-FFF2-40B4-BE49-F238E27FC236}">
-                <a16:creationId xmlns:a16="http://schemas.microsoft.com/office/drawing/2014/main" id="{67E81936-583F-45AD-82CC-A5C937F4C87C}"/>
-              </a:ext>
-            </a:extLst>
-          </p:cNvPr>
-          <p:cNvGrpSpPr/>
-          <p:nvPr/>
-        </p:nvGrpSpPr>
-        <p:grpSpPr>
-          <a:xfrm>
-            <a:off x="327166" y="0"/>
-            <a:ext cx="11251304" cy="1342417"/>
-            <a:chOff x="327166" y="0"/>
-            <a:chExt cx="11251304" cy="1342417"/>
-          </a:xfrm>
-        </p:grpSpPr>
-        <p:sp>
-          <p:nvSpPr>
-            <p:cNvPr id="4" name="Flèche : chevron 3">
-              <a:extLst>
-                <a:ext uri="{FF2B5EF4-FFF2-40B4-BE49-F238E27FC236}">
-                  <a16:creationId xmlns:a16="http://schemas.microsoft.com/office/drawing/2014/main" id="{60D600DE-6FA0-4280-A81A-6DBE7691E92C}"/>
-                </a:ext>
-              </a:extLst>
-            </p:cNvPr>
-            <p:cNvSpPr/>
-            <p:nvPr/>
-          </p:nvSpPr>
-          <p:spPr>
-            <a:xfrm>
-              <a:off x="1268691" y="332278"/>
-              <a:ext cx="2309567" cy="688157"/>
-            </a:xfrm>
-            <a:prstGeom prst="chevron">
-              <a:avLst/>
-            </a:prstGeom>
-            <a:solidFill>
-              <a:srgbClr val="FED449"/>
-            </a:solidFill>
-            <a:ln>
-              <a:solidFill>
-                <a:schemeClr val="bg1"/>
-              </a:solidFill>
-            </a:ln>
-          </p:spPr>
-          <p:style>
-            <a:lnRef idx="2">
-              <a:schemeClr val="accent1">
-                <a:shade val="50000"/>
-              </a:schemeClr>
-            </a:lnRef>
-            <a:fillRef idx="1">
-              <a:schemeClr val="accent1"/>
-            </a:fillRef>
-            <a:effectRef idx="0">
-              <a:schemeClr val="accent1"/>
-            </a:effectRef>
-            <a:fontRef idx="minor">
-              <a:schemeClr val="lt1"/>
-            </a:fontRef>
-          </p:style>
-          <p:txBody>
-            <a:bodyPr rtlCol="0" anchor="ctr"/>
-            <a:lstStyle/>
-            <a:p>
-              <a:pPr algn="ctr"/>
-              <a:r>
-                <a:rPr lang="fr-FR" sz="1500" b="1" dirty="0">
-                  <a:solidFill>
-                    <a:schemeClr val="bg1"/>
-                  </a:solidFill>
-                  <a:effectLst>
-                    <a:outerShdw blurRad="38100" dist="76200" dir="2700000" algn="tl">
-                      <a:srgbClr val="000000"/>
-                    </a:outerShdw>
-                  </a:effectLst>
-                  <a:latin typeface="Helvetica" panose="020B0604020202030204" pitchFamily="34" charset="0"/>
-                </a:rPr>
-                <a:t>Etude du projet</a:t>
-              </a:r>
-            </a:p>
-          </p:txBody>
-        </p:sp>
-        <p:sp>
-          <p:nvSpPr>
-            <p:cNvPr id="16" name="Flèche : chevron 15">
-              <a:extLst>
-                <a:ext uri="{FF2B5EF4-FFF2-40B4-BE49-F238E27FC236}">
-                  <a16:creationId xmlns:a16="http://schemas.microsoft.com/office/drawing/2014/main" id="{F7655D32-22EC-4542-883E-4033865C1471}"/>
-                </a:ext>
-              </a:extLst>
-            </p:cNvPr>
-            <p:cNvSpPr/>
-            <p:nvPr/>
-          </p:nvSpPr>
-          <p:spPr>
-            <a:xfrm>
-              <a:off x="9268903" y="332277"/>
-              <a:ext cx="2309567" cy="688157"/>
-            </a:xfrm>
-            <a:prstGeom prst="chevron">
-              <a:avLst/>
-            </a:prstGeom>
-            <a:solidFill>
-              <a:srgbClr val="88CE62"/>
-            </a:solidFill>
-            <a:ln>
-              <a:solidFill>
-                <a:schemeClr val="bg1"/>
-              </a:solidFill>
-            </a:ln>
-          </p:spPr>
-          <p:style>
-            <a:lnRef idx="2">
-              <a:schemeClr val="accent1">
-                <a:shade val="50000"/>
-              </a:schemeClr>
-            </a:lnRef>
-            <a:fillRef idx="1">
-              <a:schemeClr val="accent1"/>
-            </a:fillRef>
-            <a:effectRef idx="0">
-              <a:schemeClr val="accent1"/>
-            </a:effectRef>
-            <a:fontRef idx="minor">
-              <a:schemeClr val="lt1"/>
-            </a:fontRef>
-          </p:style>
-          <p:txBody>
-            <a:bodyPr rtlCol="0" anchor="ctr"/>
-            <a:lstStyle/>
-            <a:p>
-              <a:pPr algn="ctr"/>
-              <a:r>
-                <a:rPr lang="fr-FR" sz="1600" b="1" dirty="0">
-                  <a:solidFill>
-                    <a:schemeClr val="bg1"/>
-                  </a:solidFill>
-                  <a:effectLst>
-                    <a:outerShdw blurRad="38100" dist="76200" dir="2700000" algn="tl">
-                      <a:srgbClr val="000000"/>
-                    </a:outerShdw>
-                  </a:effectLst>
-                  <a:latin typeface="Helvetica" panose="020B0604020202030204" pitchFamily="34" charset="0"/>
-                </a:rPr>
-                <a:t>Conclusion</a:t>
-              </a:r>
-            </a:p>
-          </p:txBody>
-        </p:sp>
-        <p:sp>
-          <p:nvSpPr>
-            <p:cNvPr id="17" name="Flèche : chevron 16">
-              <a:extLst>
-                <a:ext uri="{FF2B5EF4-FFF2-40B4-BE49-F238E27FC236}">
-                  <a16:creationId xmlns:a16="http://schemas.microsoft.com/office/drawing/2014/main" id="{30C36617-CB5C-40F8-B05D-7053886FD5EF}"/>
-                </a:ext>
-              </a:extLst>
-            </p:cNvPr>
-            <p:cNvSpPr/>
-            <p:nvPr/>
-          </p:nvSpPr>
-          <p:spPr>
-            <a:xfrm>
-              <a:off x="3268744" y="332277"/>
-              <a:ext cx="2309567" cy="688157"/>
-            </a:xfrm>
-            <a:prstGeom prst="chevron">
-              <a:avLst/>
-            </a:prstGeom>
-            <a:solidFill>
-              <a:srgbClr val="FED449"/>
-            </a:solidFill>
-            <a:ln>
-              <a:solidFill>
-                <a:schemeClr val="bg1"/>
-              </a:solidFill>
-            </a:ln>
-          </p:spPr>
-          <p:style>
-            <a:lnRef idx="2">
-              <a:schemeClr val="accent1">
-                <a:shade val="50000"/>
-              </a:schemeClr>
-            </a:lnRef>
-            <a:fillRef idx="1">
-              <a:schemeClr val="accent1"/>
-            </a:fillRef>
-            <a:effectRef idx="0">
-              <a:schemeClr val="accent1"/>
-            </a:effectRef>
-            <a:fontRef idx="minor">
-              <a:schemeClr val="lt1"/>
-            </a:fontRef>
-          </p:style>
-          <p:txBody>
-            <a:bodyPr rtlCol="0" anchor="ctr"/>
-            <a:lstStyle/>
-            <a:p>
-              <a:pPr algn="ctr"/>
-              <a:r>
-                <a:rPr lang="fr-FR" sz="1500" b="1" dirty="0">
-                  <a:solidFill>
-                    <a:schemeClr val="bg1"/>
-                  </a:solidFill>
-                  <a:effectLst>
-                    <a:outerShdw blurRad="38100" dist="76200" dir="2700000" algn="tl">
-                      <a:srgbClr val="000000"/>
-                    </a:outerShdw>
-                  </a:effectLst>
-                  <a:latin typeface="Helvetica" panose="020B0604020202030204" pitchFamily="34" charset="0"/>
-                </a:rPr>
-                <a:t>Organisation</a:t>
-              </a:r>
-            </a:p>
-          </p:txBody>
-        </p:sp>
-        <p:sp>
-          <p:nvSpPr>
-            <p:cNvPr id="18" name="Flèche : chevron 17">
-              <a:extLst>
-                <a:ext uri="{FF2B5EF4-FFF2-40B4-BE49-F238E27FC236}">
-                  <a16:creationId xmlns:a16="http://schemas.microsoft.com/office/drawing/2014/main" id="{A33478E5-51C7-4324-9E5C-0845E032CF0C}"/>
-                </a:ext>
-              </a:extLst>
-            </p:cNvPr>
-            <p:cNvSpPr/>
-            <p:nvPr/>
-          </p:nvSpPr>
-          <p:spPr>
-            <a:xfrm>
-              <a:off x="5268797" y="332704"/>
-              <a:ext cx="2309567" cy="688157"/>
-            </a:xfrm>
-            <a:prstGeom prst="chevron">
-              <a:avLst/>
-            </a:prstGeom>
-            <a:solidFill>
-              <a:srgbClr val="FED449"/>
-            </a:solidFill>
-            <a:ln>
-              <a:solidFill>
-                <a:schemeClr val="bg1"/>
-              </a:solidFill>
-            </a:ln>
-          </p:spPr>
-          <p:style>
-            <a:lnRef idx="2">
-              <a:schemeClr val="accent1">
-                <a:shade val="50000"/>
-              </a:schemeClr>
-            </a:lnRef>
-            <a:fillRef idx="1">
-              <a:schemeClr val="accent1"/>
-            </a:fillRef>
-            <a:effectRef idx="0">
-              <a:schemeClr val="accent1"/>
-            </a:effectRef>
-            <a:fontRef idx="minor">
-              <a:schemeClr val="lt1"/>
-            </a:fontRef>
-          </p:style>
-          <p:txBody>
-            <a:bodyPr rtlCol="0" anchor="ctr"/>
-            <a:lstStyle/>
-            <a:p>
-              <a:pPr algn="ctr"/>
-              <a:r>
-                <a:rPr lang="fr-FR" sz="1500" b="1" dirty="0">
-                  <a:solidFill>
-                    <a:schemeClr val="bg1"/>
-                  </a:solidFill>
-                  <a:effectLst>
-                    <a:outerShdw blurRad="38100" dist="76200" dir="2700000" algn="tl">
-                      <a:srgbClr val="000000"/>
-                    </a:outerShdw>
-                  </a:effectLst>
-                  <a:latin typeface="Helvetica" panose="020B0604020202030204" pitchFamily="34" charset="0"/>
-                </a:rPr>
-                <a:t>Développement</a:t>
-              </a:r>
-            </a:p>
-          </p:txBody>
-        </p:sp>
-        <p:sp>
-          <p:nvSpPr>
-            <p:cNvPr id="19" name="Flèche : chevron 18">
-              <a:extLst>
-                <a:ext uri="{FF2B5EF4-FFF2-40B4-BE49-F238E27FC236}">
-                  <a16:creationId xmlns:a16="http://schemas.microsoft.com/office/drawing/2014/main" id="{8795E004-010B-4219-8B10-37FA6D3A7781}"/>
-                </a:ext>
-              </a:extLst>
-            </p:cNvPr>
-            <p:cNvSpPr/>
-            <p:nvPr/>
-          </p:nvSpPr>
-          <p:spPr>
-            <a:xfrm>
-              <a:off x="7268850" y="332703"/>
-              <a:ext cx="2309567" cy="688157"/>
-            </a:xfrm>
-            <a:prstGeom prst="chevron">
-              <a:avLst/>
-            </a:prstGeom>
-            <a:solidFill>
-              <a:srgbClr val="FED449"/>
-            </a:solidFill>
-            <a:ln>
-              <a:solidFill>
-                <a:schemeClr val="bg1"/>
-              </a:solidFill>
-            </a:ln>
-          </p:spPr>
-          <p:style>
-            <a:lnRef idx="2">
-              <a:schemeClr val="accent1">
-                <a:shade val="50000"/>
-              </a:schemeClr>
-            </a:lnRef>
-            <a:fillRef idx="1">
-              <a:schemeClr val="accent1"/>
-            </a:fillRef>
-            <a:effectRef idx="0">
-              <a:schemeClr val="accent1"/>
-            </a:effectRef>
-            <a:fontRef idx="minor">
-              <a:schemeClr val="lt1"/>
-            </a:fontRef>
-          </p:style>
-          <p:txBody>
-            <a:bodyPr rtlCol="0" anchor="ctr"/>
-            <a:lstStyle/>
-            <a:p>
-              <a:pPr algn="ctr"/>
-              <a:r>
-                <a:rPr lang="fr-FR" sz="1500" b="1" dirty="0">
-                  <a:solidFill>
-                    <a:schemeClr val="bg1"/>
-                  </a:solidFill>
-                  <a:effectLst>
-                    <a:outerShdw blurRad="38100" dist="76200" dir="2700000" algn="tl">
-                      <a:srgbClr val="000000"/>
-                    </a:outerShdw>
-                  </a:effectLst>
-                  <a:latin typeface="Helvetica" panose="020B0604020202030204" pitchFamily="34" charset="0"/>
-                </a:rPr>
-                <a:t>Démonstration</a:t>
-              </a:r>
-              <a:endParaRPr lang="fr-FR" sz="1500" dirty="0">
-                <a:solidFill>
-                  <a:schemeClr val="tx1"/>
-                </a:solidFill>
-              </a:endParaRPr>
-            </a:p>
-          </p:txBody>
-        </p:sp>
-        <p:pic>
-          <p:nvPicPr>
-            <p:cNvPr id="6" name="Image 5">
-              <a:extLst>
-                <a:ext uri="{FF2B5EF4-FFF2-40B4-BE49-F238E27FC236}">
-                  <a16:creationId xmlns:a16="http://schemas.microsoft.com/office/drawing/2014/main" id="{2D0A881D-5AC2-4766-BD4C-5405D55C11A5}"/>
-                </a:ext>
-              </a:extLst>
-            </p:cNvPr>
-            <p:cNvPicPr>
-              <a:picLocks noChangeAspect="1"/>
-            </p:cNvPicPr>
-            <p:nvPr/>
-          </p:nvPicPr>
-          <p:blipFill>
-            <a:blip r:embed="rId3">
-              <a:extLst>
-                <a:ext uri="{28A0092B-C50C-407E-A947-70E740481C1C}">
-                  <a14:useLocalDpi xmlns:a14="http://schemas.microsoft.com/office/drawing/2010/main" val="0"/>
-                </a:ext>
-              </a:extLst>
-            </a:blip>
-            <a:stretch>
-              <a:fillRect/>
-            </a:stretch>
-          </p:blipFill>
-          <p:spPr>
-            <a:xfrm>
-              <a:off x="327166" y="0"/>
-              <a:ext cx="1566153" cy="1342417"/>
-            </a:xfrm>
-            <a:prstGeom prst="rect">
-              <a:avLst/>
-            </a:prstGeom>
-          </p:spPr>
-        </p:pic>
-      </p:grpSp>
-      <p:sp>
-        <p:nvSpPr>
-          <p:cNvPr id="10" name="ZoneTexte 9">
-            <a:extLst>
-              <a:ext uri="{FF2B5EF4-FFF2-40B4-BE49-F238E27FC236}">
-                <a16:creationId xmlns:a16="http://schemas.microsoft.com/office/drawing/2014/main" id="{CE36D8FB-1CD3-4D19-A954-A2CE97724692}"/>
-              </a:ext>
-            </a:extLst>
-          </p:cNvPr>
-          <p:cNvSpPr txBox="1"/>
-          <p:nvPr/>
-        </p:nvSpPr>
-        <p:spPr>
-          <a:xfrm>
-            <a:off x="336894" y="1225685"/>
-            <a:ext cx="11472482" cy="5369668"/>
-          </a:xfrm>
-          <a:prstGeom prst="rect">
-            <a:avLst/>
-          </a:prstGeom>
-          <a:solidFill>
-            <a:srgbClr val="FED449">
-              <a:alpha val="50000"/>
-            </a:srgbClr>
-          </a:solidFill>
-          <a:effectLst>
-            <a:softEdge rad="152400"/>
-          </a:effectLst>
-        </p:spPr>
-        <p:txBody>
-          <a:bodyPr wrap="square" rtlCol="0">
-            <a:spAutoFit/>
-          </a:bodyPr>
-          <a:lstStyle/>
-          <a:p>
-            <a:endParaRPr lang="fr-FR" dirty="0"/>
-          </a:p>
-        </p:txBody>
-      </p:sp>
-      <p:sp>
-        <p:nvSpPr>
-          <p:cNvPr id="11" name="ZoneTexte 10">
-            <a:extLst>
-              <a:ext uri="{FF2B5EF4-FFF2-40B4-BE49-F238E27FC236}">
-                <a16:creationId xmlns:a16="http://schemas.microsoft.com/office/drawing/2014/main" id="{4D68F34E-6148-422D-8C78-F40C2B9BADFF}"/>
-              </a:ext>
-            </a:extLst>
-          </p:cNvPr>
-          <p:cNvSpPr txBox="1"/>
-          <p:nvPr/>
-        </p:nvSpPr>
-        <p:spPr>
-          <a:xfrm>
-            <a:off x="1090367" y="1674695"/>
-            <a:ext cx="10011266" cy="3539430"/>
-          </a:xfrm>
-          <a:prstGeom prst="rect">
-            <a:avLst/>
-          </a:prstGeom>
-          <a:noFill/>
-        </p:spPr>
-        <p:txBody>
-          <a:bodyPr wrap="square" rtlCol="0">
-            <a:spAutoFit/>
-          </a:bodyPr>
-          <a:lstStyle/>
-          <a:p>
-            <a:pPr algn="ctr"/>
-            <a:r>
-              <a:rPr lang="fr-FR" sz="2800" b="1" dirty="0">
-                <a:latin typeface="Helvetica" panose="020B0604020202030204" pitchFamily="34" charset="0"/>
-                <a:cs typeface="Arial" panose="020B0604020202020204" pitchFamily="34" charset="0"/>
-              </a:rPr>
-              <a:t>CE QUE NOUS AURIONS PU MIEUX FAIRE</a:t>
-            </a:r>
-          </a:p>
-          <a:p>
-            <a:pPr algn="ctr"/>
-            <a:endParaRPr lang="fr-FR" sz="2800" b="1" dirty="0">
-              <a:latin typeface="Helvetica" panose="020B0604020202030204" pitchFamily="34" charset="0"/>
-              <a:cs typeface="Arial" panose="020B0604020202020204" pitchFamily="34" charset="0"/>
-            </a:endParaRPr>
-          </a:p>
-          <a:p>
-            <a:r>
-              <a:rPr lang="fr-FR" sz="2400" dirty="0">
-                <a:latin typeface="Helvetica" panose="020B0604020202030204" pitchFamily="34" charset="0"/>
-              </a:rPr>
-              <a:t>Utiliser la méthode à Gilles (AGILE) dès le début</a:t>
-            </a:r>
-          </a:p>
-          <a:p>
-            <a:endParaRPr lang="fr-FR" sz="2400" dirty="0">
-              <a:latin typeface="Helvetica" panose="020B0604020202030204" pitchFamily="34" charset="0"/>
-            </a:endParaRPr>
-          </a:p>
-          <a:p>
-            <a:r>
-              <a:rPr lang="fr-FR" sz="2400" dirty="0">
-                <a:latin typeface="Helvetica" panose="020B0604020202030204" pitchFamily="34" charset="0"/>
-              </a:rPr>
-              <a:t>Uniformisation des codes</a:t>
-            </a:r>
-          </a:p>
-          <a:p>
-            <a:endParaRPr lang="fr-FR" sz="2400" dirty="0">
-              <a:latin typeface="Helvetica" panose="020B0604020202030204" pitchFamily="34" charset="0"/>
-            </a:endParaRPr>
-          </a:p>
-          <a:p>
-            <a:r>
-              <a:rPr lang="fr-FR" sz="2400" dirty="0">
-                <a:latin typeface="Helvetica" panose="020B0604020202030204" pitchFamily="34" charset="0"/>
-              </a:rPr>
-              <a:t>Optimisation des fichiers</a:t>
-            </a:r>
-          </a:p>
-          <a:p>
-            <a:endParaRPr lang="fr-FR" sz="2400" dirty="0">
-              <a:latin typeface="Helvetica" panose="020B0604020202030204" pitchFamily="34" charset="0"/>
-            </a:endParaRPr>
-          </a:p>
-          <a:p>
-            <a:endParaRPr lang="fr-FR" sz="2400" dirty="0">
-              <a:latin typeface="Helvetica" panose="020B0604020202030204" pitchFamily="34" charset="0"/>
-            </a:endParaRPr>
-          </a:p>
-        </p:txBody>
-      </p:sp>
-    </p:spTree>
-    <p:extLst>
-      <p:ext uri="{BB962C8B-B14F-4D97-AF65-F5344CB8AC3E}">
-        <p14:creationId xmlns:p14="http://schemas.microsoft.com/office/powerpoint/2010/main" val="2557336589"/>
-      </p:ext>
-    </p:extLst>
-  </p:cSld>
-  <p:clrMapOvr>
-    <a:masterClrMapping/>
-  </p:clrMapOvr>
-</p:sld>
-</file>
-
-<file path=ppt/slides/slide17.xml><?xml version="1.0" encoding="utf-8"?>
-<p:sld xmlns:a="http://schemas.openxmlformats.org/drawingml/2006/main" xmlns:r="http://schemas.openxmlformats.org/officeDocument/2006/relationships" xmlns:p="http://schemas.openxmlformats.org/presentationml/2006/main">
-  <p:cSld>
-    <p:bg>
-      <p:bgPr>
-        <a:blipFill dpi="0" rotWithShape="1">
-          <a:blip r:embed="rId2">
-            <a:lum/>
-          </a:blip>
-          <a:srcRect/>
-          <a:stretch>
-            <a:fillRect/>
-          </a:stretch>
-        </a:blipFill>
-        <a:effectLst/>
-      </p:bgPr>
-    </p:bg>
-    <p:spTree>
-      <p:nvGrpSpPr>
-        <p:cNvPr id="1" name=""/>
-        <p:cNvGrpSpPr/>
-        <p:nvPr/>
-      </p:nvGrpSpPr>
-      <p:grpSpPr>
-        <a:xfrm>
-          <a:off x="0" y="0"/>
-          <a:ext cx="0" cy="0"/>
-          <a:chOff x="0" y="0"/>
-          <a:chExt cx="0" cy="0"/>
-        </a:xfrm>
-      </p:grpSpPr>
-      <p:grpSp>
-        <p:nvGrpSpPr>
-          <p:cNvPr id="7" name="Groupe 6">
-            <a:extLst>
-              <a:ext uri="{FF2B5EF4-FFF2-40B4-BE49-F238E27FC236}">
-                <a16:creationId xmlns:a16="http://schemas.microsoft.com/office/drawing/2014/main" id="{67E81936-583F-45AD-82CC-A5C937F4C87C}"/>
-              </a:ext>
-            </a:extLst>
-          </p:cNvPr>
-          <p:cNvGrpSpPr/>
-          <p:nvPr/>
-        </p:nvGrpSpPr>
-        <p:grpSpPr>
-          <a:xfrm>
-            <a:off x="327166" y="0"/>
-            <a:ext cx="11251304" cy="1342417"/>
-            <a:chOff x="327166" y="0"/>
-            <a:chExt cx="11251304" cy="1342417"/>
-          </a:xfrm>
-        </p:grpSpPr>
-        <p:sp>
-          <p:nvSpPr>
-            <p:cNvPr id="4" name="Flèche : chevron 3">
-              <a:extLst>
-                <a:ext uri="{FF2B5EF4-FFF2-40B4-BE49-F238E27FC236}">
-                  <a16:creationId xmlns:a16="http://schemas.microsoft.com/office/drawing/2014/main" id="{60D600DE-6FA0-4280-A81A-6DBE7691E92C}"/>
-                </a:ext>
-              </a:extLst>
-            </p:cNvPr>
-            <p:cNvSpPr/>
-            <p:nvPr/>
-          </p:nvSpPr>
-          <p:spPr>
-            <a:xfrm>
-              <a:off x="1268691" y="332278"/>
-              <a:ext cx="2309567" cy="688157"/>
-            </a:xfrm>
-            <a:prstGeom prst="chevron">
-              <a:avLst/>
-            </a:prstGeom>
-            <a:solidFill>
-              <a:srgbClr val="FED449"/>
-            </a:solidFill>
-            <a:ln>
-              <a:solidFill>
-                <a:schemeClr val="bg1"/>
-              </a:solidFill>
-            </a:ln>
-          </p:spPr>
-          <p:style>
-            <a:lnRef idx="2">
-              <a:schemeClr val="accent1">
-                <a:shade val="50000"/>
-              </a:schemeClr>
-            </a:lnRef>
-            <a:fillRef idx="1">
-              <a:schemeClr val="accent1"/>
-            </a:fillRef>
-            <a:effectRef idx="0">
-              <a:schemeClr val="accent1"/>
-            </a:effectRef>
-            <a:fontRef idx="minor">
-              <a:schemeClr val="lt1"/>
-            </a:fontRef>
-          </p:style>
-          <p:txBody>
-            <a:bodyPr rtlCol="0" anchor="ctr"/>
-            <a:lstStyle/>
-            <a:p>
-              <a:pPr algn="ctr"/>
-              <a:r>
-                <a:rPr lang="fr-FR" sz="1500" b="1" dirty="0">
-                  <a:solidFill>
-                    <a:schemeClr val="bg1"/>
-                  </a:solidFill>
-                  <a:effectLst>
-                    <a:outerShdw blurRad="38100" dist="76200" dir="2700000" algn="tl">
-                      <a:srgbClr val="000000"/>
-                    </a:outerShdw>
-                  </a:effectLst>
-                  <a:latin typeface="Helvetica" panose="020B0604020202030204" pitchFamily="34" charset="0"/>
-                </a:rPr>
-                <a:t>Etude du projet</a:t>
-              </a:r>
-            </a:p>
-          </p:txBody>
-        </p:sp>
-        <p:sp>
-          <p:nvSpPr>
-            <p:cNvPr id="16" name="Flèche : chevron 15">
-              <a:extLst>
-                <a:ext uri="{FF2B5EF4-FFF2-40B4-BE49-F238E27FC236}">
-                  <a16:creationId xmlns:a16="http://schemas.microsoft.com/office/drawing/2014/main" id="{F7655D32-22EC-4542-883E-4033865C1471}"/>
-                </a:ext>
-              </a:extLst>
-            </p:cNvPr>
-            <p:cNvSpPr/>
-            <p:nvPr/>
-          </p:nvSpPr>
-          <p:spPr>
-            <a:xfrm>
-              <a:off x="9268903" y="332277"/>
-              <a:ext cx="2309567" cy="688157"/>
-            </a:xfrm>
-            <a:prstGeom prst="chevron">
-              <a:avLst/>
-            </a:prstGeom>
-            <a:solidFill>
-              <a:srgbClr val="88CE62"/>
-            </a:solidFill>
-            <a:ln>
-              <a:solidFill>
-                <a:schemeClr val="bg1"/>
-              </a:solidFill>
-            </a:ln>
-          </p:spPr>
-          <p:style>
-            <a:lnRef idx="2">
-              <a:schemeClr val="accent1">
-                <a:shade val="50000"/>
-              </a:schemeClr>
-            </a:lnRef>
-            <a:fillRef idx="1">
-              <a:schemeClr val="accent1"/>
-            </a:fillRef>
-            <a:effectRef idx="0">
-              <a:schemeClr val="accent1"/>
-            </a:effectRef>
-            <a:fontRef idx="minor">
-              <a:schemeClr val="lt1"/>
-            </a:fontRef>
-          </p:style>
-          <p:txBody>
-            <a:bodyPr rtlCol="0" anchor="ctr"/>
-            <a:lstStyle/>
-            <a:p>
-              <a:pPr algn="ctr"/>
-              <a:r>
-                <a:rPr lang="fr-FR" sz="1600" b="1" dirty="0">
-                  <a:solidFill>
-                    <a:schemeClr val="bg1"/>
-                  </a:solidFill>
-                  <a:effectLst>
-                    <a:outerShdw blurRad="38100" dist="76200" dir="2700000" algn="tl">
-                      <a:srgbClr val="000000"/>
-                    </a:outerShdw>
-                  </a:effectLst>
-                  <a:latin typeface="Helvetica" panose="020B0604020202030204" pitchFamily="34" charset="0"/>
-                </a:rPr>
-                <a:t>Conclusion</a:t>
-              </a:r>
-            </a:p>
-          </p:txBody>
-        </p:sp>
-        <p:sp>
-          <p:nvSpPr>
-            <p:cNvPr id="17" name="Flèche : chevron 16">
-              <a:extLst>
-                <a:ext uri="{FF2B5EF4-FFF2-40B4-BE49-F238E27FC236}">
-                  <a16:creationId xmlns:a16="http://schemas.microsoft.com/office/drawing/2014/main" id="{30C36617-CB5C-40F8-B05D-7053886FD5EF}"/>
-                </a:ext>
-              </a:extLst>
-            </p:cNvPr>
-            <p:cNvSpPr/>
-            <p:nvPr/>
-          </p:nvSpPr>
-          <p:spPr>
-            <a:xfrm>
-              <a:off x="3268744" y="332277"/>
-              <a:ext cx="2309567" cy="688157"/>
-            </a:xfrm>
-            <a:prstGeom prst="chevron">
-              <a:avLst/>
-            </a:prstGeom>
-            <a:solidFill>
-              <a:srgbClr val="FED449"/>
-            </a:solidFill>
-            <a:ln>
-              <a:solidFill>
-                <a:schemeClr val="bg1"/>
-              </a:solidFill>
-            </a:ln>
-          </p:spPr>
-          <p:style>
-            <a:lnRef idx="2">
-              <a:schemeClr val="accent1">
-                <a:shade val="50000"/>
-              </a:schemeClr>
-            </a:lnRef>
-            <a:fillRef idx="1">
-              <a:schemeClr val="accent1"/>
-            </a:fillRef>
-            <a:effectRef idx="0">
-              <a:schemeClr val="accent1"/>
-            </a:effectRef>
-            <a:fontRef idx="minor">
-              <a:schemeClr val="lt1"/>
-            </a:fontRef>
-          </p:style>
-          <p:txBody>
-            <a:bodyPr rtlCol="0" anchor="ctr"/>
-            <a:lstStyle/>
-            <a:p>
-              <a:pPr algn="ctr"/>
-              <a:r>
-                <a:rPr lang="fr-FR" sz="1500" b="1" dirty="0">
-                  <a:solidFill>
-                    <a:schemeClr val="bg1"/>
-                  </a:solidFill>
-                  <a:effectLst>
-                    <a:outerShdw blurRad="38100" dist="76200" dir="2700000" algn="tl">
-                      <a:srgbClr val="000000"/>
-                    </a:outerShdw>
-                  </a:effectLst>
-                  <a:latin typeface="Helvetica" panose="020B0604020202030204" pitchFamily="34" charset="0"/>
-                </a:rPr>
-                <a:t>Organisation</a:t>
-              </a:r>
-            </a:p>
-          </p:txBody>
-        </p:sp>
-        <p:sp>
-          <p:nvSpPr>
-            <p:cNvPr id="18" name="Flèche : chevron 17">
-              <a:extLst>
-                <a:ext uri="{FF2B5EF4-FFF2-40B4-BE49-F238E27FC236}">
-                  <a16:creationId xmlns:a16="http://schemas.microsoft.com/office/drawing/2014/main" id="{A33478E5-51C7-4324-9E5C-0845E032CF0C}"/>
-                </a:ext>
-              </a:extLst>
-            </p:cNvPr>
-            <p:cNvSpPr/>
-            <p:nvPr/>
-          </p:nvSpPr>
-          <p:spPr>
-            <a:xfrm>
-              <a:off x="5268797" y="332704"/>
-              <a:ext cx="2309567" cy="688157"/>
-            </a:xfrm>
-            <a:prstGeom prst="chevron">
-              <a:avLst/>
-            </a:prstGeom>
-            <a:solidFill>
-              <a:srgbClr val="FED449"/>
-            </a:solidFill>
-            <a:ln>
-              <a:solidFill>
-                <a:schemeClr val="bg1"/>
-              </a:solidFill>
-            </a:ln>
-          </p:spPr>
-          <p:style>
-            <a:lnRef idx="2">
-              <a:schemeClr val="accent1">
-                <a:shade val="50000"/>
-              </a:schemeClr>
-            </a:lnRef>
-            <a:fillRef idx="1">
-              <a:schemeClr val="accent1"/>
-            </a:fillRef>
-            <a:effectRef idx="0">
-              <a:schemeClr val="accent1"/>
-            </a:effectRef>
-            <a:fontRef idx="minor">
-              <a:schemeClr val="lt1"/>
-            </a:fontRef>
-          </p:style>
-          <p:txBody>
-            <a:bodyPr rtlCol="0" anchor="ctr"/>
-            <a:lstStyle/>
-            <a:p>
-              <a:pPr algn="ctr"/>
-              <a:r>
-                <a:rPr lang="fr-FR" sz="1500" b="1" dirty="0">
-                  <a:solidFill>
-                    <a:schemeClr val="bg1"/>
-                  </a:solidFill>
-                  <a:effectLst>
-                    <a:outerShdw blurRad="38100" dist="76200" dir="2700000" algn="tl">
-                      <a:srgbClr val="000000"/>
-                    </a:outerShdw>
-                  </a:effectLst>
-                  <a:latin typeface="Helvetica" panose="020B0604020202030204" pitchFamily="34" charset="0"/>
-                </a:rPr>
-                <a:t>Développement</a:t>
-              </a:r>
-            </a:p>
-          </p:txBody>
-        </p:sp>
-        <p:sp>
-          <p:nvSpPr>
-            <p:cNvPr id="19" name="Flèche : chevron 18">
-              <a:extLst>
-                <a:ext uri="{FF2B5EF4-FFF2-40B4-BE49-F238E27FC236}">
-                  <a16:creationId xmlns:a16="http://schemas.microsoft.com/office/drawing/2014/main" id="{8795E004-010B-4219-8B10-37FA6D3A7781}"/>
-                </a:ext>
-              </a:extLst>
-            </p:cNvPr>
-            <p:cNvSpPr/>
-            <p:nvPr/>
-          </p:nvSpPr>
-          <p:spPr>
-            <a:xfrm>
-              <a:off x="7268850" y="332703"/>
-              <a:ext cx="2309567" cy="688157"/>
-            </a:xfrm>
-            <a:prstGeom prst="chevron">
-              <a:avLst/>
-            </a:prstGeom>
-            <a:solidFill>
-              <a:srgbClr val="FED449"/>
-            </a:solidFill>
-            <a:ln>
-              <a:solidFill>
-                <a:schemeClr val="bg1"/>
-              </a:solidFill>
-            </a:ln>
-          </p:spPr>
-          <p:style>
-            <a:lnRef idx="2">
-              <a:schemeClr val="accent1">
-                <a:shade val="50000"/>
-              </a:schemeClr>
-            </a:lnRef>
-            <a:fillRef idx="1">
-              <a:schemeClr val="accent1"/>
-            </a:fillRef>
-            <a:effectRef idx="0">
-              <a:schemeClr val="accent1"/>
-            </a:effectRef>
-            <a:fontRef idx="minor">
-              <a:schemeClr val="lt1"/>
-            </a:fontRef>
-          </p:style>
-          <p:txBody>
-            <a:bodyPr rtlCol="0" anchor="ctr"/>
-            <a:lstStyle/>
-            <a:p>
-              <a:pPr algn="ctr"/>
-              <a:r>
-                <a:rPr lang="fr-FR" sz="1500" b="1" dirty="0">
-                  <a:solidFill>
-                    <a:schemeClr val="bg1"/>
-                  </a:solidFill>
-                  <a:effectLst>
-                    <a:outerShdw blurRad="38100" dist="76200" dir="2700000" algn="tl">
-                      <a:srgbClr val="000000"/>
-                    </a:outerShdw>
-                  </a:effectLst>
-                  <a:latin typeface="Helvetica" panose="020B0604020202030204" pitchFamily="34" charset="0"/>
-                </a:rPr>
-                <a:t>Démonstration</a:t>
-              </a:r>
-              <a:endParaRPr lang="fr-FR" sz="1500" dirty="0">
-                <a:solidFill>
-                  <a:schemeClr val="tx1"/>
-                </a:solidFill>
-              </a:endParaRPr>
-            </a:p>
-          </p:txBody>
-        </p:sp>
-        <p:pic>
-          <p:nvPicPr>
-            <p:cNvPr id="6" name="Image 5">
-              <a:extLst>
-                <a:ext uri="{FF2B5EF4-FFF2-40B4-BE49-F238E27FC236}">
-                  <a16:creationId xmlns:a16="http://schemas.microsoft.com/office/drawing/2014/main" id="{2D0A881D-5AC2-4766-BD4C-5405D55C11A5}"/>
-                </a:ext>
-              </a:extLst>
-            </p:cNvPr>
-            <p:cNvPicPr>
-              <a:picLocks noChangeAspect="1"/>
-            </p:cNvPicPr>
-            <p:nvPr/>
-          </p:nvPicPr>
-          <p:blipFill>
-            <a:blip r:embed="rId3">
-              <a:extLst>
-                <a:ext uri="{28A0092B-C50C-407E-A947-70E740481C1C}">
-                  <a14:useLocalDpi xmlns:a14="http://schemas.microsoft.com/office/drawing/2010/main" val="0"/>
-                </a:ext>
-              </a:extLst>
-            </a:blip>
-            <a:stretch>
-              <a:fillRect/>
-            </a:stretch>
-          </p:blipFill>
-          <p:spPr>
-            <a:xfrm>
-              <a:off x="327166" y="0"/>
-              <a:ext cx="1566153" cy="1342417"/>
-            </a:xfrm>
-            <a:prstGeom prst="rect">
-              <a:avLst/>
-            </a:prstGeom>
-          </p:spPr>
-        </p:pic>
-      </p:grpSp>
-      <p:sp>
-        <p:nvSpPr>
-          <p:cNvPr id="10" name="ZoneTexte 9">
-            <a:extLst>
-              <a:ext uri="{FF2B5EF4-FFF2-40B4-BE49-F238E27FC236}">
-                <a16:creationId xmlns:a16="http://schemas.microsoft.com/office/drawing/2014/main" id="{CE36D8FB-1CD3-4D19-A954-A2CE97724692}"/>
-              </a:ext>
-            </a:extLst>
-          </p:cNvPr>
-          <p:cNvSpPr txBox="1"/>
-          <p:nvPr/>
-        </p:nvSpPr>
-        <p:spPr>
-          <a:xfrm>
-            <a:off x="336894" y="1225685"/>
-            <a:ext cx="11472482" cy="5369668"/>
-          </a:xfrm>
-          <a:prstGeom prst="rect">
-            <a:avLst/>
-          </a:prstGeom>
-          <a:solidFill>
-            <a:srgbClr val="FED449">
-              <a:alpha val="50000"/>
-            </a:srgbClr>
-          </a:solidFill>
-          <a:effectLst>
-            <a:softEdge rad="152400"/>
-          </a:effectLst>
-        </p:spPr>
-        <p:txBody>
-          <a:bodyPr wrap="square" rtlCol="0">
-            <a:spAutoFit/>
-          </a:bodyPr>
-          <a:lstStyle/>
-          <a:p>
-            <a:endParaRPr lang="fr-FR" dirty="0"/>
-          </a:p>
-        </p:txBody>
-      </p:sp>
-      <p:sp>
-        <p:nvSpPr>
-          <p:cNvPr id="11" name="ZoneTexte 10">
-            <a:extLst>
-              <a:ext uri="{FF2B5EF4-FFF2-40B4-BE49-F238E27FC236}">
-                <a16:creationId xmlns:a16="http://schemas.microsoft.com/office/drawing/2014/main" id="{C9EBFD3C-EFBF-4D0F-882B-53499E15C08D}"/>
-              </a:ext>
-            </a:extLst>
-          </p:cNvPr>
-          <p:cNvSpPr txBox="1"/>
-          <p:nvPr/>
-        </p:nvSpPr>
-        <p:spPr>
-          <a:xfrm>
-            <a:off x="1090367" y="1674695"/>
-            <a:ext cx="10011266" cy="5386090"/>
-          </a:xfrm>
-          <a:prstGeom prst="rect">
-            <a:avLst/>
-          </a:prstGeom>
-          <a:noFill/>
-        </p:spPr>
-        <p:txBody>
-          <a:bodyPr wrap="square" rtlCol="0">
-            <a:spAutoFit/>
-          </a:bodyPr>
-          <a:lstStyle/>
-          <a:p>
-            <a:pPr algn="ctr"/>
-            <a:r>
-              <a:rPr lang="fr-FR" sz="2800" b="1" dirty="0">
-                <a:latin typeface="Helvetica" panose="020B0604020202030204" pitchFamily="34" charset="0"/>
-                <a:cs typeface="Arial" panose="020B0604020202020204" pitchFamily="34" charset="0"/>
-              </a:rPr>
-              <a:t>PERSPECTIVES</a:t>
-            </a:r>
-          </a:p>
-          <a:p>
-            <a:pPr algn="ctr"/>
-            <a:endParaRPr lang="fr-FR" sz="2800" b="1" dirty="0">
-              <a:latin typeface="Helvetica" panose="020B0604020202030204" pitchFamily="34" charset="0"/>
-              <a:cs typeface="Arial" panose="020B0604020202020204" pitchFamily="34" charset="0"/>
-            </a:endParaRPr>
-          </a:p>
-          <a:p>
-            <a:r>
-              <a:rPr lang="fr-FR" sz="2400" dirty="0">
-                <a:latin typeface="Helvetica" panose="020B0604020202030204" pitchFamily="34" charset="0"/>
-              </a:rPr>
-              <a:t>Evolution du site</a:t>
-            </a:r>
-          </a:p>
-          <a:p>
-            <a:r>
-              <a:rPr lang="fr-FR" sz="2400" dirty="0">
-                <a:latin typeface="Helvetica" panose="020B0604020202030204" pitchFamily="34" charset="0"/>
-              </a:rPr>
-              <a:t>	Barre de recherche</a:t>
-            </a:r>
-          </a:p>
-          <a:p>
-            <a:r>
-              <a:rPr lang="fr-FR" sz="2400" dirty="0">
-                <a:latin typeface="Helvetica" panose="020B0604020202030204" pitchFamily="34" charset="0"/>
-              </a:rPr>
-              <a:t>	Factures</a:t>
-            </a:r>
-          </a:p>
-          <a:p>
-            <a:r>
-              <a:rPr lang="fr-FR" sz="2400" dirty="0">
-                <a:latin typeface="Helvetica" panose="020B0604020202030204" pitchFamily="34" charset="0"/>
-              </a:rPr>
-              <a:t>	Sécurité</a:t>
-            </a:r>
-          </a:p>
-          <a:p>
-            <a:r>
-              <a:rPr lang="fr-FR" sz="2400" dirty="0">
-                <a:latin typeface="Helvetica" panose="020B0604020202030204" pitchFamily="34" charset="0"/>
-              </a:rPr>
-              <a:t>	Gestion des modes de livraisons</a:t>
-            </a:r>
-          </a:p>
-          <a:p>
-            <a:r>
-              <a:rPr lang="fr-FR" sz="2400" dirty="0">
-                <a:latin typeface="Helvetica" panose="020B0604020202030204" pitchFamily="34" charset="0"/>
-              </a:rPr>
-              <a:t>	Paiements en ligne</a:t>
-            </a:r>
-          </a:p>
-          <a:p>
-            <a:r>
-              <a:rPr lang="fr-FR" sz="2400" dirty="0">
-                <a:latin typeface="Helvetica" panose="020B0604020202030204" pitchFamily="34" charset="0"/>
-              </a:rPr>
-              <a:t>	Mode daltonien</a:t>
-            </a:r>
-          </a:p>
-          <a:p>
-            <a:endParaRPr lang="fr-FR" sz="2400" dirty="0">
-              <a:latin typeface="Helvetica" panose="020B0604020202030204" pitchFamily="34" charset="0"/>
-            </a:endParaRPr>
-          </a:p>
-          <a:p>
-            <a:endParaRPr lang="fr-FR" sz="2400" dirty="0">
-              <a:latin typeface="Helvetica" panose="020B0604020202030204" pitchFamily="34" charset="0"/>
-            </a:endParaRPr>
-          </a:p>
-          <a:p>
-            <a:endParaRPr lang="fr-FR" sz="2400" dirty="0">
-              <a:latin typeface="Helvetica" panose="020B0604020202030204" pitchFamily="34" charset="0"/>
-            </a:endParaRPr>
-          </a:p>
-          <a:p>
-            <a:endParaRPr lang="fr-FR" sz="2400" dirty="0">
-              <a:latin typeface="Helvetica" panose="020B0604020202030204" pitchFamily="34" charset="0"/>
-            </a:endParaRPr>
-          </a:p>
-          <a:p>
-            <a:endParaRPr lang="fr-FR" sz="2400" dirty="0">
-              <a:latin typeface="Helvetica" panose="020B0604020202030204" pitchFamily="34" charset="0"/>
-            </a:endParaRPr>
-          </a:p>
-        </p:txBody>
-      </p:sp>
-    </p:spTree>
-    <p:extLst>
-      <p:ext uri="{BB962C8B-B14F-4D97-AF65-F5344CB8AC3E}">
-        <p14:creationId xmlns:p14="http://schemas.microsoft.com/office/powerpoint/2010/main" val="3679153279"/>
-      </p:ext>
-    </p:extLst>
-  </p:cSld>
-  <p:clrMapOvr>
-    <a:masterClrMapping/>
-  </p:clrMapOvr>
-</p:sld>
-</file>
-
-<file path=ppt/slides/slide18.xml><?xml version="1.0" encoding="utf-8"?>
-<p:sld xmlns:a="http://schemas.openxmlformats.org/drawingml/2006/main" xmlns:r="http://schemas.openxmlformats.org/officeDocument/2006/relationships" xmlns:p="http://schemas.openxmlformats.org/presentationml/2006/main">
-  <p:cSld>
-    <p:bg>
-      <p:bgPr>
-        <a:blipFill dpi="0" rotWithShape="1">
-          <a:blip r:embed="rId2">
-            <a:lum/>
-          </a:blip>
-          <a:srcRect/>
-          <a:stretch>
-            <a:fillRect/>
-          </a:stretch>
-        </a:blipFill>
-        <a:effectLst/>
-      </p:bgPr>
-    </p:bg>
-    <p:spTree>
-      <p:nvGrpSpPr>
-        <p:cNvPr id="1" name=""/>
-        <p:cNvGrpSpPr/>
-        <p:nvPr/>
-      </p:nvGrpSpPr>
-      <p:grpSpPr>
-        <a:xfrm>
-          <a:off x="0" y="0"/>
-          <a:ext cx="0" cy="0"/>
-          <a:chOff x="0" y="0"/>
-          <a:chExt cx="0" cy="0"/>
-        </a:xfrm>
-      </p:grpSpPr>
-      <p:pic>
-        <p:nvPicPr>
-          <p:cNvPr id="6" name="Image 5">
-            <a:extLst>
-              <a:ext uri="{FF2B5EF4-FFF2-40B4-BE49-F238E27FC236}">
-                <a16:creationId xmlns:a16="http://schemas.microsoft.com/office/drawing/2014/main" id="{2D0A881D-5AC2-4766-BD4C-5405D55C11A5}"/>
-              </a:ext>
-            </a:extLst>
-          </p:cNvPr>
-          <p:cNvPicPr>
-            <a:picLocks noChangeAspect="1"/>
-          </p:cNvPicPr>
-          <p:nvPr/>
-        </p:nvPicPr>
-        <p:blipFill>
-          <a:blip r:embed="rId3">
-            <a:extLst>
-              <a:ext uri="{28A0092B-C50C-407E-A947-70E740481C1C}">
-                <a14:useLocalDpi xmlns:a14="http://schemas.microsoft.com/office/drawing/2010/main" val="0"/>
-              </a:ext>
-            </a:extLst>
-          </a:blip>
-          <a:stretch>
-            <a:fillRect/>
-          </a:stretch>
-        </p:blipFill>
-        <p:spPr>
-          <a:xfrm>
-            <a:off x="329574" y="0"/>
-            <a:ext cx="1566153" cy="1342417"/>
-          </a:xfrm>
-          <a:prstGeom prst="rect">
-            <a:avLst/>
-          </a:prstGeom>
-        </p:spPr>
-      </p:pic>
-      <p:sp>
-        <p:nvSpPr>
-          <p:cNvPr id="10" name="ZoneTexte 9">
-            <a:extLst>
-              <a:ext uri="{FF2B5EF4-FFF2-40B4-BE49-F238E27FC236}">
-                <a16:creationId xmlns:a16="http://schemas.microsoft.com/office/drawing/2014/main" id="{CE36D8FB-1CD3-4D19-A954-A2CE97724692}"/>
-              </a:ext>
-            </a:extLst>
-          </p:cNvPr>
-          <p:cNvSpPr txBox="1"/>
-          <p:nvPr/>
-        </p:nvSpPr>
-        <p:spPr>
-          <a:xfrm>
-            <a:off x="336894" y="1225685"/>
-            <a:ext cx="11472482" cy="5369668"/>
-          </a:xfrm>
-          <a:prstGeom prst="rect">
-            <a:avLst/>
-          </a:prstGeom>
-          <a:solidFill>
-            <a:srgbClr val="FED449">
-              <a:alpha val="50000"/>
-            </a:srgbClr>
-          </a:solidFill>
-          <a:effectLst>
-            <a:softEdge rad="152400"/>
-          </a:effectLst>
-        </p:spPr>
-        <p:txBody>
-          <a:bodyPr wrap="square" rtlCol="0">
-            <a:spAutoFit/>
-          </a:bodyPr>
-          <a:lstStyle/>
-          <a:p>
-            <a:endParaRPr lang="fr-FR" dirty="0"/>
-          </a:p>
-        </p:txBody>
-      </p:sp>
-      <p:sp>
-        <p:nvSpPr>
-          <p:cNvPr id="2" name="ZoneTexte 1">
-            <a:extLst>
-              <a:ext uri="{FF2B5EF4-FFF2-40B4-BE49-F238E27FC236}">
-                <a16:creationId xmlns:a16="http://schemas.microsoft.com/office/drawing/2014/main" id="{B6BE2DBB-21FC-4CB9-B2B5-E64BB06FE8B1}"/>
-              </a:ext>
-            </a:extLst>
-          </p:cNvPr>
-          <p:cNvSpPr txBox="1"/>
-          <p:nvPr/>
-        </p:nvSpPr>
-        <p:spPr>
-          <a:xfrm>
-            <a:off x="1140643" y="2360315"/>
-            <a:ext cx="9869864" cy="1508105"/>
-          </a:xfrm>
-          <a:prstGeom prst="rect">
-            <a:avLst/>
-          </a:prstGeom>
-          <a:noFill/>
-        </p:spPr>
-        <p:txBody>
-          <a:bodyPr wrap="square" rtlCol="0">
-            <a:spAutoFit/>
-          </a:bodyPr>
-          <a:lstStyle/>
-          <a:p>
-            <a:pPr algn="ctr"/>
-            <a:r>
-              <a:rPr lang="fr-FR" sz="3200" b="1" dirty="0">
-                <a:latin typeface="Helvetica" panose="020B0604020202030204" pitchFamily="34" charset="0"/>
-              </a:rPr>
-              <a:t>REMERCIEMENTS</a:t>
-            </a:r>
-          </a:p>
-          <a:p>
-            <a:pPr algn="ctr"/>
-            <a:endParaRPr lang="fr-FR" sz="3200" dirty="0">
-              <a:latin typeface="Helvetica" panose="020B0604020202030204" pitchFamily="34" charset="0"/>
-            </a:endParaRPr>
-          </a:p>
-          <a:p>
-            <a:pPr algn="ctr"/>
-            <a:endParaRPr lang="fr-FR" sz="2800" dirty="0">
-              <a:latin typeface="Helvetica" panose="020B0604020202030204" pitchFamily="34" charset="0"/>
-            </a:endParaRPr>
-          </a:p>
-        </p:txBody>
-      </p:sp>
-    </p:spTree>
-    <p:extLst>
-      <p:ext uri="{BB962C8B-B14F-4D97-AF65-F5344CB8AC3E}">
-        <p14:creationId xmlns:p14="http://schemas.microsoft.com/office/powerpoint/2010/main" val="640220724"/>
       </p:ext>
     </p:extLst>
   </p:cSld>
@@ -8308,6 +10212,1938 @@
     <p:extLst>
       <p:ext uri="{BB962C8B-B14F-4D97-AF65-F5344CB8AC3E}">
         <p14:creationId xmlns:p14="http://schemas.microsoft.com/office/powerpoint/2010/main" val="2346287969"/>
+      </p:ext>
+    </p:extLst>
+  </p:cSld>
+  <p:clrMapOvr>
+    <a:masterClrMapping/>
+  </p:clrMapOvr>
+</p:sld>
+</file>
+
+<file path=ppt/slides/slide20.xml><?xml version="1.0" encoding="utf-8"?>
+<p:sld xmlns:a="http://schemas.openxmlformats.org/drawingml/2006/main" xmlns:r="http://schemas.openxmlformats.org/officeDocument/2006/relationships" xmlns:p="http://schemas.openxmlformats.org/presentationml/2006/main">
+  <p:cSld>
+    <p:bg>
+      <p:bgPr>
+        <a:blipFill dpi="0" rotWithShape="1">
+          <a:blip r:embed="rId2">
+            <a:lum/>
+          </a:blip>
+          <a:srcRect/>
+          <a:stretch>
+            <a:fillRect/>
+          </a:stretch>
+        </a:blipFill>
+        <a:effectLst/>
+      </p:bgPr>
+    </p:bg>
+    <p:spTree>
+      <p:nvGrpSpPr>
+        <p:cNvPr id="1" name=""/>
+        <p:cNvGrpSpPr/>
+        <p:nvPr/>
+      </p:nvGrpSpPr>
+      <p:grpSpPr>
+        <a:xfrm>
+          <a:off x="0" y="0"/>
+          <a:ext cx="0" cy="0"/>
+          <a:chOff x="0" y="0"/>
+          <a:chExt cx="0" cy="0"/>
+        </a:xfrm>
+      </p:grpSpPr>
+      <p:grpSp>
+        <p:nvGrpSpPr>
+          <p:cNvPr id="7" name="Groupe 6">
+            <a:extLst>
+              <a:ext uri="{FF2B5EF4-FFF2-40B4-BE49-F238E27FC236}">
+                <a16:creationId xmlns:a16="http://schemas.microsoft.com/office/drawing/2014/main" id="{67E81936-583F-45AD-82CC-A5C937F4C87C}"/>
+              </a:ext>
+            </a:extLst>
+          </p:cNvPr>
+          <p:cNvGrpSpPr/>
+          <p:nvPr/>
+        </p:nvGrpSpPr>
+        <p:grpSpPr>
+          <a:xfrm>
+            <a:off x="327166" y="0"/>
+            <a:ext cx="11251304" cy="1342417"/>
+            <a:chOff x="327166" y="0"/>
+            <a:chExt cx="11251304" cy="1342417"/>
+          </a:xfrm>
+        </p:grpSpPr>
+        <p:sp>
+          <p:nvSpPr>
+            <p:cNvPr id="4" name="Flèche : chevron 3">
+              <a:extLst>
+                <a:ext uri="{FF2B5EF4-FFF2-40B4-BE49-F238E27FC236}">
+                  <a16:creationId xmlns:a16="http://schemas.microsoft.com/office/drawing/2014/main" id="{60D600DE-6FA0-4280-A81A-6DBE7691E92C}"/>
+                </a:ext>
+              </a:extLst>
+            </p:cNvPr>
+            <p:cNvSpPr/>
+            <p:nvPr/>
+          </p:nvSpPr>
+          <p:spPr>
+            <a:xfrm>
+              <a:off x="1268691" y="332278"/>
+              <a:ext cx="2309567" cy="688157"/>
+            </a:xfrm>
+            <a:prstGeom prst="chevron">
+              <a:avLst/>
+            </a:prstGeom>
+            <a:solidFill>
+              <a:srgbClr val="FED449"/>
+            </a:solidFill>
+            <a:ln>
+              <a:solidFill>
+                <a:schemeClr val="bg1"/>
+              </a:solidFill>
+            </a:ln>
+          </p:spPr>
+          <p:style>
+            <a:lnRef idx="2">
+              <a:schemeClr val="accent1">
+                <a:shade val="50000"/>
+              </a:schemeClr>
+            </a:lnRef>
+            <a:fillRef idx="1">
+              <a:schemeClr val="accent1"/>
+            </a:fillRef>
+            <a:effectRef idx="0">
+              <a:schemeClr val="accent1"/>
+            </a:effectRef>
+            <a:fontRef idx="minor">
+              <a:schemeClr val="lt1"/>
+            </a:fontRef>
+          </p:style>
+          <p:txBody>
+            <a:bodyPr rtlCol="0" anchor="ctr"/>
+            <a:lstStyle/>
+            <a:p>
+              <a:pPr algn="ctr"/>
+              <a:r>
+                <a:rPr lang="fr-FR" sz="1500" b="1" dirty="0">
+                  <a:solidFill>
+                    <a:schemeClr val="bg1"/>
+                  </a:solidFill>
+                  <a:effectLst>
+                    <a:outerShdw blurRad="38100" dist="76200" dir="2700000" algn="tl">
+                      <a:srgbClr val="000000"/>
+                    </a:outerShdw>
+                  </a:effectLst>
+                  <a:latin typeface="Helvetica" panose="020B0604020202030204" pitchFamily="34" charset="0"/>
+                </a:rPr>
+                <a:t>Etude du projet</a:t>
+              </a:r>
+            </a:p>
+          </p:txBody>
+        </p:sp>
+        <p:sp>
+          <p:nvSpPr>
+            <p:cNvPr id="16" name="Flèche : chevron 15">
+              <a:extLst>
+                <a:ext uri="{FF2B5EF4-FFF2-40B4-BE49-F238E27FC236}">
+                  <a16:creationId xmlns:a16="http://schemas.microsoft.com/office/drawing/2014/main" id="{F7655D32-22EC-4542-883E-4033865C1471}"/>
+                </a:ext>
+              </a:extLst>
+            </p:cNvPr>
+            <p:cNvSpPr/>
+            <p:nvPr/>
+          </p:nvSpPr>
+          <p:spPr>
+            <a:xfrm>
+              <a:off x="9268903" y="332277"/>
+              <a:ext cx="2309567" cy="688157"/>
+            </a:xfrm>
+            <a:prstGeom prst="chevron">
+              <a:avLst/>
+            </a:prstGeom>
+            <a:solidFill>
+              <a:srgbClr val="88CE62"/>
+            </a:solidFill>
+            <a:ln>
+              <a:solidFill>
+                <a:schemeClr val="bg1"/>
+              </a:solidFill>
+            </a:ln>
+          </p:spPr>
+          <p:style>
+            <a:lnRef idx="2">
+              <a:schemeClr val="accent1">
+                <a:shade val="50000"/>
+              </a:schemeClr>
+            </a:lnRef>
+            <a:fillRef idx="1">
+              <a:schemeClr val="accent1"/>
+            </a:fillRef>
+            <a:effectRef idx="0">
+              <a:schemeClr val="accent1"/>
+            </a:effectRef>
+            <a:fontRef idx="minor">
+              <a:schemeClr val="lt1"/>
+            </a:fontRef>
+          </p:style>
+          <p:txBody>
+            <a:bodyPr rtlCol="0" anchor="ctr"/>
+            <a:lstStyle/>
+            <a:p>
+              <a:pPr algn="ctr"/>
+              <a:r>
+                <a:rPr lang="fr-FR" sz="1600" b="1" dirty="0">
+                  <a:solidFill>
+                    <a:schemeClr val="bg1"/>
+                  </a:solidFill>
+                  <a:effectLst>
+                    <a:outerShdw blurRad="38100" dist="76200" dir="2700000" algn="tl">
+                      <a:srgbClr val="000000"/>
+                    </a:outerShdw>
+                  </a:effectLst>
+                  <a:latin typeface="Helvetica" panose="020B0604020202030204" pitchFamily="34" charset="0"/>
+                </a:rPr>
+                <a:t>Conclusion</a:t>
+              </a:r>
+            </a:p>
+          </p:txBody>
+        </p:sp>
+        <p:sp>
+          <p:nvSpPr>
+            <p:cNvPr id="17" name="Flèche : chevron 16">
+              <a:extLst>
+                <a:ext uri="{FF2B5EF4-FFF2-40B4-BE49-F238E27FC236}">
+                  <a16:creationId xmlns:a16="http://schemas.microsoft.com/office/drawing/2014/main" id="{30C36617-CB5C-40F8-B05D-7053886FD5EF}"/>
+                </a:ext>
+              </a:extLst>
+            </p:cNvPr>
+            <p:cNvSpPr/>
+            <p:nvPr/>
+          </p:nvSpPr>
+          <p:spPr>
+            <a:xfrm>
+              <a:off x="3268744" y="332277"/>
+              <a:ext cx="2309567" cy="688157"/>
+            </a:xfrm>
+            <a:prstGeom prst="chevron">
+              <a:avLst/>
+            </a:prstGeom>
+            <a:solidFill>
+              <a:srgbClr val="FED449"/>
+            </a:solidFill>
+            <a:ln>
+              <a:solidFill>
+                <a:schemeClr val="bg1"/>
+              </a:solidFill>
+            </a:ln>
+          </p:spPr>
+          <p:style>
+            <a:lnRef idx="2">
+              <a:schemeClr val="accent1">
+                <a:shade val="50000"/>
+              </a:schemeClr>
+            </a:lnRef>
+            <a:fillRef idx="1">
+              <a:schemeClr val="accent1"/>
+            </a:fillRef>
+            <a:effectRef idx="0">
+              <a:schemeClr val="accent1"/>
+            </a:effectRef>
+            <a:fontRef idx="minor">
+              <a:schemeClr val="lt1"/>
+            </a:fontRef>
+          </p:style>
+          <p:txBody>
+            <a:bodyPr rtlCol="0" anchor="ctr"/>
+            <a:lstStyle/>
+            <a:p>
+              <a:pPr algn="ctr"/>
+              <a:r>
+                <a:rPr lang="fr-FR" sz="1500" b="1" dirty="0">
+                  <a:solidFill>
+                    <a:schemeClr val="bg1"/>
+                  </a:solidFill>
+                  <a:effectLst>
+                    <a:outerShdw blurRad="38100" dist="76200" dir="2700000" algn="tl">
+                      <a:srgbClr val="000000"/>
+                    </a:outerShdw>
+                  </a:effectLst>
+                  <a:latin typeface="Helvetica" panose="020B0604020202030204" pitchFamily="34" charset="0"/>
+                </a:rPr>
+                <a:t>Organisation</a:t>
+              </a:r>
+            </a:p>
+          </p:txBody>
+        </p:sp>
+        <p:sp>
+          <p:nvSpPr>
+            <p:cNvPr id="18" name="Flèche : chevron 17">
+              <a:extLst>
+                <a:ext uri="{FF2B5EF4-FFF2-40B4-BE49-F238E27FC236}">
+                  <a16:creationId xmlns:a16="http://schemas.microsoft.com/office/drawing/2014/main" id="{A33478E5-51C7-4324-9E5C-0845E032CF0C}"/>
+                </a:ext>
+              </a:extLst>
+            </p:cNvPr>
+            <p:cNvSpPr/>
+            <p:nvPr/>
+          </p:nvSpPr>
+          <p:spPr>
+            <a:xfrm>
+              <a:off x="5268797" y="332704"/>
+              <a:ext cx="2309567" cy="688157"/>
+            </a:xfrm>
+            <a:prstGeom prst="chevron">
+              <a:avLst/>
+            </a:prstGeom>
+            <a:solidFill>
+              <a:srgbClr val="FED449"/>
+            </a:solidFill>
+            <a:ln>
+              <a:solidFill>
+                <a:schemeClr val="bg1"/>
+              </a:solidFill>
+            </a:ln>
+          </p:spPr>
+          <p:style>
+            <a:lnRef idx="2">
+              <a:schemeClr val="accent1">
+                <a:shade val="50000"/>
+              </a:schemeClr>
+            </a:lnRef>
+            <a:fillRef idx="1">
+              <a:schemeClr val="accent1"/>
+            </a:fillRef>
+            <a:effectRef idx="0">
+              <a:schemeClr val="accent1"/>
+            </a:effectRef>
+            <a:fontRef idx="minor">
+              <a:schemeClr val="lt1"/>
+            </a:fontRef>
+          </p:style>
+          <p:txBody>
+            <a:bodyPr rtlCol="0" anchor="ctr"/>
+            <a:lstStyle/>
+            <a:p>
+              <a:pPr algn="ctr"/>
+              <a:r>
+                <a:rPr lang="fr-FR" sz="1500" b="1" dirty="0">
+                  <a:solidFill>
+                    <a:schemeClr val="bg1"/>
+                  </a:solidFill>
+                  <a:effectLst>
+                    <a:outerShdw blurRad="38100" dist="76200" dir="2700000" algn="tl">
+                      <a:srgbClr val="000000"/>
+                    </a:outerShdw>
+                  </a:effectLst>
+                  <a:latin typeface="Helvetica" panose="020B0604020202030204" pitchFamily="34" charset="0"/>
+                </a:rPr>
+                <a:t>Développement</a:t>
+              </a:r>
+            </a:p>
+          </p:txBody>
+        </p:sp>
+        <p:sp>
+          <p:nvSpPr>
+            <p:cNvPr id="19" name="Flèche : chevron 18">
+              <a:extLst>
+                <a:ext uri="{FF2B5EF4-FFF2-40B4-BE49-F238E27FC236}">
+                  <a16:creationId xmlns:a16="http://schemas.microsoft.com/office/drawing/2014/main" id="{8795E004-010B-4219-8B10-37FA6D3A7781}"/>
+                </a:ext>
+              </a:extLst>
+            </p:cNvPr>
+            <p:cNvSpPr/>
+            <p:nvPr/>
+          </p:nvSpPr>
+          <p:spPr>
+            <a:xfrm>
+              <a:off x="7268850" y="332703"/>
+              <a:ext cx="2309567" cy="688157"/>
+            </a:xfrm>
+            <a:prstGeom prst="chevron">
+              <a:avLst/>
+            </a:prstGeom>
+            <a:solidFill>
+              <a:srgbClr val="FED449"/>
+            </a:solidFill>
+            <a:ln>
+              <a:solidFill>
+                <a:schemeClr val="bg1"/>
+              </a:solidFill>
+            </a:ln>
+          </p:spPr>
+          <p:style>
+            <a:lnRef idx="2">
+              <a:schemeClr val="accent1">
+                <a:shade val="50000"/>
+              </a:schemeClr>
+            </a:lnRef>
+            <a:fillRef idx="1">
+              <a:schemeClr val="accent1"/>
+            </a:fillRef>
+            <a:effectRef idx="0">
+              <a:schemeClr val="accent1"/>
+            </a:effectRef>
+            <a:fontRef idx="minor">
+              <a:schemeClr val="lt1"/>
+            </a:fontRef>
+          </p:style>
+          <p:txBody>
+            <a:bodyPr rtlCol="0" anchor="ctr"/>
+            <a:lstStyle/>
+            <a:p>
+              <a:pPr algn="ctr"/>
+              <a:r>
+                <a:rPr lang="fr-FR" sz="1500" b="1" dirty="0">
+                  <a:solidFill>
+                    <a:schemeClr val="bg1"/>
+                  </a:solidFill>
+                  <a:effectLst>
+                    <a:outerShdw blurRad="38100" dist="76200" dir="2700000" algn="tl">
+                      <a:srgbClr val="000000"/>
+                    </a:outerShdw>
+                  </a:effectLst>
+                  <a:latin typeface="Helvetica" panose="020B0604020202030204" pitchFamily="34" charset="0"/>
+                </a:rPr>
+                <a:t>Démonstration</a:t>
+              </a:r>
+              <a:endParaRPr lang="fr-FR" sz="1500" dirty="0">
+                <a:solidFill>
+                  <a:schemeClr val="tx1"/>
+                </a:solidFill>
+              </a:endParaRPr>
+            </a:p>
+          </p:txBody>
+        </p:sp>
+        <p:pic>
+          <p:nvPicPr>
+            <p:cNvPr id="6" name="Image 5">
+              <a:extLst>
+                <a:ext uri="{FF2B5EF4-FFF2-40B4-BE49-F238E27FC236}">
+                  <a16:creationId xmlns:a16="http://schemas.microsoft.com/office/drawing/2014/main" id="{2D0A881D-5AC2-4766-BD4C-5405D55C11A5}"/>
+                </a:ext>
+              </a:extLst>
+            </p:cNvPr>
+            <p:cNvPicPr>
+              <a:picLocks noChangeAspect="1"/>
+            </p:cNvPicPr>
+            <p:nvPr/>
+          </p:nvPicPr>
+          <p:blipFill>
+            <a:blip r:embed="rId3">
+              <a:extLst>
+                <a:ext uri="{28A0092B-C50C-407E-A947-70E740481C1C}">
+                  <a14:useLocalDpi xmlns:a14="http://schemas.microsoft.com/office/drawing/2010/main" val="0"/>
+                </a:ext>
+              </a:extLst>
+            </a:blip>
+            <a:stretch>
+              <a:fillRect/>
+            </a:stretch>
+          </p:blipFill>
+          <p:spPr>
+            <a:xfrm>
+              <a:off x="327166" y="0"/>
+              <a:ext cx="1566153" cy="1342417"/>
+            </a:xfrm>
+            <a:prstGeom prst="rect">
+              <a:avLst/>
+            </a:prstGeom>
+          </p:spPr>
+        </p:pic>
+      </p:grpSp>
+      <p:sp>
+        <p:nvSpPr>
+          <p:cNvPr id="10" name="ZoneTexte 9">
+            <a:extLst>
+              <a:ext uri="{FF2B5EF4-FFF2-40B4-BE49-F238E27FC236}">
+                <a16:creationId xmlns:a16="http://schemas.microsoft.com/office/drawing/2014/main" id="{CE36D8FB-1CD3-4D19-A954-A2CE97724692}"/>
+              </a:ext>
+            </a:extLst>
+          </p:cNvPr>
+          <p:cNvSpPr txBox="1"/>
+          <p:nvPr/>
+        </p:nvSpPr>
+        <p:spPr>
+          <a:xfrm>
+            <a:off x="336894" y="1225685"/>
+            <a:ext cx="11472482" cy="5369668"/>
+          </a:xfrm>
+          <a:prstGeom prst="rect">
+            <a:avLst/>
+          </a:prstGeom>
+          <a:solidFill>
+            <a:srgbClr val="FED449">
+              <a:alpha val="50000"/>
+            </a:srgbClr>
+          </a:solidFill>
+          <a:effectLst>
+            <a:softEdge rad="152400"/>
+          </a:effectLst>
+        </p:spPr>
+        <p:txBody>
+          <a:bodyPr wrap="square" rtlCol="0">
+            <a:spAutoFit/>
+          </a:bodyPr>
+          <a:lstStyle/>
+          <a:p>
+            <a:endParaRPr lang="fr-FR" dirty="0"/>
+          </a:p>
+        </p:txBody>
+      </p:sp>
+      <p:sp>
+        <p:nvSpPr>
+          <p:cNvPr id="11" name="ZoneTexte 10">
+            <a:extLst>
+              <a:ext uri="{FF2B5EF4-FFF2-40B4-BE49-F238E27FC236}">
+                <a16:creationId xmlns:a16="http://schemas.microsoft.com/office/drawing/2014/main" id="{4D68F34E-6148-422D-8C78-F40C2B9BADFF}"/>
+              </a:ext>
+            </a:extLst>
+          </p:cNvPr>
+          <p:cNvSpPr txBox="1"/>
+          <p:nvPr/>
+        </p:nvSpPr>
+        <p:spPr>
+          <a:xfrm>
+            <a:off x="1090367" y="1674695"/>
+            <a:ext cx="10011266" cy="4278094"/>
+          </a:xfrm>
+          <a:prstGeom prst="rect">
+            <a:avLst/>
+          </a:prstGeom>
+          <a:noFill/>
+        </p:spPr>
+        <p:txBody>
+          <a:bodyPr wrap="square" rtlCol="0">
+            <a:spAutoFit/>
+          </a:bodyPr>
+          <a:lstStyle/>
+          <a:p>
+            <a:pPr algn="ctr"/>
+            <a:r>
+              <a:rPr lang="fr-FR" sz="2800" b="1" dirty="0">
+                <a:latin typeface="Helvetica" panose="020B0604020202030204" pitchFamily="34" charset="0"/>
+                <a:cs typeface="Arial" panose="020B0604020202020204" pitchFamily="34" charset="0"/>
+              </a:rPr>
+              <a:t>CONCLUSION</a:t>
+            </a:r>
+          </a:p>
+          <a:p>
+            <a:pPr algn="ctr"/>
+            <a:endParaRPr lang="fr-FR" sz="2800" b="1" dirty="0">
+              <a:latin typeface="Helvetica" panose="020B0604020202030204" pitchFamily="34" charset="0"/>
+              <a:cs typeface="Arial" panose="020B0604020202020204" pitchFamily="34" charset="0"/>
+            </a:endParaRPr>
+          </a:p>
+          <a:p>
+            <a:r>
+              <a:rPr lang="fr-FR" sz="2400" dirty="0">
+                <a:latin typeface="Helvetica" panose="020B0604020202030204" pitchFamily="34" charset="0"/>
+              </a:rPr>
+              <a:t>Cohésion du groupe + Bonne ambiance = Travail productif</a:t>
+            </a:r>
+          </a:p>
+          <a:p>
+            <a:endParaRPr lang="fr-FR" sz="2400" dirty="0">
+              <a:latin typeface="Helvetica" panose="020B0604020202030204" pitchFamily="34" charset="0"/>
+            </a:endParaRPr>
+          </a:p>
+          <a:p>
+            <a:r>
+              <a:rPr lang="fr-FR" sz="2400" dirty="0">
+                <a:latin typeface="Helvetica" panose="020B0604020202030204" pitchFamily="34" charset="0"/>
+              </a:rPr>
+              <a:t>Diversité des profils = Complémentarité</a:t>
+            </a:r>
+          </a:p>
+          <a:p>
+            <a:endParaRPr lang="fr-FR" sz="2400" dirty="0">
+              <a:latin typeface="Helvetica" panose="020B0604020202030204" pitchFamily="34" charset="0"/>
+            </a:endParaRPr>
+          </a:p>
+          <a:p>
+            <a:r>
+              <a:rPr lang="fr-FR" sz="2400" dirty="0">
+                <a:latin typeface="Helvetica" panose="020B0604020202030204" pitchFamily="34" charset="0"/>
+              </a:rPr>
+              <a:t>Utilisation de GitHub</a:t>
+            </a:r>
+          </a:p>
+          <a:p>
+            <a:endParaRPr lang="fr-FR" sz="2400" dirty="0">
+              <a:latin typeface="Helvetica" panose="020B0604020202030204" pitchFamily="34" charset="0"/>
+            </a:endParaRPr>
+          </a:p>
+          <a:p>
+            <a:r>
+              <a:rPr lang="fr-FR" sz="2400" dirty="0">
+                <a:latin typeface="Helvetica" panose="020B0604020202030204" pitchFamily="34" charset="0"/>
+              </a:rPr>
+              <a:t>Adaptation à un nouveau langage </a:t>
+            </a:r>
+          </a:p>
+          <a:p>
+            <a:endParaRPr lang="fr-FR" sz="2400" dirty="0">
+              <a:latin typeface="Helvetica" panose="020B0604020202030204" pitchFamily="34" charset="0"/>
+            </a:endParaRPr>
+          </a:p>
+          <a:p>
+            <a:r>
+              <a:rPr lang="fr-FR" sz="2400" dirty="0">
+                <a:latin typeface="Helvetica" panose="020B0604020202030204" pitchFamily="34" charset="0"/>
+              </a:rPr>
+              <a:t>Indentation et commentaires</a:t>
+            </a:r>
+          </a:p>
+        </p:txBody>
+      </p:sp>
+    </p:spTree>
+    <p:extLst>
+      <p:ext uri="{BB962C8B-B14F-4D97-AF65-F5344CB8AC3E}">
+        <p14:creationId xmlns:p14="http://schemas.microsoft.com/office/powerpoint/2010/main" val="3408514451"/>
+      </p:ext>
+    </p:extLst>
+  </p:cSld>
+  <p:clrMapOvr>
+    <a:masterClrMapping/>
+  </p:clrMapOvr>
+</p:sld>
+</file>
+
+<file path=ppt/slides/slide21.xml><?xml version="1.0" encoding="utf-8"?>
+<p:sld xmlns:a="http://schemas.openxmlformats.org/drawingml/2006/main" xmlns:r="http://schemas.openxmlformats.org/officeDocument/2006/relationships" xmlns:p="http://schemas.openxmlformats.org/presentationml/2006/main">
+  <p:cSld>
+    <p:bg>
+      <p:bgPr>
+        <a:blipFill dpi="0" rotWithShape="1">
+          <a:blip r:embed="rId2">
+            <a:lum/>
+          </a:blip>
+          <a:srcRect/>
+          <a:stretch>
+            <a:fillRect/>
+          </a:stretch>
+        </a:blipFill>
+        <a:effectLst/>
+      </p:bgPr>
+    </p:bg>
+    <p:spTree>
+      <p:nvGrpSpPr>
+        <p:cNvPr id="1" name=""/>
+        <p:cNvGrpSpPr/>
+        <p:nvPr/>
+      </p:nvGrpSpPr>
+      <p:grpSpPr>
+        <a:xfrm>
+          <a:off x="0" y="0"/>
+          <a:ext cx="0" cy="0"/>
+          <a:chOff x="0" y="0"/>
+          <a:chExt cx="0" cy="0"/>
+        </a:xfrm>
+      </p:grpSpPr>
+      <p:grpSp>
+        <p:nvGrpSpPr>
+          <p:cNvPr id="7" name="Groupe 6">
+            <a:extLst>
+              <a:ext uri="{FF2B5EF4-FFF2-40B4-BE49-F238E27FC236}">
+                <a16:creationId xmlns:a16="http://schemas.microsoft.com/office/drawing/2014/main" id="{67E81936-583F-45AD-82CC-A5C937F4C87C}"/>
+              </a:ext>
+            </a:extLst>
+          </p:cNvPr>
+          <p:cNvGrpSpPr/>
+          <p:nvPr/>
+        </p:nvGrpSpPr>
+        <p:grpSpPr>
+          <a:xfrm>
+            <a:off x="327166" y="0"/>
+            <a:ext cx="11251304" cy="1342417"/>
+            <a:chOff x="327166" y="0"/>
+            <a:chExt cx="11251304" cy="1342417"/>
+          </a:xfrm>
+        </p:grpSpPr>
+        <p:sp>
+          <p:nvSpPr>
+            <p:cNvPr id="4" name="Flèche : chevron 3">
+              <a:extLst>
+                <a:ext uri="{FF2B5EF4-FFF2-40B4-BE49-F238E27FC236}">
+                  <a16:creationId xmlns:a16="http://schemas.microsoft.com/office/drawing/2014/main" id="{60D600DE-6FA0-4280-A81A-6DBE7691E92C}"/>
+                </a:ext>
+              </a:extLst>
+            </p:cNvPr>
+            <p:cNvSpPr/>
+            <p:nvPr/>
+          </p:nvSpPr>
+          <p:spPr>
+            <a:xfrm>
+              <a:off x="1268691" y="332278"/>
+              <a:ext cx="2309567" cy="688157"/>
+            </a:xfrm>
+            <a:prstGeom prst="chevron">
+              <a:avLst/>
+            </a:prstGeom>
+            <a:solidFill>
+              <a:srgbClr val="FED449"/>
+            </a:solidFill>
+            <a:ln>
+              <a:solidFill>
+                <a:schemeClr val="bg1"/>
+              </a:solidFill>
+            </a:ln>
+          </p:spPr>
+          <p:style>
+            <a:lnRef idx="2">
+              <a:schemeClr val="accent1">
+                <a:shade val="50000"/>
+              </a:schemeClr>
+            </a:lnRef>
+            <a:fillRef idx="1">
+              <a:schemeClr val="accent1"/>
+            </a:fillRef>
+            <a:effectRef idx="0">
+              <a:schemeClr val="accent1"/>
+            </a:effectRef>
+            <a:fontRef idx="minor">
+              <a:schemeClr val="lt1"/>
+            </a:fontRef>
+          </p:style>
+          <p:txBody>
+            <a:bodyPr rtlCol="0" anchor="ctr"/>
+            <a:lstStyle/>
+            <a:p>
+              <a:pPr algn="ctr"/>
+              <a:r>
+                <a:rPr lang="fr-FR" sz="1500" b="1" dirty="0">
+                  <a:solidFill>
+                    <a:schemeClr val="bg1"/>
+                  </a:solidFill>
+                  <a:effectLst>
+                    <a:outerShdw blurRad="38100" dist="76200" dir="2700000" algn="tl">
+                      <a:srgbClr val="000000"/>
+                    </a:outerShdw>
+                  </a:effectLst>
+                  <a:latin typeface="Helvetica" panose="020B0604020202030204" pitchFamily="34" charset="0"/>
+                </a:rPr>
+                <a:t>Etude du projet</a:t>
+              </a:r>
+            </a:p>
+          </p:txBody>
+        </p:sp>
+        <p:sp>
+          <p:nvSpPr>
+            <p:cNvPr id="16" name="Flèche : chevron 15">
+              <a:extLst>
+                <a:ext uri="{FF2B5EF4-FFF2-40B4-BE49-F238E27FC236}">
+                  <a16:creationId xmlns:a16="http://schemas.microsoft.com/office/drawing/2014/main" id="{F7655D32-22EC-4542-883E-4033865C1471}"/>
+                </a:ext>
+              </a:extLst>
+            </p:cNvPr>
+            <p:cNvSpPr/>
+            <p:nvPr/>
+          </p:nvSpPr>
+          <p:spPr>
+            <a:xfrm>
+              <a:off x="9268903" y="332277"/>
+              <a:ext cx="2309567" cy="688157"/>
+            </a:xfrm>
+            <a:prstGeom prst="chevron">
+              <a:avLst/>
+            </a:prstGeom>
+            <a:solidFill>
+              <a:srgbClr val="88CE62"/>
+            </a:solidFill>
+            <a:ln>
+              <a:solidFill>
+                <a:schemeClr val="bg1"/>
+              </a:solidFill>
+            </a:ln>
+          </p:spPr>
+          <p:style>
+            <a:lnRef idx="2">
+              <a:schemeClr val="accent1">
+                <a:shade val="50000"/>
+              </a:schemeClr>
+            </a:lnRef>
+            <a:fillRef idx="1">
+              <a:schemeClr val="accent1"/>
+            </a:fillRef>
+            <a:effectRef idx="0">
+              <a:schemeClr val="accent1"/>
+            </a:effectRef>
+            <a:fontRef idx="minor">
+              <a:schemeClr val="lt1"/>
+            </a:fontRef>
+          </p:style>
+          <p:txBody>
+            <a:bodyPr rtlCol="0" anchor="ctr"/>
+            <a:lstStyle/>
+            <a:p>
+              <a:pPr algn="ctr"/>
+              <a:r>
+                <a:rPr lang="fr-FR" sz="1600" b="1" dirty="0">
+                  <a:solidFill>
+                    <a:schemeClr val="bg1"/>
+                  </a:solidFill>
+                  <a:effectLst>
+                    <a:outerShdw blurRad="38100" dist="76200" dir="2700000" algn="tl">
+                      <a:srgbClr val="000000"/>
+                    </a:outerShdw>
+                  </a:effectLst>
+                  <a:latin typeface="Helvetica" panose="020B0604020202030204" pitchFamily="34" charset="0"/>
+                </a:rPr>
+                <a:t>Conclusion</a:t>
+              </a:r>
+            </a:p>
+          </p:txBody>
+        </p:sp>
+        <p:sp>
+          <p:nvSpPr>
+            <p:cNvPr id="17" name="Flèche : chevron 16">
+              <a:extLst>
+                <a:ext uri="{FF2B5EF4-FFF2-40B4-BE49-F238E27FC236}">
+                  <a16:creationId xmlns:a16="http://schemas.microsoft.com/office/drawing/2014/main" id="{30C36617-CB5C-40F8-B05D-7053886FD5EF}"/>
+                </a:ext>
+              </a:extLst>
+            </p:cNvPr>
+            <p:cNvSpPr/>
+            <p:nvPr/>
+          </p:nvSpPr>
+          <p:spPr>
+            <a:xfrm>
+              <a:off x="3268744" y="332277"/>
+              <a:ext cx="2309567" cy="688157"/>
+            </a:xfrm>
+            <a:prstGeom prst="chevron">
+              <a:avLst/>
+            </a:prstGeom>
+            <a:solidFill>
+              <a:srgbClr val="FED449"/>
+            </a:solidFill>
+            <a:ln>
+              <a:solidFill>
+                <a:schemeClr val="bg1"/>
+              </a:solidFill>
+            </a:ln>
+          </p:spPr>
+          <p:style>
+            <a:lnRef idx="2">
+              <a:schemeClr val="accent1">
+                <a:shade val="50000"/>
+              </a:schemeClr>
+            </a:lnRef>
+            <a:fillRef idx="1">
+              <a:schemeClr val="accent1"/>
+            </a:fillRef>
+            <a:effectRef idx="0">
+              <a:schemeClr val="accent1"/>
+            </a:effectRef>
+            <a:fontRef idx="minor">
+              <a:schemeClr val="lt1"/>
+            </a:fontRef>
+          </p:style>
+          <p:txBody>
+            <a:bodyPr rtlCol="0" anchor="ctr"/>
+            <a:lstStyle/>
+            <a:p>
+              <a:pPr algn="ctr"/>
+              <a:r>
+                <a:rPr lang="fr-FR" sz="1500" b="1" dirty="0">
+                  <a:solidFill>
+                    <a:schemeClr val="bg1"/>
+                  </a:solidFill>
+                  <a:effectLst>
+                    <a:outerShdw blurRad="38100" dist="76200" dir="2700000" algn="tl">
+                      <a:srgbClr val="000000"/>
+                    </a:outerShdw>
+                  </a:effectLst>
+                  <a:latin typeface="Helvetica" panose="020B0604020202030204" pitchFamily="34" charset="0"/>
+                </a:rPr>
+                <a:t>Organisation</a:t>
+              </a:r>
+            </a:p>
+          </p:txBody>
+        </p:sp>
+        <p:sp>
+          <p:nvSpPr>
+            <p:cNvPr id="18" name="Flèche : chevron 17">
+              <a:extLst>
+                <a:ext uri="{FF2B5EF4-FFF2-40B4-BE49-F238E27FC236}">
+                  <a16:creationId xmlns:a16="http://schemas.microsoft.com/office/drawing/2014/main" id="{A33478E5-51C7-4324-9E5C-0845E032CF0C}"/>
+                </a:ext>
+              </a:extLst>
+            </p:cNvPr>
+            <p:cNvSpPr/>
+            <p:nvPr/>
+          </p:nvSpPr>
+          <p:spPr>
+            <a:xfrm>
+              <a:off x="5268797" y="332704"/>
+              <a:ext cx="2309567" cy="688157"/>
+            </a:xfrm>
+            <a:prstGeom prst="chevron">
+              <a:avLst/>
+            </a:prstGeom>
+            <a:solidFill>
+              <a:srgbClr val="FED449"/>
+            </a:solidFill>
+            <a:ln>
+              <a:solidFill>
+                <a:schemeClr val="bg1"/>
+              </a:solidFill>
+            </a:ln>
+          </p:spPr>
+          <p:style>
+            <a:lnRef idx="2">
+              <a:schemeClr val="accent1">
+                <a:shade val="50000"/>
+              </a:schemeClr>
+            </a:lnRef>
+            <a:fillRef idx="1">
+              <a:schemeClr val="accent1"/>
+            </a:fillRef>
+            <a:effectRef idx="0">
+              <a:schemeClr val="accent1"/>
+            </a:effectRef>
+            <a:fontRef idx="minor">
+              <a:schemeClr val="lt1"/>
+            </a:fontRef>
+          </p:style>
+          <p:txBody>
+            <a:bodyPr rtlCol="0" anchor="ctr"/>
+            <a:lstStyle/>
+            <a:p>
+              <a:pPr algn="ctr"/>
+              <a:r>
+                <a:rPr lang="fr-FR" sz="1500" b="1" dirty="0">
+                  <a:solidFill>
+                    <a:schemeClr val="bg1"/>
+                  </a:solidFill>
+                  <a:effectLst>
+                    <a:outerShdw blurRad="38100" dist="76200" dir="2700000" algn="tl">
+                      <a:srgbClr val="000000"/>
+                    </a:outerShdw>
+                  </a:effectLst>
+                  <a:latin typeface="Helvetica" panose="020B0604020202030204" pitchFamily="34" charset="0"/>
+                </a:rPr>
+                <a:t>Développement</a:t>
+              </a:r>
+            </a:p>
+          </p:txBody>
+        </p:sp>
+        <p:sp>
+          <p:nvSpPr>
+            <p:cNvPr id="19" name="Flèche : chevron 18">
+              <a:extLst>
+                <a:ext uri="{FF2B5EF4-FFF2-40B4-BE49-F238E27FC236}">
+                  <a16:creationId xmlns:a16="http://schemas.microsoft.com/office/drawing/2014/main" id="{8795E004-010B-4219-8B10-37FA6D3A7781}"/>
+                </a:ext>
+              </a:extLst>
+            </p:cNvPr>
+            <p:cNvSpPr/>
+            <p:nvPr/>
+          </p:nvSpPr>
+          <p:spPr>
+            <a:xfrm>
+              <a:off x="7268850" y="332703"/>
+              <a:ext cx="2309567" cy="688157"/>
+            </a:xfrm>
+            <a:prstGeom prst="chevron">
+              <a:avLst/>
+            </a:prstGeom>
+            <a:solidFill>
+              <a:srgbClr val="FED449"/>
+            </a:solidFill>
+            <a:ln>
+              <a:solidFill>
+                <a:schemeClr val="bg1"/>
+              </a:solidFill>
+            </a:ln>
+          </p:spPr>
+          <p:style>
+            <a:lnRef idx="2">
+              <a:schemeClr val="accent1">
+                <a:shade val="50000"/>
+              </a:schemeClr>
+            </a:lnRef>
+            <a:fillRef idx="1">
+              <a:schemeClr val="accent1"/>
+            </a:fillRef>
+            <a:effectRef idx="0">
+              <a:schemeClr val="accent1"/>
+            </a:effectRef>
+            <a:fontRef idx="minor">
+              <a:schemeClr val="lt1"/>
+            </a:fontRef>
+          </p:style>
+          <p:txBody>
+            <a:bodyPr rtlCol="0" anchor="ctr"/>
+            <a:lstStyle/>
+            <a:p>
+              <a:pPr algn="ctr"/>
+              <a:r>
+                <a:rPr lang="fr-FR" sz="1500" b="1" dirty="0">
+                  <a:solidFill>
+                    <a:schemeClr val="bg1"/>
+                  </a:solidFill>
+                  <a:effectLst>
+                    <a:outerShdw blurRad="38100" dist="76200" dir="2700000" algn="tl">
+                      <a:srgbClr val="000000"/>
+                    </a:outerShdw>
+                  </a:effectLst>
+                  <a:latin typeface="Helvetica" panose="020B0604020202030204" pitchFamily="34" charset="0"/>
+                </a:rPr>
+                <a:t>Démonstration</a:t>
+              </a:r>
+              <a:endParaRPr lang="fr-FR" sz="1500" dirty="0">
+                <a:solidFill>
+                  <a:schemeClr val="tx1"/>
+                </a:solidFill>
+              </a:endParaRPr>
+            </a:p>
+          </p:txBody>
+        </p:sp>
+        <p:pic>
+          <p:nvPicPr>
+            <p:cNvPr id="6" name="Image 5">
+              <a:extLst>
+                <a:ext uri="{FF2B5EF4-FFF2-40B4-BE49-F238E27FC236}">
+                  <a16:creationId xmlns:a16="http://schemas.microsoft.com/office/drawing/2014/main" id="{2D0A881D-5AC2-4766-BD4C-5405D55C11A5}"/>
+                </a:ext>
+              </a:extLst>
+            </p:cNvPr>
+            <p:cNvPicPr>
+              <a:picLocks noChangeAspect="1"/>
+            </p:cNvPicPr>
+            <p:nvPr/>
+          </p:nvPicPr>
+          <p:blipFill>
+            <a:blip r:embed="rId3">
+              <a:extLst>
+                <a:ext uri="{28A0092B-C50C-407E-A947-70E740481C1C}">
+                  <a14:useLocalDpi xmlns:a14="http://schemas.microsoft.com/office/drawing/2010/main" val="0"/>
+                </a:ext>
+              </a:extLst>
+            </a:blip>
+            <a:stretch>
+              <a:fillRect/>
+            </a:stretch>
+          </p:blipFill>
+          <p:spPr>
+            <a:xfrm>
+              <a:off x="327166" y="0"/>
+              <a:ext cx="1566153" cy="1342417"/>
+            </a:xfrm>
+            <a:prstGeom prst="rect">
+              <a:avLst/>
+            </a:prstGeom>
+          </p:spPr>
+        </p:pic>
+      </p:grpSp>
+      <p:sp>
+        <p:nvSpPr>
+          <p:cNvPr id="10" name="ZoneTexte 9">
+            <a:extLst>
+              <a:ext uri="{FF2B5EF4-FFF2-40B4-BE49-F238E27FC236}">
+                <a16:creationId xmlns:a16="http://schemas.microsoft.com/office/drawing/2014/main" id="{CE36D8FB-1CD3-4D19-A954-A2CE97724692}"/>
+              </a:ext>
+            </a:extLst>
+          </p:cNvPr>
+          <p:cNvSpPr txBox="1"/>
+          <p:nvPr/>
+        </p:nvSpPr>
+        <p:spPr>
+          <a:xfrm>
+            <a:off x="336894" y="1225685"/>
+            <a:ext cx="11472482" cy="5369668"/>
+          </a:xfrm>
+          <a:prstGeom prst="rect">
+            <a:avLst/>
+          </a:prstGeom>
+          <a:solidFill>
+            <a:srgbClr val="FED449">
+              <a:alpha val="50000"/>
+            </a:srgbClr>
+          </a:solidFill>
+          <a:effectLst>
+            <a:softEdge rad="152400"/>
+          </a:effectLst>
+        </p:spPr>
+        <p:txBody>
+          <a:bodyPr wrap="square" rtlCol="0">
+            <a:spAutoFit/>
+          </a:bodyPr>
+          <a:lstStyle/>
+          <a:p>
+            <a:endParaRPr lang="fr-FR" dirty="0"/>
+          </a:p>
+        </p:txBody>
+      </p:sp>
+      <p:sp>
+        <p:nvSpPr>
+          <p:cNvPr id="11" name="ZoneTexte 10">
+            <a:extLst>
+              <a:ext uri="{FF2B5EF4-FFF2-40B4-BE49-F238E27FC236}">
+                <a16:creationId xmlns:a16="http://schemas.microsoft.com/office/drawing/2014/main" id="{4D68F34E-6148-422D-8C78-F40C2B9BADFF}"/>
+              </a:ext>
+            </a:extLst>
+          </p:cNvPr>
+          <p:cNvSpPr txBox="1"/>
+          <p:nvPr/>
+        </p:nvSpPr>
+        <p:spPr>
+          <a:xfrm>
+            <a:off x="1090367" y="1674695"/>
+            <a:ext cx="10011266" cy="3539430"/>
+          </a:xfrm>
+          <a:prstGeom prst="rect">
+            <a:avLst/>
+          </a:prstGeom>
+          <a:noFill/>
+        </p:spPr>
+        <p:txBody>
+          <a:bodyPr wrap="square" rtlCol="0">
+            <a:spAutoFit/>
+          </a:bodyPr>
+          <a:lstStyle/>
+          <a:p>
+            <a:pPr algn="ctr"/>
+            <a:r>
+              <a:rPr lang="fr-FR" sz="2800" b="1" dirty="0">
+                <a:latin typeface="Helvetica" panose="020B0604020202030204" pitchFamily="34" charset="0"/>
+                <a:cs typeface="Arial" panose="020B0604020202020204" pitchFamily="34" charset="0"/>
+              </a:rPr>
+              <a:t>CE QUE NOUS AURIONS PU MIEUX FAIRE</a:t>
+            </a:r>
+          </a:p>
+          <a:p>
+            <a:pPr algn="ctr"/>
+            <a:endParaRPr lang="fr-FR" sz="2800" b="1" dirty="0">
+              <a:latin typeface="Helvetica" panose="020B0604020202030204" pitchFamily="34" charset="0"/>
+              <a:cs typeface="Arial" panose="020B0604020202020204" pitchFamily="34" charset="0"/>
+            </a:endParaRPr>
+          </a:p>
+          <a:p>
+            <a:r>
+              <a:rPr lang="fr-FR" sz="2400" dirty="0">
+                <a:latin typeface="Helvetica" panose="020B0604020202030204" pitchFamily="34" charset="0"/>
+              </a:rPr>
+              <a:t>Utiliser la méthode à Gilles (AGILE) dès le début</a:t>
+            </a:r>
+          </a:p>
+          <a:p>
+            <a:endParaRPr lang="fr-FR" sz="2400" dirty="0">
+              <a:latin typeface="Helvetica" panose="020B0604020202030204" pitchFamily="34" charset="0"/>
+            </a:endParaRPr>
+          </a:p>
+          <a:p>
+            <a:r>
+              <a:rPr lang="fr-FR" sz="2400" dirty="0">
+                <a:latin typeface="Helvetica" panose="020B0604020202030204" pitchFamily="34" charset="0"/>
+              </a:rPr>
+              <a:t>Uniformisation des codes</a:t>
+            </a:r>
+          </a:p>
+          <a:p>
+            <a:endParaRPr lang="fr-FR" sz="2400" dirty="0">
+              <a:latin typeface="Helvetica" panose="020B0604020202030204" pitchFamily="34" charset="0"/>
+            </a:endParaRPr>
+          </a:p>
+          <a:p>
+            <a:r>
+              <a:rPr lang="fr-FR" sz="2400" dirty="0">
+                <a:latin typeface="Helvetica" panose="020B0604020202030204" pitchFamily="34" charset="0"/>
+              </a:rPr>
+              <a:t>Optimisation des fichiers</a:t>
+            </a:r>
+          </a:p>
+          <a:p>
+            <a:endParaRPr lang="fr-FR" sz="2400" dirty="0">
+              <a:latin typeface="Helvetica" panose="020B0604020202030204" pitchFamily="34" charset="0"/>
+            </a:endParaRPr>
+          </a:p>
+          <a:p>
+            <a:endParaRPr lang="fr-FR" sz="2400" dirty="0">
+              <a:latin typeface="Helvetica" panose="020B0604020202030204" pitchFamily="34" charset="0"/>
+            </a:endParaRPr>
+          </a:p>
+        </p:txBody>
+      </p:sp>
+    </p:spTree>
+    <p:extLst>
+      <p:ext uri="{BB962C8B-B14F-4D97-AF65-F5344CB8AC3E}">
+        <p14:creationId xmlns:p14="http://schemas.microsoft.com/office/powerpoint/2010/main" val="2557336589"/>
+      </p:ext>
+    </p:extLst>
+  </p:cSld>
+  <p:clrMapOvr>
+    <a:masterClrMapping/>
+  </p:clrMapOvr>
+</p:sld>
+</file>
+
+<file path=ppt/slides/slide22.xml><?xml version="1.0" encoding="utf-8"?>
+<p:sld xmlns:a="http://schemas.openxmlformats.org/drawingml/2006/main" xmlns:r="http://schemas.openxmlformats.org/officeDocument/2006/relationships" xmlns:p="http://schemas.openxmlformats.org/presentationml/2006/main">
+  <p:cSld>
+    <p:bg>
+      <p:bgPr>
+        <a:blipFill dpi="0" rotWithShape="1">
+          <a:blip r:embed="rId2">
+            <a:lum/>
+          </a:blip>
+          <a:srcRect/>
+          <a:stretch>
+            <a:fillRect/>
+          </a:stretch>
+        </a:blipFill>
+        <a:effectLst/>
+      </p:bgPr>
+    </p:bg>
+    <p:spTree>
+      <p:nvGrpSpPr>
+        <p:cNvPr id="1" name=""/>
+        <p:cNvGrpSpPr/>
+        <p:nvPr/>
+      </p:nvGrpSpPr>
+      <p:grpSpPr>
+        <a:xfrm>
+          <a:off x="0" y="0"/>
+          <a:ext cx="0" cy="0"/>
+          <a:chOff x="0" y="0"/>
+          <a:chExt cx="0" cy="0"/>
+        </a:xfrm>
+      </p:grpSpPr>
+      <p:grpSp>
+        <p:nvGrpSpPr>
+          <p:cNvPr id="7" name="Groupe 6">
+            <a:extLst>
+              <a:ext uri="{FF2B5EF4-FFF2-40B4-BE49-F238E27FC236}">
+                <a16:creationId xmlns:a16="http://schemas.microsoft.com/office/drawing/2014/main" id="{67E81936-583F-45AD-82CC-A5C937F4C87C}"/>
+              </a:ext>
+            </a:extLst>
+          </p:cNvPr>
+          <p:cNvGrpSpPr/>
+          <p:nvPr/>
+        </p:nvGrpSpPr>
+        <p:grpSpPr>
+          <a:xfrm>
+            <a:off x="327166" y="0"/>
+            <a:ext cx="11251304" cy="1342417"/>
+            <a:chOff x="327166" y="0"/>
+            <a:chExt cx="11251304" cy="1342417"/>
+          </a:xfrm>
+        </p:grpSpPr>
+        <p:sp>
+          <p:nvSpPr>
+            <p:cNvPr id="4" name="Flèche : chevron 3">
+              <a:extLst>
+                <a:ext uri="{FF2B5EF4-FFF2-40B4-BE49-F238E27FC236}">
+                  <a16:creationId xmlns:a16="http://schemas.microsoft.com/office/drawing/2014/main" id="{60D600DE-6FA0-4280-A81A-6DBE7691E92C}"/>
+                </a:ext>
+              </a:extLst>
+            </p:cNvPr>
+            <p:cNvSpPr/>
+            <p:nvPr/>
+          </p:nvSpPr>
+          <p:spPr>
+            <a:xfrm>
+              <a:off x="1268691" y="332278"/>
+              <a:ext cx="2309567" cy="688157"/>
+            </a:xfrm>
+            <a:prstGeom prst="chevron">
+              <a:avLst/>
+            </a:prstGeom>
+            <a:solidFill>
+              <a:srgbClr val="FED449"/>
+            </a:solidFill>
+            <a:ln>
+              <a:solidFill>
+                <a:schemeClr val="bg1"/>
+              </a:solidFill>
+            </a:ln>
+          </p:spPr>
+          <p:style>
+            <a:lnRef idx="2">
+              <a:schemeClr val="accent1">
+                <a:shade val="50000"/>
+              </a:schemeClr>
+            </a:lnRef>
+            <a:fillRef idx="1">
+              <a:schemeClr val="accent1"/>
+            </a:fillRef>
+            <a:effectRef idx="0">
+              <a:schemeClr val="accent1"/>
+            </a:effectRef>
+            <a:fontRef idx="minor">
+              <a:schemeClr val="lt1"/>
+            </a:fontRef>
+          </p:style>
+          <p:txBody>
+            <a:bodyPr rtlCol="0" anchor="ctr"/>
+            <a:lstStyle/>
+            <a:p>
+              <a:pPr algn="ctr"/>
+              <a:r>
+                <a:rPr lang="fr-FR" sz="1500" b="1" dirty="0">
+                  <a:solidFill>
+                    <a:schemeClr val="bg1"/>
+                  </a:solidFill>
+                  <a:effectLst>
+                    <a:outerShdw blurRad="38100" dist="76200" dir="2700000" algn="tl">
+                      <a:srgbClr val="000000"/>
+                    </a:outerShdw>
+                  </a:effectLst>
+                  <a:latin typeface="Helvetica" panose="020B0604020202030204" pitchFamily="34" charset="0"/>
+                </a:rPr>
+                <a:t>Etude du projet</a:t>
+              </a:r>
+            </a:p>
+          </p:txBody>
+        </p:sp>
+        <p:sp>
+          <p:nvSpPr>
+            <p:cNvPr id="16" name="Flèche : chevron 15">
+              <a:extLst>
+                <a:ext uri="{FF2B5EF4-FFF2-40B4-BE49-F238E27FC236}">
+                  <a16:creationId xmlns:a16="http://schemas.microsoft.com/office/drawing/2014/main" id="{F7655D32-22EC-4542-883E-4033865C1471}"/>
+                </a:ext>
+              </a:extLst>
+            </p:cNvPr>
+            <p:cNvSpPr/>
+            <p:nvPr/>
+          </p:nvSpPr>
+          <p:spPr>
+            <a:xfrm>
+              <a:off x="9268903" y="332277"/>
+              <a:ext cx="2309567" cy="688157"/>
+            </a:xfrm>
+            <a:prstGeom prst="chevron">
+              <a:avLst/>
+            </a:prstGeom>
+            <a:solidFill>
+              <a:srgbClr val="88CE62"/>
+            </a:solidFill>
+            <a:ln>
+              <a:solidFill>
+                <a:schemeClr val="bg1"/>
+              </a:solidFill>
+            </a:ln>
+          </p:spPr>
+          <p:style>
+            <a:lnRef idx="2">
+              <a:schemeClr val="accent1">
+                <a:shade val="50000"/>
+              </a:schemeClr>
+            </a:lnRef>
+            <a:fillRef idx="1">
+              <a:schemeClr val="accent1"/>
+            </a:fillRef>
+            <a:effectRef idx="0">
+              <a:schemeClr val="accent1"/>
+            </a:effectRef>
+            <a:fontRef idx="minor">
+              <a:schemeClr val="lt1"/>
+            </a:fontRef>
+          </p:style>
+          <p:txBody>
+            <a:bodyPr rtlCol="0" anchor="ctr"/>
+            <a:lstStyle/>
+            <a:p>
+              <a:pPr algn="ctr"/>
+              <a:r>
+                <a:rPr lang="fr-FR" sz="1600" b="1" dirty="0">
+                  <a:solidFill>
+                    <a:schemeClr val="bg1"/>
+                  </a:solidFill>
+                  <a:effectLst>
+                    <a:outerShdw blurRad="38100" dist="76200" dir="2700000" algn="tl">
+                      <a:srgbClr val="000000"/>
+                    </a:outerShdw>
+                  </a:effectLst>
+                  <a:latin typeface="Helvetica" panose="020B0604020202030204" pitchFamily="34" charset="0"/>
+                </a:rPr>
+                <a:t>Conclusion</a:t>
+              </a:r>
+            </a:p>
+          </p:txBody>
+        </p:sp>
+        <p:sp>
+          <p:nvSpPr>
+            <p:cNvPr id="17" name="Flèche : chevron 16">
+              <a:extLst>
+                <a:ext uri="{FF2B5EF4-FFF2-40B4-BE49-F238E27FC236}">
+                  <a16:creationId xmlns:a16="http://schemas.microsoft.com/office/drawing/2014/main" id="{30C36617-CB5C-40F8-B05D-7053886FD5EF}"/>
+                </a:ext>
+              </a:extLst>
+            </p:cNvPr>
+            <p:cNvSpPr/>
+            <p:nvPr/>
+          </p:nvSpPr>
+          <p:spPr>
+            <a:xfrm>
+              <a:off x="3268744" y="332277"/>
+              <a:ext cx="2309567" cy="688157"/>
+            </a:xfrm>
+            <a:prstGeom prst="chevron">
+              <a:avLst/>
+            </a:prstGeom>
+            <a:solidFill>
+              <a:srgbClr val="FED449"/>
+            </a:solidFill>
+            <a:ln>
+              <a:solidFill>
+                <a:schemeClr val="bg1"/>
+              </a:solidFill>
+            </a:ln>
+          </p:spPr>
+          <p:style>
+            <a:lnRef idx="2">
+              <a:schemeClr val="accent1">
+                <a:shade val="50000"/>
+              </a:schemeClr>
+            </a:lnRef>
+            <a:fillRef idx="1">
+              <a:schemeClr val="accent1"/>
+            </a:fillRef>
+            <a:effectRef idx="0">
+              <a:schemeClr val="accent1"/>
+            </a:effectRef>
+            <a:fontRef idx="minor">
+              <a:schemeClr val="lt1"/>
+            </a:fontRef>
+          </p:style>
+          <p:txBody>
+            <a:bodyPr rtlCol="0" anchor="ctr"/>
+            <a:lstStyle/>
+            <a:p>
+              <a:pPr algn="ctr"/>
+              <a:r>
+                <a:rPr lang="fr-FR" sz="1500" b="1" dirty="0">
+                  <a:solidFill>
+                    <a:schemeClr val="bg1"/>
+                  </a:solidFill>
+                  <a:effectLst>
+                    <a:outerShdw blurRad="38100" dist="76200" dir="2700000" algn="tl">
+                      <a:srgbClr val="000000"/>
+                    </a:outerShdw>
+                  </a:effectLst>
+                  <a:latin typeface="Helvetica" panose="020B0604020202030204" pitchFamily="34" charset="0"/>
+                </a:rPr>
+                <a:t>Organisation</a:t>
+              </a:r>
+            </a:p>
+          </p:txBody>
+        </p:sp>
+        <p:sp>
+          <p:nvSpPr>
+            <p:cNvPr id="18" name="Flèche : chevron 17">
+              <a:extLst>
+                <a:ext uri="{FF2B5EF4-FFF2-40B4-BE49-F238E27FC236}">
+                  <a16:creationId xmlns:a16="http://schemas.microsoft.com/office/drawing/2014/main" id="{A33478E5-51C7-4324-9E5C-0845E032CF0C}"/>
+                </a:ext>
+              </a:extLst>
+            </p:cNvPr>
+            <p:cNvSpPr/>
+            <p:nvPr/>
+          </p:nvSpPr>
+          <p:spPr>
+            <a:xfrm>
+              <a:off x="5268797" y="332704"/>
+              <a:ext cx="2309567" cy="688157"/>
+            </a:xfrm>
+            <a:prstGeom prst="chevron">
+              <a:avLst/>
+            </a:prstGeom>
+            <a:solidFill>
+              <a:srgbClr val="FED449"/>
+            </a:solidFill>
+            <a:ln>
+              <a:solidFill>
+                <a:schemeClr val="bg1"/>
+              </a:solidFill>
+            </a:ln>
+          </p:spPr>
+          <p:style>
+            <a:lnRef idx="2">
+              <a:schemeClr val="accent1">
+                <a:shade val="50000"/>
+              </a:schemeClr>
+            </a:lnRef>
+            <a:fillRef idx="1">
+              <a:schemeClr val="accent1"/>
+            </a:fillRef>
+            <a:effectRef idx="0">
+              <a:schemeClr val="accent1"/>
+            </a:effectRef>
+            <a:fontRef idx="minor">
+              <a:schemeClr val="lt1"/>
+            </a:fontRef>
+          </p:style>
+          <p:txBody>
+            <a:bodyPr rtlCol="0" anchor="ctr"/>
+            <a:lstStyle/>
+            <a:p>
+              <a:pPr algn="ctr"/>
+              <a:r>
+                <a:rPr lang="fr-FR" sz="1500" b="1" dirty="0">
+                  <a:solidFill>
+                    <a:schemeClr val="bg1"/>
+                  </a:solidFill>
+                  <a:effectLst>
+                    <a:outerShdw blurRad="38100" dist="76200" dir="2700000" algn="tl">
+                      <a:srgbClr val="000000"/>
+                    </a:outerShdw>
+                  </a:effectLst>
+                  <a:latin typeface="Helvetica" panose="020B0604020202030204" pitchFamily="34" charset="0"/>
+                </a:rPr>
+                <a:t>Développement</a:t>
+              </a:r>
+            </a:p>
+          </p:txBody>
+        </p:sp>
+        <p:sp>
+          <p:nvSpPr>
+            <p:cNvPr id="19" name="Flèche : chevron 18">
+              <a:extLst>
+                <a:ext uri="{FF2B5EF4-FFF2-40B4-BE49-F238E27FC236}">
+                  <a16:creationId xmlns:a16="http://schemas.microsoft.com/office/drawing/2014/main" id="{8795E004-010B-4219-8B10-37FA6D3A7781}"/>
+                </a:ext>
+              </a:extLst>
+            </p:cNvPr>
+            <p:cNvSpPr/>
+            <p:nvPr/>
+          </p:nvSpPr>
+          <p:spPr>
+            <a:xfrm>
+              <a:off x="7268850" y="332703"/>
+              <a:ext cx="2309567" cy="688157"/>
+            </a:xfrm>
+            <a:prstGeom prst="chevron">
+              <a:avLst/>
+            </a:prstGeom>
+            <a:solidFill>
+              <a:srgbClr val="FED449"/>
+            </a:solidFill>
+            <a:ln>
+              <a:solidFill>
+                <a:schemeClr val="bg1"/>
+              </a:solidFill>
+            </a:ln>
+          </p:spPr>
+          <p:style>
+            <a:lnRef idx="2">
+              <a:schemeClr val="accent1">
+                <a:shade val="50000"/>
+              </a:schemeClr>
+            </a:lnRef>
+            <a:fillRef idx="1">
+              <a:schemeClr val="accent1"/>
+            </a:fillRef>
+            <a:effectRef idx="0">
+              <a:schemeClr val="accent1"/>
+            </a:effectRef>
+            <a:fontRef idx="minor">
+              <a:schemeClr val="lt1"/>
+            </a:fontRef>
+          </p:style>
+          <p:txBody>
+            <a:bodyPr rtlCol="0" anchor="ctr"/>
+            <a:lstStyle/>
+            <a:p>
+              <a:pPr algn="ctr"/>
+              <a:r>
+                <a:rPr lang="fr-FR" sz="1500" b="1" dirty="0">
+                  <a:solidFill>
+                    <a:schemeClr val="bg1"/>
+                  </a:solidFill>
+                  <a:effectLst>
+                    <a:outerShdw blurRad="38100" dist="76200" dir="2700000" algn="tl">
+                      <a:srgbClr val="000000"/>
+                    </a:outerShdw>
+                  </a:effectLst>
+                  <a:latin typeface="Helvetica" panose="020B0604020202030204" pitchFamily="34" charset="0"/>
+                </a:rPr>
+                <a:t>Démonstration</a:t>
+              </a:r>
+              <a:endParaRPr lang="fr-FR" sz="1500" dirty="0">
+                <a:solidFill>
+                  <a:schemeClr val="tx1"/>
+                </a:solidFill>
+              </a:endParaRPr>
+            </a:p>
+          </p:txBody>
+        </p:sp>
+        <p:pic>
+          <p:nvPicPr>
+            <p:cNvPr id="6" name="Image 5">
+              <a:extLst>
+                <a:ext uri="{FF2B5EF4-FFF2-40B4-BE49-F238E27FC236}">
+                  <a16:creationId xmlns:a16="http://schemas.microsoft.com/office/drawing/2014/main" id="{2D0A881D-5AC2-4766-BD4C-5405D55C11A5}"/>
+                </a:ext>
+              </a:extLst>
+            </p:cNvPr>
+            <p:cNvPicPr>
+              <a:picLocks noChangeAspect="1"/>
+            </p:cNvPicPr>
+            <p:nvPr/>
+          </p:nvPicPr>
+          <p:blipFill>
+            <a:blip r:embed="rId3">
+              <a:extLst>
+                <a:ext uri="{28A0092B-C50C-407E-A947-70E740481C1C}">
+                  <a14:useLocalDpi xmlns:a14="http://schemas.microsoft.com/office/drawing/2010/main" val="0"/>
+                </a:ext>
+              </a:extLst>
+            </a:blip>
+            <a:stretch>
+              <a:fillRect/>
+            </a:stretch>
+          </p:blipFill>
+          <p:spPr>
+            <a:xfrm>
+              <a:off x="327166" y="0"/>
+              <a:ext cx="1566153" cy="1342417"/>
+            </a:xfrm>
+            <a:prstGeom prst="rect">
+              <a:avLst/>
+            </a:prstGeom>
+          </p:spPr>
+        </p:pic>
+      </p:grpSp>
+      <p:sp>
+        <p:nvSpPr>
+          <p:cNvPr id="10" name="ZoneTexte 9">
+            <a:extLst>
+              <a:ext uri="{FF2B5EF4-FFF2-40B4-BE49-F238E27FC236}">
+                <a16:creationId xmlns:a16="http://schemas.microsoft.com/office/drawing/2014/main" id="{CE36D8FB-1CD3-4D19-A954-A2CE97724692}"/>
+              </a:ext>
+            </a:extLst>
+          </p:cNvPr>
+          <p:cNvSpPr txBox="1"/>
+          <p:nvPr/>
+        </p:nvSpPr>
+        <p:spPr>
+          <a:xfrm>
+            <a:off x="336894" y="1225685"/>
+            <a:ext cx="11472482" cy="5369668"/>
+          </a:xfrm>
+          <a:prstGeom prst="rect">
+            <a:avLst/>
+          </a:prstGeom>
+          <a:solidFill>
+            <a:srgbClr val="FED449">
+              <a:alpha val="50000"/>
+            </a:srgbClr>
+          </a:solidFill>
+          <a:effectLst>
+            <a:softEdge rad="152400"/>
+          </a:effectLst>
+        </p:spPr>
+        <p:txBody>
+          <a:bodyPr wrap="square" rtlCol="0">
+            <a:spAutoFit/>
+          </a:bodyPr>
+          <a:lstStyle/>
+          <a:p>
+            <a:endParaRPr lang="fr-FR" dirty="0"/>
+          </a:p>
+        </p:txBody>
+      </p:sp>
+      <p:sp>
+        <p:nvSpPr>
+          <p:cNvPr id="11" name="ZoneTexte 10">
+            <a:extLst>
+              <a:ext uri="{FF2B5EF4-FFF2-40B4-BE49-F238E27FC236}">
+                <a16:creationId xmlns:a16="http://schemas.microsoft.com/office/drawing/2014/main" id="{C9EBFD3C-EFBF-4D0F-882B-53499E15C08D}"/>
+              </a:ext>
+            </a:extLst>
+          </p:cNvPr>
+          <p:cNvSpPr txBox="1"/>
+          <p:nvPr/>
+        </p:nvSpPr>
+        <p:spPr>
+          <a:xfrm>
+            <a:off x="1090367" y="1674695"/>
+            <a:ext cx="10011266" cy="5386090"/>
+          </a:xfrm>
+          <a:prstGeom prst="rect">
+            <a:avLst/>
+          </a:prstGeom>
+          <a:noFill/>
+        </p:spPr>
+        <p:txBody>
+          <a:bodyPr wrap="square" rtlCol="0">
+            <a:spAutoFit/>
+          </a:bodyPr>
+          <a:lstStyle/>
+          <a:p>
+            <a:pPr algn="ctr"/>
+            <a:r>
+              <a:rPr lang="fr-FR" sz="2800" b="1" dirty="0">
+                <a:latin typeface="Helvetica" panose="020B0604020202030204" pitchFamily="34" charset="0"/>
+                <a:cs typeface="Arial" panose="020B0604020202020204" pitchFamily="34" charset="0"/>
+              </a:rPr>
+              <a:t>PERSPECTIVES</a:t>
+            </a:r>
+          </a:p>
+          <a:p>
+            <a:pPr algn="ctr"/>
+            <a:endParaRPr lang="fr-FR" sz="2800" b="1" dirty="0">
+              <a:latin typeface="Helvetica" panose="020B0604020202030204" pitchFamily="34" charset="0"/>
+              <a:cs typeface="Arial" panose="020B0604020202020204" pitchFamily="34" charset="0"/>
+            </a:endParaRPr>
+          </a:p>
+          <a:p>
+            <a:r>
+              <a:rPr lang="fr-FR" sz="2400" dirty="0">
+                <a:latin typeface="Helvetica" panose="020B0604020202030204" pitchFamily="34" charset="0"/>
+              </a:rPr>
+              <a:t>Evolution du site</a:t>
+            </a:r>
+          </a:p>
+          <a:p>
+            <a:r>
+              <a:rPr lang="fr-FR" sz="2400" dirty="0">
+                <a:latin typeface="Helvetica" panose="020B0604020202030204" pitchFamily="34" charset="0"/>
+              </a:rPr>
+              <a:t>	Barre de recherche</a:t>
+            </a:r>
+          </a:p>
+          <a:p>
+            <a:r>
+              <a:rPr lang="fr-FR" sz="2400" dirty="0">
+                <a:latin typeface="Helvetica" panose="020B0604020202030204" pitchFamily="34" charset="0"/>
+              </a:rPr>
+              <a:t>	Factures</a:t>
+            </a:r>
+          </a:p>
+          <a:p>
+            <a:r>
+              <a:rPr lang="fr-FR" sz="2400" dirty="0">
+                <a:latin typeface="Helvetica" panose="020B0604020202030204" pitchFamily="34" charset="0"/>
+              </a:rPr>
+              <a:t>	Sécurité</a:t>
+            </a:r>
+          </a:p>
+          <a:p>
+            <a:r>
+              <a:rPr lang="fr-FR" sz="2400" dirty="0">
+                <a:latin typeface="Helvetica" panose="020B0604020202030204" pitchFamily="34" charset="0"/>
+              </a:rPr>
+              <a:t>	Gestion des modes de livraisons</a:t>
+            </a:r>
+          </a:p>
+          <a:p>
+            <a:r>
+              <a:rPr lang="fr-FR" sz="2400" dirty="0">
+                <a:latin typeface="Helvetica" panose="020B0604020202030204" pitchFamily="34" charset="0"/>
+              </a:rPr>
+              <a:t>	Paiements en ligne</a:t>
+            </a:r>
+          </a:p>
+          <a:p>
+            <a:r>
+              <a:rPr lang="fr-FR" sz="2400" dirty="0">
+                <a:latin typeface="Helvetica" panose="020B0604020202030204" pitchFamily="34" charset="0"/>
+              </a:rPr>
+              <a:t>	Mode daltonien</a:t>
+            </a:r>
+          </a:p>
+          <a:p>
+            <a:endParaRPr lang="fr-FR" sz="2400" dirty="0">
+              <a:latin typeface="Helvetica" panose="020B0604020202030204" pitchFamily="34" charset="0"/>
+            </a:endParaRPr>
+          </a:p>
+          <a:p>
+            <a:endParaRPr lang="fr-FR" sz="2400" dirty="0">
+              <a:latin typeface="Helvetica" panose="020B0604020202030204" pitchFamily="34" charset="0"/>
+            </a:endParaRPr>
+          </a:p>
+          <a:p>
+            <a:endParaRPr lang="fr-FR" sz="2400" dirty="0">
+              <a:latin typeface="Helvetica" panose="020B0604020202030204" pitchFamily="34" charset="0"/>
+            </a:endParaRPr>
+          </a:p>
+          <a:p>
+            <a:endParaRPr lang="fr-FR" sz="2400" dirty="0">
+              <a:latin typeface="Helvetica" panose="020B0604020202030204" pitchFamily="34" charset="0"/>
+            </a:endParaRPr>
+          </a:p>
+          <a:p>
+            <a:endParaRPr lang="fr-FR" sz="2400" dirty="0">
+              <a:latin typeface="Helvetica" panose="020B0604020202030204" pitchFamily="34" charset="0"/>
+            </a:endParaRPr>
+          </a:p>
+        </p:txBody>
+      </p:sp>
+    </p:spTree>
+    <p:extLst>
+      <p:ext uri="{BB962C8B-B14F-4D97-AF65-F5344CB8AC3E}">
+        <p14:creationId xmlns:p14="http://schemas.microsoft.com/office/powerpoint/2010/main" val="3679153279"/>
+      </p:ext>
+    </p:extLst>
+  </p:cSld>
+  <p:clrMapOvr>
+    <a:masterClrMapping/>
+  </p:clrMapOvr>
+</p:sld>
+</file>
+
+<file path=ppt/slides/slide23.xml><?xml version="1.0" encoding="utf-8"?>
+<p:sld xmlns:a="http://schemas.openxmlformats.org/drawingml/2006/main" xmlns:r="http://schemas.openxmlformats.org/officeDocument/2006/relationships" xmlns:p="http://schemas.openxmlformats.org/presentationml/2006/main">
+  <p:cSld>
+    <p:bg>
+      <p:bgPr>
+        <a:blipFill dpi="0" rotWithShape="1">
+          <a:blip r:embed="rId2">
+            <a:lum/>
+          </a:blip>
+          <a:srcRect/>
+          <a:stretch>
+            <a:fillRect/>
+          </a:stretch>
+        </a:blipFill>
+        <a:effectLst/>
+      </p:bgPr>
+    </p:bg>
+    <p:spTree>
+      <p:nvGrpSpPr>
+        <p:cNvPr id="1" name=""/>
+        <p:cNvGrpSpPr/>
+        <p:nvPr/>
+      </p:nvGrpSpPr>
+      <p:grpSpPr>
+        <a:xfrm>
+          <a:off x="0" y="0"/>
+          <a:ext cx="0" cy="0"/>
+          <a:chOff x="0" y="0"/>
+          <a:chExt cx="0" cy="0"/>
+        </a:xfrm>
+      </p:grpSpPr>
+      <p:pic>
+        <p:nvPicPr>
+          <p:cNvPr id="6" name="Image 5">
+            <a:extLst>
+              <a:ext uri="{FF2B5EF4-FFF2-40B4-BE49-F238E27FC236}">
+                <a16:creationId xmlns:a16="http://schemas.microsoft.com/office/drawing/2014/main" id="{2D0A881D-5AC2-4766-BD4C-5405D55C11A5}"/>
+              </a:ext>
+            </a:extLst>
+          </p:cNvPr>
+          <p:cNvPicPr>
+            <a:picLocks noChangeAspect="1"/>
+          </p:cNvPicPr>
+          <p:nvPr/>
+        </p:nvPicPr>
+        <p:blipFill>
+          <a:blip r:embed="rId3">
+            <a:extLst>
+              <a:ext uri="{28A0092B-C50C-407E-A947-70E740481C1C}">
+                <a14:useLocalDpi xmlns:a14="http://schemas.microsoft.com/office/drawing/2010/main" val="0"/>
+              </a:ext>
+            </a:extLst>
+          </a:blip>
+          <a:stretch>
+            <a:fillRect/>
+          </a:stretch>
+        </p:blipFill>
+        <p:spPr>
+          <a:xfrm>
+            <a:off x="329574" y="0"/>
+            <a:ext cx="1566153" cy="1342417"/>
+          </a:xfrm>
+          <a:prstGeom prst="rect">
+            <a:avLst/>
+          </a:prstGeom>
+        </p:spPr>
+      </p:pic>
+      <p:sp>
+        <p:nvSpPr>
+          <p:cNvPr id="10" name="ZoneTexte 9">
+            <a:extLst>
+              <a:ext uri="{FF2B5EF4-FFF2-40B4-BE49-F238E27FC236}">
+                <a16:creationId xmlns:a16="http://schemas.microsoft.com/office/drawing/2014/main" id="{CE36D8FB-1CD3-4D19-A954-A2CE97724692}"/>
+              </a:ext>
+            </a:extLst>
+          </p:cNvPr>
+          <p:cNvSpPr txBox="1"/>
+          <p:nvPr/>
+        </p:nvSpPr>
+        <p:spPr>
+          <a:xfrm>
+            <a:off x="336894" y="1225685"/>
+            <a:ext cx="11472482" cy="5369668"/>
+          </a:xfrm>
+          <a:prstGeom prst="rect">
+            <a:avLst/>
+          </a:prstGeom>
+          <a:solidFill>
+            <a:srgbClr val="FED449">
+              <a:alpha val="50000"/>
+            </a:srgbClr>
+          </a:solidFill>
+          <a:effectLst>
+            <a:softEdge rad="152400"/>
+          </a:effectLst>
+        </p:spPr>
+        <p:txBody>
+          <a:bodyPr wrap="square" rtlCol="0">
+            <a:spAutoFit/>
+          </a:bodyPr>
+          <a:lstStyle/>
+          <a:p>
+            <a:endParaRPr lang="fr-FR" dirty="0"/>
+          </a:p>
+        </p:txBody>
+      </p:sp>
+      <p:sp>
+        <p:nvSpPr>
+          <p:cNvPr id="2" name="ZoneTexte 1">
+            <a:extLst>
+              <a:ext uri="{FF2B5EF4-FFF2-40B4-BE49-F238E27FC236}">
+                <a16:creationId xmlns:a16="http://schemas.microsoft.com/office/drawing/2014/main" id="{B6BE2DBB-21FC-4CB9-B2B5-E64BB06FE8B1}"/>
+              </a:ext>
+            </a:extLst>
+          </p:cNvPr>
+          <p:cNvSpPr txBox="1"/>
+          <p:nvPr/>
+        </p:nvSpPr>
+        <p:spPr>
+          <a:xfrm>
+            <a:off x="1140643" y="2360315"/>
+            <a:ext cx="9869864" cy="1508105"/>
+          </a:xfrm>
+          <a:prstGeom prst="rect">
+            <a:avLst/>
+          </a:prstGeom>
+          <a:noFill/>
+        </p:spPr>
+        <p:txBody>
+          <a:bodyPr wrap="square" rtlCol="0">
+            <a:spAutoFit/>
+          </a:bodyPr>
+          <a:lstStyle/>
+          <a:p>
+            <a:pPr algn="ctr"/>
+            <a:r>
+              <a:rPr lang="fr-FR" sz="3200" b="1" dirty="0">
+                <a:latin typeface="Helvetica" panose="020B0604020202030204" pitchFamily="34" charset="0"/>
+              </a:rPr>
+              <a:t>REMERCIEMENTS</a:t>
+            </a:r>
+          </a:p>
+          <a:p>
+            <a:pPr algn="ctr"/>
+            <a:endParaRPr lang="fr-FR" sz="3200" dirty="0">
+              <a:latin typeface="Helvetica" panose="020B0604020202030204" pitchFamily="34" charset="0"/>
+            </a:endParaRPr>
+          </a:p>
+          <a:p>
+            <a:pPr algn="ctr"/>
+            <a:endParaRPr lang="fr-FR" sz="2800" dirty="0">
+              <a:latin typeface="Helvetica" panose="020B0604020202030204" pitchFamily="34" charset="0"/>
+            </a:endParaRPr>
+          </a:p>
+        </p:txBody>
+      </p:sp>
+    </p:spTree>
+    <p:extLst>
+      <p:ext uri="{BB962C8B-B14F-4D97-AF65-F5344CB8AC3E}">
+        <p14:creationId xmlns:p14="http://schemas.microsoft.com/office/powerpoint/2010/main" val="640220724"/>
       </p:ext>
     </p:extLst>
   </p:cSld>
@@ -16206,7 +20042,7 @@
           <a:graphicData uri="http://schemas.openxmlformats.org/presentationml/2006/ole">
             <mc:AlternateContent xmlns:mc="http://schemas.openxmlformats.org/markup-compatibility/2006">
               <mc:Choice xmlns:v="urn:schemas-microsoft-com:vml" Requires="v">
-                <p:oleObj spid="_x0000_s1061" name="Worksheet" r:id="rId5" imgW="6865398" imgH="1562197" progId="Excel.Sheet.12">
+                <p:oleObj spid="_x0000_s1066" name="Worksheet" r:id="rId5" imgW="6865398" imgH="1562197" progId="Excel.Sheet.12">
                   <p:embed/>
                 </p:oleObj>
               </mc:Choice>

--- a/DIAPO.pptx
+++ b/DIAPO.pptx
@@ -22,12 +22,18 @@
     <p:sldId id="287" r:id="rId16"/>
     <p:sldId id="288" r:id="rId17"/>
     <p:sldId id="289" r:id="rId18"/>
-    <p:sldId id="276" r:id="rId19"/>
-    <p:sldId id="277" r:id="rId20"/>
-    <p:sldId id="278" r:id="rId21"/>
-    <p:sldId id="281" r:id="rId22"/>
-    <p:sldId id="279" r:id="rId23"/>
-    <p:sldId id="280" r:id="rId24"/>
+    <p:sldId id="290" r:id="rId19"/>
+    <p:sldId id="291" r:id="rId20"/>
+    <p:sldId id="292" r:id="rId21"/>
+    <p:sldId id="293" r:id="rId22"/>
+    <p:sldId id="294" r:id="rId23"/>
+    <p:sldId id="295" r:id="rId24"/>
+    <p:sldId id="276" r:id="rId25"/>
+    <p:sldId id="277" r:id="rId26"/>
+    <p:sldId id="278" r:id="rId27"/>
+    <p:sldId id="281" r:id="rId28"/>
+    <p:sldId id="279" r:id="rId29"/>
+    <p:sldId id="280" r:id="rId30"/>
   </p:sldIdLst>
   <p:sldSz cx="12192000" cy="6858000"/>
   <p:notesSz cx="6858000" cy="9144000"/>
@@ -285,7 +291,7 @@
           <a:p>
             <a:fld id="{209A5367-1362-4112-AD99-9367F5BB5AA0}" type="datetimeFigureOut">
               <a:rPr lang="fr-FR" smtClean="0"/>
-              <a:t>26/11/2017</a:t>
+              <a:t>27/11/2017</a:t>
             </a:fld>
             <a:endParaRPr lang="fr-FR"/>
           </a:p>
@@ -483,7 +489,7 @@
           <a:p>
             <a:fld id="{209A5367-1362-4112-AD99-9367F5BB5AA0}" type="datetimeFigureOut">
               <a:rPr lang="fr-FR" smtClean="0"/>
-              <a:t>26/11/2017</a:t>
+              <a:t>27/11/2017</a:t>
             </a:fld>
             <a:endParaRPr lang="fr-FR"/>
           </a:p>
@@ -691,7 +697,7 @@
           <a:p>
             <a:fld id="{209A5367-1362-4112-AD99-9367F5BB5AA0}" type="datetimeFigureOut">
               <a:rPr lang="fr-FR" smtClean="0"/>
-              <a:t>26/11/2017</a:t>
+              <a:t>27/11/2017</a:t>
             </a:fld>
             <a:endParaRPr lang="fr-FR"/>
           </a:p>
@@ -889,7 +895,7 @@
           <a:p>
             <a:fld id="{209A5367-1362-4112-AD99-9367F5BB5AA0}" type="datetimeFigureOut">
               <a:rPr lang="fr-FR" smtClean="0"/>
-              <a:t>26/11/2017</a:t>
+              <a:t>27/11/2017</a:t>
             </a:fld>
             <a:endParaRPr lang="fr-FR"/>
           </a:p>
@@ -1164,7 +1170,7 @@
           <a:p>
             <a:fld id="{209A5367-1362-4112-AD99-9367F5BB5AA0}" type="datetimeFigureOut">
               <a:rPr lang="fr-FR" smtClean="0"/>
-              <a:t>26/11/2017</a:t>
+              <a:t>27/11/2017</a:t>
             </a:fld>
             <a:endParaRPr lang="fr-FR"/>
           </a:p>
@@ -1429,7 +1435,7 @@
           <a:p>
             <a:fld id="{209A5367-1362-4112-AD99-9367F5BB5AA0}" type="datetimeFigureOut">
               <a:rPr lang="fr-FR" smtClean="0"/>
-              <a:t>26/11/2017</a:t>
+              <a:t>27/11/2017</a:t>
             </a:fld>
             <a:endParaRPr lang="fr-FR"/>
           </a:p>
@@ -1841,7 +1847,7 @@
           <a:p>
             <a:fld id="{209A5367-1362-4112-AD99-9367F5BB5AA0}" type="datetimeFigureOut">
               <a:rPr lang="fr-FR" smtClean="0"/>
-              <a:t>26/11/2017</a:t>
+              <a:t>27/11/2017</a:t>
             </a:fld>
             <a:endParaRPr lang="fr-FR"/>
           </a:p>
@@ -1982,7 +1988,7 @@
           <a:p>
             <a:fld id="{209A5367-1362-4112-AD99-9367F5BB5AA0}" type="datetimeFigureOut">
               <a:rPr lang="fr-FR" smtClean="0"/>
-              <a:t>26/11/2017</a:t>
+              <a:t>27/11/2017</a:t>
             </a:fld>
             <a:endParaRPr lang="fr-FR"/>
           </a:p>
@@ -2095,7 +2101,7 @@
           <a:p>
             <a:fld id="{209A5367-1362-4112-AD99-9367F5BB5AA0}" type="datetimeFigureOut">
               <a:rPr lang="fr-FR" smtClean="0"/>
-              <a:t>26/11/2017</a:t>
+              <a:t>27/11/2017</a:t>
             </a:fld>
             <a:endParaRPr lang="fr-FR"/>
           </a:p>
@@ -2406,7 +2412,7 @@
           <a:p>
             <a:fld id="{209A5367-1362-4112-AD99-9367F5BB5AA0}" type="datetimeFigureOut">
               <a:rPr lang="fr-FR" smtClean="0"/>
-              <a:t>26/11/2017</a:t>
+              <a:t>27/11/2017</a:t>
             </a:fld>
             <a:endParaRPr lang="fr-FR"/>
           </a:p>
@@ -2694,7 +2700,7 @@
           <a:p>
             <a:fld id="{209A5367-1362-4112-AD99-9367F5BB5AA0}" type="datetimeFigureOut">
               <a:rPr lang="fr-FR" smtClean="0"/>
-              <a:t>26/11/2017</a:t>
+              <a:t>27/11/2017</a:t>
             </a:fld>
             <a:endParaRPr lang="fr-FR"/>
           </a:p>
@@ -2935,7 +2941,7 @@
           <a:p>
             <a:fld id="{209A5367-1362-4112-AD99-9367F5BB5AA0}" type="datetimeFigureOut">
               <a:rPr lang="fr-FR" smtClean="0"/>
-              <a:t>26/11/2017</a:t>
+              <a:t>27/11/2017</a:t>
             </a:fld>
             <a:endParaRPr lang="fr-FR"/>
           </a:p>
@@ -9413,58 +9419,181 @@
           </a:p>
         </p:txBody>
       </p:sp>
-      <p:sp>
-        <p:nvSpPr>
-          <p:cNvPr id="2" name="ZoneTexte 1">
+      <p:grpSp>
+        <p:nvGrpSpPr>
+          <p:cNvPr id="11" name="Groupe 10">
             <a:extLst>
               <a:ext uri="{FF2B5EF4-FFF2-40B4-BE49-F238E27FC236}">
-                <a16:creationId xmlns:a16="http://schemas.microsoft.com/office/drawing/2014/main" id="{375A52F9-612E-4E94-BC85-FDFCE2711101}"/>
+                <a16:creationId xmlns:a16="http://schemas.microsoft.com/office/drawing/2014/main" id="{8553DA0E-F64C-474B-8038-ED359EF45061}"/>
               </a:ext>
             </a:extLst>
           </p:cNvPr>
-          <p:cNvSpPr txBox="1"/>
+          <p:cNvGrpSpPr/>
           <p:nvPr/>
-        </p:nvSpPr>
-        <p:spPr>
+        </p:nvGrpSpPr>
+        <p:grpSpPr>
           <a:xfrm>
-            <a:off x="3630891" y="3648909"/>
-            <a:ext cx="4930218" cy="523220"/>
+            <a:off x="1090366" y="1674695"/>
+            <a:ext cx="10011267" cy="4554655"/>
+            <a:chOff x="1090366" y="1674695"/>
+            <a:chExt cx="10011267" cy="4554655"/>
           </a:xfrm>
-          <a:prstGeom prst="rect">
-            <a:avLst/>
-          </a:prstGeom>
-          <a:noFill/>
-        </p:spPr>
-        <p:txBody>
-          <a:bodyPr wrap="square" rtlCol="0">
-            <a:spAutoFit/>
-          </a:bodyPr>
-          <a:lstStyle/>
-          <a:p>
-            <a:r>
-              <a:rPr lang="fr-FR" sz="2800" dirty="0">
+        </p:grpSpPr>
+        <p:sp>
+          <p:nvSpPr>
+            <p:cNvPr id="12" name="ZoneTexte 11">
+              <a:extLst>
+                <a:ext uri="{FF2B5EF4-FFF2-40B4-BE49-F238E27FC236}">
+                  <a16:creationId xmlns:a16="http://schemas.microsoft.com/office/drawing/2014/main" id="{6EC03EED-884E-41AA-A7ED-2AE4526B008D}"/>
+                </a:ext>
+              </a:extLst>
+            </p:cNvPr>
+            <p:cNvSpPr txBox="1"/>
+            <p:nvPr/>
+          </p:nvSpPr>
+          <p:spPr>
+            <a:xfrm>
+              <a:off x="1090367" y="1674695"/>
+              <a:ext cx="10011266" cy="523220"/>
+            </a:xfrm>
+            <a:prstGeom prst="rect">
+              <a:avLst/>
+            </a:prstGeom>
+            <a:noFill/>
+          </p:spPr>
+          <p:txBody>
+            <a:bodyPr wrap="square" rtlCol="0">
+              <a:spAutoFit/>
+            </a:bodyPr>
+            <a:lstStyle/>
+            <a:p>
+              <a:pPr algn="ctr"/>
+              <a:r>
+                <a:rPr lang="fr-FR" sz="2800" b="1" dirty="0">
+                  <a:latin typeface="Helvetica" panose="020B0604020202030204" pitchFamily="34" charset="0"/>
+                </a:rPr>
+                <a:t>Algorithme d’envoi de Mail</a:t>
+              </a:r>
+              <a:endParaRPr lang="fr-FR" sz="2400" b="1" dirty="0">
                 <a:latin typeface="Helvetica" panose="020B0604020202030204" pitchFamily="34" charset="0"/>
-                <a:hlinkClick r:id="rId4"/>
-              </a:rPr>
-              <a:t>En avant dans l'univers </a:t>
-            </a:r>
-            <a:r>
-              <a:rPr lang="fr-FR" sz="2800" dirty="0" err="1">
-                <a:latin typeface="Helvetica" panose="020B0604020202030204" pitchFamily="34" charset="0"/>
-                <a:hlinkClick r:id="rId4"/>
-              </a:rPr>
-              <a:t>U’Pop</a:t>
-            </a:r>
-            <a:endParaRPr lang="fr-FR" sz="2800" dirty="0">
-              <a:latin typeface="Helvetica" panose="020B0604020202030204" pitchFamily="34" charset="0"/>
-            </a:endParaRPr>
-          </a:p>
-        </p:txBody>
-      </p:sp>
+              </a:endParaRPr>
+            </a:p>
+          </p:txBody>
+        </p:sp>
+        <p:grpSp>
+          <p:nvGrpSpPr>
+            <p:cNvPr id="13" name="Groupe 12">
+              <a:extLst>
+                <a:ext uri="{FF2B5EF4-FFF2-40B4-BE49-F238E27FC236}">
+                  <a16:creationId xmlns:a16="http://schemas.microsoft.com/office/drawing/2014/main" id="{F1ECA405-018C-46A8-9255-EE6A84637F0B}"/>
+                </a:ext>
+              </a:extLst>
+            </p:cNvPr>
+            <p:cNvGrpSpPr/>
+            <p:nvPr/>
+          </p:nvGrpSpPr>
+          <p:grpSpPr>
+            <a:xfrm>
+              <a:off x="1090366" y="2173311"/>
+              <a:ext cx="10011267" cy="4056039"/>
+              <a:chOff x="1090366" y="2173311"/>
+              <a:chExt cx="10011267" cy="4056039"/>
+            </a:xfrm>
+          </p:grpSpPr>
+          <p:pic>
+            <p:nvPicPr>
+              <p:cNvPr id="14" name="Image 13">
+                <a:extLst>
+                  <a:ext uri="{FF2B5EF4-FFF2-40B4-BE49-F238E27FC236}">
+                    <a16:creationId xmlns:a16="http://schemas.microsoft.com/office/drawing/2014/main" id="{0540EF68-F0F8-4E8B-AC71-CFC5D9976D6E}"/>
+                  </a:ext>
+                </a:extLst>
+              </p:cNvPr>
+              <p:cNvPicPr>
+                <a:picLocks noChangeAspect="1"/>
+              </p:cNvPicPr>
+              <p:nvPr/>
+            </p:nvPicPr>
+            <p:blipFill>
+              <a:blip r:embed="rId4">
+                <a:extLst>
+                  <a:ext uri="{28A0092B-C50C-407E-A947-70E740481C1C}">
+                    <a14:useLocalDpi xmlns:a14="http://schemas.microsoft.com/office/drawing/2010/main" val="0"/>
+                  </a:ext>
+                </a:extLst>
+              </a:blip>
+              <a:stretch>
+                <a:fillRect/>
+              </a:stretch>
+            </p:blipFill>
+            <p:spPr>
+              <a:xfrm>
+                <a:off x="1090367" y="2173311"/>
+                <a:ext cx="10011266" cy="4056039"/>
+              </a:xfrm>
+              <a:prstGeom prst="rect">
+                <a:avLst/>
+              </a:prstGeom>
+            </p:spPr>
+          </p:pic>
+          <p:sp>
+            <p:nvSpPr>
+              <p:cNvPr id="15" name="Rectangle à coins arrondis 12">
+                <a:extLst>
+                  <a:ext uri="{FF2B5EF4-FFF2-40B4-BE49-F238E27FC236}">
+                    <a16:creationId xmlns:a16="http://schemas.microsoft.com/office/drawing/2014/main" id="{D112AC7B-5962-4C4D-83B3-9EF226839CAA}"/>
+                  </a:ext>
+                </a:extLst>
+              </p:cNvPr>
+              <p:cNvSpPr/>
+              <p:nvPr/>
+            </p:nvSpPr>
+            <p:spPr>
+              <a:xfrm>
+                <a:off x="1090366" y="3672246"/>
+                <a:ext cx="10011265" cy="523220"/>
+              </a:xfrm>
+              <a:prstGeom prst="roundRect">
+                <a:avLst/>
+              </a:prstGeom>
+              <a:noFill/>
+              <a:ln w="28575">
+                <a:solidFill>
+                  <a:srgbClr val="88CE62"/>
+                </a:solidFill>
+              </a:ln>
+            </p:spPr>
+            <p:style>
+              <a:lnRef idx="2">
+                <a:schemeClr val="accent1">
+                  <a:shade val="50000"/>
+                </a:schemeClr>
+              </a:lnRef>
+              <a:fillRef idx="1">
+                <a:schemeClr val="accent1"/>
+              </a:fillRef>
+              <a:effectRef idx="0">
+                <a:schemeClr val="accent1"/>
+              </a:effectRef>
+              <a:fontRef idx="minor">
+                <a:schemeClr val="lt1"/>
+              </a:fontRef>
+            </p:style>
+            <p:txBody>
+              <a:bodyPr rtlCol="0" anchor="ctr"/>
+              <a:lstStyle/>
+              <a:p>
+                <a:pPr algn="ctr"/>
+                <a:endParaRPr lang="fr-FR" dirty="0"/>
+              </a:p>
+            </p:txBody>
+          </p:sp>
+        </p:grpSp>
+      </p:grpSp>
     </p:spTree>
     <p:extLst>
       <p:ext uri="{BB962C8B-B14F-4D97-AF65-F5344CB8AC3E}">
-        <p14:creationId xmlns:p14="http://schemas.microsoft.com/office/powerpoint/2010/main" val="2585678089"/>
+        <p14:creationId xmlns:p14="http://schemas.microsoft.com/office/powerpoint/2010/main" val="3481178063"/>
       </p:ext>
     </p:extLst>
   </p:cSld>
@@ -9941,69 +10070,160 @@
           </a:p>
         </p:txBody>
       </p:sp>
-      <p:sp>
-        <p:nvSpPr>
-          <p:cNvPr id="2" name="ZoneTexte 1">
+      <p:grpSp>
+        <p:nvGrpSpPr>
+          <p:cNvPr id="11" name="Groupe 10">
             <a:extLst>
               <a:ext uri="{FF2B5EF4-FFF2-40B4-BE49-F238E27FC236}">
-                <a16:creationId xmlns:a16="http://schemas.microsoft.com/office/drawing/2014/main" id="{375A52F9-612E-4E94-BC85-FDFCE2711101}"/>
+                <a16:creationId xmlns:a16="http://schemas.microsoft.com/office/drawing/2014/main" id="{F72C9BDD-E53C-4DD5-B85C-3ED6DD1B06F6}"/>
               </a:ext>
             </a:extLst>
           </p:cNvPr>
-          <p:cNvSpPr txBox="1"/>
+          <p:cNvGrpSpPr/>
           <p:nvPr/>
-        </p:nvSpPr>
-        <p:spPr>
+        </p:nvGrpSpPr>
+        <p:grpSpPr>
           <a:xfrm>
-            <a:off x="2603369" y="2875915"/>
-            <a:ext cx="6766874" cy="1815882"/>
+            <a:off x="1090367" y="1674695"/>
+            <a:ext cx="10011266" cy="4548790"/>
+            <a:chOff x="1090367" y="1674695"/>
+            <a:chExt cx="10011266" cy="4548790"/>
           </a:xfrm>
-          <a:prstGeom prst="rect">
-            <a:avLst/>
-          </a:prstGeom>
-          <a:noFill/>
-        </p:spPr>
-        <p:txBody>
-          <a:bodyPr wrap="square" rtlCol="0">
-            <a:spAutoFit/>
-          </a:bodyPr>
-          <a:lstStyle/>
-          <a:p>
-            <a:pPr algn="ctr"/>
-            <a:r>
-              <a:rPr lang="fr-FR" sz="2800" dirty="0">
+        </p:grpSpPr>
+        <p:pic>
+          <p:nvPicPr>
+            <p:cNvPr id="12" name="Image 11" descr="Une image contenant capture d’écran&#10;&#10;Description générée avec un niveau de confiance très élevé">
+              <a:extLst>
+                <a:ext uri="{FF2B5EF4-FFF2-40B4-BE49-F238E27FC236}">
+                  <a16:creationId xmlns:a16="http://schemas.microsoft.com/office/drawing/2014/main" id="{5996A2B6-B2AF-4F74-B61C-B1B698CD065E}"/>
+                </a:ext>
+              </a:extLst>
+            </p:cNvPr>
+            <p:cNvPicPr>
+              <a:picLocks noChangeAspect="1"/>
+            </p:cNvPicPr>
+            <p:nvPr/>
+          </p:nvPicPr>
+          <p:blipFill>
+            <a:blip r:embed="rId4">
+              <a:extLst>
+                <a:ext uri="{28A0092B-C50C-407E-A947-70E740481C1C}">
+                  <a14:useLocalDpi xmlns:a14="http://schemas.microsoft.com/office/drawing/2010/main" val="0"/>
+                </a:ext>
+              </a:extLst>
+            </a:blip>
+            <a:stretch>
+              <a:fillRect/>
+            </a:stretch>
+          </p:blipFill>
+          <p:spPr>
+            <a:xfrm>
+              <a:off x="1110242" y="2167446"/>
+              <a:ext cx="9991390" cy="4056039"/>
+            </a:xfrm>
+            <a:prstGeom prst="rect">
+              <a:avLst/>
+            </a:prstGeom>
+          </p:spPr>
+        </p:pic>
+        <p:sp>
+          <p:nvSpPr>
+            <p:cNvPr id="13" name="ZoneTexte 12">
+              <a:extLst>
+                <a:ext uri="{FF2B5EF4-FFF2-40B4-BE49-F238E27FC236}">
+                  <a16:creationId xmlns:a16="http://schemas.microsoft.com/office/drawing/2014/main" id="{50B57DA1-E119-4282-8534-EF0A6B40253C}"/>
+                </a:ext>
+              </a:extLst>
+            </p:cNvPr>
+            <p:cNvSpPr txBox="1"/>
+            <p:nvPr/>
+          </p:nvSpPr>
+          <p:spPr>
+            <a:xfrm>
+              <a:off x="1090367" y="1674695"/>
+              <a:ext cx="10011266" cy="523220"/>
+            </a:xfrm>
+            <a:prstGeom prst="rect">
+              <a:avLst/>
+            </a:prstGeom>
+            <a:noFill/>
+          </p:spPr>
+          <p:txBody>
+            <a:bodyPr wrap="square" rtlCol="0">
+              <a:spAutoFit/>
+            </a:bodyPr>
+            <a:lstStyle/>
+            <a:p>
+              <a:pPr algn="ctr"/>
+              <a:r>
+                <a:rPr lang="fr-FR" sz="2800" b="1" dirty="0">
+                  <a:latin typeface="Helvetica" panose="020B0604020202030204" pitchFamily="34" charset="0"/>
+                </a:rPr>
+                <a:t>Algorithme d’envoi de Mail</a:t>
+              </a:r>
+              <a:endParaRPr lang="fr-FR" sz="2400" b="1" dirty="0">
                 <a:latin typeface="Helvetica" panose="020B0604020202030204" pitchFamily="34" charset="0"/>
-              </a:rPr>
-              <a:t>Accessible en ligne</a:t>
-            </a:r>
-          </a:p>
-          <a:p>
-            <a:pPr algn="ctr"/>
-            <a:endParaRPr lang="fr-FR" sz="2800" dirty="0">
-              <a:latin typeface="Helvetica" panose="020B0604020202030204" pitchFamily="34" charset="0"/>
-            </a:endParaRPr>
-          </a:p>
-          <a:p>
-            <a:pPr algn="ctr"/>
-            <a:endParaRPr lang="fr-FR" sz="2800" dirty="0">
-              <a:latin typeface="Helvetica" panose="020B0604020202030204" pitchFamily="34" charset="0"/>
-            </a:endParaRPr>
-          </a:p>
-          <a:p>
-            <a:pPr algn="ctr"/>
-            <a:r>
-              <a:rPr lang="fr-FR" sz="2800" dirty="0">
-                <a:latin typeface="Helvetica" panose="020B0604020202030204" pitchFamily="34" charset="0"/>
-              </a:rPr>
-              <a:t>http://upop.champemedylan.fr/Index.php</a:t>
-            </a:r>
-          </a:p>
-        </p:txBody>
-      </p:sp>
+              </a:endParaRPr>
+            </a:p>
+          </p:txBody>
+        </p:sp>
+        <p:sp>
+          <p:nvSpPr>
+            <p:cNvPr id="14" name="Rectangle à coins arrondis 12">
+              <a:extLst>
+                <a:ext uri="{FF2B5EF4-FFF2-40B4-BE49-F238E27FC236}">
+                  <a16:creationId xmlns:a16="http://schemas.microsoft.com/office/drawing/2014/main" id="{A4FA69DF-4023-46F3-A7CE-06D85332AD04}"/>
+                </a:ext>
+              </a:extLst>
+            </p:cNvPr>
+            <p:cNvSpPr/>
+            <p:nvPr/>
+          </p:nvSpPr>
+          <p:spPr>
+            <a:xfrm>
+              <a:off x="1268691" y="2263740"/>
+              <a:ext cx="9339822" cy="1165259"/>
+            </a:xfrm>
+            <a:prstGeom prst="roundRect">
+              <a:avLst/>
+            </a:prstGeom>
+            <a:noFill/>
+            <a:ln w="28575">
+              <a:solidFill>
+                <a:srgbClr val="88CE62"/>
+              </a:solidFill>
+            </a:ln>
+          </p:spPr>
+          <p:style>
+            <a:lnRef idx="2">
+              <a:schemeClr val="accent1">
+                <a:shade val="50000"/>
+              </a:schemeClr>
+            </a:lnRef>
+            <a:fillRef idx="1">
+              <a:schemeClr val="accent1"/>
+            </a:fillRef>
+            <a:effectRef idx="0">
+              <a:schemeClr val="accent1"/>
+            </a:effectRef>
+            <a:fontRef idx="minor">
+              <a:schemeClr val="lt1"/>
+            </a:fontRef>
+          </p:style>
+          <p:txBody>
+            <a:bodyPr rtlCol="0" anchor="ctr"/>
+            <a:lstStyle/>
+            <a:p>
+              <a:pPr algn="ctr"/>
+              <a:endParaRPr lang="fr-FR" dirty="0"/>
+            </a:p>
+          </p:txBody>
+        </p:sp>
+      </p:grpSp>
     </p:spTree>
     <p:extLst>
       <p:ext uri="{BB962C8B-B14F-4D97-AF65-F5344CB8AC3E}">
-        <p14:creationId xmlns:p14="http://schemas.microsoft.com/office/powerpoint/2010/main" val="1200531869"/>
+        <p14:creationId xmlns:p14="http://schemas.microsoft.com/office/powerpoint/2010/main" val="1899569273"/>
       </p:ext>
     </p:extLst>
   </p:cSld>
@@ -10360,7 +10580,7 @@
               <a:avLst/>
             </a:prstGeom>
             <a:solidFill>
-              <a:srgbClr val="88CE62"/>
+              <a:srgbClr val="FED449"/>
             </a:solidFill>
             <a:ln>
               <a:solidFill>
@@ -10561,7 +10781,7 @@
               <a:avLst/>
             </a:prstGeom>
             <a:solidFill>
-              <a:srgbClr val="FED449"/>
+              <a:srgbClr val="88CE62"/>
             </a:solidFill>
             <a:ln>
               <a:solidFill>
@@ -10688,116 +10908,160 @@
           </a:p>
         </p:txBody>
       </p:sp>
-      <p:sp>
-        <p:nvSpPr>
-          <p:cNvPr id="11" name="ZoneTexte 10">
+      <p:grpSp>
+        <p:nvGrpSpPr>
+          <p:cNvPr id="11" name="Groupe 10">
             <a:extLst>
               <a:ext uri="{FF2B5EF4-FFF2-40B4-BE49-F238E27FC236}">
-                <a16:creationId xmlns:a16="http://schemas.microsoft.com/office/drawing/2014/main" id="{4D68F34E-6148-422D-8C78-F40C2B9BADFF}"/>
+                <a16:creationId xmlns:a16="http://schemas.microsoft.com/office/drawing/2014/main" id="{BF2D9260-6B8B-404D-9F0E-ED3F5966B8B3}"/>
               </a:ext>
             </a:extLst>
           </p:cNvPr>
-          <p:cNvSpPr txBox="1"/>
+          <p:cNvGrpSpPr/>
           <p:nvPr/>
-        </p:nvSpPr>
-        <p:spPr>
+        </p:nvGrpSpPr>
+        <p:grpSpPr>
           <a:xfrm>
-            <a:off x="1090367" y="1674695"/>
-            <a:ext cx="10011266" cy="4278094"/>
+            <a:off x="1090366" y="1674695"/>
+            <a:ext cx="10011267" cy="4554655"/>
+            <a:chOff x="1090366" y="1674695"/>
+            <a:chExt cx="10011267" cy="4554655"/>
           </a:xfrm>
-          <a:prstGeom prst="rect">
-            <a:avLst/>
-          </a:prstGeom>
-          <a:noFill/>
-        </p:spPr>
-        <p:txBody>
-          <a:bodyPr wrap="square" rtlCol="0">
-            <a:spAutoFit/>
-          </a:bodyPr>
-          <a:lstStyle/>
-          <a:p>
-            <a:pPr algn="ctr"/>
-            <a:r>
-              <a:rPr lang="fr-FR" sz="2800" b="1" dirty="0">
+        </p:grpSpPr>
+        <p:sp>
+          <p:nvSpPr>
+            <p:cNvPr id="12" name="ZoneTexte 11">
+              <a:extLst>
+                <a:ext uri="{FF2B5EF4-FFF2-40B4-BE49-F238E27FC236}">
+                  <a16:creationId xmlns:a16="http://schemas.microsoft.com/office/drawing/2014/main" id="{563FC806-1A2B-49D9-8722-C150CDA7BD8B}"/>
+                </a:ext>
+              </a:extLst>
+            </p:cNvPr>
+            <p:cNvSpPr txBox="1"/>
+            <p:nvPr/>
+          </p:nvSpPr>
+          <p:spPr>
+            <a:xfrm>
+              <a:off x="1090367" y="1674695"/>
+              <a:ext cx="10011266" cy="523220"/>
+            </a:xfrm>
+            <a:prstGeom prst="rect">
+              <a:avLst/>
+            </a:prstGeom>
+            <a:noFill/>
+          </p:spPr>
+          <p:txBody>
+            <a:bodyPr wrap="square" rtlCol="0">
+              <a:spAutoFit/>
+            </a:bodyPr>
+            <a:lstStyle/>
+            <a:p>
+              <a:pPr algn="ctr"/>
+              <a:r>
+                <a:rPr lang="fr-FR" sz="2800" b="1" dirty="0">
+                  <a:latin typeface="Helvetica" panose="020B0604020202030204" pitchFamily="34" charset="0"/>
+                </a:rPr>
+                <a:t>Algorithme d’envoi de Mail</a:t>
+              </a:r>
+              <a:endParaRPr lang="fr-FR" sz="2400" b="1" dirty="0">
                 <a:latin typeface="Helvetica" panose="020B0604020202030204" pitchFamily="34" charset="0"/>
-                <a:cs typeface="Arial" panose="020B0604020202020204" pitchFamily="34" charset="0"/>
-              </a:rPr>
-              <a:t>CONCLUSION</a:t>
-            </a:r>
-          </a:p>
-          <a:p>
-            <a:pPr algn="ctr"/>
-            <a:endParaRPr lang="fr-FR" sz="2800" b="1" dirty="0">
-              <a:latin typeface="Helvetica" panose="020B0604020202030204" pitchFamily="34" charset="0"/>
-              <a:cs typeface="Arial" panose="020B0604020202020204" pitchFamily="34" charset="0"/>
-            </a:endParaRPr>
-          </a:p>
-          <a:p>
-            <a:r>
-              <a:rPr lang="fr-FR" sz="2400" dirty="0">
-                <a:latin typeface="Helvetica" panose="020B0604020202030204" pitchFamily="34" charset="0"/>
-              </a:rPr>
-              <a:t>Cohésion du groupe + Bonne ambiance = Travail productif</a:t>
-            </a:r>
-          </a:p>
-          <a:p>
-            <a:endParaRPr lang="fr-FR" sz="2400" dirty="0">
-              <a:latin typeface="Helvetica" panose="020B0604020202030204" pitchFamily="34" charset="0"/>
-            </a:endParaRPr>
-          </a:p>
-          <a:p>
-            <a:r>
-              <a:rPr lang="fr-FR" sz="2400" dirty="0">
-                <a:latin typeface="Helvetica" panose="020B0604020202030204" pitchFamily="34" charset="0"/>
-              </a:rPr>
-              <a:t>Diversité des profils = Complémentarité</a:t>
-            </a:r>
-          </a:p>
-          <a:p>
-            <a:endParaRPr lang="fr-FR" sz="2400" dirty="0">
-              <a:latin typeface="Helvetica" panose="020B0604020202030204" pitchFamily="34" charset="0"/>
-            </a:endParaRPr>
-          </a:p>
-          <a:p>
-            <a:r>
-              <a:rPr lang="fr-FR" sz="2400" dirty="0">
-                <a:latin typeface="Helvetica" panose="020B0604020202030204" pitchFamily="34" charset="0"/>
-              </a:rPr>
-              <a:t>Utilisation de GitHub</a:t>
-            </a:r>
-          </a:p>
-          <a:p>
-            <a:endParaRPr lang="fr-FR" sz="2400" dirty="0">
-              <a:latin typeface="Helvetica" panose="020B0604020202030204" pitchFamily="34" charset="0"/>
-            </a:endParaRPr>
-          </a:p>
-          <a:p>
-            <a:r>
-              <a:rPr lang="fr-FR" sz="2400" dirty="0">
-                <a:latin typeface="Helvetica" panose="020B0604020202030204" pitchFamily="34" charset="0"/>
-              </a:rPr>
-              <a:t>Adaptation à un nouveau langage </a:t>
-            </a:r>
-          </a:p>
-          <a:p>
-            <a:endParaRPr lang="fr-FR" sz="2400" dirty="0">
-              <a:latin typeface="Helvetica" panose="020B0604020202030204" pitchFamily="34" charset="0"/>
-            </a:endParaRPr>
-          </a:p>
-          <a:p>
-            <a:r>
-              <a:rPr lang="fr-FR" sz="2400" dirty="0">
-                <a:latin typeface="Helvetica" panose="020B0604020202030204" pitchFamily="34" charset="0"/>
-              </a:rPr>
-              <a:t>Indentation et commentaires</a:t>
-            </a:r>
-          </a:p>
-        </p:txBody>
-      </p:sp>
+              </a:endParaRPr>
+            </a:p>
+          </p:txBody>
+        </p:sp>
+        <p:pic>
+          <p:nvPicPr>
+            <p:cNvPr id="13" name="Image 12">
+              <a:extLst>
+                <a:ext uri="{FF2B5EF4-FFF2-40B4-BE49-F238E27FC236}">
+                  <a16:creationId xmlns:a16="http://schemas.microsoft.com/office/drawing/2014/main" id="{E3C49DB2-9CE5-4075-8A84-4F9E705F1B70}"/>
+                </a:ext>
+              </a:extLst>
+            </p:cNvPr>
+            <p:cNvPicPr>
+              <a:picLocks noChangeAspect="1"/>
+            </p:cNvPicPr>
+            <p:nvPr/>
+          </p:nvPicPr>
+          <p:blipFill>
+            <a:blip r:embed="rId4">
+              <a:extLst>
+                <a:ext uri="{28A0092B-C50C-407E-A947-70E740481C1C}">
+                  <a14:useLocalDpi xmlns:a14="http://schemas.microsoft.com/office/drawing/2010/main" val="0"/>
+                </a:ext>
+              </a:extLst>
+            </a:blip>
+            <a:stretch>
+              <a:fillRect/>
+            </a:stretch>
+          </p:blipFill>
+          <p:spPr>
+            <a:xfrm>
+              <a:off x="1090367" y="2173311"/>
+              <a:ext cx="10011266" cy="4056039"/>
+            </a:xfrm>
+            <a:prstGeom prst="rect">
+              <a:avLst/>
+            </a:prstGeom>
+          </p:spPr>
+        </p:pic>
+        <p:sp>
+          <p:nvSpPr>
+            <p:cNvPr id="14" name="Rectangle à coins arrondis 12">
+              <a:extLst>
+                <a:ext uri="{FF2B5EF4-FFF2-40B4-BE49-F238E27FC236}">
+                  <a16:creationId xmlns:a16="http://schemas.microsoft.com/office/drawing/2014/main" id="{2154A425-491B-4B27-BB9A-F760A06E77A0}"/>
+                </a:ext>
+              </a:extLst>
+            </p:cNvPr>
+            <p:cNvSpPr/>
+            <p:nvPr/>
+          </p:nvSpPr>
+          <p:spPr>
+            <a:xfrm>
+              <a:off x="1090366" y="4064132"/>
+              <a:ext cx="10011265" cy="728932"/>
+            </a:xfrm>
+            <a:prstGeom prst="roundRect">
+              <a:avLst/>
+            </a:prstGeom>
+            <a:noFill/>
+            <a:ln w="28575">
+              <a:solidFill>
+                <a:srgbClr val="88CE62"/>
+              </a:solidFill>
+            </a:ln>
+          </p:spPr>
+          <p:style>
+            <a:lnRef idx="2">
+              <a:schemeClr val="accent1">
+                <a:shade val="50000"/>
+              </a:schemeClr>
+            </a:lnRef>
+            <a:fillRef idx="1">
+              <a:schemeClr val="accent1"/>
+            </a:fillRef>
+            <a:effectRef idx="0">
+              <a:schemeClr val="accent1"/>
+            </a:effectRef>
+            <a:fontRef idx="minor">
+              <a:schemeClr val="lt1"/>
+            </a:fontRef>
+          </p:style>
+          <p:txBody>
+            <a:bodyPr rtlCol="0" anchor="ctr"/>
+            <a:lstStyle/>
+            <a:p>
+              <a:pPr algn="ctr"/>
+              <a:endParaRPr lang="fr-FR" dirty="0"/>
+            </a:p>
+          </p:txBody>
+        </p:sp>
+      </p:grpSp>
     </p:spTree>
     <p:extLst>
       <p:ext uri="{BB962C8B-B14F-4D97-AF65-F5344CB8AC3E}">
-        <p14:creationId xmlns:p14="http://schemas.microsoft.com/office/powerpoint/2010/main" val="3408514451"/>
+        <p14:creationId xmlns:p14="http://schemas.microsoft.com/office/powerpoint/2010/main" val="782660705"/>
       </p:ext>
     </p:extLst>
   </p:cSld>
@@ -10946,7 +11210,7 @@
               <a:avLst/>
             </a:prstGeom>
             <a:solidFill>
-              <a:srgbClr val="88CE62"/>
+              <a:srgbClr val="FED449"/>
             </a:solidFill>
             <a:ln>
               <a:solidFill>
@@ -11147,7 +11411,7 @@
               <a:avLst/>
             </a:prstGeom>
             <a:solidFill>
-              <a:srgbClr val="FED449"/>
+              <a:srgbClr val="88CE62"/>
             </a:solidFill>
             <a:ln>
               <a:solidFill>
@@ -11274,12 +11538,48 @@
           </a:p>
         </p:txBody>
       </p:sp>
+      <p:pic>
+        <p:nvPicPr>
+          <p:cNvPr id="11" name="Image 10" descr="Une image contenant capture d’écran&#10;&#10;Description générée avec un niveau de confiance très élevé">
+            <a:extLst>
+              <a:ext uri="{FF2B5EF4-FFF2-40B4-BE49-F238E27FC236}">
+                <a16:creationId xmlns:a16="http://schemas.microsoft.com/office/drawing/2014/main" id="{8D647D52-39F2-472B-8AAE-8F87A55B6905}"/>
+              </a:ext>
+            </a:extLst>
+          </p:cNvPr>
+          <p:cNvPicPr>
+            <a:picLocks noChangeAspect="1"/>
+          </p:cNvPicPr>
+          <p:nvPr/>
+        </p:nvPicPr>
+        <p:blipFill>
+          <a:blip r:embed="rId4">
+            <a:extLst>
+              <a:ext uri="{28A0092B-C50C-407E-A947-70E740481C1C}">
+                <a14:useLocalDpi xmlns:a14="http://schemas.microsoft.com/office/drawing/2010/main" val="0"/>
+              </a:ext>
+            </a:extLst>
+          </a:blip>
+          <a:stretch>
+            <a:fillRect/>
+          </a:stretch>
+        </p:blipFill>
+        <p:spPr>
+          <a:xfrm>
+            <a:off x="1110242" y="2167446"/>
+            <a:ext cx="9991390" cy="4056039"/>
+          </a:xfrm>
+          <a:prstGeom prst="rect">
+            <a:avLst/>
+          </a:prstGeom>
+        </p:spPr>
+      </p:pic>
       <p:sp>
         <p:nvSpPr>
-          <p:cNvPr id="11" name="ZoneTexte 10">
+          <p:cNvPr id="12" name="ZoneTexte 11">
             <a:extLst>
               <a:ext uri="{FF2B5EF4-FFF2-40B4-BE49-F238E27FC236}">
-                <a16:creationId xmlns:a16="http://schemas.microsoft.com/office/drawing/2014/main" id="{4D68F34E-6148-422D-8C78-F40C2B9BADFF}"/>
+                <a16:creationId xmlns:a16="http://schemas.microsoft.com/office/drawing/2014/main" id="{51B5236D-E0D4-4B7D-8E1B-EC04E61D23BF}"/>
               </a:ext>
             </a:extLst>
           </p:cNvPr>
@@ -11289,7 +11589,7 @@
         <p:spPr>
           <a:xfrm>
             <a:off x="1090367" y="1674695"/>
-            <a:ext cx="10011266" cy="3539430"/>
+            <a:ext cx="10011266" cy="523220"/>
           </a:xfrm>
           <a:prstGeom prst="rect">
             <a:avLst/>
@@ -11306,68 +11606,71 @@
             <a:r>
               <a:rPr lang="fr-FR" sz="2800" b="1" dirty="0">
                 <a:latin typeface="Helvetica" panose="020B0604020202030204" pitchFamily="34" charset="0"/>
-                <a:cs typeface="Arial" panose="020B0604020202020204" pitchFamily="34" charset="0"/>
               </a:rPr>
-              <a:t>CE QUE NOUS AURIONS PU MIEUX FAIRE</a:t>
+              <a:t>Algorithme d’envoi de Mail</a:t>
             </a:r>
-          </a:p>
-          <a:p>
-            <a:pPr algn="ctr"/>
-            <a:endParaRPr lang="fr-FR" sz="2800" b="1" dirty="0">
-              <a:latin typeface="Helvetica" panose="020B0604020202030204" pitchFamily="34" charset="0"/>
-              <a:cs typeface="Arial" panose="020B0604020202020204" pitchFamily="34" charset="0"/>
-            </a:endParaRPr>
-          </a:p>
-          <a:p>
-            <a:r>
-              <a:rPr lang="fr-FR" sz="2400" dirty="0">
-                <a:latin typeface="Helvetica" panose="020B0604020202030204" pitchFamily="34" charset="0"/>
-              </a:rPr>
-              <a:t>Utiliser la méthode à Gilles (AGILE) dès le début</a:t>
-            </a:r>
-          </a:p>
-          <a:p>
-            <a:endParaRPr lang="fr-FR" sz="2400" dirty="0">
+            <a:endParaRPr lang="fr-FR" sz="2400" b="1" dirty="0">
               <a:latin typeface="Helvetica" panose="020B0604020202030204" pitchFamily="34" charset="0"/>
             </a:endParaRPr>
           </a:p>
-          <a:p>
-            <a:r>
-              <a:rPr lang="fr-FR" sz="2400" dirty="0">
-                <a:latin typeface="Helvetica" panose="020B0604020202030204" pitchFamily="34" charset="0"/>
-              </a:rPr>
-              <a:t>Uniformisation des codes</a:t>
-            </a:r>
-          </a:p>
-          <a:p>
-            <a:endParaRPr lang="fr-FR" sz="2400" dirty="0">
-              <a:latin typeface="Helvetica" panose="020B0604020202030204" pitchFamily="34" charset="0"/>
-            </a:endParaRPr>
-          </a:p>
-          <a:p>
-            <a:r>
-              <a:rPr lang="fr-FR" sz="2400" dirty="0">
-                <a:latin typeface="Helvetica" panose="020B0604020202030204" pitchFamily="34" charset="0"/>
-              </a:rPr>
-              <a:t>Optimisation des fichiers</a:t>
-            </a:r>
-          </a:p>
-          <a:p>
-            <a:endParaRPr lang="fr-FR" sz="2400" dirty="0">
-              <a:latin typeface="Helvetica" panose="020B0604020202030204" pitchFamily="34" charset="0"/>
-            </a:endParaRPr>
-          </a:p>
-          <a:p>
-            <a:endParaRPr lang="fr-FR" sz="2400" dirty="0">
-              <a:latin typeface="Helvetica" panose="020B0604020202030204" pitchFamily="34" charset="0"/>
-            </a:endParaRPr>
+        </p:txBody>
+      </p:sp>
+      <p:sp>
+        <p:nvSpPr>
+          <p:cNvPr id="13" name="Rectangle à coins arrondis 12">
+            <a:extLst>
+              <a:ext uri="{FF2B5EF4-FFF2-40B4-BE49-F238E27FC236}">
+                <a16:creationId xmlns:a16="http://schemas.microsoft.com/office/drawing/2014/main" id="{8190F3DA-0C00-472E-9290-2883B50DF727}"/>
+              </a:ext>
+            </a:extLst>
+          </p:cNvPr>
+          <p:cNvSpPr/>
+          <p:nvPr/>
+        </p:nvSpPr>
+        <p:spPr>
+          <a:xfrm>
+            <a:off x="1268691" y="3399197"/>
+            <a:ext cx="9339822" cy="1102465"/>
+          </a:xfrm>
+          <a:prstGeom prst="roundRect">
+            <a:avLst/>
+          </a:prstGeom>
+          <a:noFill/>
+          <a:ln w="28575">
+            <a:solidFill>
+              <a:srgbClr val="88CE62"/>
+            </a:solidFill>
+          </a:ln>
+        </p:spPr>
+        <p:style>
+          <a:lnRef idx="2">
+            <a:schemeClr val="accent1">
+              <a:shade val="50000"/>
+            </a:schemeClr>
+          </a:lnRef>
+          <a:fillRef idx="1">
+            <a:schemeClr val="accent1"/>
+          </a:fillRef>
+          <a:effectRef idx="0">
+            <a:schemeClr val="accent1"/>
+          </a:effectRef>
+          <a:fontRef idx="minor">
+            <a:schemeClr val="lt1"/>
+          </a:fontRef>
+        </p:style>
+        <p:txBody>
+          <a:bodyPr rtlCol="0" anchor="ctr"/>
+          <a:lstStyle/>
+          <a:p>
+            <a:pPr algn="ctr"/>
+            <a:endParaRPr lang="fr-FR" dirty="0"/>
           </a:p>
         </p:txBody>
       </p:sp>
     </p:spTree>
     <p:extLst>
       <p:ext uri="{BB962C8B-B14F-4D97-AF65-F5344CB8AC3E}">
-        <p14:creationId xmlns:p14="http://schemas.microsoft.com/office/powerpoint/2010/main" val="2557336589"/>
+        <p14:creationId xmlns:p14="http://schemas.microsoft.com/office/powerpoint/2010/main" val="1013972783"/>
       </p:ext>
     </p:extLst>
   </p:cSld>
@@ -11516,7 +11819,7 @@
               <a:avLst/>
             </a:prstGeom>
             <a:solidFill>
-              <a:srgbClr val="88CE62"/>
+              <a:srgbClr val="FED449"/>
             </a:solidFill>
             <a:ln>
               <a:solidFill>
@@ -11717,7 +12020,7 @@
               <a:avLst/>
             </a:prstGeom>
             <a:solidFill>
-              <a:srgbClr val="FED449"/>
+              <a:srgbClr val="88CE62"/>
             </a:solidFill>
             <a:ln>
               <a:solidFill>
@@ -11849,6 +12152,3451 @@
           <p:cNvPr id="11" name="ZoneTexte 10">
             <a:extLst>
               <a:ext uri="{FF2B5EF4-FFF2-40B4-BE49-F238E27FC236}">
+                <a16:creationId xmlns:a16="http://schemas.microsoft.com/office/drawing/2014/main" id="{41B50D4A-03BC-4073-AC83-96E7232B65E1}"/>
+              </a:ext>
+            </a:extLst>
+          </p:cNvPr>
+          <p:cNvSpPr txBox="1"/>
+          <p:nvPr/>
+        </p:nvSpPr>
+        <p:spPr>
+          <a:xfrm>
+            <a:off x="1090367" y="1674695"/>
+            <a:ext cx="10011266" cy="523220"/>
+          </a:xfrm>
+          <a:prstGeom prst="rect">
+            <a:avLst/>
+          </a:prstGeom>
+          <a:noFill/>
+        </p:spPr>
+        <p:txBody>
+          <a:bodyPr wrap="square" rtlCol="0">
+            <a:spAutoFit/>
+          </a:bodyPr>
+          <a:lstStyle/>
+          <a:p>
+            <a:pPr algn="ctr"/>
+            <a:r>
+              <a:rPr lang="fr-FR" sz="2800" b="1" dirty="0">
+                <a:latin typeface="Helvetica" panose="020B0604020202030204" pitchFamily="34" charset="0"/>
+              </a:rPr>
+              <a:t>Algorithme d’envoi de Mail</a:t>
+            </a:r>
+            <a:endParaRPr lang="fr-FR" sz="2400" b="1" dirty="0">
+              <a:latin typeface="Helvetica" panose="020B0604020202030204" pitchFamily="34" charset="0"/>
+            </a:endParaRPr>
+          </a:p>
+        </p:txBody>
+      </p:sp>
+      <p:pic>
+        <p:nvPicPr>
+          <p:cNvPr id="12" name="Image 11">
+            <a:extLst>
+              <a:ext uri="{FF2B5EF4-FFF2-40B4-BE49-F238E27FC236}">
+                <a16:creationId xmlns:a16="http://schemas.microsoft.com/office/drawing/2014/main" id="{DDBE1680-4894-485A-A399-1833EDF65913}"/>
+              </a:ext>
+            </a:extLst>
+          </p:cNvPr>
+          <p:cNvPicPr>
+            <a:picLocks noChangeAspect="1"/>
+          </p:cNvPicPr>
+          <p:nvPr/>
+        </p:nvPicPr>
+        <p:blipFill>
+          <a:blip r:embed="rId4">
+            <a:extLst>
+              <a:ext uri="{28A0092B-C50C-407E-A947-70E740481C1C}">
+                <a14:useLocalDpi xmlns:a14="http://schemas.microsoft.com/office/drawing/2010/main" val="0"/>
+              </a:ext>
+            </a:extLst>
+          </a:blip>
+          <a:stretch>
+            <a:fillRect/>
+          </a:stretch>
+        </p:blipFill>
+        <p:spPr>
+          <a:xfrm>
+            <a:off x="1090367" y="2173311"/>
+            <a:ext cx="10011266" cy="4056039"/>
+          </a:xfrm>
+          <a:prstGeom prst="rect">
+            <a:avLst/>
+          </a:prstGeom>
+        </p:spPr>
+      </p:pic>
+      <p:sp>
+        <p:nvSpPr>
+          <p:cNvPr id="13" name="Rectangle à coins arrondis 12">
+            <a:extLst>
+              <a:ext uri="{FF2B5EF4-FFF2-40B4-BE49-F238E27FC236}">
+                <a16:creationId xmlns:a16="http://schemas.microsoft.com/office/drawing/2014/main" id="{F909DEA3-17DD-4E16-B1F7-1A89D06B569F}"/>
+              </a:ext>
+            </a:extLst>
+          </p:cNvPr>
+          <p:cNvSpPr/>
+          <p:nvPr/>
+        </p:nvSpPr>
+        <p:spPr>
+          <a:xfrm>
+            <a:off x="1090366" y="4727323"/>
+            <a:ext cx="10011265" cy="1080624"/>
+          </a:xfrm>
+          <a:prstGeom prst="roundRect">
+            <a:avLst/>
+          </a:prstGeom>
+          <a:noFill/>
+          <a:ln w="28575">
+            <a:solidFill>
+              <a:srgbClr val="88CE62"/>
+            </a:solidFill>
+          </a:ln>
+        </p:spPr>
+        <p:style>
+          <a:lnRef idx="2">
+            <a:schemeClr val="accent1">
+              <a:shade val="50000"/>
+            </a:schemeClr>
+          </a:lnRef>
+          <a:fillRef idx="1">
+            <a:schemeClr val="accent1"/>
+          </a:fillRef>
+          <a:effectRef idx="0">
+            <a:schemeClr val="accent1"/>
+          </a:effectRef>
+          <a:fontRef idx="minor">
+            <a:schemeClr val="lt1"/>
+          </a:fontRef>
+        </p:style>
+        <p:txBody>
+          <a:bodyPr rtlCol="0" anchor="ctr"/>
+          <a:lstStyle/>
+          <a:p>
+            <a:pPr algn="ctr"/>
+            <a:endParaRPr lang="fr-FR" dirty="0"/>
+          </a:p>
+        </p:txBody>
+      </p:sp>
+    </p:spTree>
+    <p:extLst>
+      <p:ext uri="{BB962C8B-B14F-4D97-AF65-F5344CB8AC3E}">
+        <p14:creationId xmlns:p14="http://schemas.microsoft.com/office/powerpoint/2010/main" val="2522097329"/>
+      </p:ext>
+    </p:extLst>
+  </p:cSld>
+  <p:clrMapOvr>
+    <a:masterClrMapping/>
+  </p:clrMapOvr>
+</p:sld>
+</file>
+
+<file path=ppt/slides/slide23.xml><?xml version="1.0" encoding="utf-8"?>
+<p:sld xmlns:a="http://schemas.openxmlformats.org/drawingml/2006/main" xmlns:r="http://schemas.openxmlformats.org/officeDocument/2006/relationships" xmlns:p="http://schemas.openxmlformats.org/presentationml/2006/main">
+  <p:cSld>
+    <p:bg>
+      <p:bgPr>
+        <a:blipFill dpi="0" rotWithShape="1">
+          <a:blip r:embed="rId2">
+            <a:lum/>
+          </a:blip>
+          <a:srcRect/>
+          <a:stretch>
+            <a:fillRect/>
+          </a:stretch>
+        </a:blipFill>
+        <a:effectLst/>
+      </p:bgPr>
+    </p:bg>
+    <p:spTree>
+      <p:nvGrpSpPr>
+        <p:cNvPr id="1" name=""/>
+        <p:cNvGrpSpPr/>
+        <p:nvPr/>
+      </p:nvGrpSpPr>
+      <p:grpSpPr>
+        <a:xfrm>
+          <a:off x="0" y="0"/>
+          <a:ext cx="0" cy="0"/>
+          <a:chOff x="0" y="0"/>
+          <a:chExt cx="0" cy="0"/>
+        </a:xfrm>
+      </p:grpSpPr>
+      <p:grpSp>
+        <p:nvGrpSpPr>
+          <p:cNvPr id="7" name="Groupe 6">
+            <a:extLst>
+              <a:ext uri="{FF2B5EF4-FFF2-40B4-BE49-F238E27FC236}">
+                <a16:creationId xmlns:a16="http://schemas.microsoft.com/office/drawing/2014/main" id="{67E81936-583F-45AD-82CC-A5C937F4C87C}"/>
+              </a:ext>
+            </a:extLst>
+          </p:cNvPr>
+          <p:cNvGrpSpPr/>
+          <p:nvPr/>
+        </p:nvGrpSpPr>
+        <p:grpSpPr>
+          <a:xfrm>
+            <a:off x="327166" y="0"/>
+            <a:ext cx="11251304" cy="1342417"/>
+            <a:chOff x="327166" y="0"/>
+            <a:chExt cx="11251304" cy="1342417"/>
+          </a:xfrm>
+        </p:grpSpPr>
+        <p:sp>
+          <p:nvSpPr>
+            <p:cNvPr id="4" name="Flèche : chevron 3">
+              <a:extLst>
+                <a:ext uri="{FF2B5EF4-FFF2-40B4-BE49-F238E27FC236}">
+                  <a16:creationId xmlns:a16="http://schemas.microsoft.com/office/drawing/2014/main" id="{60D600DE-6FA0-4280-A81A-6DBE7691E92C}"/>
+                </a:ext>
+              </a:extLst>
+            </p:cNvPr>
+            <p:cNvSpPr/>
+            <p:nvPr/>
+          </p:nvSpPr>
+          <p:spPr>
+            <a:xfrm>
+              <a:off x="1268691" y="332278"/>
+              <a:ext cx="2309567" cy="688157"/>
+            </a:xfrm>
+            <a:prstGeom prst="chevron">
+              <a:avLst/>
+            </a:prstGeom>
+            <a:solidFill>
+              <a:srgbClr val="FED449"/>
+            </a:solidFill>
+            <a:ln>
+              <a:solidFill>
+                <a:schemeClr val="bg1"/>
+              </a:solidFill>
+            </a:ln>
+          </p:spPr>
+          <p:style>
+            <a:lnRef idx="2">
+              <a:schemeClr val="accent1">
+                <a:shade val="50000"/>
+              </a:schemeClr>
+            </a:lnRef>
+            <a:fillRef idx="1">
+              <a:schemeClr val="accent1"/>
+            </a:fillRef>
+            <a:effectRef idx="0">
+              <a:schemeClr val="accent1"/>
+            </a:effectRef>
+            <a:fontRef idx="minor">
+              <a:schemeClr val="lt1"/>
+            </a:fontRef>
+          </p:style>
+          <p:txBody>
+            <a:bodyPr rtlCol="0" anchor="ctr"/>
+            <a:lstStyle/>
+            <a:p>
+              <a:pPr algn="ctr"/>
+              <a:r>
+                <a:rPr lang="fr-FR" sz="1500" b="1" dirty="0">
+                  <a:solidFill>
+                    <a:schemeClr val="bg1"/>
+                  </a:solidFill>
+                  <a:effectLst>
+                    <a:outerShdw blurRad="38100" dist="76200" dir="2700000" algn="tl">
+                      <a:srgbClr val="000000"/>
+                    </a:outerShdw>
+                  </a:effectLst>
+                  <a:latin typeface="Helvetica" panose="020B0604020202030204" pitchFamily="34" charset="0"/>
+                </a:rPr>
+                <a:t>Etude du projet</a:t>
+              </a:r>
+            </a:p>
+          </p:txBody>
+        </p:sp>
+        <p:sp>
+          <p:nvSpPr>
+            <p:cNvPr id="16" name="Flèche : chevron 15">
+              <a:extLst>
+                <a:ext uri="{FF2B5EF4-FFF2-40B4-BE49-F238E27FC236}">
+                  <a16:creationId xmlns:a16="http://schemas.microsoft.com/office/drawing/2014/main" id="{F7655D32-22EC-4542-883E-4033865C1471}"/>
+                </a:ext>
+              </a:extLst>
+            </p:cNvPr>
+            <p:cNvSpPr/>
+            <p:nvPr/>
+          </p:nvSpPr>
+          <p:spPr>
+            <a:xfrm>
+              <a:off x="9268903" y="332277"/>
+              <a:ext cx="2309567" cy="688157"/>
+            </a:xfrm>
+            <a:prstGeom prst="chevron">
+              <a:avLst/>
+            </a:prstGeom>
+            <a:solidFill>
+              <a:srgbClr val="FED449"/>
+            </a:solidFill>
+            <a:ln>
+              <a:solidFill>
+                <a:schemeClr val="bg1"/>
+              </a:solidFill>
+            </a:ln>
+          </p:spPr>
+          <p:style>
+            <a:lnRef idx="2">
+              <a:schemeClr val="accent1">
+                <a:shade val="50000"/>
+              </a:schemeClr>
+            </a:lnRef>
+            <a:fillRef idx="1">
+              <a:schemeClr val="accent1"/>
+            </a:fillRef>
+            <a:effectRef idx="0">
+              <a:schemeClr val="accent1"/>
+            </a:effectRef>
+            <a:fontRef idx="minor">
+              <a:schemeClr val="lt1"/>
+            </a:fontRef>
+          </p:style>
+          <p:txBody>
+            <a:bodyPr rtlCol="0" anchor="ctr"/>
+            <a:lstStyle/>
+            <a:p>
+              <a:pPr algn="ctr"/>
+              <a:r>
+                <a:rPr lang="fr-FR" sz="1600" b="1" dirty="0">
+                  <a:solidFill>
+                    <a:schemeClr val="bg1"/>
+                  </a:solidFill>
+                  <a:effectLst>
+                    <a:outerShdw blurRad="38100" dist="76200" dir="2700000" algn="tl">
+                      <a:srgbClr val="000000"/>
+                    </a:outerShdw>
+                  </a:effectLst>
+                  <a:latin typeface="Helvetica" panose="020B0604020202030204" pitchFamily="34" charset="0"/>
+                </a:rPr>
+                <a:t>Conclusion</a:t>
+              </a:r>
+            </a:p>
+          </p:txBody>
+        </p:sp>
+        <p:sp>
+          <p:nvSpPr>
+            <p:cNvPr id="17" name="Flèche : chevron 16">
+              <a:extLst>
+                <a:ext uri="{FF2B5EF4-FFF2-40B4-BE49-F238E27FC236}">
+                  <a16:creationId xmlns:a16="http://schemas.microsoft.com/office/drawing/2014/main" id="{30C36617-CB5C-40F8-B05D-7053886FD5EF}"/>
+                </a:ext>
+              </a:extLst>
+            </p:cNvPr>
+            <p:cNvSpPr/>
+            <p:nvPr/>
+          </p:nvSpPr>
+          <p:spPr>
+            <a:xfrm>
+              <a:off x="3268744" y="332277"/>
+              <a:ext cx="2309567" cy="688157"/>
+            </a:xfrm>
+            <a:prstGeom prst="chevron">
+              <a:avLst/>
+            </a:prstGeom>
+            <a:solidFill>
+              <a:srgbClr val="FED449"/>
+            </a:solidFill>
+            <a:ln>
+              <a:solidFill>
+                <a:schemeClr val="bg1"/>
+              </a:solidFill>
+            </a:ln>
+          </p:spPr>
+          <p:style>
+            <a:lnRef idx="2">
+              <a:schemeClr val="accent1">
+                <a:shade val="50000"/>
+              </a:schemeClr>
+            </a:lnRef>
+            <a:fillRef idx="1">
+              <a:schemeClr val="accent1"/>
+            </a:fillRef>
+            <a:effectRef idx="0">
+              <a:schemeClr val="accent1"/>
+            </a:effectRef>
+            <a:fontRef idx="minor">
+              <a:schemeClr val="lt1"/>
+            </a:fontRef>
+          </p:style>
+          <p:txBody>
+            <a:bodyPr rtlCol="0" anchor="ctr"/>
+            <a:lstStyle/>
+            <a:p>
+              <a:pPr algn="ctr"/>
+              <a:r>
+                <a:rPr lang="fr-FR" sz="1500" b="1" dirty="0">
+                  <a:solidFill>
+                    <a:schemeClr val="bg1"/>
+                  </a:solidFill>
+                  <a:effectLst>
+                    <a:outerShdw blurRad="38100" dist="76200" dir="2700000" algn="tl">
+                      <a:srgbClr val="000000"/>
+                    </a:outerShdw>
+                  </a:effectLst>
+                  <a:latin typeface="Helvetica" panose="020B0604020202030204" pitchFamily="34" charset="0"/>
+                </a:rPr>
+                <a:t>Organisation</a:t>
+              </a:r>
+            </a:p>
+          </p:txBody>
+        </p:sp>
+        <p:sp>
+          <p:nvSpPr>
+            <p:cNvPr id="18" name="Flèche : chevron 17">
+              <a:extLst>
+                <a:ext uri="{FF2B5EF4-FFF2-40B4-BE49-F238E27FC236}">
+                  <a16:creationId xmlns:a16="http://schemas.microsoft.com/office/drawing/2014/main" id="{A33478E5-51C7-4324-9E5C-0845E032CF0C}"/>
+                </a:ext>
+              </a:extLst>
+            </p:cNvPr>
+            <p:cNvSpPr/>
+            <p:nvPr/>
+          </p:nvSpPr>
+          <p:spPr>
+            <a:xfrm>
+              <a:off x="5268797" y="332704"/>
+              <a:ext cx="2309567" cy="688157"/>
+            </a:xfrm>
+            <a:prstGeom prst="chevron">
+              <a:avLst/>
+            </a:prstGeom>
+            <a:solidFill>
+              <a:srgbClr val="FED449"/>
+            </a:solidFill>
+            <a:ln>
+              <a:solidFill>
+                <a:schemeClr val="bg1"/>
+              </a:solidFill>
+            </a:ln>
+          </p:spPr>
+          <p:style>
+            <a:lnRef idx="2">
+              <a:schemeClr val="accent1">
+                <a:shade val="50000"/>
+              </a:schemeClr>
+            </a:lnRef>
+            <a:fillRef idx="1">
+              <a:schemeClr val="accent1"/>
+            </a:fillRef>
+            <a:effectRef idx="0">
+              <a:schemeClr val="accent1"/>
+            </a:effectRef>
+            <a:fontRef idx="minor">
+              <a:schemeClr val="lt1"/>
+            </a:fontRef>
+          </p:style>
+          <p:txBody>
+            <a:bodyPr rtlCol="0" anchor="ctr"/>
+            <a:lstStyle/>
+            <a:p>
+              <a:pPr algn="ctr"/>
+              <a:r>
+                <a:rPr lang="fr-FR" sz="1500" b="1" dirty="0">
+                  <a:solidFill>
+                    <a:schemeClr val="bg1"/>
+                  </a:solidFill>
+                  <a:effectLst>
+                    <a:outerShdw blurRad="38100" dist="76200" dir="2700000" algn="tl">
+                      <a:srgbClr val="000000"/>
+                    </a:outerShdw>
+                  </a:effectLst>
+                  <a:latin typeface="Helvetica" panose="020B0604020202030204" pitchFamily="34" charset="0"/>
+                </a:rPr>
+                <a:t>Développement</a:t>
+              </a:r>
+            </a:p>
+          </p:txBody>
+        </p:sp>
+        <p:sp>
+          <p:nvSpPr>
+            <p:cNvPr id="19" name="Flèche : chevron 18">
+              <a:extLst>
+                <a:ext uri="{FF2B5EF4-FFF2-40B4-BE49-F238E27FC236}">
+                  <a16:creationId xmlns:a16="http://schemas.microsoft.com/office/drawing/2014/main" id="{8795E004-010B-4219-8B10-37FA6D3A7781}"/>
+                </a:ext>
+              </a:extLst>
+            </p:cNvPr>
+            <p:cNvSpPr/>
+            <p:nvPr/>
+          </p:nvSpPr>
+          <p:spPr>
+            <a:xfrm>
+              <a:off x="7268850" y="332703"/>
+              <a:ext cx="2309567" cy="688157"/>
+            </a:xfrm>
+            <a:prstGeom prst="chevron">
+              <a:avLst/>
+            </a:prstGeom>
+            <a:solidFill>
+              <a:srgbClr val="88CE62"/>
+            </a:solidFill>
+            <a:ln>
+              <a:solidFill>
+                <a:schemeClr val="bg1"/>
+              </a:solidFill>
+            </a:ln>
+          </p:spPr>
+          <p:style>
+            <a:lnRef idx="2">
+              <a:schemeClr val="accent1">
+                <a:shade val="50000"/>
+              </a:schemeClr>
+            </a:lnRef>
+            <a:fillRef idx="1">
+              <a:schemeClr val="accent1"/>
+            </a:fillRef>
+            <a:effectRef idx="0">
+              <a:schemeClr val="accent1"/>
+            </a:effectRef>
+            <a:fontRef idx="minor">
+              <a:schemeClr val="lt1"/>
+            </a:fontRef>
+          </p:style>
+          <p:txBody>
+            <a:bodyPr rtlCol="0" anchor="ctr"/>
+            <a:lstStyle/>
+            <a:p>
+              <a:pPr algn="ctr"/>
+              <a:r>
+                <a:rPr lang="fr-FR" sz="1500" b="1" dirty="0">
+                  <a:solidFill>
+                    <a:schemeClr val="bg1"/>
+                  </a:solidFill>
+                  <a:effectLst>
+                    <a:outerShdw blurRad="38100" dist="76200" dir="2700000" algn="tl">
+                      <a:srgbClr val="000000"/>
+                    </a:outerShdw>
+                  </a:effectLst>
+                  <a:latin typeface="Helvetica" panose="020B0604020202030204" pitchFamily="34" charset="0"/>
+                </a:rPr>
+                <a:t>Démonstration</a:t>
+              </a:r>
+              <a:endParaRPr lang="fr-FR" sz="1500" dirty="0">
+                <a:solidFill>
+                  <a:schemeClr val="tx1"/>
+                </a:solidFill>
+              </a:endParaRPr>
+            </a:p>
+          </p:txBody>
+        </p:sp>
+        <p:pic>
+          <p:nvPicPr>
+            <p:cNvPr id="6" name="Image 5">
+              <a:extLst>
+                <a:ext uri="{FF2B5EF4-FFF2-40B4-BE49-F238E27FC236}">
+                  <a16:creationId xmlns:a16="http://schemas.microsoft.com/office/drawing/2014/main" id="{2D0A881D-5AC2-4766-BD4C-5405D55C11A5}"/>
+                </a:ext>
+              </a:extLst>
+            </p:cNvPr>
+            <p:cNvPicPr>
+              <a:picLocks noChangeAspect="1"/>
+            </p:cNvPicPr>
+            <p:nvPr/>
+          </p:nvPicPr>
+          <p:blipFill>
+            <a:blip r:embed="rId3">
+              <a:extLst>
+                <a:ext uri="{28A0092B-C50C-407E-A947-70E740481C1C}">
+                  <a14:useLocalDpi xmlns:a14="http://schemas.microsoft.com/office/drawing/2010/main" val="0"/>
+                </a:ext>
+              </a:extLst>
+            </a:blip>
+            <a:stretch>
+              <a:fillRect/>
+            </a:stretch>
+          </p:blipFill>
+          <p:spPr>
+            <a:xfrm>
+              <a:off x="327166" y="0"/>
+              <a:ext cx="1566153" cy="1342417"/>
+            </a:xfrm>
+            <a:prstGeom prst="rect">
+              <a:avLst/>
+            </a:prstGeom>
+          </p:spPr>
+        </p:pic>
+      </p:grpSp>
+      <p:sp>
+        <p:nvSpPr>
+          <p:cNvPr id="10" name="ZoneTexte 9">
+            <a:extLst>
+              <a:ext uri="{FF2B5EF4-FFF2-40B4-BE49-F238E27FC236}">
+                <a16:creationId xmlns:a16="http://schemas.microsoft.com/office/drawing/2014/main" id="{CE36D8FB-1CD3-4D19-A954-A2CE97724692}"/>
+              </a:ext>
+            </a:extLst>
+          </p:cNvPr>
+          <p:cNvSpPr txBox="1"/>
+          <p:nvPr/>
+        </p:nvSpPr>
+        <p:spPr>
+          <a:xfrm>
+            <a:off x="336894" y="1225685"/>
+            <a:ext cx="11472482" cy="5369668"/>
+          </a:xfrm>
+          <a:prstGeom prst="rect">
+            <a:avLst/>
+          </a:prstGeom>
+          <a:solidFill>
+            <a:srgbClr val="FED449">
+              <a:alpha val="50000"/>
+            </a:srgbClr>
+          </a:solidFill>
+          <a:effectLst>
+            <a:softEdge rad="152400"/>
+          </a:effectLst>
+        </p:spPr>
+        <p:txBody>
+          <a:bodyPr wrap="square" rtlCol="0">
+            <a:spAutoFit/>
+          </a:bodyPr>
+          <a:lstStyle/>
+          <a:p>
+            <a:endParaRPr lang="fr-FR" dirty="0"/>
+          </a:p>
+        </p:txBody>
+      </p:sp>
+      <p:pic>
+        <p:nvPicPr>
+          <p:cNvPr id="11" name="Image 10" descr="Une image contenant capture d’écran&#10;&#10;Description générée avec un niveau de confiance très élevé">
+            <a:extLst>
+              <a:ext uri="{FF2B5EF4-FFF2-40B4-BE49-F238E27FC236}">
+                <a16:creationId xmlns:a16="http://schemas.microsoft.com/office/drawing/2014/main" id="{62DCF364-6E79-4D21-95CB-0A609DA17D19}"/>
+              </a:ext>
+            </a:extLst>
+          </p:cNvPr>
+          <p:cNvPicPr>
+            <a:picLocks noChangeAspect="1"/>
+          </p:cNvPicPr>
+          <p:nvPr/>
+        </p:nvPicPr>
+        <p:blipFill>
+          <a:blip r:embed="rId4">
+            <a:extLst>
+              <a:ext uri="{28A0092B-C50C-407E-A947-70E740481C1C}">
+                <a14:useLocalDpi xmlns:a14="http://schemas.microsoft.com/office/drawing/2010/main" val="0"/>
+              </a:ext>
+            </a:extLst>
+          </a:blip>
+          <a:stretch>
+            <a:fillRect/>
+          </a:stretch>
+        </p:blipFill>
+        <p:spPr>
+          <a:xfrm>
+            <a:off x="1110242" y="2167446"/>
+            <a:ext cx="9991390" cy="4056039"/>
+          </a:xfrm>
+          <a:prstGeom prst="rect">
+            <a:avLst/>
+          </a:prstGeom>
+        </p:spPr>
+      </p:pic>
+      <p:sp>
+        <p:nvSpPr>
+          <p:cNvPr id="12" name="ZoneTexte 11">
+            <a:extLst>
+              <a:ext uri="{FF2B5EF4-FFF2-40B4-BE49-F238E27FC236}">
+                <a16:creationId xmlns:a16="http://schemas.microsoft.com/office/drawing/2014/main" id="{E3522CE2-7834-4683-964F-1D11752717AB}"/>
+              </a:ext>
+            </a:extLst>
+          </p:cNvPr>
+          <p:cNvSpPr txBox="1"/>
+          <p:nvPr/>
+        </p:nvSpPr>
+        <p:spPr>
+          <a:xfrm>
+            <a:off x="1090367" y="1674695"/>
+            <a:ext cx="10011266" cy="523220"/>
+          </a:xfrm>
+          <a:prstGeom prst="rect">
+            <a:avLst/>
+          </a:prstGeom>
+          <a:noFill/>
+        </p:spPr>
+        <p:txBody>
+          <a:bodyPr wrap="square" rtlCol="0">
+            <a:spAutoFit/>
+          </a:bodyPr>
+          <a:lstStyle/>
+          <a:p>
+            <a:pPr algn="ctr"/>
+            <a:r>
+              <a:rPr lang="fr-FR" sz="2800" b="1" dirty="0">
+                <a:latin typeface="Helvetica" panose="020B0604020202030204" pitchFamily="34" charset="0"/>
+              </a:rPr>
+              <a:t>Algorithme d’envoi de Mail</a:t>
+            </a:r>
+            <a:endParaRPr lang="fr-FR" sz="2400" b="1" dirty="0">
+              <a:latin typeface="Helvetica" panose="020B0604020202030204" pitchFamily="34" charset="0"/>
+            </a:endParaRPr>
+          </a:p>
+        </p:txBody>
+      </p:sp>
+      <p:sp>
+        <p:nvSpPr>
+          <p:cNvPr id="13" name="Rectangle à coins arrondis 12">
+            <a:extLst>
+              <a:ext uri="{FF2B5EF4-FFF2-40B4-BE49-F238E27FC236}">
+                <a16:creationId xmlns:a16="http://schemas.microsoft.com/office/drawing/2014/main" id="{E2D6AD9A-B9CC-4474-AB91-E34F445E9E18}"/>
+              </a:ext>
+            </a:extLst>
+          </p:cNvPr>
+          <p:cNvSpPr/>
+          <p:nvPr/>
+        </p:nvSpPr>
+        <p:spPr>
+          <a:xfrm>
+            <a:off x="1268691" y="5004079"/>
+            <a:ext cx="9339822" cy="1205791"/>
+          </a:xfrm>
+          <a:prstGeom prst="roundRect">
+            <a:avLst/>
+          </a:prstGeom>
+          <a:noFill/>
+          <a:ln w="28575">
+            <a:solidFill>
+              <a:srgbClr val="88CE62"/>
+            </a:solidFill>
+          </a:ln>
+        </p:spPr>
+        <p:style>
+          <a:lnRef idx="2">
+            <a:schemeClr val="accent1">
+              <a:shade val="50000"/>
+            </a:schemeClr>
+          </a:lnRef>
+          <a:fillRef idx="1">
+            <a:schemeClr val="accent1"/>
+          </a:fillRef>
+          <a:effectRef idx="0">
+            <a:schemeClr val="accent1"/>
+          </a:effectRef>
+          <a:fontRef idx="minor">
+            <a:schemeClr val="lt1"/>
+          </a:fontRef>
+        </p:style>
+        <p:txBody>
+          <a:bodyPr rtlCol="0" anchor="ctr"/>
+          <a:lstStyle/>
+          <a:p>
+            <a:pPr algn="ctr"/>
+            <a:endParaRPr lang="fr-FR" dirty="0"/>
+          </a:p>
+        </p:txBody>
+      </p:sp>
+    </p:spTree>
+    <p:extLst>
+      <p:ext uri="{BB962C8B-B14F-4D97-AF65-F5344CB8AC3E}">
+        <p14:creationId xmlns:p14="http://schemas.microsoft.com/office/powerpoint/2010/main" val="1243723769"/>
+      </p:ext>
+    </p:extLst>
+  </p:cSld>
+  <p:clrMapOvr>
+    <a:masterClrMapping/>
+  </p:clrMapOvr>
+</p:sld>
+</file>
+
+<file path=ppt/slides/slide24.xml><?xml version="1.0" encoding="utf-8"?>
+<p:sld xmlns:a="http://schemas.openxmlformats.org/drawingml/2006/main" xmlns:r="http://schemas.openxmlformats.org/officeDocument/2006/relationships" xmlns:p="http://schemas.openxmlformats.org/presentationml/2006/main">
+  <p:cSld>
+    <p:bg>
+      <p:bgPr>
+        <a:blipFill dpi="0" rotWithShape="1">
+          <a:blip r:embed="rId2">
+            <a:lum/>
+          </a:blip>
+          <a:srcRect/>
+          <a:stretch>
+            <a:fillRect/>
+          </a:stretch>
+        </a:blipFill>
+        <a:effectLst/>
+      </p:bgPr>
+    </p:bg>
+    <p:spTree>
+      <p:nvGrpSpPr>
+        <p:cNvPr id="1" name=""/>
+        <p:cNvGrpSpPr/>
+        <p:nvPr/>
+      </p:nvGrpSpPr>
+      <p:grpSpPr>
+        <a:xfrm>
+          <a:off x="0" y="0"/>
+          <a:ext cx="0" cy="0"/>
+          <a:chOff x="0" y="0"/>
+          <a:chExt cx="0" cy="0"/>
+        </a:xfrm>
+      </p:grpSpPr>
+      <p:grpSp>
+        <p:nvGrpSpPr>
+          <p:cNvPr id="7" name="Groupe 6">
+            <a:extLst>
+              <a:ext uri="{FF2B5EF4-FFF2-40B4-BE49-F238E27FC236}">
+                <a16:creationId xmlns:a16="http://schemas.microsoft.com/office/drawing/2014/main" id="{67E81936-583F-45AD-82CC-A5C937F4C87C}"/>
+              </a:ext>
+            </a:extLst>
+          </p:cNvPr>
+          <p:cNvGrpSpPr/>
+          <p:nvPr/>
+        </p:nvGrpSpPr>
+        <p:grpSpPr>
+          <a:xfrm>
+            <a:off x="327166" y="0"/>
+            <a:ext cx="11251304" cy="1342417"/>
+            <a:chOff x="327166" y="0"/>
+            <a:chExt cx="11251304" cy="1342417"/>
+          </a:xfrm>
+        </p:grpSpPr>
+        <p:sp>
+          <p:nvSpPr>
+            <p:cNvPr id="4" name="Flèche : chevron 3">
+              <a:extLst>
+                <a:ext uri="{FF2B5EF4-FFF2-40B4-BE49-F238E27FC236}">
+                  <a16:creationId xmlns:a16="http://schemas.microsoft.com/office/drawing/2014/main" id="{60D600DE-6FA0-4280-A81A-6DBE7691E92C}"/>
+                </a:ext>
+              </a:extLst>
+            </p:cNvPr>
+            <p:cNvSpPr/>
+            <p:nvPr/>
+          </p:nvSpPr>
+          <p:spPr>
+            <a:xfrm>
+              <a:off x="1268691" y="332278"/>
+              <a:ext cx="2309567" cy="688157"/>
+            </a:xfrm>
+            <a:prstGeom prst="chevron">
+              <a:avLst/>
+            </a:prstGeom>
+            <a:solidFill>
+              <a:srgbClr val="FED449"/>
+            </a:solidFill>
+            <a:ln>
+              <a:solidFill>
+                <a:schemeClr val="bg1"/>
+              </a:solidFill>
+            </a:ln>
+          </p:spPr>
+          <p:style>
+            <a:lnRef idx="2">
+              <a:schemeClr val="accent1">
+                <a:shade val="50000"/>
+              </a:schemeClr>
+            </a:lnRef>
+            <a:fillRef idx="1">
+              <a:schemeClr val="accent1"/>
+            </a:fillRef>
+            <a:effectRef idx="0">
+              <a:schemeClr val="accent1"/>
+            </a:effectRef>
+            <a:fontRef idx="minor">
+              <a:schemeClr val="lt1"/>
+            </a:fontRef>
+          </p:style>
+          <p:txBody>
+            <a:bodyPr rtlCol="0" anchor="ctr"/>
+            <a:lstStyle/>
+            <a:p>
+              <a:pPr algn="ctr"/>
+              <a:r>
+                <a:rPr lang="fr-FR" sz="1500" b="1" dirty="0">
+                  <a:solidFill>
+                    <a:schemeClr val="bg1"/>
+                  </a:solidFill>
+                  <a:effectLst>
+                    <a:outerShdw blurRad="38100" dist="76200" dir="2700000" algn="tl">
+                      <a:srgbClr val="000000"/>
+                    </a:outerShdw>
+                  </a:effectLst>
+                  <a:latin typeface="Helvetica" panose="020B0604020202030204" pitchFamily="34" charset="0"/>
+                </a:rPr>
+                <a:t>Etude du projet</a:t>
+              </a:r>
+            </a:p>
+          </p:txBody>
+        </p:sp>
+        <p:sp>
+          <p:nvSpPr>
+            <p:cNvPr id="16" name="Flèche : chevron 15">
+              <a:extLst>
+                <a:ext uri="{FF2B5EF4-FFF2-40B4-BE49-F238E27FC236}">
+                  <a16:creationId xmlns:a16="http://schemas.microsoft.com/office/drawing/2014/main" id="{F7655D32-22EC-4542-883E-4033865C1471}"/>
+                </a:ext>
+              </a:extLst>
+            </p:cNvPr>
+            <p:cNvSpPr/>
+            <p:nvPr/>
+          </p:nvSpPr>
+          <p:spPr>
+            <a:xfrm>
+              <a:off x="9268903" y="332277"/>
+              <a:ext cx="2309567" cy="688157"/>
+            </a:xfrm>
+            <a:prstGeom prst="chevron">
+              <a:avLst/>
+            </a:prstGeom>
+            <a:solidFill>
+              <a:srgbClr val="FED449"/>
+            </a:solidFill>
+            <a:ln>
+              <a:solidFill>
+                <a:schemeClr val="bg1"/>
+              </a:solidFill>
+            </a:ln>
+          </p:spPr>
+          <p:style>
+            <a:lnRef idx="2">
+              <a:schemeClr val="accent1">
+                <a:shade val="50000"/>
+              </a:schemeClr>
+            </a:lnRef>
+            <a:fillRef idx="1">
+              <a:schemeClr val="accent1"/>
+            </a:fillRef>
+            <a:effectRef idx="0">
+              <a:schemeClr val="accent1"/>
+            </a:effectRef>
+            <a:fontRef idx="minor">
+              <a:schemeClr val="lt1"/>
+            </a:fontRef>
+          </p:style>
+          <p:txBody>
+            <a:bodyPr rtlCol="0" anchor="ctr"/>
+            <a:lstStyle/>
+            <a:p>
+              <a:pPr algn="ctr"/>
+              <a:r>
+                <a:rPr lang="fr-FR" sz="1600" b="1" dirty="0">
+                  <a:solidFill>
+                    <a:schemeClr val="bg1"/>
+                  </a:solidFill>
+                  <a:effectLst>
+                    <a:outerShdw blurRad="38100" dist="76200" dir="2700000" algn="tl">
+                      <a:srgbClr val="000000"/>
+                    </a:outerShdw>
+                  </a:effectLst>
+                  <a:latin typeface="Helvetica" panose="020B0604020202030204" pitchFamily="34" charset="0"/>
+                </a:rPr>
+                <a:t>Conclusion</a:t>
+              </a:r>
+            </a:p>
+          </p:txBody>
+        </p:sp>
+        <p:sp>
+          <p:nvSpPr>
+            <p:cNvPr id="17" name="Flèche : chevron 16">
+              <a:extLst>
+                <a:ext uri="{FF2B5EF4-FFF2-40B4-BE49-F238E27FC236}">
+                  <a16:creationId xmlns:a16="http://schemas.microsoft.com/office/drawing/2014/main" id="{30C36617-CB5C-40F8-B05D-7053886FD5EF}"/>
+                </a:ext>
+              </a:extLst>
+            </p:cNvPr>
+            <p:cNvSpPr/>
+            <p:nvPr/>
+          </p:nvSpPr>
+          <p:spPr>
+            <a:xfrm>
+              <a:off x="3268744" y="332277"/>
+              <a:ext cx="2309567" cy="688157"/>
+            </a:xfrm>
+            <a:prstGeom prst="chevron">
+              <a:avLst/>
+            </a:prstGeom>
+            <a:solidFill>
+              <a:srgbClr val="FED449"/>
+            </a:solidFill>
+            <a:ln>
+              <a:solidFill>
+                <a:schemeClr val="bg1"/>
+              </a:solidFill>
+            </a:ln>
+          </p:spPr>
+          <p:style>
+            <a:lnRef idx="2">
+              <a:schemeClr val="accent1">
+                <a:shade val="50000"/>
+              </a:schemeClr>
+            </a:lnRef>
+            <a:fillRef idx="1">
+              <a:schemeClr val="accent1"/>
+            </a:fillRef>
+            <a:effectRef idx="0">
+              <a:schemeClr val="accent1"/>
+            </a:effectRef>
+            <a:fontRef idx="minor">
+              <a:schemeClr val="lt1"/>
+            </a:fontRef>
+          </p:style>
+          <p:txBody>
+            <a:bodyPr rtlCol="0" anchor="ctr"/>
+            <a:lstStyle/>
+            <a:p>
+              <a:pPr algn="ctr"/>
+              <a:r>
+                <a:rPr lang="fr-FR" sz="1500" b="1" dirty="0">
+                  <a:solidFill>
+                    <a:schemeClr val="bg1"/>
+                  </a:solidFill>
+                  <a:effectLst>
+                    <a:outerShdw blurRad="38100" dist="76200" dir="2700000" algn="tl">
+                      <a:srgbClr val="000000"/>
+                    </a:outerShdw>
+                  </a:effectLst>
+                  <a:latin typeface="Helvetica" panose="020B0604020202030204" pitchFamily="34" charset="0"/>
+                </a:rPr>
+                <a:t>Organisation</a:t>
+              </a:r>
+            </a:p>
+          </p:txBody>
+        </p:sp>
+        <p:sp>
+          <p:nvSpPr>
+            <p:cNvPr id="18" name="Flèche : chevron 17">
+              <a:extLst>
+                <a:ext uri="{FF2B5EF4-FFF2-40B4-BE49-F238E27FC236}">
+                  <a16:creationId xmlns:a16="http://schemas.microsoft.com/office/drawing/2014/main" id="{A33478E5-51C7-4324-9E5C-0845E032CF0C}"/>
+                </a:ext>
+              </a:extLst>
+            </p:cNvPr>
+            <p:cNvSpPr/>
+            <p:nvPr/>
+          </p:nvSpPr>
+          <p:spPr>
+            <a:xfrm>
+              <a:off x="5268797" y="332704"/>
+              <a:ext cx="2309567" cy="688157"/>
+            </a:xfrm>
+            <a:prstGeom prst="chevron">
+              <a:avLst/>
+            </a:prstGeom>
+            <a:solidFill>
+              <a:srgbClr val="FED449"/>
+            </a:solidFill>
+            <a:ln>
+              <a:solidFill>
+                <a:schemeClr val="bg1"/>
+              </a:solidFill>
+            </a:ln>
+          </p:spPr>
+          <p:style>
+            <a:lnRef idx="2">
+              <a:schemeClr val="accent1">
+                <a:shade val="50000"/>
+              </a:schemeClr>
+            </a:lnRef>
+            <a:fillRef idx="1">
+              <a:schemeClr val="accent1"/>
+            </a:fillRef>
+            <a:effectRef idx="0">
+              <a:schemeClr val="accent1"/>
+            </a:effectRef>
+            <a:fontRef idx="minor">
+              <a:schemeClr val="lt1"/>
+            </a:fontRef>
+          </p:style>
+          <p:txBody>
+            <a:bodyPr rtlCol="0" anchor="ctr"/>
+            <a:lstStyle/>
+            <a:p>
+              <a:pPr algn="ctr"/>
+              <a:r>
+                <a:rPr lang="fr-FR" sz="1500" b="1" dirty="0">
+                  <a:solidFill>
+                    <a:schemeClr val="bg1"/>
+                  </a:solidFill>
+                  <a:effectLst>
+                    <a:outerShdw blurRad="38100" dist="76200" dir="2700000" algn="tl">
+                      <a:srgbClr val="000000"/>
+                    </a:outerShdw>
+                  </a:effectLst>
+                  <a:latin typeface="Helvetica" panose="020B0604020202030204" pitchFamily="34" charset="0"/>
+                </a:rPr>
+                <a:t>Développement</a:t>
+              </a:r>
+            </a:p>
+          </p:txBody>
+        </p:sp>
+        <p:sp>
+          <p:nvSpPr>
+            <p:cNvPr id="19" name="Flèche : chevron 18">
+              <a:extLst>
+                <a:ext uri="{FF2B5EF4-FFF2-40B4-BE49-F238E27FC236}">
+                  <a16:creationId xmlns:a16="http://schemas.microsoft.com/office/drawing/2014/main" id="{8795E004-010B-4219-8B10-37FA6D3A7781}"/>
+                </a:ext>
+              </a:extLst>
+            </p:cNvPr>
+            <p:cNvSpPr/>
+            <p:nvPr/>
+          </p:nvSpPr>
+          <p:spPr>
+            <a:xfrm>
+              <a:off x="7268850" y="332703"/>
+              <a:ext cx="2309567" cy="688157"/>
+            </a:xfrm>
+            <a:prstGeom prst="chevron">
+              <a:avLst/>
+            </a:prstGeom>
+            <a:solidFill>
+              <a:srgbClr val="88CE62"/>
+            </a:solidFill>
+            <a:ln>
+              <a:solidFill>
+                <a:schemeClr val="bg1"/>
+              </a:solidFill>
+            </a:ln>
+          </p:spPr>
+          <p:style>
+            <a:lnRef idx="2">
+              <a:schemeClr val="accent1">
+                <a:shade val="50000"/>
+              </a:schemeClr>
+            </a:lnRef>
+            <a:fillRef idx="1">
+              <a:schemeClr val="accent1"/>
+            </a:fillRef>
+            <a:effectRef idx="0">
+              <a:schemeClr val="accent1"/>
+            </a:effectRef>
+            <a:fontRef idx="minor">
+              <a:schemeClr val="lt1"/>
+            </a:fontRef>
+          </p:style>
+          <p:txBody>
+            <a:bodyPr rtlCol="0" anchor="ctr"/>
+            <a:lstStyle/>
+            <a:p>
+              <a:pPr algn="ctr"/>
+              <a:r>
+                <a:rPr lang="fr-FR" sz="1500" b="1" dirty="0">
+                  <a:solidFill>
+                    <a:schemeClr val="bg1"/>
+                  </a:solidFill>
+                  <a:effectLst>
+                    <a:outerShdw blurRad="38100" dist="76200" dir="2700000" algn="tl">
+                      <a:srgbClr val="000000"/>
+                    </a:outerShdw>
+                  </a:effectLst>
+                  <a:latin typeface="Helvetica" panose="020B0604020202030204" pitchFamily="34" charset="0"/>
+                </a:rPr>
+                <a:t>Démonstration</a:t>
+              </a:r>
+              <a:endParaRPr lang="fr-FR" sz="1500" dirty="0">
+                <a:solidFill>
+                  <a:schemeClr val="tx1"/>
+                </a:solidFill>
+              </a:endParaRPr>
+            </a:p>
+          </p:txBody>
+        </p:sp>
+        <p:pic>
+          <p:nvPicPr>
+            <p:cNvPr id="6" name="Image 5">
+              <a:extLst>
+                <a:ext uri="{FF2B5EF4-FFF2-40B4-BE49-F238E27FC236}">
+                  <a16:creationId xmlns:a16="http://schemas.microsoft.com/office/drawing/2014/main" id="{2D0A881D-5AC2-4766-BD4C-5405D55C11A5}"/>
+                </a:ext>
+              </a:extLst>
+            </p:cNvPr>
+            <p:cNvPicPr>
+              <a:picLocks noChangeAspect="1"/>
+            </p:cNvPicPr>
+            <p:nvPr/>
+          </p:nvPicPr>
+          <p:blipFill>
+            <a:blip r:embed="rId3">
+              <a:extLst>
+                <a:ext uri="{28A0092B-C50C-407E-A947-70E740481C1C}">
+                  <a14:useLocalDpi xmlns:a14="http://schemas.microsoft.com/office/drawing/2010/main" val="0"/>
+                </a:ext>
+              </a:extLst>
+            </a:blip>
+            <a:stretch>
+              <a:fillRect/>
+            </a:stretch>
+          </p:blipFill>
+          <p:spPr>
+            <a:xfrm>
+              <a:off x="327166" y="0"/>
+              <a:ext cx="1566153" cy="1342417"/>
+            </a:xfrm>
+            <a:prstGeom prst="rect">
+              <a:avLst/>
+            </a:prstGeom>
+          </p:spPr>
+        </p:pic>
+      </p:grpSp>
+      <p:sp>
+        <p:nvSpPr>
+          <p:cNvPr id="10" name="ZoneTexte 9">
+            <a:extLst>
+              <a:ext uri="{FF2B5EF4-FFF2-40B4-BE49-F238E27FC236}">
+                <a16:creationId xmlns:a16="http://schemas.microsoft.com/office/drawing/2014/main" id="{CE36D8FB-1CD3-4D19-A954-A2CE97724692}"/>
+              </a:ext>
+            </a:extLst>
+          </p:cNvPr>
+          <p:cNvSpPr txBox="1"/>
+          <p:nvPr/>
+        </p:nvSpPr>
+        <p:spPr>
+          <a:xfrm>
+            <a:off x="336894" y="1225685"/>
+            <a:ext cx="11472482" cy="5369668"/>
+          </a:xfrm>
+          <a:prstGeom prst="rect">
+            <a:avLst/>
+          </a:prstGeom>
+          <a:solidFill>
+            <a:srgbClr val="FED449">
+              <a:alpha val="50000"/>
+            </a:srgbClr>
+          </a:solidFill>
+          <a:effectLst>
+            <a:softEdge rad="152400"/>
+          </a:effectLst>
+        </p:spPr>
+        <p:txBody>
+          <a:bodyPr wrap="square" rtlCol="0">
+            <a:spAutoFit/>
+          </a:bodyPr>
+          <a:lstStyle/>
+          <a:p>
+            <a:endParaRPr lang="fr-FR" dirty="0"/>
+          </a:p>
+        </p:txBody>
+      </p:sp>
+      <p:sp>
+        <p:nvSpPr>
+          <p:cNvPr id="2" name="ZoneTexte 1">
+            <a:extLst>
+              <a:ext uri="{FF2B5EF4-FFF2-40B4-BE49-F238E27FC236}">
+                <a16:creationId xmlns:a16="http://schemas.microsoft.com/office/drawing/2014/main" id="{375A52F9-612E-4E94-BC85-FDFCE2711101}"/>
+              </a:ext>
+            </a:extLst>
+          </p:cNvPr>
+          <p:cNvSpPr txBox="1"/>
+          <p:nvPr/>
+        </p:nvSpPr>
+        <p:spPr>
+          <a:xfrm>
+            <a:off x="3630891" y="3648909"/>
+            <a:ext cx="4930218" cy="523220"/>
+          </a:xfrm>
+          <a:prstGeom prst="rect">
+            <a:avLst/>
+          </a:prstGeom>
+          <a:noFill/>
+        </p:spPr>
+        <p:txBody>
+          <a:bodyPr wrap="square" rtlCol="0">
+            <a:spAutoFit/>
+          </a:bodyPr>
+          <a:lstStyle/>
+          <a:p>
+            <a:r>
+              <a:rPr lang="fr-FR" sz="2800" dirty="0">
+                <a:latin typeface="Helvetica" panose="020B0604020202030204" pitchFamily="34" charset="0"/>
+                <a:hlinkClick r:id="rId4"/>
+              </a:rPr>
+              <a:t>En avant dans l'univers </a:t>
+            </a:r>
+            <a:r>
+              <a:rPr lang="fr-FR" sz="2800" dirty="0" err="1">
+                <a:latin typeface="Helvetica" panose="020B0604020202030204" pitchFamily="34" charset="0"/>
+                <a:hlinkClick r:id="rId4"/>
+              </a:rPr>
+              <a:t>U’Pop</a:t>
+            </a:r>
+            <a:endParaRPr lang="fr-FR" sz="2800" dirty="0">
+              <a:latin typeface="Helvetica" panose="020B0604020202030204" pitchFamily="34" charset="0"/>
+            </a:endParaRPr>
+          </a:p>
+        </p:txBody>
+      </p:sp>
+    </p:spTree>
+    <p:extLst>
+      <p:ext uri="{BB962C8B-B14F-4D97-AF65-F5344CB8AC3E}">
+        <p14:creationId xmlns:p14="http://schemas.microsoft.com/office/powerpoint/2010/main" val="2585678089"/>
+      </p:ext>
+    </p:extLst>
+  </p:cSld>
+  <p:clrMapOvr>
+    <a:masterClrMapping/>
+  </p:clrMapOvr>
+</p:sld>
+</file>
+
+<file path=ppt/slides/slide25.xml><?xml version="1.0" encoding="utf-8"?>
+<p:sld xmlns:a="http://schemas.openxmlformats.org/drawingml/2006/main" xmlns:r="http://schemas.openxmlformats.org/officeDocument/2006/relationships" xmlns:p="http://schemas.openxmlformats.org/presentationml/2006/main">
+  <p:cSld>
+    <p:bg>
+      <p:bgPr>
+        <a:blipFill dpi="0" rotWithShape="1">
+          <a:blip r:embed="rId2">
+            <a:lum/>
+          </a:blip>
+          <a:srcRect/>
+          <a:stretch>
+            <a:fillRect/>
+          </a:stretch>
+        </a:blipFill>
+        <a:effectLst/>
+      </p:bgPr>
+    </p:bg>
+    <p:spTree>
+      <p:nvGrpSpPr>
+        <p:cNvPr id="1" name=""/>
+        <p:cNvGrpSpPr/>
+        <p:nvPr/>
+      </p:nvGrpSpPr>
+      <p:grpSpPr>
+        <a:xfrm>
+          <a:off x="0" y="0"/>
+          <a:ext cx="0" cy="0"/>
+          <a:chOff x="0" y="0"/>
+          <a:chExt cx="0" cy="0"/>
+        </a:xfrm>
+      </p:grpSpPr>
+      <p:grpSp>
+        <p:nvGrpSpPr>
+          <p:cNvPr id="7" name="Groupe 6">
+            <a:extLst>
+              <a:ext uri="{FF2B5EF4-FFF2-40B4-BE49-F238E27FC236}">
+                <a16:creationId xmlns:a16="http://schemas.microsoft.com/office/drawing/2014/main" id="{67E81936-583F-45AD-82CC-A5C937F4C87C}"/>
+              </a:ext>
+            </a:extLst>
+          </p:cNvPr>
+          <p:cNvGrpSpPr/>
+          <p:nvPr/>
+        </p:nvGrpSpPr>
+        <p:grpSpPr>
+          <a:xfrm>
+            <a:off x="327166" y="0"/>
+            <a:ext cx="11251304" cy="1342417"/>
+            <a:chOff x="327166" y="0"/>
+            <a:chExt cx="11251304" cy="1342417"/>
+          </a:xfrm>
+        </p:grpSpPr>
+        <p:sp>
+          <p:nvSpPr>
+            <p:cNvPr id="4" name="Flèche : chevron 3">
+              <a:extLst>
+                <a:ext uri="{FF2B5EF4-FFF2-40B4-BE49-F238E27FC236}">
+                  <a16:creationId xmlns:a16="http://schemas.microsoft.com/office/drawing/2014/main" id="{60D600DE-6FA0-4280-A81A-6DBE7691E92C}"/>
+                </a:ext>
+              </a:extLst>
+            </p:cNvPr>
+            <p:cNvSpPr/>
+            <p:nvPr/>
+          </p:nvSpPr>
+          <p:spPr>
+            <a:xfrm>
+              <a:off x="1268691" y="332278"/>
+              <a:ext cx="2309567" cy="688157"/>
+            </a:xfrm>
+            <a:prstGeom prst="chevron">
+              <a:avLst/>
+            </a:prstGeom>
+            <a:solidFill>
+              <a:srgbClr val="FED449"/>
+            </a:solidFill>
+            <a:ln>
+              <a:solidFill>
+                <a:schemeClr val="bg1"/>
+              </a:solidFill>
+            </a:ln>
+          </p:spPr>
+          <p:style>
+            <a:lnRef idx="2">
+              <a:schemeClr val="accent1">
+                <a:shade val="50000"/>
+              </a:schemeClr>
+            </a:lnRef>
+            <a:fillRef idx="1">
+              <a:schemeClr val="accent1"/>
+            </a:fillRef>
+            <a:effectRef idx="0">
+              <a:schemeClr val="accent1"/>
+            </a:effectRef>
+            <a:fontRef idx="minor">
+              <a:schemeClr val="lt1"/>
+            </a:fontRef>
+          </p:style>
+          <p:txBody>
+            <a:bodyPr rtlCol="0" anchor="ctr"/>
+            <a:lstStyle/>
+            <a:p>
+              <a:pPr algn="ctr"/>
+              <a:r>
+                <a:rPr lang="fr-FR" sz="1500" b="1" dirty="0">
+                  <a:solidFill>
+                    <a:schemeClr val="bg1"/>
+                  </a:solidFill>
+                  <a:effectLst>
+                    <a:outerShdw blurRad="38100" dist="76200" dir="2700000" algn="tl">
+                      <a:srgbClr val="000000"/>
+                    </a:outerShdw>
+                  </a:effectLst>
+                  <a:latin typeface="Helvetica" panose="020B0604020202030204" pitchFamily="34" charset="0"/>
+                </a:rPr>
+                <a:t>Etude du projet</a:t>
+              </a:r>
+            </a:p>
+          </p:txBody>
+        </p:sp>
+        <p:sp>
+          <p:nvSpPr>
+            <p:cNvPr id="16" name="Flèche : chevron 15">
+              <a:extLst>
+                <a:ext uri="{FF2B5EF4-FFF2-40B4-BE49-F238E27FC236}">
+                  <a16:creationId xmlns:a16="http://schemas.microsoft.com/office/drawing/2014/main" id="{F7655D32-22EC-4542-883E-4033865C1471}"/>
+                </a:ext>
+              </a:extLst>
+            </p:cNvPr>
+            <p:cNvSpPr/>
+            <p:nvPr/>
+          </p:nvSpPr>
+          <p:spPr>
+            <a:xfrm>
+              <a:off x="9268903" y="332277"/>
+              <a:ext cx="2309567" cy="688157"/>
+            </a:xfrm>
+            <a:prstGeom prst="chevron">
+              <a:avLst/>
+            </a:prstGeom>
+            <a:solidFill>
+              <a:srgbClr val="FED449"/>
+            </a:solidFill>
+            <a:ln>
+              <a:solidFill>
+                <a:schemeClr val="bg1"/>
+              </a:solidFill>
+            </a:ln>
+          </p:spPr>
+          <p:style>
+            <a:lnRef idx="2">
+              <a:schemeClr val="accent1">
+                <a:shade val="50000"/>
+              </a:schemeClr>
+            </a:lnRef>
+            <a:fillRef idx="1">
+              <a:schemeClr val="accent1"/>
+            </a:fillRef>
+            <a:effectRef idx="0">
+              <a:schemeClr val="accent1"/>
+            </a:effectRef>
+            <a:fontRef idx="minor">
+              <a:schemeClr val="lt1"/>
+            </a:fontRef>
+          </p:style>
+          <p:txBody>
+            <a:bodyPr rtlCol="0" anchor="ctr"/>
+            <a:lstStyle/>
+            <a:p>
+              <a:pPr algn="ctr"/>
+              <a:r>
+                <a:rPr lang="fr-FR" sz="1600" b="1" dirty="0">
+                  <a:solidFill>
+                    <a:schemeClr val="bg1"/>
+                  </a:solidFill>
+                  <a:effectLst>
+                    <a:outerShdw blurRad="38100" dist="76200" dir="2700000" algn="tl">
+                      <a:srgbClr val="000000"/>
+                    </a:outerShdw>
+                  </a:effectLst>
+                  <a:latin typeface="Helvetica" panose="020B0604020202030204" pitchFamily="34" charset="0"/>
+                </a:rPr>
+                <a:t>Conclusion</a:t>
+              </a:r>
+            </a:p>
+          </p:txBody>
+        </p:sp>
+        <p:sp>
+          <p:nvSpPr>
+            <p:cNvPr id="17" name="Flèche : chevron 16">
+              <a:extLst>
+                <a:ext uri="{FF2B5EF4-FFF2-40B4-BE49-F238E27FC236}">
+                  <a16:creationId xmlns:a16="http://schemas.microsoft.com/office/drawing/2014/main" id="{30C36617-CB5C-40F8-B05D-7053886FD5EF}"/>
+                </a:ext>
+              </a:extLst>
+            </p:cNvPr>
+            <p:cNvSpPr/>
+            <p:nvPr/>
+          </p:nvSpPr>
+          <p:spPr>
+            <a:xfrm>
+              <a:off x="3268744" y="332277"/>
+              <a:ext cx="2309567" cy="688157"/>
+            </a:xfrm>
+            <a:prstGeom prst="chevron">
+              <a:avLst/>
+            </a:prstGeom>
+            <a:solidFill>
+              <a:srgbClr val="FED449"/>
+            </a:solidFill>
+            <a:ln>
+              <a:solidFill>
+                <a:schemeClr val="bg1"/>
+              </a:solidFill>
+            </a:ln>
+          </p:spPr>
+          <p:style>
+            <a:lnRef idx="2">
+              <a:schemeClr val="accent1">
+                <a:shade val="50000"/>
+              </a:schemeClr>
+            </a:lnRef>
+            <a:fillRef idx="1">
+              <a:schemeClr val="accent1"/>
+            </a:fillRef>
+            <a:effectRef idx="0">
+              <a:schemeClr val="accent1"/>
+            </a:effectRef>
+            <a:fontRef idx="minor">
+              <a:schemeClr val="lt1"/>
+            </a:fontRef>
+          </p:style>
+          <p:txBody>
+            <a:bodyPr rtlCol="0" anchor="ctr"/>
+            <a:lstStyle/>
+            <a:p>
+              <a:pPr algn="ctr"/>
+              <a:r>
+                <a:rPr lang="fr-FR" sz="1500" b="1" dirty="0">
+                  <a:solidFill>
+                    <a:schemeClr val="bg1"/>
+                  </a:solidFill>
+                  <a:effectLst>
+                    <a:outerShdw blurRad="38100" dist="76200" dir="2700000" algn="tl">
+                      <a:srgbClr val="000000"/>
+                    </a:outerShdw>
+                  </a:effectLst>
+                  <a:latin typeface="Helvetica" panose="020B0604020202030204" pitchFamily="34" charset="0"/>
+                </a:rPr>
+                <a:t>Organisation</a:t>
+              </a:r>
+            </a:p>
+          </p:txBody>
+        </p:sp>
+        <p:sp>
+          <p:nvSpPr>
+            <p:cNvPr id="18" name="Flèche : chevron 17">
+              <a:extLst>
+                <a:ext uri="{FF2B5EF4-FFF2-40B4-BE49-F238E27FC236}">
+                  <a16:creationId xmlns:a16="http://schemas.microsoft.com/office/drawing/2014/main" id="{A33478E5-51C7-4324-9E5C-0845E032CF0C}"/>
+                </a:ext>
+              </a:extLst>
+            </p:cNvPr>
+            <p:cNvSpPr/>
+            <p:nvPr/>
+          </p:nvSpPr>
+          <p:spPr>
+            <a:xfrm>
+              <a:off x="5268797" y="332704"/>
+              <a:ext cx="2309567" cy="688157"/>
+            </a:xfrm>
+            <a:prstGeom prst="chevron">
+              <a:avLst/>
+            </a:prstGeom>
+            <a:solidFill>
+              <a:srgbClr val="FED449"/>
+            </a:solidFill>
+            <a:ln>
+              <a:solidFill>
+                <a:schemeClr val="bg1"/>
+              </a:solidFill>
+            </a:ln>
+          </p:spPr>
+          <p:style>
+            <a:lnRef idx="2">
+              <a:schemeClr val="accent1">
+                <a:shade val="50000"/>
+              </a:schemeClr>
+            </a:lnRef>
+            <a:fillRef idx="1">
+              <a:schemeClr val="accent1"/>
+            </a:fillRef>
+            <a:effectRef idx="0">
+              <a:schemeClr val="accent1"/>
+            </a:effectRef>
+            <a:fontRef idx="minor">
+              <a:schemeClr val="lt1"/>
+            </a:fontRef>
+          </p:style>
+          <p:txBody>
+            <a:bodyPr rtlCol="0" anchor="ctr"/>
+            <a:lstStyle/>
+            <a:p>
+              <a:pPr algn="ctr"/>
+              <a:r>
+                <a:rPr lang="fr-FR" sz="1500" b="1" dirty="0">
+                  <a:solidFill>
+                    <a:schemeClr val="bg1"/>
+                  </a:solidFill>
+                  <a:effectLst>
+                    <a:outerShdw blurRad="38100" dist="76200" dir="2700000" algn="tl">
+                      <a:srgbClr val="000000"/>
+                    </a:outerShdw>
+                  </a:effectLst>
+                  <a:latin typeface="Helvetica" panose="020B0604020202030204" pitchFamily="34" charset="0"/>
+                </a:rPr>
+                <a:t>Développement</a:t>
+              </a:r>
+            </a:p>
+          </p:txBody>
+        </p:sp>
+        <p:sp>
+          <p:nvSpPr>
+            <p:cNvPr id="19" name="Flèche : chevron 18">
+              <a:extLst>
+                <a:ext uri="{FF2B5EF4-FFF2-40B4-BE49-F238E27FC236}">
+                  <a16:creationId xmlns:a16="http://schemas.microsoft.com/office/drawing/2014/main" id="{8795E004-010B-4219-8B10-37FA6D3A7781}"/>
+                </a:ext>
+              </a:extLst>
+            </p:cNvPr>
+            <p:cNvSpPr/>
+            <p:nvPr/>
+          </p:nvSpPr>
+          <p:spPr>
+            <a:xfrm>
+              <a:off x="7268850" y="332703"/>
+              <a:ext cx="2309567" cy="688157"/>
+            </a:xfrm>
+            <a:prstGeom prst="chevron">
+              <a:avLst/>
+            </a:prstGeom>
+            <a:solidFill>
+              <a:srgbClr val="88CE62"/>
+            </a:solidFill>
+            <a:ln>
+              <a:solidFill>
+                <a:schemeClr val="bg1"/>
+              </a:solidFill>
+            </a:ln>
+          </p:spPr>
+          <p:style>
+            <a:lnRef idx="2">
+              <a:schemeClr val="accent1">
+                <a:shade val="50000"/>
+              </a:schemeClr>
+            </a:lnRef>
+            <a:fillRef idx="1">
+              <a:schemeClr val="accent1"/>
+            </a:fillRef>
+            <a:effectRef idx="0">
+              <a:schemeClr val="accent1"/>
+            </a:effectRef>
+            <a:fontRef idx="minor">
+              <a:schemeClr val="lt1"/>
+            </a:fontRef>
+          </p:style>
+          <p:txBody>
+            <a:bodyPr rtlCol="0" anchor="ctr"/>
+            <a:lstStyle/>
+            <a:p>
+              <a:pPr algn="ctr"/>
+              <a:r>
+                <a:rPr lang="fr-FR" sz="1500" b="1" dirty="0">
+                  <a:solidFill>
+                    <a:schemeClr val="bg1"/>
+                  </a:solidFill>
+                  <a:effectLst>
+                    <a:outerShdw blurRad="38100" dist="76200" dir="2700000" algn="tl">
+                      <a:srgbClr val="000000"/>
+                    </a:outerShdw>
+                  </a:effectLst>
+                  <a:latin typeface="Helvetica" panose="020B0604020202030204" pitchFamily="34" charset="0"/>
+                </a:rPr>
+                <a:t>Démonstration</a:t>
+              </a:r>
+              <a:endParaRPr lang="fr-FR" sz="1500" dirty="0">
+                <a:solidFill>
+                  <a:schemeClr val="tx1"/>
+                </a:solidFill>
+              </a:endParaRPr>
+            </a:p>
+          </p:txBody>
+        </p:sp>
+        <p:pic>
+          <p:nvPicPr>
+            <p:cNvPr id="6" name="Image 5">
+              <a:extLst>
+                <a:ext uri="{FF2B5EF4-FFF2-40B4-BE49-F238E27FC236}">
+                  <a16:creationId xmlns:a16="http://schemas.microsoft.com/office/drawing/2014/main" id="{2D0A881D-5AC2-4766-BD4C-5405D55C11A5}"/>
+                </a:ext>
+              </a:extLst>
+            </p:cNvPr>
+            <p:cNvPicPr>
+              <a:picLocks noChangeAspect="1"/>
+            </p:cNvPicPr>
+            <p:nvPr/>
+          </p:nvPicPr>
+          <p:blipFill>
+            <a:blip r:embed="rId3">
+              <a:extLst>
+                <a:ext uri="{28A0092B-C50C-407E-A947-70E740481C1C}">
+                  <a14:useLocalDpi xmlns:a14="http://schemas.microsoft.com/office/drawing/2010/main" val="0"/>
+                </a:ext>
+              </a:extLst>
+            </a:blip>
+            <a:stretch>
+              <a:fillRect/>
+            </a:stretch>
+          </p:blipFill>
+          <p:spPr>
+            <a:xfrm>
+              <a:off x="327166" y="0"/>
+              <a:ext cx="1566153" cy="1342417"/>
+            </a:xfrm>
+            <a:prstGeom prst="rect">
+              <a:avLst/>
+            </a:prstGeom>
+          </p:spPr>
+        </p:pic>
+      </p:grpSp>
+      <p:sp>
+        <p:nvSpPr>
+          <p:cNvPr id="10" name="ZoneTexte 9">
+            <a:extLst>
+              <a:ext uri="{FF2B5EF4-FFF2-40B4-BE49-F238E27FC236}">
+                <a16:creationId xmlns:a16="http://schemas.microsoft.com/office/drawing/2014/main" id="{CE36D8FB-1CD3-4D19-A954-A2CE97724692}"/>
+              </a:ext>
+            </a:extLst>
+          </p:cNvPr>
+          <p:cNvSpPr txBox="1"/>
+          <p:nvPr/>
+        </p:nvSpPr>
+        <p:spPr>
+          <a:xfrm>
+            <a:off x="336894" y="1225685"/>
+            <a:ext cx="11472482" cy="5369668"/>
+          </a:xfrm>
+          <a:prstGeom prst="rect">
+            <a:avLst/>
+          </a:prstGeom>
+          <a:solidFill>
+            <a:srgbClr val="FED449">
+              <a:alpha val="50000"/>
+            </a:srgbClr>
+          </a:solidFill>
+          <a:effectLst>
+            <a:softEdge rad="152400"/>
+          </a:effectLst>
+        </p:spPr>
+        <p:txBody>
+          <a:bodyPr wrap="square" rtlCol="0">
+            <a:spAutoFit/>
+          </a:bodyPr>
+          <a:lstStyle/>
+          <a:p>
+            <a:endParaRPr lang="fr-FR" dirty="0"/>
+          </a:p>
+        </p:txBody>
+      </p:sp>
+      <p:sp>
+        <p:nvSpPr>
+          <p:cNvPr id="2" name="ZoneTexte 1">
+            <a:extLst>
+              <a:ext uri="{FF2B5EF4-FFF2-40B4-BE49-F238E27FC236}">
+                <a16:creationId xmlns:a16="http://schemas.microsoft.com/office/drawing/2014/main" id="{375A52F9-612E-4E94-BC85-FDFCE2711101}"/>
+              </a:ext>
+            </a:extLst>
+          </p:cNvPr>
+          <p:cNvSpPr txBox="1"/>
+          <p:nvPr/>
+        </p:nvSpPr>
+        <p:spPr>
+          <a:xfrm>
+            <a:off x="2603369" y="2875915"/>
+            <a:ext cx="6766874" cy="1815882"/>
+          </a:xfrm>
+          <a:prstGeom prst="rect">
+            <a:avLst/>
+          </a:prstGeom>
+          <a:noFill/>
+        </p:spPr>
+        <p:txBody>
+          <a:bodyPr wrap="square" rtlCol="0">
+            <a:spAutoFit/>
+          </a:bodyPr>
+          <a:lstStyle/>
+          <a:p>
+            <a:pPr algn="ctr"/>
+            <a:r>
+              <a:rPr lang="fr-FR" sz="2800" dirty="0">
+                <a:latin typeface="Helvetica" panose="020B0604020202030204" pitchFamily="34" charset="0"/>
+              </a:rPr>
+              <a:t>Accessible en ligne</a:t>
+            </a:r>
+          </a:p>
+          <a:p>
+            <a:pPr algn="ctr"/>
+            <a:endParaRPr lang="fr-FR" sz="2800" dirty="0">
+              <a:latin typeface="Helvetica" panose="020B0604020202030204" pitchFamily="34" charset="0"/>
+            </a:endParaRPr>
+          </a:p>
+          <a:p>
+            <a:pPr algn="ctr"/>
+            <a:endParaRPr lang="fr-FR" sz="2800" dirty="0">
+              <a:latin typeface="Helvetica" panose="020B0604020202030204" pitchFamily="34" charset="0"/>
+            </a:endParaRPr>
+          </a:p>
+          <a:p>
+            <a:pPr algn="ctr"/>
+            <a:r>
+              <a:rPr lang="fr-FR" sz="2800" dirty="0" err="1">
+                <a:latin typeface="Helvetica" panose="020B0604020202030204" pitchFamily="34" charset="0"/>
+                <a:hlinkClick r:id="rId4"/>
+              </a:rPr>
+              <a:t>Upop</a:t>
+            </a:r>
+            <a:endParaRPr lang="fr-FR" sz="2800" dirty="0">
+              <a:latin typeface="Helvetica" panose="020B0604020202030204" pitchFamily="34" charset="0"/>
+            </a:endParaRPr>
+          </a:p>
+        </p:txBody>
+      </p:sp>
+    </p:spTree>
+    <p:extLst>
+      <p:ext uri="{BB962C8B-B14F-4D97-AF65-F5344CB8AC3E}">
+        <p14:creationId xmlns:p14="http://schemas.microsoft.com/office/powerpoint/2010/main" val="1200531869"/>
+      </p:ext>
+    </p:extLst>
+  </p:cSld>
+  <p:clrMapOvr>
+    <a:masterClrMapping/>
+  </p:clrMapOvr>
+</p:sld>
+</file>
+
+<file path=ppt/slides/slide26.xml><?xml version="1.0" encoding="utf-8"?>
+<p:sld xmlns:a="http://schemas.openxmlformats.org/drawingml/2006/main" xmlns:r="http://schemas.openxmlformats.org/officeDocument/2006/relationships" xmlns:p="http://schemas.openxmlformats.org/presentationml/2006/main">
+  <p:cSld>
+    <p:bg>
+      <p:bgPr>
+        <a:blipFill dpi="0" rotWithShape="1">
+          <a:blip r:embed="rId2">
+            <a:lum/>
+          </a:blip>
+          <a:srcRect/>
+          <a:stretch>
+            <a:fillRect/>
+          </a:stretch>
+        </a:blipFill>
+        <a:effectLst/>
+      </p:bgPr>
+    </p:bg>
+    <p:spTree>
+      <p:nvGrpSpPr>
+        <p:cNvPr id="1" name=""/>
+        <p:cNvGrpSpPr/>
+        <p:nvPr/>
+      </p:nvGrpSpPr>
+      <p:grpSpPr>
+        <a:xfrm>
+          <a:off x="0" y="0"/>
+          <a:ext cx="0" cy="0"/>
+          <a:chOff x="0" y="0"/>
+          <a:chExt cx="0" cy="0"/>
+        </a:xfrm>
+      </p:grpSpPr>
+      <p:grpSp>
+        <p:nvGrpSpPr>
+          <p:cNvPr id="7" name="Groupe 6">
+            <a:extLst>
+              <a:ext uri="{FF2B5EF4-FFF2-40B4-BE49-F238E27FC236}">
+                <a16:creationId xmlns:a16="http://schemas.microsoft.com/office/drawing/2014/main" id="{67E81936-583F-45AD-82CC-A5C937F4C87C}"/>
+              </a:ext>
+            </a:extLst>
+          </p:cNvPr>
+          <p:cNvGrpSpPr/>
+          <p:nvPr/>
+        </p:nvGrpSpPr>
+        <p:grpSpPr>
+          <a:xfrm>
+            <a:off x="327166" y="0"/>
+            <a:ext cx="11251304" cy="1342417"/>
+            <a:chOff x="327166" y="0"/>
+            <a:chExt cx="11251304" cy="1342417"/>
+          </a:xfrm>
+        </p:grpSpPr>
+        <p:sp>
+          <p:nvSpPr>
+            <p:cNvPr id="4" name="Flèche : chevron 3">
+              <a:extLst>
+                <a:ext uri="{FF2B5EF4-FFF2-40B4-BE49-F238E27FC236}">
+                  <a16:creationId xmlns:a16="http://schemas.microsoft.com/office/drawing/2014/main" id="{60D600DE-6FA0-4280-A81A-6DBE7691E92C}"/>
+                </a:ext>
+              </a:extLst>
+            </p:cNvPr>
+            <p:cNvSpPr/>
+            <p:nvPr/>
+          </p:nvSpPr>
+          <p:spPr>
+            <a:xfrm>
+              <a:off x="1268691" y="332278"/>
+              <a:ext cx="2309567" cy="688157"/>
+            </a:xfrm>
+            <a:prstGeom prst="chevron">
+              <a:avLst/>
+            </a:prstGeom>
+            <a:solidFill>
+              <a:srgbClr val="FED449"/>
+            </a:solidFill>
+            <a:ln>
+              <a:solidFill>
+                <a:schemeClr val="bg1"/>
+              </a:solidFill>
+            </a:ln>
+          </p:spPr>
+          <p:style>
+            <a:lnRef idx="2">
+              <a:schemeClr val="accent1">
+                <a:shade val="50000"/>
+              </a:schemeClr>
+            </a:lnRef>
+            <a:fillRef idx="1">
+              <a:schemeClr val="accent1"/>
+            </a:fillRef>
+            <a:effectRef idx="0">
+              <a:schemeClr val="accent1"/>
+            </a:effectRef>
+            <a:fontRef idx="minor">
+              <a:schemeClr val="lt1"/>
+            </a:fontRef>
+          </p:style>
+          <p:txBody>
+            <a:bodyPr rtlCol="0" anchor="ctr"/>
+            <a:lstStyle/>
+            <a:p>
+              <a:pPr algn="ctr"/>
+              <a:r>
+                <a:rPr lang="fr-FR" sz="1500" b="1" dirty="0">
+                  <a:solidFill>
+                    <a:schemeClr val="bg1"/>
+                  </a:solidFill>
+                  <a:effectLst>
+                    <a:outerShdw blurRad="38100" dist="76200" dir="2700000" algn="tl">
+                      <a:srgbClr val="000000"/>
+                    </a:outerShdw>
+                  </a:effectLst>
+                  <a:latin typeface="Helvetica" panose="020B0604020202030204" pitchFamily="34" charset="0"/>
+                </a:rPr>
+                <a:t>Etude du projet</a:t>
+              </a:r>
+            </a:p>
+          </p:txBody>
+        </p:sp>
+        <p:sp>
+          <p:nvSpPr>
+            <p:cNvPr id="16" name="Flèche : chevron 15">
+              <a:extLst>
+                <a:ext uri="{FF2B5EF4-FFF2-40B4-BE49-F238E27FC236}">
+                  <a16:creationId xmlns:a16="http://schemas.microsoft.com/office/drawing/2014/main" id="{F7655D32-22EC-4542-883E-4033865C1471}"/>
+                </a:ext>
+              </a:extLst>
+            </p:cNvPr>
+            <p:cNvSpPr/>
+            <p:nvPr/>
+          </p:nvSpPr>
+          <p:spPr>
+            <a:xfrm>
+              <a:off x="9268903" y="332277"/>
+              <a:ext cx="2309567" cy="688157"/>
+            </a:xfrm>
+            <a:prstGeom prst="chevron">
+              <a:avLst/>
+            </a:prstGeom>
+            <a:solidFill>
+              <a:srgbClr val="88CE62"/>
+            </a:solidFill>
+            <a:ln>
+              <a:solidFill>
+                <a:schemeClr val="bg1"/>
+              </a:solidFill>
+            </a:ln>
+          </p:spPr>
+          <p:style>
+            <a:lnRef idx="2">
+              <a:schemeClr val="accent1">
+                <a:shade val="50000"/>
+              </a:schemeClr>
+            </a:lnRef>
+            <a:fillRef idx="1">
+              <a:schemeClr val="accent1"/>
+            </a:fillRef>
+            <a:effectRef idx="0">
+              <a:schemeClr val="accent1"/>
+            </a:effectRef>
+            <a:fontRef idx="minor">
+              <a:schemeClr val="lt1"/>
+            </a:fontRef>
+          </p:style>
+          <p:txBody>
+            <a:bodyPr rtlCol="0" anchor="ctr"/>
+            <a:lstStyle/>
+            <a:p>
+              <a:pPr algn="ctr"/>
+              <a:r>
+                <a:rPr lang="fr-FR" sz="1600" b="1" dirty="0">
+                  <a:solidFill>
+                    <a:schemeClr val="bg1"/>
+                  </a:solidFill>
+                  <a:effectLst>
+                    <a:outerShdw blurRad="38100" dist="76200" dir="2700000" algn="tl">
+                      <a:srgbClr val="000000"/>
+                    </a:outerShdw>
+                  </a:effectLst>
+                  <a:latin typeface="Helvetica" panose="020B0604020202030204" pitchFamily="34" charset="0"/>
+                </a:rPr>
+                <a:t>Conclusion</a:t>
+              </a:r>
+            </a:p>
+          </p:txBody>
+        </p:sp>
+        <p:sp>
+          <p:nvSpPr>
+            <p:cNvPr id="17" name="Flèche : chevron 16">
+              <a:extLst>
+                <a:ext uri="{FF2B5EF4-FFF2-40B4-BE49-F238E27FC236}">
+                  <a16:creationId xmlns:a16="http://schemas.microsoft.com/office/drawing/2014/main" id="{30C36617-CB5C-40F8-B05D-7053886FD5EF}"/>
+                </a:ext>
+              </a:extLst>
+            </p:cNvPr>
+            <p:cNvSpPr/>
+            <p:nvPr/>
+          </p:nvSpPr>
+          <p:spPr>
+            <a:xfrm>
+              <a:off x="3268744" y="332277"/>
+              <a:ext cx="2309567" cy="688157"/>
+            </a:xfrm>
+            <a:prstGeom prst="chevron">
+              <a:avLst/>
+            </a:prstGeom>
+            <a:solidFill>
+              <a:srgbClr val="FED449"/>
+            </a:solidFill>
+            <a:ln>
+              <a:solidFill>
+                <a:schemeClr val="bg1"/>
+              </a:solidFill>
+            </a:ln>
+          </p:spPr>
+          <p:style>
+            <a:lnRef idx="2">
+              <a:schemeClr val="accent1">
+                <a:shade val="50000"/>
+              </a:schemeClr>
+            </a:lnRef>
+            <a:fillRef idx="1">
+              <a:schemeClr val="accent1"/>
+            </a:fillRef>
+            <a:effectRef idx="0">
+              <a:schemeClr val="accent1"/>
+            </a:effectRef>
+            <a:fontRef idx="minor">
+              <a:schemeClr val="lt1"/>
+            </a:fontRef>
+          </p:style>
+          <p:txBody>
+            <a:bodyPr rtlCol="0" anchor="ctr"/>
+            <a:lstStyle/>
+            <a:p>
+              <a:pPr algn="ctr"/>
+              <a:r>
+                <a:rPr lang="fr-FR" sz="1500" b="1" dirty="0">
+                  <a:solidFill>
+                    <a:schemeClr val="bg1"/>
+                  </a:solidFill>
+                  <a:effectLst>
+                    <a:outerShdw blurRad="38100" dist="76200" dir="2700000" algn="tl">
+                      <a:srgbClr val="000000"/>
+                    </a:outerShdw>
+                  </a:effectLst>
+                  <a:latin typeface="Helvetica" panose="020B0604020202030204" pitchFamily="34" charset="0"/>
+                </a:rPr>
+                <a:t>Organisation</a:t>
+              </a:r>
+            </a:p>
+          </p:txBody>
+        </p:sp>
+        <p:sp>
+          <p:nvSpPr>
+            <p:cNvPr id="18" name="Flèche : chevron 17">
+              <a:extLst>
+                <a:ext uri="{FF2B5EF4-FFF2-40B4-BE49-F238E27FC236}">
+                  <a16:creationId xmlns:a16="http://schemas.microsoft.com/office/drawing/2014/main" id="{A33478E5-51C7-4324-9E5C-0845E032CF0C}"/>
+                </a:ext>
+              </a:extLst>
+            </p:cNvPr>
+            <p:cNvSpPr/>
+            <p:nvPr/>
+          </p:nvSpPr>
+          <p:spPr>
+            <a:xfrm>
+              <a:off x="5268797" y="332704"/>
+              <a:ext cx="2309567" cy="688157"/>
+            </a:xfrm>
+            <a:prstGeom prst="chevron">
+              <a:avLst/>
+            </a:prstGeom>
+            <a:solidFill>
+              <a:srgbClr val="FED449"/>
+            </a:solidFill>
+            <a:ln>
+              <a:solidFill>
+                <a:schemeClr val="bg1"/>
+              </a:solidFill>
+            </a:ln>
+          </p:spPr>
+          <p:style>
+            <a:lnRef idx="2">
+              <a:schemeClr val="accent1">
+                <a:shade val="50000"/>
+              </a:schemeClr>
+            </a:lnRef>
+            <a:fillRef idx="1">
+              <a:schemeClr val="accent1"/>
+            </a:fillRef>
+            <a:effectRef idx="0">
+              <a:schemeClr val="accent1"/>
+            </a:effectRef>
+            <a:fontRef idx="minor">
+              <a:schemeClr val="lt1"/>
+            </a:fontRef>
+          </p:style>
+          <p:txBody>
+            <a:bodyPr rtlCol="0" anchor="ctr"/>
+            <a:lstStyle/>
+            <a:p>
+              <a:pPr algn="ctr"/>
+              <a:r>
+                <a:rPr lang="fr-FR" sz="1500" b="1" dirty="0">
+                  <a:solidFill>
+                    <a:schemeClr val="bg1"/>
+                  </a:solidFill>
+                  <a:effectLst>
+                    <a:outerShdw blurRad="38100" dist="76200" dir="2700000" algn="tl">
+                      <a:srgbClr val="000000"/>
+                    </a:outerShdw>
+                  </a:effectLst>
+                  <a:latin typeface="Helvetica" panose="020B0604020202030204" pitchFamily="34" charset="0"/>
+                </a:rPr>
+                <a:t>Développement</a:t>
+              </a:r>
+            </a:p>
+          </p:txBody>
+        </p:sp>
+        <p:sp>
+          <p:nvSpPr>
+            <p:cNvPr id="19" name="Flèche : chevron 18">
+              <a:extLst>
+                <a:ext uri="{FF2B5EF4-FFF2-40B4-BE49-F238E27FC236}">
+                  <a16:creationId xmlns:a16="http://schemas.microsoft.com/office/drawing/2014/main" id="{8795E004-010B-4219-8B10-37FA6D3A7781}"/>
+                </a:ext>
+              </a:extLst>
+            </p:cNvPr>
+            <p:cNvSpPr/>
+            <p:nvPr/>
+          </p:nvSpPr>
+          <p:spPr>
+            <a:xfrm>
+              <a:off x="7268850" y="332703"/>
+              <a:ext cx="2309567" cy="688157"/>
+            </a:xfrm>
+            <a:prstGeom prst="chevron">
+              <a:avLst/>
+            </a:prstGeom>
+            <a:solidFill>
+              <a:srgbClr val="FED449"/>
+            </a:solidFill>
+            <a:ln>
+              <a:solidFill>
+                <a:schemeClr val="bg1"/>
+              </a:solidFill>
+            </a:ln>
+          </p:spPr>
+          <p:style>
+            <a:lnRef idx="2">
+              <a:schemeClr val="accent1">
+                <a:shade val="50000"/>
+              </a:schemeClr>
+            </a:lnRef>
+            <a:fillRef idx="1">
+              <a:schemeClr val="accent1"/>
+            </a:fillRef>
+            <a:effectRef idx="0">
+              <a:schemeClr val="accent1"/>
+            </a:effectRef>
+            <a:fontRef idx="minor">
+              <a:schemeClr val="lt1"/>
+            </a:fontRef>
+          </p:style>
+          <p:txBody>
+            <a:bodyPr rtlCol="0" anchor="ctr"/>
+            <a:lstStyle/>
+            <a:p>
+              <a:pPr algn="ctr"/>
+              <a:r>
+                <a:rPr lang="fr-FR" sz="1500" b="1" dirty="0">
+                  <a:solidFill>
+                    <a:schemeClr val="bg1"/>
+                  </a:solidFill>
+                  <a:effectLst>
+                    <a:outerShdw blurRad="38100" dist="76200" dir="2700000" algn="tl">
+                      <a:srgbClr val="000000"/>
+                    </a:outerShdw>
+                  </a:effectLst>
+                  <a:latin typeface="Helvetica" panose="020B0604020202030204" pitchFamily="34" charset="0"/>
+                </a:rPr>
+                <a:t>Démonstration</a:t>
+              </a:r>
+              <a:endParaRPr lang="fr-FR" sz="1500" dirty="0">
+                <a:solidFill>
+                  <a:schemeClr val="tx1"/>
+                </a:solidFill>
+              </a:endParaRPr>
+            </a:p>
+          </p:txBody>
+        </p:sp>
+        <p:pic>
+          <p:nvPicPr>
+            <p:cNvPr id="6" name="Image 5">
+              <a:extLst>
+                <a:ext uri="{FF2B5EF4-FFF2-40B4-BE49-F238E27FC236}">
+                  <a16:creationId xmlns:a16="http://schemas.microsoft.com/office/drawing/2014/main" id="{2D0A881D-5AC2-4766-BD4C-5405D55C11A5}"/>
+                </a:ext>
+              </a:extLst>
+            </p:cNvPr>
+            <p:cNvPicPr>
+              <a:picLocks noChangeAspect="1"/>
+            </p:cNvPicPr>
+            <p:nvPr/>
+          </p:nvPicPr>
+          <p:blipFill>
+            <a:blip r:embed="rId3">
+              <a:extLst>
+                <a:ext uri="{28A0092B-C50C-407E-A947-70E740481C1C}">
+                  <a14:useLocalDpi xmlns:a14="http://schemas.microsoft.com/office/drawing/2010/main" val="0"/>
+                </a:ext>
+              </a:extLst>
+            </a:blip>
+            <a:stretch>
+              <a:fillRect/>
+            </a:stretch>
+          </p:blipFill>
+          <p:spPr>
+            <a:xfrm>
+              <a:off x="327166" y="0"/>
+              <a:ext cx="1566153" cy="1342417"/>
+            </a:xfrm>
+            <a:prstGeom prst="rect">
+              <a:avLst/>
+            </a:prstGeom>
+          </p:spPr>
+        </p:pic>
+      </p:grpSp>
+      <p:sp>
+        <p:nvSpPr>
+          <p:cNvPr id="10" name="ZoneTexte 9">
+            <a:extLst>
+              <a:ext uri="{FF2B5EF4-FFF2-40B4-BE49-F238E27FC236}">
+                <a16:creationId xmlns:a16="http://schemas.microsoft.com/office/drawing/2014/main" id="{CE36D8FB-1CD3-4D19-A954-A2CE97724692}"/>
+              </a:ext>
+            </a:extLst>
+          </p:cNvPr>
+          <p:cNvSpPr txBox="1"/>
+          <p:nvPr/>
+        </p:nvSpPr>
+        <p:spPr>
+          <a:xfrm>
+            <a:off x="336894" y="1225685"/>
+            <a:ext cx="11472482" cy="5369668"/>
+          </a:xfrm>
+          <a:prstGeom prst="rect">
+            <a:avLst/>
+          </a:prstGeom>
+          <a:solidFill>
+            <a:srgbClr val="FED449">
+              <a:alpha val="50000"/>
+            </a:srgbClr>
+          </a:solidFill>
+          <a:effectLst>
+            <a:softEdge rad="152400"/>
+          </a:effectLst>
+        </p:spPr>
+        <p:txBody>
+          <a:bodyPr wrap="square" rtlCol="0">
+            <a:spAutoFit/>
+          </a:bodyPr>
+          <a:lstStyle/>
+          <a:p>
+            <a:endParaRPr lang="fr-FR" dirty="0"/>
+          </a:p>
+        </p:txBody>
+      </p:sp>
+      <p:sp>
+        <p:nvSpPr>
+          <p:cNvPr id="11" name="ZoneTexte 10">
+            <a:extLst>
+              <a:ext uri="{FF2B5EF4-FFF2-40B4-BE49-F238E27FC236}">
+                <a16:creationId xmlns:a16="http://schemas.microsoft.com/office/drawing/2014/main" id="{4D68F34E-6148-422D-8C78-F40C2B9BADFF}"/>
+              </a:ext>
+            </a:extLst>
+          </p:cNvPr>
+          <p:cNvSpPr txBox="1"/>
+          <p:nvPr/>
+        </p:nvSpPr>
+        <p:spPr>
+          <a:xfrm>
+            <a:off x="1090367" y="1674695"/>
+            <a:ext cx="10011266" cy="4278094"/>
+          </a:xfrm>
+          <a:prstGeom prst="rect">
+            <a:avLst/>
+          </a:prstGeom>
+          <a:noFill/>
+        </p:spPr>
+        <p:txBody>
+          <a:bodyPr wrap="square" rtlCol="0">
+            <a:spAutoFit/>
+          </a:bodyPr>
+          <a:lstStyle/>
+          <a:p>
+            <a:pPr algn="ctr"/>
+            <a:r>
+              <a:rPr lang="fr-FR" sz="2800" b="1" dirty="0">
+                <a:latin typeface="Helvetica" panose="020B0604020202030204" pitchFamily="34" charset="0"/>
+                <a:cs typeface="Arial" panose="020B0604020202020204" pitchFamily="34" charset="0"/>
+              </a:rPr>
+              <a:t>CONCLUSION</a:t>
+            </a:r>
+          </a:p>
+          <a:p>
+            <a:pPr algn="ctr"/>
+            <a:endParaRPr lang="fr-FR" sz="2800" b="1" dirty="0">
+              <a:latin typeface="Helvetica" panose="020B0604020202030204" pitchFamily="34" charset="0"/>
+              <a:cs typeface="Arial" panose="020B0604020202020204" pitchFamily="34" charset="0"/>
+            </a:endParaRPr>
+          </a:p>
+          <a:p>
+            <a:r>
+              <a:rPr lang="fr-FR" sz="2400" dirty="0">
+                <a:latin typeface="Helvetica" panose="020B0604020202030204" pitchFamily="34" charset="0"/>
+              </a:rPr>
+              <a:t>Cohésion du groupe + Bonne ambiance = Travail productif</a:t>
+            </a:r>
+          </a:p>
+          <a:p>
+            <a:endParaRPr lang="fr-FR" sz="2400" dirty="0">
+              <a:latin typeface="Helvetica" panose="020B0604020202030204" pitchFamily="34" charset="0"/>
+            </a:endParaRPr>
+          </a:p>
+          <a:p>
+            <a:r>
+              <a:rPr lang="fr-FR" sz="2400" dirty="0">
+                <a:latin typeface="Helvetica" panose="020B0604020202030204" pitchFamily="34" charset="0"/>
+              </a:rPr>
+              <a:t>Diversité des profils = Complémentarité</a:t>
+            </a:r>
+          </a:p>
+          <a:p>
+            <a:endParaRPr lang="fr-FR" sz="2400" dirty="0">
+              <a:latin typeface="Helvetica" panose="020B0604020202030204" pitchFamily="34" charset="0"/>
+            </a:endParaRPr>
+          </a:p>
+          <a:p>
+            <a:r>
+              <a:rPr lang="fr-FR" sz="2400" dirty="0">
+                <a:latin typeface="Helvetica" panose="020B0604020202030204" pitchFamily="34" charset="0"/>
+              </a:rPr>
+              <a:t>Utilisation de GitHub</a:t>
+            </a:r>
+          </a:p>
+          <a:p>
+            <a:endParaRPr lang="fr-FR" sz="2400" dirty="0">
+              <a:latin typeface="Helvetica" panose="020B0604020202030204" pitchFamily="34" charset="0"/>
+            </a:endParaRPr>
+          </a:p>
+          <a:p>
+            <a:r>
+              <a:rPr lang="fr-FR" sz="2400" dirty="0">
+                <a:latin typeface="Helvetica" panose="020B0604020202030204" pitchFamily="34" charset="0"/>
+              </a:rPr>
+              <a:t>Adaptation à un nouveau langage </a:t>
+            </a:r>
+          </a:p>
+          <a:p>
+            <a:endParaRPr lang="fr-FR" sz="2400" dirty="0">
+              <a:latin typeface="Helvetica" panose="020B0604020202030204" pitchFamily="34" charset="0"/>
+            </a:endParaRPr>
+          </a:p>
+          <a:p>
+            <a:r>
+              <a:rPr lang="fr-FR" sz="2400" dirty="0">
+                <a:latin typeface="Helvetica" panose="020B0604020202030204" pitchFamily="34" charset="0"/>
+              </a:rPr>
+              <a:t>Indentation et commentaires</a:t>
+            </a:r>
+          </a:p>
+        </p:txBody>
+      </p:sp>
+    </p:spTree>
+    <p:extLst>
+      <p:ext uri="{BB962C8B-B14F-4D97-AF65-F5344CB8AC3E}">
+        <p14:creationId xmlns:p14="http://schemas.microsoft.com/office/powerpoint/2010/main" val="3408514451"/>
+      </p:ext>
+    </p:extLst>
+  </p:cSld>
+  <p:clrMapOvr>
+    <a:masterClrMapping/>
+  </p:clrMapOvr>
+</p:sld>
+</file>
+
+<file path=ppt/slides/slide27.xml><?xml version="1.0" encoding="utf-8"?>
+<p:sld xmlns:a="http://schemas.openxmlformats.org/drawingml/2006/main" xmlns:r="http://schemas.openxmlformats.org/officeDocument/2006/relationships" xmlns:p="http://schemas.openxmlformats.org/presentationml/2006/main">
+  <p:cSld>
+    <p:bg>
+      <p:bgPr>
+        <a:blipFill dpi="0" rotWithShape="1">
+          <a:blip r:embed="rId2">
+            <a:lum/>
+          </a:blip>
+          <a:srcRect/>
+          <a:stretch>
+            <a:fillRect/>
+          </a:stretch>
+        </a:blipFill>
+        <a:effectLst/>
+      </p:bgPr>
+    </p:bg>
+    <p:spTree>
+      <p:nvGrpSpPr>
+        <p:cNvPr id="1" name=""/>
+        <p:cNvGrpSpPr/>
+        <p:nvPr/>
+      </p:nvGrpSpPr>
+      <p:grpSpPr>
+        <a:xfrm>
+          <a:off x="0" y="0"/>
+          <a:ext cx="0" cy="0"/>
+          <a:chOff x="0" y="0"/>
+          <a:chExt cx="0" cy="0"/>
+        </a:xfrm>
+      </p:grpSpPr>
+      <p:grpSp>
+        <p:nvGrpSpPr>
+          <p:cNvPr id="7" name="Groupe 6">
+            <a:extLst>
+              <a:ext uri="{FF2B5EF4-FFF2-40B4-BE49-F238E27FC236}">
+                <a16:creationId xmlns:a16="http://schemas.microsoft.com/office/drawing/2014/main" id="{67E81936-583F-45AD-82CC-A5C937F4C87C}"/>
+              </a:ext>
+            </a:extLst>
+          </p:cNvPr>
+          <p:cNvGrpSpPr/>
+          <p:nvPr/>
+        </p:nvGrpSpPr>
+        <p:grpSpPr>
+          <a:xfrm>
+            <a:off x="327166" y="0"/>
+            <a:ext cx="11251304" cy="1342417"/>
+            <a:chOff x="327166" y="0"/>
+            <a:chExt cx="11251304" cy="1342417"/>
+          </a:xfrm>
+        </p:grpSpPr>
+        <p:sp>
+          <p:nvSpPr>
+            <p:cNvPr id="4" name="Flèche : chevron 3">
+              <a:extLst>
+                <a:ext uri="{FF2B5EF4-FFF2-40B4-BE49-F238E27FC236}">
+                  <a16:creationId xmlns:a16="http://schemas.microsoft.com/office/drawing/2014/main" id="{60D600DE-6FA0-4280-A81A-6DBE7691E92C}"/>
+                </a:ext>
+              </a:extLst>
+            </p:cNvPr>
+            <p:cNvSpPr/>
+            <p:nvPr/>
+          </p:nvSpPr>
+          <p:spPr>
+            <a:xfrm>
+              <a:off x="1268691" y="332278"/>
+              <a:ext cx="2309567" cy="688157"/>
+            </a:xfrm>
+            <a:prstGeom prst="chevron">
+              <a:avLst/>
+            </a:prstGeom>
+            <a:solidFill>
+              <a:srgbClr val="FED449"/>
+            </a:solidFill>
+            <a:ln>
+              <a:solidFill>
+                <a:schemeClr val="bg1"/>
+              </a:solidFill>
+            </a:ln>
+          </p:spPr>
+          <p:style>
+            <a:lnRef idx="2">
+              <a:schemeClr val="accent1">
+                <a:shade val="50000"/>
+              </a:schemeClr>
+            </a:lnRef>
+            <a:fillRef idx="1">
+              <a:schemeClr val="accent1"/>
+            </a:fillRef>
+            <a:effectRef idx="0">
+              <a:schemeClr val="accent1"/>
+            </a:effectRef>
+            <a:fontRef idx="minor">
+              <a:schemeClr val="lt1"/>
+            </a:fontRef>
+          </p:style>
+          <p:txBody>
+            <a:bodyPr rtlCol="0" anchor="ctr"/>
+            <a:lstStyle/>
+            <a:p>
+              <a:pPr algn="ctr"/>
+              <a:r>
+                <a:rPr lang="fr-FR" sz="1500" b="1" dirty="0">
+                  <a:solidFill>
+                    <a:schemeClr val="bg1"/>
+                  </a:solidFill>
+                  <a:effectLst>
+                    <a:outerShdw blurRad="38100" dist="76200" dir="2700000" algn="tl">
+                      <a:srgbClr val="000000"/>
+                    </a:outerShdw>
+                  </a:effectLst>
+                  <a:latin typeface="Helvetica" panose="020B0604020202030204" pitchFamily="34" charset="0"/>
+                </a:rPr>
+                <a:t>Etude du projet</a:t>
+              </a:r>
+            </a:p>
+          </p:txBody>
+        </p:sp>
+        <p:sp>
+          <p:nvSpPr>
+            <p:cNvPr id="16" name="Flèche : chevron 15">
+              <a:extLst>
+                <a:ext uri="{FF2B5EF4-FFF2-40B4-BE49-F238E27FC236}">
+                  <a16:creationId xmlns:a16="http://schemas.microsoft.com/office/drawing/2014/main" id="{F7655D32-22EC-4542-883E-4033865C1471}"/>
+                </a:ext>
+              </a:extLst>
+            </p:cNvPr>
+            <p:cNvSpPr/>
+            <p:nvPr/>
+          </p:nvSpPr>
+          <p:spPr>
+            <a:xfrm>
+              <a:off x="9268903" y="332277"/>
+              <a:ext cx="2309567" cy="688157"/>
+            </a:xfrm>
+            <a:prstGeom prst="chevron">
+              <a:avLst/>
+            </a:prstGeom>
+            <a:solidFill>
+              <a:srgbClr val="88CE62"/>
+            </a:solidFill>
+            <a:ln>
+              <a:solidFill>
+                <a:schemeClr val="bg1"/>
+              </a:solidFill>
+            </a:ln>
+          </p:spPr>
+          <p:style>
+            <a:lnRef idx="2">
+              <a:schemeClr val="accent1">
+                <a:shade val="50000"/>
+              </a:schemeClr>
+            </a:lnRef>
+            <a:fillRef idx="1">
+              <a:schemeClr val="accent1"/>
+            </a:fillRef>
+            <a:effectRef idx="0">
+              <a:schemeClr val="accent1"/>
+            </a:effectRef>
+            <a:fontRef idx="minor">
+              <a:schemeClr val="lt1"/>
+            </a:fontRef>
+          </p:style>
+          <p:txBody>
+            <a:bodyPr rtlCol="0" anchor="ctr"/>
+            <a:lstStyle/>
+            <a:p>
+              <a:pPr algn="ctr"/>
+              <a:r>
+                <a:rPr lang="fr-FR" sz="1600" b="1" dirty="0">
+                  <a:solidFill>
+                    <a:schemeClr val="bg1"/>
+                  </a:solidFill>
+                  <a:effectLst>
+                    <a:outerShdw blurRad="38100" dist="76200" dir="2700000" algn="tl">
+                      <a:srgbClr val="000000"/>
+                    </a:outerShdw>
+                  </a:effectLst>
+                  <a:latin typeface="Helvetica" panose="020B0604020202030204" pitchFamily="34" charset="0"/>
+                </a:rPr>
+                <a:t>Conclusion</a:t>
+              </a:r>
+            </a:p>
+          </p:txBody>
+        </p:sp>
+        <p:sp>
+          <p:nvSpPr>
+            <p:cNvPr id="17" name="Flèche : chevron 16">
+              <a:extLst>
+                <a:ext uri="{FF2B5EF4-FFF2-40B4-BE49-F238E27FC236}">
+                  <a16:creationId xmlns:a16="http://schemas.microsoft.com/office/drawing/2014/main" id="{30C36617-CB5C-40F8-B05D-7053886FD5EF}"/>
+                </a:ext>
+              </a:extLst>
+            </p:cNvPr>
+            <p:cNvSpPr/>
+            <p:nvPr/>
+          </p:nvSpPr>
+          <p:spPr>
+            <a:xfrm>
+              <a:off x="3268744" y="332277"/>
+              <a:ext cx="2309567" cy="688157"/>
+            </a:xfrm>
+            <a:prstGeom prst="chevron">
+              <a:avLst/>
+            </a:prstGeom>
+            <a:solidFill>
+              <a:srgbClr val="FED449"/>
+            </a:solidFill>
+            <a:ln>
+              <a:solidFill>
+                <a:schemeClr val="bg1"/>
+              </a:solidFill>
+            </a:ln>
+          </p:spPr>
+          <p:style>
+            <a:lnRef idx="2">
+              <a:schemeClr val="accent1">
+                <a:shade val="50000"/>
+              </a:schemeClr>
+            </a:lnRef>
+            <a:fillRef idx="1">
+              <a:schemeClr val="accent1"/>
+            </a:fillRef>
+            <a:effectRef idx="0">
+              <a:schemeClr val="accent1"/>
+            </a:effectRef>
+            <a:fontRef idx="minor">
+              <a:schemeClr val="lt1"/>
+            </a:fontRef>
+          </p:style>
+          <p:txBody>
+            <a:bodyPr rtlCol="0" anchor="ctr"/>
+            <a:lstStyle/>
+            <a:p>
+              <a:pPr algn="ctr"/>
+              <a:r>
+                <a:rPr lang="fr-FR" sz="1500" b="1" dirty="0">
+                  <a:solidFill>
+                    <a:schemeClr val="bg1"/>
+                  </a:solidFill>
+                  <a:effectLst>
+                    <a:outerShdw blurRad="38100" dist="76200" dir="2700000" algn="tl">
+                      <a:srgbClr val="000000"/>
+                    </a:outerShdw>
+                  </a:effectLst>
+                  <a:latin typeface="Helvetica" panose="020B0604020202030204" pitchFamily="34" charset="0"/>
+                </a:rPr>
+                <a:t>Organisation</a:t>
+              </a:r>
+            </a:p>
+          </p:txBody>
+        </p:sp>
+        <p:sp>
+          <p:nvSpPr>
+            <p:cNvPr id="18" name="Flèche : chevron 17">
+              <a:extLst>
+                <a:ext uri="{FF2B5EF4-FFF2-40B4-BE49-F238E27FC236}">
+                  <a16:creationId xmlns:a16="http://schemas.microsoft.com/office/drawing/2014/main" id="{A33478E5-51C7-4324-9E5C-0845E032CF0C}"/>
+                </a:ext>
+              </a:extLst>
+            </p:cNvPr>
+            <p:cNvSpPr/>
+            <p:nvPr/>
+          </p:nvSpPr>
+          <p:spPr>
+            <a:xfrm>
+              <a:off x="5268797" y="332704"/>
+              <a:ext cx="2309567" cy="688157"/>
+            </a:xfrm>
+            <a:prstGeom prst="chevron">
+              <a:avLst/>
+            </a:prstGeom>
+            <a:solidFill>
+              <a:srgbClr val="FED449"/>
+            </a:solidFill>
+            <a:ln>
+              <a:solidFill>
+                <a:schemeClr val="bg1"/>
+              </a:solidFill>
+            </a:ln>
+          </p:spPr>
+          <p:style>
+            <a:lnRef idx="2">
+              <a:schemeClr val="accent1">
+                <a:shade val="50000"/>
+              </a:schemeClr>
+            </a:lnRef>
+            <a:fillRef idx="1">
+              <a:schemeClr val="accent1"/>
+            </a:fillRef>
+            <a:effectRef idx="0">
+              <a:schemeClr val="accent1"/>
+            </a:effectRef>
+            <a:fontRef idx="minor">
+              <a:schemeClr val="lt1"/>
+            </a:fontRef>
+          </p:style>
+          <p:txBody>
+            <a:bodyPr rtlCol="0" anchor="ctr"/>
+            <a:lstStyle/>
+            <a:p>
+              <a:pPr algn="ctr"/>
+              <a:r>
+                <a:rPr lang="fr-FR" sz="1500" b="1" dirty="0">
+                  <a:solidFill>
+                    <a:schemeClr val="bg1"/>
+                  </a:solidFill>
+                  <a:effectLst>
+                    <a:outerShdw blurRad="38100" dist="76200" dir="2700000" algn="tl">
+                      <a:srgbClr val="000000"/>
+                    </a:outerShdw>
+                  </a:effectLst>
+                  <a:latin typeface="Helvetica" panose="020B0604020202030204" pitchFamily="34" charset="0"/>
+                </a:rPr>
+                <a:t>Développement</a:t>
+              </a:r>
+            </a:p>
+          </p:txBody>
+        </p:sp>
+        <p:sp>
+          <p:nvSpPr>
+            <p:cNvPr id="19" name="Flèche : chevron 18">
+              <a:extLst>
+                <a:ext uri="{FF2B5EF4-FFF2-40B4-BE49-F238E27FC236}">
+                  <a16:creationId xmlns:a16="http://schemas.microsoft.com/office/drawing/2014/main" id="{8795E004-010B-4219-8B10-37FA6D3A7781}"/>
+                </a:ext>
+              </a:extLst>
+            </p:cNvPr>
+            <p:cNvSpPr/>
+            <p:nvPr/>
+          </p:nvSpPr>
+          <p:spPr>
+            <a:xfrm>
+              <a:off x="7268850" y="332703"/>
+              <a:ext cx="2309567" cy="688157"/>
+            </a:xfrm>
+            <a:prstGeom prst="chevron">
+              <a:avLst/>
+            </a:prstGeom>
+            <a:solidFill>
+              <a:srgbClr val="FED449"/>
+            </a:solidFill>
+            <a:ln>
+              <a:solidFill>
+                <a:schemeClr val="bg1"/>
+              </a:solidFill>
+            </a:ln>
+          </p:spPr>
+          <p:style>
+            <a:lnRef idx="2">
+              <a:schemeClr val="accent1">
+                <a:shade val="50000"/>
+              </a:schemeClr>
+            </a:lnRef>
+            <a:fillRef idx="1">
+              <a:schemeClr val="accent1"/>
+            </a:fillRef>
+            <a:effectRef idx="0">
+              <a:schemeClr val="accent1"/>
+            </a:effectRef>
+            <a:fontRef idx="minor">
+              <a:schemeClr val="lt1"/>
+            </a:fontRef>
+          </p:style>
+          <p:txBody>
+            <a:bodyPr rtlCol="0" anchor="ctr"/>
+            <a:lstStyle/>
+            <a:p>
+              <a:pPr algn="ctr"/>
+              <a:r>
+                <a:rPr lang="fr-FR" sz="1500" b="1" dirty="0">
+                  <a:solidFill>
+                    <a:schemeClr val="bg1"/>
+                  </a:solidFill>
+                  <a:effectLst>
+                    <a:outerShdw blurRad="38100" dist="76200" dir="2700000" algn="tl">
+                      <a:srgbClr val="000000"/>
+                    </a:outerShdw>
+                  </a:effectLst>
+                  <a:latin typeface="Helvetica" panose="020B0604020202030204" pitchFamily="34" charset="0"/>
+                </a:rPr>
+                <a:t>Démonstration</a:t>
+              </a:r>
+              <a:endParaRPr lang="fr-FR" sz="1500" dirty="0">
+                <a:solidFill>
+                  <a:schemeClr val="tx1"/>
+                </a:solidFill>
+              </a:endParaRPr>
+            </a:p>
+          </p:txBody>
+        </p:sp>
+        <p:pic>
+          <p:nvPicPr>
+            <p:cNvPr id="6" name="Image 5">
+              <a:extLst>
+                <a:ext uri="{FF2B5EF4-FFF2-40B4-BE49-F238E27FC236}">
+                  <a16:creationId xmlns:a16="http://schemas.microsoft.com/office/drawing/2014/main" id="{2D0A881D-5AC2-4766-BD4C-5405D55C11A5}"/>
+                </a:ext>
+              </a:extLst>
+            </p:cNvPr>
+            <p:cNvPicPr>
+              <a:picLocks noChangeAspect="1"/>
+            </p:cNvPicPr>
+            <p:nvPr/>
+          </p:nvPicPr>
+          <p:blipFill>
+            <a:blip r:embed="rId3">
+              <a:extLst>
+                <a:ext uri="{28A0092B-C50C-407E-A947-70E740481C1C}">
+                  <a14:useLocalDpi xmlns:a14="http://schemas.microsoft.com/office/drawing/2010/main" val="0"/>
+                </a:ext>
+              </a:extLst>
+            </a:blip>
+            <a:stretch>
+              <a:fillRect/>
+            </a:stretch>
+          </p:blipFill>
+          <p:spPr>
+            <a:xfrm>
+              <a:off x="327166" y="0"/>
+              <a:ext cx="1566153" cy="1342417"/>
+            </a:xfrm>
+            <a:prstGeom prst="rect">
+              <a:avLst/>
+            </a:prstGeom>
+          </p:spPr>
+        </p:pic>
+      </p:grpSp>
+      <p:sp>
+        <p:nvSpPr>
+          <p:cNvPr id="10" name="ZoneTexte 9">
+            <a:extLst>
+              <a:ext uri="{FF2B5EF4-FFF2-40B4-BE49-F238E27FC236}">
+                <a16:creationId xmlns:a16="http://schemas.microsoft.com/office/drawing/2014/main" id="{CE36D8FB-1CD3-4D19-A954-A2CE97724692}"/>
+              </a:ext>
+            </a:extLst>
+          </p:cNvPr>
+          <p:cNvSpPr txBox="1"/>
+          <p:nvPr/>
+        </p:nvSpPr>
+        <p:spPr>
+          <a:xfrm>
+            <a:off x="336894" y="1225685"/>
+            <a:ext cx="11472482" cy="5369668"/>
+          </a:xfrm>
+          <a:prstGeom prst="rect">
+            <a:avLst/>
+          </a:prstGeom>
+          <a:solidFill>
+            <a:srgbClr val="FED449">
+              <a:alpha val="50000"/>
+            </a:srgbClr>
+          </a:solidFill>
+          <a:effectLst>
+            <a:softEdge rad="152400"/>
+          </a:effectLst>
+        </p:spPr>
+        <p:txBody>
+          <a:bodyPr wrap="square" rtlCol="0">
+            <a:spAutoFit/>
+          </a:bodyPr>
+          <a:lstStyle/>
+          <a:p>
+            <a:endParaRPr lang="fr-FR" dirty="0"/>
+          </a:p>
+        </p:txBody>
+      </p:sp>
+      <p:sp>
+        <p:nvSpPr>
+          <p:cNvPr id="11" name="ZoneTexte 10">
+            <a:extLst>
+              <a:ext uri="{FF2B5EF4-FFF2-40B4-BE49-F238E27FC236}">
+                <a16:creationId xmlns:a16="http://schemas.microsoft.com/office/drawing/2014/main" id="{4D68F34E-6148-422D-8C78-F40C2B9BADFF}"/>
+              </a:ext>
+            </a:extLst>
+          </p:cNvPr>
+          <p:cNvSpPr txBox="1"/>
+          <p:nvPr/>
+        </p:nvSpPr>
+        <p:spPr>
+          <a:xfrm>
+            <a:off x="1090367" y="1674695"/>
+            <a:ext cx="10011266" cy="3539430"/>
+          </a:xfrm>
+          <a:prstGeom prst="rect">
+            <a:avLst/>
+          </a:prstGeom>
+          <a:noFill/>
+        </p:spPr>
+        <p:txBody>
+          <a:bodyPr wrap="square" rtlCol="0">
+            <a:spAutoFit/>
+          </a:bodyPr>
+          <a:lstStyle/>
+          <a:p>
+            <a:pPr algn="ctr"/>
+            <a:r>
+              <a:rPr lang="fr-FR" sz="2800" b="1" dirty="0">
+                <a:latin typeface="Helvetica" panose="020B0604020202030204" pitchFamily="34" charset="0"/>
+                <a:cs typeface="Arial" panose="020B0604020202020204" pitchFamily="34" charset="0"/>
+              </a:rPr>
+              <a:t>CE QUE NOUS AURIONS PU MIEUX FAIRE</a:t>
+            </a:r>
+          </a:p>
+          <a:p>
+            <a:pPr algn="ctr"/>
+            <a:endParaRPr lang="fr-FR" sz="2800" b="1" dirty="0">
+              <a:latin typeface="Helvetica" panose="020B0604020202030204" pitchFamily="34" charset="0"/>
+              <a:cs typeface="Arial" panose="020B0604020202020204" pitchFamily="34" charset="0"/>
+            </a:endParaRPr>
+          </a:p>
+          <a:p>
+            <a:r>
+              <a:rPr lang="fr-FR" sz="2400" dirty="0">
+                <a:latin typeface="Helvetica" panose="020B0604020202030204" pitchFamily="34" charset="0"/>
+              </a:rPr>
+              <a:t>Utiliser la méthode à Gilles (AGILE) dès le début</a:t>
+            </a:r>
+          </a:p>
+          <a:p>
+            <a:endParaRPr lang="fr-FR" sz="2400" dirty="0">
+              <a:latin typeface="Helvetica" panose="020B0604020202030204" pitchFamily="34" charset="0"/>
+            </a:endParaRPr>
+          </a:p>
+          <a:p>
+            <a:r>
+              <a:rPr lang="fr-FR" sz="2400" dirty="0">
+                <a:latin typeface="Helvetica" panose="020B0604020202030204" pitchFamily="34" charset="0"/>
+              </a:rPr>
+              <a:t>Uniformisation des codes</a:t>
+            </a:r>
+          </a:p>
+          <a:p>
+            <a:endParaRPr lang="fr-FR" sz="2400" dirty="0">
+              <a:latin typeface="Helvetica" panose="020B0604020202030204" pitchFamily="34" charset="0"/>
+            </a:endParaRPr>
+          </a:p>
+          <a:p>
+            <a:r>
+              <a:rPr lang="fr-FR" sz="2400" dirty="0">
+                <a:latin typeface="Helvetica" panose="020B0604020202030204" pitchFamily="34" charset="0"/>
+              </a:rPr>
+              <a:t>Optimisation des fichiers</a:t>
+            </a:r>
+          </a:p>
+          <a:p>
+            <a:endParaRPr lang="fr-FR" sz="2400" dirty="0">
+              <a:latin typeface="Helvetica" panose="020B0604020202030204" pitchFamily="34" charset="0"/>
+            </a:endParaRPr>
+          </a:p>
+          <a:p>
+            <a:endParaRPr lang="fr-FR" sz="2400" dirty="0">
+              <a:latin typeface="Helvetica" panose="020B0604020202030204" pitchFamily="34" charset="0"/>
+            </a:endParaRPr>
+          </a:p>
+        </p:txBody>
+      </p:sp>
+    </p:spTree>
+    <p:extLst>
+      <p:ext uri="{BB962C8B-B14F-4D97-AF65-F5344CB8AC3E}">
+        <p14:creationId xmlns:p14="http://schemas.microsoft.com/office/powerpoint/2010/main" val="2557336589"/>
+      </p:ext>
+    </p:extLst>
+  </p:cSld>
+  <p:clrMapOvr>
+    <a:masterClrMapping/>
+  </p:clrMapOvr>
+</p:sld>
+</file>
+
+<file path=ppt/slides/slide28.xml><?xml version="1.0" encoding="utf-8"?>
+<p:sld xmlns:a="http://schemas.openxmlformats.org/drawingml/2006/main" xmlns:r="http://schemas.openxmlformats.org/officeDocument/2006/relationships" xmlns:p="http://schemas.openxmlformats.org/presentationml/2006/main">
+  <p:cSld>
+    <p:bg>
+      <p:bgPr>
+        <a:blipFill dpi="0" rotWithShape="1">
+          <a:blip r:embed="rId2">
+            <a:lum/>
+          </a:blip>
+          <a:srcRect/>
+          <a:stretch>
+            <a:fillRect/>
+          </a:stretch>
+        </a:blipFill>
+        <a:effectLst/>
+      </p:bgPr>
+    </p:bg>
+    <p:spTree>
+      <p:nvGrpSpPr>
+        <p:cNvPr id="1" name=""/>
+        <p:cNvGrpSpPr/>
+        <p:nvPr/>
+      </p:nvGrpSpPr>
+      <p:grpSpPr>
+        <a:xfrm>
+          <a:off x="0" y="0"/>
+          <a:ext cx="0" cy="0"/>
+          <a:chOff x="0" y="0"/>
+          <a:chExt cx="0" cy="0"/>
+        </a:xfrm>
+      </p:grpSpPr>
+      <p:grpSp>
+        <p:nvGrpSpPr>
+          <p:cNvPr id="7" name="Groupe 6">
+            <a:extLst>
+              <a:ext uri="{FF2B5EF4-FFF2-40B4-BE49-F238E27FC236}">
+                <a16:creationId xmlns:a16="http://schemas.microsoft.com/office/drawing/2014/main" id="{67E81936-583F-45AD-82CC-A5C937F4C87C}"/>
+              </a:ext>
+            </a:extLst>
+          </p:cNvPr>
+          <p:cNvGrpSpPr/>
+          <p:nvPr/>
+        </p:nvGrpSpPr>
+        <p:grpSpPr>
+          <a:xfrm>
+            <a:off x="327166" y="0"/>
+            <a:ext cx="11251304" cy="1342417"/>
+            <a:chOff x="327166" y="0"/>
+            <a:chExt cx="11251304" cy="1342417"/>
+          </a:xfrm>
+        </p:grpSpPr>
+        <p:sp>
+          <p:nvSpPr>
+            <p:cNvPr id="4" name="Flèche : chevron 3">
+              <a:extLst>
+                <a:ext uri="{FF2B5EF4-FFF2-40B4-BE49-F238E27FC236}">
+                  <a16:creationId xmlns:a16="http://schemas.microsoft.com/office/drawing/2014/main" id="{60D600DE-6FA0-4280-A81A-6DBE7691E92C}"/>
+                </a:ext>
+              </a:extLst>
+            </p:cNvPr>
+            <p:cNvSpPr/>
+            <p:nvPr/>
+          </p:nvSpPr>
+          <p:spPr>
+            <a:xfrm>
+              <a:off x="1268691" y="332278"/>
+              <a:ext cx="2309567" cy="688157"/>
+            </a:xfrm>
+            <a:prstGeom prst="chevron">
+              <a:avLst/>
+            </a:prstGeom>
+            <a:solidFill>
+              <a:srgbClr val="FED449"/>
+            </a:solidFill>
+            <a:ln>
+              <a:solidFill>
+                <a:schemeClr val="bg1"/>
+              </a:solidFill>
+            </a:ln>
+          </p:spPr>
+          <p:style>
+            <a:lnRef idx="2">
+              <a:schemeClr val="accent1">
+                <a:shade val="50000"/>
+              </a:schemeClr>
+            </a:lnRef>
+            <a:fillRef idx="1">
+              <a:schemeClr val="accent1"/>
+            </a:fillRef>
+            <a:effectRef idx="0">
+              <a:schemeClr val="accent1"/>
+            </a:effectRef>
+            <a:fontRef idx="minor">
+              <a:schemeClr val="lt1"/>
+            </a:fontRef>
+          </p:style>
+          <p:txBody>
+            <a:bodyPr rtlCol="0" anchor="ctr"/>
+            <a:lstStyle/>
+            <a:p>
+              <a:pPr algn="ctr"/>
+              <a:r>
+                <a:rPr lang="fr-FR" sz="1500" b="1" dirty="0">
+                  <a:solidFill>
+                    <a:schemeClr val="bg1"/>
+                  </a:solidFill>
+                  <a:effectLst>
+                    <a:outerShdw blurRad="38100" dist="76200" dir="2700000" algn="tl">
+                      <a:srgbClr val="000000"/>
+                    </a:outerShdw>
+                  </a:effectLst>
+                  <a:latin typeface="Helvetica" panose="020B0604020202030204" pitchFamily="34" charset="0"/>
+                </a:rPr>
+                <a:t>Etude du projet</a:t>
+              </a:r>
+            </a:p>
+          </p:txBody>
+        </p:sp>
+        <p:sp>
+          <p:nvSpPr>
+            <p:cNvPr id="16" name="Flèche : chevron 15">
+              <a:extLst>
+                <a:ext uri="{FF2B5EF4-FFF2-40B4-BE49-F238E27FC236}">
+                  <a16:creationId xmlns:a16="http://schemas.microsoft.com/office/drawing/2014/main" id="{F7655D32-22EC-4542-883E-4033865C1471}"/>
+                </a:ext>
+              </a:extLst>
+            </p:cNvPr>
+            <p:cNvSpPr/>
+            <p:nvPr/>
+          </p:nvSpPr>
+          <p:spPr>
+            <a:xfrm>
+              <a:off x="9268903" y="332277"/>
+              <a:ext cx="2309567" cy="688157"/>
+            </a:xfrm>
+            <a:prstGeom prst="chevron">
+              <a:avLst/>
+            </a:prstGeom>
+            <a:solidFill>
+              <a:srgbClr val="88CE62"/>
+            </a:solidFill>
+            <a:ln>
+              <a:solidFill>
+                <a:schemeClr val="bg1"/>
+              </a:solidFill>
+            </a:ln>
+          </p:spPr>
+          <p:style>
+            <a:lnRef idx="2">
+              <a:schemeClr val="accent1">
+                <a:shade val="50000"/>
+              </a:schemeClr>
+            </a:lnRef>
+            <a:fillRef idx="1">
+              <a:schemeClr val="accent1"/>
+            </a:fillRef>
+            <a:effectRef idx="0">
+              <a:schemeClr val="accent1"/>
+            </a:effectRef>
+            <a:fontRef idx="minor">
+              <a:schemeClr val="lt1"/>
+            </a:fontRef>
+          </p:style>
+          <p:txBody>
+            <a:bodyPr rtlCol="0" anchor="ctr"/>
+            <a:lstStyle/>
+            <a:p>
+              <a:pPr algn="ctr"/>
+              <a:r>
+                <a:rPr lang="fr-FR" sz="1600" b="1" dirty="0">
+                  <a:solidFill>
+                    <a:schemeClr val="bg1"/>
+                  </a:solidFill>
+                  <a:effectLst>
+                    <a:outerShdw blurRad="38100" dist="76200" dir="2700000" algn="tl">
+                      <a:srgbClr val="000000"/>
+                    </a:outerShdw>
+                  </a:effectLst>
+                  <a:latin typeface="Helvetica" panose="020B0604020202030204" pitchFamily="34" charset="0"/>
+                </a:rPr>
+                <a:t>Conclusion</a:t>
+              </a:r>
+            </a:p>
+          </p:txBody>
+        </p:sp>
+        <p:sp>
+          <p:nvSpPr>
+            <p:cNvPr id="17" name="Flèche : chevron 16">
+              <a:extLst>
+                <a:ext uri="{FF2B5EF4-FFF2-40B4-BE49-F238E27FC236}">
+                  <a16:creationId xmlns:a16="http://schemas.microsoft.com/office/drawing/2014/main" id="{30C36617-CB5C-40F8-B05D-7053886FD5EF}"/>
+                </a:ext>
+              </a:extLst>
+            </p:cNvPr>
+            <p:cNvSpPr/>
+            <p:nvPr/>
+          </p:nvSpPr>
+          <p:spPr>
+            <a:xfrm>
+              <a:off x="3268744" y="332277"/>
+              <a:ext cx="2309567" cy="688157"/>
+            </a:xfrm>
+            <a:prstGeom prst="chevron">
+              <a:avLst/>
+            </a:prstGeom>
+            <a:solidFill>
+              <a:srgbClr val="FED449"/>
+            </a:solidFill>
+            <a:ln>
+              <a:solidFill>
+                <a:schemeClr val="bg1"/>
+              </a:solidFill>
+            </a:ln>
+          </p:spPr>
+          <p:style>
+            <a:lnRef idx="2">
+              <a:schemeClr val="accent1">
+                <a:shade val="50000"/>
+              </a:schemeClr>
+            </a:lnRef>
+            <a:fillRef idx="1">
+              <a:schemeClr val="accent1"/>
+            </a:fillRef>
+            <a:effectRef idx="0">
+              <a:schemeClr val="accent1"/>
+            </a:effectRef>
+            <a:fontRef idx="minor">
+              <a:schemeClr val="lt1"/>
+            </a:fontRef>
+          </p:style>
+          <p:txBody>
+            <a:bodyPr rtlCol="0" anchor="ctr"/>
+            <a:lstStyle/>
+            <a:p>
+              <a:pPr algn="ctr"/>
+              <a:r>
+                <a:rPr lang="fr-FR" sz="1500" b="1" dirty="0">
+                  <a:solidFill>
+                    <a:schemeClr val="bg1"/>
+                  </a:solidFill>
+                  <a:effectLst>
+                    <a:outerShdw blurRad="38100" dist="76200" dir="2700000" algn="tl">
+                      <a:srgbClr val="000000"/>
+                    </a:outerShdw>
+                  </a:effectLst>
+                  <a:latin typeface="Helvetica" panose="020B0604020202030204" pitchFamily="34" charset="0"/>
+                </a:rPr>
+                <a:t>Organisation</a:t>
+              </a:r>
+            </a:p>
+          </p:txBody>
+        </p:sp>
+        <p:sp>
+          <p:nvSpPr>
+            <p:cNvPr id="18" name="Flèche : chevron 17">
+              <a:extLst>
+                <a:ext uri="{FF2B5EF4-FFF2-40B4-BE49-F238E27FC236}">
+                  <a16:creationId xmlns:a16="http://schemas.microsoft.com/office/drawing/2014/main" id="{A33478E5-51C7-4324-9E5C-0845E032CF0C}"/>
+                </a:ext>
+              </a:extLst>
+            </p:cNvPr>
+            <p:cNvSpPr/>
+            <p:nvPr/>
+          </p:nvSpPr>
+          <p:spPr>
+            <a:xfrm>
+              <a:off x="5268797" y="332704"/>
+              <a:ext cx="2309567" cy="688157"/>
+            </a:xfrm>
+            <a:prstGeom prst="chevron">
+              <a:avLst/>
+            </a:prstGeom>
+            <a:solidFill>
+              <a:srgbClr val="FED449"/>
+            </a:solidFill>
+            <a:ln>
+              <a:solidFill>
+                <a:schemeClr val="bg1"/>
+              </a:solidFill>
+            </a:ln>
+          </p:spPr>
+          <p:style>
+            <a:lnRef idx="2">
+              <a:schemeClr val="accent1">
+                <a:shade val="50000"/>
+              </a:schemeClr>
+            </a:lnRef>
+            <a:fillRef idx="1">
+              <a:schemeClr val="accent1"/>
+            </a:fillRef>
+            <a:effectRef idx="0">
+              <a:schemeClr val="accent1"/>
+            </a:effectRef>
+            <a:fontRef idx="minor">
+              <a:schemeClr val="lt1"/>
+            </a:fontRef>
+          </p:style>
+          <p:txBody>
+            <a:bodyPr rtlCol="0" anchor="ctr"/>
+            <a:lstStyle/>
+            <a:p>
+              <a:pPr algn="ctr"/>
+              <a:r>
+                <a:rPr lang="fr-FR" sz="1500" b="1" dirty="0">
+                  <a:solidFill>
+                    <a:schemeClr val="bg1"/>
+                  </a:solidFill>
+                  <a:effectLst>
+                    <a:outerShdw blurRad="38100" dist="76200" dir="2700000" algn="tl">
+                      <a:srgbClr val="000000"/>
+                    </a:outerShdw>
+                  </a:effectLst>
+                  <a:latin typeface="Helvetica" panose="020B0604020202030204" pitchFamily="34" charset="0"/>
+                </a:rPr>
+                <a:t>Développement</a:t>
+              </a:r>
+            </a:p>
+          </p:txBody>
+        </p:sp>
+        <p:sp>
+          <p:nvSpPr>
+            <p:cNvPr id="19" name="Flèche : chevron 18">
+              <a:extLst>
+                <a:ext uri="{FF2B5EF4-FFF2-40B4-BE49-F238E27FC236}">
+                  <a16:creationId xmlns:a16="http://schemas.microsoft.com/office/drawing/2014/main" id="{8795E004-010B-4219-8B10-37FA6D3A7781}"/>
+                </a:ext>
+              </a:extLst>
+            </p:cNvPr>
+            <p:cNvSpPr/>
+            <p:nvPr/>
+          </p:nvSpPr>
+          <p:spPr>
+            <a:xfrm>
+              <a:off x="7268850" y="332703"/>
+              <a:ext cx="2309567" cy="688157"/>
+            </a:xfrm>
+            <a:prstGeom prst="chevron">
+              <a:avLst/>
+            </a:prstGeom>
+            <a:solidFill>
+              <a:srgbClr val="FED449"/>
+            </a:solidFill>
+            <a:ln>
+              <a:solidFill>
+                <a:schemeClr val="bg1"/>
+              </a:solidFill>
+            </a:ln>
+          </p:spPr>
+          <p:style>
+            <a:lnRef idx="2">
+              <a:schemeClr val="accent1">
+                <a:shade val="50000"/>
+              </a:schemeClr>
+            </a:lnRef>
+            <a:fillRef idx="1">
+              <a:schemeClr val="accent1"/>
+            </a:fillRef>
+            <a:effectRef idx="0">
+              <a:schemeClr val="accent1"/>
+            </a:effectRef>
+            <a:fontRef idx="minor">
+              <a:schemeClr val="lt1"/>
+            </a:fontRef>
+          </p:style>
+          <p:txBody>
+            <a:bodyPr rtlCol="0" anchor="ctr"/>
+            <a:lstStyle/>
+            <a:p>
+              <a:pPr algn="ctr"/>
+              <a:r>
+                <a:rPr lang="fr-FR" sz="1500" b="1" dirty="0">
+                  <a:solidFill>
+                    <a:schemeClr val="bg1"/>
+                  </a:solidFill>
+                  <a:effectLst>
+                    <a:outerShdw blurRad="38100" dist="76200" dir="2700000" algn="tl">
+                      <a:srgbClr val="000000"/>
+                    </a:outerShdw>
+                  </a:effectLst>
+                  <a:latin typeface="Helvetica" panose="020B0604020202030204" pitchFamily="34" charset="0"/>
+                </a:rPr>
+                <a:t>Démonstration</a:t>
+              </a:r>
+              <a:endParaRPr lang="fr-FR" sz="1500" dirty="0">
+                <a:solidFill>
+                  <a:schemeClr val="tx1"/>
+                </a:solidFill>
+              </a:endParaRPr>
+            </a:p>
+          </p:txBody>
+        </p:sp>
+        <p:pic>
+          <p:nvPicPr>
+            <p:cNvPr id="6" name="Image 5">
+              <a:extLst>
+                <a:ext uri="{FF2B5EF4-FFF2-40B4-BE49-F238E27FC236}">
+                  <a16:creationId xmlns:a16="http://schemas.microsoft.com/office/drawing/2014/main" id="{2D0A881D-5AC2-4766-BD4C-5405D55C11A5}"/>
+                </a:ext>
+              </a:extLst>
+            </p:cNvPr>
+            <p:cNvPicPr>
+              <a:picLocks noChangeAspect="1"/>
+            </p:cNvPicPr>
+            <p:nvPr/>
+          </p:nvPicPr>
+          <p:blipFill>
+            <a:blip r:embed="rId3">
+              <a:extLst>
+                <a:ext uri="{28A0092B-C50C-407E-A947-70E740481C1C}">
+                  <a14:useLocalDpi xmlns:a14="http://schemas.microsoft.com/office/drawing/2010/main" val="0"/>
+                </a:ext>
+              </a:extLst>
+            </a:blip>
+            <a:stretch>
+              <a:fillRect/>
+            </a:stretch>
+          </p:blipFill>
+          <p:spPr>
+            <a:xfrm>
+              <a:off x="327166" y="0"/>
+              <a:ext cx="1566153" cy="1342417"/>
+            </a:xfrm>
+            <a:prstGeom prst="rect">
+              <a:avLst/>
+            </a:prstGeom>
+          </p:spPr>
+        </p:pic>
+      </p:grpSp>
+      <p:sp>
+        <p:nvSpPr>
+          <p:cNvPr id="10" name="ZoneTexte 9">
+            <a:extLst>
+              <a:ext uri="{FF2B5EF4-FFF2-40B4-BE49-F238E27FC236}">
+                <a16:creationId xmlns:a16="http://schemas.microsoft.com/office/drawing/2014/main" id="{CE36D8FB-1CD3-4D19-A954-A2CE97724692}"/>
+              </a:ext>
+            </a:extLst>
+          </p:cNvPr>
+          <p:cNvSpPr txBox="1"/>
+          <p:nvPr/>
+        </p:nvSpPr>
+        <p:spPr>
+          <a:xfrm>
+            <a:off x="336894" y="1225685"/>
+            <a:ext cx="11472482" cy="5369668"/>
+          </a:xfrm>
+          <a:prstGeom prst="rect">
+            <a:avLst/>
+          </a:prstGeom>
+          <a:solidFill>
+            <a:srgbClr val="FED449">
+              <a:alpha val="50000"/>
+            </a:srgbClr>
+          </a:solidFill>
+          <a:effectLst>
+            <a:softEdge rad="152400"/>
+          </a:effectLst>
+        </p:spPr>
+        <p:txBody>
+          <a:bodyPr wrap="square" rtlCol="0">
+            <a:spAutoFit/>
+          </a:bodyPr>
+          <a:lstStyle/>
+          <a:p>
+            <a:endParaRPr lang="fr-FR" dirty="0"/>
+          </a:p>
+        </p:txBody>
+      </p:sp>
+      <p:sp>
+        <p:nvSpPr>
+          <p:cNvPr id="11" name="ZoneTexte 10">
+            <a:extLst>
+              <a:ext uri="{FF2B5EF4-FFF2-40B4-BE49-F238E27FC236}">
                 <a16:creationId xmlns:a16="http://schemas.microsoft.com/office/drawing/2014/main" id="{C9EBFD3C-EFBF-4D0F-882B-53499E15C08D}"/>
               </a:ext>
             </a:extLst>
@@ -11984,7 +15732,7 @@
 </p:sld>
 </file>
 
-<file path=ppt/slides/slide23.xml><?xml version="1.0" encoding="utf-8"?>
+<file path=ppt/slides/slide29.xml><?xml version="1.0" encoding="utf-8"?>
 <p:sld xmlns:a="http://schemas.openxmlformats.org/drawingml/2006/main" xmlns:r="http://schemas.openxmlformats.org/officeDocument/2006/relationships" xmlns:p="http://schemas.openxmlformats.org/presentationml/2006/main">
   <p:cSld>
     <p:bg>
@@ -12140,6 +15888,150 @@
           </a:p>
         </p:txBody>
       </p:sp>
+      <p:pic>
+        <p:nvPicPr>
+          <p:cNvPr id="4" name="Image 3" descr="Une image contenant clipart&#10;&#10;Description générée avec un niveau de confiance très élevé">
+            <a:extLst>
+              <a:ext uri="{FF2B5EF4-FFF2-40B4-BE49-F238E27FC236}">
+                <a16:creationId xmlns:a16="http://schemas.microsoft.com/office/drawing/2014/main" id="{78D8E508-1701-4D25-A42E-83B1EF5658CC}"/>
+              </a:ext>
+            </a:extLst>
+          </p:cNvPr>
+          <p:cNvPicPr>
+            <a:picLocks noChangeAspect="1"/>
+          </p:cNvPicPr>
+          <p:nvPr/>
+        </p:nvPicPr>
+        <p:blipFill>
+          <a:blip r:embed="rId4">
+            <a:extLst>
+              <a:ext uri="{28A0092B-C50C-407E-A947-70E740481C1C}">
+                <a14:useLocalDpi xmlns:a14="http://schemas.microsoft.com/office/drawing/2010/main" val="0"/>
+              </a:ext>
+            </a:extLst>
+          </a:blip>
+          <a:stretch>
+            <a:fillRect/>
+          </a:stretch>
+        </p:blipFill>
+        <p:spPr>
+          <a:xfrm>
+            <a:off x="839968" y="5003050"/>
+            <a:ext cx="1312018" cy="1312018"/>
+          </a:xfrm>
+          <a:prstGeom prst="rect">
+            <a:avLst/>
+          </a:prstGeom>
+        </p:spPr>
+      </p:pic>
+      <p:pic>
+        <p:nvPicPr>
+          <p:cNvPr id="7" name="Image 6">
+            <a:extLst>
+              <a:ext uri="{FF2B5EF4-FFF2-40B4-BE49-F238E27FC236}">
+                <a16:creationId xmlns:a16="http://schemas.microsoft.com/office/drawing/2014/main" id="{C9A9B725-ECD2-427A-BF73-DF73AA237FE3}"/>
+              </a:ext>
+            </a:extLst>
+          </p:cNvPr>
+          <p:cNvPicPr>
+            <a:picLocks noChangeAspect="1"/>
+          </p:cNvPicPr>
+          <p:nvPr/>
+        </p:nvPicPr>
+        <p:blipFill>
+          <a:blip r:embed="rId5">
+            <a:extLst>
+              <a:ext uri="{28A0092B-C50C-407E-A947-70E740481C1C}">
+                <a14:useLocalDpi xmlns:a14="http://schemas.microsoft.com/office/drawing/2010/main" val="0"/>
+              </a:ext>
+            </a:extLst>
+          </a:blip>
+          <a:stretch>
+            <a:fillRect/>
+          </a:stretch>
+        </p:blipFill>
+        <p:spPr>
+          <a:xfrm>
+            <a:off x="3227992" y="4669405"/>
+            <a:ext cx="1721079" cy="1721079"/>
+          </a:xfrm>
+          <a:prstGeom prst="rect">
+            <a:avLst/>
+          </a:prstGeom>
+        </p:spPr>
+      </p:pic>
+      <p:pic>
+        <p:nvPicPr>
+          <p:cNvPr id="12" name="Image 11">
+            <a:extLst>
+              <a:ext uri="{FF2B5EF4-FFF2-40B4-BE49-F238E27FC236}">
+                <a16:creationId xmlns:a16="http://schemas.microsoft.com/office/drawing/2014/main" id="{32F2C80B-0AAA-48CF-B1E3-68325D486DAA}"/>
+              </a:ext>
+            </a:extLst>
+          </p:cNvPr>
+          <p:cNvPicPr>
+            <a:picLocks noChangeAspect="1"/>
+          </p:cNvPicPr>
+          <p:nvPr/>
+        </p:nvPicPr>
+        <p:blipFill>
+          <a:blip r:embed="rId6">
+            <a:extLst>
+              <a:ext uri="{28A0092B-C50C-407E-A947-70E740481C1C}">
+                <a14:useLocalDpi xmlns:a14="http://schemas.microsoft.com/office/drawing/2010/main" val="0"/>
+              </a:ext>
+            </a:extLst>
+          </a:blip>
+          <a:stretch>
+            <a:fillRect/>
+          </a:stretch>
+        </p:blipFill>
+        <p:spPr>
+          <a:xfrm>
+            <a:off x="5790990" y="4886318"/>
+            <a:ext cx="1987485" cy="1656238"/>
+          </a:xfrm>
+          <a:prstGeom prst="rect">
+            <a:avLst/>
+          </a:prstGeom>
+        </p:spPr>
+      </p:pic>
+      <p:pic>
+        <p:nvPicPr>
+          <p:cNvPr id="14" name="Image 13">
+            <a:extLst>
+              <a:ext uri="{FF2B5EF4-FFF2-40B4-BE49-F238E27FC236}">
+                <a16:creationId xmlns:a16="http://schemas.microsoft.com/office/drawing/2014/main" id="{89502178-AAD9-41EA-BABA-B1F22D0703A7}"/>
+              </a:ext>
+            </a:extLst>
+          </p:cNvPr>
+          <p:cNvPicPr>
+            <a:picLocks noChangeAspect="1"/>
+          </p:cNvPicPr>
+          <p:nvPr/>
+        </p:nvPicPr>
+        <p:blipFill>
+          <a:blip r:embed="rId7">
+            <a:extLst>
+              <a:ext uri="{28A0092B-C50C-407E-A947-70E740481C1C}">
+                <a14:useLocalDpi xmlns:a14="http://schemas.microsoft.com/office/drawing/2010/main" val="0"/>
+              </a:ext>
+            </a:extLst>
+          </a:blip>
+          <a:stretch>
+            <a:fillRect/>
+          </a:stretch>
+        </p:blipFill>
+        <p:spPr>
+          <a:xfrm>
+            <a:off x="9145686" y="5003050"/>
+            <a:ext cx="2314575" cy="1181100"/>
+          </a:xfrm>
+          <a:prstGeom prst="rect">
+            <a:avLst/>
+          </a:prstGeom>
+        </p:spPr>
+      </p:pic>
     </p:spTree>
     <p:extLst>
       <p:ext uri="{BB962C8B-B14F-4D97-AF65-F5344CB8AC3E}">
@@ -13770,7 +17662,7 @@
                   <a:r>
                     <a:rPr lang="fr-FR" sz="1000" dirty="0">
                       <a:solidFill>
-                        <a:schemeClr val="tx1"/>
+                        <a:schemeClr val="bg1"/>
                       </a:solidFill>
                     </a:rPr>
                     <a:t>Image</a:t>
@@ -14347,7 +18239,7 @@
                     <a:r>
                       <a:rPr lang="fr-FR" sz="1400" dirty="0">
                         <a:solidFill>
-                          <a:schemeClr val="bg1"/>
+                          <a:schemeClr val="tx1"/>
                         </a:solidFill>
                       </a:rPr>
                       <a:t>Pop</a:t>
@@ -15936,7 +19828,7 @@
                   <a:r>
                     <a:rPr lang="fr-FR" sz="1000" dirty="0">
                       <a:solidFill>
-                        <a:schemeClr val="tx1"/>
+                        <a:schemeClr val="bg1"/>
                       </a:solidFill>
                     </a:rPr>
                     <a:t>Image</a:t>
@@ -20042,7 +23934,7 @@
           <a:graphicData uri="http://schemas.openxmlformats.org/presentationml/2006/ole">
             <mc:AlternateContent xmlns:mc="http://schemas.openxmlformats.org/markup-compatibility/2006">
               <mc:Choice xmlns:v="urn:schemas-microsoft-com:vml" Requires="v">
-                <p:oleObj spid="_x0000_s1066" name="Worksheet" r:id="rId5" imgW="6865398" imgH="1562197" progId="Excel.Sheet.12">
+                <p:oleObj spid="_x0000_s1069" name="Worksheet" r:id="rId5" imgW="6865398" imgH="1562197" progId="Excel.Sheet.12">
                   <p:embed/>
                 </p:oleObj>
               </mc:Choice>

--- a/DIAPO.pptx
+++ b/DIAPO.pptx
@@ -9225,7 +9225,7 @@
               <a:avLst/>
             </a:prstGeom>
             <a:solidFill>
-              <a:srgbClr val="FED449"/>
+              <a:srgbClr val="88CE62"/>
             </a:solidFill>
             <a:ln>
               <a:solidFill>
@@ -9292,7 +9292,7 @@
               <a:avLst/>
             </a:prstGeom>
             <a:solidFill>
-              <a:srgbClr val="88CE62"/>
+              <a:srgbClr val="FED449"/>
             </a:solidFill>
             <a:ln>
               <a:solidFill>
@@ -9876,7 +9876,7 @@
               <a:avLst/>
             </a:prstGeom>
             <a:solidFill>
-              <a:srgbClr val="FED449"/>
+              <a:srgbClr val="88CE62"/>
             </a:solidFill>
             <a:ln>
               <a:solidFill>
@@ -9943,7 +9943,7 @@
               <a:avLst/>
             </a:prstGeom>
             <a:solidFill>
-              <a:srgbClr val="88CE62"/>
+              <a:srgbClr val="FED449"/>
             </a:solidFill>
             <a:ln>
               <a:solidFill>
@@ -10714,7 +10714,7 @@
               <a:avLst/>
             </a:prstGeom>
             <a:solidFill>
-              <a:srgbClr val="FED449"/>
+              <a:srgbClr val="88CE62"/>
             </a:solidFill>
             <a:ln>
               <a:solidFill>
@@ -10781,7 +10781,7 @@
               <a:avLst/>
             </a:prstGeom>
             <a:solidFill>
-              <a:srgbClr val="88CE62"/>
+              <a:srgbClr val="FED449"/>
             </a:solidFill>
             <a:ln>
               <a:solidFill>
@@ -11344,7 +11344,7 @@
               <a:avLst/>
             </a:prstGeom>
             <a:solidFill>
-              <a:srgbClr val="FED449"/>
+              <a:srgbClr val="88CE62"/>
             </a:solidFill>
             <a:ln>
               <a:solidFill>
@@ -11411,7 +11411,7 @@
               <a:avLst/>
             </a:prstGeom>
             <a:solidFill>
-              <a:srgbClr val="88CE62"/>
+              <a:srgbClr val="FED449"/>
             </a:solidFill>
             <a:ln>
               <a:solidFill>
@@ -11953,7 +11953,7 @@
               <a:avLst/>
             </a:prstGeom>
             <a:solidFill>
-              <a:srgbClr val="FED449"/>
+              <a:srgbClr val="88CE62"/>
             </a:solidFill>
             <a:ln>
               <a:solidFill>
@@ -12020,7 +12020,7 @@
               <a:avLst/>
             </a:prstGeom>
             <a:solidFill>
-              <a:srgbClr val="88CE62"/>
+              <a:srgbClr val="FED449"/>
             </a:solidFill>
             <a:ln>
               <a:solidFill>
@@ -12562,7 +12562,7 @@
               <a:avLst/>
             </a:prstGeom>
             <a:solidFill>
-              <a:srgbClr val="FED449"/>
+              <a:srgbClr val="88CE62"/>
             </a:solidFill>
             <a:ln>
               <a:solidFill>
@@ -12629,7 +12629,7 @@
               <a:avLst/>
             </a:prstGeom>
             <a:solidFill>
-              <a:srgbClr val="88CE62"/>
+              <a:srgbClr val="FED449"/>
             </a:solidFill>
             <a:ln>
               <a:solidFill>
@@ -23934,7 +23934,7 @@
           <a:graphicData uri="http://schemas.openxmlformats.org/presentationml/2006/ole">
             <mc:AlternateContent xmlns:mc="http://schemas.openxmlformats.org/markup-compatibility/2006">
               <mc:Choice xmlns:v="urn:schemas-microsoft-com:vml" Requires="v">
-                <p:oleObj spid="_x0000_s1069" name="Worksheet" r:id="rId5" imgW="6865398" imgH="1562197" progId="Excel.Sheet.12">
+                <p:oleObj spid="_x0000_s1071" name="Worksheet" r:id="rId5" imgW="6865398" imgH="1562197" progId="Excel.Sheet.12">
                   <p:embed/>
                 </p:oleObj>
               </mc:Choice>

--- a/DIAPO.pptx
+++ b/DIAPO.pptx
@@ -13944,11 +13944,11 @@
           <a:p>
             <a:pPr algn="ctr"/>
             <a:r>
-              <a:rPr lang="fr-FR" sz="2800" dirty="0" err="1">
+              <a:rPr lang="fr-FR" sz="2800">
                 <a:latin typeface="Helvetica" panose="020B0604020202030204" pitchFamily="34" charset="0"/>
                 <a:hlinkClick r:id="rId4"/>
               </a:rPr>
-              <a:t>Upop</a:t>
+              <a:t>U’pop</a:t>
             </a:r>
             <a:endParaRPr lang="fr-FR" sz="2800" dirty="0">
               <a:latin typeface="Helvetica" panose="020B0604020202030204" pitchFamily="34" charset="0"/>
@@ -23934,7 +23934,7 @@
           <a:graphicData uri="http://schemas.openxmlformats.org/presentationml/2006/ole">
             <mc:AlternateContent xmlns:mc="http://schemas.openxmlformats.org/markup-compatibility/2006">
               <mc:Choice xmlns:v="urn:schemas-microsoft-com:vml" Requires="v">
-                <p:oleObj spid="_x0000_s1071" name="Worksheet" r:id="rId5" imgW="6865398" imgH="1562197" progId="Excel.Sheet.12">
+                <p:oleObj spid="_x0000_s1072" name="Worksheet" r:id="rId5" imgW="6865398" imgH="1562197" progId="Excel.Sheet.12">
                   <p:embed/>
                 </p:oleObj>
               </mc:Choice>

--- a/DIAPO.pptx
+++ b/DIAPO.pptx
@@ -28,12 +28,11 @@
     <p:sldId id="293" r:id="rId22"/>
     <p:sldId id="294" r:id="rId23"/>
     <p:sldId id="295" r:id="rId24"/>
-    <p:sldId id="276" r:id="rId25"/>
-    <p:sldId id="277" r:id="rId26"/>
-    <p:sldId id="278" r:id="rId27"/>
-    <p:sldId id="281" r:id="rId28"/>
-    <p:sldId id="279" r:id="rId29"/>
-    <p:sldId id="280" r:id="rId30"/>
+    <p:sldId id="277" r:id="rId25"/>
+    <p:sldId id="278" r:id="rId26"/>
+    <p:sldId id="281" r:id="rId27"/>
+    <p:sldId id="279" r:id="rId28"/>
+    <p:sldId id="280" r:id="rId29"/>
   </p:sldIdLst>
   <p:sldSz cx="12192000" cy="6858000"/>
   <p:notesSz cx="6858000" cy="9144000"/>
@@ -13379,8 +13378,8 @@
         </p:nvSpPr>
         <p:spPr>
           <a:xfrm>
-            <a:off x="3630891" y="3648909"/>
-            <a:ext cx="4930218" cy="523220"/>
+            <a:off x="2603369" y="2875915"/>
+            <a:ext cx="6766874" cy="1815882"/>
           </a:xfrm>
           <a:prstGeom prst="rect">
             <a:avLst/>
@@ -13393,6 +13392,7 @@
           </a:bodyPr>
           <a:lstStyle/>
           <a:p>
+            <a:pPr algn="ctr"/>
             <a:r>
               <a:rPr lang="fr-FR" sz="2800" dirty="0">
                 <a:latin typeface="Helvetica" panose="020B0604020202030204" pitchFamily="34" charset="0"/>
@@ -13411,12 +13411,40 @@
               <a:latin typeface="Helvetica" panose="020B0604020202030204" pitchFamily="34" charset="0"/>
             </a:endParaRPr>
           </a:p>
+          <a:p>
+            <a:pPr algn="ctr"/>
+            <a:endParaRPr lang="fr-FR" sz="2800" dirty="0">
+              <a:latin typeface="Helvetica" panose="020B0604020202030204" pitchFamily="34" charset="0"/>
+            </a:endParaRPr>
+          </a:p>
+          <a:p>
+            <a:pPr algn="ctr"/>
+            <a:r>
+              <a:rPr lang="fr-FR" sz="2800" dirty="0">
+                <a:latin typeface="Helvetica" panose="020B0604020202030204" pitchFamily="34" charset="0"/>
+              </a:rPr>
+              <a:t>Accessible en ligne</a:t>
+            </a:r>
+          </a:p>
+          <a:p>
+            <a:pPr algn="ctr"/>
+            <a:r>
+              <a:rPr lang="fr-FR" sz="2800" dirty="0" err="1">
+                <a:latin typeface="Helvetica" panose="020B0604020202030204" pitchFamily="34" charset="0"/>
+                <a:hlinkClick r:id="rId5"/>
+              </a:rPr>
+              <a:t>U’pop</a:t>
+            </a:r>
+            <a:endParaRPr lang="fr-FR" sz="2800" dirty="0">
+              <a:latin typeface="Helvetica" panose="020B0604020202030204" pitchFamily="34" charset="0"/>
+            </a:endParaRPr>
+          </a:p>
         </p:txBody>
       </p:sp>
     </p:spTree>
     <p:extLst>
       <p:ext uri="{BB962C8B-B14F-4D97-AF65-F5344CB8AC3E}">
-        <p14:creationId xmlns:p14="http://schemas.microsoft.com/office/powerpoint/2010/main" val="2585678089"/>
+        <p14:creationId xmlns:p14="http://schemas.microsoft.com/office/powerpoint/2010/main" val="1200531869"/>
       </p:ext>
     </p:extLst>
   </p:cSld>
@@ -13565,7 +13593,7 @@
               <a:avLst/>
             </a:prstGeom>
             <a:solidFill>
-              <a:srgbClr val="FED449"/>
+              <a:srgbClr val="88CE62"/>
             </a:solidFill>
             <a:ln>
               <a:solidFill>
@@ -13766,7 +13794,7 @@
               <a:avLst/>
             </a:prstGeom>
             <a:solidFill>
-              <a:srgbClr val="88CE62"/>
+              <a:srgbClr val="FED449"/>
             </a:solidFill>
             <a:ln>
               <a:solidFill>
@@ -13895,10 +13923,10 @@
       </p:sp>
       <p:sp>
         <p:nvSpPr>
-          <p:cNvPr id="2" name="ZoneTexte 1">
+          <p:cNvPr id="11" name="ZoneTexte 10">
             <a:extLst>
               <a:ext uri="{FF2B5EF4-FFF2-40B4-BE49-F238E27FC236}">
-                <a16:creationId xmlns:a16="http://schemas.microsoft.com/office/drawing/2014/main" id="{375A52F9-612E-4E94-BC85-FDFCE2711101}"/>
+                <a16:creationId xmlns:a16="http://schemas.microsoft.com/office/drawing/2014/main" id="{4D68F34E-6148-422D-8C78-F40C2B9BADFF}"/>
               </a:ext>
             </a:extLst>
           </p:cNvPr>
@@ -13907,8 +13935,8 @@
         </p:nvSpPr>
         <p:spPr>
           <a:xfrm>
-            <a:off x="2603369" y="2875915"/>
-            <a:ext cx="6766874" cy="1815882"/>
+            <a:off x="1090367" y="1674695"/>
+            <a:ext cx="10011266" cy="4278094"/>
           </a:xfrm>
           <a:prstGeom prst="rect">
             <a:avLst/>
@@ -13923,43 +13951,86 @@
           <a:p>
             <a:pPr algn="ctr"/>
             <a:r>
-              <a:rPr lang="fr-FR" sz="2800" dirty="0">
+              <a:rPr lang="fr-FR" sz="2800" b="1" dirty="0">
+                <a:latin typeface="Helvetica" panose="020B0604020202030204" pitchFamily="34" charset="0"/>
+                <a:cs typeface="Arial" panose="020B0604020202020204" pitchFamily="34" charset="0"/>
+              </a:rPr>
+              <a:t>CONCLUSION</a:t>
+            </a:r>
+          </a:p>
+          <a:p>
+            <a:pPr algn="ctr"/>
+            <a:endParaRPr lang="fr-FR" sz="2800" b="1" dirty="0">
+              <a:latin typeface="Helvetica" panose="020B0604020202030204" pitchFamily="34" charset="0"/>
+              <a:cs typeface="Arial" panose="020B0604020202020204" pitchFamily="34" charset="0"/>
+            </a:endParaRPr>
+          </a:p>
+          <a:p>
+            <a:r>
+              <a:rPr lang="fr-FR" sz="2400" dirty="0">
                 <a:latin typeface="Helvetica" panose="020B0604020202030204" pitchFamily="34" charset="0"/>
               </a:rPr>
-              <a:t>Accessible en ligne</a:t>
+              <a:t>Cohésion du groupe + Bonne ambiance = Travail productif</a:t>
             </a:r>
           </a:p>
           <a:p>
-            <a:pPr algn="ctr"/>
-            <a:endParaRPr lang="fr-FR" sz="2800" dirty="0">
+            <a:endParaRPr lang="fr-FR" sz="2400" dirty="0">
               <a:latin typeface="Helvetica" panose="020B0604020202030204" pitchFamily="34" charset="0"/>
             </a:endParaRPr>
           </a:p>
           <a:p>
-            <a:pPr algn="ctr"/>
-            <a:endParaRPr lang="fr-FR" sz="2800" dirty="0">
+            <a:r>
+              <a:rPr lang="fr-FR" sz="2400" dirty="0">
+                <a:latin typeface="Helvetica" panose="020B0604020202030204" pitchFamily="34" charset="0"/>
+              </a:rPr>
+              <a:t>Diversité des profils = Complémentarité</a:t>
+            </a:r>
+          </a:p>
+          <a:p>
+            <a:endParaRPr lang="fr-FR" sz="2400" dirty="0">
               <a:latin typeface="Helvetica" panose="020B0604020202030204" pitchFamily="34" charset="0"/>
             </a:endParaRPr>
           </a:p>
           <a:p>
-            <a:pPr algn="ctr"/>
             <a:r>
-              <a:rPr lang="fr-FR" sz="2800">
+              <a:rPr lang="fr-FR" sz="2400" dirty="0">
                 <a:latin typeface="Helvetica" panose="020B0604020202030204" pitchFamily="34" charset="0"/>
-                <a:hlinkClick r:id="rId4"/>
               </a:rPr>
-              <a:t>U’pop</a:t>
+              <a:t>Utilisation de GitHub</a:t>
             </a:r>
-            <a:endParaRPr lang="fr-FR" sz="2800" dirty="0">
+          </a:p>
+          <a:p>
+            <a:endParaRPr lang="fr-FR" sz="2400" dirty="0">
               <a:latin typeface="Helvetica" panose="020B0604020202030204" pitchFamily="34" charset="0"/>
             </a:endParaRPr>
+          </a:p>
+          <a:p>
+            <a:r>
+              <a:rPr lang="fr-FR" sz="2400" dirty="0">
+                <a:latin typeface="Helvetica" panose="020B0604020202030204" pitchFamily="34" charset="0"/>
+              </a:rPr>
+              <a:t>Adaptation à un nouveau langage </a:t>
+            </a:r>
+          </a:p>
+          <a:p>
+            <a:endParaRPr lang="fr-FR" sz="2400" dirty="0">
+              <a:latin typeface="Helvetica" panose="020B0604020202030204" pitchFamily="34" charset="0"/>
+            </a:endParaRPr>
+          </a:p>
+          <a:p>
+            <a:r>
+              <a:rPr lang="fr-FR" sz="2400" dirty="0">
+                <a:latin typeface="Helvetica" panose="020B0604020202030204" pitchFamily="34" charset="0"/>
+              </a:rPr>
+              <a:t>Indentation et commentaires</a:t>
+            </a:r>
           </a:p>
         </p:txBody>
       </p:sp>
     </p:spTree>
     <p:extLst>
       <p:ext uri="{BB962C8B-B14F-4D97-AF65-F5344CB8AC3E}">
-        <p14:creationId xmlns:p14="http://schemas.microsoft.com/office/powerpoint/2010/main" val="1200531869"/>
+        <p14:creationId xmlns:p14="http://schemas.microsoft.com/office/powerpoint/2010/main" val="3408514451"/>
       </p:ext>
     </p:extLst>
   </p:cSld>
@@ -14451,7 +14522,7 @@
         <p:spPr>
           <a:xfrm>
             <a:off x="1090367" y="1674695"/>
-            <a:ext cx="10011266" cy="4278094"/>
+            <a:ext cx="10011266" cy="3539430"/>
           </a:xfrm>
           <a:prstGeom prst="rect">
             <a:avLst/>
@@ -14470,7 +14541,7 @@
                 <a:latin typeface="Helvetica" panose="020B0604020202030204" pitchFamily="34" charset="0"/>
                 <a:cs typeface="Arial" panose="020B0604020202020204" pitchFamily="34" charset="0"/>
               </a:rPr>
-              <a:t>CONCLUSION</a:t>
+              <a:t>CE QUE NOUS AURIONS PU MIEUX FAIRE</a:t>
             </a:r>
           </a:p>
           <a:p>
@@ -14485,7 +14556,7 @@
               <a:rPr lang="fr-FR" sz="2400" dirty="0">
                 <a:latin typeface="Helvetica" panose="020B0604020202030204" pitchFamily="34" charset="0"/>
               </a:rPr>
-              <a:t>Cohésion du groupe + Bonne ambiance = Travail productif</a:t>
+              <a:t>Utiliser la méthode AGILE dès le début</a:t>
             </a:r>
           </a:p>
           <a:p>
@@ -14498,7 +14569,7 @@
               <a:rPr lang="fr-FR" sz="2400" dirty="0">
                 <a:latin typeface="Helvetica" panose="020B0604020202030204" pitchFamily="34" charset="0"/>
               </a:rPr>
-              <a:t>Diversité des profils = Complémentarité</a:t>
+              <a:t>Uniformisation des codes</a:t>
             </a:r>
           </a:p>
           <a:p>
@@ -14511,7 +14582,7 @@
               <a:rPr lang="fr-FR" sz="2400" dirty="0">
                 <a:latin typeface="Helvetica" panose="020B0604020202030204" pitchFamily="34" charset="0"/>
               </a:rPr>
-              <a:t>Utilisation de GitHub</a:t>
+              <a:t>Optimisation des fichiers</a:t>
             </a:r>
           </a:p>
           <a:p>
@@ -14520,32 +14591,16 @@
             </a:endParaRPr>
           </a:p>
           <a:p>
-            <a:r>
-              <a:rPr lang="fr-FR" sz="2400" dirty="0">
-                <a:latin typeface="Helvetica" panose="020B0604020202030204" pitchFamily="34" charset="0"/>
-              </a:rPr>
-              <a:t>Adaptation à un nouveau langage </a:t>
-            </a:r>
-          </a:p>
-          <a:p>
             <a:endParaRPr lang="fr-FR" sz="2400" dirty="0">
               <a:latin typeface="Helvetica" panose="020B0604020202030204" pitchFamily="34" charset="0"/>
             </a:endParaRPr>
-          </a:p>
-          <a:p>
-            <a:r>
-              <a:rPr lang="fr-FR" sz="2400" dirty="0">
-                <a:latin typeface="Helvetica" panose="020B0604020202030204" pitchFamily="34" charset="0"/>
-              </a:rPr>
-              <a:t>Indentation et commentaires</a:t>
-            </a:r>
           </a:p>
         </p:txBody>
       </p:sp>
     </p:spTree>
     <p:extLst>
       <p:ext uri="{BB962C8B-B14F-4D97-AF65-F5344CB8AC3E}">
-        <p14:creationId xmlns:p14="http://schemas.microsoft.com/office/powerpoint/2010/main" val="3408514451"/>
+        <p14:creationId xmlns:p14="http://schemas.microsoft.com/office/powerpoint/2010/main" val="2557336589"/>
       </p:ext>
     </p:extLst>
   </p:cSld>
@@ -15027,576 +15082,6 @@
           <p:cNvPr id="11" name="ZoneTexte 10">
             <a:extLst>
               <a:ext uri="{FF2B5EF4-FFF2-40B4-BE49-F238E27FC236}">
-                <a16:creationId xmlns:a16="http://schemas.microsoft.com/office/drawing/2014/main" id="{4D68F34E-6148-422D-8C78-F40C2B9BADFF}"/>
-              </a:ext>
-            </a:extLst>
-          </p:cNvPr>
-          <p:cNvSpPr txBox="1"/>
-          <p:nvPr/>
-        </p:nvSpPr>
-        <p:spPr>
-          <a:xfrm>
-            <a:off x="1090367" y="1674695"/>
-            <a:ext cx="10011266" cy="3539430"/>
-          </a:xfrm>
-          <a:prstGeom prst="rect">
-            <a:avLst/>
-          </a:prstGeom>
-          <a:noFill/>
-        </p:spPr>
-        <p:txBody>
-          <a:bodyPr wrap="square" rtlCol="0">
-            <a:spAutoFit/>
-          </a:bodyPr>
-          <a:lstStyle/>
-          <a:p>
-            <a:pPr algn="ctr"/>
-            <a:r>
-              <a:rPr lang="fr-FR" sz="2800" b="1" dirty="0">
-                <a:latin typeface="Helvetica" panose="020B0604020202030204" pitchFamily="34" charset="0"/>
-                <a:cs typeface="Arial" panose="020B0604020202020204" pitchFamily="34" charset="0"/>
-              </a:rPr>
-              <a:t>CE QUE NOUS AURIONS PU MIEUX FAIRE</a:t>
-            </a:r>
-          </a:p>
-          <a:p>
-            <a:pPr algn="ctr"/>
-            <a:endParaRPr lang="fr-FR" sz="2800" b="1" dirty="0">
-              <a:latin typeface="Helvetica" panose="020B0604020202030204" pitchFamily="34" charset="0"/>
-              <a:cs typeface="Arial" panose="020B0604020202020204" pitchFamily="34" charset="0"/>
-            </a:endParaRPr>
-          </a:p>
-          <a:p>
-            <a:r>
-              <a:rPr lang="fr-FR" sz="2400" dirty="0">
-                <a:latin typeface="Helvetica" panose="020B0604020202030204" pitchFamily="34" charset="0"/>
-              </a:rPr>
-              <a:t>Utiliser la méthode à Gilles (AGILE) dès le début</a:t>
-            </a:r>
-          </a:p>
-          <a:p>
-            <a:endParaRPr lang="fr-FR" sz="2400" dirty="0">
-              <a:latin typeface="Helvetica" panose="020B0604020202030204" pitchFamily="34" charset="0"/>
-            </a:endParaRPr>
-          </a:p>
-          <a:p>
-            <a:r>
-              <a:rPr lang="fr-FR" sz="2400" dirty="0">
-                <a:latin typeface="Helvetica" panose="020B0604020202030204" pitchFamily="34" charset="0"/>
-              </a:rPr>
-              <a:t>Uniformisation des codes</a:t>
-            </a:r>
-          </a:p>
-          <a:p>
-            <a:endParaRPr lang="fr-FR" sz="2400" dirty="0">
-              <a:latin typeface="Helvetica" panose="020B0604020202030204" pitchFamily="34" charset="0"/>
-            </a:endParaRPr>
-          </a:p>
-          <a:p>
-            <a:r>
-              <a:rPr lang="fr-FR" sz="2400" dirty="0">
-                <a:latin typeface="Helvetica" panose="020B0604020202030204" pitchFamily="34" charset="0"/>
-              </a:rPr>
-              <a:t>Optimisation des fichiers</a:t>
-            </a:r>
-          </a:p>
-          <a:p>
-            <a:endParaRPr lang="fr-FR" sz="2400" dirty="0">
-              <a:latin typeface="Helvetica" panose="020B0604020202030204" pitchFamily="34" charset="0"/>
-            </a:endParaRPr>
-          </a:p>
-          <a:p>
-            <a:endParaRPr lang="fr-FR" sz="2400" dirty="0">
-              <a:latin typeface="Helvetica" panose="020B0604020202030204" pitchFamily="34" charset="0"/>
-            </a:endParaRPr>
-          </a:p>
-        </p:txBody>
-      </p:sp>
-    </p:spTree>
-    <p:extLst>
-      <p:ext uri="{BB962C8B-B14F-4D97-AF65-F5344CB8AC3E}">
-        <p14:creationId xmlns:p14="http://schemas.microsoft.com/office/powerpoint/2010/main" val="2557336589"/>
-      </p:ext>
-    </p:extLst>
-  </p:cSld>
-  <p:clrMapOvr>
-    <a:masterClrMapping/>
-  </p:clrMapOvr>
-</p:sld>
-</file>
-
-<file path=ppt/slides/slide28.xml><?xml version="1.0" encoding="utf-8"?>
-<p:sld xmlns:a="http://schemas.openxmlformats.org/drawingml/2006/main" xmlns:r="http://schemas.openxmlformats.org/officeDocument/2006/relationships" xmlns:p="http://schemas.openxmlformats.org/presentationml/2006/main">
-  <p:cSld>
-    <p:bg>
-      <p:bgPr>
-        <a:blipFill dpi="0" rotWithShape="1">
-          <a:blip r:embed="rId2">
-            <a:lum/>
-          </a:blip>
-          <a:srcRect/>
-          <a:stretch>
-            <a:fillRect/>
-          </a:stretch>
-        </a:blipFill>
-        <a:effectLst/>
-      </p:bgPr>
-    </p:bg>
-    <p:spTree>
-      <p:nvGrpSpPr>
-        <p:cNvPr id="1" name=""/>
-        <p:cNvGrpSpPr/>
-        <p:nvPr/>
-      </p:nvGrpSpPr>
-      <p:grpSpPr>
-        <a:xfrm>
-          <a:off x="0" y="0"/>
-          <a:ext cx="0" cy="0"/>
-          <a:chOff x="0" y="0"/>
-          <a:chExt cx="0" cy="0"/>
-        </a:xfrm>
-      </p:grpSpPr>
-      <p:grpSp>
-        <p:nvGrpSpPr>
-          <p:cNvPr id="7" name="Groupe 6">
-            <a:extLst>
-              <a:ext uri="{FF2B5EF4-FFF2-40B4-BE49-F238E27FC236}">
-                <a16:creationId xmlns:a16="http://schemas.microsoft.com/office/drawing/2014/main" id="{67E81936-583F-45AD-82CC-A5C937F4C87C}"/>
-              </a:ext>
-            </a:extLst>
-          </p:cNvPr>
-          <p:cNvGrpSpPr/>
-          <p:nvPr/>
-        </p:nvGrpSpPr>
-        <p:grpSpPr>
-          <a:xfrm>
-            <a:off x="327166" y="0"/>
-            <a:ext cx="11251304" cy="1342417"/>
-            <a:chOff x="327166" y="0"/>
-            <a:chExt cx="11251304" cy="1342417"/>
-          </a:xfrm>
-        </p:grpSpPr>
-        <p:sp>
-          <p:nvSpPr>
-            <p:cNvPr id="4" name="Flèche : chevron 3">
-              <a:extLst>
-                <a:ext uri="{FF2B5EF4-FFF2-40B4-BE49-F238E27FC236}">
-                  <a16:creationId xmlns:a16="http://schemas.microsoft.com/office/drawing/2014/main" id="{60D600DE-6FA0-4280-A81A-6DBE7691E92C}"/>
-                </a:ext>
-              </a:extLst>
-            </p:cNvPr>
-            <p:cNvSpPr/>
-            <p:nvPr/>
-          </p:nvSpPr>
-          <p:spPr>
-            <a:xfrm>
-              <a:off x="1268691" y="332278"/>
-              <a:ext cx="2309567" cy="688157"/>
-            </a:xfrm>
-            <a:prstGeom prst="chevron">
-              <a:avLst/>
-            </a:prstGeom>
-            <a:solidFill>
-              <a:srgbClr val="FED449"/>
-            </a:solidFill>
-            <a:ln>
-              <a:solidFill>
-                <a:schemeClr val="bg1"/>
-              </a:solidFill>
-            </a:ln>
-          </p:spPr>
-          <p:style>
-            <a:lnRef idx="2">
-              <a:schemeClr val="accent1">
-                <a:shade val="50000"/>
-              </a:schemeClr>
-            </a:lnRef>
-            <a:fillRef idx="1">
-              <a:schemeClr val="accent1"/>
-            </a:fillRef>
-            <a:effectRef idx="0">
-              <a:schemeClr val="accent1"/>
-            </a:effectRef>
-            <a:fontRef idx="minor">
-              <a:schemeClr val="lt1"/>
-            </a:fontRef>
-          </p:style>
-          <p:txBody>
-            <a:bodyPr rtlCol="0" anchor="ctr"/>
-            <a:lstStyle/>
-            <a:p>
-              <a:pPr algn="ctr"/>
-              <a:r>
-                <a:rPr lang="fr-FR" sz="1500" b="1" dirty="0">
-                  <a:solidFill>
-                    <a:schemeClr val="bg1"/>
-                  </a:solidFill>
-                  <a:effectLst>
-                    <a:outerShdw blurRad="38100" dist="76200" dir="2700000" algn="tl">
-                      <a:srgbClr val="000000"/>
-                    </a:outerShdw>
-                  </a:effectLst>
-                  <a:latin typeface="Helvetica" panose="020B0604020202030204" pitchFamily="34" charset="0"/>
-                </a:rPr>
-                <a:t>Etude du projet</a:t>
-              </a:r>
-            </a:p>
-          </p:txBody>
-        </p:sp>
-        <p:sp>
-          <p:nvSpPr>
-            <p:cNvPr id="16" name="Flèche : chevron 15">
-              <a:extLst>
-                <a:ext uri="{FF2B5EF4-FFF2-40B4-BE49-F238E27FC236}">
-                  <a16:creationId xmlns:a16="http://schemas.microsoft.com/office/drawing/2014/main" id="{F7655D32-22EC-4542-883E-4033865C1471}"/>
-                </a:ext>
-              </a:extLst>
-            </p:cNvPr>
-            <p:cNvSpPr/>
-            <p:nvPr/>
-          </p:nvSpPr>
-          <p:spPr>
-            <a:xfrm>
-              <a:off x="9268903" y="332277"/>
-              <a:ext cx="2309567" cy="688157"/>
-            </a:xfrm>
-            <a:prstGeom prst="chevron">
-              <a:avLst/>
-            </a:prstGeom>
-            <a:solidFill>
-              <a:srgbClr val="88CE62"/>
-            </a:solidFill>
-            <a:ln>
-              <a:solidFill>
-                <a:schemeClr val="bg1"/>
-              </a:solidFill>
-            </a:ln>
-          </p:spPr>
-          <p:style>
-            <a:lnRef idx="2">
-              <a:schemeClr val="accent1">
-                <a:shade val="50000"/>
-              </a:schemeClr>
-            </a:lnRef>
-            <a:fillRef idx="1">
-              <a:schemeClr val="accent1"/>
-            </a:fillRef>
-            <a:effectRef idx="0">
-              <a:schemeClr val="accent1"/>
-            </a:effectRef>
-            <a:fontRef idx="minor">
-              <a:schemeClr val="lt1"/>
-            </a:fontRef>
-          </p:style>
-          <p:txBody>
-            <a:bodyPr rtlCol="0" anchor="ctr"/>
-            <a:lstStyle/>
-            <a:p>
-              <a:pPr algn="ctr"/>
-              <a:r>
-                <a:rPr lang="fr-FR" sz="1600" b="1" dirty="0">
-                  <a:solidFill>
-                    <a:schemeClr val="bg1"/>
-                  </a:solidFill>
-                  <a:effectLst>
-                    <a:outerShdw blurRad="38100" dist="76200" dir="2700000" algn="tl">
-                      <a:srgbClr val="000000"/>
-                    </a:outerShdw>
-                  </a:effectLst>
-                  <a:latin typeface="Helvetica" panose="020B0604020202030204" pitchFamily="34" charset="0"/>
-                </a:rPr>
-                <a:t>Conclusion</a:t>
-              </a:r>
-            </a:p>
-          </p:txBody>
-        </p:sp>
-        <p:sp>
-          <p:nvSpPr>
-            <p:cNvPr id="17" name="Flèche : chevron 16">
-              <a:extLst>
-                <a:ext uri="{FF2B5EF4-FFF2-40B4-BE49-F238E27FC236}">
-                  <a16:creationId xmlns:a16="http://schemas.microsoft.com/office/drawing/2014/main" id="{30C36617-CB5C-40F8-B05D-7053886FD5EF}"/>
-                </a:ext>
-              </a:extLst>
-            </p:cNvPr>
-            <p:cNvSpPr/>
-            <p:nvPr/>
-          </p:nvSpPr>
-          <p:spPr>
-            <a:xfrm>
-              <a:off x="3268744" y="332277"/>
-              <a:ext cx="2309567" cy="688157"/>
-            </a:xfrm>
-            <a:prstGeom prst="chevron">
-              <a:avLst/>
-            </a:prstGeom>
-            <a:solidFill>
-              <a:srgbClr val="FED449"/>
-            </a:solidFill>
-            <a:ln>
-              <a:solidFill>
-                <a:schemeClr val="bg1"/>
-              </a:solidFill>
-            </a:ln>
-          </p:spPr>
-          <p:style>
-            <a:lnRef idx="2">
-              <a:schemeClr val="accent1">
-                <a:shade val="50000"/>
-              </a:schemeClr>
-            </a:lnRef>
-            <a:fillRef idx="1">
-              <a:schemeClr val="accent1"/>
-            </a:fillRef>
-            <a:effectRef idx="0">
-              <a:schemeClr val="accent1"/>
-            </a:effectRef>
-            <a:fontRef idx="minor">
-              <a:schemeClr val="lt1"/>
-            </a:fontRef>
-          </p:style>
-          <p:txBody>
-            <a:bodyPr rtlCol="0" anchor="ctr"/>
-            <a:lstStyle/>
-            <a:p>
-              <a:pPr algn="ctr"/>
-              <a:r>
-                <a:rPr lang="fr-FR" sz="1500" b="1" dirty="0">
-                  <a:solidFill>
-                    <a:schemeClr val="bg1"/>
-                  </a:solidFill>
-                  <a:effectLst>
-                    <a:outerShdw blurRad="38100" dist="76200" dir="2700000" algn="tl">
-                      <a:srgbClr val="000000"/>
-                    </a:outerShdw>
-                  </a:effectLst>
-                  <a:latin typeface="Helvetica" panose="020B0604020202030204" pitchFamily="34" charset="0"/>
-                </a:rPr>
-                <a:t>Organisation</a:t>
-              </a:r>
-            </a:p>
-          </p:txBody>
-        </p:sp>
-        <p:sp>
-          <p:nvSpPr>
-            <p:cNvPr id="18" name="Flèche : chevron 17">
-              <a:extLst>
-                <a:ext uri="{FF2B5EF4-FFF2-40B4-BE49-F238E27FC236}">
-                  <a16:creationId xmlns:a16="http://schemas.microsoft.com/office/drawing/2014/main" id="{A33478E5-51C7-4324-9E5C-0845E032CF0C}"/>
-                </a:ext>
-              </a:extLst>
-            </p:cNvPr>
-            <p:cNvSpPr/>
-            <p:nvPr/>
-          </p:nvSpPr>
-          <p:spPr>
-            <a:xfrm>
-              <a:off x="5268797" y="332704"/>
-              <a:ext cx="2309567" cy="688157"/>
-            </a:xfrm>
-            <a:prstGeom prst="chevron">
-              <a:avLst/>
-            </a:prstGeom>
-            <a:solidFill>
-              <a:srgbClr val="FED449"/>
-            </a:solidFill>
-            <a:ln>
-              <a:solidFill>
-                <a:schemeClr val="bg1"/>
-              </a:solidFill>
-            </a:ln>
-          </p:spPr>
-          <p:style>
-            <a:lnRef idx="2">
-              <a:schemeClr val="accent1">
-                <a:shade val="50000"/>
-              </a:schemeClr>
-            </a:lnRef>
-            <a:fillRef idx="1">
-              <a:schemeClr val="accent1"/>
-            </a:fillRef>
-            <a:effectRef idx="0">
-              <a:schemeClr val="accent1"/>
-            </a:effectRef>
-            <a:fontRef idx="minor">
-              <a:schemeClr val="lt1"/>
-            </a:fontRef>
-          </p:style>
-          <p:txBody>
-            <a:bodyPr rtlCol="0" anchor="ctr"/>
-            <a:lstStyle/>
-            <a:p>
-              <a:pPr algn="ctr"/>
-              <a:r>
-                <a:rPr lang="fr-FR" sz="1500" b="1" dirty="0">
-                  <a:solidFill>
-                    <a:schemeClr val="bg1"/>
-                  </a:solidFill>
-                  <a:effectLst>
-                    <a:outerShdw blurRad="38100" dist="76200" dir="2700000" algn="tl">
-                      <a:srgbClr val="000000"/>
-                    </a:outerShdw>
-                  </a:effectLst>
-                  <a:latin typeface="Helvetica" panose="020B0604020202030204" pitchFamily="34" charset="0"/>
-                </a:rPr>
-                <a:t>Développement</a:t>
-              </a:r>
-            </a:p>
-          </p:txBody>
-        </p:sp>
-        <p:sp>
-          <p:nvSpPr>
-            <p:cNvPr id="19" name="Flèche : chevron 18">
-              <a:extLst>
-                <a:ext uri="{FF2B5EF4-FFF2-40B4-BE49-F238E27FC236}">
-                  <a16:creationId xmlns:a16="http://schemas.microsoft.com/office/drawing/2014/main" id="{8795E004-010B-4219-8B10-37FA6D3A7781}"/>
-                </a:ext>
-              </a:extLst>
-            </p:cNvPr>
-            <p:cNvSpPr/>
-            <p:nvPr/>
-          </p:nvSpPr>
-          <p:spPr>
-            <a:xfrm>
-              <a:off x="7268850" y="332703"/>
-              <a:ext cx="2309567" cy="688157"/>
-            </a:xfrm>
-            <a:prstGeom prst="chevron">
-              <a:avLst/>
-            </a:prstGeom>
-            <a:solidFill>
-              <a:srgbClr val="FED449"/>
-            </a:solidFill>
-            <a:ln>
-              <a:solidFill>
-                <a:schemeClr val="bg1"/>
-              </a:solidFill>
-            </a:ln>
-          </p:spPr>
-          <p:style>
-            <a:lnRef idx="2">
-              <a:schemeClr val="accent1">
-                <a:shade val="50000"/>
-              </a:schemeClr>
-            </a:lnRef>
-            <a:fillRef idx="1">
-              <a:schemeClr val="accent1"/>
-            </a:fillRef>
-            <a:effectRef idx="0">
-              <a:schemeClr val="accent1"/>
-            </a:effectRef>
-            <a:fontRef idx="minor">
-              <a:schemeClr val="lt1"/>
-            </a:fontRef>
-          </p:style>
-          <p:txBody>
-            <a:bodyPr rtlCol="0" anchor="ctr"/>
-            <a:lstStyle/>
-            <a:p>
-              <a:pPr algn="ctr"/>
-              <a:r>
-                <a:rPr lang="fr-FR" sz="1500" b="1" dirty="0">
-                  <a:solidFill>
-                    <a:schemeClr val="bg1"/>
-                  </a:solidFill>
-                  <a:effectLst>
-                    <a:outerShdw blurRad="38100" dist="76200" dir="2700000" algn="tl">
-                      <a:srgbClr val="000000"/>
-                    </a:outerShdw>
-                  </a:effectLst>
-                  <a:latin typeface="Helvetica" panose="020B0604020202030204" pitchFamily="34" charset="0"/>
-                </a:rPr>
-                <a:t>Démonstration</a:t>
-              </a:r>
-              <a:endParaRPr lang="fr-FR" sz="1500" dirty="0">
-                <a:solidFill>
-                  <a:schemeClr val="tx1"/>
-                </a:solidFill>
-              </a:endParaRPr>
-            </a:p>
-          </p:txBody>
-        </p:sp>
-        <p:pic>
-          <p:nvPicPr>
-            <p:cNvPr id="6" name="Image 5">
-              <a:extLst>
-                <a:ext uri="{FF2B5EF4-FFF2-40B4-BE49-F238E27FC236}">
-                  <a16:creationId xmlns:a16="http://schemas.microsoft.com/office/drawing/2014/main" id="{2D0A881D-5AC2-4766-BD4C-5405D55C11A5}"/>
-                </a:ext>
-              </a:extLst>
-            </p:cNvPr>
-            <p:cNvPicPr>
-              <a:picLocks noChangeAspect="1"/>
-            </p:cNvPicPr>
-            <p:nvPr/>
-          </p:nvPicPr>
-          <p:blipFill>
-            <a:blip r:embed="rId3">
-              <a:extLst>
-                <a:ext uri="{28A0092B-C50C-407E-A947-70E740481C1C}">
-                  <a14:useLocalDpi xmlns:a14="http://schemas.microsoft.com/office/drawing/2010/main" val="0"/>
-                </a:ext>
-              </a:extLst>
-            </a:blip>
-            <a:stretch>
-              <a:fillRect/>
-            </a:stretch>
-          </p:blipFill>
-          <p:spPr>
-            <a:xfrm>
-              <a:off x="327166" y="0"/>
-              <a:ext cx="1566153" cy="1342417"/>
-            </a:xfrm>
-            <a:prstGeom prst="rect">
-              <a:avLst/>
-            </a:prstGeom>
-          </p:spPr>
-        </p:pic>
-      </p:grpSp>
-      <p:sp>
-        <p:nvSpPr>
-          <p:cNvPr id="10" name="ZoneTexte 9">
-            <a:extLst>
-              <a:ext uri="{FF2B5EF4-FFF2-40B4-BE49-F238E27FC236}">
-                <a16:creationId xmlns:a16="http://schemas.microsoft.com/office/drawing/2014/main" id="{CE36D8FB-1CD3-4D19-A954-A2CE97724692}"/>
-              </a:ext>
-            </a:extLst>
-          </p:cNvPr>
-          <p:cNvSpPr txBox="1"/>
-          <p:nvPr/>
-        </p:nvSpPr>
-        <p:spPr>
-          <a:xfrm>
-            <a:off x="336894" y="1225685"/>
-            <a:ext cx="11472482" cy="5369668"/>
-          </a:xfrm>
-          <a:prstGeom prst="rect">
-            <a:avLst/>
-          </a:prstGeom>
-          <a:solidFill>
-            <a:srgbClr val="FED449">
-              <a:alpha val="50000"/>
-            </a:srgbClr>
-          </a:solidFill>
-          <a:effectLst>
-            <a:softEdge rad="152400"/>
-          </a:effectLst>
-        </p:spPr>
-        <p:txBody>
-          <a:bodyPr wrap="square" rtlCol="0">
-            <a:spAutoFit/>
-          </a:bodyPr>
-          <a:lstStyle/>
-          <a:p>
-            <a:endParaRPr lang="fr-FR" dirty="0"/>
-          </a:p>
-        </p:txBody>
-      </p:sp>
-      <p:sp>
-        <p:nvSpPr>
-          <p:cNvPr id="11" name="ZoneTexte 10">
-            <a:extLst>
-              <a:ext uri="{FF2B5EF4-FFF2-40B4-BE49-F238E27FC236}">
                 <a16:creationId xmlns:a16="http://schemas.microsoft.com/office/drawing/2014/main" id="{C9EBFD3C-EFBF-4D0F-882B-53499E15C08D}"/>
               </a:ext>
             </a:extLst>
@@ -15732,7 +15217,7 @@
 </p:sld>
 </file>
 
-<file path=ppt/slides/slide29.xml><?xml version="1.0" encoding="utf-8"?>
+<file path=ppt/slides/slide28.xml><?xml version="1.0" encoding="utf-8"?>
 <p:sld xmlns:a="http://schemas.openxmlformats.org/drawingml/2006/main" xmlns:r="http://schemas.openxmlformats.org/officeDocument/2006/relationships" xmlns:p="http://schemas.openxmlformats.org/presentationml/2006/main">
   <p:cSld>
     <p:bg>
@@ -23934,7 +23419,7 @@
           <a:graphicData uri="http://schemas.openxmlformats.org/presentationml/2006/ole">
             <mc:AlternateContent xmlns:mc="http://schemas.openxmlformats.org/markup-compatibility/2006">
               <mc:Choice xmlns:v="urn:schemas-microsoft-com:vml" Requires="v">
-                <p:oleObj spid="_x0000_s1072" name="Worksheet" r:id="rId5" imgW="6865398" imgH="1562197" progId="Excel.Sheet.12">
+                <p:oleObj spid="_x0000_s1073" name="Worksheet" r:id="rId5" imgW="6865398" imgH="1562197" progId="Excel.Sheet.12">
                   <p:embed/>
                 </p:oleObj>
               </mc:Choice>

--- a/DIAPO.pptx
+++ b/DIAPO.pptx
@@ -10,7 +10,7 @@
     <p:sldId id="260" r:id="rId4"/>
     <p:sldId id="264" r:id="rId5"/>
     <p:sldId id="262" r:id="rId6"/>
-    <p:sldId id="265" r:id="rId7"/>
+    <p:sldId id="296" r:id="rId7"/>
     <p:sldId id="266" r:id="rId8"/>
     <p:sldId id="268" r:id="rId9"/>
     <p:sldId id="269" r:id="rId10"/>
@@ -21899,6 +21899,773 @@
             <a:bodyPr rtlCol="0" anchor="ctr"/>
             <a:lstStyle/>
             <a:p>
+              <a:pPr marL="0" marR="0" lvl="0" indent="0" algn="ctr" defTabSz="914400" rtl="0" eaLnBrk="1" fontAlgn="auto" latinLnBrk="0" hangingPunct="1">
+                <a:lnSpc>
+                  <a:spcPct val="100000"/>
+                </a:lnSpc>
+                <a:spcBef>
+                  <a:spcPts val="0"/>
+                </a:spcBef>
+                <a:spcAft>
+                  <a:spcPts val="0"/>
+                </a:spcAft>
+                <a:buClrTx/>
+                <a:buSzTx/>
+                <a:buFontTx/>
+                <a:buNone/>
+                <a:tabLst/>
+                <a:defRPr/>
+              </a:pPr>
+              <a:r>
+                <a:rPr kumimoji="0" lang="fr-FR" sz="1500" b="1" i="0" u="none" strike="noStrike" kern="1200" cap="none" spc="0" normalizeH="0" baseline="0" noProof="0" dirty="0">
+                  <a:ln>
+                    <a:noFill/>
+                  </a:ln>
+                  <a:solidFill>
+                    <a:prstClr val="white"/>
+                  </a:solidFill>
+                  <a:effectLst>
+                    <a:outerShdw blurRad="38100" dist="76200" dir="2700000" algn="tl">
+                      <a:srgbClr val="000000"/>
+                    </a:outerShdw>
+                  </a:effectLst>
+                  <a:uLnTx/>
+                  <a:uFillTx/>
+                  <a:latin typeface="Helvetica" panose="020B0604020202030204" pitchFamily="34" charset="0"/>
+                  <a:ea typeface="+mn-ea"/>
+                  <a:cs typeface="+mn-cs"/>
+                </a:rPr>
+                <a:t>Etude du projet</a:t>
+              </a:r>
+            </a:p>
+          </p:txBody>
+        </p:sp>
+        <p:sp>
+          <p:nvSpPr>
+            <p:cNvPr id="16" name="Flèche : chevron 15">
+              <a:extLst>
+                <a:ext uri="{FF2B5EF4-FFF2-40B4-BE49-F238E27FC236}">
+                  <a16:creationId xmlns:a16="http://schemas.microsoft.com/office/drawing/2014/main" id="{F7655D32-22EC-4542-883E-4033865C1471}"/>
+                </a:ext>
+              </a:extLst>
+            </p:cNvPr>
+            <p:cNvSpPr/>
+            <p:nvPr/>
+          </p:nvSpPr>
+          <p:spPr>
+            <a:xfrm>
+              <a:off x="9268903" y="332277"/>
+              <a:ext cx="2309567" cy="688157"/>
+            </a:xfrm>
+            <a:prstGeom prst="chevron">
+              <a:avLst/>
+            </a:prstGeom>
+            <a:solidFill>
+              <a:srgbClr val="FED449"/>
+            </a:solidFill>
+            <a:ln>
+              <a:solidFill>
+                <a:schemeClr val="bg1"/>
+              </a:solidFill>
+            </a:ln>
+          </p:spPr>
+          <p:style>
+            <a:lnRef idx="2">
+              <a:schemeClr val="accent1">
+                <a:shade val="50000"/>
+              </a:schemeClr>
+            </a:lnRef>
+            <a:fillRef idx="1">
+              <a:schemeClr val="accent1"/>
+            </a:fillRef>
+            <a:effectRef idx="0">
+              <a:schemeClr val="accent1"/>
+            </a:effectRef>
+            <a:fontRef idx="minor">
+              <a:schemeClr val="lt1"/>
+            </a:fontRef>
+          </p:style>
+          <p:txBody>
+            <a:bodyPr rtlCol="0" anchor="ctr"/>
+            <a:lstStyle/>
+            <a:p>
+              <a:pPr marL="0" marR="0" lvl="0" indent="0" algn="ctr" defTabSz="914400" rtl="0" eaLnBrk="1" fontAlgn="auto" latinLnBrk="0" hangingPunct="1">
+                <a:lnSpc>
+                  <a:spcPct val="100000"/>
+                </a:lnSpc>
+                <a:spcBef>
+                  <a:spcPts val="0"/>
+                </a:spcBef>
+                <a:spcAft>
+                  <a:spcPts val="0"/>
+                </a:spcAft>
+                <a:buClrTx/>
+                <a:buSzTx/>
+                <a:buFontTx/>
+                <a:buNone/>
+                <a:tabLst/>
+                <a:defRPr/>
+              </a:pPr>
+              <a:r>
+                <a:rPr kumimoji="0" lang="fr-FR" sz="1600" b="1" i="0" u="none" strike="noStrike" kern="1200" cap="none" spc="0" normalizeH="0" baseline="0" noProof="0" dirty="0">
+                  <a:ln>
+                    <a:noFill/>
+                  </a:ln>
+                  <a:solidFill>
+                    <a:prstClr val="white"/>
+                  </a:solidFill>
+                  <a:effectLst>
+                    <a:outerShdw blurRad="38100" dist="76200" dir="2700000" algn="tl">
+                      <a:srgbClr val="000000"/>
+                    </a:outerShdw>
+                  </a:effectLst>
+                  <a:uLnTx/>
+                  <a:uFillTx/>
+                  <a:latin typeface="Helvetica" panose="020B0604020202030204" pitchFamily="34" charset="0"/>
+                  <a:ea typeface="+mn-ea"/>
+                  <a:cs typeface="+mn-cs"/>
+                </a:rPr>
+                <a:t>Conclusion</a:t>
+              </a:r>
+            </a:p>
+          </p:txBody>
+        </p:sp>
+        <p:sp>
+          <p:nvSpPr>
+            <p:cNvPr id="17" name="Flèche : chevron 16">
+              <a:extLst>
+                <a:ext uri="{FF2B5EF4-FFF2-40B4-BE49-F238E27FC236}">
+                  <a16:creationId xmlns:a16="http://schemas.microsoft.com/office/drawing/2014/main" id="{30C36617-CB5C-40F8-B05D-7053886FD5EF}"/>
+                </a:ext>
+              </a:extLst>
+            </p:cNvPr>
+            <p:cNvSpPr/>
+            <p:nvPr/>
+          </p:nvSpPr>
+          <p:spPr>
+            <a:xfrm>
+              <a:off x="3268744" y="332277"/>
+              <a:ext cx="2309567" cy="688157"/>
+            </a:xfrm>
+            <a:prstGeom prst="chevron">
+              <a:avLst/>
+            </a:prstGeom>
+            <a:solidFill>
+              <a:srgbClr val="FED449"/>
+            </a:solidFill>
+            <a:ln>
+              <a:solidFill>
+                <a:schemeClr val="bg1"/>
+              </a:solidFill>
+            </a:ln>
+          </p:spPr>
+          <p:style>
+            <a:lnRef idx="2">
+              <a:schemeClr val="accent1">
+                <a:shade val="50000"/>
+              </a:schemeClr>
+            </a:lnRef>
+            <a:fillRef idx="1">
+              <a:schemeClr val="accent1"/>
+            </a:fillRef>
+            <a:effectRef idx="0">
+              <a:schemeClr val="accent1"/>
+            </a:effectRef>
+            <a:fontRef idx="minor">
+              <a:schemeClr val="lt1"/>
+            </a:fontRef>
+          </p:style>
+          <p:txBody>
+            <a:bodyPr rtlCol="0" anchor="ctr"/>
+            <a:lstStyle/>
+            <a:p>
+              <a:pPr marL="0" marR="0" lvl="0" indent="0" algn="ctr" defTabSz="914400" rtl="0" eaLnBrk="1" fontAlgn="auto" latinLnBrk="0" hangingPunct="1">
+                <a:lnSpc>
+                  <a:spcPct val="100000"/>
+                </a:lnSpc>
+                <a:spcBef>
+                  <a:spcPts val="0"/>
+                </a:spcBef>
+                <a:spcAft>
+                  <a:spcPts val="0"/>
+                </a:spcAft>
+                <a:buClrTx/>
+                <a:buSzTx/>
+                <a:buFontTx/>
+                <a:buNone/>
+                <a:tabLst/>
+                <a:defRPr/>
+              </a:pPr>
+              <a:r>
+                <a:rPr kumimoji="0" lang="fr-FR" sz="1500" b="1" i="0" u="none" strike="noStrike" kern="1200" cap="none" spc="0" normalizeH="0" baseline="0" noProof="0" dirty="0">
+                  <a:ln>
+                    <a:noFill/>
+                  </a:ln>
+                  <a:solidFill>
+                    <a:prstClr val="white"/>
+                  </a:solidFill>
+                  <a:effectLst>
+                    <a:outerShdw blurRad="38100" dist="76200" dir="2700000" algn="tl">
+                      <a:srgbClr val="000000"/>
+                    </a:outerShdw>
+                  </a:effectLst>
+                  <a:uLnTx/>
+                  <a:uFillTx/>
+                  <a:latin typeface="Helvetica" panose="020B0604020202030204" pitchFamily="34" charset="0"/>
+                  <a:ea typeface="+mn-ea"/>
+                  <a:cs typeface="+mn-cs"/>
+                </a:rPr>
+                <a:t>Organisation</a:t>
+              </a:r>
+            </a:p>
+          </p:txBody>
+        </p:sp>
+        <p:sp>
+          <p:nvSpPr>
+            <p:cNvPr id="18" name="Flèche : chevron 17">
+              <a:extLst>
+                <a:ext uri="{FF2B5EF4-FFF2-40B4-BE49-F238E27FC236}">
+                  <a16:creationId xmlns:a16="http://schemas.microsoft.com/office/drawing/2014/main" id="{A33478E5-51C7-4324-9E5C-0845E032CF0C}"/>
+                </a:ext>
+              </a:extLst>
+            </p:cNvPr>
+            <p:cNvSpPr/>
+            <p:nvPr/>
+          </p:nvSpPr>
+          <p:spPr>
+            <a:xfrm>
+              <a:off x="5268797" y="332704"/>
+              <a:ext cx="2309567" cy="688157"/>
+            </a:xfrm>
+            <a:prstGeom prst="chevron">
+              <a:avLst/>
+            </a:prstGeom>
+            <a:solidFill>
+              <a:srgbClr val="FED449"/>
+            </a:solidFill>
+            <a:ln>
+              <a:solidFill>
+                <a:schemeClr val="bg1"/>
+              </a:solidFill>
+            </a:ln>
+          </p:spPr>
+          <p:style>
+            <a:lnRef idx="2">
+              <a:schemeClr val="accent1">
+                <a:shade val="50000"/>
+              </a:schemeClr>
+            </a:lnRef>
+            <a:fillRef idx="1">
+              <a:schemeClr val="accent1"/>
+            </a:fillRef>
+            <a:effectRef idx="0">
+              <a:schemeClr val="accent1"/>
+            </a:effectRef>
+            <a:fontRef idx="minor">
+              <a:schemeClr val="lt1"/>
+            </a:fontRef>
+          </p:style>
+          <p:txBody>
+            <a:bodyPr rtlCol="0" anchor="ctr"/>
+            <a:lstStyle/>
+            <a:p>
+              <a:pPr marL="0" marR="0" lvl="0" indent="0" algn="ctr" defTabSz="914400" rtl="0" eaLnBrk="1" fontAlgn="auto" latinLnBrk="0" hangingPunct="1">
+                <a:lnSpc>
+                  <a:spcPct val="100000"/>
+                </a:lnSpc>
+                <a:spcBef>
+                  <a:spcPts val="0"/>
+                </a:spcBef>
+                <a:spcAft>
+                  <a:spcPts val="0"/>
+                </a:spcAft>
+                <a:buClrTx/>
+                <a:buSzTx/>
+                <a:buFontTx/>
+                <a:buNone/>
+                <a:tabLst/>
+                <a:defRPr/>
+              </a:pPr>
+              <a:r>
+                <a:rPr kumimoji="0" lang="fr-FR" sz="1500" b="1" i="0" u="none" strike="noStrike" kern="1200" cap="none" spc="0" normalizeH="0" baseline="0" noProof="0" dirty="0">
+                  <a:ln>
+                    <a:noFill/>
+                  </a:ln>
+                  <a:solidFill>
+                    <a:prstClr val="white"/>
+                  </a:solidFill>
+                  <a:effectLst>
+                    <a:outerShdw blurRad="38100" dist="76200" dir="2700000" algn="tl">
+                      <a:srgbClr val="000000"/>
+                    </a:outerShdw>
+                  </a:effectLst>
+                  <a:uLnTx/>
+                  <a:uFillTx/>
+                  <a:latin typeface="Helvetica" panose="020B0604020202030204" pitchFamily="34" charset="0"/>
+                  <a:ea typeface="+mn-ea"/>
+                  <a:cs typeface="+mn-cs"/>
+                </a:rPr>
+                <a:t>Développement</a:t>
+              </a:r>
+            </a:p>
+          </p:txBody>
+        </p:sp>
+        <p:sp>
+          <p:nvSpPr>
+            <p:cNvPr id="19" name="Flèche : chevron 18">
+              <a:extLst>
+                <a:ext uri="{FF2B5EF4-FFF2-40B4-BE49-F238E27FC236}">
+                  <a16:creationId xmlns:a16="http://schemas.microsoft.com/office/drawing/2014/main" id="{8795E004-010B-4219-8B10-37FA6D3A7781}"/>
+                </a:ext>
+              </a:extLst>
+            </p:cNvPr>
+            <p:cNvSpPr/>
+            <p:nvPr/>
+          </p:nvSpPr>
+          <p:spPr>
+            <a:xfrm>
+              <a:off x="7268850" y="332703"/>
+              <a:ext cx="2309567" cy="688157"/>
+            </a:xfrm>
+            <a:prstGeom prst="chevron">
+              <a:avLst/>
+            </a:prstGeom>
+            <a:solidFill>
+              <a:srgbClr val="FED449"/>
+            </a:solidFill>
+            <a:ln>
+              <a:solidFill>
+                <a:schemeClr val="bg1"/>
+              </a:solidFill>
+            </a:ln>
+          </p:spPr>
+          <p:style>
+            <a:lnRef idx="2">
+              <a:schemeClr val="accent1">
+                <a:shade val="50000"/>
+              </a:schemeClr>
+            </a:lnRef>
+            <a:fillRef idx="1">
+              <a:schemeClr val="accent1"/>
+            </a:fillRef>
+            <a:effectRef idx="0">
+              <a:schemeClr val="accent1"/>
+            </a:effectRef>
+            <a:fontRef idx="minor">
+              <a:schemeClr val="lt1"/>
+            </a:fontRef>
+          </p:style>
+          <p:txBody>
+            <a:bodyPr rtlCol="0" anchor="ctr"/>
+            <a:lstStyle/>
+            <a:p>
+              <a:pPr marL="0" marR="0" lvl="0" indent="0" algn="ctr" defTabSz="914400" rtl="0" eaLnBrk="1" fontAlgn="auto" latinLnBrk="0" hangingPunct="1">
+                <a:lnSpc>
+                  <a:spcPct val="100000"/>
+                </a:lnSpc>
+                <a:spcBef>
+                  <a:spcPts val="0"/>
+                </a:spcBef>
+                <a:spcAft>
+                  <a:spcPts val="0"/>
+                </a:spcAft>
+                <a:buClrTx/>
+                <a:buSzTx/>
+                <a:buFontTx/>
+                <a:buNone/>
+                <a:tabLst/>
+                <a:defRPr/>
+              </a:pPr>
+              <a:r>
+                <a:rPr kumimoji="0" lang="fr-FR" sz="1500" b="1" i="0" u="none" strike="noStrike" kern="1200" cap="none" spc="0" normalizeH="0" baseline="0" noProof="0" dirty="0">
+                  <a:ln>
+                    <a:noFill/>
+                  </a:ln>
+                  <a:solidFill>
+                    <a:prstClr val="white"/>
+                  </a:solidFill>
+                  <a:effectLst>
+                    <a:outerShdw blurRad="38100" dist="76200" dir="2700000" algn="tl">
+                      <a:srgbClr val="000000"/>
+                    </a:outerShdw>
+                  </a:effectLst>
+                  <a:uLnTx/>
+                  <a:uFillTx/>
+                  <a:latin typeface="Helvetica" panose="020B0604020202030204" pitchFamily="34" charset="0"/>
+                  <a:ea typeface="+mn-ea"/>
+                  <a:cs typeface="+mn-cs"/>
+                </a:rPr>
+                <a:t>Démonstration</a:t>
+              </a:r>
+              <a:endParaRPr kumimoji="0" lang="fr-FR" sz="1500" b="0" i="0" u="none" strike="noStrike" kern="1200" cap="none" spc="0" normalizeH="0" baseline="0" noProof="0" dirty="0">
+                <a:ln>
+                  <a:noFill/>
+                </a:ln>
+                <a:solidFill>
+                  <a:prstClr val="black"/>
+                </a:solidFill>
+                <a:effectLst/>
+                <a:uLnTx/>
+                <a:uFillTx/>
+                <a:latin typeface="Calibri" panose="020F0502020204030204"/>
+                <a:ea typeface="+mn-ea"/>
+                <a:cs typeface="+mn-cs"/>
+              </a:endParaRPr>
+            </a:p>
+          </p:txBody>
+        </p:sp>
+        <p:pic>
+          <p:nvPicPr>
+            <p:cNvPr id="6" name="Image 5">
+              <a:extLst>
+                <a:ext uri="{FF2B5EF4-FFF2-40B4-BE49-F238E27FC236}">
+                  <a16:creationId xmlns:a16="http://schemas.microsoft.com/office/drawing/2014/main" id="{2D0A881D-5AC2-4766-BD4C-5405D55C11A5}"/>
+                </a:ext>
+              </a:extLst>
+            </p:cNvPr>
+            <p:cNvPicPr>
+              <a:picLocks noChangeAspect="1"/>
+            </p:cNvPicPr>
+            <p:nvPr/>
+          </p:nvPicPr>
+          <p:blipFill>
+            <a:blip r:embed="rId3">
+              <a:extLst>
+                <a:ext uri="{28A0092B-C50C-407E-A947-70E740481C1C}">
+                  <a14:useLocalDpi xmlns:a14="http://schemas.microsoft.com/office/drawing/2010/main" val="0"/>
+                </a:ext>
+              </a:extLst>
+            </a:blip>
+            <a:stretch>
+              <a:fillRect/>
+            </a:stretch>
+          </p:blipFill>
+          <p:spPr>
+            <a:xfrm>
+              <a:off x="327166" y="0"/>
+              <a:ext cx="1566153" cy="1342417"/>
+            </a:xfrm>
+            <a:prstGeom prst="rect">
+              <a:avLst/>
+            </a:prstGeom>
+          </p:spPr>
+        </p:pic>
+      </p:grpSp>
+      <p:sp>
+        <p:nvSpPr>
+          <p:cNvPr id="10" name="ZoneTexte 9">
+            <a:extLst>
+              <a:ext uri="{FF2B5EF4-FFF2-40B4-BE49-F238E27FC236}">
+                <a16:creationId xmlns:a16="http://schemas.microsoft.com/office/drawing/2014/main" id="{CE36D8FB-1CD3-4D19-A954-A2CE97724692}"/>
+              </a:ext>
+            </a:extLst>
+          </p:cNvPr>
+          <p:cNvSpPr txBox="1"/>
+          <p:nvPr/>
+        </p:nvSpPr>
+        <p:spPr>
+          <a:xfrm>
+            <a:off x="336894" y="1225685"/>
+            <a:ext cx="11472482" cy="5369668"/>
+          </a:xfrm>
+          <a:prstGeom prst="rect">
+            <a:avLst/>
+          </a:prstGeom>
+          <a:solidFill>
+            <a:srgbClr val="FED449">
+              <a:alpha val="50000"/>
+            </a:srgbClr>
+          </a:solidFill>
+          <a:effectLst>
+            <a:softEdge rad="152400"/>
+          </a:effectLst>
+        </p:spPr>
+        <p:txBody>
+          <a:bodyPr wrap="square" rtlCol="0">
+            <a:spAutoFit/>
+          </a:bodyPr>
+          <a:lstStyle/>
+          <a:p>
+            <a:pPr marL="0" marR="0" lvl="0" indent="0" algn="l" defTabSz="914400" rtl="0" eaLnBrk="1" fontAlgn="auto" latinLnBrk="0" hangingPunct="1">
+              <a:lnSpc>
+                <a:spcPct val="100000"/>
+              </a:lnSpc>
+              <a:spcBef>
+                <a:spcPts val="0"/>
+              </a:spcBef>
+              <a:spcAft>
+                <a:spcPts val="0"/>
+              </a:spcAft>
+              <a:buClrTx/>
+              <a:buSzTx/>
+              <a:buFontTx/>
+              <a:buNone/>
+              <a:tabLst/>
+              <a:defRPr/>
+            </a:pPr>
+            <a:endParaRPr kumimoji="0" lang="fr-FR" sz="1800" b="0" i="0" u="none" strike="noStrike" kern="1200" cap="none" spc="0" normalizeH="0" baseline="0" noProof="0" dirty="0">
+              <a:ln>
+                <a:noFill/>
+              </a:ln>
+              <a:solidFill>
+                <a:prstClr val="black"/>
+              </a:solidFill>
+              <a:effectLst/>
+              <a:uLnTx/>
+              <a:uFillTx/>
+              <a:latin typeface="Calibri" panose="020F0502020204030204"/>
+              <a:ea typeface="+mn-ea"/>
+              <a:cs typeface="+mn-cs"/>
+            </a:endParaRPr>
+          </a:p>
+        </p:txBody>
+      </p:sp>
+      <p:sp>
+        <p:nvSpPr>
+          <p:cNvPr id="2" name="ZoneTexte 1">
+            <a:extLst>
+              <a:ext uri="{FF2B5EF4-FFF2-40B4-BE49-F238E27FC236}">
+                <a16:creationId xmlns:a16="http://schemas.microsoft.com/office/drawing/2014/main" id="{40B2DBE0-4B31-4A4D-80D2-BF8EE6286B82}"/>
+              </a:ext>
+            </a:extLst>
+          </p:cNvPr>
+          <p:cNvSpPr txBox="1"/>
+          <p:nvPr/>
+        </p:nvSpPr>
+        <p:spPr>
+          <a:xfrm>
+            <a:off x="1090367" y="1674695"/>
+            <a:ext cx="10011266" cy="800219"/>
+          </a:xfrm>
+          <a:prstGeom prst="rect">
+            <a:avLst/>
+          </a:prstGeom>
+          <a:noFill/>
+        </p:spPr>
+        <p:txBody>
+          <a:bodyPr wrap="square" rtlCol="0">
+            <a:spAutoFit/>
+          </a:bodyPr>
+          <a:lstStyle/>
+          <a:p>
+            <a:pPr marL="0" marR="0" lvl="0" indent="0" algn="l" defTabSz="914400" rtl="0" eaLnBrk="1" fontAlgn="auto" latinLnBrk="0" hangingPunct="1">
+              <a:lnSpc>
+                <a:spcPct val="100000"/>
+              </a:lnSpc>
+              <a:spcBef>
+                <a:spcPts val="0"/>
+              </a:spcBef>
+              <a:spcAft>
+                <a:spcPts val="0"/>
+              </a:spcAft>
+              <a:buClrTx/>
+              <a:buSzTx/>
+              <a:buFontTx/>
+              <a:buNone/>
+              <a:tabLst/>
+              <a:defRPr/>
+            </a:pPr>
+            <a:r>
+              <a:rPr kumimoji="0" lang="fr-FR" sz="2800" b="1" i="0" u="none" strike="noStrike" kern="1200" cap="none" spc="0" normalizeH="0" baseline="0" noProof="0" dirty="0">
+                <a:ln>
+                  <a:noFill/>
+                </a:ln>
+                <a:solidFill>
+                  <a:prstClr val="black"/>
+                </a:solidFill>
+                <a:effectLst/>
+                <a:uLnTx/>
+                <a:uFillTx/>
+                <a:latin typeface="Helvetica" panose="020B0604020202030204" pitchFamily="34" charset="0"/>
+                <a:ea typeface="+mn-ea"/>
+                <a:cs typeface="Arial" panose="020B0604020202020204" pitchFamily="34" charset="0"/>
+              </a:rPr>
+              <a:t>MCD</a:t>
+            </a:r>
+          </a:p>
+          <a:p>
+            <a:pPr marL="0" marR="0" lvl="0" indent="0" algn="l" defTabSz="914400" rtl="0" eaLnBrk="1" fontAlgn="auto" latinLnBrk="0" hangingPunct="1">
+              <a:lnSpc>
+                <a:spcPct val="100000"/>
+              </a:lnSpc>
+              <a:spcBef>
+                <a:spcPts val="0"/>
+              </a:spcBef>
+              <a:spcAft>
+                <a:spcPts val="0"/>
+              </a:spcAft>
+              <a:buClrTx/>
+              <a:buSzTx/>
+              <a:buFontTx/>
+              <a:buNone/>
+              <a:tabLst/>
+              <a:defRPr/>
+            </a:pPr>
+            <a:endParaRPr kumimoji="0" lang="fr-FR" sz="1800" b="0" i="0" u="none" strike="noStrike" kern="1200" cap="none" spc="0" normalizeH="0" baseline="0" noProof="0" dirty="0">
+              <a:ln>
+                <a:noFill/>
+              </a:ln>
+              <a:solidFill>
+                <a:prstClr val="black"/>
+              </a:solidFill>
+              <a:effectLst/>
+              <a:uLnTx/>
+              <a:uFillTx/>
+              <a:latin typeface="Calibri" panose="020F0502020204030204"/>
+              <a:ea typeface="+mn-ea"/>
+              <a:cs typeface="+mn-cs"/>
+            </a:endParaRPr>
+          </a:p>
+        </p:txBody>
+      </p:sp>
+      <p:pic>
+        <p:nvPicPr>
+          <p:cNvPr id="5" name="Image 4" descr="JMerise : C:\Users\etudiant12\Desktop\notre_mcd.mcd">
+            <a:extLst>
+              <a:ext uri="{FF2B5EF4-FFF2-40B4-BE49-F238E27FC236}">
+                <a16:creationId xmlns:a16="http://schemas.microsoft.com/office/drawing/2014/main" id="{F75013E0-4C5F-4CF5-9F80-FD4F9E0B926C}"/>
+              </a:ext>
+            </a:extLst>
+          </p:cNvPr>
+          <p:cNvPicPr>
+            <a:picLocks noChangeAspect="1"/>
+          </p:cNvPicPr>
+          <p:nvPr/>
+        </p:nvPicPr>
+        <p:blipFill rotWithShape="1">
+          <a:blip r:embed="rId4">
+            <a:extLst>
+              <a:ext uri="{28A0092B-C50C-407E-A947-70E740481C1C}">
+                <a14:useLocalDpi xmlns:a14="http://schemas.microsoft.com/office/drawing/2010/main" val="0"/>
+              </a:ext>
+            </a:extLst>
+          </a:blip>
+          <a:srcRect l="16614" t="14607" r="13412" b="41357"/>
+          <a:stretch/>
+        </p:blipFill>
+        <p:spPr>
+          <a:xfrm>
+            <a:off x="1172452" y="2444277"/>
+            <a:ext cx="9801366" cy="3335483"/>
+          </a:xfrm>
+          <a:prstGeom prst="rect">
+            <a:avLst/>
+          </a:prstGeom>
+        </p:spPr>
+      </p:pic>
+    </p:spTree>
+    <p:extLst>
+      <p:ext uri="{BB962C8B-B14F-4D97-AF65-F5344CB8AC3E}">
+        <p14:creationId xmlns:p14="http://schemas.microsoft.com/office/powerpoint/2010/main" val="557283206"/>
+      </p:ext>
+    </p:extLst>
+  </p:cSld>
+  <p:clrMapOvr>
+    <a:masterClrMapping/>
+  </p:clrMapOvr>
+</p:sld>
+</file>
+
+<file path=ppt/slides/slide7.xml><?xml version="1.0" encoding="utf-8"?>
+<p:sld xmlns:a="http://schemas.openxmlformats.org/drawingml/2006/main" xmlns:r="http://schemas.openxmlformats.org/officeDocument/2006/relationships" xmlns:p="http://schemas.openxmlformats.org/presentationml/2006/main">
+  <p:cSld>
+    <p:bg>
+      <p:bgPr>
+        <a:blipFill dpi="0" rotWithShape="1">
+          <a:blip r:embed="rId2">
+            <a:lum/>
+          </a:blip>
+          <a:srcRect/>
+          <a:stretch>
+            <a:fillRect/>
+          </a:stretch>
+        </a:blipFill>
+        <a:effectLst/>
+      </p:bgPr>
+    </p:bg>
+    <p:spTree>
+      <p:nvGrpSpPr>
+        <p:cNvPr id="1" name=""/>
+        <p:cNvGrpSpPr/>
+        <p:nvPr/>
+      </p:nvGrpSpPr>
+      <p:grpSpPr>
+        <a:xfrm>
+          <a:off x="0" y="0"/>
+          <a:ext cx="0" cy="0"/>
+          <a:chOff x="0" y="0"/>
+          <a:chExt cx="0" cy="0"/>
+        </a:xfrm>
+      </p:grpSpPr>
+      <p:grpSp>
+        <p:nvGrpSpPr>
+          <p:cNvPr id="7" name="Groupe 6">
+            <a:extLst>
+              <a:ext uri="{FF2B5EF4-FFF2-40B4-BE49-F238E27FC236}">
+                <a16:creationId xmlns:a16="http://schemas.microsoft.com/office/drawing/2014/main" id="{67E81936-583F-45AD-82CC-A5C937F4C87C}"/>
+              </a:ext>
+            </a:extLst>
+          </p:cNvPr>
+          <p:cNvGrpSpPr/>
+          <p:nvPr/>
+        </p:nvGrpSpPr>
+        <p:grpSpPr>
+          <a:xfrm>
+            <a:off x="327166" y="0"/>
+            <a:ext cx="11251304" cy="1342417"/>
+            <a:chOff x="327166" y="0"/>
+            <a:chExt cx="11251304" cy="1342417"/>
+          </a:xfrm>
+        </p:grpSpPr>
+        <p:sp>
+          <p:nvSpPr>
+            <p:cNvPr id="4" name="Flèche : chevron 3">
+              <a:extLst>
+                <a:ext uri="{FF2B5EF4-FFF2-40B4-BE49-F238E27FC236}">
+                  <a16:creationId xmlns:a16="http://schemas.microsoft.com/office/drawing/2014/main" id="{60D600DE-6FA0-4280-A81A-6DBE7691E92C}"/>
+                </a:ext>
+              </a:extLst>
+            </p:cNvPr>
+            <p:cNvSpPr/>
+            <p:nvPr/>
+          </p:nvSpPr>
+          <p:spPr>
+            <a:xfrm>
+              <a:off x="1268691" y="332278"/>
+              <a:ext cx="2309567" cy="688157"/>
+            </a:xfrm>
+            <a:prstGeom prst="chevron">
+              <a:avLst/>
+            </a:prstGeom>
+            <a:solidFill>
+              <a:srgbClr val="FED449"/>
+            </a:solidFill>
+            <a:ln>
+              <a:solidFill>
+                <a:schemeClr val="bg1"/>
+              </a:solidFill>
+            </a:ln>
+          </p:spPr>
+          <p:style>
+            <a:lnRef idx="2">
+              <a:schemeClr val="accent1">
+                <a:shade val="50000"/>
+              </a:schemeClr>
+            </a:lnRef>
+            <a:fillRef idx="1">
+              <a:schemeClr val="accent1"/>
+            </a:fillRef>
+            <a:effectRef idx="0">
+              <a:schemeClr val="accent1"/>
+            </a:effectRef>
+            <a:fontRef idx="minor">
+              <a:schemeClr val="lt1"/>
+            </a:fontRef>
+          </p:style>
+          <p:txBody>
+            <a:bodyPr rtlCol="0" anchor="ctr"/>
+            <a:lstStyle/>
+            <a:p>
               <a:pPr algn="ctr"/>
               <a:r>
                 <a:rPr lang="fr-FR" sz="1500" b="1" dirty="0">
@@ -22005,7 +22772,7 @@
               <a:avLst/>
             </a:prstGeom>
             <a:solidFill>
-              <a:srgbClr val="FED449"/>
+              <a:srgbClr val="88CE62"/>
             </a:solidFill>
             <a:ln>
               <a:solidFill>
@@ -22281,527 +23048,6 @@
         <p:spPr>
           <a:xfrm>
             <a:off x="1090367" y="1674695"/>
-            <a:ext cx="10011266" cy="800219"/>
-          </a:xfrm>
-          <a:prstGeom prst="rect">
-            <a:avLst/>
-          </a:prstGeom>
-          <a:noFill/>
-        </p:spPr>
-        <p:txBody>
-          <a:bodyPr wrap="square" rtlCol="0">
-            <a:spAutoFit/>
-          </a:bodyPr>
-          <a:lstStyle/>
-          <a:p>
-            <a:r>
-              <a:rPr lang="fr-FR" sz="2800" b="1" dirty="0">
-                <a:latin typeface="Helvetica" panose="020B0604020202030204" pitchFamily="34" charset="0"/>
-                <a:cs typeface="Arial" panose="020B0604020202020204" pitchFamily="34" charset="0"/>
-              </a:rPr>
-              <a:t>MCD</a:t>
-            </a:r>
-          </a:p>
-          <a:p>
-            <a:endParaRPr lang="fr-FR" dirty="0"/>
-          </a:p>
-        </p:txBody>
-      </p:sp>
-    </p:spTree>
-    <p:extLst>
-      <p:ext uri="{BB962C8B-B14F-4D97-AF65-F5344CB8AC3E}">
-        <p14:creationId xmlns:p14="http://schemas.microsoft.com/office/powerpoint/2010/main" val="1408283683"/>
-      </p:ext>
-    </p:extLst>
-  </p:cSld>
-  <p:clrMapOvr>
-    <a:masterClrMapping/>
-  </p:clrMapOvr>
-</p:sld>
-</file>
-
-<file path=ppt/slides/slide7.xml><?xml version="1.0" encoding="utf-8"?>
-<p:sld xmlns:a="http://schemas.openxmlformats.org/drawingml/2006/main" xmlns:r="http://schemas.openxmlformats.org/officeDocument/2006/relationships" xmlns:p="http://schemas.openxmlformats.org/presentationml/2006/main">
-  <p:cSld>
-    <p:bg>
-      <p:bgPr>
-        <a:blipFill dpi="0" rotWithShape="1">
-          <a:blip r:embed="rId2">
-            <a:lum/>
-          </a:blip>
-          <a:srcRect/>
-          <a:stretch>
-            <a:fillRect/>
-          </a:stretch>
-        </a:blipFill>
-        <a:effectLst/>
-      </p:bgPr>
-    </p:bg>
-    <p:spTree>
-      <p:nvGrpSpPr>
-        <p:cNvPr id="1" name=""/>
-        <p:cNvGrpSpPr/>
-        <p:nvPr/>
-      </p:nvGrpSpPr>
-      <p:grpSpPr>
-        <a:xfrm>
-          <a:off x="0" y="0"/>
-          <a:ext cx="0" cy="0"/>
-          <a:chOff x="0" y="0"/>
-          <a:chExt cx="0" cy="0"/>
-        </a:xfrm>
-      </p:grpSpPr>
-      <p:grpSp>
-        <p:nvGrpSpPr>
-          <p:cNvPr id="7" name="Groupe 6">
-            <a:extLst>
-              <a:ext uri="{FF2B5EF4-FFF2-40B4-BE49-F238E27FC236}">
-                <a16:creationId xmlns:a16="http://schemas.microsoft.com/office/drawing/2014/main" id="{67E81936-583F-45AD-82CC-A5C937F4C87C}"/>
-              </a:ext>
-            </a:extLst>
-          </p:cNvPr>
-          <p:cNvGrpSpPr/>
-          <p:nvPr/>
-        </p:nvGrpSpPr>
-        <p:grpSpPr>
-          <a:xfrm>
-            <a:off x="327166" y="0"/>
-            <a:ext cx="11251304" cy="1342417"/>
-            <a:chOff x="327166" y="0"/>
-            <a:chExt cx="11251304" cy="1342417"/>
-          </a:xfrm>
-        </p:grpSpPr>
-        <p:sp>
-          <p:nvSpPr>
-            <p:cNvPr id="4" name="Flèche : chevron 3">
-              <a:extLst>
-                <a:ext uri="{FF2B5EF4-FFF2-40B4-BE49-F238E27FC236}">
-                  <a16:creationId xmlns:a16="http://schemas.microsoft.com/office/drawing/2014/main" id="{60D600DE-6FA0-4280-A81A-6DBE7691E92C}"/>
-                </a:ext>
-              </a:extLst>
-            </p:cNvPr>
-            <p:cNvSpPr/>
-            <p:nvPr/>
-          </p:nvSpPr>
-          <p:spPr>
-            <a:xfrm>
-              <a:off x="1268691" y="332278"/>
-              <a:ext cx="2309567" cy="688157"/>
-            </a:xfrm>
-            <a:prstGeom prst="chevron">
-              <a:avLst/>
-            </a:prstGeom>
-            <a:solidFill>
-              <a:srgbClr val="FED449"/>
-            </a:solidFill>
-            <a:ln>
-              <a:solidFill>
-                <a:schemeClr val="bg1"/>
-              </a:solidFill>
-            </a:ln>
-          </p:spPr>
-          <p:style>
-            <a:lnRef idx="2">
-              <a:schemeClr val="accent1">
-                <a:shade val="50000"/>
-              </a:schemeClr>
-            </a:lnRef>
-            <a:fillRef idx="1">
-              <a:schemeClr val="accent1"/>
-            </a:fillRef>
-            <a:effectRef idx="0">
-              <a:schemeClr val="accent1"/>
-            </a:effectRef>
-            <a:fontRef idx="minor">
-              <a:schemeClr val="lt1"/>
-            </a:fontRef>
-          </p:style>
-          <p:txBody>
-            <a:bodyPr rtlCol="0" anchor="ctr"/>
-            <a:lstStyle/>
-            <a:p>
-              <a:pPr algn="ctr"/>
-              <a:r>
-                <a:rPr lang="fr-FR" sz="1500" b="1" dirty="0">
-                  <a:solidFill>
-                    <a:schemeClr val="bg1"/>
-                  </a:solidFill>
-                  <a:effectLst>
-                    <a:outerShdw blurRad="38100" dist="76200" dir="2700000" algn="tl">
-                      <a:srgbClr val="000000"/>
-                    </a:outerShdw>
-                  </a:effectLst>
-                  <a:latin typeface="Helvetica" panose="020B0604020202030204" pitchFamily="34" charset="0"/>
-                </a:rPr>
-                <a:t>Etude du projet</a:t>
-              </a:r>
-            </a:p>
-          </p:txBody>
-        </p:sp>
-        <p:sp>
-          <p:nvSpPr>
-            <p:cNvPr id="16" name="Flèche : chevron 15">
-              <a:extLst>
-                <a:ext uri="{FF2B5EF4-FFF2-40B4-BE49-F238E27FC236}">
-                  <a16:creationId xmlns:a16="http://schemas.microsoft.com/office/drawing/2014/main" id="{F7655D32-22EC-4542-883E-4033865C1471}"/>
-                </a:ext>
-              </a:extLst>
-            </p:cNvPr>
-            <p:cNvSpPr/>
-            <p:nvPr/>
-          </p:nvSpPr>
-          <p:spPr>
-            <a:xfrm>
-              <a:off x="9268903" y="332277"/>
-              <a:ext cx="2309567" cy="688157"/>
-            </a:xfrm>
-            <a:prstGeom prst="chevron">
-              <a:avLst/>
-            </a:prstGeom>
-            <a:solidFill>
-              <a:srgbClr val="FED449"/>
-            </a:solidFill>
-            <a:ln>
-              <a:solidFill>
-                <a:schemeClr val="bg1"/>
-              </a:solidFill>
-            </a:ln>
-          </p:spPr>
-          <p:style>
-            <a:lnRef idx="2">
-              <a:schemeClr val="accent1">
-                <a:shade val="50000"/>
-              </a:schemeClr>
-            </a:lnRef>
-            <a:fillRef idx="1">
-              <a:schemeClr val="accent1"/>
-            </a:fillRef>
-            <a:effectRef idx="0">
-              <a:schemeClr val="accent1"/>
-            </a:effectRef>
-            <a:fontRef idx="minor">
-              <a:schemeClr val="lt1"/>
-            </a:fontRef>
-          </p:style>
-          <p:txBody>
-            <a:bodyPr rtlCol="0" anchor="ctr"/>
-            <a:lstStyle/>
-            <a:p>
-              <a:pPr algn="ctr"/>
-              <a:r>
-                <a:rPr lang="fr-FR" sz="1600" b="1" dirty="0">
-                  <a:solidFill>
-                    <a:schemeClr val="bg1"/>
-                  </a:solidFill>
-                  <a:effectLst>
-                    <a:outerShdw blurRad="38100" dist="76200" dir="2700000" algn="tl">
-                      <a:srgbClr val="000000"/>
-                    </a:outerShdw>
-                  </a:effectLst>
-                  <a:latin typeface="Helvetica" panose="020B0604020202030204" pitchFamily="34" charset="0"/>
-                </a:rPr>
-                <a:t>Conclusion</a:t>
-              </a:r>
-            </a:p>
-          </p:txBody>
-        </p:sp>
-        <p:sp>
-          <p:nvSpPr>
-            <p:cNvPr id="17" name="Flèche : chevron 16">
-              <a:extLst>
-                <a:ext uri="{FF2B5EF4-FFF2-40B4-BE49-F238E27FC236}">
-                  <a16:creationId xmlns:a16="http://schemas.microsoft.com/office/drawing/2014/main" id="{30C36617-CB5C-40F8-B05D-7053886FD5EF}"/>
-                </a:ext>
-              </a:extLst>
-            </p:cNvPr>
-            <p:cNvSpPr/>
-            <p:nvPr/>
-          </p:nvSpPr>
-          <p:spPr>
-            <a:xfrm>
-              <a:off x="3268744" y="332277"/>
-              <a:ext cx="2309567" cy="688157"/>
-            </a:xfrm>
-            <a:prstGeom prst="chevron">
-              <a:avLst/>
-            </a:prstGeom>
-            <a:solidFill>
-              <a:srgbClr val="88CE62"/>
-            </a:solidFill>
-            <a:ln>
-              <a:solidFill>
-                <a:schemeClr val="bg1"/>
-              </a:solidFill>
-            </a:ln>
-          </p:spPr>
-          <p:style>
-            <a:lnRef idx="2">
-              <a:schemeClr val="accent1">
-                <a:shade val="50000"/>
-              </a:schemeClr>
-            </a:lnRef>
-            <a:fillRef idx="1">
-              <a:schemeClr val="accent1"/>
-            </a:fillRef>
-            <a:effectRef idx="0">
-              <a:schemeClr val="accent1"/>
-            </a:effectRef>
-            <a:fontRef idx="minor">
-              <a:schemeClr val="lt1"/>
-            </a:fontRef>
-          </p:style>
-          <p:txBody>
-            <a:bodyPr rtlCol="0" anchor="ctr"/>
-            <a:lstStyle/>
-            <a:p>
-              <a:pPr algn="ctr"/>
-              <a:r>
-                <a:rPr lang="fr-FR" sz="1500" b="1" dirty="0">
-                  <a:solidFill>
-                    <a:schemeClr val="bg1"/>
-                  </a:solidFill>
-                  <a:effectLst>
-                    <a:outerShdw blurRad="38100" dist="76200" dir="2700000" algn="tl">
-                      <a:srgbClr val="000000"/>
-                    </a:outerShdw>
-                  </a:effectLst>
-                  <a:latin typeface="Helvetica" panose="020B0604020202030204" pitchFamily="34" charset="0"/>
-                </a:rPr>
-                <a:t>Organisation</a:t>
-              </a:r>
-            </a:p>
-          </p:txBody>
-        </p:sp>
-        <p:sp>
-          <p:nvSpPr>
-            <p:cNvPr id="18" name="Flèche : chevron 17">
-              <a:extLst>
-                <a:ext uri="{FF2B5EF4-FFF2-40B4-BE49-F238E27FC236}">
-                  <a16:creationId xmlns:a16="http://schemas.microsoft.com/office/drawing/2014/main" id="{A33478E5-51C7-4324-9E5C-0845E032CF0C}"/>
-                </a:ext>
-              </a:extLst>
-            </p:cNvPr>
-            <p:cNvSpPr/>
-            <p:nvPr/>
-          </p:nvSpPr>
-          <p:spPr>
-            <a:xfrm>
-              <a:off x="5268797" y="332704"/>
-              <a:ext cx="2309567" cy="688157"/>
-            </a:xfrm>
-            <a:prstGeom prst="chevron">
-              <a:avLst/>
-            </a:prstGeom>
-            <a:solidFill>
-              <a:srgbClr val="FED449"/>
-            </a:solidFill>
-            <a:ln>
-              <a:solidFill>
-                <a:schemeClr val="bg1"/>
-              </a:solidFill>
-            </a:ln>
-          </p:spPr>
-          <p:style>
-            <a:lnRef idx="2">
-              <a:schemeClr val="accent1">
-                <a:shade val="50000"/>
-              </a:schemeClr>
-            </a:lnRef>
-            <a:fillRef idx="1">
-              <a:schemeClr val="accent1"/>
-            </a:fillRef>
-            <a:effectRef idx="0">
-              <a:schemeClr val="accent1"/>
-            </a:effectRef>
-            <a:fontRef idx="minor">
-              <a:schemeClr val="lt1"/>
-            </a:fontRef>
-          </p:style>
-          <p:txBody>
-            <a:bodyPr rtlCol="0" anchor="ctr"/>
-            <a:lstStyle/>
-            <a:p>
-              <a:pPr algn="ctr"/>
-              <a:r>
-                <a:rPr lang="fr-FR" sz="1500" b="1" dirty="0">
-                  <a:solidFill>
-                    <a:schemeClr val="bg1"/>
-                  </a:solidFill>
-                  <a:effectLst>
-                    <a:outerShdw blurRad="38100" dist="76200" dir="2700000" algn="tl">
-                      <a:srgbClr val="000000"/>
-                    </a:outerShdw>
-                  </a:effectLst>
-                  <a:latin typeface="Helvetica" panose="020B0604020202030204" pitchFamily="34" charset="0"/>
-                </a:rPr>
-                <a:t>Développement</a:t>
-              </a:r>
-            </a:p>
-          </p:txBody>
-        </p:sp>
-        <p:sp>
-          <p:nvSpPr>
-            <p:cNvPr id="19" name="Flèche : chevron 18">
-              <a:extLst>
-                <a:ext uri="{FF2B5EF4-FFF2-40B4-BE49-F238E27FC236}">
-                  <a16:creationId xmlns:a16="http://schemas.microsoft.com/office/drawing/2014/main" id="{8795E004-010B-4219-8B10-37FA6D3A7781}"/>
-                </a:ext>
-              </a:extLst>
-            </p:cNvPr>
-            <p:cNvSpPr/>
-            <p:nvPr/>
-          </p:nvSpPr>
-          <p:spPr>
-            <a:xfrm>
-              <a:off x="7268850" y="332703"/>
-              <a:ext cx="2309567" cy="688157"/>
-            </a:xfrm>
-            <a:prstGeom prst="chevron">
-              <a:avLst/>
-            </a:prstGeom>
-            <a:solidFill>
-              <a:srgbClr val="FED449"/>
-            </a:solidFill>
-            <a:ln>
-              <a:solidFill>
-                <a:schemeClr val="bg1"/>
-              </a:solidFill>
-            </a:ln>
-          </p:spPr>
-          <p:style>
-            <a:lnRef idx="2">
-              <a:schemeClr val="accent1">
-                <a:shade val="50000"/>
-              </a:schemeClr>
-            </a:lnRef>
-            <a:fillRef idx="1">
-              <a:schemeClr val="accent1"/>
-            </a:fillRef>
-            <a:effectRef idx="0">
-              <a:schemeClr val="accent1"/>
-            </a:effectRef>
-            <a:fontRef idx="minor">
-              <a:schemeClr val="lt1"/>
-            </a:fontRef>
-          </p:style>
-          <p:txBody>
-            <a:bodyPr rtlCol="0" anchor="ctr"/>
-            <a:lstStyle/>
-            <a:p>
-              <a:pPr algn="ctr"/>
-              <a:r>
-                <a:rPr lang="fr-FR" sz="1500" b="1" dirty="0">
-                  <a:solidFill>
-                    <a:schemeClr val="bg1"/>
-                  </a:solidFill>
-                  <a:effectLst>
-                    <a:outerShdw blurRad="38100" dist="76200" dir="2700000" algn="tl">
-                      <a:srgbClr val="000000"/>
-                    </a:outerShdw>
-                  </a:effectLst>
-                  <a:latin typeface="Helvetica" panose="020B0604020202030204" pitchFamily="34" charset="0"/>
-                </a:rPr>
-                <a:t>Démonstration</a:t>
-              </a:r>
-              <a:endParaRPr lang="fr-FR" sz="1500" dirty="0">
-                <a:solidFill>
-                  <a:schemeClr val="tx1"/>
-                </a:solidFill>
-              </a:endParaRPr>
-            </a:p>
-          </p:txBody>
-        </p:sp>
-        <p:pic>
-          <p:nvPicPr>
-            <p:cNvPr id="6" name="Image 5">
-              <a:extLst>
-                <a:ext uri="{FF2B5EF4-FFF2-40B4-BE49-F238E27FC236}">
-                  <a16:creationId xmlns:a16="http://schemas.microsoft.com/office/drawing/2014/main" id="{2D0A881D-5AC2-4766-BD4C-5405D55C11A5}"/>
-                </a:ext>
-              </a:extLst>
-            </p:cNvPr>
-            <p:cNvPicPr>
-              <a:picLocks noChangeAspect="1"/>
-            </p:cNvPicPr>
-            <p:nvPr/>
-          </p:nvPicPr>
-          <p:blipFill>
-            <a:blip r:embed="rId3">
-              <a:extLst>
-                <a:ext uri="{28A0092B-C50C-407E-A947-70E740481C1C}">
-                  <a14:useLocalDpi xmlns:a14="http://schemas.microsoft.com/office/drawing/2010/main" val="0"/>
-                </a:ext>
-              </a:extLst>
-            </a:blip>
-            <a:stretch>
-              <a:fillRect/>
-            </a:stretch>
-          </p:blipFill>
-          <p:spPr>
-            <a:xfrm>
-              <a:off x="327166" y="0"/>
-              <a:ext cx="1566153" cy="1342417"/>
-            </a:xfrm>
-            <a:prstGeom prst="rect">
-              <a:avLst/>
-            </a:prstGeom>
-          </p:spPr>
-        </p:pic>
-      </p:grpSp>
-      <p:sp>
-        <p:nvSpPr>
-          <p:cNvPr id="10" name="ZoneTexte 9">
-            <a:extLst>
-              <a:ext uri="{FF2B5EF4-FFF2-40B4-BE49-F238E27FC236}">
-                <a16:creationId xmlns:a16="http://schemas.microsoft.com/office/drawing/2014/main" id="{CE36D8FB-1CD3-4D19-A954-A2CE97724692}"/>
-              </a:ext>
-            </a:extLst>
-          </p:cNvPr>
-          <p:cNvSpPr txBox="1"/>
-          <p:nvPr/>
-        </p:nvSpPr>
-        <p:spPr>
-          <a:xfrm>
-            <a:off x="336894" y="1225685"/>
-            <a:ext cx="11472482" cy="5369668"/>
-          </a:xfrm>
-          <a:prstGeom prst="rect">
-            <a:avLst/>
-          </a:prstGeom>
-          <a:solidFill>
-            <a:srgbClr val="FED449">
-              <a:alpha val="50000"/>
-            </a:srgbClr>
-          </a:solidFill>
-          <a:effectLst>
-            <a:softEdge rad="152400"/>
-          </a:effectLst>
-        </p:spPr>
-        <p:txBody>
-          <a:bodyPr wrap="square" rtlCol="0">
-            <a:spAutoFit/>
-          </a:bodyPr>
-          <a:lstStyle/>
-          <a:p>
-            <a:endParaRPr lang="fr-FR" dirty="0"/>
-          </a:p>
-        </p:txBody>
-      </p:sp>
-      <p:sp>
-        <p:nvSpPr>
-          <p:cNvPr id="2" name="ZoneTexte 1">
-            <a:extLst>
-              <a:ext uri="{FF2B5EF4-FFF2-40B4-BE49-F238E27FC236}">
-                <a16:creationId xmlns:a16="http://schemas.microsoft.com/office/drawing/2014/main" id="{40B2DBE0-4B31-4A4D-80D2-BF8EE6286B82}"/>
-              </a:ext>
-            </a:extLst>
-          </p:cNvPr>
-          <p:cNvSpPr txBox="1"/>
-          <p:nvPr/>
-        </p:nvSpPr>
-        <p:spPr>
-          <a:xfrm>
-            <a:off x="1090367" y="1674695"/>
             <a:ext cx="10011266" cy="4524315"/>
           </a:xfrm>
           <a:prstGeom prst="rect">
@@ -23419,7 +23665,7 @@
           <a:graphicData uri="http://schemas.openxmlformats.org/presentationml/2006/ole">
             <mc:AlternateContent xmlns:mc="http://schemas.openxmlformats.org/markup-compatibility/2006">
               <mc:Choice xmlns:v="urn:schemas-microsoft-com:vml" Requires="v">
-                <p:oleObj spid="_x0000_s1073" name="Worksheet" r:id="rId5" imgW="6865398" imgH="1562197" progId="Excel.Sheet.12">
+                <p:oleObj spid="_x0000_s1074" name="Worksheet" r:id="rId5" imgW="6865398" imgH="1562197" progId="Excel.Sheet.12">
                   <p:embed/>
                 </p:oleObj>
               </mc:Choice>

--- a/DIAPO.pptx
+++ b/DIAPO.pptx
@@ -13378,8 +13378,8 @@
         </p:nvSpPr>
         <p:spPr>
           <a:xfrm>
-            <a:off x="2603369" y="2875915"/>
-            <a:ext cx="6766874" cy="1815882"/>
+            <a:off x="2603369" y="2749455"/>
+            <a:ext cx="6766874" cy="2246769"/>
           </a:xfrm>
           <a:prstGeom prst="rect">
             <a:avLst/>
@@ -13396,20 +13396,9 @@
             <a:r>
               <a:rPr lang="fr-FR" sz="2800" dirty="0">
                 <a:latin typeface="Helvetica" panose="020B0604020202030204" pitchFamily="34" charset="0"/>
-                <a:hlinkClick r:id="rId4"/>
               </a:rPr>
-              <a:t>En avant dans l'univers </a:t>
+              <a:t>Accessible en ligne</a:t>
             </a:r>
-            <a:r>
-              <a:rPr lang="fr-FR" sz="2800" dirty="0" err="1">
-                <a:latin typeface="Helvetica" panose="020B0604020202030204" pitchFamily="34" charset="0"/>
-                <a:hlinkClick r:id="rId4"/>
-              </a:rPr>
-              <a:t>U’Pop</a:t>
-            </a:r>
-            <a:endParaRPr lang="fr-FR" sz="2800" dirty="0">
-              <a:latin typeface="Helvetica" panose="020B0604020202030204" pitchFamily="34" charset="0"/>
-            </a:endParaRPr>
           </a:p>
           <a:p>
             <a:pPr algn="ctr"/>
@@ -13423,15 +13412,21 @@
               <a:rPr lang="fr-FR" sz="2800" dirty="0">
                 <a:latin typeface="Helvetica" panose="020B0604020202030204" pitchFamily="34" charset="0"/>
               </a:rPr>
-              <a:t>Accessible en ligne</a:t>
+              <a:t>http://upop.champemedylan.fr</a:t>
             </a:r>
+          </a:p>
+          <a:p>
+            <a:pPr algn="ctr"/>
+            <a:endParaRPr lang="fr-FR" sz="2800" dirty="0">
+              <a:latin typeface="Helvetica" panose="020B0604020202030204" pitchFamily="34" charset="0"/>
+            </a:endParaRPr>
           </a:p>
           <a:p>
             <a:pPr algn="ctr"/>
             <a:r>
               <a:rPr lang="fr-FR" sz="2800" dirty="0" err="1">
                 <a:latin typeface="Helvetica" panose="020B0604020202030204" pitchFamily="34" charset="0"/>
-                <a:hlinkClick r:id="rId5"/>
+                <a:hlinkClick r:id="rId4"/>
               </a:rPr>
               <a:t>U’pop</a:t>
             </a:r>
@@ -22520,10 +22515,10 @@
       </p:sp>
       <p:pic>
         <p:nvPicPr>
-          <p:cNvPr id="5" name="Image 4" descr="JMerise : C:\Users\etudiant12\Desktop\notre_mcd.mcd">
+          <p:cNvPr id="3" name="Image 2">
             <a:extLst>
               <a:ext uri="{FF2B5EF4-FFF2-40B4-BE49-F238E27FC236}">
-                <a16:creationId xmlns:a16="http://schemas.microsoft.com/office/drawing/2014/main" id="{F75013E0-4C5F-4CF5-9F80-FD4F9E0B926C}"/>
+                <a16:creationId xmlns:a16="http://schemas.microsoft.com/office/drawing/2014/main" id="{6800A288-CE7A-4F82-9368-A7305C1C3208}"/>
               </a:ext>
             </a:extLst>
           </p:cNvPr>
@@ -22532,21 +22527,16 @@
           </p:cNvPicPr>
           <p:nvPr/>
         </p:nvPicPr>
-        <p:blipFill rotWithShape="1">
-          <a:blip r:embed="rId4">
-            <a:extLst>
-              <a:ext uri="{28A0092B-C50C-407E-A947-70E740481C1C}">
-                <a14:useLocalDpi xmlns:a14="http://schemas.microsoft.com/office/drawing/2010/main" val="0"/>
-              </a:ext>
-            </a:extLst>
-          </a:blip>
-          <a:srcRect l="16614" t="14607" r="13412" b="41357"/>
-          <a:stretch/>
+        <p:blipFill>
+          <a:blip r:embed="rId4"/>
+          <a:stretch>
+            <a:fillRect/>
+          </a:stretch>
         </p:blipFill>
         <p:spPr>
           <a:xfrm>
-            <a:off x="1172452" y="2444277"/>
-            <a:ext cx="9801366" cy="3335483"/>
+            <a:off x="804964" y="2372583"/>
+            <a:ext cx="10466884" cy="3658570"/>
           </a:xfrm>
           <a:prstGeom prst="rect">
             <a:avLst/>
@@ -23665,7 +23655,7 @@
           <a:graphicData uri="http://schemas.openxmlformats.org/presentationml/2006/ole">
             <mc:AlternateContent xmlns:mc="http://schemas.openxmlformats.org/markup-compatibility/2006">
               <mc:Choice xmlns:v="urn:schemas-microsoft-com:vml" Requires="v">
-                <p:oleObj spid="_x0000_s1074" name="Worksheet" r:id="rId5" imgW="6865398" imgH="1562197" progId="Excel.Sheet.12">
+                <p:oleObj spid="_x0000_s1077" name="Worksheet" r:id="rId5" imgW="6865398" imgH="1562197" progId="Excel.Sheet.12">
                   <p:embed/>
                 </p:oleObj>
               </mc:Choice>

--- a/DIAPO.pptx
+++ b/DIAPO.pptx
@@ -14551,7 +14551,19 @@
               <a:rPr lang="fr-FR" sz="2400" dirty="0">
                 <a:latin typeface="Helvetica" panose="020B0604020202030204" pitchFamily="34" charset="0"/>
               </a:rPr>
-              <a:t>Utiliser la méthode AGILE dès le début</a:t>
+              <a:t>Utiliser la méthode </a:t>
+            </a:r>
+            <a:r>
+              <a:rPr lang="fr-FR" sz="2400">
+                <a:latin typeface="Helvetica" panose="020B0604020202030204" pitchFamily="34" charset="0"/>
+              </a:rPr>
+              <a:t>à Gilles (AGILE) </a:t>
+            </a:r>
+            <a:r>
+              <a:rPr lang="fr-FR" sz="2400" dirty="0">
+                <a:latin typeface="Helvetica" panose="020B0604020202030204" pitchFamily="34" charset="0"/>
+              </a:rPr>
+              <a:t>dès le début</a:t>
             </a:r>
           </a:p>
           <a:p>
@@ -23655,7 +23667,7 @@
           <a:graphicData uri="http://schemas.openxmlformats.org/presentationml/2006/ole">
             <mc:AlternateContent xmlns:mc="http://schemas.openxmlformats.org/markup-compatibility/2006">
               <mc:Choice xmlns:v="urn:schemas-microsoft-com:vml" Requires="v">
-                <p:oleObj spid="_x0000_s1077" name="Worksheet" r:id="rId5" imgW="6865398" imgH="1562197" progId="Excel.Sheet.12">
+                <p:oleObj spid="_x0000_s1078" name="Worksheet" r:id="rId5" imgW="6865398" imgH="1562197" progId="Excel.Sheet.12">
                   <p:embed/>
                 </p:oleObj>
               </mc:Choice>
